--- a/Working Individual/SyLK/Presentation.pptx
+++ b/Working Individual/SyLK/Presentation.pptx
@@ -5,7 +5,7 @@
     <p:sldMasterId id="2147483660" r:id="rId1"/>
   </p:sldMasterIdLst>
   <p:notesMasterIdLst>
-    <p:notesMasterId r:id="rId12"/>
+    <p:notesMasterId r:id="rId16"/>
   </p:notesMasterIdLst>
   <p:sldIdLst>
     <p:sldId id="256" r:id="rId2"/>
@@ -14,10 +14,14 @@
     <p:sldId id="258" r:id="rId5"/>
     <p:sldId id="259" r:id="rId6"/>
     <p:sldId id="262" r:id="rId7"/>
-    <p:sldId id="265" r:id="rId8"/>
-    <p:sldId id="266" r:id="rId9"/>
-    <p:sldId id="267" r:id="rId10"/>
-    <p:sldId id="264" r:id="rId11"/>
+    <p:sldId id="269" r:id="rId8"/>
+    <p:sldId id="271" r:id="rId9"/>
+    <p:sldId id="270" r:id="rId10"/>
+    <p:sldId id="265" r:id="rId11"/>
+    <p:sldId id="266" r:id="rId12"/>
+    <p:sldId id="267" r:id="rId13"/>
+    <p:sldId id="264" r:id="rId14"/>
+    <p:sldId id="268" r:id="rId15"/>
   </p:sldIdLst>
   <p:sldSz cx="9144000" cy="6858000" type="screen4x3"/>
   <p:notesSz cx="6858000" cy="9144000"/>
@@ -206,7 +210,7 @@
           <a:p>
             <a:fld id="{58511F64-2239-4611-98FE-944213D775AD}" type="datetimeFigureOut">
               <a:rPr lang="vi-VN" smtClean="0"/>
-              <a:t>04/08/2016</a:t>
+              <a:t>08/08/2016</a:t>
             </a:fld>
             <a:endParaRPr lang="vi-VN"/>
           </a:p>
@@ -697,7 +701,7 @@
           <a:p>
             <a:fld id="{06A0E094-5B08-4F19-B0B0-791FE6D14E05}" type="datetimeFigureOut">
               <a:rPr lang="vi-VN" smtClean="0"/>
-              <a:t>04/08/2016</a:t>
+              <a:t>08/08/2016</a:t>
             </a:fld>
             <a:endParaRPr lang="vi-VN"/>
           </a:p>
@@ -867,7 +871,7 @@
           <a:p>
             <a:fld id="{06A0E094-5B08-4F19-B0B0-791FE6D14E05}" type="datetimeFigureOut">
               <a:rPr lang="vi-VN" smtClean="0"/>
-              <a:t>04/08/2016</a:t>
+              <a:t>08/08/2016</a:t>
             </a:fld>
             <a:endParaRPr lang="vi-VN"/>
           </a:p>
@@ -1047,7 +1051,7 @@
           <a:p>
             <a:fld id="{06A0E094-5B08-4F19-B0B0-791FE6D14E05}" type="datetimeFigureOut">
               <a:rPr lang="vi-VN" smtClean="0"/>
-              <a:t>04/08/2016</a:t>
+              <a:t>08/08/2016</a:t>
             </a:fld>
             <a:endParaRPr lang="vi-VN"/>
           </a:p>
@@ -1255,7 +1259,7 @@
           <a:p>
             <a:fld id="{06A0E094-5B08-4F19-B0B0-791FE6D14E05}" type="datetimeFigureOut">
               <a:rPr lang="vi-VN" smtClean="0"/>
-              <a:t>04/08/2016</a:t>
+              <a:t>08/08/2016</a:t>
             </a:fld>
             <a:endParaRPr lang="vi-VN"/>
           </a:p>
@@ -1499,7 +1503,7 @@
           <a:p>
             <a:fld id="{06A0E094-5B08-4F19-B0B0-791FE6D14E05}" type="datetimeFigureOut">
               <a:rPr lang="vi-VN" smtClean="0"/>
-              <a:t>04/08/2016</a:t>
+              <a:t>08/08/2016</a:t>
             </a:fld>
             <a:endParaRPr lang="vi-VN"/>
           </a:p>
@@ -1731,7 +1735,7 @@
           <a:p>
             <a:fld id="{06A0E094-5B08-4F19-B0B0-791FE6D14E05}" type="datetimeFigureOut">
               <a:rPr lang="vi-VN" smtClean="0"/>
-              <a:t>04/08/2016</a:t>
+              <a:t>08/08/2016</a:t>
             </a:fld>
             <a:endParaRPr lang="vi-VN"/>
           </a:p>
@@ -2098,7 +2102,7 @@
           <a:p>
             <a:fld id="{06A0E094-5B08-4F19-B0B0-791FE6D14E05}" type="datetimeFigureOut">
               <a:rPr lang="vi-VN" smtClean="0"/>
-              <a:t>04/08/2016</a:t>
+              <a:t>08/08/2016</a:t>
             </a:fld>
             <a:endParaRPr lang="vi-VN"/>
           </a:p>
@@ -2216,7 +2220,7 @@
           <a:p>
             <a:fld id="{06A0E094-5B08-4F19-B0B0-791FE6D14E05}" type="datetimeFigureOut">
               <a:rPr lang="vi-VN" smtClean="0"/>
-              <a:t>04/08/2016</a:t>
+              <a:t>08/08/2016</a:t>
             </a:fld>
             <a:endParaRPr lang="vi-VN"/>
           </a:p>
@@ -2311,7 +2315,7 @@
           <a:p>
             <a:fld id="{06A0E094-5B08-4F19-B0B0-791FE6D14E05}" type="datetimeFigureOut">
               <a:rPr lang="vi-VN" smtClean="0"/>
-              <a:t>04/08/2016</a:t>
+              <a:t>08/08/2016</a:t>
             </a:fld>
             <a:endParaRPr lang="vi-VN"/>
           </a:p>
@@ -2588,7 +2592,7 @@
           <a:p>
             <a:fld id="{06A0E094-5B08-4F19-B0B0-791FE6D14E05}" type="datetimeFigureOut">
               <a:rPr lang="vi-VN" smtClean="0"/>
-              <a:t>04/08/2016</a:t>
+              <a:t>08/08/2016</a:t>
             </a:fld>
             <a:endParaRPr lang="vi-VN"/>
           </a:p>
@@ -2845,7 +2849,7 @@
           <a:p>
             <a:fld id="{06A0E094-5B08-4F19-B0B0-791FE6D14E05}" type="datetimeFigureOut">
               <a:rPr lang="vi-VN" smtClean="0"/>
-              <a:t>04/08/2016</a:t>
+              <a:t>08/08/2016</a:t>
             </a:fld>
             <a:endParaRPr lang="vi-VN"/>
           </a:p>
@@ -3058,7 +3062,7 @@
           <a:p>
             <a:fld id="{06A0E094-5B08-4F19-B0B0-791FE6D14E05}" type="datetimeFigureOut">
               <a:rPr lang="vi-VN" smtClean="0"/>
-              <a:t>04/08/2016</a:t>
+              <a:t>08/08/2016</a:t>
             </a:fld>
             <a:endParaRPr lang="vi-VN"/>
           </a:p>
@@ -3610,18 +3614,18 @@
           </a:p>
           <a:p>
             <a:r>
-              <a:rPr lang="en-US" sz="1350" dirty="0" err="1">
+              <a:rPr lang="en-US" sz="1350" dirty="0" smtClean="0">
                 <a:latin typeface="Segoe UI" panose="020B0502040204020203" pitchFamily="34" charset="0"/>
                 <a:cs typeface="Segoe UI" panose="020B0502040204020203" pitchFamily="34" charset="0"/>
               </a:rPr>
-              <a:t>.Net</a:t>
+              <a:t>.NET </a:t>
             </a:r>
             <a:r>
               <a:rPr lang="en-US" sz="1350" dirty="0">
                 <a:latin typeface="Segoe UI" panose="020B0502040204020203" pitchFamily="34" charset="0"/>
                 <a:cs typeface="Segoe UI" panose="020B0502040204020203" pitchFamily="34" charset="0"/>
               </a:rPr>
-              <a:t> Developer</a:t>
+              <a:t>Developer</a:t>
             </a:r>
           </a:p>
           <a:p>
@@ -3849,471 +3853,6 @@
 <file path=ppt/slides/slide10.xml><?xml version="1.0" encoding="utf-8"?>
 <p:sld xmlns:a="http://schemas.openxmlformats.org/drawingml/2006/main" xmlns:r="http://schemas.openxmlformats.org/officeDocument/2006/relationships" xmlns:p="http://schemas.openxmlformats.org/presentationml/2006/main">
   <p:cSld>
-    <p:bg>
-      <p:bgPr>
-        <a:solidFill>
-          <a:schemeClr val="accent5">
-            <a:lumMod val="75000"/>
-          </a:schemeClr>
-        </a:solidFill>
-        <a:effectLst/>
-      </p:bgPr>
-    </p:bg>
-    <p:spTree>
-      <p:nvGrpSpPr>
-        <p:cNvPr id="1" name=""/>
-        <p:cNvGrpSpPr/>
-        <p:nvPr/>
-      </p:nvGrpSpPr>
-      <p:grpSpPr>
-        <a:xfrm>
-          <a:off x="0" y="0"/>
-          <a:ext cx="0" cy="0"/>
-          <a:chOff x="0" y="0"/>
-          <a:chExt cx="0" cy="0"/>
-        </a:xfrm>
-      </p:grpSpPr>
-      <p:sp>
-        <p:nvSpPr>
-          <p:cNvPr id="4" name="TextBox 3"/>
-          <p:cNvSpPr txBox="1"/>
-          <p:nvPr/>
-        </p:nvSpPr>
-        <p:spPr>
-          <a:xfrm>
-            <a:off x="1049312" y="2548329"/>
-            <a:ext cx="6460760" cy="1015663"/>
-          </a:xfrm>
-          <a:prstGeom prst="rect">
-            <a:avLst/>
-          </a:prstGeom>
-          <a:noFill/>
-        </p:spPr>
-        <p:txBody>
-          <a:bodyPr wrap="square" rtlCol="0">
-            <a:spAutoFit/>
-          </a:bodyPr>
-          <a:lstStyle/>
-          <a:p>
-            <a:r>
-              <a:rPr lang="en-US" sz="3000" dirty="0" smtClean="0">
-                <a:solidFill>
-                  <a:schemeClr val="bg1"/>
-                </a:solidFill>
-                <a:latin typeface="Segoe UI Light" panose="020B0502040204020203" pitchFamily="34" charset="0"/>
-                <a:cs typeface="Segoe UI Light" panose="020B0502040204020203" pitchFamily="34" charset="0"/>
-              </a:rPr>
-              <a:t>Can my system use RNS to send </a:t>
-            </a:r>
-            <a:r>
-              <a:rPr lang="en-US" sz="3000" dirty="0" smtClean="0">
-                <a:solidFill>
-                  <a:schemeClr val="bg1"/>
-                </a:solidFill>
-                <a:latin typeface="Segoe UI Light" panose="020B0502040204020203" pitchFamily="34" charset="0"/>
-                <a:cs typeface="Segoe UI Light" panose="020B0502040204020203" pitchFamily="34" charset="0"/>
-              </a:rPr>
-              <a:t>notifications </a:t>
-            </a:r>
-            <a:r>
-              <a:rPr lang="en-US" sz="3000" dirty="0" smtClean="0">
-                <a:solidFill>
-                  <a:schemeClr val="bg1"/>
-                </a:solidFill>
-                <a:latin typeface="Segoe UI Light" panose="020B0502040204020203" pitchFamily="34" charset="0"/>
-                <a:cs typeface="Segoe UI Light" panose="020B0502040204020203" pitchFamily="34" charset="0"/>
-              </a:rPr>
-              <a:t>to my </a:t>
-            </a:r>
-            <a:r>
-              <a:rPr lang="en-US" sz="3000" dirty="0" smtClean="0">
-                <a:solidFill>
-                  <a:schemeClr val="bg1"/>
-                </a:solidFill>
-                <a:latin typeface="Segoe UI Light" panose="020B0502040204020203" pitchFamily="34" charset="0"/>
-                <a:cs typeface="Segoe UI Light" panose="020B0502040204020203" pitchFamily="34" charset="0"/>
-              </a:rPr>
-              <a:t>users?</a:t>
-            </a:r>
-            <a:endParaRPr lang="vi-VN" sz="3000" dirty="0">
-              <a:solidFill>
-                <a:schemeClr val="bg1"/>
-              </a:solidFill>
-              <a:latin typeface="Segoe UI Light" panose="020B0502040204020203" pitchFamily="34" charset="0"/>
-              <a:cs typeface="Segoe UI Light" panose="020B0502040204020203" pitchFamily="34" charset="0"/>
-            </a:endParaRPr>
-          </a:p>
-        </p:txBody>
-      </p:sp>
-    </p:spTree>
-    <p:extLst>
-      <p:ext uri="{BB962C8B-B14F-4D97-AF65-F5344CB8AC3E}">
-        <p14:creationId xmlns:p14="http://schemas.microsoft.com/office/powerpoint/2010/main" val="1480140903"/>
-      </p:ext>
-    </p:extLst>
-  </p:cSld>
-  <p:clrMapOvr>
-    <a:masterClrMapping/>
-  </p:clrMapOvr>
-  <mc:AlternateContent xmlns:mc="http://schemas.openxmlformats.org/markup-compatibility/2006" xmlns:p14="http://schemas.microsoft.com/office/powerpoint/2010/main">
-    <mc:Choice Requires="p14">
-      <p:transition spd="med" p14:dur="700">
-        <p:fade/>
-      </p:transition>
-    </mc:Choice>
-    <mc:Fallback xmlns="">
-      <p:transition spd="med">
-        <p:fade/>
-      </p:transition>
-    </mc:Fallback>
-  </mc:AlternateContent>
-  <p:timing>
-    <p:tnLst>
-      <p:par>
-        <p:cTn id="1" dur="indefinite" restart="never" nodeType="tmRoot">
-          <p:childTnLst>
-            <p:seq concurrent="1" nextAc="seek">
-              <p:cTn id="2" dur="indefinite" nodeType="mainSeq">
-                <p:childTnLst>
-                  <p:par>
-                    <p:cTn id="3" fill="hold">
-                      <p:stCondLst>
-                        <p:cond delay="indefinite"/>
-                        <p:cond evt="onBegin" delay="0">
-                          <p:tn val="2"/>
-                        </p:cond>
-                      </p:stCondLst>
-                      <p:childTnLst>
-                        <p:par>
-                          <p:cTn id="4" fill="hold">
-                            <p:stCondLst>
-                              <p:cond delay="0"/>
-                            </p:stCondLst>
-                            <p:childTnLst>
-                              <p:par>
-                                <p:cTn id="5" presetID="53" presetClass="entr" presetSubtype="16" fill="hold" grpId="0" nodeType="withEffect">
-                                  <p:stCondLst>
-                                    <p:cond delay="0"/>
-                                  </p:stCondLst>
-                                  <p:childTnLst>
-                                    <p:set>
-                                      <p:cBhvr>
-                                        <p:cTn id="6" dur="1" fill="hold">
-                                          <p:stCondLst>
-                                            <p:cond delay="0"/>
-                                          </p:stCondLst>
-                                        </p:cTn>
-                                        <p:tgtEl>
-                                          <p:spTgt spid="4">
-                                            <p:txEl>
-                                              <p:pRg st="0" end="0"/>
-                                            </p:txEl>
-                                          </p:spTgt>
-                                        </p:tgtEl>
-                                        <p:attrNameLst>
-                                          <p:attrName>style.visibility</p:attrName>
-                                        </p:attrNameLst>
-                                      </p:cBhvr>
-                                      <p:to>
-                                        <p:strVal val="visible"/>
-                                      </p:to>
-                                    </p:set>
-                                    <p:anim calcmode="lin" valueType="num">
-                                      <p:cBhvr>
-                                        <p:cTn id="7" dur="500" fill="hold"/>
-                                        <p:tgtEl>
-                                          <p:spTgt spid="4">
-                                            <p:txEl>
-                                              <p:pRg st="0" end="0"/>
-                                            </p:txEl>
-                                          </p:spTgt>
-                                        </p:tgtEl>
-                                        <p:attrNameLst>
-                                          <p:attrName>ppt_w</p:attrName>
-                                        </p:attrNameLst>
-                                      </p:cBhvr>
-                                      <p:tavLst>
-                                        <p:tav tm="0">
-                                          <p:val>
-                                            <p:fltVal val="0"/>
-                                          </p:val>
-                                        </p:tav>
-                                        <p:tav tm="100000">
-                                          <p:val>
-                                            <p:strVal val="#ppt_w"/>
-                                          </p:val>
-                                        </p:tav>
-                                      </p:tavLst>
-                                    </p:anim>
-                                    <p:anim calcmode="lin" valueType="num">
-                                      <p:cBhvr>
-                                        <p:cTn id="8" dur="500" fill="hold"/>
-                                        <p:tgtEl>
-                                          <p:spTgt spid="4">
-                                            <p:txEl>
-                                              <p:pRg st="0" end="0"/>
-                                            </p:txEl>
-                                          </p:spTgt>
-                                        </p:tgtEl>
-                                        <p:attrNameLst>
-                                          <p:attrName>ppt_h</p:attrName>
-                                        </p:attrNameLst>
-                                      </p:cBhvr>
-                                      <p:tavLst>
-                                        <p:tav tm="0">
-                                          <p:val>
-                                            <p:fltVal val="0"/>
-                                          </p:val>
-                                        </p:tav>
-                                        <p:tav tm="100000">
-                                          <p:val>
-                                            <p:strVal val="#ppt_h"/>
-                                          </p:val>
-                                        </p:tav>
-                                      </p:tavLst>
-                                    </p:anim>
-                                    <p:animEffect transition="in" filter="fade">
-                                      <p:cBhvr>
-                                        <p:cTn id="9" dur="500"/>
-                                        <p:tgtEl>
-                                          <p:spTgt spid="4">
-                                            <p:txEl>
-                                              <p:pRg st="0" end="0"/>
-                                            </p:txEl>
-                                          </p:spTgt>
-                                        </p:tgtEl>
-                                      </p:cBhvr>
-                                    </p:animEffect>
-                                  </p:childTnLst>
-                                </p:cTn>
-                              </p:par>
-                            </p:childTnLst>
-                          </p:cTn>
-                        </p:par>
-                      </p:childTnLst>
-                    </p:cTn>
-                  </p:par>
-                </p:childTnLst>
-              </p:cTn>
-              <p:prevCondLst>
-                <p:cond evt="onPrev" delay="0">
-                  <p:tgtEl>
-                    <p:sldTgt/>
-                  </p:tgtEl>
-                </p:cond>
-              </p:prevCondLst>
-              <p:nextCondLst>
-                <p:cond evt="onNext" delay="0">
-                  <p:tgtEl>
-                    <p:sldTgt/>
-                  </p:tgtEl>
-                </p:cond>
-              </p:nextCondLst>
-            </p:seq>
-          </p:childTnLst>
-        </p:cTn>
-      </p:par>
-    </p:tnLst>
-    <p:bldLst>
-      <p:bldP spid="4" grpId="0" build="p"/>
-    </p:bldLst>
-  </p:timing>
-</p:sld>
-</file>
-
-<file path=ppt/slides/slide2.xml><?xml version="1.0" encoding="utf-8"?>
-<p:sld xmlns:a="http://schemas.openxmlformats.org/drawingml/2006/main" xmlns:r="http://schemas.openxmlformats.org/officeDocument/2006/relationships" xmlns:p="http://schemas.openxmlformats.org/presentationml/2006/main">
-  <p:cSld>
-    <p:spTree>
-      <p:nvGrpSpPr>
-        <p:cNvPr id="1" name=""/>
-        <p:cNvGrpSpPr/>
-        <p:nvPr/>
-      </p:nvGrpSpPr>
-      <p:grpSpPr>
-        <a:xfrm>
-          <a:off x="0" y="0"/>
-          <a:ext cx="0" cy="0"/>
-          <a:chOff x="0" y="0"/>
-          <a:chExt cx="0" cy="0"/>
-        </a:xfrm>
-      </p:grpSpPr>
-      <p:sp>
-        <p:nvSpPr>
-          <p:cNvPr id="2" name="Title 1"/>
-          <p:cNvSpPr>
-            <a:spLocks noGrp="1"/>
-          </p:cNvSpPr>
-          <p:nvPr>
-            <p:ph type="title"/>
-          </p:nvPr>
-        </p:nvSpPr>
-        <p:spPr/>
-        <p:txBody>
-          <a:bodyPr/>
-          <a:lstStyle/>
-          <a:p>
-            <a:r>
-              <a:rPr lang="en-US" dirty="0" smtClean="0">
-                <a:latin typeface="Segoe UI Light" panose="020B0502040204020203" pitchFamily="34" charset="0"/>
-                <a:cs typeface="Segoe UI Light" panose="020B0502040204020203" pitchFamily="34" charset="0"/>
-              </a:rPr>
-              <a:t>Contents</a:t>
-            </a:r>
-            <a:endParaRPr lang="vi-VN" dirty="0">
-              <a:latin typeface="Segoe UI Light" panose="020B0502040204020203" pitchFamily="34" charset="0"/>
-              <a:cs typeface="Segoe UI Light" panose="020B0502040204020203" pitchFamily="34" charset="0"/>
-            </a:endParaRPr>
-          </a:p>
-        </p:txBody>
-      </p:sp>
-      <p:sp>
-        <p:nvSpPr>
-          <p:cNvPr id="3" name="Content Placeholder 2"/>
-          <p:cNvSpPr>
-            <a:spLocks noGrp="1"/>
-          </p:cNvSpPr>
-          <p:nvPr>
-            <p:ph idx="1"/>
-          </p:nvPr>
-        </p:nvSpPr>
-        <p:spPr/>
-        <p:txBody>
-          <a:bodyPr/>
-          <a:lstStyle/>
-          <a:p>
-            <a:pPr marL="514350" indent="-514350">
-              <a:buFont typeface="+mj-lt"/>
-              <a:buAutoNum type="arabicPeriod"/>
-            </a:pPr>
-            <a:r>
-              <a:rPr lang="en-US" dirty="0" smtClean="0">
-                <a:latin typeface="Segoe UI" panose="020B0502040204020203" pitchFamily="34" charset="0"/>
-                <a:cs typeface="Segoe UI" panose="020B0502040204020203" pitchFamily="34" charset="0"/>
-              </a:rPr>
-              <a:t>What is RNS</a:t>
-            </a:r>
-            <a:r>
-              <a:rPr lang="en-US" dirty="0" smtClean="0">
-                <a:latin typeface="Segoe UI" panose="020B0502040204020203" pitchFamily="34" charset="0"/>
-                <a:cs typeface="Segoe UI" panose="020B0502040204020203" pitchFamily="34" charset="0"/>
-              </a:rPr>
-              <a:t>?</a:t>
-            </a:r>
-          </a:p>
-          <a:p>
-            <a:pPr marL="514350" indent="-514350">
-              <a:buFont typeface="+mj-lt"/>
-              <a:buAutoNum type="arabicPeriod"/>
-            </a:pPr>
-            <a:r>
-              <a:rPr lang="en-US" dirty="0" smtClean="0">
-                <a:latin typeface="Segoe UI" panose="020B0502040204020203" pitchFamily="34" charset="0"/>
-                <a:cs typeface="Segoe UI" panose="020B0502040204020203" pitchFamily="34" charset="0"/>
-              </a:rPr>
-              <a:t>Demo.</a:t>
-            </a:r>
-          </a:p>
-          <a:p>
-            <a:pPr marL="514350" indent="-514350">
-              <a:buFont typeface="+mj-lt"/>
-              <a:buAutoNum type="arabicPeriod"/>
-            </a:pPr>
-            <a:r>
-              <a:rPr lang="en-US"/>
-              <a:t>What about social network?</a:t>
-            </a:r>
-          </a:p>
-          <a:p>
-            <a:pPr marL="514350" indent="-514350">
-              <a:buFont typeface="+mj-lt"/>
-              <a:buAutoNum type="arabicPeriod"/>
-            </a:pPr>
-            <a:endParaRPr lang="en-US" dirty="0" smtClean="0">
-              <a:latin typeface="Segoe UI" panose="020B0502040204020203" pitchFamily="34" charset="0"/>
-              <a:cs typeface="Segoe UI" panose="020B0502040204020203" pitchFamily="34" charset="0"/>
-            </a:endParaRPr>
-          </a:p>
-        </p:txBody>
-      </p:sp>
-      <p:cxnSp>
-        <p:nvCxnSpPr>
-          <p:cNvPr id="6" name="Straight Connector 5"/>
-          <p:cNvCxnSpPr/>
-          <p:nvPr/>
-        </p:nvCxnSpPr>
-        <p:spPr>
-          <a:xfrm flipV="1">
-            <a:off x="-287016" y="1397905"/>
-            <a:ext cx="9718031" cy="57165"/>
-          </a:xfrm>
-          <a:prstGeom prst="line">
-            <a:avLst/>
-          </a:prstGeom>
-          <a:ln w="47625">
-            <a:solidFill>
-              <a:schemeClr val="accent1">
-                <a:lumMod val="75000"/>
-              </a:schemeClr>
-            </a:solidFill>
-          </a:ln>
-          <a:effectLst>
-            <a:innerShdw blurRad="114300">
-              <a:prstClr val="black"/>
-            </a:innerShdw>
-            <a:softEdge rad="0"/>
-          </a:effectLst>
-        </p:spPr>
-        <p:style>
-          <a:lnRef idx="1">
-            <a:schemeClr val="accent1"/>
-          </a:lnRef>
-          <a:fillRef idx="0">
-            <a:schemeClr val="accent1"/>
-          </a:fillRef>
-          <a:effectRef idx="0">
-            <a:schemeClr val="accent1"/>
-          </a:effectRef>
-          <a:fontRef idx="minor">
-            <a:schemeClr val="tx1"/>
-          </a:fontRef>
-        </p:style>
-      </p:cxnSp>
-    </p:spTree>
-    <p:extLst>
-      <p:ext uri="{BB962C8B-B14F-4D97-AF65-F5344CB8AC3E}">
-        <p14:creationId xmlns:p14="http://schemas.microsoft.com/office/powerpoint/2010/main" val="1524789497"/>
-      </p:ext>
-    </p:extLst>
-  </p:cSld>
-  <p:clrMapOvr>
-    <a:masterClrMapping/>
-  </p:clrMapOvr>
-  <mc:AlternateContent xmlns:mc="http://schemas.openxmlformats.org/markup-compatibility/2006" xmlns:p14="http://schemas.microsoft.com/office/powerpoint/2010/main">
-    <mc:Choice Requires="p14">
-      <p:transition spd="med" p14:dur="700">
-        <p:fade/>
-      </p:transition>
-    </mc:Choice>
-    <mc:Fallback xmlns="">
-      <p:transition spd="med">
-        <p:fade/>
-      </p:transition>
-    </mc:Fallback>
-  </mc:AlternateContent>
-  <p:timing>
-    <p:tnLst>
-      <p:par>
-        <p:cTn id="1" dur="indefinite" restart="never" nodeType="tmRoot"/>
-      </p:par>
-    </p:tnLst>
-  </p:timing>
-</p:sld>
-</file>
-
-<file path=ppt/slides/slide3.xml><?xml version="1.0" encoding="utf-8"?>
-<p:sld xmlns:a="http://schemas.openxmlformats.org/drawingml/2006/main" xmlns:r="http://schemas.openxmlformats.org/officeDocument/2006/relationships" xmlns:p="http://schemas.openxmlformats.org/presentationml/2006/main">
-  <p:cSld>
     <p:spTree>
       <p:nvGrpSpPr>
         <p:cNvPr id="1" name=""/>
@@ -4345,7 +3884,7 @@
           <a:p>
             <a:r>
               <a:rPr lang="en-US" dirty="0" smtClean="0"/>
-              <a:t>What is RNS?</a:t>
+              <a:t>Demo</a:t>
             </a:r>
             <a:endParaRPr lang="vi-VN" dirty="0"/>
           </a:p>
@@ -4675,6 +4214,2986 @@
     </p:spTree>
     <p:extLst>
       <p:ext uri="{BB962C8B-B14F-4D97-AF65-F5344CB8AC3E}">
+        <p14:creationId xmlns:p14="http://schemas.microsoft.com/office/powerpoint/2010/main" val="805476308"/>
+      </p:ext>
+    </p:extLst>
+  </p:cSld>
+  <p:clrMapOvr>
+    <a:masterClrMapping/>
+  </p:clrMapOvr>
+  <mc:AlternateContent xmlns:mc="http://schemas.openxmlformats.org/markup-compatibility/2006" xmlns:p14="http://schemas.microsoft.com/office/powerpoint/2010/main">
+    <mc:Choice Requires="p14">
+      <p:transition spd="med" p14:dur="700">
+        <p:fade/>
+      </p:transition>
+    </mc:Choice>
+    <mc:Fallback xmlns="">
+      <p:transition spd="med">
+        <p:fade/>
+      </p:transition>
+    </mc:Fallback>
+  </mc:AlternateContent>
+  <p:timing>
+    <p:tnLst>
+      <p:par>
+        <p:cTn id="1" dur="indefinite" restart="never" nodeType="tmRoot"/>
+      </p:par>
+    </p:tnLst>
+  </p:timing>
+</p:sld>
+</file>
+
+<file path=ppt/slides/slide11.xml><?xml version="1.0" encoding="utf-8"?>
+<p:sld xmlns:a="http://schemas.openxmlformats.org/drawingml/2006/main" xmlns:r="http://schemas.openxmlformats.org/officeDocument/2006/relationships" xmlns:p="http://schemas.openxmlformats.org/presentationml/2006/main">
+  <p:cSld>
+    <p:spTree>
+      <p:nvGrpSpPr>
+        <p:cNvPr id="1" name=""/>
+        <p:cNvGrpSpPr/>
+        <p:nvPr/>
+      </p:nvGrpSpPr>
+      <p:grpSpPr>
+        <a:xfrm>
+          <a:off x="0" y="0"/>
+          <a:ext cx="0" cy="0"/>
+          <a:chOff x="0" y="0"/>
+          <a:chExt cx="0" cy="0"/>
+        </a:xfrm>
+      </p:grpSpPr>
+      <p:sp>
+        <p:nvSpPr>
+          <p:cNvPr id="4" name="Title 3"/>
+          <p:cNvSpPr>
+            <a:spLocks noGrp="1"/>
+          </p:cNvSpPr>
+          <p:nvPr>
+            <p:ph type="title"/>
+          </p:nvPr>
+        </p:nvSpPr>
+        <p:spPr/>
+        <p:txBody>
+          <a:bodyPr/>
+          <a:lstStyle/>
+          <a:p>
+            <a:r>
+              <a:rPr lang="en-US" dirty="0" smtClean="0"/>
+              <a:t>But, what about social </a:t>
+            </a:r>
+            <a:r>
+              <a:rPr lang="en-US" dirty="0" smtClean="0"/>
+              <a:t>networks?</a:t>
+            </a:r>
+            <a:endParaRPr lang="vi-VN" dirty="0"/>
+          </a:p>
+        </p:txBody>
+      </p:sp>
+      <p:cxnSp>
+        <p:nvCxnSpPr>
+          <p:cNvPr id="6" name="Straight Connector 5"/>
+          <p:cNvCxnSpPr/>
+          <p:nvPr/>
+        </p:nvCxnSpPr>
+        <p:spPr>
+          <a:xfrm flipV="1">
+            <a:off x="-291778" y="4505311"/>
+            <a:ext cx="9718031" cy="57165"/>
+          </a:xfrm>
+          <a:prstGeom prst="line">
+            <a:avLst/>
+          </a:prstGeom>
+          <a:ln w="47625">
+            <a:solidFill>
+              <a:schemeClr val="accent1">
+                <a:lumMod val="75000"/>
+              </a:schemeClr>
+            </a:solidFill>
+          </a:ln>
+          <a:effectLst>
+            <a:innerShdw blurRad="114300">
+              <a:prstClr val="black"/>
+            </a:innerShdw>
+            <a:softEdge rad="0"/>
+          </a:effectLst>
+        </p:spPr>
+        <p:style>
+          <a:lnRef idx="1">
+            <a:schemeClr val="accent1"/>
+          </a:lnRef>
+          <a:fillRef idx="0">
+            <a:schemeClr val="accent1"/>
+          </a:fillRef>
+          <a:effectRef idx="0">
+            <a:schemeClr val="accent1"/>
+          </a:effectRef>
+          <a:fontRef idx="minor">
+            <a:schemeClr val="tx1"/>
+          </a:fontRef>
+        </p:style>
+      </p:cxnSp>
+      <p:sp>
+        <p:nvSpPr>
+          <p:cNvPr id="9" name="Text Placeholder 5"/>
+          <p:cNvSpPr txBox="1">
+            <a:spLocks/>
+          </p:cNvSpPr>
+          <p:nvPr/>
+        </p:nvSpPr>
+        <p:spPr>
+          <a:xfrm>
+            <a:off x="831632" y="4589466"/>
+            <a:ext cx="10512862" cy="1500187"/>
+          </a:xfrm>
+          <a:prstGeom prst="rect">
+            <a:avLst/>
+          </a:prstGeom>
+        </p:spPr>
+        <p:txBody>
+          <a:bodyPr vert="horz" lIns="91440" tIns="45720" rIns="91440" bIns="45720" rtlCol="0">
+            <a:normAutofit/>
+          </a:bodyPr>
+          <a:lstStyle>
+            <a:lvl1pPr marL="0" indent="0" algn="l" defTabSz="914141" rtl="0" eaLnBrk="1" latinLnBrk="0" hangingPunct="1">
+              <a:lnSpc>
+                <a:spcPct val="90000"/>
+              </a:lnSpc>
+              <a:spcBef>
+                <a:spcPts val="1000"/>
+              </a:spcBef>
+              <a:buFont typeface="Arial" panose="020B0604020202020204" pitchFamily="34" charset="0"/>
+              <a:buNone/>
+              <a:defRPr sz="2399" kern="1200">
+                <a:solidFill>
+                  <a:schemeClr val="tx1">
+                    <a:tint val="75000"/>
+                  </a:schemeClr>
+                </a:solidFill>
+                <a:latin typeface="+mn-lt"/>
+                <a:ea typeface="+mn-ea"/>
+                <a:cs typeface="+mn-cs"/>
+              </a:defRPr>
+            </a:lvl1pPr>
+            <a:lvl2pPr marL="457071" indent="0" algn="l" defTabSz="914141" rtl="0" eaLnBrk="1" latinLnBrk="0" hangingPunct="1">
+              <a:lnSpc>
+                <a:spcPct val="90000"/>
+              </a:lnSpc>
+              <a:spcBef>
+                <a:spcPts val="500"/>
+              </a:spcBef>
+              <a:buFont typeface="Arial" panose="020B0604020202020204" pitchFamily="34" charset="0"/>
+              <a:buNone/>
+              <a:defRPr sz="2000" kern="1200">
+                <a:solidFill>
+                  <a:schemeClr val="tx1">
+                    <a:tint val="75000"/>
+                  </a:schemeClr>
+                </a:solidFill>
+                <a:latin typeface="+mn-lt"/>
+                <a:ea typeface="+mn-ea"/>
+                <a:cs typeface="+mn-cs"/>
+              </a:defRPr>
+            </a:lvl2pPr>
+            <a:lvl3pPr marL="914141" indent="0" algn="l" defTabSz="914141" rtl="0" eaLnBrk="1" latinLnBrk="0" hangingPunct="1">
+              <a:lnSpc>
+                <a:spcPct val="90000"/>
+              </a:lnSpc>
+              <a:spcBef>
+                <a:spcPts val="500"/>
+              </a:spcBef>
+              <a:buFont typeface="Arial" panose="020B0604020202020204" pitchFamily="34" charset="0"/>
+              <a:buNone/>
+              <a:defRPr sz="1800" kern="1200">
+                <a:solidFill>
+                  <a:schemeClr val="tx1">
+                    <a:tint val="75000"/>
+                  </a:schemeClr>
+                </a:solidFill>
+                <a:latin typeface="+mn-lt"/>
+                <a:ea typeface="+mn-ea"/>
+                <a:cs typeface="+mn-cs"/>
+              </a:defRPr>
+            </a:lvl3pPr>
+            <a:lvl4pPr marL="1371212" indent="0" algn="l" defTabSz="914141" rtl="0" eaLnBrk="1" latinLnBrk="0" hangingPunct="1">
+              <a:lnSpc>
+                <a:spcPct val="90000"/>
+              </a:lnSpc>
+              <a:spcBef>
+                <a:spcPts val="500"/>
+              </a:spcBef>
+              <a:buFont typeface="Arial" panose="020B0604020202020204" pitchFamily="34" charset="0"/>
+              <a:buNone/>
+              <a:defRPr sz="1600" kern="1200">
+                <a:solidFill>
+                  <a:schemeClr val="tx1">
+                    <a:tint val="75000"/>
+                  </a:schemeClr>
+                </a:solidFill>
+                <a:latin typeface="+mn-lt"/>
+                <a:ea typeface="+mn-ea"/>
+                <a:cs typeface="+mn-cs"/>
+              </a:defRPr>
+            </a:lvl4pPr>
+            <a:lvl5pPr marL="1828281" indent="0" algn="l" defTabSz="914141" rtl="0" eaLnBrk="1" latinLnBrk="0" hangingPunct="1">
+              <a:lnSpc>
+                <a:spcPct val="90000"/>
+              </a:lnSpc>
+              <a:spcBef>
+                <a:spcPts val="500"/>
+              </a:spcBef>
+              <a:buFont typeface="Arial" panose="020B0604020202020204" pitchFamily="34" charset="0"/>
+              <a:buNone/>
+              <a:defRPr sz="1600" kern="1200">
+                <a:solidFill>
+                  <a:schemeClr val="tx1">
+                    <a:tint val="75000"/>
+                  </a:schemeClr>
+                </a:solidFill>
+                <a:latin typeface="+mn-lt"/>
+                <a:ea typeface="+mn-ea"/>
+                <a:cs typeface="+mn-cs"/>
+              </a:defRPr>
+            </a:lvl5pPr>
+            <a:lvl6pPr marL="2285353" indent="0" algn="l" defTabSz="914141" rtl="0" eaLnBrk="1" latinLnBrk="0" hangingPunct="1">
+              <a:lnSpc>
+                <a:spcPct val="90000"/>
+              </a:lnSpc>
+              <a:spcBef>
+                <a:spcPts val="500"/>
+              </a:spcBef>
+              <a:buFont typeface="Arial" panose="020B0604020202020204" pitchFamily="34" charset="0"/>
+              <a:buNone/>
+              <a:defRPr sz="1600" kern="1200">
+                <a:solidFill>
+                  <a:schemeClr val="tx1">
+                    <a:tint val="75000"/>
+                  </a:schemeClr>
+                </a:solidFill>
+                <a:latin typeface="+mn-lt"/>
+                <a:ea typeface="+mn-ea"/>
+                <a:cs typeface="+mn-cs"/>
+              </a:defRPr>
+            </a:lvl6pPr>
+            <a:lvl7pPr marL="2742422" indent="0" algn="l" defTabSz="914141" rtl="0" eaLnBrk="1" latinLnBrk="0" hangingPunct="1">
+              <a:lnSpc>
+                <a:spcPct val="90000"/>
+              </a:lnSpc>
+              <a:spcBef>
+                <a:spcPts val="500"/>
+              </a:spcBef>
+              <a:buFont typeface="Arial" panose="020B0604020202020204" pitchFamily="34" charset="0"/>
+              <a:buNone/>
+              <a:defRPr sz="1600" kern="1200">
+                <a:solidFill>
+                  <a:schemeClr val="tx1">
+                    <a:tint val="75000"/>
+                  </a:schemeClr>
+                </a:solidFill>
+                <a:latin typeface="+mn-lt"/>
+                <a:ea typeface="+mn-ea"/>
+                <a:cs typeface="+mn-cs"/>
+              </a:defRPr>
+            </a:lvl7pPr>
+            <a:lvl8pPr marL="3199493" indent="0" algn="l" defTabSz="914141" rtl="0" eaLnBrk="1" latinLnBrk="0" hangingPunct="1">
+              <a:lnSpc>
+                <a:spcPct val="90000"/>
+              </a:lnSpc>
+              <a:spcBef>
+                <a:spcPts val="500"/>
+              </a:spcBef>
+              <a:buFont typeface="Arial" panose="020B0604020202020204" pitchFamily="34" charset="0"/>
+              <a:buNone/>
+              <a:defRPr sz="1600" kern="1200">
+                <a:solidFill>
+                  <a:schemeClr val="tx1">
+                    <a:tint val="75000"/>
+                  </a:schemeClr>
+                </a:solidFill>
+                <a:latin typeface="+mn-lt"/>
+                <a:ea typeface="+mn-ea"/>
+                <a:cs typeface="+mn-cs"/>
+              </a:defRPr>
+            </a:lvl8pPr>
+            <a:lvl9pPr marL="3656564" indent="0" algn="l" defTabSz="914141" rtl="0" eaLnBrk="1" latinLnBrk="0" hangingPunct="1">
+              <a:lnSpc>
+                <a:spcPct val="90000"/>
+              </a:lnSpc>
+              <a:spcBef>
+                <a:spcPts val="500"/>
+              </a:spcBef>
+              <a:buFont typeface="Arial" panose="020B0604020202020204" pitchFamily="34" charset="0"/>
+              <a:buNone/>
+              <a:defRPr sz="1600" kern="1200">
+                <a:solidFill>
+                  <a:schemeClr val="tx1">
+                    <a:tint val="75000"/>
+                  </a:schemeClr>
+                </a:solidFill>
+                <a:latin typeface="+mn-lt"/>
+                <a:ea typeface="+mn-ea"/>
+                <a:cs typeface="+mn-cs"/>
+              </a:defRPr>
+            </a:lvl9pPr>
+          </a:lstStyle>
+          <a:p>
+            <a:pPr marL="0" marR="0" lvl="0" indent="0" algn="l" defTabSz="914141" rtl="0" eaLnBrk="1" fontAlgn="auto" latinLnBrk="0" hangingPunct="1">
+              <a:lnSpc>
+                <a:spcPct val="90000"/>
+              </a:lnSpc>
+              <a:spcBef>
+                <a:spcPts val="1000"/>
+              </a:spcBef>
+              <a:spcAft>
+                <a:spcPts val="0"/>
+              </a:spcAft>
+              <a:buClrTx/>
+              <a:buSzTx/>
+              <a:buFont typeface="Arial" panose="020B0604020202020204" pitchFamily="34" charset="0"/>
+              <a:buNone/>
+              <a:tabLst/>
+              <a:defRPr/>
+            </a:pPr>
+            <a:r>
+              <a:rPr kumimoji="0" lang="en-US" sz="2399" b="0" i="0" u="none" strike="noStrike" kern="1200" cap="none" spc="0" normalizeH="0" baseline="0" noProof="0" dirty="0" smtClean="0">
+                <a:ln>
+                  <a:noFill/>
+                </a:ln>
+                <a:solidFill>
+                  <a:sysClr val="windowText" lastClr="000000">
+                    <a:tint val="75000"/>
+                  </a:sysClr>
+                </a:solidFill>
+                <a:effectLst/>
+                <a:uLnTx/>
+                <a:uFillTx/>
+                <a:latin typeface="Calibri" panose="020F0502020204030204"/>
+                <a:ea typeface="+mn-ea"/>
+                <a:cs typeface="+mn-cs"/>
+              </a:rPr>
+              <a:t>Raw</a:t>
+            </a:r>
+            <a:r>
+              <a:rPr kumimoji="0" lang="en-US" sz="2399" b="0" i="0" u="none" strike="noStrike" kern="1200" cap="none" spc="0" normalizeH="0" noProof="0" dirty="0" smtClean="0">
+                <a:ln>
+                  <a:noFill/>
+                </a:ln>
+                <a:solidFill>
+                  <a:sysClr val="windowText" lastClr="000000">
+                    <a:tint val="75000"/>
+                  </a:sysClr>
+                </a:solidFill>
+                <a:effectLst/>
+                <a:uLnTx/>
+                <a:uFillTx/>
+                <a:latin typeface="Calibri" panose="020F0502020204030204"/>
+                <a:ea typeface="+mn-ea"/>
+                <a:cs typeface="+mn-cs"/>
+              </a:rPr>
+              <a:t> Notification Service</a:t>
+            </a:r>
+            <a:endParaRPr kumimoji="0" lang="en-US" sz="2399" b="0" i="0" u="none" strike="noStrike" kern="1200" cap="none" spc="0" normalizeH="0" baseline="0" noProof="0" dirty="0">
+              <a:ln>
+                <a:noFill/>
+              </a:ln>
+              <a:solidFill>
+                <a:sysClr val="windowText" lastClr="000000">
+                  <a:tint val="75000"/>
+                </a:sysClr>
+              </a:solidFill>
+              <a:effectLst/>
+              <a:uLnTx/>
+              <a:uFillTx/>
+              <a:latin typeface="Calibri" panose="020F0502020204030204"/>
+              <a:ea typeface="+mn-ea"/>
+              <a:cs typeface="+mn-cs"/>
+            </a:endParaRPr>
+          </a:p>
+        </p:txBody>
+      </p:sp>
+    </p:spTree>
+    <p:extLst>
+      <p:ext uri="{BB962C8B-B14F-4D97-AF65-F5344CB8AC3E}">
+        <p14:creationId xmlns:p14="http://schemas.microsoft.com/office/powerpoint/2010/main" val="506560830"/>
+      </p:ext>
+    </p:extLst>
+  </p:cSld>
+  <p:clrMapOvr>
+    <a:masterClrMapping/>
+  </p:clrMapOvr>
+  <mc:AlternateContent xmlns:mc="http://schemas.openxmlformats.org/markup-compatibility/2006" xmlns:p14="http://schemas.microsoft.com/office/powerpoint/2010/main">
+    <mc:Choice Requires="p14">
+      <p:transition spd="med" p14:dur="700">
+        <p:fade/>
+      </p:transition>
+    </mc:Choice>
+    <mc:Fallback xmlns="">
+      <p:transition spd="med">
+        <p:fade/>
+      </p:transition>
+    </mc:Fallback>
+  </mc:AlternateContent>
+  <p:timing>
+    <p:tnLst>
+      <p:par>
+        <p:cTn id="1" dur="indefinite" restart="never" nodeType="tmRoot"/>
+      </p:par>
+    </p:tnLst>
+  </p:timing>
+</p:sld>
+</file>
+
+<file path=ppt/slides/slide12.xml><?xml version="1.0" encoding="utf-8"?>
+<p:sld xmlns:a="http://schemas.openxmlformats.org/drawingml/2006/main" xmlns:r="http://schemas.openxmlformats.org/officeDocument/2006/relationships" xmlns:p="http://schemas.openxmlformats.org/presentationml/2006/main">
+  <p:cSld>
+    <p:bg>
+      <p:bgPr>
+        <a:gradFill>
+          <a:gsLst>
+            <a:gs pos="0">
+              <a:schemeClr val="accent1">
+                <a:lumMod val="75000"/>
+              </a:schemeClr>
+            </a:gs>
+            <a:gs pos="55000">
+              <a:schemeClr val="accent1">
+                <a:lumMod val="45000"/>
+                <a:lumOff val="55000"/>
+              </a:schemeClr>
+            </a:gs>
+            <a:gs pos="83000">
+              <a:schemeClr val="accent1">
+                <a:lumMod val="45000"/>
+                <a:lumOff val="55000"/>
+              </a:schemeClr>
+            </a:gs>
+            <a:gs pos="100000">
+              <a:schemeClr val="accent1">
+                <a:lumMod val="20000"/>
+                <a:lumOff val="80000"/>
+              </a:schemeClr>
+            </a:gs>
+          </a:gsLst>
+          <a:lin ang="0" scaled="0"/>
+        </a:gradFill>
+        <a:effectLst/>
+      </p:bgPr>
+    </p:bg>
+    <p:spTree>
+      <p:nvGrpSpPr>
+        <p:cNvPr id="1" name=""/>
+        <p:cNvGrpSpPr/>
+        <p:nvPr/>
+      </p:nvGrpSpPr>
+      <p:grpSpPr>
+        <a:xfrm>
+          <a:off x="0" y="0"/>
+          <a:ext cx="0" cy="0"/>
+          <a:chOff x="0" y="0"/>
+          <a:chExt cx="0" cy="0"/>
+        </a:xfrm>
+      </p:grpSpPr>
+      <p:pic>
+        <p:nvPicPr>
+          <p:cNvPr id="6" name="Content Placeholder 5"/>
+          <p:cNvPicPr>
+            <a:picLocks noGrp="1" noChangeAspect="1"/>
+          </p:cNvPicPr>
+          <p:nvPr>
+            <p:ph idx="1"/>
+          </p:nvPr>
+        </p:nvPicPr>
+        <p:blipFill>
+          <a:blip r:embed="rId2" cstate="print">
+            <a:extLst>
+              <a:ext uri="{28A0092B-C50C-407E-A947-70E740481C1C}">
+                <a14:useLocalDpi xmlns:a14="http://schemas.microsoft.com/office/drawing/2010/main" val="0"/>
+              </a:ext>
+            </a:extLst>
+          </a:blip>
+          <a:stretch>
+            <a:fillRect/>
+          </a:stretch>
+        </p:blipFill>
+        <p:spPr>
+          <a:xfrm>
+            <a:off x="5277853" y="2637799"/>
+            <a:ext cx="3162410" cy="1188992"/>
+          </a:xfrm>
+        </p:spPr>
+      </p:pic>
+      <p:pic>
+        <p:nvPicPr>
+          <p:cNvPr id="8" name="Picture 7"/>
+          <p:cNvPicPr>
+            <a:picLocks noChangeAspect="1"/>
+          </p:cNvPicPr>
+          <p:nvPr/>
+        </p:nvPicPr>
+        <p:blipFill>
+          <a:blip r:embed="rId3">
+            <a:extLst>
+              <a:ext uri="{28A0092B-C50C-407E-A947-70E740481C1C}">
+                <a14:useLocalDpi xmlns:a14="http://schemas.microsoft.com/office/drawing/2010/main" val="0"/>
+              </a:ext>
+            </a:extLst>
+          </a:blip>
+          <a:stretch>
+            <a:fillRect/>
+          </a:stretch>
+        </p:blipFill>
+        <p:spPr>
+          <a:xfrm>
+            <a:off x="5114251" y="544395"/>
+            <a:ext cx="3491345" cy="1918321"/>
+          </a:xfrm>
+          <a:prstGeom prst="rect">
+            <a:avLst/>
+          </a:prstGeom>
+        </p:spPr>
+      </p:pic>
+      <p:pic>
+        <p:nvPicPr>
+          <p:cNvPr id="9" name="Picture 8"/>
+          <p:cNvPicPr>
+            <a:picLocks noChangeAspect="1"/>
+          </p:cNvPicPr>
+          <p:nvPr/>
+        </p:nvPicPr>
+        <p:blipFill>
+          <a:blip r:embed="rId4">
+            <a:extLst>
+              <a:ext uri="{28A0092B-C50C-407E-A947-70E740481C1C}">
+                <a14:useLocalDpi xmlns:a14="http://schemas.microsoft.com/office/drawing/2010/main" val="0"/>
+              </a:ext>
+            </a:extLst>
+          </a:blip>
+          <a:stretch>
+            <a:fillRect/>
+          </a:stretch>
+        </p:blipFill>
+        <p:spPr>
+          <a:xfrm>
+            <a:off x="5114251" y="4176956"/>
+            <a:ext cx="3489614" cy="1542409"/>
+          </a:xfrm>
+          <a:prstGeom prst="rect">
+            <a:avLst/>
+          </a:prstGeom>
+        </p:spPr>
+      </p:pic>
+      <p:grpSp>
+        <p:nvGrpSpPr>
+          <p:cNvPr id="13" name="Group 12"/>
+          <p:cNvGrpSpPr/>
+          <p:nvPr/>
+        </p:nvGrpSpPr>
+        <p:grpSpPr>
+          <a:xfrm>
+            <a:off x="762152" y="1293165"/>
+            <a:ext cx="1765227" cy="1169551"/>
+            <a:chOff x="1920100" y="3141784"/>
+            <a:chExt cx="1765227" cy="1169551"/>
+          </a:xfrm>
+          <a:effectLst>
+            <a:outerShdw blurRad="50800" dist="635000" dir="5400000" sx="5000" sy="5000" algn="ctr" rotWithShape="0">
+              <a:srgbClr val="000000">
+                <a:alpha val="43137"/>
+              </a:srgbClr>
+            </a:outerShdw>
+          </a:effectLst>
+        </p:grpSpPr>
+        <p:sp>
+          <p:nvSpPr>
+            <p:cNvPr id="11" name="Rectangle 10"/>
+            <p:cNvSpPr/>
+            <p:nvPr/>
+          </p:nvSpPr>
+          <p:spPr>
+            <a:xfrm>
+              <a:off x="1920100" y="3141784"/>
+              <a:ext cx="1765227" cy="1169551"/>
+            </a:xfrm>
+            <a:prstGeom prst="rect">
+              <a:avLst/>
+            </a:prstGeom>
+            <a:effectLst>
+              <a:outerShdw blurRad="50800" dist="88900" dir="2700000" algn="tl" rotWithShape="0">
+                <a:prstClr val="black">
+                  <a:alpha val="40000"/>
+                </a:prstClr>
+              </a:outerShdw>
+            </a:effectLst>
+          </p:spPr>
+          <p:txBody>
+            <a:bodyPr wrap="none">
+              <a:spAutoFit/>
+            </a:bodyPr>
+            <a:lstStyle/>
+            <a:p>
+              <a:r>
+                <a:rPr lang="vi-VN" sz="7000" dirty="0" smtClean="0">
+                  <a:latin typeface="Segoe UI Light" panose="020B0502040204020203" pitchFamily="34" charset="0"/>
+                  <a:cs typeface="Segoe UI Light" panose="020B0502040204020203" pitchFamily="34" charset="0"/>
+                </a:rPr>
+                <a:t>RNS</a:t>
+              </a:r>
+              <a:endParaRPr lang="vi-VN" sz="7000" dirty="0">
+                <a:latin typeface="Segoe UI Light" panose="020B0502040204020203" pitchFamily="34" charset="0"/>
+                <a:cs typeface="Segoe UI Light" panose="020B0502040204020203" pitchFamily="34" charset="0"/>
+              </a:endParaRPr>
+            </a:p>
+          </p:txBody>
+        </p:sp>
+        <p:sp>
+          <p:nvSpPr>
+            <p:cNvPr id="12" name="Right Triangle 1"/>
+            <p:cNvSpPr/>
+            <p:nvPr/>
+          </p:nvSpPr>
+          <p:spPr>
+            <a:xfrm>
+              <a:off x="2652193" y="3601263"/>
+              <a:ext cx="325024" cy="442032"/>
+            </a:xfrm>
+            <a:custGeom>
+              <a:avLst/>
+              <a:gdLst>
+                <a:gd name="connsiteX0" fmla="*/ 0 w 290946"/>
+                <a:gd name="connsiteY0" fmla="*/ 309661 h 309661"/>
+                <a:gd name="connsiteX1" fmla="*/ 0 w 290946"/>
+                <a:gd name="connsiteY1" fmla="*/ 0 h 309661"/>
+                <a:gd name="connsiteX2" fmla="*/ 290946 w 290946"/>
+                <a:gd name="connsiteY2" fmla="*/ 309661 h 309661"/>
+                <a:gd name="connsiteX3" fmla="*/ 0 w 290946"/>
+                <a:gd name="connsiteY3" fmla="*/ 309661 h 309661"/>
+                <a:gd name="connsiteX0" fmla="*/ 3078 w 294024"/>
+                <a:gd name="connsiteY0" fmla="*/ 352764 h 352764"/>
+                <a:gd name="connsiteX1" fmla="*/ 0 w 294024"/>
+                <a:gd name="connsiteY1" fmla="*/ 0 h 352764"/>
+                <a:gd name="connsiteX2" fmla="*/ 294024 w 294024"/>
+                <a:gd name="connsiteY2" fmla="*/ 352764 h 352764"/>
+                <a:gd name="connsiteX3" fmla="*/ 3078 w 294024"/>
+                <a:gd name="connsiteY3" fmla="*/ 352764 h 352764"/>
+                <a:gd name="connsiteX0" fmla="*/ 3078 w 260158"/>
+                <a:gd name="connsiteY0" fmla="*/ 352764 h 352764"/>
+                <a:gd name="connsiteX1" fmla="*/ 0 w 260158"/>
+                <a:gd name="connsiteY1" fmla="*/ 0 h 352764"/>
+                <a:gd name="connsiteX2" fmla="*/ 260158 w 260158"/>
+                <a:gd name="connsiteY2" fmla="*/ 352764 h 352764"/>
+                <a:gd name="connsiteX3" fmla="*/ 3078 w 260158"/>
+                <a:gd name="connsiteY3" fmla="*/ 352764 h 352764"/>
+              </a:gdLst>
+              <a:ahLst/>
+              <a:cxnLst>
+                <a:cxn ang="0">
+                  <a:pos x="connsiteX0" y="connsiteY0"/>
+                </a:cxn>
+                <a:cxn ang="0">
+                  <a:pos x="connsiteX1" y="connsiteY1"/>
+                </a:cxn>
+                <a:cxn ang="0">
+                  <a:pos x="connsiteX2" y="connsiteY2"/>
+                </a:cxn>
+                <a:cxn ang="0">
+                  <a:pos x="connsiteX3" y="connsiteY3"/>
+                </a:cxn>
+              </a:cxnLst>
+              <a:rect l="l" t="t" r="r" b="b"/>
+              <a:pathLst>
+                <a:path w="260158" h="352764">
+                  <a:moveTo>
+                    <a:pt x="3078" y="352764"/>
+                  </a:moveTo>
+                  <a:lnTo>
+                    <a:pt x="0" y="0"/>
+                  </a:lnTo>
+                  <a:lnTo>
+                    <a:pt x="260158" y="352764"/>
+                  </a:lnTo>
+                  <a:lnTo>
+                    <a:pt x="3078" y="352764"/>
+                  </a:lnTo>
+                  <a:close/>
+                </a:path>
+              </a:pathLst>
+            </a:custGeom>
+            <a:solidFill>
+              <a:schemeClr val="accent2"/>
+            </a:solidFill>
+            <a:effectLst>
+              <a:outerShdw blurRad="50800" dist="88900" dir="2700000" algn="ctr" rotWithShape="0">
+                <a:srgbClr val="000000">
+                  <a:alpha val="40000"/>
+                </a:srgbClr>
+              </a:outerShdw>
+            </a:effectLst>
+          </p:spPr>
+          <p:style>
+            <a:lnRef idx="2">
+              <a:schemeClr val="accent1">
+                <a:shade val="50000"/>
+              </a:schemeClr>
+            </a:lnRef>
+            <a:fillRef idx="1">
+              <a:schemeClr val="accent1"/>
+            </a:fillRef>
+            <a:effectRef idx="0">
+              <a:schemeClr val="accent1"/>
+            </a:effectRef>
+            <a:fontRef idx="minor">
+              <a:schemeClr val="lt1"/>
+            </a:fontRef>
+          </p:style>
+          <p:txBody>
+            <a:bodyPr rtlCol="0" anchor="ctr"/>
+            <a:lstStyle/>
+            <a:p>
+              <a:pPr algn="ctr"/>
+              <a:endParaRPr lang="vi-VN"/>
+            </a:p>
+          </p:txBody>
+        </p:sp>
+      </p:grpSp>
+      <p:sp>
+        <p:nvSpPr>
+          <p:cNvPr id="2" name="TextBox 1"/>
+          <p:cNvSpPr txBox="1"/>
+          <p:nvPr/>
+        </p:nvSpPr>
+        <p:spPr>
+          <a:xfrm>
+            <a:off x="554181" y="2637799"/>
+            <a:ext cx="3796145" cy="3277820"/>
+          </a:xfrm>
+          <a:prstGeom prst="rect">
+            <a:avLst/>
+          </a:prstGeom>
+          <a:noFill/>
+        </p:spPr>
+        <p:txBody>
+          <a:bodyPr wrap="square" rtlCol="0">
+            <a:spAutoFit/>
+          </a:bodyPr>
+          <a:lstStyle/>
+          <a:p>
+            <a:pPr marL="342900" indent="-342900">
+              <a:buFont typeface="+mj-lt"/>
+              <a:buAutoNum type="arabicPeriod"/>
+            </a:pPr>
+            <a:r>
+              <a:rPr lang="vi-VN" dirty="0" smtClean="0"/>
+              <a:t>Dynamic receiver group</a:t>
+            </a:r>
+          </a:p>
+          <a:p>
+            <a:pPr marL="342900" indent="-342900">
+              <a:lnSpc>
+                <a:spcPct val="250000"/>
+              </a:lnSpc>
+              <a:buFont typeface="+mj-lt"/>
+              <a:buAutoNum type="arabicPeriod"/>
+            </a:pPr>
+            <a:r>
+              <a:rPr lang="vi-VN" dirty="0" smtClean="0"/>
+              <a:t>Easy to control receiver list</a:t>
+            </a:r>
+          </a:p>
+          <a:p>
+            <a:pPr marL="342900" indent="-342900">
+              <a:lnSpc>
+                <a:spcPct val="200000"/>
+              </a:lnSpc>
+              <a:buFont typeface="+mj-lt"/>
+              <a:buAutoNum type="arabicPeriod"/>
+            </a:pPr>
+            <a:r>
+              <a:rPr lang="vi-VN" dirty="0" smtClean="0"/>
+              <a:t>One </a:t>
+            </a:r>
+            <a:r>
+              <a:rPr lang="vi-VN" dirty="0" smtClean="0"/>
+              <a:t>account</a:t>
+            </a:r>
+            <a:endParaRPr lang="vi-VN" dirty="0" smtClean="0"/>
+          </a:p>
+          <a:p>
+            <a:pPr marL="342900" indent="-342900">
+              <a:lnSpc>
+                <a:spcPct val="200000"/>
+              </a:lnSpc>
+              <a:buFont typeface="+mj-lt"/>
+              <a:buAutoNum type="arabicPeriod"/>
+            </a:pPr>
+            <a:r>
+              <a:rPr lang="vi-VN" dirty="0" smtClean="0"/>
+              <a:t>Send </a:t>
+            </a:r>
+            <a:r>
+              <a:rPr lang="vi-VN" dirty="0" smtClean="0"/>
+              <a:t>anything</a:t>
+            </a:r>
+          </a:p>
+          <a:p>
+            <a:pPr marL="342900" indent="-342900">
+              <a:lnSpc>
+                <a:spcPct val="200000"/>
+              </a:lnSpc>
+              <a:buFont typeface="+mj-lt"/>
+              <a:buAutoNum type="arabicPeriod"/>
+            </a:pPr>
+            <a:r>
+              <a:rPr lang="en-US" dirty="0" smtClean="0"/>
+              <a:t>Have </a:t>
+            </a:r>
+            <a:r>
+              <a:rPr lang="en-US" dirty="0"/>
+              <a:t>the ability to integrate with other </a:t>
+            </a:r>
+            <a:r>
+              <a:rPr lang="en-US" dirty="0" smtClean="0"/>
+              <a:t>systems (AES)</a:t>
+            </a:r>
+            <a:endParaRPr lang="vi-VN" dirty="0" smtClean="0"/>
+          </a:p>
+        </p:txBody>
+      </p:sp>
+    </p:spTree>
+    <p:extLst>
+      <p:ext uri="{BB962C8B-B14F-4D97-AF65-F5344CB8AC3E}">
+        <p14:creationId xmlns:p14="http://schemas.microsoft.com/office/powerpoint/2010/main" val="1297488912"/>
+      </p:ext>
+    </p:extLst>
+  </p:cSld>
+  <p:clrMapOvr>
+    <a:masterClrMapping/>
+  </p:clrMapOvr>
+  <p:timing>
+    <p:tnLst>
+      <p:par>
+        <p:cTn id="1" dur="indefinite" restart="never" nodeType="tmRoot">
+          <p:childTnLst>
+            <p:seq concurrent="1" nextAc="seek">
+              <p:cTn id="2" dur="indefinite" nodeType="mainSeq">
+                <p:childTnLst>
+                  <p:par>
+                    <p:cTn id="3" fill="hold">
+                      <p:stCondLst>
+                        <p:cond delay="indefinite"/>
+                      </p:stCondLst>
+                      <p:childTnLst>
+                        <p:par>
+                          <p:cTn id="4" fill="hold">
+                            <p:stCondLst>
+                              <p:cond delay="0"/>
+                            </p:stCondLst>
+                            <p:childTnLst>
+                              <p:par>
+                                <p:cTn id="5" presetID="53" presetClass="entr" presetSubtype="528" fill="hold" nodeType="clickEffect">
+                                  <p:stCondLst>
+                                    <p:cond delay="0"/>
+                                  </p:stCondLst>
+                                  <p:childTnLst>
+                                    <p:set>
+                                      <p:cBhvr>
+                                        <p:cTn id="6" dur="1" fill="hold">
+                                          <p:stCondLst>
+                                            <p:cond delay="0"/>
+                                          </p:stCondLst>
+                                        </p:cTn>
+                                        <p:tgtEl>
+                                          <p:spTgt spid="8"/>
+                                        </p:tgtEl>
+                                        <p:attrNameLst>
+                                          <p:attrName>style.visibility</p:attrName>
+                                        </p:attrNameLst>
+                                      </p:cBhvr>
+                                      <p:to>
+                                        <p:strVal val="visible"/>
+                                      </p:to>
+                                    </p:set>
+                                    <p:anim calcmode="lin" valueType="num">
+                                      <p:cBhvr>
+                                        <p:cTn id="7" dur="500" fill="hold"/>
+                                        <p:tgtEl>
+                                          <p:spTgt spid="8"/>
+                                        </p:tgtEl>
+                                        <p:attrNameLst>
+                                          <p:attrName>ppt_w</p:attrName>
+                                        </p:attrNameLst>
+                                      </p:cBhvr>
+                                      <p:tavLst>
+                                        <p:tav tm="0">
+                                          <p:val>
+                                            <p:fltVal val="0"/>
+                                          </p:val>
+                                        </p:tav>
+                                        <p:tav tm="100000">
+                                          <p:val>
+                                            <p:strVal val="#ppt_w"/>
+                                          </p:val>
+                                        </p:tav>
+                                      </p:tavLst>
+                                    </p:anim>
+                                    <p:anim calcmode="lin" valueType="num">
+                                      <p:cBhvr>
+                                        <p:cTn id="8" dur="500" fill="hold"/>
+                                        <p:tgtEl>
+                                          <p:spTgt spid="8"/>
+                                        </p:tgtEl>
+                                        <p:attrNameLst>
+                                          <p:attrName>ppt_h</p:attrName>
+                                        </p:attrNameLst>
+                                      </p:cBhvr>
+                                      <p:tavLst>
+                                        <p:tav tm="0">
+                                          <p:val>
+                                            <p:fltVal val="0"/>
+                                          </p:val>
+                                        </p:tav>
+                                        <p:tav tm="100000">
+                                          <p:val>
+                                            <p:strVal val="#ppt_h"/>
+                                          </p:val>
+                                        </p:tav>
+                                      </p:tavLst>
+                                    </p:anim>
+                                    <p:animEffect transition="in" filter="fade">
+                                      <p:cBhvr>
+                                        <p:cTn id="9" dur="500"/>
+                                        <p:tgtEl>
+                                          <p:spTgt spid="8"/>
+                                        </p:tgtEl>
+                                      </p:cBhvr>
+                                    </p:animEffect>
+                                    <p:anim calcmode="lin" valueType="num">
+                                      <p:cBhvr>
+                                        <p:cTn id="10" dur="500" fill="hold"/>
+                                        <p:tgtEl>
+                                          <p:spTgt spid="8"/>
+                                        </p:tgtEl>
+                                        <p:attrNameLst>
+                                          <p:attrName>ppt_x</p:attrName>
+                                        </p:attrNameLst>
+                                      </p:cBhvr>
+                                      <p:tavLst>
+                                        <p:tav tm="0">
+                                          <p:val>
+                                            <p:fltVal val="0.5"/>
+                                          </p:val>
+                                        </p:tav>
+                                        <p:tav tm="100000">
+                                          <p:val>
+                                            <p:strVal val="#ppt_x"/>
+                                          </p:val>
+                                        </p:tav>
+                                      </p:tavLst>
+                                    </p:anim>
+                                    <p:anim calcmode="lin" valueType="num">
+                                      <p:cBhvr>
+                                        <p:cTn id="11" dur="500" fill="hold"/>
+                                        <p:tgtEl>
+                                          <p:spTgt spid="8"/>
+                                        </p:tgtEl>
+                                        <p:attrNameLst>
+                                          <p:attrName>ppt_y</p:attrName>
+                                        </p:attrNameLst>
+                                      </p:cBhvr>
+                                      <p:tavLst>
+                                        <p:tav tm="0">
+                                          <p:val>
+                                            <p:fltVal val="0.5"/>
+                                          </p:val>
+                                        </p:tav>
+                                        <p:tav tm="100000">
+                                          <p:val>
+                                            <p:strVal val="#ppt_y"/>
+                                          </p:val>
+                                        </p:tav>
+                                      </p:tavLst>
+                                    </p:anim>
+                                  </p:childTnLst>
+                                </p:cTn>
+                              </p:par>
+                            </p:childTnLst>
+                          </p:cTn>
+                        </p:par>
+                        <p:par>
+                          <p:cTn id="12" fill="hold">
+                            <p:stCondLst>
+                              <p:cond delay="500"/>
+                            </p:stCondLst>
+                            <p:childTnLst>
+                              <p:par>
+                                <p:cTn id="13" presetID="53" presetClass="entr" presetSubtype="528" fill="hold" nodeType="afterEffect">
+                                  <p:stCondLst>
+                                    <p:cond delay="0"/>
+                                  </p:stCondLst>
+                                  <p:childTnLst>
+                                    <p:set>
+                                      <p:cBhvr>
+                                        <p:cTn id="14" dur="1" fill="hold">
+                                          <p:stCondLst>
+                                            <p:cond delay="0"/>
+                                          </p:stCondLst>
+                                        </p:cTn>
+                                        <p:tgtEl>
+                                          <p:spTgt spid="6"/>
+                                        </p:tgtEl>
+                                        <p:attrNameLst>
+                                          <p:attrName>style.visibility</p:attrName>
+                                        </p:attrNameLst>
+                                      </p:cBhvr>
+                                      <p:to>
+                                        <p:strVal val="visible"/>
+                                      </p:to>
+                                    </p:set>
+                                    <p:anim calcmode="lin" valueType="num">
+                                      <p:cBhvr>
+                                        <p:cTn id="15" dur="500" fill="hold"/>
+                                        <p:tgtEl>
+                                          <p:spTgt spid="6"/>
+                                        </p:tgtEl>
+                                        <p:attrNameLst>
+                                          <p:attrName>ppt_w</p:attrName>
+                                        </p:attrNameLst>
+                                      </p:cBhvr>
+                                      <p:tavLst>
+                                        <p:tav tm="0">
+                                          <p:val>
+                                            <p:fltVal val="0"/>
+                                          </p:val>
+                                        </p:tav>
+                                        <p:tav tm="100000">
+                                          <p:val>
+                                            <p:strVal val="#ppt_w"/>
+                                          </p:val>
+                                        </p:tav>
+                                      </p:tavLst>
+                                    </p:anim>
+                                    <p:anim calcmode="lin" valueType="num">
+                                      <p:cBhvr>
+                                        <p:cTn id="16" dur="500" fill="hold"/>
+                                        <p:tgtEl>
+                                          <p:spTgt spid="6"/>
+                                        </p:tgtEl>
+                                        <p:attrNameLst>
+                                          <p:attrName>ppt_h</p:attrName>
+                                        </p:attrNameLst>
+                                      </p:cBhvr>
+                                      <p:tavLst>
+                                        <p:tav tm="0">
+                                          <p:val>
+                                            <p:fltVal val="0"/>
+                                          </p:val>
+                                        </p:tav>
+                                        <p:tav tm="100000">
+                                          <p:val>
+                                            <p:strVal val="#ppt_h"/>
+                                          </p:val>
+                                        </p:tav>
+                                      </p:tavLst>
+                                    </p:anim>
+                                    <p:animEffect transition="in" filter="fade">
+                                      <p:cBhvr>
+                                        <p:cTn id="17" dur="500"/>
+                                        <p:tgtEl>
+                                          <p:spTgt spid="6"/>
+                                        </p:tgtEl>
+                                      </p:cBhvr>
+                                    </p:animEffect>
+                                    <p:anim calcmode="lin" valueType="num">
+                                      <p:cBhvr>
+                                        <p:cTn id="18" dur="500" fill="hold"/>
+                                        <p:tgtEl>
+                                          <p:spTgt spid="6"/>
+                                        </p:tgtEl>
+                                        <p:attrNameLst>
+                                          <p:attrName>ppt_x</p:attrName>
+                                        </p:attrNameLst>
+                                      </p:cBhvr>
+                                      <p:tavLst>
+                                        <p:tav tm="0">
+                                          <p:val>
+                                            <p:fltVal val="0.5"/>
+                                          </p:val>
+                                        </p:tav>
+                                        <p:tav tm="100000">
+                                          <p:val>
+                                            <p:strVal val="#ppt_x"/>
+                                          </p:val>
+                                        </p:tav>
+                                      </p:tavLst>
+                                    </p:anim>
+                                    <p:anim calcmode="lin" valueType="num">
+                                      <p:cBhvr>
+                                        <p:cTn id="19" dur="500" fill="hold"/>
+                                        <p:tgtEl>
+                                          <p:spTgt spid="6"/>
+                                        </p:tgtEl>
+                                        <p:attrNameLst>
+                                          <p:attrName>ppt_y</p:attrName>
+                                        </p:attrNameLst>
+                                      </p:cBhvr>
+                                      <p:tavLst>
+                                        <p:tav tm="0">
+                                          <p:val>
+                                            <p:fltVal val="0.5"/>
+                                          </p:val>
+                                        </p:tav>
+                                        <p:tav tm="100000">
+                                          <p:val>
+                                            <p:strVal val="#ppt_y"/>
+                                          </p:val>
+                                        </p:tav>
+                                      </p:tavLst>
+                                    </p:anim>
+                                  </p:childTnLst>
+                                </p:cTn>
+                              </p:par>
+                            </p:childTnLst>
+                          </p:cTn>
+                        </p:par>
+                        <p:par>
+                          <p:cTn id="20" fill="hold">
+                            <p:stCondLst>
+                              <p:cond delay="1000"/>
+                            </p:stCondLst>
+                            <p:childTnLst>
+                              <p:par>
+                                <p:cTn id="21" presetID="53" presetClass="entr" presetSubtype="528" fill="hold" nodeType="afterEffect">
+                                  <p:stCondLst>
+                                    <p:cond delay="0"/>
+                                  </p:stCondLst>
+                                  <p:childTnLst>
+                                    <p:set>
+                                      <p:cBhvr>
+                                        <p:cTn id="22" dur="1" fill="hold">
+                                          <p:stCondLst>
+                                            <p:cond delay="0"/>
+                                          </p:stCondLst>
+                                        </p:cTn>
+                                        <p:tgtEl>
+                                          <p:spTgt spid="9"/>
+                                        </p:tgtEl>
+                                        <p:attrNameLst>
+                                          <p:attrName>style.visibility</p:attrName>
+                                        </p:attrNameLst>
+                                      </p:cBhvr>
+                                      <p:to>
+                                        <p:strVal val="visible"/>
+                                      </p:to>
+                                    </p:set>
+                                    <p:anim calcmode="lin" valueType="num">
+                                      <p:cBhvr>
+                                        <p:cTn id="23" dur="500" fill="hold"/>
+                                        <p:tgtEl>
+                                          <p:spTgt spid="9"/>
+                                        </p:tgtEl>
+                                        <p:attrNameLst>
+                                          <p:attrName>ppt_w</p:attrName>
+                                        </p:attrNameLst>
+                                      </p:cBhvr>
+                                      <p:tavLst>
+                                        <p:tav tm="0">
+                                          <p:val>
+                                            <p:fltVal val="0"/>
+                                          </p:val>
+                                        </p:tav>
+                                        <p:tav tm="100000">
+                                          <p:val>
+                                            <p:strVal val="#ppt_w"/>
+                                          </p:val>
+                                        </p:tav>
+                                      </p:tavLst>
+                                    </p:anim>
+                                    <p:anim calcmode="lin" valueType="num">
+                                      <p:cBhvr>
+                                        <p:cTn id="24" dur="500" fill="hold"/>
+                                        <p:tgtEl>
+                                          <p:spTgt spid="9"/>
+                                        </p:tgtEl>
+                                        <p:attrNameLst>
+                                          <p:attrName>ppt_h</p:attrName>
+                                        </p:attrNameLst>
+                                      </p:cBhvr>
+                                      <p:tavLst>
+                                        <p:tav tm="0">
+                                          <p:val>
+                                            <p:fltVal val="0"/>
+                                          </p:val>
+                                        </p:tav>
+                                        <p:tav tm="100000">
+                                          <p:val>
+                                            <p:strVal val="#ppt_h"/>
+                                          </p:val>
+                                        </p:tav>
+                                      </p:tavLst>
+                                    </p:anim>
+                                    <p:animEffect transition="in" filter="fade">
+                                      <p:cBhvr>
+                                        <p:cTn id="25" dur="500"/>
+                                        <p:tgtEl>
+                                          <p:spTgt spid="9"/>
+                                        </p:tgtEl>
+                                      </p:cBhvr>
+                                    </p:animEffect>
+                                    <p:anim calcmode="lin" valueType="num">
+                                      <p:cBhvr>
+                                        <p:cTn id="26" dur="500" fill="hold"/>
+                                        <p:tgtEl>
+                                          <p:spTgt spid="9"/>
+                                        </p:tgtEl>
+                                        <p:attrNameLst>
+                                          <p:attrName>ppt_x</p:attrName>
+                                        </p:attrNameLst>
+                                      </p:cBhvr>
+                                      <p:tavLst>
+                                        <p:tav tm="0">
+                                          <p:val>
+                                            <p:fltVal val="0.5"/>
+                                          </p:val>
+                                        </p:tav>
+                                        <p:tav tm="100000">
+                                          <p:val>
+                                            <p:strVal val="#ppt_x"/>
+                                          </p:val>
+                                        </p:tav>
+                                      </p:tavLst>
+                                    </p:anim>
+                                    <p:anim calcmode="lin" valueType="num">
+                                      <p:cBhvr>
+                                        <p:cTn id="27" dur="500" fill="hold"/>
+                                        <p:tgtEl>
+                                          <p:spTgt spid="9"/>
+                                        </p:tgtEl>
+                                        <p:attrNameLst>
+                                          <p:attrName>ppt_y</p:attrName>
+                                        </p:attrNameLst>
+                                      </p:cBhvr>
+                                      <p:tavLst>
+                                        <p:tav tm="0">
+                                          <p:val>
+                                            <p:fltVal val="0.5"/>
+                                          </p:val>
+                                        </p:tav>
+                                        <p:tav tm="100000">
+                                          <p:val>
+                                            <p:strVal val="#ppt_y"/>
+                                          </p:val>
+                                        </p:tav>
+                                      </p:tavLst>
+                                    </p:anim>
+                                  </p:childTnLst>
+                                </p:cTn>
+                              </p:par>
+                            </p:childTnLst>
+                          </p:cTn>
+                        </p:par>
+                      </p:childTnLst>
+                    </p:cTn>
+                  </p:par>
+                  <p:par>
+                    <p:cTn id="28" fill="hold">
+                      <p:stCondLst>
+                        <p:cond delay="indefinite"/>
+                      </p:stCondLst>
+                      <p:childTnLst>
+                        <p:par>
+                          <p:cTn id="29" fill="hold">
+                            <p:stCondLst>
+                              <p:cond delay="0"/>
+                            </p:stCondLst>
+                            <p:childTnLst>
+                              <p:par>
+                                <p:cTn id="30" presetID="42" presetClass="entr" presetSubtype="0" fill="hold" grpId="0" nodeType="clickEffect">
+                                  <p:stCondLst>
+                                    <p:cond delay="0"/>
+                                  </p:stCondLst>
+                                  <p:childTnLst>
+                                    <p:set>
+                                      <p:cBhvr>
+                                        <p:cTn id="31" dur="1" fill="hold">
+                                          <p:stCondLst>
+                                            <p:cond delay="0"/>
+                                          </p:stCondLst>
+                                        </p:cTn>
+                                        <p:tgtEl>
+                                          <p:spTgt spid="2">
+                                            <p:txEl>
+                                              <p:pRg st="0" end="0"/>
+                                            </p:txEl>
+                                          </p:spTgt>
+                                        </p:tgtEl>
+                                        <p:attrNameLst>
+                                          <p:attrName>style.visibility</p:attrName>
+                                        </p:attrNameLst>
+                                      </p:cBhvr>
+                                      <p:to>
+                                        <p:strVal val="visible"/>
+                                      </p:to>
+                                    </p:set>
+                                    <p:animEffect transition="in" filter="fade">
+                                      <p:cBhvr>
+                                        <p:cTn id="32" dur="1000"/>
+                                        <p:tgtEl>
+                                          <p:spTgt spid="2">
+                                            <p:txEl>
+                                              <p:pRg st="0" end="0"/>
+                                            </p:txEl>
+                                          </p:spTgt>
+                                        </p:tgtEl>
+                                      </p:cBhvr>
+                                    </p:animEffect>
+                                    <p:anim calcmode="lin" valueType="num">
+                                      <p:cBhvr>
+                                        <p:cTn id="33" dur="1000" fill="hold"/>
+                                        <p:tgtEl>
+                                          <p:spTgt spid="2">
+                                            <p:txEl>
+                                              <p:pRg st="0" end="0"/>
+                                            </p:txEl>
+                                          </p:spTgt>
+                                        </p:tgtEl>
+                                        <p:attrNameLst>
+                                          <p:attrName>ppt_x</p:attrName>
+                                        </p:attrNameLst>
+                                      </p:cBhvr>
+                                      <p:tavLst>
+                                        <p:tav tm="0">
+                                          <p:val>
+                                            <p:strVal val="#ppt_x"/>
+                                          </p:val>
+                                        </p:tav>
+                                        <p:tav tm="100000">
+                                          <p:val>
+                                            <p:strVal val="#ppt_x"/>
+                                          </p:val>
+                                        </p:tav>
+                                      </p:tavLst>
+                                    </p:anim>
+                                    <p:anim calcmode="lin" valueType="num">
+                                      <p:cBhvr>
+                                        <p:cTn id="34" dur="1000" fill="hold"/>
+                                        <p:tgtEl>
+                                          <p:spTgt spid="2">
+                                            <p:txEl>
+                                              <p:pRg st="0" end="0"/>
+                                            </p:txEl>
+                                          </p:spTgt>
+                                        </p:tgtEl>
+                                        <p:attrNameLst>
+                                          <p:attrName>ppt_y</p:attrName>
+                                        </p:attrNameLst>
+                                      </p:cBhvr>
+                                      <p:tavLst>
+                                        <p:tav tm="0">
+                                          <p:val>
+                                            <p:strVal val="#ppt_y+.1"/>
+                                          </p:val>
+                                        </p:tav>
+                                        <p:tav tm="100000">
+                                          <p:val>
+                                            <p:strVal val="#ppt_y"/>
+                                          </p:val>
+                                        </p:tav>
+                                      </p:tavLst>
+                                    </p:anim>
+                                  </p:childTnLst>
+                                </p:cTn>
+                              </p:par>
+                            </p:childTnLst>
+                          </p:cTn>
+                        </p:par>
+                      </p:childTnLst>
+                    </p:cTn>
+                  </p:par>
+                  <p:par>
+                    <p:cTn id="35" fill="hold">
+                      <p:stCondLst>
+                        <p:cond delay="indefinite"/>
+                      </p:stCondLst>
+                      <p:childTnLst>
+                        <p:par>
+                          <p:cTn id="36" fill="hold">
+                            <p:stCondLst>
+                              <p:cond delay="0"/>
+                            </p:stCondLst>
+                            <p:childTnLst>
+                              <p:par>
+                                <p:cTn id="37" presetID="42" presetClass="entr" presetSubtype="0" fill="hold" grpId="0" nodeType="clickEffect">
+                                  <p:stCondLst>
+                                    <p:cond delay="0"/>
+                                  </p:stCondLst>
+                                  <p:childTnLst>
+                                    <p:set>
+                                      <p:cBhvr>
+                                        <p:cTn id="38" dur="1" fill="hold">
+                                          <p:stCondLst>
+                                            <p:cond delay="0"/>
+                                          </p:stCondLst>
+                                        </p:cTn>
+                                        <p:tgtEl>
+                                          <p:spTgt spid="2">
+                                            <p:txEl>
+                                              <p:pRg st="1" end="1"/>
+                                            </p:txEl>
+                                          </p:spTgt>
+                                        </p:tgtEl>
+                                        <p:attrNameLst>
+                                          <p:attrName>style.visibility</p:attrName>
+                                        </p:attrNameLst>
+                                      </p:cBhvr>
+                                      <p:to>
+                                        <p:strVal val="visible"/>
+                                      </p:to>
+                                    </p:set>
+                                    <p:animEffect transition="in" filter="fade">
+                                      <p:cBhvr>
+                                        <p:cTn id="39" dur="1000"/>
+                                        <p:tgtEl>
+                                          <p:spTgt spid="2">
+                                            <p:txEl>
+                                              <p:pRg st="1" end="1"/>
+                                            </p:txEl>
+                                          </p:spTgt>
+                                        </p:tgtEl>
+                                      </p:cBhvr>
+                                    </p:animEffect>
+                                    <p:anim calcmode="lin" valueType="num">
+                                      <p:cBhvr>
+                                        <p:cTn id="40" dur="1000" fill="hold"/>
+                                        <p:tgtEl>
+                                          <p:spTgt spid="2">
+                                            <p:txEl>
+                                              <p:pRg st="1" end="1"/>
+                                            </p:txEl>
+                                          </p:spTgt>
+                                        </p:tgtEl>
+                                        <p:attrNameLst>
+                                          <p:attrName>ppt_x</p:attrName>
+                                        </p:attrNameLst>
+                                      </p:cBhvr>
+                                      <p:tavLst>
+                                        <p:tav tm="0">
+                                          <p:val>
+                                            <p:strVal val="#ppt_x"/>
+                                          </p:val>
+                                        </p:tav>
+                                        <p:tav tm="100000">
+                                          <p:val>
+                                            <p:strVal val="#ppt_x"/>
+                                          </p:val>
+                                        </p:tav>
+                                      </p:tavLst>
+                                    </p:anim>
+                                    <p:anim calcmode="lin" valueType="num">
+                                      <p:cBhvr>
+                                        <p:cTn id="41" dur="1000" fill="hold"/>
+                                        <p:tgtEl>
+                                          <p:spTgt spid="2">
+                                            <p:txEl>
+                                              <p:pRg st="1" end="1"/>
+                                            </p:txEl>
+                                          </p:spTgt>
+                                        </p:tgtEl>
+                                        <p:attrNameLst>
+                                          <p:attrName>ppt_y</p:attrName>
+                                        </p:attrNameLst>
+                                      </p:cBhvr>
+                                      <p:tavLst>
+                                        <p:tav tm="0">
+                                          <p:val>
+                                            <p:strVal val="#ppt_y+.1"/>
+                                          </p:val>
+                                        </p:tav>
+                                        <p:tav tm="100000">
+                                          <p:val>
+                                            <p:strVal val="#ppt_y"/>
+                                          </p:val>
+                                        </p:tav>
+                                      </p:tavLst>
+                                    </p:anim>
+                                  </p:childTnLst>
+                                </p:cTn>
+                              </p:par>
+                            </p:childTnLst>
+                          </p:cTn>
+                        </p:par>
+                      </p:childTnLst>
+                    </p:cTn>
+                  </p:par>
+                  <p:par>
+                    <p:cTn id="42" fill="hold">
+                      <p:stCondLst>
+                        <p:cond delay="indefinite"/>
+                      </p:stCondLst>
+                      <p:childTnLst>
+                        <p:par>
+                          <p:cTn id="43" fill="hold">
+                            <p:stCondLst>
+                              <p:cond delay="0"/>
+                            </p:stCondLst>
+                            <p:childTnLst>
+                              <p:par>
+                                <p:cTn id="44" presetID="42" presetClass="entr" presetSubtype="0" fill="hold" grpId="0" nodeType="clickEffect">
+                                  <p:stCondLst>
+                                    <p:cond delay="0"/>
+                                  </p:stCondLst>
+                                  <p:childTnLst>
+                                    <p:set>
+                                      <p:cBhvr>
+                                        <p:cTn id="45" dur="1" fill="hold">
+                                          <p:stCondLst>
+                                            <p:cond delay="0"/>
+                                          </p:stCondLst>
+                                        </p:cTn>
+                                        <p:tgtEl>
+                                          <p:spTgt spid="2">
+                                            <p:txEl>
+                                              <p:pRg st="2" end="2"/>
+                                            </p:txEl>
+                                          </p:spTgt>
+                                        </p:tgtEl>
+                                        <p:attrNameLst>
+                                          <p:attrName>style.visibility</p:attrName>
+                                        </p:attrNameLst>
+                                      </p:cBhvr>
+                                      <p:to>
+                                        <p:strVal val="visible"/>
+                                      </p:to>
+                                    </p:set>
+                                    <p:animEffect transition="in" filter="fade">
+                                      <p:cBhvr>
+                                        <p:cTn id="46" dur="1000"/>
+                                        <p:tgtEl>
+                                          <p:spTgt spid="2">
+                                            <p:txEl>
+                                              <p:pRg st="2" end="2"/>
+                                            </p:txEl>
+                                          </p:spTgt>
+                                        </p:tgtEl>
+                                      </p:cBhvr>
+                                    </p:animEffect>
+                                    <p:anim calcmode="lin" valueType="num">
+                                      <p:cBhvr>
+                                        <p:cTn id="47" dur="1000" fill="hold"/>
+                                        <p:tgtEl>
+                                          <p:spTgt spid="2">
+                                            <p:txEl>
+                                              <p:pRg st="2" end="2"/>
+                                            </p:txEl>
+                                          </p:spTgt>
+                                        </p:tgtEl>
+                                        <p:attrNameLst>
+                                          <p:attrName>ppt_x</p:attrName>
+                                        </p:attrNameLst>
+                                      </p:cBhvr>
+                                      <p:tavLst>
+                                        <p:tav tm="0">
+                                          <p:val>
+                                            <p:strVal val="#ppt_x"/>
+                                          </p:val>
+                                        </p:tav>
+                                        <p:tav tm="100000">
+                                          <p:val>
+                                            <p:strVal val="#ppt_x"/>
+                                          </p:val>
+                                        </p:tav>
+                                      </p:tavLst>
+                                    </p:anim>
+                                    <p:anim calcmode="lin" valueType="num">
+                                      <p:cBhvr>
+                                        <p:cTn id="48" dur="1000" fill="hold"/>
+                                        <p:tgtEl>
+                                          <p:spTgt spid="2">
+                                            <p:txEl>
+                                              <p:pRg st="2" end="2"/>
+                                            </p:txEl>
+                                          </p:spTgt>
+                                        </p:tgtEl>
+                                        <p:attrNameLst>
+                                          <p:attrName>ppt_y</p:attrName>
+                                        </p:attrNameLst>
+                                      </p:cBhvr>
+                                      <p:tavLst>
+                                        <p:tav tm="0">
+                                          <p:val>
+                                            <p:strVal val="#ppt_y+.1"/>
+                                          </p:val>
+                                        </p:tav>
+                                        <p:tav tm="100000">
+                                          <p:val>
+                                            <p:strVal val="#ppt_y"/>
+                                          </p:val>
+                                        </p:tav>
+                                      </p:tavLst>
+                                    </p:anim>
+                                  </p:childTnLst>
+                                </p:cTn>
+                              </p:par>
+                            </p:childTnLst>
+                          </p:cTn>
+                        </p:par>
+                      </p:childTnLst>
+                    </p:cTn>
+                  </p:par>
+                  <p:par>
+                    <p:cTn id="49" fill="hold">
+                      <p:stCondLst>
+                        <p:cond delay="indefinite"/>
+                      </p:stCondLst>
+                      <p:childTnLst>
+                        <p:par>
+                          <p:cTn id="50" fill="hold">
+                            <p:stCondLst>
+                              <p:cond delay="0"/>
+                            </p:stCondLst>
+                            <p:childTnLst>
+                              <p:par>
+                                <p:cTn id="51" presetID="42" presetClass="entr" presetSubtype="0" fill="hold" grpId="0" nodeType="clickEffect">
+                                  <p:stCondLst>
+                                    <p:cond delay="0"/>
+                                  </p:stCondLst>
+                                  <p:childTnLst>
+                                    <p:set>
+                                      <p:cBhvr>
+                                        <p:cTn id="52" dur="1" fill="hold">
+                                          <p:stCondLst>
+                                            <p:cond delay="0"/>
+                                          </p:stCondLst>
+                                        </p:cTn>
+                                        <p:tgtEl>
+                                          <p:spTgt spid="2">
+                                            <p:txEl>
+                                              <p:pRg st="3" end="3"/>
+                                            </p:txEl>
+                                          </p:spTgt>
+                                        </p:tgtEl>
+                                        <p:attrNameLst>
+                                          <p:attrName>style.visibility</p:attrName>
+                                        </p:attrNameLst>
+                                      </p:cBhvr>
+                                      <p:to>
+                                        <p:strVal val="visible"/>
+                                      </p:to>
+                                    </p:set>
+                                    <p:animEffect transition="in" filter="fade">
+                                      <p:cBhvr>
+                                        <p:cTn id="53" dur="1000"/>
+                                        <p:tgtEl>
+                                          <p:spTgt spid="2">
+                                            <p:txEl>
+                                              <p:pRg st="3" end="3"/>
+                                            </p:txEl>
+                                          </p:spTgt>
+                                        </p:tgtEl>
+                                      </p:cBhvr>
+                                    </p:animEffect>
+                                    <p:anim calcmode="lin" valueType="num">
+                                      <p:cBhvr>
+                                        <p:cTn id="54" dur="1000" fill="hold"/>
+                                        <p:tgtEl>
+                                          <p:spTgt spid="2">
+                                            <p:txEl>
+                                              <p:pRg st="3" end="3"/>
+                                            </p:txEl>
+                                          </p:spTgt>
+                                        </p:tgtEl>
+                                        <p:attrNameLst>
+                                          <p:attrName>ppt_x</p:attrName>
+                                        </p:attrNameLst>
+                                      </p:cBhvr>
+                                      <p:tavLst>
+                                        <p:tav tm="0">
+                                          <p:val>
+                                            <p:strVal val="#ppt_x"/>
+                                          </p:val>
+                                        </p:tav>
+                                        <p:tav tm="100000">
+                                          <p:val>
+                                            <p:strVal val="#ppt_x"/>
+                                          </p:val>
+                                        </p:tav>
+                                      </p:tavLst>
+                                    </p:anim>
+                                    <p:anim calcmode="lin" valueType="num">
+                                      <p:cBhvr>
+                                        <p:cTn id="55" dur="1000" fill="hold"/>
+                                        <p:tgtEl>
+                                          <p:spTgt spid="2">
+                                            <p:txEl>
+                                              <p:pRg st="3" end="3"/>
+                                            </p:txEl>
+                                          </p:spTgt>
+                                        </p:tgtEl>
+                                        <p:attrNameLst>
+                                          <p:attrName>ppt_y</p:attrName>
+                                        </p:attrNameLst>
+                                      </p:cBhvr>
+                                      <p:tavLst>
+                                        <p:tav tm="0">
+                                          <p:val>
+                                            <p:strVal val="#ppt_y+.1"/>
+                                          </p:val>
+                                        </p:tav>
+                                        <p:tav tm="100000">
+                                          <p:val>
+                                            <p:strVal val="#ppt_y"/>
+                                          </p:val>
+                                        </p:tav>
+                                      </p:tavLst>
+                                    </p:anim>
+                                  </p:childTnLst>
+                                </p:cTn>
+                              </p:par>
+                            </p:childTnLst>
+                          </p:cTn>
+                        </p:par>
+                      </p:childTnLst>
+                    </p:cTn>
+                  </p:par>
+                  <p:par>
+                    <p:cTn id="56" fill="hold">
+                      <p:stCondLst>
+                        <p:cond delay="indefinite"/>
+                      </p:stCondLst>
+                      <p:childTnLst>
+                        <p:par>
+                          <p:cTn id="57" fill="hold">
+                            <p:stCondLst>
+                              <p:cond delay="0"/>
+                            </p:stCondLst>
+                            <p:childTnLst>
+                              <p:par>
+                                <p:cTn id="58" presetID="42" presetClass="entr" presetSubtype="0" fill="hold" grpId="0" nodeType="clickEffect">
+                                  <p:stCondLst>
+                                    <p:cond delay="0"/>
+                                  </p:stCondLst>
+                                  <p:childTnLst>
+                                    <p:set>
+                                      <p:cBhvr>
+                                        <p:cTn id="59" dur="1" fill="hold">
+                                          <p:stCondLst>
+                                            <p:cond delay="0"/>
+                                          </p:stCondLst>
+                                        </p:cTn>
+                                        <p:tgtEl>
+                                          <p:spTgt spid="2">
+                                            <p:txEl>
+                                              <p:charRg st="79" end="134"/>
+                                            </p:txEl>
+                                          </p:spTgt>
+                                        </p:tgtEl>
+                                        <p:attrNameLst>
+                                          <p:attrName>style.visibility</p:attrName>
+                                        </p:attrNameLst>
+                                      </p:cBhvr>
+                                      <p:to>
+                                        <p:strVal val="visible"/>
+                                      </p:to>
+                                    </p:set>
+                                    <p:animEffect transition="in" filter="fade">
+                                      <p:cBhvr>
+                                        <p:cTn id="60" dur="1000"/>
+                                        <p:tgtEl>
+                                          <p:spTgt spid="2">
+                                            <p:txEl>
+                                              <p:charRg st="79" end="134"/>
+                                            </p:txEl>
+                                          </p:spTgt>
+                                        </p:tgtEl>
+                                      </p:cBhvr>
+                                    </p:animEffect>
+                                    <p:anim calcmode="lin" valueType="num">
+                                      <p:cBhvr>
+                                        <p:cTn id="61" dur="1000" fill="hold"/>
+                                        <p:tgtEl>
+                                          <p:spTgt spid="2">
+                                            <p:txEl>
+                                              <p:charRg st="79" end="134"/>
+                                            </p:txEl>
+                                          </p:spTgt>
+                                        </p:tgtEl>
+                                        <p:attrNameLst>
+                                          <p:attrName>ppt_x</p:attrName>
+                                        </p:attrNameLst>
+                                      </p:cBhvr>
+                                      <p:tavLst>
+                                        <p:tav tm="0">
+                                          <p:val>
+                                            <p:strVal val="#ppt_x"/>
+                                          </p:val>
+                                        </p:tav>
+                                        <p:tav tm="100000">
+                                          <p:val>
+                                            <p:strVal val="#ppt_x"/>
+                                          </p:val>
+                                        </p:tav>
+                                      </p:tavLst>
+                                    </p:anim>
+                                    <p:anim calcmode="lin" valueType="num">
+                                      <p:cBhvr>
+                                        <p:cTn id="62" dur="1000" fill="hold"/>
+                                        <p:tgtEl>
+                                          <p:spTgt spid="2">
+                                            <p:txEl>
+                                              <p:charRg st="79" end="134"/>
+                                            </p:txEl>
+                                          </p:spTgt>
+                                        </p:tgtEl>
+                                        <p:attrNameLst>
+                                          <p:attrName>ppt_y</p:attrName>
+                                        </p:attrNameLst>
+                                      </p:cBhvr>
+                                      <p:tavLst>
+                                        <p:tav tm="0">
+                                          <p:val>
+                                            <p:strVal val="#ppt_y+.1"/>
+                                          </p:val>
+                                        </p:tav>
+                                        <p:tav tm="100000">
+                                          <p:val>
+                                            <p:strVal val="#ppt_y"/>
+                                          </p:val>
+                                        </p:tav>
+                                      </p:tavLst>
+                                    </p:anim>
+                                  </p:childTnLst>
+                                </p:cTn>
+                              </p:par>
+                            </p:childTnLst>
+                          </p:cTn>
+                        </p:par>
+                      </p:childTnLst>
+                    </p:cTn>
+                  </p:par>
+                </p:childTnLst>
+              </p:cTn>
+              <p:prevCondLst>
+                <p:cond evt="onPrev" delay="0">
+                  <p:tgtEl>
+                    <p:sldTgt/>
+                  </p:tgtEl>
+                </p:cond>
+              </p:prevCondLst>
+              <p:nextCondLst>
+                <p:cond evt="onNext" delay="0">
+                  <p:tgtEl>
+                    <p:sldTgt/>
+                  </p:tgtEl>
+                </p:cond>
+              </p:nextCondLst>
+            </p:seq>
+          </p:childTnLst>
+        </p:cTn>
+      </p:par>
+    </p:tnLst>
+    <p:bldLst>
+      <p:bldP spid="2" grpId="0" build="p"/>
+    </p:bldLst>
+  </p:timing>
+</p:sld>
+</file>
+
+<file path=ppt/slides/slide13.xml><?xml version="1.0" encoding="utf-8"?>
+<p:sld xmlns:a="http://schemas.openxmlformats.org/drawingml/2006/main" xmlns:r="http://schemas.openxmlformats.org/officeDocument/2006/relationships" xmlns:p="http://schemas.openxmlformats.org/presentationml/2006/main">
+  <p:cSld>
+    <p:bg>
+      <p:bgPr>
+        <a:solidFill>
+          <a:schemeClr val="accent5">
+            <a:lumMod val="75000"/>
+          </a:schemeClr>
+        </a:solidFill>
+        <a:effectLst/>
+      </p:bgPr>
+    </p:bg>
+    <p:spTree>
+      <p:nvGrpSpPr>
+        <p:cNvPr id="1" name=""/>
+        <p:cNvGrpSpPr/>
+        <p:nvPr/>
+      </p:nvGrpSpPr>
+      <p:grpSpPr>
+        <a:xfrm>
+          <a:off x="0" y="0"/>
+          <a:ext cx="0" cy="0"/>
+          <a:chOff x="0" y="0"/>
+          <a:chExt cx="0" cy="0"/>
+        </a:xfrm>
+      </p:grpSpPr>
+      <p:sp>
+        <p:nvSpPr>
+          <p:cNvPr id="4" name="TextBox 3"/>
+          <p:cNvSpPr txBox="1"/>
+          <p:nvPr/>
+        </p:nvSpPr>
+        <p:spPr>
+          <a:xfrm>
+            <a:off x="1049312" y="2548329"/>
+            <a:ext cx="6460760" cy="1015663"/>
+          </a:xfrm>
+          <a:prstGeom prst="rect">
+            <a:avLst/>
+          </a:prstGeom>
+          <a:noFill/>
+        </p:spPr>
+        <p:txBody>
+          <a:bodyPr wrap="square" rtlCol="0">
+            <a:spAutoFit/>
+          </a:bodyPr>
+          <a:lstStyle/>
+          <a:p>
+            <a:r>
+              <a:rPr lang="en-US" sz="3000" dirty="0" smtClean="0">
+                <a:solidFill>
+                  <a:schemeClr val="bg1"/>
+                </a:solidFill>
+                <a:latin typeface="Segoe UI Light" panose="020B0502040204020203" pitchFamily="34" charset="0"/>
+                <a:cs typeface="Segoe UI Light" panose="020B0502040204020203" pitchFamily="34" charset="0"/>
+              </a:rPr>
+              <a:t>Can my system use RNS to send notifications to my users?</a:t>
+            </a:r>
+            <a:endParaRPr lang="vi-VN" sz="3000" dirty="0">
+              <a:solidFill>
+                <a:schemeClr val="bg1"/>
+              </a:solidFill>
+              <a:latin typeface="Segoe UI Light" panose="020B0502040204020203" pitchFamily="34" charset="0"/>
+              <a:cs typeface="Segoe UI Light" panose="020B0502040204020203" pitchFamily="34" charset="0"/>
+            </a:endParaRPr>
+          </a:p>
+        </p:txBody>
+      </p:sp>
+    </p:spTree>
+    <p:extLst>
+      <p:ext uri="{BB962C8B-B14F-4D97-AF65-F5344CB8AC3E}">
+        <p14:creationId xmlns:p14="http://schemas.microsoft.com/office/powerpoint/2010/main" val="1480140903"/>
+      </p:ext>
+    </p:extLst>
+  </p:cSld>
+  <p:clrMapOvr>
+    <a:masterClrMapping/>
+  </p:clrMapOvr>
+  <mc:AlternateContent xmlns:mc="http://schemas.openxmlformats.org/markup-compatibility/2006" xmlns:p14="http://schemas.microsoft.com/office/powerpoint/2010/main">
+    <mc:Choice Requires="p14">
+      <p:transition spd="med" p14:dur="700">
+        <p:fade/>
+      </p:transition>
+    </mc:Choice>
+    <mc:Fallback xmlns="">
+      <p:transition spd="med">
+        <p:fade/>
+      </p:transition>
+    </mc:Fallback>
+  </mc:AlternateContent>
+  <p:timing>
+    <p:tnLst>
+      <p:par>
+        <p:cTn id="1" dur="indefinite" restart="never" nodeType="tmRoot">
+          <p:childTnLst>
+            <p:seq concurrent="1" nextAc="seek">
+              <p:cTn id="2" dur="indefinite" nodeType="mainSeq">
+                <p:childTnLst>
+                  <p:par>
+                    <p:cTn id="3" fill="hold">
+                      <p:stCondLst>
+                        <p:cond delay="indefinite"/>
+                        <p:cond evt="onBegin" delay="0">
+                          <p:tn val="2"/>
+                        </p:cond>
+                      </p:stCondLst>
+                      <p:childTnLst>
+                        <p:par>
+                          <p:cTn id="4" fill="hold">
+                            <p:stCondLst>
+                              <p:cond delay="0"/>
+                            </p:stCondLst>
+                            <p:childTnLst>
+                              <p:par>
+                                <p:cTn id="5" presetID="53" presetClass="entr" presetSubtype="16" fill="hold" grpId="0" nodeType="withEffect">
+                                  <p:stCondLst>
+                                    <p:cond delay="0"/>
+                                  </p:stCondLst>
+                                  <p:childTnLst>
+                                    <p:set>
+                                      <p:cBhvr>
+                                        <p:cTn id="6" dur="1" fill="hold">
+                                          <p:stCondLst>
+                                            <p:cond delay="0"/>
+                                          </p:stCondLst>
+                                        </p:cTn>
+                                        <p:tgtEl>
+                                          <p:spTgt spid="4">
+                                            <p:txEl>
+                                              <p:pRg st="0" end="0"/>
+                                            </p:txEl>
+                                          </p:spTgt>
+                                        </p:tgtEl>
+                                        <p:attrNameLst>
+                                          <p:attrName>style.visibility</p:attrName>
+                                        </p:attrNameLst>
+                                      </p:cBhvr>
+                                      <p:to>
+                                        <p:strVal val="visible"/>
+                                      </p:to>
+                                    </p:set>
+                                    <p:anim calcmode="lin" valueType="num">
+                                      <p:cBhvr>
+                                        <p:cTn id="7" dur="500" fill="hold"/>
+                                        <p:tgtEl>
+                                          <p:spTgt spid="4">
+                                            <p:txEl>
+                                              <p:pRg st="0" end="0"/>
+                                            </p:txEl>
+                                          </p:spTgt>
+                                        </p:tgtEl>
+                                        <p:attrNameLst>
+                                          <p:attrName>ppt_w</p:attrName>
+                                        </p:attrNameLst>
+                                      </p:cBhvr>
+                                      <p:tavLst>
+                                        <p:tav tm="0">
+                                          <p:val>
+                                            <p:fltVal val="0"/>
+                                          </p:val>
+                                        </p:tav>
+                                        <p:tav tm="100000">
+                                          <p:val>
+                                            <p:strVal val="#ppt_w"/>
+                                          </p:val>
+                                        </p:tav>
+                                      </p:tavLst>
+                                    </p:anim>
+                                    <p:anim calcmode="lin" valueType="num">
+                                      <p:cBhvr>
+                                        <p:cTn id="8" dur="500" fill="hold"/>
+                                        <p:tgtEl>
+                                          <p:spTgt spid="4">
+                                            <p:txEl>
+                                              <p:pRg st="0" end="0"/>
+                                            </p:txEl>
+                                          </p:spTgt>
+                                        </p:tgtEl>
+                                        <p:attrNameLst>
+                                          <p:attrName>ppt_h</p:attrName>
+                                        </p:attrNameLst>
+                                      </p:cBhvr>
+                                      <p:tavLst>
+                                        <p:tav tm="0">
+                                          <p:val>
+                                            <p:fltVal val="0"/>
+                                          </p:val>
+                                        </p:tav>
+                                        <p:tav tm="100000">
+                                          <p:val>
+                                            <p:strVal val="#ppt_h"/>
+                                          </p:val>
+                                        </p:tav>
+                                      </p:tavLst>
+                                    </p:anim>
+                                    <p:animEffect transition="in" filter="fade">
+                                      <p:cBhvr>
+                                        <p:cTn id="9" dur="500"/>
+                                        <p:tgtEl>
+                                          <p:spTgt spid="4">
+                                            <p:txEl>
+                                              <p:pRg st="0" end="0"/>
+                                            </p:txEl>
+                                          </p:spTgt>
+                                        </p:tgtEl>
+                                      </p:cBhvr>
+                                    </p:animEffect>
+                                  </p:childTnLst>
+                                </p:cTn>
+                              </p:par>
+                            </p:childTnLst>
+                          </p:cTn>
+                        </p:par>
+                      </p:childTnLst>
+                    </p:cTn>
+                  </p:par>
+                </p:childTnLst>
+              </p:cTn>
+              <p:prevCondLst>
+                <p:cond evt="onPrev" delay="0">
+                  <p:tgtEl>
+                    <p:sldTgt/>
+                  </p:tgtEl>
+                </p:cond>
+              </p:prevCondLst>
+              <p:nextCondLst>
+                <p:cond evt="onNext" delay="0">
+                  <p:tgtEl>
+                    <p:sldTgt/>
+                  </p:tgtEl>
+                </p:cond>
+              </p:nextCondLst>
+            </p:seq>
+          </p:childTnLst>
+        </p:cTn>
+      </p:par>
+    </p:tnLst>
+    <p:bldLst>
+      <p:bldP spid="4" grpId="0" build="p"/>
+    </p:bldLst>
+  </p:timing>
+</p:sld>
+</file>
+
+<file path=ppt/slides/slide14.xml><?xml version="1.0" encoding="utf-8"?>
+<p:sld xmlns:a="http://schemas.openxmlformats.org/drawingml/2006/main" xmlns:r="http://schemas.openxmlformats.org/officeDocument/2006/relationships" xmlns:p="http://schemas.openxmlformats.org/presentationml/2006/main">
+  <p:cSld>
+    <p:spTree>
+      <p:nvGrpSpPr>
+        <p:cNvPr id="1" name=""/>
+        <p:cNvGrpSpPr/>
+        <p:nvPr/>
+      </p:nvGrpSpPr>
+      <p:grpSpPr>
+        <a:xfrm>
+          <a:off x="0" y="0"/>
+          <a:ext cx="0" cy="0"/>
+          <a:chOff x="0" y="0"/>
+          <a:chExt cx="0" cy="0"/>
+        </a:xfrm>
+      </p:grpSpPr>
+      <p:sp>
+        <p:nvSpPr>
+          <p:cNvPr id="4" name="TextBox 3"/>
+          <p:cNvSpPr txBox="1"/>
+          <p:nvPr/>
+        </p:nvSpPr>
+        <p:spPr>
+          <a:xfrm>
+            <a:off x="554181" y="2923308"/>
+            <a:ext cx="8589819" cy="1015663"/>
+          </a:xfrm>
+          <a:prstGeom prst="rect">
+            <a:avLst/>
+          </a:prstGeom>
+          <a:noFill/>
+        </p:spPr>
+        <p:txBody>
+          <a:bodyPr wrap="square" rtlCol="0">
+            <a:spAutoFit/>
+          </a:bodyPr>
+          <a:lstStyle/>
+          <a:p>
+            <a:r>
+              <a:rPr lang="en-US" sz="6000" dirty="0" smtClean="0">
+                <a:latin typeface="Segoe UI Light" panose="020B0502040204020203" pitchFamily="34" charset="0"/>
+                <a:cs typeface="Segoe UI Light" panose="020B0502040204020203" pitchFamily="34" charset="0"/>
+              </a:rPr>
+              <a:t>Thanks for your attention</a:t>
+            </a:r>
+            <a:endParaRPr lang="vi-VN" sz="6000" dirty="0">
+              <a:latin typeface="Segoe UI Light" panose="020B0502040204020203" pitchFamily="34" charset="0"/>
+              <a:cs typeface="Segoe UI Light" panose="020B0502040204020203" pitchFamily="34" charset="0"/>
+            </a:endParaRPr>
+          </a:p>
+        </p:txBody>
+      </p:sp>
+      <p:pic>
+        <p:nvPicPr>
+          <p:cNvPr id="5" name="Picture 4"/>
+          <p:cNvPicPr>
+            <a:picLocks noChangeAspect="1"/>
+          </p:cNvPicPr>
+          <p:nvPr/>
+        </p:nvPicPr>
+        <p:blipFill>
+          <a:blip r:embed="rId2" cstate="print">
+            <a:extLst>
+              <a:ext uri="{28A0092B-C50C-407E-A947-70E740481C1C}">
+                <a14:useLocalDpi xmlns:a14="http://schemas.microsoft.com/office/drawing/2010/main" val="0"/>
+              </a:ext>
+            </a:extLst>
+          </a:blip>
+          <a:stretch>
+            <a:fillRect/>
+          </a:stretch>
+        </p:blipFill>
+        <p:spPr>
+          <a:xfrm>
+            <a:off x="6757108" y="6151050"/>
+            <a:ext cx="436230" cy="436230"/>
+          </a:xfrm>
+          <a:prstGeom prst="rect">
+            <a:avLst/>
+          </a:prstGeom>
+        </p:spPr>
+      </p:pic>
+      <p:sp>
+        <p:nvSpPr>
+          <p:cNvPr id="6" name="TextBox 5"/>
+          <p:cNvSpPr txBox="1"/>
+          <p:nvPr/>
+        </p:nvSpPr>
+        <p:spPr>
+          <a:xfrm>
+            <a:off x="7193338" y="6319732"/>
+            <a:ext cx="2101515" cy="300082"/>
+          </a:xfrm>
+          <a:prstGeom prst="rect">
+            <a:avLst/>
+          </a:prstGeom>
+          <a:noFill/>
+        </p:spPr>
+        <p:txBody>
+          <a:bodyPr wrap="square" rtlCol="0">
+            <a:spAutoFit/>
+          </a:bodyPr>
+          <a:lstStyle/>
+          <a:p>
+            <a:r>
+              <a:rPr lang="en-US" sz="1350" dirty="0">
+                <a:latin typeface="Segoe UI" panose="020B0502040204020203" pitchFamily="34" charset="0"/>
+                <a:cs typeface="Segoe UI" panose="020B0502040204020203" pitchFamily="34" charset="0"/>
+              </a:rPr>
+              <a:t>Binh Duong University</a:t>
+            </a:r>
+            <a:endParaRPr lang="vi-VN" sz="1350" dirty="0">
+              <a:latin typeface="Segoe UI" panose="020B0502040204020203" pitchFamily="34" charset="0"/>
+              <a:cs typeface="Segoe UI" panose="020B0502040204020203" pitchFamily="34" charset="0"/>
+            </a:endParaRPr>
+          </a:p>
+        </p:txBody>
+      </p:sp>
+      <p:sp>
+        <p:nvSpPr>
+          <p:cNvPr id="7" name="TextBox 6"/>
+          <p:cNvSpPr txBox="1"/>
+          <p:nvPr/>
+        </p:nvSpPr>
+        <p:spPr>
+          <a:xfrm>
+            <a:off x="248652" y="5855657"/>
+            <a:ext cx="5542548" cy="923330"/>
+          </a:xfrm>
+          <a:prstGeom prst="rect">
+            <a:avLst/>
+          </a:prstGeom>
+          <a:noFill/>
+        </p:spPr>
+        <p:txBody>
+          <a:bodyPr wrap="square" rtlCol="0">
+            <a:spAutoFit/>
+          </a:bodyPr>
+          <a:lstStyle/>
+          <a:p>
+            <a:r>
+              <a:rPr lang="en-US" sz="1350" dirty="0">
+                <a:latin typeface="Segoe UI" panose="020B0502040204020203" pitchFamily="34" charset="0"/>
+                <a:cs typeface="Segoe UI" panose="020B0502040204020203" pitchFamily="34" charset="0"/>
+              </a:rPr>
+              <a:t>Sy Le Kha</a:t>
+            </a:r>
+          </a:p>
+          <a:p>
+            <a:r>
+              <a:rPr lang="en-US" sz="1350" dirty="0" smtClean="0">
+                <a:latin typeface="Segoe UI" panose="020B0502040204020203" pitchFamily="34" charset="0"/>
+                <a:cs typeface="Segoe UI" panose="020B0502040204020203" pitchFamily="34" charset="0"/>
+              </a:rPr>
+              <a:t>.NET </a:t>
+            </a:r>
+            <a:r>
+              <a:rPr lang="en-US" sz="1350" dirty="0">
+                <a:latin typeface="Segoe UI" panose="020B0502040204020203" pitchFamily="34" charset="0"/>
+                <a:cs typeface="Segoe UI" panose="020B0502040204020203" pitchFamily="34" charset="0"/>
+              </a:rPr>
+              <a:t>Developer</a:t>
+            </a:r>
+          </a:p>
+          <a:p>
+            <a:r>
+              <a:rPr lang="en-US" sz="1350" dirty="0" smtClean="0">
+                <a:latin typeface="Segoe UI" panose="020B0502040204020203" pitchFamily="34" charset="0"/>
+                <a:cs typeface="Segoe UI" panose="020B0502040204020203" pitchFamily="34" charset="0"/>
+              </a:rPr>
+              <a:t>If you want to be a RNS contributor, reach me at: Lekhasy@outlook.com</a:t>
+            </a:r>
+            <a:endParaRPr lang="vi-VN" sz="1350" dirty="0">
+              <a:latin typeface="Segoe UI" panose="020B0502040204020203" pitchFamily="34" charset="0"/>
+              <a:cs typeface="Segoe UI" panose="020B0502040204020203" pitchFamily="34" charset="0"/>
+            </a:endParaRPr>
+          </a:p>
+        </p:txBody>
+      </p:sp>
+    </p:spTree>
+    <p:extLst>
+      <p:ext uri="{BB962C8B-B14F-4D97-AF65-F5344CB8AC3E}">
+        <p14:creationId xmlns:p14="http://schemas.microsoft.com/office/powerpoint/2010/main" val="2011948850"/>
+      </p:ext>
+    </p:extLst>
+  </p:cSld>
+  <p:clrMapOvr>
+    <a:masterClrMapping/>
+  </p:clrMapOvr>
+  <p:timing>
+    <p:tnLst>
+      <p:par>
+        <p:cTn id="1" dur="indefinite" restart="never" nodeType="tmRoot">
+          <p:childTnLst>
+            <p:seq concurrent="1" nextAc="seek">
+              <p:cTn id="2" dur="indefinite" nodeType="mainSeq">
+                <p:childTnLst>
+                  <p:par>
+                    <p:cTn id="3" fill="hold">
+                      <p:stCondLst>
+                        <p:cond delay="indefinite"/>
+                        <p:cond evt="onBegin" delay="0">
+                          <p:tn val="2"/>
+                        </p:cond>
+                      </p:stCondLst>
+                      <p:childTnLst>
+                        <p:par>
+                          <p:cTn id="4" fill="hold">
+                            <p:stCondLst>
+                              <p:cond delay="0"/>
+                            </p:stCondLst>
+                            <p:childTnLst>
+                              <p:par>
+                                <p:cTn id="5" presetID="10" presetClass="entr" presetSubtype="0" fill="hold" grpId="0" nodeType="withEffect">
+                                  <p:stCondLst>
+                                    <p:cond delay="0"/>
+                                  </p:stCondLst>
+                                  <p:childTnLst>
+                                    <p:set>
+                                      <p:cBhvr>
+                                        <p:cTn id="6" dur="1" fill="hold">
+                                          <p:stCondLst>
+                                            <p:cond delay="0"/>
+                                          </p:stCondLst>
+                                        </p:cTn>
+                                        <p:tgtEl>
+                                          <p:spTgt spid="4"/>
+                                        </p:tgtEl>
+                                        <p:attrNameLst>
+                                          <p:attrName>style.visibility</p:attrName>
+                                        </p:attrNameLst>
+                                      </p:cBhvr>
+                                      <p:to>
+                                        <p:strVal val="visible"/>
+                                      </p:to>
+                                    </p:set>
+                                    <p:animEffect transition="in" filter="fade">
+                                      <p:cBhvr>
+                                        <p:cTn id="7" dur="500"/>
+                                        <p:tgtEl>
+                                          <p:spTgt spid="4"/>
+                                        </p:tgtEl>
+                                      </p:cBhvr>
+                                    </p:animEffect>
+                                  </p:childTnLst>
+                                </p:cTn>
+                              </p:par>
+                            </p:childTnLst>
+                          </p:cTn>
+                        </p:par>
+                      </p:childTnLst>
+                    </p:cTn>
+                  </p:par>
+                </p:childTnLst>
+              </p:cTn>
+              <p:prevCondLst>
+                <p:cond evt="onPrev" delay="0">
+                  <p:tgtEl>
+                    <p:sldTgt/>
+                  </p:tgtEl>
+                </p:cond>
+              </p:prevCondLst>
+              <p:nextCondLst>
+                <p:cond evt="onNext" delay="0">
+                  <p:tgtEl>
+                    <p:sldTgt/>
+                  </p:tgtEl>
+                </p:cond>
+              </p:nextCondLst>
+            </p:seq>
+          </p:childTnLst>
+        </p:cTn>
+      </p:par>
+    </p:tnLst>
+    <p:bldLst>
+      <p:bldP spid="4" grpId="0"/>
+    </p:bldLst>
+  </p:timing>
+</p:sld>
+</file>
+
+<file path=ppt/slides/slide2.xml><?xml version="1.0" encoding="utf-8"?>
+<p:sld xmlns:a="http://schemas.openxmlformats.org/drawingml/2006/main" xmlns:r="http://schemas.openxmlformats.org/officeDocument/2006/relationships" xmlns:p="http://schemas.openxmlformats.org/presentationml/2006/main">
+  <p:cSld>
+    <p:spTree>
+      <p:nvGrpSpPr>
+        <p:cNvPr id="1" name=""/>
+        <p:cNvGrpSpPr/>
+        <p:nvPr/>
+      </p:nvGrpSpPr>
+      <p:grpSpPr>
+        <a:xfrm>
+          <a:off x="0" y="0"/>
+          <a:ext cx="0" cy="0"/>
+          <a:chOff x="0" y="0"/>
+          <a:chExt cx="0" cy="0"/>
+        </a:xfrm>
+      </p:grpSpPr>
+      <p:sp>
+        <p:nvSpPr>
+          <p:cNvPr id="2" name="Title 1"/>
+          <p:cNvSpPr>
+            <a:spLocks noGrp="1"/>
+          </p:cNvSpPr>
+          <p:nvPr>
+            <p:ph type="title"/>
+          </p:nvPr>
+        </p:nvSpPr>
+        <p:spPr/>
+        <p:txBody>
+          <a:bodyPr/>
+          <a:lstStyle/>
+          <a:p>
+            <a:r>
+              <a:rPr lang="en-US" dirty="0" smtClean="0">
+                <a:latin typeface="Segoe UI Light" panose="020B0502040204020203" pitchFamily="34" charset="0"/>
+                <a:cs typeface="Segoe UI Light" panose="020B0502040204020203" pitchFamily="34" charset="0"/>
+              </a:rPr>
+              <a:t>Contents</a:t>
+            </a:r>
+            <a:endParaRPr lang="vi-VN" dirty="0">
+              <a:latin typeface="Segoe UI Light" panose="020B0502040204020203" pitchFamily="34" charset="0"/>
+              <a:cs typeface="Segoe UI Light" panose="020B0502040204020203" pitchFamily="34" charset="0"/>
+            </a:endParaRPr>
+          </a:p>
+        </p:txBody>
+      </p:sp>
+      <p:sp>
+        <p:nvSpPr>
+          <p:cNvPr id="3" name="Content Placeholder 2"/>
+          <p:cNvSpPr>
+            <a:spLocks noGrp="1"/>
+          </p:cNvSpPr>
+          <p:nvPr>
+            <p:ph idx="1"/>
+          </p:nvPr>
+        </p:nvSpPr>
+        <p:spPr/>
+        <p:txBody>
+          <a:bodyPr/>
+          <a:lstStyle/>
+          <a:p>
+            <a:pPr marL="514350" indent="-514350">
+              <a:buFont typeface="+mj-lt"/>
+              <a:buAutoNum type="arabicPeriod"/>
+            </a:pPr>
+            <a:r>
+              <a:rPr lang="en-US" dirty="0" smtClean="0">
+                <a:latin typeface="Segoe UI" panose="020B0502040204020203" pitchFamily="34" charset="0"/>
+                <a:cs typeface="Segoe UI" panose="020B0502040204020203" pitchFamily="34" charset="0"/>
+              </a:rPr>
+              <a:t>What is RNS?</a:t>
+            </a:r>
+          </a:p>
+          <a:p>
+            <a:pPr marL="514350" indent="-514350">
+              <a:buFont typeface="+mj-lt"/>
+              <a:buAutoNum type="arabicPeriod"/>
+            </a:pPr>
+            <a:r>
+              <a:rPr lang="en-US" dirty="0" smtClean="0"/>
+              <a:t>The </a:t>
+            </a:r>
+            <a:r>
+              <a:rPr lang="en-US" dirty="0"/>
+              <a:t>most </a:t>
+            </a:r>
+            <a:r>
+              <a:rPr lang="en-US" dirty="0" smtClean="0"/>
+              <a:t>proud thing in RNS development.</a:t>
+            </a:r>
+            <a:endParaRPr lang="en-US" dirty="0" smtClean="0">
+              <a:latin typeface="Segoe UI" panose="020B0502040204020203" pitchFamily="34" charset="0"/>
+              <a:cs typeface="Segoe UI" panose="020B0502040204020203" pitchFamily="34" charset="0"/>
+            </a:endParaRPr>
+          </a:p>
+          <a:p>
+            <a:pPr marL="514350" indent="-514350">
+              <a:buFont typeface="+mj-lt"/>
+              <a:buAutoNum type="arabicPeriod"/>
+            </a:pPr>
+            <a:r>
+              <a:rPr lang="en-US" dirty="0" smtClean="0">
+                <a:latin typeface="Segoe UI" panose="020B0502040204020203" pitchFamily="34" charset="0"/>
+                <a:cs typeface="Segoe UI" panose="020B0502040204020203" pitchFamily="34" charset="0"/>
+              </a:rPr>
+              <a:t>Demo.</a:t>
+            </a:r>
+          </a:p>
+          <a:p>
+            <a:pPr marL="514350" indent="-514350">
+              <a:buFont typeface="+mj-lt"/>
+              <a:buAutoNum type="arabicPeriod"/>
+            </a:pPr>
+            <a:r>
+              <a:rPr lang="en-US" dirty="0"/>
+              <a:t>What about social </a:t>
+            </a:r>
+            <a:r>
+              <a:rPr lang="en-US" dirty="0" smtClean="0"/>
+              <a:t>networks?</a:t>
+            </a:r>
+            <a:endParaRPr lang="en-US" dirty="0"/>
+          </a:p>
+          <a:p>
+            <a:pPr marL="514350" indent="-514350">
+              <a:buFont typeface="+mj-lt"/>
+              <a:buAutoNum type="arabicPeriod"/>
+            </a:pPr>
+            <a:endParaRPr lang="en-US" dirty="0" smtClean="0">
+              <a:latin typeface="Segoe UI" panose="020B0502040204020203" pitchFamily="34" charset="0"/>
+              <a:cs typeface="Segoe UI" panose="020B0502040204020203" pitchFamily="34" charset="0"/>
+            </a:endParaRPr>
+          </a:p>
+        </p:txBody>
+      </p:sp>
+      <p:cxnSp>
+        <p:nvCxnSpPr>
+          <p:cNvPr id="6" name="Straight Connector 5"/>
+          <p:cNvCxnSpPr/>
+          <p:nvPr/>
+        </p:nvCxnSpPr>
+        <p:spPr>
+          <a:xfrm flipV="1">
+            <a:off x="-287016" y="1397905"/>
+            <a:ext cx="9718031" cy="57165"/>
+          </a:xfrm>
+          <a:prstGeom prst="line">
+            <a:avLst/>
+          </a:prstGeom>
+          <a:ln w="47625">
+            <a:solidFill>
+              <a:schemeClr val="accent1">
+                <a:lumMod val="75000"/>
+              </a:schemeClr>
+            </a:solidFill>
+          </a:ln>
+          <a:effectLst>
+            <a:innerShdw blurRad="114300">
+              <a:prstClr val="black"/>
+            </a:innerShdw>
+            <a:softEdge rad="0"/>
+          </a:effectLst>
+        </p:spPr>
+        <p:style>
+          <a:lnRef idx="1">
+            <a:schemeClr val="accent1"/>
+          </a:lnRef>
+          <a:fillRef idx="0">
+            <a:schemeClr val="accent1"/>
+          </a:fillRef>
+          <a:effectRef idx="0">
+            <a:schemeClr val="accent1"/>
+          </a:effectRef>
+          <a:fontRef idx="minor">
+            <a:schemeClr val="tx1"/>
+          </a:fontRef>
+        </p:style>
+      </p:cxnSp>
+    </p:spTree>
+    <p:extLst>
+      <p:ext uri="{BB962C8B-B14F-4D97-AF65-F5344CB8AC3E}">
+        <p14:creationId xmlns:p14="http://schemas.microsoft.com/office/powerpoint/2010/main" val="1524789497"/>
+      </p:ext>
+    </p:extLst>
+  </p:cSld>
+  <p:clrMapOvr>
+    <a:masterClrMapping/>
+  </p:clrMapOvr>
+  <mc:AlternateContent xmlns:mc="http://schemas.openxmlformats.org/markup-compatibility/2006" xmlns:p14="http://schemas.microsoft.com/office/powerpoint/2010/main">
+    <mc:Choice Requires="p14">
+      <p:transition spd="med" p14:dur="700">
+        <p:fade/>
+      </p:transition>
+    </mc:Choice>
+    <mc:Fallback xmlns="">
+      <p:transition spd="med">
+        <p:fade/>
+      </p:transition>
+    </mc:Fallback>
+  </mc:AlternateContent>
+  <p:timing>
+    <p:tnLst>
+      <p:par>
+        <p:cTn id="1" dur="indefinite" restart="never" nodeType="tmRoot"/>
+      </p:par>
+    </p:tnLst>
+  </p:timing>
+</p:sld>
+</file>
+
+<file path=ppt/slides/slide3.xml><?xml version="1.0" encoding="utf-8"?>
+<p:sld xmlns:a="http://schemas.openxmlformats.org/drawingml/2006/main" xmlns:r="http://schemas.openxmlformats.org/officeDocument/2006/relationships" xmlns:p="http://schemas.openxmlformats.org/presentationml/2006/main">
+  <p:cSld>
+    <p:spTree>
+      <p:nvGrpSpPr>
+        <p:cNvPr id="1" name=""/>
+        <p:cNvGrpSpPr/>
+        <p:nvPr/>
+      </p:nvGrpSpPr>
+      <p:grpSpPr>
+        <a:xfrm>
+          <a:off x="0" y="0"/>
+          <a:ext cx="0" cy="0"/>
+          <a:chOff x="0" y="0"/>
+          <a:chExt cx="0" cy="0"/>
+        </a:xfrm>
+      </p:grpSpPr>
+      <p:sp>
+        <p:nvSpPr>
+          <p:cNvPr id="4" name="Title 3"/>
+          <p:cNvSpPr>
+            <a:spLocks noGrp="1"/>
+          </p:cNvSpPr>
+          <p:nvPr>
+            <p:ph type="title"/>
+          </p:nvPr>
+        </p:nvSpPr>
+        <p:spPr/>
+        <p:txBody>
+          <a:bodyPr/>
+          <a:lstStyle/>
+          <a:p>
+            <a:r>
+              <a:rPr lang="en-US" dirty="0" smtClean="0"/>
+              <a:t>What is RNS?</a:t>
+            </a:r>
+            <a:endParaRPr lang="vi-VN" dirty="0"/>
+          </a:p>
+        </p:txBody>
+      </p:sp>
+      <p:cxnSp>
+        <p:nvCxnSpPr>
+          <p:cNvPr id="6" name="Straight Connector 5"/>
+          <p:cNvCxnSpPr/>
+          <p:nvPr/>
+        </p:nvCxnSpPr>
+        <p:spPr>
+          <a:xfrm flipV="1">
+            <a:off x="-291778" y="4505311"/>
+            <a:ext cx="9718031" cy="57165"/>
+          </a:xfrm>
+          <a:prstGeom prst="line">
+            <a:avLst/>
+          </a:prstGeom>
+          <a:ln w="47625">
+            <a:solidFill>
+              <a:schemeClr val="accent1">
+                <a:lumMod val="75000"/>
+              </a:schemeClr>
+            </a:solidFill>
+          </a:ln>
+          <a:effectLst>
+            <a:innerShdw blurRad="114300">
+              <a:prstClr val="black"/>
+            </a:innerShdw>
+            <a:softEdge rad="0"/>
+          </a:effectLst>
+        </p:spPr>
+        <p:style>
+          <a:lnRef idx="1">
+            <a:schemeClr val="accent1"/>
+          </a:lnRef>
+          <a:fillRef idx="0">
+            <a:schemeClr val="accent1"/>
+          </a:fillRef>
+          <a:effectRef idx="0">
+            <a:schemeClr val="accent1"/>
+          </a:effectRef>
+          <a:fontRef idx="minor">
+            <a:schemeClr val="tx1"/>
+          </a:fontRef>
+        </p:style>
+      </p:cxnSp>
+      <p:sp>
+        <p:nvSpPr>
+          <p:cNvPr id="9" name="Text Placeholder 5"/>
+          <p:cNvSpPr txBox="1">
+            <a:spLocks/>
+          </p:cNvSpPr>
+          <p:nvPr/>
+        </p:nvSpPr>
+        <p:spPr>
+          <a:xfrm>
+            <a:off x="831632" y="4589466"/>
+            <a:ext cx="10512862" cy="1500187"/>
+          </a:xfrm>
+          <a:prstGeom prst="rect">
+            <a:avLst/>
+          </a:prstGeom>
+        </p:spPr>
+        <p:txBody>
+          <a:bodyPr vert="horz" lIns="91440" tIns="45720" rIns="91440" bIns="45720" rtlCol="0">
+            <a:normAutofit/>
+          </a:bodyPr>
+          <a:lstStyle>
+            <a:lvl1pPr marL="0" indent="0" algn="l" defTabSz="914141" rtl="0" eaLnBrk="1" latinLnBrk="0" hangingPunct="1">
+              <a:lnSpc>
+                <a:spcPct val="90000"/>
+              </a:lnSpc>
+              <a:spcBef>
+                <a:spcPts val="1000"/>
+              </a:spcBef>
+              <a:buFont typeface="Arial" panose="020B0604020202020204" pitchFamily="34" charset="0"/>
+              <a:buNone/>
+              <a:defRPr sz="2399" kern="1200">
+                <a:solidFill>
+                  <a:schemeClr val="tx1">
+                    <a:tint val="75000"/>
+                  </a:schemeClr>
+                </a:solidFill>
+                <a:latin typeface="+mn-lt"/>
+                <a:ea typeface="+mn-ea"/>
+                <a:cs typeface="+mn-cs"/>
+              </a:defRPr>
+            </a:lvl1pPr>
+            <a:lvl2pPr marL="457071" indent="0" algn="l" defTabSz="914141" rtl="0" eaLnBrk="1" latinLnBrk="0" hangingPunct="1">
+              <a:lnSpc>
+                <a:spcPct val="90000"/>
+              </a:lnSpc>
+              <a:spcBef>
+                <a:spcPts val="500"/>
+              </a:spcBef>
+              <a:buFont typeface="Arial" panose="020B0604020202020204" pitchFamily="34" charset="0"/>
+              <a:buNone/>
+              <a:defRPr sz="2000" kern="1200">
+                <a:solidFill>
+                  <a:schemeClr val="tx1">
+                    <a:tint val="75000"/>
+                  </a:schemeClr>
+                </a:solidFill>
+                <a:latin typeface="+mn-lt"/>
+                <a:ea typeface="+mn-ea"/>
+                <a:cs typeface="+mn-cs"/>
+              </a:defRPr>
+            </a:lvl2pPr>
+            <a:lvl3pPr marL="914141" indent="0" algn="l" defTabSz="914141" rtl="0" eaLnBrk="1" latinLnBrk="0" hangingPunct="1">
+              <a:lnSpc>
+                <a:spcPct val="90000"/>
+              </a:lnSpc>
+              <a:spcBef>
+                <a:spcPts val="500"/>
+              </a:spcBef>
+              <a:buFont typeface="Arial" panose="020B0604020202020204" pitchFamily="34" charset="0"/>
+              <a:buNone/>
+              <a:defRPr sz="1800" kern="1200">
+                <a:solidFill>
+                  <a:schemeClr val="tx1">
+                    <a:tint val="75000"/>
+                  </a:schemeClr>
+                </a:solidFill>
+                <a:latin typeface="+mn-lt"/>
+                <a:ea typeface="+mn-ea"/>
+                <a:cs typeface="+mn-cs"/>
+              </a:defRPr>
+            </a:lvl3pPr>
+            <a:lvl4pPr marL="1371212" indent="0" algn="l" defTabSz="914141" rtl="0" eaLnBrk="1" latinLnBrk="0" hangingPunct="1">
+              <a:lnSpc>
+                <a:spcPct val="90000"/>
+              </a:lnSpc>
+              <a:spcBef>
+                <a:spcPts val="500"/>
+              </a:spcBef>
+              <a:buFont typeface="Arial" panose="020B0604020202020204" pitchFamily="34" charset="0"/>
+              <a:buNone/>
+              <a:defRPr sz="1600" kern="1200">
+                <a:solidFill>
+                  <a:schemeClr val="tx1">
+                    <a:tint val="75000"/>
+                  </a:schemeClr>
+                </a:solidFill>
+                <a:latin typeface="+mn-lt"/>
+                <a:ea typeface="+mn-ea"/>
+                <a:cs typeface="+mn-cs"/>
+              </a:defRPr>
+            </a:lvl4pPr>
+            <a:lvl5pPr marL="1828281" indent="0" algn="l" defTabSz="914141" rtl="0" eaLnBrk="1" latinLnBrk="0" hangingPunct="1">
+              <a:lnSpc>
+                <a:spcPct val="90000"/>
+              </a:lnSpc>
+              <a:spcBef>
+                <a:spcPts val="500"/>
+              </a:spcBef>
+              <a:buFont typeface="Arial" panose="020B0604020202020204" pitchFamily="34" charset="0"/>
+              <a:buNone/>
+              <a:defRPr sz="1600" kern="1200">
+                <a:solidFill>
+                  <a:schemeClr val="tx1">
+                    <a:tint val="75000"/>
+                  </a:schemeClr>
+                </a:solidFill>
+                <a:latin typeface="+mn-lt"/>
+                <a:ea typeface="+mn-ea"/>
+                <a:cs typeface="+mn-cs"/>
+              </a:defRPr>
+            </a:lvl5pPr>
+            <a:lvl6pPr marL="2285353" indent="0" algn="l" defTabSz="914141" rtl="0" eaLnBrk="1" latinLnBrk="0" hangingPunct="1">
+              <a:lnSpc>
+                <a:spcPct val="90000"/>
+              </a:lnSpc>
+              <a:spcBef>
+                <a:spcPts val="500"/>
+              </a:spcBef>
+              <a:buFont typeface="Arial" panose="020B0604020202020204" pitchFamily="34" charset="0"/>
+              <a:buNone/>
+              <a:defRPr sz="1600" kern="1200">
+                <a:solidFill>
+                  <a:schemeClr val="tx1">
+                    <a:tint val="75000"/>
+                  </a:schemeClr>
+                </a:solidFill>
+                <a:latin typeface="+mn-lt"/>
+                <a:ea typeface="+mn-ea"/>
+                <a:cs typeface="+mn-cs"/>
+              </a:defRPr>
+            </a:lvl6pPr>
+            <a:lvl7pPr marL="2742422" indent="0" algn="l" defTabSz="914141" rtl="0" eaLnBrk="1" latinLnBrk="0" hangingPunct="1">
+              <a:lnSpc>
+                <a:spcPct val="90000"/>
+              </a:lnSpc>
+              <a:spcBef>
+                <a:spcPts val="500"/>
+              </a:spcBef>
+              <a:buFont typeface="Arial" panose="020B0604020202020204" pitchFamily="34" charset="0"/>
+              <a:buNone/>
+              <a:defRPr sz="1600" kern="1200">
+                <a:solidFill>
+                  <a:schemeClr val="tx1">
+                    <a:tint val="75000"/>
+                  </a:schemeClr>
+                </a:solidFill>
+                <a:latin typeface="+mn-lt"/>
+                <a:ea typeface="+mn-ea"/>
+                <a:cs typeface="+mn-cs"/>
+              </a:defRPr>
+            </a:lvl7pPr>
+            <a:lvl8pPr marL="3199493" indent="0" algn="l" defTabSz="914141" rtl="0" eaLnBrk="1" latinLnBrk="0" hangingPunct="1">
+              <a:lnSpc>
+                <a:spcPct val="90000"/>
+              </a:lnSpc>
+              <a:spcBef>
+                <a:spcPts val="500"/>
+              </a:spcBef>
+              <a:buFont typeface="Arial" panose="020B0604020202020204" pitchFamily="34" charset="0"/>
+              <a:buNone/>
+              <a:defRPr sz="1600" kern="1200">
+                <a:solidFill>
+                  <a:schemeClr val="tx1">
+                    <a:tint val="75000"/>
+                  </a:schemeClr>
+                </a:solidFill>
+                <a:latin typeface="+mn-lt"/>
+                <a:ea typeface="+mn-ea"/>
+                <a:cs typeface="+mn-cs"/>
+              </a:defRPr>
+            </a:lvl8pPr>
+            <a:lvl9pPr marL="3656564" indent="0" algn="l" defTabSz="914141" rtl="0" eaLnBrk="1" latinLnBrk="0" hangingPunct="1">
+              <a:lnSpc>
+                <a:spcPct val="90000"/>
+              </a:lnSpc>
+              <a:spcBef>
+                <a:spcPts val="500"/>
+              </a:spcBef>
+              <a:buFont typeface="Arial" panose="020B0604020202020204" pitchFamily="34" charset="0"/>
+              <a:buNone/>
+              <a:defRPr sz="1600" kern="1200">
+                <a:solidFill>
+                  <a:schemeClr val="tx1">
+                    <a:tint val="75000"/>
+                  </a:schemeClr>
+                </a:solidFill>
+                <a:latin typeface="+mn-lt"/>
+                <a:ea typeface="+mn-ea"/>
+                <a:cs typeface="+mn-cs"/>
+              </a:defRPr>
+            </a:lvl9pPr>
+          </a:lstStyle>
+          <a:p>
+            <a:pPr marL="0" marR="0" lvl="0" indent="0" algn="l" defTabSz="914141" rtl="0" eaLnBrk="1" fontAlgn="auto" latinLnBrk="0" hangingPunct="1">
+              <a:lnSpc>
+                <a:spcPct val="90000"/>
+              </a:lnSpc>
+              <a:spcBef>
+                <a:spcPts val="1000"/>
+              </a:spcBef>
+              <a:spcAft>
+                <a:spcPts val="0"/>
+              </a:spcAft>
+              <a:buClrTx/>
+              <a:buSzTx/>
+              <a:buFont typeface="Arial" panose="020B0604020202020204" pitchFamily="34" charset="0"/>
+              <a:buNone/>
+              <a:tabLst/>
+              <a:defRPr/>
+            </a:pPr>
+            <a:r>
+              <a:rPr kumimoji="0" lang="en-US" sz="2399" b="0" i="0" u="none" strike="noStrike" kern="1200" cap="none" spc="0" normalizeH="0" baseline="0" noProof="0" dirty="0" smtClean="0">
+                <a:ln>
+                  <a:noFill/>
+                </a:ln>
+                <a:solidFill>
+                  <a:sysClr val="windowText" lastClr="000000">
+                    <a:tint val="75000"/>
+                  </a:sysClr>
+                </a:solidFill>
+                <a:effectLst/>
+                <a:uLnTx/>
+                <a:uFillTx/>
+                <a:latin typeface="Calibri" panose="020F0502020204030204"/>
+                <a:ea typeface="+mn-ea"/>
+                <a:cs typeface="+mn-cs"/>
+              </a:rPr>
+              <a:t>Raw</a:t>
+            </a:r>
+            <a:r>
+              <a:rPr kumimoji="0" lang="en-US" sz="2399" b="0" i="0" u="none" strike="noStrike" kern="1200" cap="none" spc="0" normalizeH="0" noProof="0" dirty="0" smtClean="0">
+                <a:ln>
+                  <a:noFill/>
+                </a:ln>
+                <a:solidFill>
+                  <a:sysClr val="windowText" lastClr="000000">
+                    <a:tint val="75000"/>
+                  </a:sysClr>
+                </a:solidFill>
+                <a:effectLst/>
+                <a:uLnTx/>
+                <a:uFillTx/>
+                <a:latin typeface="Calibri" panose="020F0502020204030204"/>
+                <a:ea typeface="+mn-ea"/>
+                <a:cs typeface="+mn-cs"/>
+              </a:rPr>
+              <a:t> Notification Service</a:t>
+            </a:r>
+            <a:endParaRPr kumimoji="0" lang="en-US" sz="2399" b="0" i="0" u="none" strike="noStrike" kern="1200" cap="none" spc="0" normalizeH="0" baseline="0" noProof="0" dirty="0">
+              <a:ln>
+                <a:noFill/>
+              </a:ln>
+              <a:solidFill>
+                <a:sysClr val="windowText" lastClr="000000">
+                  <a:tint val="75000"/>
+                </a:sysClr>
+              </a:solidFill>
+              <a:effectLst/>
+              <a:uLnTx/>
+              <a:uFillTx/>
+              <a:latin typeface="Calibri" panose="020F0502020204030204"/>
+              <a:ea typeface="+mn-ea"/>
+              <a:cs typeface="+mn-cs"/>
+            </a:endParaRPr>
+          </a:p>
+        </p:txBody>
+      </p:sp>
+    </p:spTree>
+    <p:extLst>
+      <p:ext uri="{BB962C8B-B14F-4D97-AF65-F5344CB8AC3E}">
         <p14:creationId xmlns:p14="http://schemas.microsoft.com/office/powerpoint/2010/main" val="809153171"/>
       </p:ext>
     </p:extLst>
@@ -4798,6 +7317,21 @@
             <a:r>
               <a:rPr lang="en-US" dirty="0" smtClean="0"/>
               <a:t> way for storing and sending notifications to windows 10 devices.</a:t>
+            </a:r>
+          </a:p>
+          <a:p>
+            <a:pPr marL="0" indent="0">
+              <a:buNone/>
+            </a:pPr>
+            <a:endParaRPr lang="en-US" dirty="0"/>
+          </a:p>
+          <a:p>
+            <a:pPr marL="0" indent="0">
+              <a:buNone/>
+            </a:pPr>
+            <a:r>
+              <a:rPr lang="en-US" dirty="0" smtClean="0"/>
+              <a:t>In fact, RNS delivery a byte array to windows 10 devices.</a:t>
             </a:r>
           </a:p>
         </p:txBody>
@@ -6874,6 +9408,512 @@
           <a:chExt cx="0" cy="0"/>
         </a:xfrm>
       </p:grpSpPr>
+      <p:cxnSp>
+        <p:nvCxnSpPr>
+          <p:cNvPr id="4" name="Straight Connector 3"/>
+          <p:cNvCxnSpPr/>
+          <p:nvPr/>
+        </p:nvCxnSpPr>
+        <p:spPr>
+          <a:xfrm flipV="1">
+            <a:off x="-287016" y="1397905"/>
+            <a:ext cx="9718031" cy="57165"/>
+          </a:xfrm>
+          <a:prstGeom prst="line">
+            <a:avLst/>
+          </a:prstGeom>
+          <a:ln w="47625">
+            <a:solidFill>
+              <a:schemeClr val="accent1">
+                <a:lumMod val="75000"/>
+              </a:schemeClr>
+            </a:solidFill>
+          </a:ln>
+          <a:effectLst>
+            <a:innerShdw blurRad="114300">
+              <a:prstClr val="black"/>
+            </a:innerShdw>
+            <a:softEdge rad="0"/>
+          </a:effectLst>
+        </p:spPr>
+        <p:style>
+          <a:lnRef idx="1">
+            <a:schemeClr val="accent1"/>
+          </a:lnRef>
+          <a:fillRef idx="0">
+            <a:schemeClr val="accent1"/>
+          </a:fillRef>
+          <a:effectRef idx="0">
+            <a:schemeClr val="accent1"/>
+          </a:effectRef>
+          <a:fontRef idx="minor">
+            <a:schemeClr val="tx1"/>
+          </a:fontRef>
+        </p:style>
+      </p:cxnSp>
+      <p:sp>
+        <p:nvSpPr>
+          <p:cNvPr id="26" name="TextBox 25"/>
+          <p:cNvSpPr txBox="1"/>
+          <p:nvPr/>
+        </p:nvSpPr>
+        <p:spPr>
+          <a:xfrm>
+            <a:off x="0" y="525367"/>
+            <a:ext cx="5120640" cy="636919"/>
+          </a:xfrm>
+          <a:prstGeom prst="rect">
+            <a:avLst/>
+          </a:prstGeom>
+          <a:solidFill>
+            <a:schemeClr val="accent6">
+              <a:alpha val="70000"/>
+            </a:schemeClr>
+          </a:solidFill>
+        </p:spPr>
+        <p:txBody>
+          <a:bodyPr wrap="square" lIns="411386" tIns="109703" rIns="137129" bIns="109703" rtlCol="0">
+            <a:spAutoFit/>
+          </a:bodyPr>
+          <a:lstStyle/>
+          <a:p>
+            <a:pPr>
+              <a:lnSpc>
+                <a:spcPct val="90000"/>
+              </a:lnSpc>
+              <a:spcAft>
+                <a:spcPts val="450"/>
+              </a:spcAft>
+            </a:pPr>
+            <a:r>
+              <a:rPr lang="en-US" sz="2999" b="1" spc="-112" dirty="0" smtClean="0">
+                <a:solidFill>
+                  <a:srgbClr val="FFFFFF"/>
+                </a:solidFill>
+              </a:rPr>
+              <a:t>RNS </a:t>
+            </a:r>
+            <a:r>
+              <a:rPr lang="en-US" sz="2999" b="1" spc="-112" dirty="0">
+                <a:solidFill>
+                  <a:srgbClr val="FFFFFF"/>
+                </a:solidFill>
+              </a:rPr>
+              <a:t>reliability</a:t>
+            </a:r>
+          </a:p>
+        </p:txBody>
+      </p:sp>
+      <p:sp>
+        <p:nvSpPr>
+          <p:cNvPr id="5" name="TextBox 4"/>
+          <p:cNvSpPr txBox="1"/>
+          <p:nvPr/>
+        </p:nvSpPr>
+        <p:spPr>
+          <a:xfrm>
+            <a:off x="2204258" y="2547388"/>
+            <a:ext cx="5832764" cy="369332"/>
+          </a:xfrm>
+          <a:prstGeom prst="rect">
+            <a:avLst/>
+          </a:prstGeom>
+          <a:noFill/>
+        </p:spPr>
+        <p:txBody>
+          <a:bodyPr wrap="square" rtlCol="0">
+            <a:spAutoFit/>
+          </a:bodyPr>
+          <a:lstStyle/>
+          <a:p>
+            <a:r>
+              <a:rPr lang="en-US" dirty="0" smtClean="0"/>
+              <a:t>We do not </a:t>
+            </a:r>
+            <a:r>
+              <a:rPr lang="vi-VN" dirty="0" smtClean="0"/>
+              <a:t>guarantee</a:t>
+            </a:r>
+            <a:r>
+              <a:rPr lang="en-US" dirty="0" smtClean="0"/>
+              <a:t> anything </a:t>
+            </a:r>
+            <a:r>
+              <a:rPr lang="en-US" dirty="0"/>
+              <a:t>in notification </a:t>
+            </a:r>
+            <a:r>
+              <a:rPr lang="en-US" dirty="0" smtClean="0"/>
+              <a:t>delivery.</a:t>
+            </a:r>
+            <a:endParaRPr lang="vi-VN" dirty="0"/>
+          </a:p>
+        </p:txBody>
+      </p:sp>
+      <p:sp>
+        <p:nvSpPr>
+          <p:cNvPr id="21" name="TextBox 20"/>
+          <p:cNvSpPr txBox="1"/>
+          <p:nvPr/>
+        </p:nvSpPr>
+        <p:spPr>
+          <a:xfrm>
+            <a:off x="304800" y="3901897"/>
+            <a:ext cx="8839200" cy="553998"/>
+          </a:xfrm>
+          <a:prstGeom prst="rect">
+            <a:avLst/>
+          </a:prstGeom>
+          <a:noFill/>
+        </p:spPr>
+        <p:txBody>
+          <a:bodyPr wrap="square" rtlCol="0">
+            <a:spAutoFit/>
+          </a:bodyPr>
+          <a:lstStyle/>
+          <a:p>
+            <a:r>
+              <a:rPr lang="en-US" sz="3000" dirty="0" smtClean="0">
+                <a:latin typeface="Segoe UI" panose="020B0502040204020203" pitchFamily="34" charset="0"/>
+                <a:cs typeface="Segoe UI" panose="020B0502040204020203" pitchFamily="34" charset="0"/>
+              </a:rPr>
+              <a:t>Send </a:t>
+            </a:r>
+            <a:r>
+              <a:rPr lang="en-US" sz="3000" u="sng" dirty="0">
+                <a:solidFill>
+                  <a:srgbClr val="FF0000"/>
+                </a:solidFill>
+                <a:latin typeface="Segoe UI" panose="020B0502040204020203" pitchFamily="34" charset="0"/>
+                <a:cs typeface="Segoe UI" panose="020B0502040204020203" pitchFamily="34" charset="0"/>
+              </a:rPr>
+              <a:t>sensitive</a:t>
+            </a:r>
+            <a:r>
+              <a:rPr lang="en-US" sz="3000" dirty="0">
+                <a:latin typeface="Segoe UI" panose="020B0502040204020203" pitchFamily="34" charset="0"/>
+                <a:cs typeface="Segoe UI" panose="020B0502040204020203" pitchFamily="34" charset="0"/>
+              </a:rPr>
+              <a:t> information via RNS is a </a:t>
+            </a:r>
+            <a:r>
+              <a:rPr lang="en-US" sz="3000" dirty="0">
+                <a:solidFill>
+                  <a:srgbClr val="FF0000"/>
+                </a:solidFill>
+                <a:latin typeface="Segoe UI" panose="020B0502040204020203" pitchFamily="34" charset="0"/>
+                <a:cs typeface="Segoe UI" panose="020B0502040204020203" pitchFamily="34" charset="0"/>
+              </a:rPr>
+              <a:t>bad idea</a:t>
+            </a:r>
+            <a:r>
+              <a:rPr lang="en-US" sz="3000" dirty="0">
+                <a:latin typeface="Segoe UI" panose="020B0502040204020203" pitchFamily="34" charset="0"/>
+                <a:cs typeface="Segoe UI" panose="020B0502040204020203" pitchFamily="34" charset="0"/>
+              </a:rPr>
+              <a:t>.</a:t>
+            </a:r>
+            <a:endParaRPr lang="vi-VN" sz="3000" dirty="0">
+              <a:latin typeface="Segoe UI" panose="020B0502040204020203" pitchFamily="34" charset="0"/>
+              <a:cs typeface="Segoe UI" panose="020B0502040204020203" pitchFamily="34" charset="0"/>
+            </a:endParaRPr>
+          </a:p>
+        </p:txBody>
+      </p:sp>
+      <p:pic>
+        <p:nvPicPr>
+          <p:cNvPr id="2" name="Picture 1"/>
+          <p:cNvPicPr>
+            <a:picLocks noChangeAspect="1"/>
+          </p:cNvPicPr>
+          <p:nvPr/>
+        </p:nvPicPr>
+        <p:blipFill>
+          <a:blip r:embed="rId2" cstate="print">
+            <a:extLst>
+              <a:ext uri="{28A0092B-C50C-407E-A947-70E740481C1C}">
+                <a14:useLocalDpi xmlns:a14="http://schemas.microsoft.com/office/drawing/2010/main" val="0"/>
+              </a:ext>
+            </a:extLst>
+          </a:blip>
+          <a:stretch>
+            <a:fillRect/>
+          </a:stretch>
+        </p:blipFill>
+        <p:spPr>
+          <a:xfrm>
+            <a:off x="1123603" y="2191726"/>
+            <a:ext cx="1080655" cy="1080655"/>
+          </a:xfrm>
+          <a:prstGeom prst="rect">
+            <a:avLst/>
+          </a:prstGeom>
+        </p:spPr>
+      </p:pic>
+    </p:spTree>
+    <p:extLst>
+      <p:ext uri="{BB962C8B-B14F-4D97-AF65-F5344CB8AC3E}">
+        <p14:creationId xmlns:p14="http://schemas.microsoft.com/office/powerpoint/2010/main" val="1392155971"/>
+      </p:ext>
+    </p:extLst>
+  </p:cSld>
+  <p:clrMapOvr>
+    <a:masterClrMapping/>
+  </p:clrMapOvr>
+  <mc:AlternateContent xmlns:mc="http://schemas.openxmlformats.org/markup-compatibility/2006" xmlns:p14="http://schemas.microsoft.com/office/powerpoint/2010/main">
+    <mc:Choice Requires="p14">
+      <p:transition spd="med" p14:dur="700">
+        <p:fade/>
+      </p:transition>
+    </mc:Choice>
+    <mc:Fallback xmlns="">
+      <p:transition spd="med">
+        <p:fade/>
+      </p:transition>
+    </mc:Fallback>
+  </mc:AlternateContent>
+  <p:timing>
+    <p:tnLst>
+      <p:par>
+        <p:cTn id="1" dur="indefinite" restart="never" nodeType="tmRoot">
+          <p:childTnLst>
+            <p:seq concurrent="1" nextAc="seek">
+              <p:cTn id="2" dur="indefinite" nodeType="mainSeq">
+                <p:childTnLst>
+                  <p:par>
+                    <p:cTn id="3" fill="hold">
+                      <p:stCondLst>
+                        <p:cond delay="indefinite"/>
+                      </p:stCondLst>
+                      <p:childTnLst>
+                        <p:par>
+                          <p:cTn id="4" fill="hold">
+                            <p:stCondLst>
+                              <p:cond delay="0"/>
+                            </p:stCondLst>
+                            <p:childTnLst>
+                              <p:par>
+                                <p:cTn id="5" presetID="21" presetClass="entr" presetSubtype="8" fill="hold" nodeType="clickEffect">
+                                  <p:stCondLst>
+                                    <p:cond delay="0"/>
+                                  </p:stCondLst>
+                                  <p:childTnLst>
+                                    <p:set>
+                                      <p:cBhvr>
+                                        <p:cTn id="6" dur="1" fill="hold">
+                                          <p:stCondLst>
+                                            <p:cond delay="0"/>
+                                          </p:stCondLst>
+                                        </p:cTn>
+                                        <p:tgtEl>
+                                          <p:spTgt spid="2"/>
+                                        </p:tgtEl>
+                                        <p:attrNameLst>
+                                          <p:attrName>style.visibility</p:attrName>
+                                        </p:attrNameLst>
+                                      </p:cBhvr>
+                                      <p:to>
+                                        <p:strVal val="visible"/>
+                                      </p:to>
+                                    </p:set>
+                                    <p:animEffect transition="in" filter="wheel(8)">
+                                      <p:cBhvr>
+                                        <p:cTn id="7" dur="2000"/>
+                                        <p:tgtEl>
+                                          <p:spTgt spid="2"/>
+                                        </p:tgtEl>
+                                      </p:cBhvr>
+                                    </p:animEffect>
+                                  </p:childTnLst>
+                                </p:cTn>
+                              </p:par>
+                            </p:childTnLst>
+                          </p:cTn>
+                        </p:par>
+                        <p:par>
+                          <p:cTn id="8" fill="hold">
+                            <p:stCondLst>
+                              <p:cond delay="2000"/>
+                            </p:stCondLst>
+                            <p:childTnLst>
+                              <p:par>
+                                <p:cTn id="9" presetID="22" presetClass="entr" presetSubtype="8" fill="hold" grpId="0" nodeType="afterEffect">
+                                  <p:stCondLst>
+                                    <p:cond delay="0"/>
+                                  </p:stCondLst>
+                                  <p:childTnLst>
+                                    <p:set>
+                                      <p:cBhvr>
+                                        <p:cTn id="10" dur="1" fill="hold">
+                                          <p:stCondLst>
+                                            <p:cond delay="0"/>
+                                          </p:stCondLst>
+                                        </p:cTn>
+                                        <p:tgtEl>
+                                          <p:spTgt spid="5"/>
+                                        </p:tgtEl>
+                                        <p:attrNameLst>
+                                          <p:attrName>style.visibility</p:attrName>
+                                        </p:attrNameLst>
+                                      </p:cBhvr>
+                                      <p:to>
+                                        <p:strVal val="visible"/>
+                                      </p:to>
+                                    </p:set>
+                                    <p:animEffect transition="in" filter="wipe(left)">
+                                      <p:cBhvr>
+                                        <p:cTn id="11" dur="500"/>
+                                        <p:tgtEl>
+                                          <p:spTgt spid="5"/>
+                                        </p:tgtEl>
+                                      </p:cBhvr>
+                                    </p:animEffect>
+                                  </p:childTnLst>
+                                </p:cTn>
+                              </p:par>
+                            </p:childTnLst>
+                          </p:cTn>
+                        </p:par>
+                      </p:childTnLst>
+                    </p:cTn>
+                  </p:par>
+                  <p:par>
+                    <p:cTn id="12" fill="hold">
+                      <p:stCondLst>
+                        <p:cond delay="indefinite"/>
+                      </p:stCondLst>
+                      <p:childTnLst>
+                        <p:par>
+                          <p:cTn id="13" fill="hold">
+                            <p:stCondLst>
+                              <p:cond delay="0"/>
+                            </p:stCondLst>
+                            <p:childTnLst>
+                              <p:par>
+                                <p:cTn id="14" presetID="2" presetClass="entr" presetSubtype="4" fill="hold" grpId="0" nodeType="clickEffect">
+                                  <p:stCondLst>
+                                    <p:cond delay="0"/>
+                                  </p:stCondLst>
+                                  <p:childTnLst>
+                                    <p:set>
+                                      <p:cBhvr>
+                                        <p:cTn id="15" dur="1" fill="hold">
+                                          <p:stCondLst>
+                                            <p:cond delay="0"/>
+                                          </p:stCondLst>
+                                        </p:cTn>
+                                        <p:tgtEl>
+                                          <p:spTgt spid="21"/>
+                                        </p:tgtEl>
+                                        <p:attrNameLst>
+                                          <p:attrName>style.visibility</p:attrName>
+                                        </p:attrNameLst>
+                                      </p:cBhvr>
+                                      <p:to>
+                                        <p:strVal val="visible"/>
+                                      </p:to>
+                                    </p:set>
+                                    <p:anim calcmode="lin" valueType="num">
+                                      <p:cBhvr additive="base">
+                                        <p:cTn id="16" dur="500" fill="hold"/>
+                                        <p:tgtEl>
+                                          <p:spTgt spid="21"/>
+                                        </p:tgtEl>
+                                        <p:attrNameLst>
+                                          <p:attrName>ppt_x</p:attrName>
+                                        </p:attrNameLst>
+                                      </p:cBhvr>
+                                      <p:tavLst>
+                                        <p:tav tm="0">
+                                          <p:val>
+                                            <p:strVal val="#ppt_x"/>
+                                          </p:val>
+                                        </p:tav>
+                                        <p:tav tm="100000">
+                                          <p:val>
+                                            <p:strVal val="#ppt_x"/>
+                                          </p:val>
+                                        </p:tav>
+                                      </p:tavLst>
+                                    </p:anim>
+                                    <p:anim calcmode="lin" valueType="num">
+                                      <p:cBhvr additive="base">
+                                        <p:cTn id="17" dur="500" fill="hold"/>
+                                        <p:tgtEl>
+                                          <p:spTgt spid="21"/>
+                                        </p:tgtEl>
+                                        <p:attrNameLst>
+                                          <p:attrName>ppt_y</p:attrName>
+                                        </p:attrNameLst>
+                                      </p:cBhvr>
+                                      <p:tavLst>
+                                        <p:tav tm="0">
+                                          <p:val>
+                                            <p:strVal val="1+#ppt_h/2"/>
+                                          </p:val>
+                                        </p:tav>
+                                        <p:tav tm="100000">
+                                          <p:val>
+                                            <p:strVal val="#ppt_y"/>
+                                          </p:val>
+                                        </p:tav>
+                                      </p:tavLst>
+                                    </p:anim>
+                                  </p:childTnLst>
+                                </p:cTn>
+                              </p:par>
+                            </p:childTnLst>
+                          </p:cTn>
+                        </p:par>
+                      </p:childTnLst>
+                    </p:cTn>
+                  </p:par>
+                </p:childTnLst>
+              </p:cTn>
+              <p:prevCondLst>
+                <p:cond evt="onPrev" delay="0">
+                  <p:tgtEl>
+                    <p:sldTgt/>
+                  </p:tgtEl>
+                </p:cond>
+              </p:prevCondLst>
+              <p:nextCondLst>
+                <p:cond evt="onNext" delay="0">
+                  <p:tgtEl>
+                    <p:sldTgt/>
+                  </p:tgtEl>
+                </p:cond>
+              </p:nextCondLst>
+            </p:seq>
+          </p:childTnLst>
+        </p:cTn>
+      </p:par>
+    </p:tnLst>
+    <p:bldLst>
+      <p:bldP spid="5" grpId="0"/>
+      <p:bldP spid="21" grpId="0"/>
+    </p:bldLst>
+  </p:timing>
+</p:sld>
+</file>
+
+<file path=ppt/slides/slide8.xml><?xml version="1.0" encoding="utf-8"?>
+<p:sld xmlns:a="http://schemas.openxmlformats.org/drawingml/2006/main" xmlns:r="http://schemas.openxmlformats.org/officeDocument/2006/relationships" xmlns:p="http://schemas.openxmlformats.org/presentationml/2006/main">
+  <p:cSld>
+    <p:spTree>
+      <p:nvGrpSpPr>
+        <p:cNvPr id="1" name=""/>
+        <p:cNvGrpSpPr/>
+        <p:nvPr/>
+      </p:nvGrpSpPr>
+      <p:grpSpPr>
+        <a:xfrm>
+          <a:off x="0" y="0"/>
+          <a:ext cx="0" cy="0"/>
+          <a:chOff x="0" y="0"/>
+          <a:chExt cx="0" cy="0"/>
+        </a:xfrm>
+      </p:grpSpPr>
       <p:sp>
         <p:nvSpPr>
           <p:cNvPr id="4" name="Title 3"/>
@@ -6890,8 +9930,16 @@
           <a:lstStyle/>
           <a:p>
             <a:r>
+              <a:rPr lang="en-US" dirty="0"/>
+              <a:t>The most proud thing </a:t>
+            </a:r>
+            <a:r>
               <a:rPr lang="en-US" dirty="0" smtClean="0"/>
-              <a:t>Demo</a:t>
+              <a:t>in </a:t>
+            </a:r>
+            <a:r>
+              <a:rPr lang="en-US" dirty="0"/>
+              <a:t>RNS development</a:t>
             </a:r>
             <a:endParaRPr lang="vi-VN" dirty="0"/>
           </a:p>
@@ -7221,7 +10269,7 @@
     </p:spTree>
     <p:extLst>
       <p:ext uri="{BB962C8B-B14F-4D97-AF65-F5344CB8AC3E}">
-        <p14:creationId xmlns:p14="http://schemas.microsoft.com/office/powerpoint/2010/main" val="805476308"/>
+        <p14:creationId xmlns:p14="http://schemas.microsoft.com/office/powerpoint/2010/main" val="3239286019"/>
       </p:ext>
     </p:extLst>
   </p:cSld>
@@ -7250,7 +10298,7 @@
 </p:sld>
 </file>
 
-<file path=ppt/slides/slide8.xml><?xml version="1.0" encoding="utf-8"?>
+<file path=ppt/slides/slide9.xml><?xml version="1.0" encoding="utf-8"?>
 <p:sld xmlns:a="http://schemas.openxmlformats.org/drawingml/2006/main" xmlns:r="http://schemas.openxmlformats.org/officeDocument/2006/relationships" xmlns:p="http://schemas.openxmlformats.org/presentationml/2006/main">
   <p:cSld>
     <p:spTree>
@@ -7267,38 +10315,15 @@
           <a:chExt cx="0" cy="0"/>
         </a:xfrm>
       </p:grpSpPr>
-      <p:sp>
-        <p:nvSpPr>
-          <p:cNvPr id="4" name="Title 3"/>
-          <p:cNvSpPr>
-            <a:spLocks noGrp="1"/>
-          </p:cNvSpPr>
-          <p:nvPr>
-            <p:ph type="title"/>
-          </p:nvPr>
-        </p:nvSpPr>
-        <p:spPr/>
-        <p:txBody>
-          <a:bodyPr/>
-          <a:lstStyle/>
-          <a:p>
-            <a:r>
-              <a:rPr lang="en-US" dirty="0" smtClean="0"/>
-              <a:t>But, what about social network?</a:t>
-            </a:r>
-            <a:endParaRPr lang="vi-VN" dirty="0"/>
-          </a:p>
-        </p:txBody>
-      </p:sp>
       <p:cxnSp>
         <p:nvCxnSpPr>
-          <p:cNvPr id="6" name="Straight Connector 5"/>
+          <p:cNvPr id="4" name="Straight Connector 3"/>
           <p:cNvCxnSpPr/>
           <p:nvPr/>
         </p:nvCxnSpPr>
         <p:spPr>
           <a:xfrm flipV="1">
-            <a:off x="-291778" y="4505311"/>
+            <a:off x="-287016" y="1397905"/>
             <a:ext cx="9718031" cy="57165"/>
           </a:xfrm>
           <a:prstGeom prst="line">
@@ -7335,278 +10360,198 @@
       </p:cxnSp>
       <p:sp>
         <p:nvSpPr>
-          <p:cNvPr id="9" name="Text Placeholder 5"/>
-          <p:cNvSpPr txBox="1">
-            <a:spLocks/>
-          </p:cNvSpPr>
+          <p:cNvPr id="26" name="TextBox 25"/>
+          <p:cNvSpPr txBox="1"/>
           <p:nvPr/>
         </p:nvSpPr>
         <p:spPr>
           <a:xfrm>
-            <a:off x="831632" y="4589466"/>
-            <a:ext cx="10512862" cy="1500187"/>
+            <a:off x="-1" y="525367"/>
+            <a:ext cx="6567055" cy="636919"/>
           </a:xfrm>
           <a:prstGeom prst="rect">
             <a:avLst/>
           </a:prstGeom>
+          <a:solidFill>
+            <a:schemeClr val="accent6">
+              <a:alpha val="70000"/>
+            </a:schemeClr>
+          </a:solidFill>
         </p:spPr>
         <p:txBody>
-          <a:bodyPr vert="horz" lIns="91440" tIns="45720" rIns="91440" bIns="45720" rtlCol="0">
-            <a:normAutofit/>
+          <a:bodyPr wrap="square" lIns="411386" tIns="109703" rIns="137129" bIns="109703" rtlCol="0">
+            <a:spAutoFit/>
           </a:bodyPr>
-          <a:lstStyle>
-            <a:lvl1pPr marL="0" indent="0" algn="l" defTabSz="914141" rtl="0" eaLnBrk="1" latinLnBrk="0" hangingPunct="1">
+          <a:lstStyle/>
+          <a:p>
+            <a:pPr>
               <a:lnSpc>
                 <a:spcPct val="90000"/>
               </a:lnSpc>
-              <a:spcBef>
-                <a:spcPts val="1000"/>
-              </a:spcBef>
+              <a:spcAft>
+                <a:spcPts val="450"/>
+              </a:spcAft>
+            </a:pPr>
+            <a:r>
+              <a:rPr lang="en-US" sz="2999" b="1" spc="-112" dirty="0" smtClean="0">
+                <a:solidFill>
+                  <a:srgbClr val="FFFFFF"/>
+                </a:solidFill>
+              </a:rPr>
+              <a:t>Architecture and technologies mistakes</a:t>
+            </a:r>
+            <a:endParaRPr lang="en-US" sz="2999" b="1" spc="-112" dirty="0">
+              <a:solidFill>
+                <a:srgbClr val="FFFFFF"/>
+              </a:solidFill>
+            </a:endParaRPr>
+          </a:p>
+        </p:txBody>
+      </p:sp>
+      <p:sp>
+        <p:nvSpPr>
+          <p:cNvPr id="5" name="TextBox 4"/>
+          <p:cNvSpPr txBox="1"/>
+          <p:nvPr/>
+        </p:nvSpPr>
+        <p:spPr>
+          <a:xfrm>
+            <a:off x="166255" y="1634836"/>
+            <a:ext cx="8839200" cy="3416320"/>
+          </a:xfrm>
+          <a:prstGeom prst="rect">
+            <a:avLst/>
+          </a:prstGeom>
+          <a:noFill/>
+        </p:spPr>
+        <p:txBody>
+          <a:bodyPr wrap="square" rtlCol="0">
+            <a:spAutoFit/>
+          </a:bodyPr>
+          <a:lstStyle/>
+          <a:p>
+            <a:pPr marL="285750" indent="-285750">
+              <a:lnSpc>
+                <a:spcPct val="200000"/>
+              </a:lnSpc>
               <a:buFont typeface="Arial" panose="020B0604020202020204" pitchFamily="34" charset="0"/>
-              <a:buNone/>
-              <a:defRPr sz="2399" kern="1200">
-                <a:solidFill>
-                  <a:schemeClr val="tx1">
-                    <a:tint val="75000"/>
-                  </a:schemeClr>
-                </a:solidFill>
-                <a:latin typeface="+mn-lt"/>
-                <a:ea typeface="+mn-ea"/>
-                <a:cs typeface="+mn-cs"/>
-              </a:defRPr>
-            </a:lvl1pPr>
-            <a:lvl2pPr marL="457071" indent="0" algn="l" defTabSz="914141" rtl="0" eaLnBrk="1" latinLnBrk="0" hangingPunct="1">
+              <a:buChar char="•"/>
+            </a:pPr>
+            <a:r>
+              <a:rPr lang="en-US" dirty="0" smtClean="0">
+                <a:latin typeface="Segoe UI" panose="020B0502040204020203" pitchFamily="34" charset="0"/>
+                <a:cs typeface="Segoe UI" panose="020B0502040204020203" pitchFamily="34" charset="0"/>
+              </a:rPr>
+              <a:t>Architecture/ Design mistakes:</a:t>
+            </a:r>
+          </a:p>
+          <a:p>
+            <a:pPr marL="742950" lvl="1" indent="-285750">
               <a:lnSpc>
-                <a:spcPct val="90000"/>
+                <a:spcPct val="200000"/>
               </a:lnSpc>
-              <a:spcBef>
-                <a:spcPts val="500"/>
-              </a:spcBef>
               <a:buFont typeface="Arial" panose="020B0604020202020204" pitchFamily="34" charset="0"/>
-              <a:buNone/>
-              <a:defRPr sz="2000" kern="1200">
-                <a:solidFill>
-                  <a:schemeClr val="tx1">
-                    <a:tint val="75000"/>
-                  </a:schemeClr>
-                </a:solidFill>
-                <a:latin typeface="+mn-lt"/>
-                <a:ea typeface="+mn-ea"/>
-                <a:cs typeface="+mn-cs"/>
-              </a:defRPr>
-            </a:lvl2pPr>
-            <a:lvl3pPr marL="914141" indent="0" algn="l" defTabSz="914141" rtl="0" eaLnBrk="1" latinLnBrk="0" hangingPunct="1">
+              <a:buChar char="•"/>
+            </a:pPr>
+            <a:r>
+              <a:rPr lang="en-US" dirty="0" smtClean="0">
+                <a:latin typeface="Segoe UI" panose="020B0502040204020203" pitchFamily="34" charset="0"/>
+                <a:cs typeface="Segoe UI" panose="020B0502040204020203" pitchFamily="34" charset="0"/>
+              </a:rPr>
+              <a:t>RNS </a:t>
+            </a:r>
+            <a:r>
+              <a:rPr lang="en-US" dirty="0" smtClean="0">
+                <a:latin typeface="Segoe UI" panose="020B0502040204020203" pitchFamily="34" charset="0"/>
+                <a:cs typeface="Segoe UI" panose="020B0502040204020203" pitchFamily="34" charset="0"/>
+              </a:rPr>
+              <a:t>has been re-designed 4 times</a:t>
+            </a:r>
+          </a:p>
+          <a:p>
+            <a:pPr marL="742950" lvl="1" indent="-285750">
               <a:lnSpc>
-                <a:spcPct val="90000"/>
+                <a:spcPct val="200000"/>
               </a:lnSpc>
-              <a:spcBef>
-                <a:spcPts val="500"/>
-              </a:spcBef>
               <a:buFont typeface="Arial" panose="020B0604020202020204" pitchFamily="34" charset="0"/>
-              <a:buNone/>
-              <a:defRPr sz="1800" kern="1200">
-                <a:solidFill>
-                  <a:schemeClr val="tx1">
-                    <a:tint val="75000"/>
-                  </a:schemeClr>
-                </a:solidFill>
-                <a:latin typeface="+mn-lt"/>
-                <a:ea typeface="+mn-ea"/>
-                <a:cs typeface="+mn-cs"/>
-              </a:defRPr>
-            </a:lvl3pPr>
-            <a:lvl4pPr marL="1371212" indent="0" algn="l" defTabSz="914141" rtl="0" eaLnBrk="1" latinLnBrk="0" hangingPunct="1">
+              <a:buChar char="•"/>
+            </a:pPr>
+            <a:r>
+              <a:rPr lang="en-US" dirty="0" smtClean="0">
+                <a:latin typeface="Segoe UI" panose="020B0502040204020203" pitchFamily="34" charset="0"/>
+                <a:cs typeface="Segoe UI" panose="020B0502040204020203" pitchFamily="34" charset="0"/>
+              </a:rPr>
+              <a:t>RNS have only 2 layers =&gt; n layers (22 projects)</a:t>
+            </a:r>
+          </a:p>
+          <a:p>
+            <a:pPr marL="285750" indent="-285750">
               <a:lnSpc>
-                <a:spcPct val="90000"/>
+                <a:spcPct val="200000"/>
               </a:lnSpc>
-              <a:spcBef>
-                <a:spcPts val="500"/>
-              </a:spcBef>
               <a:buFont typeface="Arial" panose="020B0604020202020204" pitchFamily="34" charset="0"/>
-              <a:buNone/>
-              <a:defRPr sz="1600" kern="1200">
-                <a:solidFill>
-                  <a:schemeClr val="tx1">
-                    <a:tint val="75000"/>
-                  </a:schemeClr>
-                </a:solidFill>
-                <a:latin typeface="+mn-lt"/>
-                <a:ea typeface="+mn-ea"/>
-                <a:cs typeface="+mn-cs"/>
-              </a:defRPr>
-            </a:lvl4pPr>
-            <a:lvl5pPr marL="1828281" indent="0" algn="l" defTabSz="914141" rtl="0" eaLnBrk="1" latinLnBrk="0" hangingPunct="1">
+              <a:buChar char="•"/>
+            </a:pPr>
+            <a:r>
+              <a:rPr lang="en-US" dirty="0" smtClean="0">
+                <a:latin typeface="Segoe UI" panose="020B0502040204020203" pitchFamily="34" charset="0"/>
+                <a:cs typeface="Segoe UI" panose="020B0502040204020203" pitchFamily="34" charset="0"/>
+              </a:rPr>
+              <a:t>Technology </a:t>
+            </a:r>
+            <a:r>
+              <a:rPr lang="en-US" dirty="0" smtClean="0">
+                <a:latin typeface="Segoe UI" panose="020B0502040204020203" pitchFamily="34" charset="0"/>
+                <a:cs typeface="Segoe UI" panose="020B0502040204020203" pitchFamily="34" charset="0"/>
+              </a:rPr>
+              <a:t>mistakes:</a:t>
+            </a:r>
+            <a:endParaRPr lang="en-US" dirty="0" smtClean="0">
+              <a:latin typeface="Segoe UI" panose="020B0502040204020203" pitchFamily="34" charset="0"/>
+              <a:cs typeface="Segoe UI" panose="020B0502040204020203" pitchFamily="34" charset="0"/>
+            </a:endParaRPr>
+          </a:p>
+          <a:p>
+            <a:pPr marL="742950" lvl="1" indent="-285750">
               <a:lnSpc>
-                <a:spcPct val="90000"/>
+                <a:spcPct val="200000"/>
               </a:lnSpc>
-              <a:spcBef>
-                <a:spcPts val="500"/>
-              </a:spcBef>
               <a:buFont typeface="Arial" panose="020B0604020202020204" pitchFamily="34" charset="0"/>
-              <a:buNone/>
-              <a:defRPr sz="1600" kern="1200">
-                <a:solidFill>
-                  <a:schemeClr val="tx1">
-                    <a:tint val="75000"/>
-                  </a:schemeClr>
-                </a:solidFill>
-                <a:latin typeface="+mn-lt"/>
-                <a:ea typeface="+mn-ea"/>
-                <a:cs typeface="+mn-cs"/>
-              </a:defRPr>
-            </a:lvl5pPr>
-            <a:lvl6pPr marL="2285353" indent="0" algn="l" defTabSz="914141" rtl="0" eaLnBrk="1" latinLnBrk="0" hangingPunct="1">
+              <a:buChar char="•"/>
+            </a:pPr>
+            <a:r>
+              <a:rPr lang="en-US" dirty="0">
+                <a:latin typeface="Segoe UI" panose="020B0502040204020203" pitchFamily="34" charset="0"/>
+                <a:cs typeface="Segoe UI" panose="020B0502040204020203" pitchFamily="34" charset="0"/>
+              </a:rPr>
+              <a:t>Low level TCP-IP socket =&gt;WCF service</a:t>
+            </a:r>
+          </a:p>
+          <a:p>
+            <a:pPr marL="742950" lvl="1" indent="-285750">
               <a:lnSpc>
-                <a:spcPct val="90000"/>
+                <a:spcPct val="200000"/>
               </a:lnSpc>
-              <a:spcBef>
-                <a:spcPts val="500"/>
-              </a:spcBef>
               <a:buFont typeface="Arial" panose="020B0604020202020204" pitchFamily="34" charset="0"/>
-              <a:buNone/>
-              <a:defRPr sz="1600" kern="1200">
-                <a:solidFill>
-                  <a:schemeClr val="tx1">
-                    <a:tint val="75000"/>
-                  </a:schemeClr>
-                </a:solidFill>
-                <a:latin typeface="+mn-lt"/>
-                <a:ea typeface="+mn-ea"/>
-                <a:cs typeface="+mn-cs"/>
-              </a:defRPr>
-            </a:lvl6pPr>
-            <a:lvl7pPr marL="2742422" indent="0" algn="l" defTabSz="914141" rtl="0" eaLnBrk="1" latinLnBrk="0" hangingPunct="1">
-              <a:lnSpc>
-                <a:spcPct val="90000"/>
-              </a:lnSpc>
-              <a:spcBef>
-                <a:spcPts val="500"/>
-              </a:spcBef>
-              <a:buFont typeface="Arial" panose="020B0604020202020204" pitchFamily="34" charset="0"/>
-              <a:buNone/>
-              <a:defRPr sz="1600" kern="1200">
-                <a:solidFill>
-                  <a:schemeClr val="tx1">
-                    <a:tint val="75000"/>
-                  </a:schemeClr>
-                </a:solidFill>
-                <a:latin typeface="+mn-lt"/>
-                <a:ea typeface="+mn-ea"/>
-                <a:cs typeface="+mn-cs"/>
-              </a:defRPr>
-            </a:lvl7pPr>
-            <a:lvl8pPr marL="3199493" indent="0" algn="l" defTabSz="914141" rtl="0" eaLnBrk="1" latinLnBrk="0" hangingPunct="1">
-              <a:lnSpc>
-                <a:spcPct val="90000"/>
-              </a:lnSpc>
-              <a:spcBef>
-                <a:spcPts val="500"/>
-              </a:spcBef>
-              <a:buFont typeface="Arial" panose="020B0604020202020204" pitchFamily="34" charset="0"/>
-              <a:buNone/>
-              <a:defRPr sz="1600" kern="1200">
-                <a:solidFill>
-                  <a:schemeClr val="tx1">
-                    <a:tint val="75000"/>
-                  </a:schemeClr>
-                </a:solidFill>
-                <a:latin typeface="+mn-lt"/>
-                <a:ea typeface="+mn-ea"/>
-                <a:cs typeface="+mn-cs"/>
-              </a:defRPr>
-            </a:lvl8pPr>
-            <a:lvl9pPr marL="3656564" indent="0" algn="l" defTabSz="914141" rtl="0" eaLnBrk="1" latinLnBrk="0" hangingPunct="1">
-              <a:lnSpc>
-                <a:spcPct val="90000"/>
-              </a:lnSpc>
-              <a:spcBef>
-                <a:spcPts val="500"/>
-              </a:spcBef>
-              <a:buFont typeface="Arial" panose="020B0604020202020204" pitchFamily="34" charset="0"/>
-              <a:buNone/>
-              <a:defRPr sz="1600" kern="1200">
-                <a:solidFill>
-                  <a:schemeClr val="tx1">
-                    <a:tint val="75000"/>
-                  </a:schemeClr>
-                </a:solidFill>
-                <a:latin typeface="+mn-lt"/>
-                <a:ea typeface="+mn-ea"/>
-                <a:cs typeface="+mn-cs"/>
-              </a:defRPr>
-            </a:lvl9pPr>
-          </a:lstStyle>
-          <a:p>
-            <a:pPr marL="0" marR="0" lvl="0" indent="0" algn="l" defTabSz="914141" rtl="0" eaLnBrk="1" fontAlgn="auto" latinLnBrk="0" hangingPunct="1">
-              <a:lnSpc>
-                <a:spcPct val="90000"/>
-              </a:lnSpc>
-              <a:spcBef>
-                <a:spcPts val="1000"/>
-              </a:spcBef>
-              <a:spcAft>
-                <a:spcPts val="0"/>
-              </a:spcAft>
-              <a:buClrTx/>
-              <a:buSzTx/>
-              <a:buFont typeface="Arial" panose="020B0604020202020204" pitchFamily="34" charset="0"/>
-              <a:buNone/>
-              <a:tabLst/>
-              <a:defRPr/>
+              <a:buChar char="•"/>
             </a:pPr>
             <a:r>
-              <a:rPr kumimoji="0" lang="en-US" sz="2399" b="0" i="0" u="none" strike="noStrike" kern="1200" cap="none" spc="0" normalizeH="0" baseline="0" noProof="0" dirty="0" smtClean="0">
-                <a:ln>
-                  <a:noFill/>
-                </a:ln>
-                <a:solidFill>
-                  <a:sysClr val="windowText" lastClr="000000">
-                    <a:tint val="75000"/>
-                  </a:sysClr>
-                </a:solidFill>
-                <a:effectLst/>
-                <a:uLnTx/>
-                <a:uFillTx/>
-                <a:latin typeface="Calibri" panose="020F0502020204030204"/>
-                <a:ea typeface="+mn-ea"/>
-                <a:cs typeface="+mn-cs"/>
+              <a:rPr lang="en-US" dirty="0">
+                <a:latin typeface="Segoe UI" panose="020B0502040204020203" pitchFamily="34" charset="0"/>
+                <a:cs typeface="Segoe UI" panose="020B0502040204020203" pitchFamily="34" charset="0"/>
               </a:rPr>
-              <a:t>Raw</a:t>
-            </a:r>
-            <a:r>
-              <a:rPr kumimoji="0" lang="en-US" sz="2399" b="0" i="0" u="none" strike="noStrike" kern="1200" cap="none" spc="0" normalizeH="0" noProof="0" dirty="0" smtClean="0">
-                <a:ln>
-                  <a:noFill/>
-                </a:ln>
-                <a:solidFill>
-                  <a:sysClr val="windowText" lastClr="000000">
-                    <a:tint val="75000"/>
-                  </a:sysClr>
-                </a:solidFill>
-                <a:effectLst/>
-                <a:uLnTx/>
-                <a:uFillTx/>
-                <a:latin typeface="Calibri" panose="020F0502020204030204"/>
-                <a:ea typeface="+mn-ea"/>
-                <a:cs typeface="+mn-cs"/>
+              <a:t>Linq2SQL =&gt; </a:t>
+            </a:r>
+            <a:r>
+              <a:rPr lang="en-US" dirty="0" smtClean="0">
+                <a:latin typeface="Segoe UI" panose="020B0502040204020203" pitchFamily="34" charset="0"/>
+                <a:cs typeface="Segoe UI" panose="020B0502040204020203" pitchFamily="34" charset="0"/>
               </a:rPr>
-              <a:t> Notification Service</a:t>
-            </a:r>
-            <a:endParaRPr kumimoji="0" lang="en-US" sz="2399" b="0" i="0" u="none" strike="noStrike" kern="1200" cap="none" spc="0" normalizeH="0" baseline="0" noProof="0" dirty="0">
-              <a:ln>
-                <a:noFill/>
-              </a:ln>
-              <a:solidFill>
-                <a:sysClr val="windowText" lastClr="000000">
-                  <a:tint val="75000"/>
-                </a:sysClr>
-              </a:solidFill>
-              <a:effectLst/>
-              <a:uLnTx/>
-              <a:uFillTx/>
-              <a:latin typeface="Calibri" panose="020F0502020204030204"/>
-              <a:ea typeface="+mn-ea"/>
-              <a:cs typeface="+mn-cs"/>
+              <a:t>Dapper Dot Net</a:t>
+            </a:r>
+            <a:endParaRPr lang="en-US" dirty="0">
+              <a:latin typeface="Segoe UI" panose="020B0502040204020203" pitchFamily="34" charset="0"/>
+              <a:cs typeface="Segoe UI" panose="020B0502040204020203" pitchFamily="34" charset="0"/>
             </a:endParaRPr>
           </a:p>
         </p:txBody>
@@ -7614,7 +10559,7 @@
     </p:spTree>
     <p:extLst>
       <p:ext uri="{BB962C8B-B14F-4D97-AF65-F5344CB8AC3E}">
-        <p14:creationId xmlns:p14="http://schemas.microsoft.com/office/powerpoint/2010/main" val="506560830"/>
+        <p14:creationId xmlns:p14="http://schemas.microsoft.com/office/powerpoint/2010/main" val="4114594548"/>
       </p:ext>
     </p:extLst>
   </p:cSld>
@@ -7636,331 +10581,6 @@
   <p:timing>
     <p:tnLst>
       <p:par>
-        <p:cTn id="1" dur="indefinite" restart="never" nodeType="tmRoot"/>
-      </p:par>
-    </p:tnLst>
-  </p:timing>
-</p:sld>
-</file>
-
-<file path=ppt/slides/slide9.xml><?xml version="1.0" encoding="utf-8"?>
-<p:sld xmlns:a="http://schemas.openxmlformats.org/drawingml/2006/main" xmlns:r="http://schemas.openxmlformats.org/officeDocument/2006/relationships" xmlns:p="http://schemas.openxmlformats.org/presentationml/2006/main">
-  <p:cSld>
-    <p:bg>
-      <p:bgPr>
-        <a:gradFill>
-          <a:gsLst>
-            <a:gs pos="0">
-              <a:schemeClr val="accent1">
-                <a:lumMod val="75000"/>
-              </a:schemeClr>
-            </a:gs>
-            <a:gs pos="55000">
-              <a:schemeClr val="accent1">
-                <a:lumMod val="45000"/>
-                <a:lumOff val="55000"/>
-              </a:schemeClr>
-            </a:gs>
-            <a:gs pos="83000">
-              <a:schemeClr val="accent1">
-                <a:lumMod val="45000"/>
-                <a:lumOff val="55000"/>
-              </a:schemeClr>
-            </a:gs>
-            <a:gs pos="100000">
-              <a:schemeClr val="accent1">
-                <a:lumMod val="20000"/>
-                <a:lumOff val="80000"/>
-              </a:schemeClr>
-            </a:gs>
-          </a:gsLst>
-          <a:lin ang="0" scaled="0"/>
-        </a:gradFill>
-        <a:effectLst/>
-      </p:bgPr>
-    </p:bg>
-    <p:spTree>
-      <p:nvGrpSpPr>
-        <p:cNvPr id="1" name=""/>
-        <p:cNvGrpSpPr/>
-        <p:nvPr/>
-      </p:nvGrpSpPr>
-      <p:grpSpPr>
-        <a:xfrm>
-          <a:off x="0" y="0"/>
-          <a:ext cx="0" cy="0"/>
-          <a:chOff x="0" y="0"/>
-          <a:chExt cx="0" cy="0"/>
-        </a:xfrm>
-      </p:grpSpPr>
-      <p:pic>
-        <p:nvPicPr>
-          <p:cNvPr id="6" name="Content Placeholder 5"/>
-          <p:cNvPicPr>
-            <a:picLocks noGrp="1" noChangeAspect="1"/>
-          </p:cNvPicPr>
-          <p:nvPr>
-            <p:ph idx="1"/>
-          </p:nvPr>
-        </p:nvPicPr>
-        <p:blipFill>
-          <a:blip r:embed="rId2" cstate="print">
-            <a:extLst>
-              <a:ext uri="{28A0092B-C50C-407E-A947-70E740481C1C}">
-                <a14:useLocalDpi xmlns:a14="http://schemas.microsoft.com/office/drawing/2010/main" val="0"/>
-              </a:ext>
-            </a:extLst>
-          </a:blip>
-          <a:stretch>
-            <a:fillRect/>
-          </a:stretch>
-        </p:blipFill>
-        <p:spPr>
-          <a:xfrm>
-            <a:off x="5277853" y="2637799"/>
-            <a:ext cx="3162410" cy="1188992"/>
-          </a:xfrm>
-        </p:spPr>
-      </p:pic>
-      <p:pic>
-        <p:nvPicPr>
-          <p:cNvPr id="8" name="Picture 7"/>
-          <p:cNvPicPr>
-            <a:picLocks noChangeAspect="1"/>
-          </p:cNvPicPr>
-          <p:nvPr/>
-        </p:nvPicPr>
-        <p:blipFill>
-          <a:blip r:embed="rId3">
-            <a:extLst>
-              <a:ext uri="{28A0092B-C50C-407E-A947-70E740481C1C}">
-                <a14:useLocalDpi xmlns:a14="http://schemas.microsoft.com/office/drawing/2010/main" val="0"/>
-              </a:ext>
-            </a:extLst>
-          </a:blip>
-          <a:stretch>
-            <a:fillRect/>
-          </a:stretch>
-        </p:blipFill>
-        <p:spPr>
-          <a:xfrm>
-            <a:off x="5114251" y="544395"/>
-            <a:ext cx="3491345" cy="1918321"/>
-          </a:xfrm>
-          <a:prstGeom prst="rect">
-            <a:avLst/>
-          </a:prstGeom>
-        </p:spPr>
-      </p:pic>
-      <p:pic>
-        <p:nvPicPr>
-          <p:cNvPr id="9" name="Picture 8"/>
-          <p:cNvPicPr>
-            <a:picLocks noChangeAspect="1"/>
-          </p:cNvPicPr>
-          <p:nvPr/>
-        </p:nvPicPr>
-        <p:blipFill>
-          <a:blip r:embed="rId4">
-            <a:extLst>
-              <a:ext uri="{28A0092B-C50C-407E-A947-70E740481C1C}">
-                <a14:useLocalDpi xmlns:a14="http://schemas.microsoft.com/office/drawing/2010/main" val="0"/>
-              </a:ext>
-            </a:extLst>
-          </a:blip>
-          <a:stretch>
-            <a:fillRect/>
-          </a:stretch>
-        </p:blipFill>
-        <p:spPr>
-          <a:xfrm>
-            <a:off x="5114251" y="4176956"/>
-            <a:ext cx="3489614" cy="1542409"/>
-          </a:xfrm>
-          <a:prstGeom prst="rect">
-            <a:avLst/>
-          </a:prstGeom>
-        </p:spPr>
-      </p:pic>
-      <p:grpSp>
-        <p:nvGrpSpPr>
-          <p:cNvPr id="13" name="Group 12"/>
-          <p:cNvGrpSpPr/>
-          <p:nvPr/>
-        </p:nvGrpSpPr>
-        <p:grpSpPr>
-          <a:xfrm>
-            <a:off x="845279" y="2772816"/>
-            <a:ext cx="1765227" cy="1169551"/>
-            <a:chOff x="1920100" y="3141784"/>
-            <a:chExt cx="1765227" cy="1169551"/>
-          </a:xfrm>
-          <a:effectLst>
-            <a:outerShdw blurRad="50800" dist="635000" dir="5400000" sx="5000" sy="5000" algn="ctr" rotWithShape="0">
-              <a:srgbClr val="000000">
-                <a:alpha val="43137"/>
-              </a:srgbClr>
-            </a:outerShdw>
-          </a:effectLst>
-        </p:grpSpPr>
-        <p:sp>
-          <p:nvSpPr>
-            <p:cNvPr id="11" name="Rectangle 10"/>
-            <p:cNvSpPr/>
-            <p:nvPr/>
-          </p:nvSpPr>
-          <p:spPr>
-            <a:xfrm>
-              <a:off x="1920100" y="3141784"/>
-              <a:ext cx="1765227" cy="1169551"/>
-            </a:xfrm>
-            <a:prstGeom prst="rect">
-              <a:avLst/>
-            </a:prstGeom>
-            <a:effectLst>
-              <a:outerShdw blurRad="50800" dist="88900" dir="2700000" algn="tl" rotWithShape="0">
-                <a:prstClr val="black">
-                  <a:alpha val="40000"/>
-                </a:prstClr>
-              </a:outerShdw>
-            </a:effectLst>
-          </p:spPr>
-          <p:txBody>
-            <a:bodyPr wrap="none">
-              <a:spAutoFit/>
-            </a:bodyPr>
-            <a:lstStyle/>
-            <a:p>
-              <a:r>
-                <a:rPr lang="vi-VN" sz="7000" dirty="0" smtClean="0">
-                  <a:latin typeface="Segoe UI Light" panose="020B0502040204020203" pitchFamily="34" charset="0"/>
-                  <a:cs typeface="Segoe UI Light" panose="020B0502040204020203" pitchFamily="34" charset="0"/>
-                </a:rPr>
-                <a:t>RNS</a:t>
-              </a:r>
-              <a:endParaRPr lang="vi-VN" sz="7000" dirty="0">
-                <a:latin typeface="Segoe UI Light" panose="020B0502040204020203" pitchFamily="34" charset="0"/>
-                <a:cs typeface="Segoe UI Light" panose="020B0502040204020203" pitchFamily="34" charset="0"/>
-              </a:endParaRPr>
-            </a:p>
-          </p:txBody>
-        </p:sp>
-        <p:sp>
-          <p:nvSpPr>
-            <p:cNvPr id="12" name="Right Triangle 1"/>
-            <p:cNvSpPr/>
-            <p:nvPr/>
-          </p:nvSpPr>
-          <p:spPr>
-            <a:xfrm>
-              <a:off x="2652193" y="3601263"/>
-              <a:ext cx="325024" cy="442032"/>
-            </a:xfrm>
-            <a:custGeom>
-              <a:avLst/>
-              <a:gdLst>
-                <a:gd name="connsiteX0" fmla="*/ 0 w 290946"/>
-                <a:gd name="connsiteY0" fmla="*/ 309661 h 309661"/>
-                <a:gd name="connsiteX1" fmla="*/ 0 w 290946"/>
-                <a:gd name="connsiteY1" fmla="*/ 0 h 309661"/>
-                <a:gd name="connsiteX2" fmla="*/ 290946 w 290946"/>
-                <a:gd name="connsiteY2" fmla="*/ 309661 h 309661"/>
-                <a:gd name="connsiteX3" fmla="*/ 0 w 290946"/>
-                <a:gd name="connsiteY3" fmla="*/ 309661 h 309661"/>
-                <a:gd name="connsiteX0" fmla="*/ 3078 w 294024"/>
-                <a:gd name="connsiteY0" fmla="*/ 352764 h 352764"/>
-                <a:gd name="connsiteX1" fmla="*/ 0 w 294024"/>
-                <a:gd name="connsiteY1" fmla="*/ 0 h 352764"/>
-                <a:gd name="connsiteX2" fmla="*/ 294024 w 294024"/>
-                <a:gd name="connsiteY2" fmla="*/ 352764 h 352764"/>
-                <a:gd name="connsiteX3" fmla="*/ 3078 w 294024"/>
-                <a:gd name="connsiteY3" fmla="*/ 352764 h 352764"/>
-                <a:gd name="connsiteX0" fmla="*/ 3078 w 260158"/>
-                <a:gd name="connsiteY0" fmla="*/ 352764 h 352764"/>
-                <a:gd name="connsiteX1" fmla="*/ 0 w 260158"/>
-                <a:gd name="connsiteY1" fmla="*/ 0 h 352764"/>
-                <a:gd name="connsiteX2" fmla="*/ 260158 w 260158"/>
-                <a:gd name="connsiteY2" fmla="*/ 352764 h 352764"/>
-                <a:gd name="connsiteX3" fmla="*/ 3078 w 260158"/>
-                <a:gd name="connsiteY3" fmla="*/ 352764 h 352764"/>
-              </a:gdLst>
-              <a:ahLst/>
-              <a:cxnLst>
-                <a:cxn ang="0">
-                  <a:pos x="connsiteX0" y="connsiteY0"/>
-                </a:cxn>
-                <a:cxn ang="0">
-                  <a:pos x="connsiteX1" y="connsiteY1"/>
-                </a:cxn>
-                <a:cxn ang="0">
-                  <a:pos x="connsiteX2" y="connsiteY2"/>
-                </a:cxn>
-                <a:cxn ang="0">
-                  <a:pos x="connsiteX3" y="connsiteY3"/>
-                </a:cxn>
-              </a:cxnLst>
-              <a:rect l="l" t="t" r="r" b="b"/>
-              <a:pathLst>
-                <a:path w="260158" h="352764">
-                  <a:moveTo>
-                    <a:pt x="3078" y="352764"/>
-                  </a:moveTo>
-                  <a:lnTo>
-                    <a:pt x="0" y="0"/>
-                  </a:lnTo>
-                  <a:lnTo>
-                    <a:pt x="260158" y="352764"/>
-                  </a:lnTo>
-                  <a:lnTo>
-                    <a:pt x="3078" y="352764"/>
-                  </a:lnTo>
-                  <a:close/>
-                </a:path>
-              </a:pathLst>
-            </a:custGeom>
-            <a:solidFill>
-              <a:schemeClr val="accent2"/>
-            </a:solidFill>
-          </p:spPr>
-          <p:style>
-            <a:lnRef idx="2">
-              <a:schemeClr val="accent1">
-                <a:shade val="50000"/>
-              </a:schemeClr>
-            </a:lnRef>
-            <a:fillRef idx="1">
-              <a:schemeClr val="accent1"/>
-            </a:fillRef>
-            <a:effectRef idx="0">
-              <a:schemeClr val="accent1"/>
-            </a:effectRef>
-            <a:fontRef idx="minor">
-              <a:schemeClr val="lt1"/>
-            </a:fontRef>
-          </p:style>
-          <p:txBody>
-            <a:bodyPr rtlCol="0" anchor="ctr"/>
-            <a:lstStyle/>
-            <a:p>
-              <a:pPr algn="ctr"/>
-              <a:endParaRPr lang="vi-VN"/>
-            </a:p>
-          </p:txBody>
-        </p:sp>
-      </p:grpSp>
-    </p:spTree>
-    <p:extLst>
-      <p:ext uri="{BB962C8B-B14F-4D97-AF65-F5344CB8AC3E}">
-        <p14:creationId xmlns:p14="http://schemas.microsoft.com/office/powerpoint/2010/main" val="1297488912"/>
-      </p:ext>
-    </p:extLst>
-  </p:cSld>
-  <p:clrMapOvr>
-    <a:masterClrMapping/>
-  </p:clrMapOvr>
-  <p:timing>
-    <p:tnLst>
-      <p:par>
         <p:cTn id="1" dur="indefinite" restart="never" nodeType="tmRoot">
           <p:childTnLst>
             <p:seq concurrent="1" nextAc="seek">
@@ -7979,7 +10599,7 @@
                             </p:stCondLst>
                             <p:childTnLst>
                               <p:par>
-                                <p:cTn id="5" presetID="53" presetClass="entr" presetSubtype="528" fill="hold" nodeType="clickEffect">
+                                <p:cTn id="5" presetID="42" presetClass="entr" presetSubtype="0" fill="hold" grpId="0" nodeType="clickEffect">
                                   <p:stCondLst>
                                     <p:cond delay="0"/>
                                   </p:stCondLst>
@@ -7992,7 +10612,11 @@
                                           </p:stCondLst>
                                         </p:cTn>
                                         <p:tgtEl>
-                                          <p:spTgt spid="8"/>
+                                          <p:spTgt spid="5">
+                                            <p:txEl>
+                                              <p:pRg st="0" end="0"/>
+                                            </p:txEl>
+                                          </p:spTgt>
                                         </p:tgtEl>
                                         <p:attrNameLst>
                                           <p:attrName>style.visibility</p:attrName>
@@ -8002,65 +10626,27 @@
                                         <p:strVal val="visible"/>
                                       </p:to>
                                     </p:set>
-                                    <p:anim calcmode="lin" valueType="num">
-                                      <p:cBhvr>
-                                        <p:cTn id="7" dur="500" fill="hold"/>
-                                        <p:tgtEl>
-                                          <p:spTgt spid="8"/>
-                                        </p:tgtEl>
-                                        <p:attrNameLst>
-                                          <p:attrName>ppt_w</p:attrName>
-                                        </p:attrNameLst>
-                                      </p:cBhvr>
-                                      <p:tavLst>
-                                        <p:tav tm="0">
-                                          <p:val>
-                                            <p:fltVal val="0"/>
-                                          </p:val>
-                                        </p:tav>
-                                        <p:tav tm="100000">
-                                          <p:val>
-                                            <p:strVal val="#ppt_w"/>
-                                          </p:val>
-                                        </p:tav>
-                                      </p:tavLst>
-                                    </p:anim>
-                                    <p:anim calcmode="lin" valueType="num">
-                                      <p:cBhvr>
-                                        <p:cTn id="8" dur="500" fill="hold"/>
-                                        <p:tgtEl>
-                                          <p:spTgt spid="8"/>
-                                        </p:tgtEl>
-                                        <p:attrNameLst>
-                                          <p:attrName>ppt_h</p:attrName>
-                                        </p:attrNameLst>
-                                      </p:cBhvr>
-                                      <p:tavLst>
-                                        <p:tav tm="0">
-                                          <p:val>
-                                            <p:fltVal val="0"/>
-                                          </p:val>
-                                        </p:tav>
-                                        <p:tav tm="100000">
-                                          <p:val>
-                                            <p:strVal val="#ppt_h"/>
-                                          </p:val>
-                                        </p:tav>
-                                      </p:tavLst>
-                                    </p:anim>
                                     <p:animEffect transition="in" filter="fade">
                                       <p:cBhvr>
-                                        <p:cTn id="9" dur="500"/>
+                                        <p:cTn id="7" dur="1000"/>
                                         <p:tgtEl>
-                                          <p:spTgt spid="8"/>
+                                          <p:spTgt spid="5">
+                                            <p:txEl>
+                                              <p:pRg st="0" end="0"/>
+                                            </p:txEl>
+                                          </p:spTgt>
                                         </p:tgtEl>
                                       </p:cBhvr>
                                     </p:animEffect>
                                     <p:anim calcmode="lin" valueType="num">
                                       <p:cBhvr>
-                                        <p:cTn id="10" dur="500" fill="hold"/>
+                                        <p:cTn id="8" dur="1000" fill="hold"/>
                                         <p:tgtEl>
-                                          <p:spTgt spid="8"/>
+                                          <p:spTgt spid="5">
+                                            <p:txEl>
+                                              <p:pRg st="0" end="0"/>
+                                            </p:txEl>
+                                          </p:spTgt>
                                         </p:tgtEl>
                                         <p:attrNameLst>
                                           <p:attrName>ppt_x</p:attrName>
@@ -8069,7 +10655,7 @@
                                       <p:tavLst>
                                         <p:tav tm="0">
                                           <p:val>
-                                            <p:fltVal val="0.5"/>
+                                            <p:strVal val="#ppt_x"/>
                                           </p:val>
                                         </p:tav>
                                         <p:tav tm="100000">
@@ -8081,9 +10667,13 @@
                                     </p:anim>
                                     <p:anim calcmode="lin" valueType="num">
                                       <p:cBhvr>
-                                        <p:cTn id="11" dur="500" fill="hold"/>
+                                        <p:cTn id="9" dur="1000" fill="hold"/>
                                         <p:tgtEl>
-                                          <p:spTgt spid="8"/>
+                                          <p:spTgt spid="5">
+                                            <p:txEl>
+                                              <p:pRg st="0" end="0"/>
+                                            </p:txEl>
+                                          </p:spTgt>
                                         </p:tgtEl>
                                         <p:attrNameLst>
                                           <p:attrName>ppt_y</p:attrName>
@@ -8092,7 +10682,201 @@
                                       <p:tavLst>
                                         <p:tav tm="0">
                                           <p:val>
-                                            <p:fltVal val="0.5"/>
+                                            <p:strVal val="#ppt_y+.1"/>
+                                          </p:val>
+                                        </p:tav>
+                                        <p:tav tm="100000">
+                                          <p:val>
+                                            <p:strVal val="#ppt_y"/>
+                                          </p:val>
+                                        </p:tav>
+                                      </p:tavLst>
+                                    </p:anim>
+                                  </p:childTnLst>
+                                </p:cTn>
+                              </p:par>
+                              <p:par>
+                                <p:cTn id="10" presetID="42" presetClass="entr" presetSubtype="0" fill="hold" grpId="0" nodeType="withEffect">
+                                  <p:stCondLst>
+                                    <p:cond delay="0"/>
+                                  </p:stCondLst>
+                                  <p:childTnLst>
+                                    <p:set>
+                                      <p:cBhvr>
+                                        <p:cTn id="11" dur="1" fill="hold">
+                                          <p:stCondLst>
+                                            <p:cond delay="0"/>
+                                          </p:stCondLst>
+                                        </p:cTn>
+                                        <p:tgtEl>
+                                          <p:spTgt spid="5">
+                                            <p:txEl>
+                                              <p:pRg st="1" end="1"/>
+                                            </p:txEl>
+                                          </p:spTgt>
+                                        </p:tgtEl>
+                                        <p:attrNameLst>
+                                          <p:attrName>style.visibility</p:attrName>
+                                        </p:attrNameLst>
+                                      </p:cBhvr>
+                                      <p:to>
+                                        <p:strVal val="visible"/>
+                                      </p:to>
+                                    </p:set>
+                                    <p:animEffect transition="in" filter="fade">
+                                      <p:cBhvr>
+                                        <p:cTn id="12" dur="1000"/>
+                                        <p:tgtEl>
+                                          <p:spTgt spid="5">
+                                            <p:txEl>
+                                              <p:pRg st="1" end="1"/>
+                                            </p:txEl>
+                                          </p:spTgt>
+                                        </p:tgtEl>
+                                      </p:cBhvr>
+                                    </p:animEffect>
+                                    <p:anim calcmode="lin" valueType="num">
+                                      <p:cBhvr>
+                                        <p:cTn id="13" dur="1000" fill="hold"/>
+                                        <p:tgtEl>
+                                          <p:spTgt spid="5">
+                                            <p:txEl>
+                                              <p:pRg st="1" end="1"/>
+                                            </p:txEl>
+                                          </p:spTgt>
+                                        </p:tgtEl>
+                                        <p:attrNameLst>
+                                          <p:attrName>ppt_x</p:attrName>
+                                        </p:attrNameLst>
+                                      </p:cBhvr>
+                                      <p:tavLst>
+                                        <p:tav tm="0">
+                                          <p:val>
+                                            <p:strVal val="#ppt_x"/>
+                                          </p:val>
+                                        </p:tav>
+                                        <p:tav tm="100000">
+                                          <p:val>
+                                            <p:strVal val="#ppt_x"/>
+                                          </p:val>
+                                        </p:tav>
+                                      </p:tavLst>
+                                    </p:anim>
+                                    <p:anim calcmode="lin" valueType="num">
+                                      <p:cBhvr>
+                                        <p:cTn id="14" dur="1000" fill="hold"/>
+                                        <p:tgtEl>
+                                          <p:spTgt spid="5">
+                                            <p:txEl>
+                                              <p:pRg st="1" end="1"/>
+                                            </p:txEl>
+                                          </p:spTgt>
+                                        </p:tgtEl>
+                                        <p:attrNameLst>
+                                          <p:attrName>ppt_y</p:attrName>
+                                        </p:attrNameLst>
+                                      </p:cBhvr>
+                                      <p:tavLst>
+                                        <p:tav tm="0">
+                                          <p:val>
+                                            <p:strVal val="#ppt_y+.1"/>
+                                          </p:val>
+                                        </p:tav>
+                                        <p:tav tm="100000">
+                                          <p:val>
+                                            <p:strVal val="#ppt_y"/>
+                                          </p:val>
+                                        </p:tav>
+                                      </p:tavLst>
+                                    </p:anim>
+                                  </p:childTnLst>
+                                </p:cTn>
+                              </p:par>
+                              <p:par>
+                                <p:cTn id="15" presetID="42" presetClass="entr" presetSubtype="0" fill="hold" grpId="0" nodeType="withEffect">
+                                  <p:stCondLst>
+                                    <p:cond delay="0"/>
+                                  </p:stCondLst>
+                                  <p:childTnLst>
+                                    <p:set>
+                                      <p:cBhvr>
+                                        <p:cTn id="16" dur="1" fill="hold">
+                                          <p:stCondLst>
+                                            <p:cond delay="0"/>
+                                          </p:stCondLst>
+                                        </p:cTn>
+                                        <p:tgtEl>
+                                          <p:spTgt spid="5">
+                                            <p:txEl>
+                                              <p:pRg st="2" end="2"/>
+                                            </p:txEl>
+                                          </p:spTgt>
+                                        </p:tgtEl>
+                                        <p:attrNameLst>
+                                          <p:attrName>style.visibility</p:attrName>
+                                        </p:attrNameLst>
+                                      </p:cBhvr>
+                                      <p:to>
+                                        <p:strVal val="visible"/>
+                                      </p:to>
+                                    </p:set>
+                                    <p:animEffect transition="in" filter="fade">
+                                      <p:cBhvr>
+                                        <p:cTn id="17" dur="1000"/>
+                                        <p:tgtEl>
+                                          <p:spTgt spid="5">
+                                            <p:txEl>
+                                              <p:pRg st="2" end="2"/>
+                                            </p:txEl>
+                                          </p:spTgt>
+                                        </p:tgtEl>
+                                      </p:cBhvr>
+                                    </p:animEffect>
+                                    <p:anim calcmode="lin" valueType="num">
+                                      <p:cBhvr>
+                                        <p:cTn id="18" dur="1000" fill="hold"/>
+                                        <p:tgtEl>
+                                          <p:spTgt spid="5">
+                                            <p:txEl>
+                                              <p:pRg st="2" end="2"/>
+                                            </p:txEl>
+                                          </p:spTgt>
+                                        </p:tgtEl>
+                                        <p:attrNameLst>
+                                          <p:attrName>ppt_x</p:attrName>
+                                        </p:attrNameLst>
+                                      </p:cBhvr>
+                                      <p:tavLst>
+                                        <p:tav tm="0">
+                                          <p:val>
+                                            <p:strVal val="#ppt_x"/>
+                                          </p:val>
+                                        </p:tav>
+                                        <p:tav tm="100000">
+                                          <p:val>
+                                            <p:strVal val="#ppt_x"/>
+                                          </p:val>
+                                        </p:tav>
+                                      </p:tavLst>
+                                    </p:anim>
+                                    <p:anim calcmode="lin" valueType="num">
+                                      <p:cBhvr>
+                                        <p:cTn id="19" dur="1000" fill="hold"/>
+                                        <p:tgtEl>
+                                          <p:spTgt spid="5">
+                                            <p:txEl>
+                                              <p:pRg st="2" end="2"/>
+                                            </p:txEl>
+                                          </p:spTgt>
+                                        </p:tgtEl>
+                                        <p:attrNameLst>
+                                          <p:attrName>ppt_y</p:attrName>
+                                        </p:attrNameLst>
+                                      </p:cBhvr>
+                                      <p:tavLst>
+                                        <p:tav tm="0">
+                                          <p:val>
+                                            <p:strVal val="#ppt_y+.1"/>
                                           </p:val>
                                         </p:tav>
                                         <p:tav tm="100000">
@@ -8108,27 +10892,40 @@
                             </p:childTnLst>
                           </p:cTn>
                         </p:par>
+                      </p:childTnLst>
+                    </p:cTn>
+                  </p:par>
+                  <p:par>
+                    <p:cTn id="20" fill="hold">
+                      <p:stCondLst>
+                        <p:cond delay="indefinite"/>
+                      </p:stCondLst>
+                      <p:childTnLst>
                         <p:par>
-                          <p:cTn id="12" fill="hold">
+                          <p:cTn id="21" fill="hold">
                             <p:stCondLst>
-                              <p:cond delay="500"/>
+                              <p:cond delay="0"/>
                             </p:stCondLst>
                             <p:childTnLst>
                               <p:par>
-                                <p:cTn id="13" presetID="53" presetClass="entr" presetSubtype="528" fill="hold" nodeType="afterEffect">
+                                <p:cTn id="22" presetID="42" presetClass="entr" presetSubtype="0" fill="hold" grpId="0" nodeType="clickEffect">
                                   <p:stCondLst>
                                     <p:cond delay="0"/>
                                   </p:stCondLst>
                                   <p:childTnLst>
                                     <p:set>
                                       <p:cBhvr>
-                                        <p:cTn id="14" dur="1" fill="hold">
+                                        <p:cTn id="23" dur="1" fill="hold">
                                           <p:stCondLst>
                                             <p:cond delay="0"/>
                                           </p:stCondLst>
                                         </p:cTn>
                                         <p:tgtEl>
-                                          <p:spTgt spid="6"/>
+                                          <p:spTgt spid="5">
+                                            <p:txEl>
+                                              <p:pRg st="3" end="3"/>
+                                            </p:txEl>
+                                          </p:spTgt>
                                         </p:tgtEl>
                                         <p:attrNameLst>
                                           <p:attrName>style.visibility</p:attrName>
@@ -8138,65 +10935,27 @@
                                         <p:strVal val="visible"/>
                                       </p:to>
                                     </p:set>
-                                    <p:anim calcmode="lin" valueType="num">
-                                      <p:cBhvr>
-                                        <p:cTn id="15" dur="500" fill="hold"/>
-                                        <p:tgtEl>
-                                          <p:spTgt spid="6"/>
-                                        </p:tgtEl>
-                                        <p:attrNameLst>
-                                          <p:attrName>ppt_w</p:attrName>
-                                        </p:attrNameLst>
-                                      </p:cBhvr>
-                                      <p:tavLst>
-                                        <p:tav tm="0">
-                                          <p:val>
-                                            <p:fltVal val="0"/>
-                                          </p:val>
-                                        </p:tav>
-                                        <p:tav tm="100000">
-                                          <p:val>
-                                            <p:strVal val="#ppt_w"/>
-                                          </p:val>
-                                        </p:tav>
-                                      </p:tavLst>
-                                    </p:anim>
-                                    <p:anim calcmode="lin" valueType="num">
-                                      <p:cBhvr>
-                                        <p:cTn id="16" dur="500" fill="hold"/>
-                                        <p:tgtEl>
-                                          <p:spTgt spid="6"/>
-                                        </p:tgtEl>
-                                        <p:attrNameLst>
-                                          <p:attrName>ppt_h</p:attrName>
-                                        </p:attrNameLst>
-                                      </p:cBhvr>
-                                      <p:tavLst>
-                                        <p:tav tm="0">
-                                          <p:val>
-                                            <p:fltVal val="0"/>
-                                          </p:val>
-                                        </p:tav>
-                                        <p:tav tm="100000">
-                                          <p:val>
-                                            <p:strVal val="#ppt_h"/>
-                                          </p:val>
-                                        </p:tav>
-                                      </p:tavLst>
-                                    </p:anim>
                                     <p:animEffect transition="in" filter="fade">
                                       <p:cBhvr>
-                                        <p:cTn id="17" dur="500"/>
+                                        <p:cTn id="24" dur="1000"/>
                                         <p:tgtEl>
-                                          <p:spTgt spid="6"/>
+                                          <p:spTgt spid="5">
+                                            <p:txEl>
+                                              <p:pRg st="3" end="3"/>
+                                            </p:txEl>
+                                          </p:spTgt>
                                         </p:tgtEl>
                                       </p:cBhvr>
                                     </p:animEffect>
                                     <p:anim calcmode="lin" valueType="num">
                                       <p:cBhvr>
-                                        <p:cTn id="18" dur="500" fill="hold"/>
+                                        <p:cTn id="25" dur="1000" fill="hold"/>
                                         <p:tgtEl>
-                                          <p:spTgt spid="6"/>
+                                          <p:spTgt spid="5">
+                                            <p:txEl>
+                                              <p:pRg st="3" end="3"/>
+                                            </p:txEl>
+                                          </p:spTgt>
                                         </p:tgtEl>
                                         <p:attrNameLst>
                                           <p:attrName>ppt_x</p:attrName>
@@ -8205,7 +10964,7 @@
                                       <p:tavLst>
                                         <p:tav tm="0">
                                           <p:val>
-                                            <p:fltVal val="0.5"/>
+                                            <p:strVal val="#ppt_x"/>
                                           </p:val>
                                         </p:tav>
                                         <p:tav tm="100000">
@@ -8217,9 +10976,13 @@
                                     </p:anim>
                                     <p:anim calcmode="lin" valueType="num">
                                       <p:cBhvr>
-                                        <p:cTn id="19" dur="500" fill="hold"/>
+                                        <p:cTn id="26" dur="1000" fill="hold"/>
                                         <p:tgtEl>
-                                          <p:spTgt spid="6"/>
+                                          <p:spTgt spid="5">
+                                            <p:txEl>
+                                              <p:pRg st="3" end="3"/>
+                                            </p:txEl>
+                                          </p:spTgt>
                                         </p:tgtEl>
                                         <p:attrNameLst>
                                           <p:attrName>ppt_y</p:attrName>
@@ -8228,7 +10991,7 @@
                                       <p:tavLst>
                                         <p:tav tm="0">
                                           <p:val>
-                                            <p:fltVal val="0.5"/>
+                                            <p:strVal val="#ppt_y+.1"/>
                                           </p:val>
                                         </p:tav>
                                         <p:tav tm="100000">
@@ -8241,30 +11004,25 @@
                                   </p:childTnLst>
                                 </p:cTn>
                               </p:par>
-                            </p:childTnLst>
-                          </p:cTn>
-                        </p:par>
-                        <p:par>
-                          <p:cTn id="20" fill="hold">
-                            <p:stCondLst>
-                              <p:cond delay="1000"/>
-                            </p:stCondLst>
-                            <p:childTnLst>
                               <p:par>
-                                <p:cTn id="21" presetID="53" presetClass="entr" presetSubtype="528" fill="hold" nodeType="afterEffect">
+                                <p:cTn id="27" presetID="42" presetClass="entr" presetSubtype="0" fill="hold" grpId="0" nodeType="withEffect">
                                   <p:stCondLst>
                                     <p:cond delay="0"/>
                                   </p:stCondLst>
                                   <p:childTnLst>
                                     <p:set>
                                       <p:cBhvr>
-                                        <p:cTn id="22" dur="1" fill="hold">
+                                        <p:cTn id="28" dur="1" fill="hold">
                                           <p:stCondLst>
                                             <p:cond delay="0"/>
                                           </p:stCondLst>
                                         </p:cTn>
                                         <p:tgtEl>
-                                          <p:spTgt spid="9"/>
+                                          <p:spTgt spid="5">
+                                            <p:txEl>
+                                              <p:pRg st="4" end="4"/>
+                                            </p:txEl>
+                                          </p:spTgt>
                                         </p:tgtEl>
                                         <p:attrNameLst>
                                           <p:attrName>style.visibility</p:attrName>
@@ -8274,65 +11032,27 @@
                                         <p:strVal val="visible"/>
                                       </p:to>
                                     </p:set>
-                                    <p:anim calcmode="lin" valueType="num">
-                                      <p:cBhvr>
-                                        <p:cTn id="23" dur="500" fill="hold"/>
-                                        <p:tgtEl>
-                                          <p:spTgt spid="9"/>
-                                        </p:tgtEl>
-                                        <p:attrNameLst>
-                                          <p:attrName>ppt_w</p:attrName>
-                                        </p:attrNameLst>
-                                      </p:cBhvr>
-                                      <p:tavLst>
-                                        <p:tav tm="0">
-                                          <p:val>
-                                            <p:fltVal val="0"/>
-                                          </p:val>
-                                        </p:tav>
-                                        <p:tav tm="100000">
-                                          <p:val>
-                                            <p:strVal val="#ppt_w"/>
-                                          </p:val>
-                                        </p:tav>
-                                      </p:tavLst>
-                                    </p:anim>
-                                    <p:anim calcmode="lin" valueType="num">
-                                      <p:cBhvr>
-                                        <p:cTn id="24" dur="500" fill="hold"/>
-                                        <p:tgtEl>
-                                          <p:spTgt spid="9"/>
-                                        </p:tgtEl>
-                                        <p:attrNameLst>
-                                          <p:attrName>ppt_h</p:attrName>
-                                        </p:attrNameLst>
-                                      </p:cBhvr>
-                                      <p:tavLst>
-                                        <p:tav tm="0">
-                                          <p:val>
-                                            <p:fltVal val="0"/>
-                                          </p:val>
-                                        </p:tav>
-                                        <p:tav tm="100000">
-                                          <p:val>
-                                            <p:strVal val="#ppt_h"/>
-                                          </p:val>
-                                        </p:tav>
-                                      </p:tavLst>
-                                    </p:anim>
                                     <p:animEffect transition="in" filter="fade">
                                       <p:cBhvr>
-                                        <p:cTn id="25" dur="500"/>
+                                        <p:cTn id="29" dur="1000"/>
                                         <p:tgtEl>
-                                          <p:spTgt spid="9"/>
+                                          <p:spTgt spid="5">
+                                            <p:txEl>
+                                              <p:pRg st="4" end="4"/>
+                                            </p:txEl>
+                                          </p:spTgt>
                                         </p:tgtEl>
                                       </p:cBhvr>
                                     </p:animEffect>
                                     <p:anim calcmode="lin" valueType="num">
                                       <p:cBhvr>
-                                        <p:cTn id="26" dur="500" fill="hold"/>
+                                        <p:cTn id="30" dur="1000" fill="hold"/>
                                         <p:tgtEl>
-                                          <p:spTgt spid="9"/>
+                                          <p:spTgt spid="5">
+                                            <p:txEl>
+                                              <p:pRg st="4" end="4"/>
+                                            </p:txEl>
+                                          </p:spTgt>
                                         </p:tgtEl>
                                         <p:attrNameLst>
                                           <p:attrName>ppt_x</p:attrName>
@@ -8341,7 +11061,7 @@
                                       <p:tavLst>
                                         <p:tav tm="0">
                                           <p:val>
-                                            <p:fltVal val="0.5"/>
+                                            <p:strVal val="#ppt_x"/>
                                           </p:val>
                                         </p:tav>
                                         <p:tav tm="100000">
@@ -8353,9 +11073,13 @@
                                     </p:anim>
                                     <p:anim calcmode="lin" valueType="num">
                                       <p:cBhvr>
-                                        <p:cTn id="27" dur="500" fill="hold"/>
+                                        <p:cTn id="31" dur="1000" fill="hold"/>
                                         <p:tgtEl>
-                                          <p:spTgt spid="9"/>
+                                          <p:spTgt spid="5">
+                                            <p:txEl>
+                                              <p:pRg st="4" end="4"/>
+                                            </p:txEl>
+                                          </p:spTgt>
                                         </p:tgtEl>
                                         <p:attrNameLst>
                                           <p:attrName>ppt_y</p:attrName>
@@ -8364,7 +11088,104 @@
                                       <p:tavLst>
                                         <p:tav tm="0">
                                           <p:val>
-                                            <p:fltVal val="0.5"/>
+                                            <p:strVal val="#ppt_y+.1"/>
+                                          </p:val>
+                                        </p:tav>
+                                        <p:tav tm="100000">
+                                          <p:val>
+                                            <p:strVal val="#ppt_y"/>
+                                          </p:val>
+                                        </p:tav>
+                                      </p:tavLst>
+                                    </p:anim>
+                                  </p:childTnLst>
+                                </p:cTn>
+                              </p:par>
+                              <p:par>
+                                <p:cTn id="32" presetID="42" presetClass="entr" presetSubtype="0" fill="hold" grpId="0" nodeType="withEffect">
+                                  <p:stCondLst>
+                                    <p:cond delay="0"/>
+                                  </p:stCondLst>
+                                  <p:childTnLst>
+                                    <p:set>
+                                      <p:cBhvr>
+                                        <p:cTn id="33" dur="1" fill="hold">
+                                          <p:stCondLst>
+                                            <p:cond delay="0"/>
+                                          </p:stCondLst>
+                                        </p:cTn>
+                                        <p:tgtEl>
+                                          <p:spTgt spid="5">
+                                            <p:txEl>
+                                              <p:pRg st="5" end="5"/>
+                                            </p:txEl>
+                                          </p:spTgt>
+                                        </p:tgtEl>
+                                        <p:attrNameLst>
+                                          <p:attrName>style.visibility</p:attrName>
+                                        </p:attrNameLst>
+                                      </p:cBhvr>
+                                      <p:to>
+                                        <p:strVal val="visible"/>
+                                      </p:to>
+                                    </p:set>
+                                    <p:animEffect transition="in" filter="fade">
+                                      <p:cBhvr>
+                                        <p:cTn id="34" dur="1000"/>
+                                        <p:tgtEl>
+                                          <p:spTgt spid="5">
+                                            <p:txEl>
+                                              <p:pRg st="5" end="5"/>
+                                            </p:txEl>
+                                          </p:spTgt>
+                                        </p:tgtEl>
+                                      </p:cBhvr>
+                                    </p:animEffect>
+                                    <p:anim calcmode="lin" valueType="num">
+                                      <p:cBhvr>
+                                        <p:cTn id="35" dur="1000" fill="hold"/>
+                                        <p:tgtEl>
+                                          <p:spTgt spid="5">
+                                            <p:txEl>
+                                              <p:pRg st="5" end="5"/>
+                                            </p:txEl>
+                                          </p:spTgt>
+                                        </p:tgtEl>
+                                        <p:attrNameLst>
+                                          <p:attrName>ppt_x</p:attrName>
+                                        </p:attrNameLst>
+                                      </p:cBhvr>
+                                      <p:tavLst>
+                                        <p:tav tm="0">
+                                          <p:val>
+                                            <p:strVal val="#ppt_x"/>
+                                          </p:val>
+                                        </p:tav>
+                                        <p:tav tm="100000">
+                                          <p:val>
+                                            <p:strVal val="#ppt_x"/>
+                                          </p:val>
+                                        </p:tav>
+                                      </p:tavLst>
+                                    </p:anim>
+                                    <p:anim calcmode="lin" valueType="num">
+                                      <p:cBhvr>
+                                        <p:cTn id="36" dur="1000" fill="hold"/>
+                                        <p:tgtEl>
+                                          <p:spTgt spid="5">
+                                            <p:txEl>
+                                              <p:pRg st="5" end="5"/>
+                                            </p:txEl>
+                                          </p:spTgt>
+                                        </p:tgtEl>
+                                        <p:attrNameLst>
+                                          <p:attrName>ppt_y</p:attrName>
+                                        </p:attrNameLst>
+                                      </p:cBhvr>
+                                      <p:tavLst>
+                                        <p:tav tm="0">
+                                          <p:val>
+                                            <p:strVal val="#ppt_y+.1"/>
                                           </p:val>
                                         </p:tav>
                                         <p:tav tm="100000">
@@ -8404,6 +11225,9 @@
         </p:cTn>
       </p:par>
     </p:tnLst>
+    <p:bldLst>
+      <p:bldP spid="5" grpId="0" build="p"/>
+    </p:bldLst>
   </p:timing>
 </p:sld>
 </file>

--- a/Working Individual/SyLK/Presentation.pptx
+++ b/Working Individual/SyLK/Presentation.pptx
@@ -2,28 +2,30 @@
 <file path=ppt/presentation.xml><?xml version="1.0" encoding="utf-8"?>
 <p:presentation xmlns:a="http://schemas.openxmlformats.org/drawingml/2006/main" xmlns:r="http://schemas.openxmlformats.org/officeDocument/2006/relationships" xmlns:p="http://schemas.openxmlformats.org/presentationml/2006/main" saveSubsetFonts="1">
   <p:sldMasterIdLst>
-    <p:sldMasterId id="2147483660" r:id="rId1"/>
+    <p:sldMasterId id="2147483672" r:id="rId1"/>
   </p:sldMasterIdLst>
   <p:notesMasterIdLst>
-    <p:notesMasterId r:id="rId16"/>
+    <p:notesMasterId r:id="rId18"/>
   </p:notesMasterIdLst>
   <p:sldIdLst>
     <p:sldId id="256" r:id="rId2"/>
     <p:sldId id="257" r:id="rId3"/>
     <p:sldId id="258" r:id="rId4"/>
-    <p:sldId id="274" r:id="rId5"/>
-    <p:sldId id="259" r:id="rId6"/>
-    <p:sldId id="262" r:id="rId7"/>
-    <p:sldId id="269" r:id="rId8"/>
-    <p:sldId id="265" r:id="rId9"/>
-    <p:sldId id="266" r:id="rId10"/>
-    <p:sldId id="267" r:id="rId11"/>
-    <p:sldId id="264" r:id="rId12"/>
-    <p:sldId id="276" r:id="rId13"/>
-    <p:sldId id="275" r:id="rId14"/>
-    <p:sldId id="268" r:id="rId15"/>
+    <p:sldId id="259" r:id="rId5"/>
+    <p:sldId id="277" r:id="rId6"/>
+    <p:sldId id="278" r:id="rId7"/>
+    <p:sldId id="274" r:id="rId8"/>
+    <p:sldId id="262" r:id="rId9"/>
+    <p:sldId id="269" r:id="rId10"/>
+    <p:sldId id="265" r:id="rId11"/>
+    <p:sldId id="266" r:id="rId12"/>
+    <p:sldId id="267" r:id="rId13"/>
+    <p:sldId id="264" r:id="rId14"/>
+    <p:sldId id="276" r:id="rId15"/>
+    <p:sldId id="275" r:id="rId16"/>
+    <p:sldId id="268" r:id="rId17"/>
   </p:sldIdLst>
-  <p:sldSz cx="9144000" cy="6858000" type="screen4x3"/>
+  <p:sldSz cx="12192000" cy="6858000"/>
   <p:notesSz cx="6858000" cy="9144000"/>
   <p:defaultTextStyle>
     <a:defPPr>
@@ -210,7 +212,7 @@
           <a:p>
             <a:fld id="{58511F64-2239-4611-98FE-944213D775AD}" type="datetimeFigureOut">
               <a:rPr lang="vi-VN" smtClean="0"/>
-              <a:t>09/08/2016</a:t>
+              <a:t>11/08/2016</a:t>
             </a:fld>
             <a:endParaRPr lang="vi-VN"/>
           </a:p>
@@ -228,8 +230,8 @@
         </p:nvSpPr>
         <p:spPr>
           <a:xfrm>
-            <a:off x="1371600" y="1143000"/>
-            <a:ext cx="4114800" cy="3086100"/>
+            <a:off x="685800" y="1143000"/>
+            <a:ext cx="5486400" cy="3086100"/>
           </a:xfrm>
           <a:prstGeom prst="rect">
             <a:avLst/>
@@ -505,7 +507,12 @@
             <p:ph type="sldImg"/>
           </p:nvPr>
         </p:nvSpPr>
-        <p:spPr/>
+        <p:spPr>
+          <a:xfrm>
+            <a:off x="685800" y="1143000"/>
+            <a:ext cx="5486400" cy="3086100"/>
+          </a:xfrm>
+        </p:spPr>
       </p:sp>
       <p:sp>
         <p:nvSpPr>
@@ -597,7 +604,12 @@
             <p:ph type="sldImg"/>
           </p:nvPr>
         </p:nvSpPr>
-        <p:spPr/>
+        <p:spPr>
+          <a:xfrm>
+            <a:off x="685800" y="1143000"/>
+            <a:ext cx="5486400" cy="3086100"/>
+          </a:xfrm>
+        </p:spPr>
       </p:sp>
       <p:sp>
         <p:nvSpPr>
@@ -643,7 +655,201 @@
           <a:p>
             <a:fld id="{38B150A1-AA66-4684-B8AD-AE91AB8F011A}" type="slidenum">
               <a:rPr lang="vi-VN" smtClean="0"/>
-              <a:t>4</a:t>
+              <a:t>5</a:t>
+            </a:fld>
+            <a:endParaRPr lang="vi-VN"/>
+          </a:p>
+        </p:txBody>
+      </p:sp>
+    </p:spTree>
+    <p:extLst>
+      <p:ext uri="{BB962C8B-B14F-4D97-AF65-F5344CB8AC3E}">
+        <p14:creationId xmlns:p14="http://schemas.microsoft.com/office/powerpoint/2010/main" val="1775540825"/>
+      </p:ext>
+    </p:extLst>
+  </p:cSld>
+  <p:clrMapOvr>
+    <a:masterClrMapping/>
+  </p:clrMapOvr>
+</p:notes>
+</file>
+
+<file path=ppt/notesSlides/notesSlide3.xml><?xml version="1.0" encoding="utf-8"?>
+<p:notes xmlns:a="http://schemas.openxmlformats.org/drawingml/2006/main" xmlns:r="http://schemas.openxmlformats.org/officeDocument/2006/relationships" xmlns:p="http://schemas.openxmlformats.org/presentationml/2006/main">
+  <p:cSld>
+    <p:spTree>
+      <p:nvGrpSpPr>
+        <p:cNvPr id="1" name=""/>
+        <p:cNvGrpSpPr/>
+        <p:nvPr/>
+      </p:nvGrpSpPr>
+      <p:grpSpPr>
+        <a:xfrm>
+          <a:off x="0" y="0"/>
+          <a:ext cx="0" cy="0"/>
+          <a:chOff x="0" y="0"/>
+          <a:chExt cx="0" cy="0"/>
+        </a:xfrm>
+      </p:grpSpPr>
+      <p:sp>
+        <p:nvSpPr>
+          <p:cNvPr id="2" name="Slide Image Placeholder 1"/>
+          <p:cNvSpPr>
+            <a:spLocks noGrp="1" noRot="1" noChangeAspect="1"/>
+          </p:cNvSpPr>
+          <p:nvPr>
+            <p:ph type="sldImg"/>
+          </p:nvPr>
+        </p:nvSpPr>
+        <p:spPr>
+          <a:xfrm>
+            <a:off x="685800" y="1143000"/>
+            <a:ext cx="5486400" cy="3086100"/>
+          </a:xfrm>
+        </p:spPr>
+      </p:sp>
+      <p:sp>
+        <p:nvSpPr>
+          <p:cNvPr id="3" name="Notes Placeholder 2"/>
+          <p:cNvSpPr>
+            <a:spLocks noGrp="1"/>
+          </p:cNvSpPr>
+          <p:nvPr>
+            <p:ph type="body" idx="1"/>
+          </p:nvPr>
+        </p:nvSpPr>
+        <p:spPr/>
+        <p:txBody>
+          <a:bodyPr/>
+          <a:lstStyle/>
+          <a:p>
+            <a:r>
+              <a:rPr lang="en-US" dirty="0" smtClean="0"/>
+              <a:t>Microsoft</a:t>
+            </a:r>
+            <a:r>
+              <a:rPr lang="en-US" baseline="0" dirty="0" smtClean="0"/>
+              <a:t> notification hub</a:t>
+            </a:r>
+            <a:endParaRPr lang="vi-VN" dirty="0"/>
+          </a:p>
+        </p:txBody>
+      </p:sp>
+      <p:sp>
+        <p:nvSpPr>
+          <p:cNvPr id="4" name="Slide Number Placeholder 3"/>
+          <p:cNvSpPr>
+            <a:spLocks noGrp="1"/>
+          </p:cNvSpPr>
+          <p:nvPr>
+            <p:ph type="sldNum" sz="quarter" idx="10"/>
+          </p:nvPr>
+        </p:nvSpPr>
+        <p:spPr/>
+        <p:txBody>
+          <a:bodyPr/>
+          <a:lstStyle/>
+          <a:p>
+            <a:fld id="{38B150A1-AA66-4684-B8AD-AE91AB8F011A}" type="slidenum">
+              <a:rPr lang="vi-VN" smtClean="0"/>
+              <a:t>6</a:t>
+            </a:fld>
+            <a:endParaRPr lang="vi-VN"/>
+          </a:p>
+        </p:txBody>
+      </p:sp>
+    </p:spTree>
+    <p:extLst>
+      <p:ext uri="{BB962C8B-B14F-4D97-AF65-F5344CB8AC3E}">
+        <p14:creationId xmlns:p14="http://schemas.microsoft.com/office/powerpoint/2010/main" val="3504881014"/>
+      </p:ext>
+    </p:extLst>
+  </p:cSld>
+  <p:clrMapOvr>
+    <a:masterClrMapping/>
+  </p:clrMapOvr>
+</p:notes>
+</file>
+
+<file path=ppt/notesSlides/notesSlide4.xml><?xml version="1.0" encoding="utf-8"?>
+<p:notes xmlns:a="http://schemas.openxmlformats.org/drawingml/2006/main" xmlns:r="http://schemas.openxmlformats.org/officeDocument/2006/relationships" xmlns:p="http://schemas.openxmlformats.org/presentationml/2006/main">
+  <p:cSld>
+    <p:spTree>
+      <p:nvGrpSpPr>
+        <p:cNvPr id="1" name=""/>
+        <p:cNvGrpSpPr/>
+        <p:nvPr/>
+      </p:nvGrpSpPr>
+      <p:grpSpPr>
+        <a:xfrm>
+          <a:off x="0" y="0"/>
+          <a:ext cx="0" cy="0"/>
+          <a:chOff x="0" y="0"/>
+          <a:chExt cx="0" cy="0"/>
+        </a:xfrm>
+      </p:grpSpPr>
+      <p:sp>
+        <p:nvSpPr>
+          <p:cNvPr id="2" name="Slide Image Placeholder 1"/>
+          <p:cNvSpPr>
+            <a:spLocks noGrp="1" noRot="1" noChangeAspect="1"/>
+          </p:cNvSpPr>
+          <p:nvPr>
+            <p:ph type="sldImg"/>
+          </p:nvPr>
+        </p:nvSpPr>
+        <p:spPr>
+          <a:xfrm>
+            <a:off x="685800" y="1143000"/>
+            <a:ext cx="5486400" cy="3086100"/>
+          </a:xfrm>
+        </p:spPr>
+      </p:sp>
+      <p:sp>
+        <p:nvSpPr>
+          <p:cNvPr id="3" name="Notes Placeholder 2"/>
+          <p:cNvSpPr>
+            <a:spLocks noGrp="1"/>
+          </p:cNvSpPr>
+          <p:nvPr>
+            <p:ph type="body" idx="1"/>
+          </p:nvPr>
+        </p:nvSpPr>
+        <p:spPr/>
+        <p:txBody>
+          <a:bodyPr/>
+          <a:lstStyle/>
+          <a:p>
+            <a:r>
+              <a:rPr lang="en-US" dirty="0" smtClean="0"/>
+              <a:t>Microsoft</a:t>
+            </a:r>
+            <a:r>
+              <a:rPr lang="en-US" baseline="0" dirty="0" smtClean="0"/>
+              <a:t> notification hub</a:t>
+            </a:r>
+            <a:endParaRPr lang="vi-VN" dirty="0"/>
+          </a:p>
+        </p:txBody>
+      </p:sp>
+      <p:sp>
+        <p:nvSpPr>
+          <p:cNvPr id="4" name="Slide Number Placeholder 3"/>
+          <p:cNvSpPr>
+            <a:spLocks noGrp="1"/>
+          </p:cNvSpPr>
+          <p:nvPr>
+            <p:ph type="sldNum" sz="quarter" idx="10"/>
+          </p:nvPr>
+        </p:nvSpPr>
+        <p:spPr/>
+        <p:txBody>
+          <a:bodyPr/>
+          <a:lstStyle/>
+          <a:p>
+            <a:fld id="{38B150A1-AA66-4684-B8AD-AE91AB8F011A}" type="slidenum">
+              <a:rPr lang="vi-VN" smtClean="0"/>
+              <a:t>7</a:t>
             </a:fld>
             <a:endParaRPr lang="vi-VN"/>
           </a:p>
@@ -691,8 +897,8 @@
         </p:nvSpPr>
         <p:spPr>
           <a:xfrm>
-            <a:off x="685800" y="1122363"/>
-            <a:ext cx="7772400" cy="2387600"/>
+            <a:off x="1524000" y="1122363"/>
+            <a:ext cx="9144000" cy="2387600"/>
           </a:xfrm>
         </p:spPr>
         <p:txBody>
@@ -723,8 +929,8 @@
         </p:nvSpPr>
         <p:spPr>
           <a:xfrm>
-            <a:off x="1143000" y="3602038"/>
-            <a:ext cx="6858000" cy="1655762"/>
+            <a:off x="1524000" y="3602038"/>
+            <a:ext cx="9144000" cy="1655762"/>
           </a:xfrm>
         </p:spPr>
         <p:txBody>
@@ -793,7 +999,7 @@
           <a:p>
             <a:fld id="{06A0E094-5B08-4F19-B0B0-791FE6D14E05}" type="datetimeFigureOut">
               <a:rPr lang="vi-VN" smtClean="0"/>
-              <a:t>09/08/2016</a:t>
+              <a:t>11/08/2016</a:t>
             </a:fld>
             <a:endParaRPr lang="vi-VN"/>
           </a:p>
@@ -844,7 +1050,7 @@
     </p:spTree>
     <p:extLst>
       <p:ext uri="{BB962C8B-B14F-4D97-AF65-F5344CB8AC3E}">
-        <p14:creationId xmlns:p14="http://schemas.microsoft.com/office/powerpoint/2010/main" val="807795398"/>
+        <p14:creationId xmlns:p14="http://schemas.microsoft.com/office/powerpoint/2010/main" val="2149420124"/>
       </p:ext>
     </p:extLst>
   </p:cSld>
@@ -963,7 +1169,7 @@
           <a:p>
             <a:fld id="{06A0E094-5B08-4F19-B0B0-791FE6D14E05}" type="datetimeFigureOut">
               <a:rPr lang="vi-VN" smtClean="0"/>
-              <a:t>09/08/2016</a:t>
+              <a:t>11/08/2016</a:t>
             </a:fld>
             <a:endParaRPr lang="vi-VN"/>
           </a:p>
@@ -1014,7 +1220,7 @@
     </p:spTree>
     <p:extLst>
       <p:ext uri="{BB962C8B-B14F-4D97-AF65-F5344CB8AC3E}">
-        <p14:creationId xmlns:p14="http://schemas.microsoft.com/office/powerpoint/2010/main" val="433799983"/>
+        <p14:creationId xmlns:p14="http://schemas.microsoft.com/office/powerpoint/2010/main" val="3586242646"/>
       </p:ext>
     </p:extLst>
   </p:cSld>
@@ -1053,8 +1259,8 @@
         </p:nvSpPr>
         <p:spPr>
           <a:xfrm>
-            <a:off x="6543675" y="365125"/>
-            <a:ext cx="1971675" cy="5811838"/>
+            <a:off x="8724900" y="365125"/>
+            <a:ext cx="2628900" cy="5811838"/>
           </a:xfrm>
         </p:spPr>
         <p:txBody>
@@ -1081,8 +1287,8 @@
         </p:nvSpPr>
         <p:spPr>
           <a:xfrm>
-            <a:off x="628650" y="365125"/>
-            <a:ext cx="5800725" cy="5811838"/>
+            <a:off x="838200" y="365125"/>
+            <a:ext cx="7734300" cy="5811838"/>
           </a:xfrm>
         </p:spPr>
         <p:txBody>
@@ -1143,7 +1349,7 @@
           <a:p>
             <a:fld id="{06A0E094-5B08-4F19-B0B0-791FE6D14E05}" type="datetimeFigureOut">
               <a:rPr lang="vi-VN" smtClean="0"/>
-              <a:t>09/08/2016</a:t>
+              <a:t>11/08/2016</a:t>
             </a:fld>
             <a:endParaRPr lang="vi-VN"/>
           </a:p>
@@ -1194,7 +1400,7 @@
     </p:spTree>
     <p:extLst>
       <p:ext uri="{BB962C8B-B14F-4D97-AF65-F5344CB8AC3E}">
-        <p14:creationId xmlns:p14="http://schemas.microsoft.com/office/powerpoint/2010/main" val="2753213175"/>
+        <p14:creationId xmlns:p14="http://schemas.microsoft.com/office/powerpoint/2010/main" val="3999105609"/>
       </p:ext>
     </p:extLst>
   </p:cSld>
@@ -1234,17 +1440,10 @@
         <p:spPr/>
         <p:txBody>
           <a:bodyPr/>
-          <a:lstStyle>
-            <a:lvl1pPr>
-              <a:defRPr>
-                <a:latin typeface="Segoe UI Light" panose="020B0502040204020203" pitchFamily="34" charset="0"/>
-                <a:cs typeface="Segoe UI Light" panose="020B0502040204020203" pitchFamily="34" charset="0"/>
-              </a:defRPr>
-            </a:lvl1pPr>
-          </a:lstStyle>
-          <a:p>
-            <a:r>
-              <a:rPr lang="en-US" dirty="0" smtClean="0"/>
+          <a:lstStyle/>
+          <a:p>
+            <a:r>
+              <a:rPr lang="en-US" smtClean="0"/>
               <a:t>Click to edit Master title style</a:t>
             </a:r>
             <a:endParaRPr lang="en-US" dirty="0"/>
@@ -1264,70 +1463,39 @@
         <p:spPr/>
         <p:txBody>
           <a:bodyPr/>
-          <a:lstStyle>
-            <a:lvl1pPr>
-              <a:defRPr>
-                <a:latin typeface="Segoe UI" panose="020B0502040204020203" pitchFamily="34" charset="0"/>
-                <a:cs typeface="Segoe UI" panose="020B0502040204020203" pitchFamily="34" charset="0"/>
-              </a:defRPr>
-            </a:lvl1pPr>
-            <a:lvl2pPr>
-              <a:defRPr>
-                <a:latin typeface="Segoe UI" panose="020B0502040204020203" pitchFamily="34" charset="0"/>
-                <a:cs typeface="Segoe UI" panose="020B0502040204020203" pitchFamily="34" charset="0"/>
-              </a:defRPr>
-            </a:lvl2pPr>
-            <a:lvl3pPr>
-              <a:defRPr>
-                <a:latin typeface="Segoe UI" panose="020B0502040204020203" pitchFamily="34" charset="0"/>
-                <a:cs typeface="Segoe UI" panose="020B0502040204020203" pitchFamily="34" charset="0"/>
-              </a:defRPr>
-            </a:lvl3pPr>
-            <a:lvl4pPr>
-              <a:defRPr>
-                <a:latin typeface="Segoe UI" panose="020B0502040204020203" pitchFamily="34" charset="0"/>
-                <a:cs typeface="Segoe UI" panose="020B0502040204020203" pitchFamily="34" charset="0"/>
-              </a:defRPr>
-            </a:lvl4pPr>
-            <a:lvl5pPr>
-              <a:defRPr>
-                <a:latin typeface="Segoe UI" panose="020B0502040204020203" pitchFamily="34" charset="0"/>
-                <a:cs typeface="Segoe UI" panose="020B0502040204020203" pitchFamily="34" charset="0"/>
-              </a:defRPr>
-            </a:lvl5pPr>
-          </a:lstStyle>
+          <a:lstStyle/>
           <a:p>
             <a:pPr lvl="0"/>
             <a:r>
-              <a:rPr lang="en-US" dirty="0" smtClean="0"/>
+              <a:rPr lang="en-US" smtClean="0"/>
               <a:t>Edit Master text styles</a:t>
             </a:r>
           </a:p>
           <a:p>
             <a:pPr lvl="1"/>
             <a:r>
-              <a:rPr lang="en-US" dirty="0" smtClean="0"/>
+              <a:rPr lang="en-US" smtClean="0"/>
               <a:t>Second level</a:t>
             </a:r>
           </a:p>
           <a:p>
             <a:pPr lvl="2"/>
             <a:r>
-              <a:rPr lang="en-US" dirty="0" smtClean="0"/>
+              <a:rPr lang="en-US" smtClean="0"/>
               <a:t>Third level</a:t>
             </a:r>
           </a:p>
           <a:p>
             <a:pPr lvl="3"/>
             <a:r>
-              <a:rPr lang="en-US" dirty="0" smtClean="0"/>
+              <a:rPr lang="en-US" smtClean="0"/>
               <a:t>Fourth level</a:t>
             </a:r>
           </a:p>
           <a:p>
             <a:pPr lvl="4"/>
             <a:r>
-              <a:rPr lang="en-US" dirty="0" smtClean="0"/>
+              <a:rPr lang="en-US" smtClean="0"/>
               <a:t>Fifth level</a:t>
             </a:r>
             <a:endParaRPr lang="en-US" dirty="0"/>
@@ -1351,7 +1519,7 @@
           <a:p>
             <a:fld id="{06A0E094-5B08-4F19-B0B0-791FE6D14E05}" type="datetimeFigureOut">
               <a:rPr lang="vi-VN" smtClean="0"/>
-              <a:t>09/08/2016</a:t>
+              <a:t>11/08/2016</a:t>
             </a:fld>
             <a:endParaRPr lang="vi-VN"/>
           </a:p>
@@ -1402,7 +1570,7 @@
     </p:spTree>
     <p:extLst>
       <p:ext uri="{BB962C8B-B14F-4D97-AF65-F5344CB8AC3E}">
-        <p14:creationId xmlns:p14="http://schemas.microsoft.com/office/powerpoint/2010/main" val="2134790170"/>
+        <p14:creationId xmlns:p14="http://schemas.microsoft.com/office/powerpoint/2010/main" val="2266326736"/>
       </p:ext>
     </p:extLst>
   </p:cSld>
@@ -1441,8 +1609,8 @@
         </p:nvSpPr>
         <p:spPr>
           <a:xfrm>
-            <a:off x="623888" y="1709739"/>
-            <a:ext cx="7886700" cy="2852737"/>
+            <a:off x="831850" y="1709738"/>
+            <a:ext cx="10515600" cy="2852737"/>
           </a:xfrm>
         </p:spPr>
         <p:txBody>
@@ -1473,8 +1641,8 @@
         </p:nvSpPr>
         <p:spPr>
           <a:xfrm>
-            <a:off x="623888" y="4589464"/>
-            <a:ext cx="7886700" cy="1500187"/>
+            <a:off x="831850" y="4589463"/>
+            <a:ext cx="10515600" cy="1500187"/>
           </a:xfrm>
         </p:spPr>
         <p:txBody>
@@ -1484,7 +1652,9 @@
               <a:buNone/>
               <a:defRPr sz="2400">
                 <a:solidFill>
-                  <a:schemeClr val="tx1"/>
+                  <a:schemeClr val="tx1">
+                    <a:tint val="75000"/>
+                  </a:schemeClr>
                 </a:solidFill>
               </a:defRPr>
             </a:lvl1pPr>
@@ -1595,7 +1765,7 @@
           <a:p>
             <a:fld id="{06A0E094-5B08-4F19-B0B0-791FE6D14E05}" type="datetimeFigureOut">
               <a:rPr lang="vi-VN" smtClean="0"/>
-              <a:t>09/08/2016</a:t>
+              <a:t>11/08/2016</a:t>
             </a:fld>
             <a:endParaRPr lang="vi-VN"/>
           </a:p>
@@ -1646,7 +1816,7 @@
     </p:spTree>
     <p:extLst>
       <p:ext uri="{BB962C8B-B14F-4D97-AF65-F5344CB8AC3E}">
-        <p14:creationId xmlns:p14="http://schemas.microsoft.com/office/powerpoint/2010/main" val="2957328479"/>
+        <p14:creationId xmlns:p14="http://schemas.microsoft.com/office/powerpoint/2010/main" val="164424166"/>
       </p:ext>
     </p:extLst>
   </p:cSld>
@@ -1708,8 +1878,8 @@
         </p:nvSpPr>
         <p:spPr>
           <a:xfrm>
-            <a:off x="628650" y="1825625"/>
-            <a:ext cx="3886200" cy="4351338"/>
+            <a:off x="838200" y="1825625"/>
+            <a:ext cx="5181600" cy="4351338"/>
           </a:xfrm>
         </p:spPr>
         <p:txBody>
@@ -1765,8 +1935,8 @@
         </p:nvSpPr>
         <p:spPr>
           <a:xfrm>
-            <a:off x="4629150" y="1825625"/>
-            <a:ext cx="3886200" cy="4351338"/>
+            <a:off x="6172200" y="1825625"/>
+            <a:ext cx="5181600" cy="4351338"/>
           </a:xfrm>
         </p:spPr>
         <p:txBody>
@@ -1827,7 +1997,7 @@
           <a:p>
             <a:fld id="{06A0E094-5B08-4F19-B0B0-791FE6D14E05}" type="datetimeFigureOut">
               <a:rPr lang="vi-VN" smtClean="0"/>
-              <a:t>09/08/2016</a:t>
+              <a:t>11/08/2016</a:t>
             </a:fld>
             <a:endParaRPr lang="vi-VN"/>
           </a:p>
@@ -1878,7 +2048,7 @@
     </p:spTree>
     <p:extLst>
       <p:ext uri="{BB962C8B-B14F-4D97-AF65-F5344CB8AC3E}">
-        <p14:creationId xmlns:p14="http://schemas.microsoft.com/office/powerpoint/2010/main" val="2983340477"/>
+        <p14:creationId xmlns:p14="http://schemas.microsoft.com/office/powerpoint/2010/main" val="2863015795"/>
       </p:ext>
     </p:extLst>
   </p:cSld>
@@ -1917,8 +2087,8 @@
         </p:nvSpPr>
         <p:spPr>
           <a:xfrm>
-            <a:off x="629841" y="365126"/>
-            <a:ext cx="7886700" cy="1325563"/>
+            <a:off x="839788" y="365125"/>
+            <a:ext cx="10515600" cy="1325563"/>
           </a:xfrm>
         </p:spPr>
         <p:txBody>
@@ -1945,8 +2115,8 @@
         </p:nvSpPr>
         <p:spPr>
           <a:xfrm>
-            <a:off x="629842" y="1681163"/>
-            <a:ext cx="3868340" cy="823912"/>
+            <a:off x="839788" y="1681163"/>
+            <a:ext cx="5157787" cy="823912"/>
           </a:xfrm>
         </p:spPr>
         <p:txBody>
@@ -2010,8 +2180,8 @@
         </p:nvSpPr>
         <p:spPr>
           <a:xfrm>
-            <a:off x="629842" y="2505075"/>
-            <a:ext cx="3868340" cy="3684588"/>
+            <a:off x="839788" y="2505075"/>
+            <a:ext cx="5157787" cy="3684588"/>
           </a:xfrm>
         </p:spPr>
         <p:txBody>
@@ -2067,8 +2237,8 @@
         </p:nvSpPr>
         <p:spPr>
           <a:xfrm>
-            <a:off x="4629150" y="1681163"/>
-            <a:ext cx="3887391" cy="823912"/>
+            <a:off x="6172200" y="1681163"/>
+            <a:ext cx="5183188" cy="823912"/>
           </a:xfrm>
         </p:spPr>
         <p:txBody>
@@ -2132,8 +2302,8 @@
         </p:nvSpPr>
         <p:spPr>
           <a:xfrm>
-            <a:off x="4629150" y="2505075"/>
-            <a:ext cx="3887391" cy="3684588"/>
+            <a:off x="6172200" y="2505075"/>
+            <a:ext cx="5183188" cy="3684588"/>
           </a:xfrm>
         </p:spPr>
         <p:txBody>
@@ -2194,7 +2364,7 @@
           <a:p>
             <a:fld id="{06A0E094-5B08-4F19-B0B0-791FE6D14E05}" type="datetimeFigureOut">
               <a:rPr lang="vi-VN" smtClean="0"/>
-              <a:t>09/08/2016</a:t>
+              <a:t>11/08/2016</a:t>
             </a:fld>
             <a:endParaRPr lang="vi-VN"/>
           </a:p>
@@ -2245,7 +2415,7 @@
     </p:spTree>
     <p:extLst>
       <p:ext uri="{BB962C8B-B14F-4D97-AF65-F5344CB8AC3E}">
-        <p14:creationId xmlns:p14="http://schemas.microsoft.com/office/powerpoint/2010/main" val="660566156"/>
+        <p14:creationId xmlns:p14="http://schemas.microsoft.com/office/powerpoint/2010/main" val="2495274269"/>
       </p:ext>
     </p:extLst>
   </p:cSld>
@@ -2312,7 +2482,7 @@
           <a:p>
             <a:fld id="{06A0E094-5B08-4F19-B0B0-791FE6D14E05}" type="datetimeFigureOut">
               <a:rPr lang="vi-VN" smtClean="0"/>
-              <a:t>09/08/2016</a:t>
+              <a:t>11/08/2016</a:t>
             </a:fld>
             <a:endParaRPr lang="vi-VN"/>
           </a:p>
@@ -2363,7 +2533,7 @@
     </p:spTree>
     <p:extLst>
       <p:ext uri="{BB962C8B-B14F-4D97-AF65-F5344CB8AC3E}">
-        <p14:creationId xmlns:p14="http://schemas.microsoft.com/office/powerpoint/2010/main" val="1303893313"/>
+        <p14:creationId xmlns:p14="http://schemas.microsoft.com/office/powerpoint/2010/main" val="2450288030"/>
       </p:ext>
     </p:extLst>
   </p:cSld>
@@ -2407,7 +2577,7 @@
           <a:p>
             <a:fld id="{06A0E094-5B08-4F19-B0B0-791FE6D14E05}" type="datetimeFigureOut">
               <a:rPr lang="vi-VN" smtClean="0"/>
-              <a:t>09/08/2016</a:t>
+              <a:t>11/08/2016</a:t>
             </a:fld>
             <a:endParaRPr lang="vi-VN"/>
           </a:p>
@@ -2458,7 +2628,7 @@
     </p:spTree>
     <p:extLst>
       <p:ext uri="{BB962C8B-B14F-4D97-AF65-F5344CB8AC3E}">
-        <p14:creationId xmlns:p14="http://schemas.microsoft.com/office/powerpoint/2010/main" val="428723553"/>
+        <p14:creationId xmlns:p14="http://schemas.microsoft.com/office/powerpoint/2010/main" val="3835581082"/>
       </p:ext>
     </p:extLst>
   </p:cSld>
@@ -2497,8 +2667,8 @@
         </p:nvSpPr>
         <p:spPr>
           <a:xfrm>
-            <a:off x="629841" y="457200"/>
-            <a:ext cx="2949178" cy="1600200"/>
+            <a:off x="839788" y="457200"/>
+            <a:ext cx="3932237" cy="1600200"/>
           </a:xfrm>
         </p:spPr>
         <p:txBody>
@@ -2529,8 +2699,8 @@
         </p:nvSpPr>
         <p:spPr>
           <a:xfrm>
-            <a:off x="3887391" y="987426"/>
-            <a:ext cx="4629150" cy="4873625"/>
+            <a:off x="5183188" y="987425"/>
+            <a:ext cx="6172200" cy="4873625"/>
           </a:xfrm>
         </p:spPr>
         <p:txBody>
@@ -2614,8 +2784,8 @@
         </p:nvSpPr>
         <p:spPr>
           <a:xfrm>
-            <a:off x="629841" y="2057400"/>
-            <a:ext cx="2949178" cy="3811588"/>
+            <a:off x="839788" y="2057400"/>
+            <a:ext cx="3932237" cy="3811588"/>
           </a:xfrm>
         </p:spPr>
         <p:txBody>
@@ -2684,7 +2854,7 @@
           <a:p>
             <a:fld id="{06A0E094-5B08-4F19-B0B0-791FE6D14E05}" type="datetimeFigureOut">
               <a:rPr lang="vi-VN" smtClean="0"/>
-              <a:t>09/08/2016</a:t>
+              <a:t>11/08/2016</a:t>
             </a:fld>
             <a:endParaRPr lang="vi-VN"/>
           </a:p>
@@ -2735,7 +2905,7 @@
     </p:spTree>
     <p:extLst>
       <p:ext uri="{BB962C8B-B14F-4D97-AF65-F5344CB8AC3E}">
-        <p14:creationId xmlns:p14="http://schemas.microsoft.com/office/powerpoint/2010/main" val="2435084521"/>
+        <p14:creationId xmlns:p14="http://schemas.microsoft.com/office/powerpoint/2010/main" val="3017978168"/>
       </p:ext>
     </p:extLst>
   </p:cSld>
@@ -2774,8 +2944,8 @@
         </p:nvSpPr>
         <p:spPr>
           <a:xfrm>
-            <a:off x="629841" y="457200"/>
-            <a:ext cx="2949178" cy="1600200"/>
+            <a:off x="839788" y="457200"/>
+            <a:ext cx="3932237" cy="1600200"/>
           </a:xfrm>
         </p:spPr>
         <p:txBody>
@@ -2806,8 +2976,8 @@
         </p:nvSpPr>
         <p:spPr>
           <a:xfrm>
-            <a:off x="3887391" y="987426"/>
-            <a:ext cx="4629150" cy="4873625"/>
+            <a:off x="5183188" y="987425"/>
+            <a:ext cx="6172200" cy="4873625"/>
           </a:xfrm>
         </p:spPr>
         <p:txBody>
@@ -2852,7 +3022,7 @@
           </a:lstStyle>
           <a:p>
             <a:r>
-              <a:rPr lang="en-US" dirty="0" smtClean="0"/>
+              <a:rPr lang="en-US" smtClean="0"/>
               <a:t>Click icon to add picture</a:t>
             </a:r>
             <a:endParaRPr lang="en-US" dirty="0"/>
@@ -2871,8 +3041,8 @@
         </p:nvSpPr>
         <p:spPr>
           <a:xfrm>
-            <a:off x="629841" y="2057400"/>
-            <a:ext cx="2949178" cy="3811588"/>
+            <a:off x="839788" y="2057400"/>
+            <a:ext cx="3932237" cy="3811588"/>
           </a:xfrm>
         </p:spPr>
         <p:txBody>
@@ -2941,7 +3111,7 @@
           <a:p>
             <a:fld id="{06A0E094-5B08-4F19-B0B0-791FE6D14E05}" type="datetimeFigureOut">
               <a:rPr lang="vi-VN" smtClean="0"/>
-              <a:t>09/08/2016</a:t>
+              <a:t>11/08/2016</a:t>
             </a:fld>
             <a:endParaRPr lang="vi-VN"/>
           </a:p>
@@ -2992,7 +3162,7 @@
     </p:spTree>
     <p:extLst>
       <p:ext uri="{BB962C8B-B14F-4D97-AF65-F5344CB8AC3E}">
-        <p14:creationId xmlns:p14="http://schemas.microsoft.com/office/powerpoint/2010/main" val="2851849923"/>
+        <p14:creationId xmlns:p14="http://schemas.microsoft.com/office/powerpoint/2010/main" val="590757386"/>
       </p:ext>
     </p:extLst>
   </p:cSld>
@@ -3036,8 +3206,8 @@
         </p:nvSpPr>
         <p:spPr>
           <a:xfrm>
-            <a:off x="628650" y="365126"/>
-            <a:ext cx="7886700" cy="1325563"/>
+            <a:off x="838200" y="365125"/>
+            <a:ext cx="10515600" cy="1325563"/>
           </a:xfrm>
           <a:prstGeom prst="rect">
             <a:avLst/>
@@ -3069,8 +3239,8 @@
         </p:nvSpPr>
         <p:spPr>
           <a:xfrm>
-            <a:off x="628650" y="1825625"/>
-            <a:ext cx="7886700" cy="4351338"/>
+            <a:off x="838200" y="1825625"/>
+            <a:ext cx="10515600" cy="4351338"/>
           </a:xfrm>
           <a:prstGeom prst="rect">
             <a:avLst/>
@@ -3131,8 +3301,8 @@
         </p:nvSpPr>
         <p:spPr>
           <a:xfrm>
-            <a:off x="628650" y="6356351"/>
-            <a:ext cx="2057400" cy="365125"/>
+            <a:off x="838200" y="6356350"/>
+            <a:ext cx="2743200" cy="365125"/>
           </a:xfrm>
           <a:prstGeom prst="rect">
             <a:avLst/>
@@ -3154,7 +3324,7 @@
           <a:p>
             <a:fld id="{06A0E094-5B08-4F19-B0B0-791FE6D14E05}" type="datetimeFigureOut">
               <a:rPr lang="vi-VN" smtClean="0"/>
-              <a:t>09/08/2016</a:t>
+              <a:t>11/08/2016</a:t>
             </a:fld>
             <a:endParaRPr lang="vi-VN"/>
           </a:p>
@@ -3172,8 +3342,8 @@
         </p:nvSpPr>
         <p:spPr>
           <a:xfrm>
-            <a:off x="3028950" y="6356351"/>
-            <a:ext cx="3086100" cy="365125"/>
+            <a:off x="4038600" y="6356350"/>
+            <a:ext cx="4114800" cy="365125"/>
           </a:xfrm>
           <a:prstGeom prst="rect">
             <a:avLst/>
@@ -3209,8 +3379,8 @@
         </p:nvSpPr>
         <p:spPr>
           <a:xfrm>
-            <a:off x="6457950" y="6356351"/>
-            <a:ext cx="2057400" cy="365125"/>
+            <a:off x="8610600" y="6356350"/>
+            <a:ext cx="2743200" cy="365125"/>
           </a:xfrm>
           <a:prstGeom prst="rect">
             <a:avLst/>
@@ -3241,23 +3411,23 @@
     </p:spTree>
     <p:extLst>
       <p:ext uri="{BB962C8B-B14F-4D97-AF65-F5344CB8AC3E}">
-        <p14:creationId xmlns:p14="http://schemas.microsoft.com/office/powerpoint/2010/main" val="775755317"/>
+        <p14:creationId xmlns:p14="http://schemas.microsoft.com/office/powerpoint/2010/main" val="4064365863"/>
       </p:ext>
     </p:extLst>
   </p:cSld>
   <p:clrMap bg1="lt1" tx1="dk1" bg2="lt2" tx2="dk2" accent1="accent1" accent2="accent2" accent3="accent3" accent4="accent4" accent5="accent5" accent6="accent6" hlink="hlink" folHlink="folHlink"/>
   <p:sldLayoutIdLst>
-    <p:sldLayoutId id="2147483661" r:id="rId1"/>
-    <p:sldLayoutId id="2147483662" r:id="rId2"/>
-    <p:sldLayoutId id="2147483663" r:id="rId3"/>
-    <p:sldLayoutId id="2147483664" r:id="rId4"/>
-    <p:sldLayoutId id="2147483665" r:id="rId5"/>
-    <p:sldLayoutId id="2147483666" r:id="rId6"/>
-    <p:sldLayoutId id="2147483667" r:id="rId7"/>
-    <p:sldLayoutId id="2147483668" r:id="rId8"/>
-    <p:sldLayoutId id="2147483669" r:id="rId9"/>
-    <p:sldLayoutId id="2147483670" r:id="rId10"/>
-    <p:sldLayoutId id="2147483671" r:id="rId11"/>
+    <p:sldLayoutId id="2147483673" r:id="rId1"/>
+    <p:sldLayoutId id="2147483674" r:id="rId2"/>
+    <p:sldLayoutId id="2147483675" r:id="rId3"/>
+    <p:sldLayoutId id="2147483676" r:id="rId4"/>
+    <p:sldLayoutId id="2147483677" r:id="rId5"/>
+    <p:sldLayoutId id="2147483678" r:id="rId6"/>
+    <p:sldLayoutId id="2147483679" r:id="rId7"/>
+    <p:sldLayoutId id="2147483680" r:id="rId8"/>
+    <p:sldLayoutId id="2147483681" r:id="rId9"/>
+    <p:sldLayoutId id="2147483682" r:id="rId10"/>
+    <p:sldLayoutId id="2147483683" r:id="rId11"/>
   </p:sldLayoutIdLst>
   <p:txStyles>
     <p:titleStyle>
@@ -3567,7 +3737,7 @@
         </p:nvSpPr>
         <p:spPr>
           <a:xfrm>
-            <a:off x="1590173" y="2680002"/>
+            <a:off x="3114174" y="2680003"/>
             <a:ext cx="4261757" cy="1419619"/>
           </a:xfrm>
           <a:prstGeom prst="rect">
@@ -3630,7 +3800,7 @@
         </p:blipFill>
         <p:spPr>
           <a:xfrm>
-            <a:off x="6757108" y="6151050"/>
+            <a:off x="8281108" y="6151050"/>
             <a:ext cx="436230" cy="436230"/>
           </a:xfrm>
           <a:prstGeom prst="rect">
@@ -3646,7 +3816,7 @@
         </p:nvSpPr>
         <p:spPr>
           <a:xfrm>
-            <a:off x="7193338" y="6319732"/>
+            <a:off x="8717339" y="6319732"/>
             <a:ext cx="2101515" cy="300082"/>
           </a:xfrm>
           <a:prstGeom prst="rect">
@@ -3682,7 +3852,7 @@
         </p:nvSpPr>
         <p:spPr>
           <a:xfrm>
-            <a:off x="248652" y="5855657"/>
+            <a:off x="1772653" y="5855658"/>
             <a:ext cx="2683043" cy="715581"/>
           </a:xfrm>
           <a:prstGeom prst="rect">
@@ -3706,7 +3876,7 @@
           </a:p>
           <a:p>
             <a:r>
-              <a:rPr lang="en-US" sz="1350" dirty="0" smtClean="0">
+              <a:rPr lang="en-US" sz="1350" dirty="0">
                 <a:latin typeface="Segoe UI" panose="020B0502040204020203" pitchFamily="34" charset="0"/>
                 <a:cs typeface="Segoe UI" panose="020B0502040204020203" pitchFamily="34" charset="0"/>
               </a:rPr>
@@ -3757,7 +3927,7 @@
         </p:blipFill>
         <p:spPr>
           <a:xfrm>
-            <a:off x="3100595" y="1681261"/>
+            <a:off x="4624595" y="1681261"/>
             <a:ext cx="5143500" cy="1828800"/>
           </a:xfrm>
           <a:prstGeom prst="rect">
@@ -3773,7 +3943,7 @@
         </p:nvCxnSpPr>
         <p:spPr>
           <a:xfrm flipV="1">
-            <a:off x="1711601" y="4105131"/>
+            <a:off x="3235601" y="4105132"/>
             <a:ext cx="6687816" cy="39341"/>
           </a:xfrm>
           <a:prstGeom prst="line">
@@ -3816,7 +3986,7 @@
         </p:nvSpPr>
         <p:spPr>
           <a:xfrm>
-            <a:off x="2196833" y="3051604"/>
+            <a:off x="3720833" y="3051605"/>
             <a:ext cx="260158" cy="361503"/>
           </a:xfrm>
           <a:custGeom>
@@ -3945,6 +4115,761 @@
 <file path=ppt/slides/slide10.xml><?xml version="1.0" encoding="utf-8"?>
 <p:sld xmlns:a="http://schemas.openxmlformats.org/drawingml/2006/main" xmlns:r="http://schemas.openxmlformats.org/officeDocument/2006/relationships" xmlns:p="http://schemas.openxmlformats.org/presentationml/2006/main">
   <p:cSld>
+    <p:spTree>
+      <p:nvGrpSpPr>
+        <p:cNvPr id="1" name=""/>
+        <p:cNvGrpSpPr/>
+        <p:nvPr/>
+      </p:nvGrpSpPr>
+      <p:grpSpPr>
+        <a:xfrm>
+          <a:off x="0" y="0"/>
+          <a:ext cx="0" cy="0"/>
+          <a:chOff x="0" y="0"/>
+          <a:chExt cx="0" cy="0"/>
+        </a:xfrm>
+      </p:grpSpPr>
+      <p:sp>
+        <p:nvSpPr>
+          <p:cNvPr id="4" name="Title 3"/>
+          <p:cNvSpPr>
+            <a:spLocks noGrp="1"/>
+          </p:cNvSpPr>
+          <p:nvPr>
+            <p:ph type="title"/>
+          </p:nvPr>
+        </p:nvSpPr>
+        <p:spPr/>
+        <p:txBody>
+          <a:bodyPr/>
+          <a:lstStyle/>
+          <a:p>
+            <a:r>
+              <a:rPr lang="en-US" dirty="0" smtClean="0"/>
+              <a:t>Demo</a:t>
+            </a:r>
+            <a:endParaRPr lang="vi-VN" dirty="0"/>
+          </a:p>
+        </p:txBody>
+      </p:sp>
+      <p:cxnSp>
+        <p:nvCxnSpPr>
+          <p:cNvPr id="6" name="Straight Connector 5"/>
+          <p:cNvCxnSpPr/>
+          <p:nvPr/>
+        </p:nvCxnSpPr>
+        <p:spPr>
+          <a:xfrm flipV="1">
+            <a:off x="1232223" y="4505312"/>
+            <a:ext cx="9718031" cy="57165"/>
+          </a:xfrm>
+          <a:prstGeom prst="line">
+            <a:avLst/>
+          </a:prstGeom>
+          <a:ln w="47625">
+            <a:solidFill>
+              <a:schemeClr val="accent1">
+                <a:lumMod val="75000"/>
+              </a:schemeClr>
+            </a:solidFill>
+          </a:ln>
+          <a:effectLst>
+            <a:innerShdw blurRad="114300">
+              <a:prstClr val="black"/>
+            </a:innerShdw>
+            <a:softEdge rad="0"/>
+          </a:effectLst>
+        </p:spPr>
+        <p:style>
+          <a:lnRef idx="1">
+            <a:schemeClr val="accent1"/>
+          </a:lnRef>
+          <a:fillRef idx="0">
+            <a:schemeClr val="accent1"/>
+          </a:fillRef>
+          <a:effectRef idx="0">
+            <a:schemeClr val="accent1"/>
+          </a:effectRef>
+          <a:fontRef idx="minor">
+            <a:schemeClr val="tx1"/>
+          </a:fontRef>
+        </p:style>
+      </p:cxnSp>
+      <p:sp>
+        <p:nvSpPr>
+          <p:cNvPr id="9" name="Text Placeholder 5"/>
+          <p:cNvSpPr txBox="1">
+            <a:spLocks/>
+          </p:cNvSpPr>
+          <p:nvPr/>
+        </p:nvSpPr>
+        <p:spPr>
+          <a:xfrm>
+            <a:off x="2355632" y="4589467"/>
+            <a:ext cx="10512862" cy="1500187"/>
+          </a:xfrm>
+          <a:prstGeom prst="rect">
+            <a:avLst/>
+          </a:prstGeom>
+        </p:spPr>
+        <p:txBody>
+          <a:bodyPr vert="horz" lIns="91440" tIns="45720" rIns="91440" bIns="45720" rtlCol="0">
+            <a:normAutofit/>
+          </a:bodyPr>
+          <a:lstStyle>
+            <a:lvl1pPr marL="0" indent="0" algn="l" defTabSz="914141" rtl="0" eaLnBrk="1" latinLnBrk="0" hangingPunct="1">
+              <a:lnSpc>
+                <a:spcPct val="90000"/>
+              </a:lnSpc>
+              <a:spcBef>
+                <a:spcPts val="1000"/>
+              </a:spcBef>
+              <a:buFont typeface="Arial" panose="020B0604020202020204" pitchFamily="34" charset="0"/>
+              <a:buNone/>
+              <a:defRPr sz="2399" kern="1200">
+                <a:solidFill>
+                  <a:schemeClr val="tx1">
+                    <a:tint val="75000"/>
+                  </a:schemeClr>
+                </a:solidFill>
+                <a:latin typeface="+mn-lt"/>
+                <a:ea typeface="+mn-ea"/>
+                <a:cs typeface="+mn-cs"/>
+              </a:defRPr>
+            </a:lvl1pPr>
+            <a:lvl2pPr marL="457071" indent="0" algn="l" defTabSz="914141" rtl="0" eaLnBrk="1" latinLnBrk="0" hangingPunct="1">
+              <a:lnSpc>
+                <a:spcPct val="90000"/>
+              </a:lnSpc>
+              <a:spcBef>
+                <a:spcPts val="500"/>
+              </a:spcBef>
+              <a:buFont typeface="Arial" panose="020B0604020202020204" pitchFamily="34" charset="0"/>
+              <a:buNone/>
+              <a:defRPr sz="2000" kern="1200">
+                <a:solidFill>
+                  <a:schemeClr val="tx1">
+                    <a:tint val="75000"/>
+                  </a:schemeClr>
+                </a:solidFill>
+                <a:latin typeface="+mn-lt"/>
+                <a:ea typeface="+mn-ea"/>
+                <a:cs typeface="+mn-cs"/>
+              </a:defRPr>
+            </a:lvl2pPr>
+            <a:lvl3pPr marL="914141" indent="0" algn="l" defTabSz="914141" rtl="0" eaLnBrk="1" latinLnBrk="0" hangingPunct="1">
+              <a:lnSpc>
+                <a:spcPct val="90000"/>
+              </a:lnSpc>
+              <a:spcBef>
+                <a:spcPts val="500"/>
+              </a:spcBef>
+              <a:buFont typeface="Arial" panose="020B0604020202020204" pitchFamily="34" charset="0"/>
+              <a:buNone/>
+              <a:defRPr sz="1800" kern="1200">
+                <a:solidFill>
+                  <a:schemeClr val="tx1">
+                    <a:tint val="75000"/>
+                  </a:schemeClr>
+                </a:solidFill>
+                <a:latin typeface="+mn-lt"/>
+                <a:ea typeface="+mn-ea"/>
+                <a:cs typeface="+mn-cs"/>
+              </a:defRPr>
+            </a:lvl3pPr>
+            <a:lvl4pPr marL="1371212" indent="0" algn="l" defTabSz="914141" rtl="0" eaLnBrk="1" latinLnBrk="0" hangingPunct="1">
+              <a:lnSpc>
+                <a:spcPct val="90000"/>
+              </a:lnSpc>
+              <a:spcBef>
+                <a:spcPts val="500"/>
+              </a:spcBef>
+              <a:buFont typeface="Arial" panose="020B0604020202020204" pitchFamily="34" charset="0"/>
+              <a:buNone/>
+              <a:defRPr sz="1600" kern="1200">
+                <a:solidFill>
+                  <a:schemeClr val="tx1">
+                    <a:tint val="75000"/>
+                  </a:schemeClr>
+                </a:solidFill>
+                <a:latin typeface="+mn-lt"/>
+                <a:ea typeface="+mn-ea"/>
+                <a:cs typeface="+mn-cs"/>
+              </a:defRPr>
+            </a:lvl4pPr>
+            <a:lvl5pPr marL="1828281" indent="0" algn="l" defTabSz="914141" rtl="0" eaLnBrk="1" latinLnBrk="0" hangingPunct="1">
+              <a:lnSpc>
+                <a:spcPct val="90000"/>
+              </a:lnSpc>
+              <a:spcBef>
+                <a:spcPts val="500"/>
+              </a:spcBef>
+              <a:buFont typeface="Arial" panose="020B0604020202020204" pitchFamily="34" charset="0"/>
+              <a:buNone/>
+              <a:defRPr sz="1600" kern="1200">
+                <a:solidFill>
+                  <a:schemeClr val="tx1">
+                    <a:tint val="75000"/>
+                  </a:schemeClr>
+                </a:solidFill>
+                <a:latin typeface="+mn-lt"/>
+                <a:ea typeface="+mn-ea"/>
+                <a:cs typeface="+mn-cs"/>
+              </a:defRPr>
+            </a:lvl5pPr>
+            <a:lvl6pPr marL="2285353" indent="0" algn="l" defTabSz="914141" rtl="0" eaLnBrk="1" latinLnBrk="0" hangingPunct="1">
+              <a:lnSpc>
+                <a:spcPct val="90000"/>
+              </a:lnSpc>
+              <a:spcBef>
+                <a:spcPts val="500"/>
+              </a:spcBef>
+              <a:buFont typeface="Arial" panose="020B0604020202020204" pitchFamily="34" charset="0"/>
+              <a:buNone/>
+              <a:defRPr sz="1600" kern="1200">
+                <a:solidFill>
+                  <a:schemeClr val="tx1">
+                    <a:tint val="75000"/>
+                  </a:schemeClr>
+                </a:solidFill>
+                <a:latin typeface="+mn-lt"/>
+                <a:ea typeface="+mn-ea"/>
+                <a:cs typeface="+mn-cs"/>
+              </a:defRPr>
+            </a:lvl6pPr>
+            <a:lvl7pPr marL="2742422" indent="0" algn="l" defTabSz="914141" rtl="0" eaLnBrk="1" latinLnBrk="0" hangingPunct="1">
+              <a:lnSpc>
+                <a:spcPct val="90000"/>
+              </a:lnSpc>
+              <a:spcBef>
+                <a:spcPts val="500"/>
+              </a:spcBef>
+              <a:buFont typeface="Arial" panose="020B0604020202020204" pitchFamily="34" charset="0"/>
+              <a:buNone/>
+              <a:defRPr sz="1600" kern="1200">
+                <a:solidFill>
+                  <a:schemeClr val="tx1">
+                    <a:tint val="75000"/>
+                  </a:schemeClr>
+                </a:solidFill>
+                <a:latin typeface="+mn-lt"/>
+                <a:ea typeface="+mn-ea"/>
+                <a:cs typeface="+mn-cs"/>
+              </a:defRPr>
+            </a:lvl7pPr>
+            <a:lvl8pPr marL="3199493" indent="0" algn="l" defTabSz="914141" rtl="0" eaLnBrk="1" latinLnBrk="0" hangingPunct="1">
+              <a:lnSpc>
+                <a:spcPct val="90000"/>
+              </a:lnSpc>
+              <a:spcBef>
+                <a:spcPts val="500"/>
+              </a:spcBef>
+              <a:buFont typeface="Arial" panose="020B0604020202020204" pitchFamily="34" charset="0"/>
+              <a:buNone/>
+              <a:defRPr sz="1600" kern="1200">
+                <a:solidFill>
+                  <a:schemeClr val="tx1">
+                    <a:tint val="75000"/>
+                  </a:schemeClr>
+                </a:solidFill>
+                <a:latin typeface="+mn-lt"/>
+                <a:ea typeface="+mn-ea"/>
+                <a:cs typeface="+mn-cs"/>
+              </a:defRPr>
+            </a:lvl8pPr>
+            <a:lvl9pPr marL="3656564" indent="0" algn="l" defTabSz="914141" rtl="0" eaLnBrk="1" latinLnBrk="0" hangingPunct="1">
+              <a:lnSpc>
+                <a:spcPct val="90000"/>
+              </a:lnSpc>
+              <a:spcBef>
+                <a:spcPts val="500"/>
+              </a:spcBef>
+              <a:buFont typeface="Arial" panose="020B0604020202020204" pitchFamily="34" charset="0"/>
+              <a:buNone/>
+              <a:defRPr sz="1600" kern="1200">
+                <a:solidFill>
+                  <a:schemeClr val="tx1">
+                    <a:tint val="75000"/>
+                  </a:schemeClr>
+                </a:solidFill>
+                <a:latin typeface="+mn-lt"/>
+                <a:ea typeface="+mn-ea"/>
+                <a:cs typeface="+mn-cs"/>
+              </a:defRPr>
+            </a:lvl9pPr>
+          </a:lstStyle>
+          <a:p>
+            <a:pPr>
+              <a:defRPr/>
+            </a:pPr>
+            <a:r>
+              <a:rPr lang="en-US" dirty="0">
+                <a:solidFill>
+                  <a:sysClr val="windowText" lastClr="000000">
+                    <a:tint val="75000"/>
+                  </a:sysClr>
+                </a:solidFill>
+                <a:latin typeface="Calibri" panose="020F0502020204030204"/>
+              </a:rPr>
+              <a:t>Raw Notification Service</a:t>
+            </a:r>
+            <a:endParaRPr lang="en-US" dirty="0">
+              <a:solidFill>
+                <a:sysClr val="windowText" lastClr="000000">
+                  <a:tint val="75000"/>
+                </a:sysClr>
+              </a:solidFill>
+              <a:latin typeface="Calibri" panose="020F0502020204030204"/>
+            </a:endParaRPr>
+          </a:p>
+        </p:txBody>
+      </p:sp>
+    </p:spTree>
+    <p:extLst>
+      <p:ext uri="{BB962C8B-B14F-4D97-AF65-F5344CB8AC3E}">
+        <p14:creationId xmlns:p14="http://schemas.microsoft.com/office/powerpoint/2010/main" val="805476308"/>
+      </p:ext>
+    </p:extLst>
+  </p:cSld>
+  <p:clrMapOvr>
+    <a:masterClrMapping/>
+  </p:clrMapOvr>
+  <mc:AlternateContent xmlns:mc="http://schemas.openxmlformats.org/markup-compatibility/2006" xmlns:p14="http://schemas.microsoft.com/office/powerpoint/2010/main">
+    <mc:Choice Requires="p14">
+      <p:transition spd="med" p14:dur="700">
+        <p:fade/>
+      </p:transition>
+    </mc:Choice>
+    <mc:Fallback xmlns="">
+      <p:transition spd="med">
+        <p:fade/>
+      </p:transition>
+    </mc:Fallback>
+  </mc:AlternateContent>
+  <p:timing>
+    <p:tnLst>
+      <p:par>
+        <p:cTn id="1" dur="indefinite" restart="never" nodeType="tmRoot"/>
+      </p:par>
+    </p:tnLst>
+  </p:timing>
+</p:sld>
+</file>
+
+<file path=ppt/slides/slide11.xml><?xml version="1.0" encoding="utf-8"?>
+<p:sld xmlns:a="http://schemas.openxmlformats.org/drawingml/2006/main" xmlns:r="http://schemas.openxmlformats.org/officeDocument/2006/relationships" xmlns:p="http://schemas.openxmlformats.org/presentationml/2006/main">
+  <p:cSld>
+    <p:spTree>
+      <p:nvGrpSpPr>
+        <p:cNvPr id="1" name=""/>
+        <p:cNvGrpSpPr/>
+        <p:nvPr/>
+      </p:nvGrpSpPr>
+      <p:grpSpPr>
+        <a:xfrm>
+          <a:off x="0" y="0"/>
+          <a:ext cx="0" cy="0"/>
+          <a:chOff x="0" y="0"/>
+          <a:chExt cx="0" cy="0"/>
+        </a:xfrm>
+      </p:grpSpPr>
+      <p:sp>
+        <p:nvSpPr>
+          <p:cNvPr id="4" name="Title 3"/>
+          <p:cNvSpPr>
+            <a:spLocks noGrp="1"/>
+          </p:cNvSpPr>
+          <p:nvPr>
+            <p:ph type="title"/>
+          </p:nvPr>
+        </p:nvSpPr>
+        <p:spPr/>
+        <p:txBody>
+          <a:bodyPr/>
+          <a:lstStyle/>
+          <a:p>
+            <a:r>
+              <a:rPr lang="en-US" dirty="0" err="1"/>
+              <a:t>Tại</a:t>
+            </a:r>
+            <a:r>
+              <a:rPr lang="en-US" dirty="0"/>
+              <a:t> </a:t>
+            </a:r>
+            <a:r>
+              <a:rPr lang="en-US" dirty="0" err="1"/>
+              <a:t>sao</a:t>
+            </a:r>
+            <a:r>
+              <a:rPr lang="en-US" dirty="0"/>
+              <a:t> </a:t>
+            </a:r>
+            <a:r>
+              <a:rPr lang="en-US" dirty="0" err="1"/>
+              <a:t>không</a:t>
+            </a:r>
+            <a:r>
+              <a:rPr lang="en-US" dirty="0"/>
+              <a:t> </a:t>
+            </a:r>
+            <a:r>
+              <a:rPr lang="en-US" dirty="0" err="1"/>
+              <a:t>sử</a:t>
+            </a:r>
+            <a:r>
+              <a:rPr lang="en-US" dirty="0"/>
+              <a:t> </a:t>
+            </a:r>
+            <a:r>
+              <a:rPr lang="en-US" dirty="0" err="1"/>
+              <a:t>dụng</a:t>
+            </a:r>
+            <a:r>
+              <a:rPr lang="en-US" dirty="0"/>
+              <a:t> </a:t>
+            </a:r>
+            <a:r>
+              <a:rPr lang="en-US" dirty="0" err="1"/>
+              <a:t>các</a:t>
+            </a:r>
+            <a:r>
+              <a:rPr lang="en-US" dirty="0"/>
+              <a:t> </a:t>
+            </a:r>
+            <a:r>
+              <a:rPr lang="en-US" dirty="0" err="1"/>
+              <a:t>mạng</a:t>
+            </a:r>
+            <a:r>
+              <a:rPr lang="en-US" dirty="0"/>
+              <a:t> </a:t>
+            </a:r>
+            <a:r>
+              <a:rPr lang="en-US" dirty="0" err="1"/>
+              <a:t>xã</a:t>
+            </a:r>
+            <a:r>
+              <a:rPr lang="en-US" dirty="0"/>
+              <a:t> </a:t>
+            </a:r>
+            <a:r>
+              <a:rPr lang="en-US" dirty="0" err="1"/>
+              <a:t>hội</a:t>
+            </a:r>
+            <a:r>
+              <a:rPr lang="en-US" dirty="0"/>
+              <a:t>?</a:t>
+            </a:r>
+          </a:p>
+        </p:txBody>
+      </p:sp>
+      <p:cxnSp>
+        <p:nvCxnSpPr>
+          <p:cNvPr id="6" name="Straight Connector 5"/>
+          <p:cNvCxnSpPr/>
+          <p:nvPr/>
+        </p:nvCxnSpPr>
+        <p:spPr>
+          <a:xfrm flipV="1">
+            <a:off x="1232223" y="4505312"/>
+            <a:ext cx="9718031" cy="57165"/>
+          </a:xfrm>
+          <a:prstGeom prst="line">
+            <a:avLst/>
+          </a:prstGeom>
+          <a:ln w="47625">
+            <a:solidFill>
+              <a:schemeClr val="accent1">
+                <a:lumMod val="75000"/>
+              </a:schemeClr>
+            </a:solidFill>
+          </a:ln>
+          <a:effectLst>
+            <a:innerShdw blurRad="114300">
+              <a:prstClr val="black"/>
+            </a:innerShdw>
+            <a:softEdge rad="0"/>
+          </a:effectLst>
+        </p:spPr>
+        <p:style>
+          <a:lnRef idx="1">
+            <a:schemeClr val="accent1"/>
+          </a:lnRef>
+          <a:fillRef idx="0">
+            <a:schemeClr val="accent1"/>
+          </a:fillRef>
+          <a:effectRef idx="0">
+            <a:schemeClr val="accent1"/>
+          </a:effectRef>
+          <a:fontRef idx="minor">
+            <a:schemeClr val="tx1"/>
+          </a:fontRef>
+        </p:style>
+      </p:cxnSp>
+      <p:sp>
+        <p:nvSpPr>
+          <p:cNvPr id="9" name="Text Placeholder 5"/>
+          <p:cNvSpPr txBox="1">
+            <a:spLocks/>
+          </p:cNvSpPr>
+          <p:nvPr/>
+        </p:nvSpPr>
+        <p:spPr>
+          <a:xfrm>
+            <a:off x="2355632" y="4589467"/>
+            <a:ext cx="10512862" cy="1500187"/>
+          </a:xfrm>
+          <a:prstGeom prst="rect">
+            <a:avLst/>
+          </a:prstGeom>
+        </p:spPr>
+        <p:txBody>
+          <a:bodyPr vert="horz" lIns="91440" tIns="45720" rIns="91440" bIns="45720" rtlCol="0">
+            <a:normAutofit/>
+          </a:bodyPr>
+          <a:lstStyle>
+            <a:lvl1pPr marL="0" indent="0" algn="l" defTabSz="914141" rtl="0" eaLnBrk="1" latinLnBrk="0" hangingPunct="1">
+              <a:lnSpc>
+                <a:spcPct val="90000"/>
+              </a:lnSpc>
+              <a:spcBef>
+                <a:spcPts val="1000"/>
+              </a:spcBef>
+              <a:buFont typeface="Arial" panose="020B0604020202020204" pitchFamily="34" charset="0"/>
+              <a:buNone/>
+              <a:defRPr sz="2399" kern="1200">
+                <a:solidFill>
+                  <a:schemeClr val="tx1">
+                    <a:tint val="75000"/>
+                  </a:schemeClr>
+                </a:solidFill>
+                <a:latin typeface="+mn-lt"/>
+                <a:ea typeface="+mn-ea"/>
+                <a:cs typeface="+mn-cs"/>
+              </a:defRPr>
+            </a:lvl1pPr>
+            <a:lvl2pPr marL="457071" indent="0" algn="l" defTabSz="914141" rtl="0" eaLnBrk="1" latinLnBrk="0" hangingPunct="1">
+              <a:lnSpc>
+                <a:spcPct val="90000"/>
+              </a:lnSpc>
+              <a:spcBef>
+                <a:spcPts val="500"/>
+              </a:spcBef>
+              <a:buFont typeface="Arial" panose="020B0604020202020204" pitchFamily="34" charset="0"/>
+              <a:buNone/>
+              <a:defRPr sz="2000" kern="1200">
+                <a:solidFill>
+                  <a:schemeClr val="tx1">
+                    <a:tint val="75000"/>
+                  </a:schemeClr>
+                </a:solidFill>
+                <a:latin typeface="+mn-lt"/>
+                <a:ea typeface="+mn-ea"/>
+                <a:cs typeface="+mn-cs"/>
+              </a:defRPr>
+            </a:lvl2pPr>
+            <a:lvl3pPr marL="914141" indent="0" algn="l" defTabSz="914141" rtl="0" eaLnBrk="1" latinLnBrk="0" hangingPunct="1">
+              <a:lnSpc>
+                <a:spcPct val="90000"/>
+              </a:lnSpc>
+              <a:spcBef>
+                <a:spcPts val="500"/>
+              </a:spcBef>
+              <a:buFont typeface="Arial" panose="020B0604020202020204" pitchFamily="34" charset="0"/>
+              <a:buNone/>
+              <a:defRPr sz="1800" kern="1200">
+                <a:solidFill>
+                  <a:schemeClr val="tx1">
+                    <a:tint val="75000"/>
+                  </a:schemeClr>
+                </a:solidFill>
+                <a:latin typeface="+mn-lt"/>
+                <a:ea typeface="+mn-ea"/>
+                <a:cs typeface="+mn-cs"/>
+              </a:defRPr>
+            </a:lvl3pPr>
+            <a:lvl4pPr marL="1371212" indent="0" algn="l" defTabSz="914141" rtl="0" eaLnBrk="1" latinLnBrk="0" hangingPunct="1">
+              <a:lnSpc>
+                <a:spcPct val="90000"/>
+              </a:lnSpc>
+              <a:spcBef>
+                <a:spcPts val="500"/>
+              </a:spcBef>
+              <a:buFont typeface="Arial" panose="020B0604020202020204" pitchFamily="34" charset="0"/>
+              <a:buNone/>
+              <a:defRPr sz="1600" kern="1200">
+                <a:solidFill>
+                  <a:schemeClr val="tx1">
+                    <a:tint val="75000"/>
+                  </a:schemeClr>
+                </a:solidFill>
+                <a:latin typeface="+mn-lt"/>
+                <a:ea typeface="+mn-ea"/>
+                <a:cs typeface="+mn-cs"/>
+              </a:defRPr>
+            </a:lvl4pPr>
+            <a:lvl5pPr marL="1828281" indent="0" algn="l" defTabSz="914141" rtl="0" eaLnBrk="1" latinLnBrk="0" hangingPunct="1">
+              <a:lnSpc>
+                <a:spcPct val="90000"/>
+              </a:lnSpc>
+              <a:spcBef>
+                <a:spcPts val="500"/>
+              </a:spcBef>
+              <a:buFont typeface="Arial" panose="020B0604020202020204" pitchFamily="34" charset="0"/>
+              <a:buNone/>
+              <a:defRPr sz="1600" kern="1200">
+                <a:solidFill>
+                  <a:schemeClr val="tx1">
+                    <a:tint val="75000"/>
+                  </a:schemeClr>
+                </a:solidFill>
+                <a:latin typeface="+mn-lt"/>
+                <a:ea typeface="+mn-ea"/>
+                <a:cs typeface="+mn-cs"/>
+              </a:defRPr>
+            </a:lvl5pPr>
+            <a:lvl6pPr marL="2285353" indent="0" algn="l" defTabSz="914141" rtl="0" eaLnBrk="1" latinLnBrk="0" hangingPunct="1">
+              <a:lnSpc>
+                <a:spcPct val="90000"/>
+              </a:lnSpc>
+              <a:spcBef>
+                <a:spcPts val="500"/>
+              </a:spcBef>
+              <a:buFont typeface="Arial" panose="020B0604020202020204" pitchFamily="34" charset="0"/>
+              <a:buNone/>
+              <a:defRPr sz="1600" kern="1200">
+                <a:solidFill>
+                  <a:schemeClr val="tx1">
+                    <a:tint val="75000"/>
+                  </a:schemeClr>
+                </a:solidFill>
+                <a:latin typeface="+mn-lt"/>
+                <a:ea typeface="+mn-ea"/>
+                <a:cs typeface="+mn-cs"/>
+              </a:defRPr>
+            </a:lvl6pPr>
+            <a:lvl7pPr marL="2742422" indent="0" algn="l" defTabSz="914141" rtl="0" eaLnBrk="1" latinLnBrk="0" hangingPunct="1">
+              <a:lnSpc>
+                <a:spcPct val="90000"/>
+              </a:lnSpc>
+              <a:spcBef>
+                <a:spcPts val="500"/>
+              </a:spcBef>
+              <a:buFont typeface="Arial" panose="020B0604020202020204" pitchFamily="34" charset="0"/>
+              <a:buNone/>
+              <a:defRPr sz="1600" kern="1200">
+                <a:solidFill>
+                  <a:schemeClr val="tx1">
+                    <a:tint val="75000"/>
+                  </a:schemeClr>
+                </a:solidFill>
+                <a:latin typeface="+mn-lt"/>
+                <a:ea typeface="+mn-ea"/>
+                <a:cs typeface="+mn-cs"/>
+              </a:defRPr>
+            </a:lvl7pPr>
+            <a:lvl8pPr marL="3199493" indent="0" algn="l" defTabSz="914141" rtl="0" eaLnBrk="1" latinLnBrk="0" hangingPunct="1">
+              <a:lnSpc>
+                <a:spcPct val="90000"/>
+              </a:lnSpc>
+              <a:spcBef>
+                <a:spcPts val="500"/>
+              </a:spcBef>
+              <a:buFont typeface="Arial" panose="020B0604020202020204" pitchFamily="34" charset="0"/>
+              <a:buNone/>
+              <a:defRPr sz="1600" kern="1200">
+                <a:solidFill>
+                  <a:schemeClr val="tx1">
+                    <a:tint val="75000"/>
+                  </a:schemeClr>
+                </a:solidFill>
+                <a:latin typeface="+mn-lt"/>
+                <a:ea typeface="+mn-ea"/>
+                <a:cs typeface="+mn-cs"/>
+              </a:defRPr>
+            </a:lvl8pPr>
+            <a:lvl9pPr marL="3656564" indent="0" algn="l" defTabSz="914141" rtl="0" eaLnBrk="1" latinLnBrk="0" hangingPunct="1">
+              <a:lnSpc>
+                <a:spcPct val="90000"/>
+              </a:lnSpc>
+              <a:spcBef>
+                <a:spcPts val="500"/>
+              </a:spcBef>
+              <a:buFont typeface="Arial" panose="020B0604020202020204" pitchFamily="34" charset="0"/>
+              <a:buNone/>
+              <a:defRPr sz="1600" kern="1200">
+                <a:solidFill>
+                  <a:schemeClr val="tx1">
+                    <a:tint val="75000"/>
+                  </a:schemeClr>
+                </a:solidFill>
+                <a:latin typeface="+mn-lt"/>
+                <a:ea typeface="+mn-ea"/>
+                <a:cs typeface="+mn-cs"/>
+              </a:defRPr>
+            </a:lvl9pPr>
+          </a:lstStyle>
+          <a:p>
+            <a:pPr>
+              <a:defRPr/>
+            </a:pPr>
+            <a:r>
+              <a:rPr lang="en-US" dirty="0">
+                <a:solidFill>
+                  <a:sysClr val="windowText" lastClr="000000">
+                    <a:tint val="75000"/>
+                  </a:sysClr>
+                </a:solidFill>
+                <a:latin typeface="Calibri" panose="020F0502020204030204"/>
+              </a:rPr>
+              <a:t>Raw Notification Service</a:t>
+            </a:r>
+            <a:endParaRPr lang="en-US" dirty="0">
+              <a:solidFill>
+                <a:sysClr val="windowText" lastClr="000000">
+                  <a:tint val="75000"/>
+                </a:sysClr>
+              </a:solidFill>
+              <a:latin typeface="Calibri" panose="020F0502020204030204"/>
+            </a:endParaRPr>
+          </a:p>
+        </p:txBody>
+      </p:sp>
+    </p:spTree>
+    <p:extLst>
+      <p:ext uri="{BB962C8B-B14F-4D97-AF65-F5344CB8AC3E}">
+        <p14:creationId xmlns:p14="http://schemas.microsoft.com/office/powerpoint/2010/main" val="506560830"/>
+      </p:ext>
+    </p:extLst>
+  </p:cSld>
+  <p:clrMapOvr>
+    <a:masterClrMapping/>
+  </p:clrMapOvr>
+  <mc:AlternateContent xmlns:mc="http://schemas.openxmlformats.org/markup-compatibility/2006" xmlns:p14="http://schemas.microsoft.com/office/powerpoint/2010/main">
+    <mc:Choice Requires="p14">
+      <p:transition spd="med" p14:dur="700">
+        <p:fade/>
+      </p:transition>
+    </mc:Choice>
+    <mc:Fallback xmlns="">
+      <p:transition spd="med">
+        <p:fade/>
+      </p:transition>
+    </mc:Fallback>
+  </mc:AlternateContent>
+  <p:timing>
+    <p:tnLst>
+      <p:par>
+        <p:cTn id="1" dur="indefinite" restart="never" nodeType="tmRoot"/>
+      </p:par>
+    </p:tnLst>
+  </p:timing>
+</p:sld>
+</file>
+
+<file path=ppt/slides/slide12.xml><?xml version="1.0" encoding="utf-8"?>
+<p:sld xmlns:a="http://schemas.openxmlformats.org/drawingml/2006/main" xmlns:r="http://schemas.openxmlformats.org/officeDocument/2006/relationships" xmlns:p="http://schemas.openxmlformats.org/presentationml/2006/main">
+  <p:cSld>
     <p:bg>
       <p:bgPr>
         <a:gradFill>
@@ -4016,7 +4941,7 @@
         </p:blipFill>
         <p:spPr>
           <a:xfrm>
-            <a:off x="5277853" y="2637799"/>
+            <a:off x="6801853" y="2637799"/>
             <a:ext cx="3162410" cy="1188992"/>
           </a:xfrm>
         </p:spPr>
@@ -4043,7 +4968,7 @@
         </p:blipFill>
         <p:spPr>
           <a:xfrm>
-            <a:off x="5114251" y="544395"/>
+            <a:off x="6638252" y="544396"/>
             <a:ext cx="3491345" cy="1918321"/>
           </a:xfrm>
           <a:prstGeom prst="rect">
@@ -4073,7 +4998,7 @@
         </p:blipFill>
         <p:spPr>
           <a:xfrm>
-            <a:off x="5114251" y="4176956"/>
+            <a:off x="6638251" y="4176957"/>
             <a:ext cx="3489614" cy="1542409"/>
           </a:xfrm>
           <a:prstGeom prst="rect">
@@ -4089,7 +5014,7 @@
         </p:nvGrpSpPr>
         <p:grpSpPr>
           <a:xfrm>
-            <a:off x="762152" y="1293165"/>
+            <a:off x="2286153" y="1293166"/>
             <a:ext cx="1765227" cy="1169551"/>
             <a:chOff x="1920100" y="3141784"/>
             <a:chExt cx="1765227" cy="1169551"/>
@@ -4131,7 +5056,7 @@
             <a:lstStyle/>
             <a:p>
               <a:r>
-                <a:rPr lang="vi-VN" sz="7000" dirty="0" smtClean="0">
+                <a:rPr lang="vi-VN" sz="7000" dirty="0">
                   <a:latin typeface="Segoe UI Light" panose="020B0502040204020203" pitchFamily="34" charset="0"/>
                   <a:cs typeface="Segoe UI Light" panose="020B0502040204020203" pitchFamily="34" charset="0"/>
                 </a:rPr>
@@ -4262,8 +5187,8 @@
         </p:nvSpPr>
         <p:spPr>
           <a:xfrm>
-            <a:off x="554181" y="2637799"/>
-            <a:ext cx="3989684" cy="3371564"/>
+            <a:off x="2078181" y="2637799"/>
+            <a:ext cx="3989684" cy="3416320"/>
           </a:xfrm>
           <a:prstGeom prst="rect">
             <a:avLst/>
@@ -4284,32 +5209,25 @@
               <a:buAutoNum type="arabicPeriod"/>
             </a:pPr>
             <a:r>
-              <a:rPr lang="vi-VN" dirty="0" smtClean="0">
-                <a:latin typeface="Segoe UI" panose="020B0502040204020203" pitchFamily="34" charset="0"/>
-                <a:cs typeface="Segoe UI" panose="020B0502040204020203" pitchFamily="34" charset="0"/>
-              </a:rPr>
-              <a:t>Chủ động hơn trong việc </a:t>
-            </a:r>
-            <a:r>
               <a:rPr lang="vi-VN" dirty="0">
                 <a:latin typeface="Segoe UI" panose="020B0502040204020203" pitchFamily="34" charset="0"/>
                 <a:cs typeface="Segoe UI" panose="020B0502040204020203" pitchFamily="34" charset="0"/>
               </a:rPr>
-              <a:t>g</a:t>
-            </a:r>
-            <a:r>
-              <a:rPr lang="vi-VN" dirty="0" smtClean="0">
+              <a:t>Chủ động hơn trong việc </a:t>
+            </a:r>
+            <a:r>
+              <a:rPr lang="vi-VN" dirty="0">
                 <a:latin typeface="Segoe UI" panose="020B0502040204020203" pitchFamily="34" charset="0"/>
                 <a:cs typeface="Segoe UI" panose="020B0502040204020203" pitchFamily="34" charset="0"/>
               </a:rPr>
-              <a:t>om </a:t>
-            </a:r>
-            <a:r>
-              <a:rPr lang="vi-VN" dirty="0" smtClean="0">
+              <a:t>g</a:t>
+            </a:r>
+            <a:r>
+              <a:rPr lang="vi-VN" dirty="0">
                 <a:latin typeface="Segoe UI" panose="020B0502040204020203" pitchFamily="34" charset="0"/>
                 <a:cs typeface="Segoe UI" panose="020B0502040204020203" pitchFamily="34" charset="0"/>
               </a:rPr>
-              <a:t>nhóm người nhận</a:t>
+              <a:t>om nhóm người nhận</a:t>
             </a:r>
           </a:p>
           <a:p>
@@ -4321,7 +5239,7 @@
               <a:buAutoNum type="arabicPeriod"/>
             </a:pPr>
             <a:r>
-              <a:rPr lang="vi-VN" dirty="0" smtClean="0">
+              <a:rPr lang="vi-VN" dirty="0">
                 <a:latin typeface="Segoe UI" panose="020B0502040204020203" pitchFamily="34" charset="0"/>
                 <a:cs typeface="Segoe UI" panose="020B0502040204020203" pitchFamily="34" charset="0"/>
               </a:rPr>
@@ -4337,16 +5255,12 @@
               <a:buAutoNum type="arabicPeriod"/>
             </a:pPr>
             <a:r>
-              <a:rPr lang="vi-VN" dirty="0" smtClean="0">
+              <a:rPr lang="vi-VN" dirty="0">
                 <a:latin typeface="Segoe UI" panose="020B0502040204020203" pitchFamily="34" charset="0"/>
                 <a:cs typeface="Segoe UI" panose="020B0502040204020203" pitchFamily="34" charset="0"/>
               </a:rPr>
               <a:t>Gửi bất cứ thứ gì</a:t>
             </a:r>
-            <a:endParaRPr lang="vi-VN" dirty="0" smtClean="0">
-              <a:latin typeface="Segoe UI" panose="020B0502040204020203" pitchFamily="34" charset="0"/>
-              <a:cs typeface="Segoe UI" panose="020B0502040204020203" pitchFamily="34" charset="0"/>
-            </a:endParaRPr>
           </a:p>
           <a:p>
             <a:pPr marL="342900" indent="-342900">
@@ -4357,153 +5271,153 @@
               <a:buAutoNum type="arabicPeriod"/>
             </a:pPr>
             <a:r>
-              <a:rPr lang="en-US" dirty="0" err="1" smtClean="0">
+              <a:rPr lang="en-US" dirty="0" err="1">
                 <a:latin typeface="Segoe UI" panose="020B0502040204020203" pitchFamily="34" charset="0"/>
                 <a:cs typeface="Segoe UI" panose="020B0502040204020203" pitchFamily="34" charset="0"/>
               </a:rPr>
               <a:t>Tương</a:t>
             </a:r>
             <a:r>
-              <a:rPr lang="en-US" dirty="0" smtClean="0">
+              <a:rPr lang="en-US" dirty="0">
                 <a:latin typeface="Segoe UI" panose="020B0502040204020203" pitchFamily="34" charset="0"/>
                 <a:cs typeface="Segoe UI" panose="020B0502040204020203" pitchFamily="34" charset="0"/>
               </a:rPr>
               <a:t> </a:t>
             </a:r>
             <a:r>
-              <a:rPr lang="en-US" dirty="0" err="1" smtClean="0">
+              <a:rPr lang="en-US" dirty="0" err="1">
                 <a:latin typeface="Segoe UI" panose="020B0502040204020203" pitchFamily="34" charset="0"/>
                 <a:cs typeface="Segoe UI" panose="020B0502040204020203" pitchFamily="34" charset="0"/>
               </a:rPr>
               <a:t>tác</a:t>
             </a:r>
             <a:r>
-              <a:rPr lang="en-US" dirty="0" smtClean="0">
+              <a:rPr lang="en-US" dirty="0">
                 <a:latin typeface="Segoe UI" panose="020B0502040204020203" pitchFamily="34" charset="0"/>
                 <a:cs typeface="Segoe UI" panose="020B0502040204020203" pitchFamily="34" charset="0"/>
               </a:rPr>
               <a:t> </a:t>
             </a:r>
             <a:r>
-              <a:rPr lang="en-US" dirty="0" err="1" smtClean="0">
+              <a:rPr lang="en-US" dirty="0" err="1">
                 <a:latin typeface="Segoe UI" panose="020B0502040204020203" pitchFamily="34" charset="0"/>
                 <a:cs typeface="Segoe UI" panose="020B0502040204020203" pitchFamily="34" charset="0"/>
               </a:rPr>
               <a:t>dễ</a:t>
             </a:r>
             <a:r>
-              <a:rPr lang="en-US" dirty="0" smtClean="0">
+              <a:rPr lang="en-US" dirty="0">
                 <a:latin typeface="Segoe UI" panose="020B0502040204020203" pitchFamily="34" charset="0"/>
                 <a:cs typeface="Segoe UI" panose="020B0502040204020203" pitchFamily="34" charset="0"/>
               </a:rPr>
               <a:t> </a:t>
             </a:r>
             <a:r>
-              <a:rPr lang="en-US" dirty="0" err="1" smtClean="0">
+              <a:rPr lang="en-US" dirty="0" err="1">
                 <a:latin typeface="Segoe UI" panose="020B0502040204020203" pitchFamily="34" charset="0"/>
                 <a:cs typeface="Segoe UI" panose="020B0502040204020203" pitchFamily="34" charset="0"/>
               </a:rPr>
               <a:t>dàng</a:t>
             </a:r>
             <a:r>
-              <a:rPr lang="en-US" dirty="0" smtClean="0">
+              <a:rPr lang="en-US" dirty="0">
                 <a:latin typeface="Segoe UI" panose="020B0502040204020203" pitchFamily="34" charset="0"/>
                 <a:cs typeface="Segoe UI" panose="020B0502040204020203" pitchFamily="34" charset="0"/>
               </a:rPr>
               <a:t> </a:t>
             </a:r>
             <a:r>
-              <a:rPr lang="en-US" dirty="0" err="1" smtClean="0">
+              <a:rPr lang="en-US" dirty="0" err="1">
                 <a:latin typeface="Segoe UI" panose="020B0502040204020203" pitchFamily="34" charset="0"/>
                 <a:cs typeface="Segoe UI" panose="020B0502040204020203" pitchFamily="34" charset="0"/>
               </a:rPr>
               <a:t>với</a:t>
             </a:r>
             <a:r>
-              <a:rPr lang="en-US" dirty="0" smtClean="0">
+              <a:rPr lang="en-US" dirty="0">
                 <a:latin typeface="Segoe UI" panose="020B0502040204020203" pitchFamily="34" charset="0"/>
                 <a:cs typeface="Segoe UI" panose="020B0502040204020203" pitchFamily="34" charset="0"/>
               </a:rPr>
               <a:t> </a:t>
             </a:r>
             <a:r>
-              <a:rPr lang="en-US" dirty="0" err="1" smtClean="0">
+              <a:rPr lang="en-US" dirty="0" err="1">
                 <a:latin typeface="Segoe UI" panose="020B0502040204020203" pitchFamily="34" charset="0"/>
                 <a:cs typeface="Segoe UI" panose="020B0502040204020203" pitchFamily="34" charset="0"/>
               </a:rPr>
               <a:t>một</a:t>
             </a:r>
             <a:r>
-              <a:rPr lang="en-US" dirty="0" smtClean="0">
+              <a:rPr lang="en-US" dirty="0">
                 <a:latin typeface="Segoe UI" panose="020B0502040204020203" pitchFamily="34" charset="0"/>
                 <a:cs typeface="Segoe UI" panose="020B0502040204020203" pitchFamily="34" charset="0"/>
               </a:rPr>
               <a:t> </a:t>
             </a:r>
             <a:r>
-              <a:rPr lang="en-US" dirty="0" err="1" smtClean="0">
+              <a:rPr lang="en-US" dirty="0" err="1">
                 <a:latin typeface="Segoe UI" panose="020B0502040204020203" pitchFamily="34" charset="0"/>
                 <a:cs typeface="Segoe UI" panose="020B0502040204020203" pitchFamily="34" charset="0"/>
               </a:rPr>
               <a:t>hệ</a:t>
             </a:r>
             <a:r>
-              <a:rPr lang="en-US" dirty="0" smtClean="0">
+              <a:rPr lang="en-US" dirty="0">
                 <a:latin typeface="Segoe UI" panose="020B0502040204020203" pitchFamily="34" charset="0"/>
                 <a:cs typeface="Segoe UI" panose="020B0502040204020203" pitchFamily="34" charset="0"/>
               </a:rPr>
               <a:t> </a:t>
             </a:r>
             <a:r>
-              <a:rPr lang="en-US" dirty="0" err="1" smtClean="0">
+              <a:rPr lang="en-US" dirty="0" err="1">
                 <a:latin typeface="Segoe UI" panose="020B0502040204020203" pitchFamily="34" charset="0"/>
                 <a:cs typeface="Segoe UI" panose="020B0502040204020203" pitchFamily="34" charset="0"/>
               </a:rPr>
               <a:t>thống</a:t>
             </a:r>
             <a:r>
-              <a:rPr lang="en-US" dirty="0" smtClean="0">
+              <a:rPr lang="en-US" dirty="0">
                 <a:latin typeface="Segoe UI" panose="020B0502040204020203" pitchFamily="34" charset="0"/>
                 <a:cs typeface="Segoe UI" panose="020B0502040204020203" pitchFamily="34" charset="0"/>
               </a:rPr>
               <a:t> </a:t>
             </a:r>
             <a:r>
-              <a:rPr lang="en-US" dirty="0" err="1" smtClean="0">
+              <a:rPr lang="en-US" dirty="0" err="1">
                 <a:latin typeface="Segoe UI" panose="020B0502040204020203" pitchFamily="34" charset="0"/>
                 <a:cs typeface="Segoe UI" panose="020B0502040204020203" pitchFamily="34" charset="0"/>
               </a:rPr>
               <a:t>đã</a:t>
             </a:r>
             <a:r>
-              <a:rPr lang="en-US" dirty="0" smtClean="0">
+              <a:rPr lang="en-US" dirty="0">
                 <a:latin typeface="Segoe UI" panose="020B0502040204020203" pitchFamily="34" charset="0"/>
                 <a:cs typeface="Segoe UI" panose="020B0502040204020203" pitchFamily="34" charset="0"/>
               </a:rPr>
               <a:t> </a:t>
             </a:r>
             <a:r>
-              <a:rPr lang="en-US" dirty="0" err="1" smtClean="0">
+              <a:rPr lang="en-US" dirty="0" err="1">
                 <a:latin typeface="Segoe UI" panose="020B0502040204020203" pitchFamily="34" charset="0"/>
                 <a:cs typeface="Segoe UI" panose="020B0502040204020203" pitchFamily="34" charset="0"/>
               </a:rPr>
               <a:t>có</a:t>
             </a:r>
             <a:r>
-              <a:rPr lang="en-US" dirty="0" smtClean="0">
+              <a:rPr lang="en-US" dirty="0">
                 <a:latin typeface="Segoe UI" panose="020B0502040204020203" pitchFamily="34" charset="0"/>
                 <a:cs typeface="Segoe UI" panose="020B0502040204020203" pitchFamily="34" charset="0"/>
               </a:rPr>
               <a:t> </a:t>
             </a:r>
             <a:r>
-              <a:rPr lang="en-US" dirty="0" err="1" smtClean="0">
+              <a:rPr lang="en-US" dirty="0" err="1">
                 <a:latin typeface="Segoe UI" panose="020B0502040204020203" pitchFamily="34" charset="0"/>
                 <a:cs typeface="Segoe UI" panose="020B0502040204020203" pitchFamily="34" charset="0"/>
               </a:rPr>
               <a:t>sẵn</a:t>
             </a:r>
-            <a:endParaRPr lang="en-US" dirty="0" smtClean="0">
+            <a:endParaRPr lang="en-US" dirty="0">
               <a:latin typeface="Segoe UI" panose="020B0502040204020203" pitchFamily="34" charset="0"/>
               <a:cs typeface="Segoe UI" panose="020B0502040204020203" pitchFamily="34" charset="0"/>
             </a:endParaRPr>
@@ -4517,139 +5431,139 @@
               <a:buAutoNum type="arabicPeriod"/>
             </a:pPr>
             <a:r>
-              <a:rPr lang="en-US" dirty="0" smtClean="0">
+              <a:rPr lang="en-US" dirty="0">
                 <a:latin typeface="Segoe UI" panose="020B0502040204020203" pitchFamily="34" charset="0"/>
                 <a:cs typeface="Segoe UI" panose="020B0502040204020203" pitchFamily="34" charset="0"/>
               </a:rPr>
               <a:t>An </a:t>
             </a:r>
             <a:r>
-              <a:rPr lang="en-US" dirty="0" err="1" smtClean="0">
+              <a:rPr lang="en-US" dirty="0" err="1">
                 <a:latin typeface="Segoe UI" panose="020B0502040204020203" pitchFamily="34" charset="0"/>
                 <a:cs typeface="Segoe UI" panose="020B0502040204020203" pitchFamily="34" charset="0"/>
               </a:rPr>
               <a:t>toàn</a:t>
             </a:r>
             <a:r>
-              <a:rPr lang="en-US" dirty="0" smtClean="0">
+              <a:rPr lang="en-US" dirty="0">
                 <a:latin typeface="Segoe UI" panose="020B0502040204020203" pitchFamily="34" charset="0"/>
                 <a:cs typeface="Segoe UI" panose="020B0502040204020203" pitchFamily="34" charset="0"/>
               </a:rPr>
               <a:t> </a:t>
             </a:r>
             <a:r>
-              <a:rPr lang="en-US" dirty="0" err="1" smtClean="0">
+              <a:rPr lang="en-US" dirty="0" err="1">
                 <a:latin typeface="Segoe UI" panose="020B0502040204020203" pitchFamily="34" charset="0"/>
                 <a:cs typeface="Segoe UI" panose="020B0502040204020203" pitchFamily="34" charset="0"/>
               </a:rPr>
               <a:t>hơn</a:t>
             </a:r>
             <a:r>
-              <a:rPr lang="en-US" dirty="0" smtClean="0">
+              <a:rPr lang="en-US" dirty="0">
                 <a:latin typeface="Segoe UI" panose="020B0502040204020203" pitchFamily="34" charset="0"/>
                 <a:cs typeface="Segoe UI" panose="020B0502040204020203" pitchFamily="34" charset="0"/>
               </a:rPr>
               <a:t> </a:t>
             </a:r>
             <a:r>
-              <a:rPr lang="en-US" dirty="0" err="1" smtClean="0">
+              <a:rPr lang="en-US" dirty="0" err="1">
                 <a:latin typeface="Segoe UI" panose="020B0502040204020203" pitchFamily="34" charset="0"/>
                 <a:cs typeface="Segoe UI" panose="020B0502040204020203" pitchFamily="34" charset="0"/>
               </a:rPr>
               <a:t>trong</a:t>
             </a:r>
             <a:r>
-              <a:rPr lang="en-US" dirty="0" smtClean="0">
+              <a:rPr lang="en-US" dirty="0">
                 <a:latin typeface="Segoe UI" panose="020B0502040204020203" pitchFamily="34" charset="0"/>
                 <a:cs typeface="Segoe UI" panose="020B0502040204020203" pitchFamily="34" charset="0"/>
               </a:rPr>
               <a:t> </a:t>
             </a:r>
             <a:r>
-              <a:rPr lang="en-US" dirty="0" err="1" smtClean="0">
+              <a:rPr lang="en-US" dirty="0" err="1">
                 <a:latin typeface="Segoe UI" panose="020B0502040204020203" pitchFamily="34" charset="0"/>
                 <a:cs typeface="Segoe UI" panose="020B0502040204020203" pitchFamily="34" charset="0"/>
               </a:rPr>
               <a:t>việc</a:t>
             </a:r>
             <a:r>
-              <a:rPr lang="en-US" dirty="0" smtClean="0">
+              <a:rPr lang="en-US" dirty="0">
                 <a:latin typeface="Segoe UI" panose="020B0502040204020203" pitchFamily="34" charset="0"/>
                 <a:cs typeface="Segoe UI" panose="020B0502040204020203" pitchFamily="34" charset="0"/>
               </a:rPr>
               <a:t> </a:t>
             </a:r>
             <a:r>
-              <a:rPr lang="en-US" dirty="0" err="1" smtClean="0">
+              <a:rPr lang="en-US" dirty="0" err="1">
                 <a:latin typeface="Segoe UI" panose="020B0502040204020203" pitchFamily="34" charset="0"/>
                 <a:cs typeface="Segoe UI" panose="020B0502040204020203" pitchFamily="34" charset="0"/>
               </a:rPr>
               <a:t>gửi</a:t>
             </a:r>
             <a:r>
-              <a:rPr lang="en-US" dirty="0" smtClean="0">
+              <a:rPr lang="en-US" dirty="0">
                 <a:latin typeface="Segoe UI" panose="020B0502040204020203" pitchFamily="34" charset="0"/>
                 <a:cs typeface="Segoe UI" panose="020B0502040204020203" pitchFamily="34" charset="0"/>
               </a:rPr>
               <a:t> </a:t>
             </a:r>
             <a:r>
-              <a:rPr lang="en-US" dirty="0" err="1" smtClean="0">
+              <a:rPr lang="en-US" dirty="0" err="1">
                 <a:latin typeface="Segoe UI" panose="020B0502040204020203" pitchFamily="34" charset="0"/>
                 <a:cs typeface="Segoe UI" panose="020B0502040204020203" pitchFamily="34" charset="0"/>
               </a:rPr>
               <a:t>thông</a:t>
             </a:r>
             <a:r>
-              <a:rPr lang="en-US" dirty="0" smtClean="0">
+              <a:rPr lang="en-US" dirty="0">
                 <a:latin typeface="Segoe UI" panose="020B0502040204020203" pitchFamily="34" charset="0"/>
                 <a:cs typeface="Segoe UI" panose="020B0502040204020203" pitchFamily="34" charset="0"/>
               </a:rPr>
               <a:t> </a:t>
             </a:r>
             <a:r>
-              <a:rPr lang="en-US" dirty="0" err="1" smtClean="0">
+              <a:rPr lang="en-US" dirty="0" err="1">
                 <a:latin typeface="Segoe UI" panose="020B0502040204020203" pitchFamily="34" charset="0"/>
                 <a:cs typeface="Segoe UI" panose="020B0502040204020203" pitchFamily="34" charset="0"/>
               </a:rPr>
               <a:t>báo</a:t>
             </a:r>
             <a:r>
-              <a:rPr lang="en-US" dirty="0" smtClean="0">
+              <a:rPr lang="en-US" dirty="0">
                 <a:latin typeface="Segoe UI" panose="020B0502040204020203" pitchFamily="34" charset="0"/>
                 <a:cs typeface="Segoe UI" panose="020B0502040204020203" pitchFamily="34" charset="0"/>
               </a:rPr>
               <a:t> </a:t>
             </a:r>
             <a:r>
-              <a:rPr lang="en-US" dirty="0" err="1" smtClean="0">
+              <a:rPr lang="en-US" dirty="0" err="1">
                 <a:latin typeface="Segoe UI" panose="020B0502040204020203" pitchFamily="34" charset="0"/>
                 <a:cs typeface="Segoe UI" panose="020B0502040204020203" pitchFamily="34" charset="0"/>
               </a:rPr>
               <a:t>nội</a:t>
             </a:r>
             <a:r>
-              <a:rPr lang="en-US" dirty="0" smtClean="0">
+              <a:rPr lang="en-US" dirty="0">
                 <a:latin typeface="Segoe UI" panose="020B0502040204020203" pitchFamily="34" charset="0"/>
                 <a:cs typeface="Segoe UI" panose="020B0502040204020203" pitchFamily="34" charset="0"/>
               </a:rPr>
               <a:t> </a:t>
             </a:r>
             <a:r>
-              <a:rPr lang="en-US" dirty="0" err="1" smtClean="0">
+              <a:rPr lang="en-US" dirty="0" err="1">
                 <a:latin typeface="Segoe UI" panose="020B0502040204020203" pitchFamily="34" charset="0"/>
                 <a:cs typeface="Segoe UI" panose="020B0502040204020203" pitchFamily="34" charset="0"/>
               </a:rPr>
               <a:t>bộ</a:t>
             </a:r>
             <a:r>
-              <a:rPr lang="en-US" dirty="0" smtClean="0">
+              <a:rPr lang="en-US" dirty="0">
                 <a:latin typeface="Segoe UI" panose="020B0502040204020203" pitchFamily="34" charset="0"/>
                 <a:cs typeface="Segoe UI" panose="020B0502040204020203" pitchFamily="34" charset="0"/>
               </a:rPr>
               <a:t>.</a:t>
             </a:r>
-            <a:endParaRPr lang="vi-VN" dirty="0" smtClean="0">
+            <a:endParaRPr lang="vi-VN" dirty="0">
               <a:latin typeface="Segoe UI" panose="020B0502040204020203" pitchFamily="34" charset="0"/>
               <a:cs typeface="Segoe UI" panose="020B0502040204020203" pitchFamily="34" charset="0"/>
             </a:endParaRPr>
@@ -5694,7 +6608,7 @@
 </p:sld>
 </file>
 
-<file path=ppt/slides/slide11.xml><?xml version="1.0" encoding="utf-8"?>
+<file path=ppt/slides/slide13.xml><?xml version="1.0" encoding="utf-8"?>
 <p:sld xmlns:a="http://schemas.openxmlformats.org/drawingml/2006/main" xmlns:r="http://schemas.openxmlformats.org/officeDocument/2006/relationships" xmlns:p="http://schemas.openxmlformats.org/presentationml/2006/main">
   <p:cSld>
     <p:bg>
@@ -5729,7 +6643,7 @@
         </p:nvSpPr>
         <p:spPr>
           <a:xfrm>
-            <a:off x="1049312" y="2548329"/>
+            <a:off x="2573312" y="2548329"/>
             <a:ext cx="6460760" cy="1477328"/>
           </a:xfrm>
           <a:prstGeom prst="rect">
@@ -5744,7 +6658,7 @@
           <a:lstStyle/>
           <a:p>
             <a:r>
-              <a:rPr lang="en-US" sz="3000" dirty="0" err="1" smtClean="0">
+              <a:rPr lang="en-US" sz="3000" dirty="0" err="1">
                 <a:solidFill>
                   <a:schemeClr val="bg1"/>
                 </a:solidFill>
@@ -5754,7 +6668,7 @@
               <a:t>Cách</a:t>
             </a:r>
             <a:r>
-              <a:rPr lang="en-US" sz="3000" dirty="0" smtClean="0">
+              <a:rPr lang="en-US" sz="3000" dirty="0">
                 <a:solidFill>
                   <a:schemeClr val="bg1"/>
                 </a:solidFill>
@@ -5764,7 +6678,7 @@
               <a:t> </a:t>
             </a:r>
             <a:r>
-              <a:rPr lang="en-US" sz="3000" dirty="0" err="1" smtClean="0">
+              <a:rPr lang="en-US" sz="3000" dirty="0" err="1">
                 <a:solidFill>
                   <a:schemeClr val="bg1"/>
                 </a:solidFill>
@@ -5774,7 +6688,7 @@
               <a:t>đăng</a:t>
             </a:r>
             <a:r>
-              <a:rPr lang="en-US" sz="3000" dirty="0" smtClean="0">
+              <a:rPr lang="en-US" sz="3000" dirty="0">
                 <a:solidFill>
                   <a:schemeClr val="bg1"/>
                 </a:solidFill>
@@ -5784,7 +6698,7 @@
               <a:t> </a:t>
             </a:r>
             <a:r>
-              <a:rPr lang="en-US" sz="3000" dirty="0" err="1" smtClean="0">
+              <a:rPr lang="en-US" sz="3000" dirty="0" err="1">
                 <a:solidFill>
                   <a:schemeClr val="bg1"/>
                 </a:solidFill>
@@ -5794,7 +6708,7 @@
               <a:t>nhập</a:t>
             </a:r>
             <a:r>
-              <a:rPr lang="en-US" sz="3000" dirty="0" smtClean="0">
+              <a:rPr lang="en-US" sz="3000" dirty="0">
                 <a:solidFill>
                   <a:schemeClr val="bg1"/>
                 </a:solidFill>
@@ -5804,7 +6718,7 @@
               <a:t> </a:t>
             </a:r>
             <a:r>
-              <a:rPr lang="en-US" sz="3000" dirty="0" err="1" smtClean="0">
+              <a:rPr lang="en-US" sz="3000" dirty="0" err="1">
                 <a:solidFill>
                   <a:schemeClr val="bg1"/>
                 </a:solidFill>
@@ -5814,7 +6728,7 @@
               <a:t>vào</a:t>
             </a:r>
             <a:r>
-              <a:rPr lang="en-US" sz="3000" dirty="0" smtClean="0">
+              <a:rPr lang="en-US" sz="3000" dirty="0">
                 <a:solidFill>
                   <a:schemeClr val="bg1"/>
                 </a:solidFill>
@@ -5824,7 +6738,7 @@
               <a:t> </a:t>
             </a:r>
             <a:r>
-              <a:rPr lang="en-US" sz="3000" dirty="0" err="1" smtClean="0">
+              <a:rPr lang="en-US" sz="3000" dirty="0" err="1">
                 <a:solidFill>
                   <a:schemeClr val="bg1"/>
                 </a:solidFill>
@@ -5834,7 +6748,7 @@
               <a:t>hệ</a:t>
             </a:r>
             <a:r>
-              <a:rPr lang="en-US" sz="3000" dirty="0" smtClean="0">
+              <a:rPr lang="en-US" sz="3000" dirty="0">
                 <a:solidFill>
                   <a:schemeClr val="bg1"/>
                 </a:solidFill>
@@ -5844,304 +6758,284 @@
               <a:t> </a:t>
             </a:r>
             <a:r>
-              <a:rPr lang="en-US" sz="3000" dirty="0" err="1" smtClean="0">
+              <a:rPr lang="en-US" sz="3000" dirty="0" err="1">
                 <a:solidFill>
                   <a:schemeClr val="bg1"/>
                 </a:solidFill>
                 <a:latin typeface="Segoe UI Light" panose="020B0502040204020203" pitchFamily="34" charset="0"/>
                 <a:cs typeface="Segoe UI Light" panose="020B0502040204020203" pitchFamily="34" charset="0"/>
               </a:rPr>
-              <a:t>thốn</a:t>
-            </a:r>
-            <a:r>
-              <a:rPr lang="en-US" sz="3000" dirty="0" err="1" smtClean="0">
+              <a:t>thống</a:t>
+            </a:r>
+            <a:r>
+              <a:rPr lang="en-US" sz="3000" dirty="0">
                 <a:solidFill>
                   <a:schemeClr val="bg1"/>
                 </a:solidFill>
                 <a:latin typeface="Segoe UI Light" panose="020B0502040204020203" pitchFamily="34" charset="0"/>
                 <a:cs typeface="Segoe UI Light" panose="020B0502040204020203" pitchFamily="34" charset="0"/>
               </a:rPr>
-              <a:t>g</a:t>
-            </a:r>
-            <a:r>
-              <a:rPr lang="en-US" sz="3000" dirty="0" smtClean="0">
+              <a:t> </a:t>
+            </a:r>
+            <a:r>
+              <a:rPr lang="en-US" sz="3000" dirty="0" err="1">
                 <a:solidFill>
                   <a:schemeClr val="bg1"/>
                 </a:solidFill>
                 <a:latin typeface="Segoe UI Light" panose="020B0502040204020203" pitchFamily="34" charset="0"/>
                 <a:cs typeface="Segoe UI Light" panose="020B0502040204020203" pitchFamily="34" charset="0"/>
               </a:rPr>
-              <a:t> </a:t>
-            </a:r>
-            <a:r>
-              <a:rPr lang="en-US" sz="3000" dirty="0" err="1" smtClean="0">
+              <a:t>của</a:t>
+            </a:r>
+            <a:r>
+              <a:rPr lang="en-US" sz="3000" dirty="0">
                 <a:solidFill>
                   <a:schemeClr val="bg1"/>
                 </a:solidFill>
                 <a:latin typeface="Segoe UI Light" panose="020B0502040204020203" pitchFamily="34" charset="0"/>
                 <a:cs typeface="Segoe UI Light" panose="020B0502040204020203" pitchFamily="34" charset="0"/>
               </a:rPr>
-              <a:t>của</a:t>
-            </a:r>
-            <a:r>
-              <a:rPr lang="en-US" sz="3000" dirty="0" smtClean="0">
+              <a:t> </a:t>
+            </a:r>
+            <a:r>
+              <a:rPr lang="en-US" sz="3000" dirty="0" err="1">
                 <a:solidFill>
                   <a:schemeClr val="bg1"/>
                 </a:solidFill>
                 <a:latin typeface="Segoe UI Light" panose="020B0502040204020203" pitchFamily="34" charset="0"/>
                 <a:cs typeface="Segoe UI Light" panose="020B0502040204020203" pitchFamily="34" charset="0"/>
               </a:rPr>
-              <a:t> </a:t>
-            </a:r>
-            <a:r>
-              <a:rPr lang="en-US" sz="3000" dirty="0" err="1" smtClean="0">
+              <a:t>chúng</a:t>
+            </a:r>
+            <a:r>
+              <a:rPr lang="en-US" sz="3000" dirty="0">
                 <a:solidFill>
                   <a:schemeClr val="bg1"/>
                 </a:solidFill>
                 <a:latin typeface="Segoe UI Light" panose="020B0502040204020203" pitchFamily="34" charset="0"/>
                 <a:cs typeface="Segoe UI Light" panose="020B0502040204020203" pitchFamily="34" charset="0"/>
               </a:rPr>
-              <a:t>chúng</a:t>
-            </a:r>
-            <a:r>
-              <a:rPr lang="en-US" sz="3000" dirty="0" smtClean="0">
+              <a:t> </a:t>
+            </a:r>
+            <a:r>
+              <a:rPr lang="en-US" sz="3000" dirty="0" err="1">
                 <a:solidFill>
                   <a:schemeClr val="bg1"/>
                 </a:solidFill>
                 <a:latin typeface="Segoe UI Light" panose="020B0502040204020203" pitchFamily="34" charset="0"/>
                 <a:cs typeface="Segoe UI Light" panose="020B0502040204020203" pitchFamily="34" charset="0"/>
               </a:rPr>
-              <a:t> </a:t>
-            </a:r>
-            <a:r>
-              <a:rPr lang="en-US" sz="3000" dirty="0" err="1" smtClean="0">
+              <a:t>tôi</a:t>
+            </a:r>
+            <a:r>
+              <a:rPr lang="en-US" sz="3000" dirty="0">
                 <a:solidFill>
                   <a:schemeClr val="bg1"/>
                 </a:solidFill>
                 <a:latin typeface="Segoe UI Light" panose="020B0502040204020203" pitchFamily="34" charset="0"/>
                 <a:cs typeface="Segoe UI Light" panose="020B0502040204020203" pitchFamily="34" charset="0"/>
               </a:rPr>
-              <a:t>tôi</a:t>
-            </a:r>
-            <a:r>
-              <a:rPr lang="en-US" sz="3000" dirty="0" smtClean="0">
+              <a:t> </a:t>
+            </a:r>
+            <a:r>
+              <a:rPr lang="en-US" sz="3000" dirty="0" err="1">
                 <a:solidFill>
                   <a:schemeClr val="bg1"/>
                 </a:solidFill>
                 <a:latin typeface="Segoe UI Light" panose="020B0502040204020203" pitchFamily="34" charset="0"/>
                 <a:cs typeface="Segoe UI Light" panose="020B0502040204020203" pitchFamily="34" charset="0"/>
               </a:rPr>
-              <a:t> </a:t>
-            </a:r>
-            <a:r>
-              <a:rPr lang="en-US" sz="3000" dirty="0" err="1" smtClean="0">
+              <a:t>rất</a:t>
+            </a:r>
+            <a:r>
+              <a:rPr lang="en-US" sz="3000" dirty="0">
                 <a:solidFill>
                   <a:schemeClr val="bg1"/>
                 </a:solidFill>
                 <a:latin typeface="Segoe UI Light" panose="020B0502040204020203" pitchFamily="34" charset="0"/>
                 <a:cs typeface="Segoe UI Light" panose="020B0502040204020203" pitchFamily="34" charset="0"/>
               </a:rPr>
-              <a:t>rất</a:t>
-            </a:r>
-            <a:r>
-              <a:rPr lang="en-US" sz="3000" dirty="0" smtClean="0">
+              <a:t> </a:t>
+            </a:r>
+            <a:r>
+              <a:rPr lang="en-US" sz="3000" dirty="0" err="1">
                 <a:solidFill>
                   <a:schemeClr val="bg1"/>
                 </a:solidFill>
                 <a:latin typeface="Segoe UI Light" panose="020B0502040204020203" pitchFamily="34" charset="0"/>
                 <a:cs typeface="Segoe UI Light" panose="020B0502040204020203" pitchFamily="34" charset="0"/>
               </a:rPr>
-              <a:t> </a:t>
-            </a:r>
-            <a:r>
-              <a:rPr lang="en-US" sz="3000" dirty="0" err="1" smtClean="0">
+              <a:t>đặc</a:t>
+            </a:r>
+            <a:r>
+              <a:rPr lang="en-US" sz="3000" dirty="0">
                 <a:solidFill>
                   <a:schemeClr val="bg1"/>
                 </a:solidFill>
                 <a:latin typeface="Segoe UI Light" panose="020B0502040204020203" pitchFamily="34" charset="0"/>
                 <a:cs typeface="Segoe UI Light" panose="020B0502040204020203" pitchFamily="34" charset="0"/>
               </a:rPr>
-              <a:t>đặc</a:t>
-            </a:r>
-            <a:r>
-              <a:rPr lang="en-US" sz="3000" dirty="0" smtClean="0">
+              <a:t> </a:t>
+            </a:r>
+            <a:r>
+              <a:rPr lang="en-US" sz="3000" dirty="0" err="1">
                 <a:solidFill>
                   <a:schemeClr val="bg1"/>
                 </a:solidFill>
                 <a:latin typeface="Segoe UI Light" panose="020B0502040204020203" pitchFamily="34" charset="0"/>
                 <a:cs typeface="Segoe UI Light" panose="020B0502040204020203" pitchFamily="34" charset="0"/>
               </a:rPr>
-              <a:t> </a:t>
-            </a:r>
-            <a:r>
-              <a:rPr lang="en-US" sz="3000" dirty="0" err="1" smtClean="0">
+              <a:t>biệt</a:t>
+            </a:r>
+            <a:r>
+              <a:rPr lang="en-US" sz="3000" dirty="0">
                 <a:solidFill>
                   <a:schemeClr val="bg1"/>
                 </a:solidFill>
                 <a:latin typeface="Segoe UI Light" panose="020B0502040204020203" pitchFamily="34" charset="0"/>
                 <a:cs typeface="Segoe UI Light" panose="020B0502040204020203" pitchFamily="34" charset="0"/>
               </a:rPr>
-              <a:t>biệt</a:t>
-            </a:r>
-            <a:r>
-              <a:rPr lang="en-US" sz="3000" dirty="0" smtClean="0">
+              <a:t>, </a:t>
+            </a:r>
+            <a:r>
+              <a:rPr lang="en-US" sz="3000" dirty="0" err="1">
                 <a:solidFill>
                   <a:schemeClr val="bg1"/>
                 </a:solidFill>
                 <a:latin typeface="Segoe UI Light" panose="020B0502040204020203" pitchFamily="34" charset="0"/>
                 <a:cs typeface="Segoe UI Light" panose="020B0502040204020203" pitchFamily="34" charset="0"/>
               </a:rPr>
-              <a:t>, </a:t>
-            </a:r>
-            <a:r>
-              <a:rPr lang="en-US" sz="3000" dirty="0" err="1" smtClean="0">
+              <a:t>liệu</a:t>
+            </a:r>
+            <a:r>
+              <a:rPr lang="en-US" sz="3000" dirty="0">
                 <a:solidFill>
                   <a:schemeClr val="bg1"/>
                 </a:solidFill>
                 <a:latin typeface="Segoe UI Light" panose="020B0502040204020203" pitchFamily="34" charset="0"/>
                 <a:cs typeface="Segoe UI Light" panose="020B0502040204020203" pitchFamily="34" charset="0"/>
               </a:rPr>
-              <a:t>liệu</a:t>
-            </a:r>
-            <a:r>
-              <a:rPr lang="en-US" sz="3000" dirty="0" smtClean="0">
+              <a:t> </a:t>
+            </a:r>
+            <a:r>
+              <a:rPr lang="en-US" sz="3000" dirty="0" err="1">
                 <a:solidFill>
                   <a:schemeClr val="bg1"/>
                 </a:solidFill>
                 <a:latin typeface="Segoe UI Light" panose="020B0502040204020203" pitchFamily="34" charset="0"/>
                 <a:cs typeface="Segoe UI Light" panose="020B0502040204020203" pitchFamily="34" charset="0"/>
               </a:rPr>
-              <a:t> </a:t>
-            </a:r>
-            <a:r>
-              <a:rPr lang="en-US" sz="3000" dirty="0" err="1" smtClean="0">
+              <a:t>chúng</a:t>
+            </a:r>
+            <a:r>
+              <a:rPr lang="en-US" sz="3000" dirty="0">
                 <a:solidFill>
                   <a:schemeClr val="bg1"/>
                 </a:solidFill>
                 <a:latin typeface="Segoe UI Light" panose="020B0502040204020203" pitchFamily="34" charset="0"/>
                 <a:cs typeface="Segoe UI Light" panose="020B0502040204020203" pitchFamily="34" charset="0"/>
               </a:rPr>
-              <a:t>chúng</a:t>
-            </a:r>
-            <a:r>
-              <a:rPr lang="en-US" sz="3000" dirty="0" smtClean="0">
+              <a:t> </a:t>
+            </a:r>
+            <a:r>
+              <a:rPr lang="en-US" sz="3000" dirty="0" err="1">
                 <a:solidFill>
                   <a:schemeClr val="bg1"/>
                 </a:solidFill>
                 <a:latin typeface="Segoe UI Light" panose="020B0502040204020203" pitchFamily="34" charset="0"/>
                 <a:cs typeface="Segoe UI Light" panose="020B0502040204020203" pitchFamily="34" charset="0"/>
               </a:rPr>
-              <a:t> </a:t>
-            </a:r>
-            <a:r>
-              <a:rPr lang="en-US" sz="3000" dirty="0" err="1" smtClean="0">
+              <a:t>tôi</a:t>
+            </a:r>
+            <a:r>
+              <a:rPr lang="en-US" sz="3000" dirty="0">
                 <a:solidFill>
                   <a:schemeClr val="bg1"/>
                 </a:solidFill>
                 <a:latin typeface="Segoe UI Light" panose="020B0502040204020203" pitchFamily="34" charset="0"/>
                 <a:cs typeface="Segoe UI Light" panose="020B0502040204020203" pitchFamily="34" charset="0"/>
               </a:rPr>
-              <a:t>tôi</a:t>
-            </a:r>
-            <a:r>
-              <a:rPr lang="en-US" sz="3000" dirty="0" smtClean="0">
+              <a:t> </a:t>
+            </a:r>
+            <a:r>
+              <a:rPr lang="en-US" sz="3000" dirty="0" err="1">
                 <a:solidFill>
                   <a:schemeClr val="bg1"/>
                 </a:solidFill>
                 <a:latin typeface="Segoe UI Light" panose="020B0502040204020203" pitchFamily="34" charset="0"/>
                 <a:cs typeface="Segoe UI Light" panose="020B0502040204020203" pitchFamily="34" charset="0"/>
               </a:rPr>
-              <a:t> </a:t>
-            </a:r>
-            <a:r>
-              <a:rPr lang="en-US" sz="3000" dirty="0" err="1" smtClean="0">
+              <a:t>có</a:t>
+            </a:r>
+            <a:r>
+              <a:rPr lang="en-US" sz="3000" dirty="0">
                 <a:solidFill>
                   <a:schemeClr val="bg1"/>
                 </a:solidFill>
                 <a:latin typeface="Segoe UI Light" panose="020B0502040204020203" pitchFamily="34" charset="0"/>
                 <a:cs typeface="Segoe UI Light" panose="020B0502040204020203" pitchFamily="34" charset="0"/>
               </a:rPr>
-              <a:t>có</a:t>
-            </a:r>
-            <a:r>
-              <a:rPr lang="en-US" sz="3000" dirty="0" smtClean="0">
+              <a:t> </a:t>
+            </a:r>
+            <a:r>
+              <a:rPr lang="en-US" sz="3000" dirty="0" err="1">
                 <a:solidFill>
                   <a:schemeClr val="bg1"/>
                 </a:solidFill>
                 <a:latin typeface="Segoe UI Light" panose="020B0502040204020203" pitchFamily="34" charset="0"/>
                 <a:cs typeface="Segoe UI Light" panose="020B0502040204020203" pitchFamily="34" charset="0"/>
               </a:rPr>
-              <a:t> </a:t>
-            </a:r>
-            <a:r>
-              <a:rPr lang="en-US" sz="3000" dirty="0" err="1" smtClean="0">
+              <a:t>thể</a:t>
+            </a:r>
+            <a:r>
+              <a:rPr lang="en-US" sz="3000" dirty="0">
                 <a:solidFill>
                   <a:schemeClr val="bg1"/>
                 </a:solidFill>
                 <a:latin typeface="Segoe UI Light" panose="020B0502040204020203" pitchFamily="34" charset="0"/>
                 <a:cs typeface="Segoe UI Light" panose="020B0502040204020203" pitchFamily="34" charset="0"/>
               </a:rPr>
-              <a:t>thể</a:t>
-            </a:r>
-            <a:r>
-              <a:rPr lang="en-US" sz="3000" dirty="0" smtClean="0">
+              <a:t> </a:t>
+            </a:r>
+            <a:r>
+              <a:rPr lang="en-US" sz="3000" dirty="0" err="1">
                 <a:solidFill>
                   <a:schemeClr val="bg1"/>
                 </a:solidFill>
                 <a:latin typeface="Segoe UI Light" panose="020B0502040204020203" pitchFamily="34" charset="0"/>
                 <a:cs typeface="Segoe UI Light" panose="020B0502040204020203" pitchFamily="34" charset="0"/>
               </a:rPr>
-              <a:t> </a:t>
-            </a:r>
-            <a:r>
-              <a:rPr lang="en-US" sz="3000" dirty="0" err="1" smtClean="0">
+              <a:t>sử</a:t>
+            </a:r>
+            <a:r>
+              <a:rPr lang="en-US" sz="3000" dirty="0">
                 <a:solidFill>
                   <a:schemeClr val="bg1"/>
                 </a:solidFill>
                 <a:latin typeface="Segoe UI Light" panose="020B0502040204020203" pitchFamily="34" charset="0"/>
                 <a:cs typeface="Segoe UI Light" panose="020B0502040204020203" pitchFamily="34" charset="0"/>
               </a:rPr>
-              <a:t>sử</a:t>
-            </a:r>
-            <a:r>
-              <a:rPr lang="en-US" sz="3000" dirty="0" smtClean="0">
+              <a:t> </a:t>
+            </a:r>
+            <a:r>
+              <a:rPr lang="en-US" sz="3000" dirty="0" err="1">
                 <a:solidFill>
                   <a:schemeClr val="bg1"/>
                 </a:solidFill>
                 <a:latin typeface="Segoe UI Light" panose="020B0502040204020203" pitchFamily="34" charset="0"/>
                 <a:cs typeface="Segoe UI Light" panose="020B0502040204020203" pitchFamily="34" charset="0"/>
               </a:rPr>
-              <a:t> </a:t>
-            </a:r>
-            <a:r>
-              <a:rPr lang="en-US" sz="3000" dirty="0" err="1" smtClean="0">
+              <a:t>dụng</a:t>
+            </a:r>
+            <a:r>
+              <a:rPr lang="en-US" sz="3000" dirty="0">
                 <a:solidFill>
                   <a:schemeClr val="bg1"/>
                 </a:solidFill>
                 <a:latin typeface="Segoe UI Light" panose="020B0502040204020203" pitchFamily="34" charset="0"/>
                 <a:cs typeface="Segoe UI Light" panose="020B0502040204020203" pitchFamily="34" charset="0"/>
               </a:rPr>
-              <a:t>dụng</a:t>
-            </a:r>
-            <a:r>
-              <a:rPr lang="en-US" sz="3000" dirty="0" smtClean="0">
-                <a:solidFill>
-                  <a:schemeClr val="bg1"/>
-                </a:solidFill>
-                <a:latin typeface="Segoe UI Light" panose="020B0502040204020203" pitchFamily="34" charset="0"/>
-                <a:cs typeface="Segoe UI Light" panose="020B0502040204020203" pitchFamily="34" charset="0"/>
-              </a:rPr>
-              <a:t> RNS</a:t>
-            </a:r>
-            <a:r>
-              <a:rPr lang="en-US" sz="3000" dirty="0" smtClean="0">
-                <a:solidFill>
-                  <a:schemeClr val="bg1"/>
-                </a:solidFill>
-                <a:latin typeface="Segoe UI Light" panose="020B0502040204020203" pitchFamily="34" charset="0"/>
-                <a:cs typeface="Segoe UI Light" panose="020B0502040204020203" pitchFamily="34" charset="0"/>
-              </a:rPr>
-              <a:t>?</a:t>
+              <a:t> RNS?</a:t>
             </a:r>
             <a:endParaRPr lang="vi-VN" sz="3000" dirty="0">
               <a:solidFill>
@@ -6329,7 +7223,7 @@
 </p:sld>
 </file>
 
-<file path=ppt/slides/slide12.xml><?xml version="1.0" encoding="utf-8"?>
+<file path=ppt/slides/slide14.xml><?xml version="1.0" encoding="utf-8"?>
 <p:sld xmlns:a="http://schemas.openxmlformats.org/drawingml/2006/main" xmlns:r="http://schemas.openxmlformats.org/officeDocument/2006/relationships" xmlns:p="http://schemas.openxmlformats.org/presentationml/2006/main">
   <p:cSld>
     <p:spTree>
@@ -6405,7 +7299,7 @@
         </p:nvCxnSpPr>
         <p:spPr>
           <a:xfrm flipV="1">
-            <a:off x="-291778" y="4505311"/>
+            <a:off x="1232223" y="4505312"/>
             <a:ext cx="9718031" cy="57165"/>
           </a:xfrm>
           <a:prstGeom prst="line">
@@ -6450,7 +7344,7 @@
         </p:nvSpPr>
         <p:spPr>
           <a:xfrm>
-            <a:off x="831632" y="4589466"/>
+            <a:off x="2355632" y="4589467"/>
             <a:ext cx="10512862" cy="1500187"/>
           </a:xfrm>
           <a:prstGeom prst="rect">
@@ -6644,76 +7538,27 @@
             </a:lvl9pPr>
           </a:lstStyle>
           <a:p>
-            <a:pPr marL="0" marR="0" lvl="0" indent="0" algn="l" defTabSz="914141" rtl="0" eaLnBrk="1" fontAlgn="auto" latinLnBrk="0" hangingPunct="1">
-              <a:lnSpc>
-                <a:spcPct val="90000"/>
-              </a:lnSpc>
-              <a:spcBef>
-                <a:spcPts val="1000"/>
-              </a:spcBef>
-              <a:spcAft>
-                <a:spcPts val="0"/>
-              </a:spcAft>
-              <a:buClrTx/>
-              <a:buSzTx/>
-              <a:buFont typeface="Arial" panose="020B0604020202020204" pitchFamily="34" charset="0"/>
-              <a:buNone/>
-              <a:tabLst/>
+            <a:pPr>
               <a:defRPr/>
             </a:pPr>
             <a:r>
-              <a:rPr kumimoji="0" lang="en-US" sz="2399" b="0" i="0" u="none" strike="noStrike" kern="1200" cap="none" spc="0" normalizeH="0" baseline="0" noProof="0" dirty="0" smtClean="0">
-                <a:ln>
-                  <a:noFill/>
-                </a:ln>
+              <a:rPr lang="en-US" dirty="0">
                 <a:solidFill>
                   <a:sysClr val="windowText" lastClr="000000">
                     <a:tint val="75000"/>
                   </a:sysClr>
                 </a:solidFill>
-                <a:effectLst/>
-                <a:uLnTx/>
-                <a:uFillTx/>
                 <a:latin typeface="Calibri" panose="020F0502020204030204"/>
-                <a:ea typeface="+mn-ea"/>
-                <a:cs typeface="+mn-cs"/>
-              </a:rPr>
-              <a:t>Raw</a:t>
-            </a:r>
-            <a:r>
-              <a:rPr kumimoji="0" lang="en-US" sz="2399" b="0" i="0" u="none" strike="noStrike" kern="1200" cap="none" spc="0" normalizeH="0" noProof="0" dirty="0" smtClean="0">
-                <a:ln>
-                  <a:noFill/>
-                </a:ln>
-                <a:solidFill>
-                  <a:sysClr val="windowText" lastClr="000000">
-                    <a:tint val="75000"/>
-                  </a:sysClr>
-                </a:solidFill>
-                <a:effectLst/>
-                <a:uLnTx/>
-                <a:uFillTx/>
-                <a:latin typeface="Calibri" panose="020F0502020204030204"/>
-                <a:ea typeface="+mn-ea"/>
-                <a:cs typeface="+mn-cs"/>
-              </a:rPr>
-              <a:t> Notification Service</a:t>
-            </a:r>
-            <a:endParaRPr kumimoji="0" lang="en-US" sz="2399" b="0" i="0" u="none" strike="noStrike" kern="1200" cap="none" spc="0" normalizeH="0" baseline="0" noProof="0" dirty="0">
-              <a:ln>
-                <a:noFill/>
-              </a:ln>
+              </a:rPr>
+              <a:t>Raw Notification Service</a:t>
+            </a:r>
+            <a:endParaRPr lang="en-US" dirty="0">
               <a:solidFill>
                 <a:sysClr val="windowText" lastClr="000000">
                   <a:tint val="75000"/>
                 </a:sysClr>
               </a:solidFill>
-              <a:effectLst/>
-              <a:uLnTx/>
-              <a:uFillTx/>
               <a:latin typeface="Calibri" panose="020F0502020204030204"/>
-              <a:ea typeface="+mn-ea"/>
-              <a:cs typeface="+mn-cs"/>
             </a:endParaRPr>
           </a:p>
         </p:txBody>
@@ -6750,7 +7595,7 @@
 </p:sld>
 </file>
 
-<file path=ppt/slides/slide13.xml><?xml version="1.0" encoding="utf-8"?>
+<file path=ppt/slides/slide15.xml><?xml version="1.0" encoding="utf-8"?>
 <p:sld xmlns:a="http://schemas.openxmlformats.org/drawingml/2006/main" xmlns:r="http://schemas.openxmlformats.org/officeDocument/2006/relationships" xmlns:p="http://schemas.openxmlformats.org/presentationml/2006/main">
   <p:cSld>
     <p:spTree>
@@ -6775,7 +7620,7 @@
         </p:nvCxnSpPr>
         <p:spPr>
           <a:xfrm flipV="1">
-            <a:off x="-287016" y="1397905"/>
+            <a:off x="1236985" y="1397906"/>
             <a:ext cx="9718031" cy="57165"/>
           </a:xfrm>
           <a:prstGeom prst="line">
@@ -6818,7 +7663,7 @@
         </p:nvSpPr>
         <p:spPr>
           <a:xfrm>
-            <a:off x="-1" y="525367"/>
+            <a:off x="1523999" y="525368"/>
             <a:ext cx="7821638" cy="636919"/>
           </a:xfrm>
           <a:prstGeom prst="rect">
@@ -6845,7 +7690,7 @@
               </a:spcAft>
             </a:pPr>
             <a:r>
-              <a:rPr lang="en-US" sz="2999" b="1" spc="-112" dirty="0" err="1" smtClean="0">
+              <a:rPr lang="en-US" sz="2999" b="1" spc="-112" dirty="0" err="1">
                 <a:solidFill>
                   <a:srgbClr val="FFFFFF"/>
                 </a:solidFill>
@@ -6853,7 +7698,7 @@
               <a:t>Các</a:t>
             </a:r>
             <a:r>
-              <a:rPr lang="en-US" sz="2999" b="1" spc="-112" dirty="0" smtClean="0">
+              <a:rPr lang="en-US" sz="2999" b="1" spc="-112" dirty="0">
                 <a:solidFill>
                   <a:srgbClr val="FFFFFF"/>
                 </a:solidFill>
@@ -6861,7 +7706,7 @@
               <a:t> </a:t>
             </a:r>
             <a:r>
-              <a:rPr lang="en-US" sz="2999" b="1" spc="-112" dirty="0" err="1" smtClean="0">
+              <a:rPr lang="en-US" sz="2999" b="1" spc="-112" dirty="0" err="1">
                 <a:solidFill>
                   <a:srgbClr val="FFFFFF"/>
                 </a:solidFill>
@@ -6869,7 +7714,7 @@
               <a:t>sai</a:t>
             </a:r>
             <a:r>
-              <a:rPr lang="en-US" sz="2999" b="1" spc="-112" dirty="0" smtClean="0">
+              <a:rPr lang="en-US" sz="2999" b="1" spc="-112" dirty="0">
                 <a:solidFill>
                   <a:srgbClr val="FFFFFF"/>
                 </a:solidFill>
@@ -6877,7 +7722,7 @@
               <a:t> </a:t>
             </a:r>
             <a:r>
-              <a:rPr lang="en-US" sz="2999" b="1" spc="-112" dirty="0" err="1" smtClean="0">
+              <a:rPr lang="en-US" sz="2999" b="1" spc="-112" dirty="0" err="1">
                 <a:solidFill>
                   <a:srgbClr val="FFFFFF"/>
                 </a:solidFill>
@@ -6885,7 +7730,7 @@
               <a:t>lầm</a:t>
             </a:r>
             <a:r>
-              <a:rPr lang="en-US" sz="2999" b="1" spc="-112" dirty="0" smtClean="0">
+              <a:rPr lang="en-US" sz="2999" b="1" spc="-112" dirty="0">
                 <a:solidFill>
                   <a:srgbClr val="FFFFFF"/>
                 </a:solidFill>
@@ -6893,7 +7738,7 @@
               <a:t> </a:t>
             </a:r>
             <a:r>
-              <a:rPr lang="en-US" sz="2999" b="1" spc="-112" dirty="0" err="1" smtClean="0">
+              <a:rPr lang="en-US" sz="2999" b="1" spc="-112" dirty="0" err="1">
                 <a:solidFill>
                   <a:srgbClr val="FFFFFF"/>
                 </a:solidFill>
@@ -6901,7 +7746,7 @@
               <a:t>trong</a:t>
             </a:r>
             <a:r>
-              <a:rPr lang="en-US" sz="2999" b="1" spc="-112" dirty="0" smtClean="0">
+              <a:rPr lang="en-US" sz="2999" b="1" spc="-112" dirty="0">
                 <a:solidFill>
                   <a:srgbClr val="FFFFFF"/>
                 </a:solidFill>
@@ -6909,7 +7754,7 @@
               <a:t> </a:t>
             </a:r>
             <a:r>
-              <a:rPr lang="en-US" sz="2999" b="1" spc="-112" dirty="0" err="1" smtClean="0">
+              <a:rPr lang="en-US" sz="2999" b="1" spc="-112" dirty="0" err="1">
                 <a:solidFill>
                   <a:srgbClr val="FFFFFF"/>
                 </a:solidFill>
@@ -6917,7 +7762,7 @@
               <a:t>thiết</a:t>
             </a:r>
             <a:r>
-              <a:rPr lang="en-US" sz="2999" b="1" spc="-112" dirty="0" smtClean="0">
+              <a:rPr lang="en-US" sz="2999" b="1" spc="-112" dirty="0">
                 <a:solidFill>
                   <a:srgbClr val="FFFFFF"/>
                 </a:solidFill>
@@ -6925,7 +7770,7 @@
               <a:t> </a:t>
             </a:r>
             <a:r>
-              <a:rPr lang="en-US" sz="2999" b="1" spc="-112" dirty="0" err="1" smtClean="0">
+              <a:rPr lang="en-US" sz="2999" b="1" spc="-112" dirty="0" err="1">
                 <a:solidFill>
                   <a:srgbClr val="FFFFFF"/>
                 </a:solidFill>
@@ -6933,7 +7778,7 @@
               <a:t>kế</a:t>
             </a:r>
             <a:r>
-              <a:rPr lang="en-US" sz="2999" b="1" spc="-112" dirty="0" smtClean="0">
+              <a:rPr lang="en-US" sz="2999" b="1" spc="-112" dirty="0">
                 <a:solidFill>
                   <a:srgbClr val="FFFFFF"/>
                 </a:solidFill>
@@ -6941,7 +7786,7 @@
               <a:t> </a:t>
             </a:r>
             <a:r>
-              <a:rPr lang="en-US" sz="2999" b="1" spc="-112" dirty="0" err="1" smtClean="0">
+              <a:rPr lang="en-US" sz="2999" b="1" spc="-112" dirty="0" err="1">
                 <a:solidFill>
                   <a:srgbClr val="FFFFFF"/>
                 </a:solidFill>
@@ -6949,7 +7794,7 @@
               <a:t>và</a:t>
             </a:r>
             <a:r>
-              <a:rPr lang="en-US" sz="2999" b="1" spc="-112" dirty="0" smtClean="0">
+              <a:rPr lang="en-US" sz="2999" b="1" spc="-112" dirty="0">
                 <a:solidFill>
                   <a:srgbClr val="FFFFFF"/>
                 </a:solidFill>
@@ -6957,7 +7802,7 @@
               <a:t> </a:t>
             </a:r>
             <a:r>
-              <a:rPr lang="en-US" sz="2999" b="1" spc="-112" dirty="0" err="1" smtClean="0">
+              <a:rPr lang="en-US" sz="2999" b="1" spc="-112" dirty="0" err="1">
                 <a:solidFill>
                   <a:srgbClr val="FFFFFF"/>
                 </a:solidFill>
@@ -6965,7 +7810,7 @@
               <a:t>lựa</a:t>
             </a:r>
             <a:r>
-              <a:rPr lang="en-US" sz="2999" b="1" spc="-112" dirty="0" smtClean="0">
+              <a:rPr lang="en-US" sz="2999" b="1" spc="-112" dirty="0">
                 <a:solidFill>
                   <a:srgbClr val="FFFFFF"/>
                 </a:solidFill>
@@ -6973,7 +7818,7 @@
               <a:t> </a:t>
             </a:r>
             <a:r>
-              <a:rPr lang="en-US" sz="2999" b="1" spc="-112" dirty="0" err="1" smtClean="0">
+              <a:rPr lang="en-US" sz="2999" b="1" spc="-112" dirty="0" err="1">
                 <a:solidFill>
                   <a:srgbClr val="FFFFFF"/>
                 </a:solidFill>
@@ -6981,7 +7826,7 @@
               <a:t>chọn</a:t>
             </a:r>
             <a:r>
-              <a:rPr lang="en-US" sz="2999" b="1" spc="-112" dirty="0" smtClean="0">
+              <a:rPr lang="en-US" sz="2999" b="1" spc="-112" dirty="0">
                 <a:solidFill>
                   <a:srgbClr val="FFFFFF"/>
                 </a:solidFill>
@@ -6989,7 +7834,7 @@
               <a:t> </a:t>
             </a:r>
             <a:r>
-              <a:rPr lang="en-US" sz="2999" b="1" spc="-112" dirty="0" err="1" smtClean="0">
+              <a:rPr lang="en-US" sz="2999" b="1" spc="-112" dirty="0" err="1">
                 <a:solidFill>
                   <a:srgbClr val="FFFFFF"/>
                 </a:solidFill>
@@ -6997,7 +7842,7 @@
               <a:t>công</a:t>
             </a:r>
             <a:r>
-              <a:rPr lang="en-US" sz="2999" b="1" spc="-112" dirty="0" smtClean="0">
+              <a:rPr lang="en-US" sz="2999" b="1" spc="-112" dirty="0">
                 <a:solidFill>
                   <a:srgbClr val="FFFFFF"/>
                 </a:solidFill>
@@ -7005,7 +7850,7 @@
               <a:t> </a:t>
             </a:r>
             <a:r>
-              <a:rPr lang="en-US" sz="2999" b="1" spc="-112" dirty="0" err="1" smtClean="0">
+              <a:rPr lang="en-US" sz="2999" b="1" spc="-112" dirty="0" err="1">
                 <a:solidFill>
                   <a:srgbClr val="FFFFFF"/>
                 </a:solidFill>
@@ -7028,7 +7873,7 @@
         </p:nvSpPr>
         <p:spPr>
           <a:xfrm>
-            <a:off x="166255" y="1634836"/>
+            <a:off x="1690255" y="1634836"/>
             <a:ext cx="8839200" cy="3416320"/>
           </a:xfrm>
           <a:prstGeom prst="rect">
@@ -7050,58 +7895,54 @@
               <a:buChar char="•"/>
             </a:pPr>
             <a:r>
-              <a:rPr lang="en-US" dirty="0" smtClean="0">
+              <a:rPr lang="en-US" dirty="0">
                 <a:latin typeface="Segoe UI" panose="020B0502040204020203" pitchFamily="34" charset="0"/>
                 <a:cs typeface="Segoe UI" panose="020B0502040204020203" pitchFamily="34" charset="0"/>
               </a:rPr>
               <a:t>Sai </a:t>
             </a:r>
             <a:r>
-              <a:rPr lang="en-US" dirty="0" err="1" smtClean="0">
+              <a:rPr lang="en-US" dirty="0" err="1">
                 <a:latin typeface="Segoe UI" panose="020B0502040204020203" pitchFamily="34" charset="0"/>
                 <a:cs typeface="Segoe UI" panose="020B0502040204020203" pitchFamily="34" charset="0"/>
               </a:rPr>
               <a:t>lầm</a:t>
             </a:r>
             <a:r>
-              <a:rPr lang="en-US" dirty="0" smtClean="0">
+              <a:rPr lang="en-US" dirty="0">
                 <a:latin typeface="Segoe UI" panose="020B0502040204020203" pitchFamily="34" charset="0"/>
                 <a:cs typeface="Segoe UI" panose="020B0502040204020203" pitchFamily="34" charset="0"/>
               </a:rPr>
               <a:t> </a:t>
             </a:r>
             <a:r>
-              <a:rPr lang="en-US" dirty="0" err="1" smtClean="0">
+              <a:rPr lang="en-US" dirty="0" err="1">
                 <a:latin typeface="Segoe UI" panose="020B0502040204020203" pitchFamily="34" charset="0"/>
                 <a:cs typeface="Segoe UI" panose="020B0502040204020203" pitchFamily="34" charset="0"/>
               </a:rPr>
               <a:t>thiết</a:t>
             </a:r>
             <a:r>
-              <a:rPr lang="en-US" dirty="0" smtClean="0">
+              <a:rPr lang="en-US" dirty="0">
                 <a:latin typeface="Segoe UI" panose="020B0502040204020203" pitchFamily="34" charset="0"/>
                 <a:cs typeface="Segoe UI" panose="020B0502040204020203" pitchFamily="34" charset="0"/>
               </a:rPr>
               <a:t> </a:t>
             </a:r>
             <a:r>
-              <a:rPr lang="en-US" dirty="0" err="1" smtClean="0">
+              <a:rPr lang="en-US" dirty="0" err="1">
                 <a:latin typeface="Segoe UI" panose="020B0502040204020203" pitchFamily="34" charset="0"/>
                 <a:cs typeface="Segoe UI" panose="020B0502040204020203" pitchFamily="34" charset="0"/>
               </a:rPr>
               <a:t>kế</a:t>
             </a:r>
             <a:r>
-              <a:rPr lang="en-US" dirty="0" smtClean="0">
+              <a:rPr lang="en-US" dirty="0">
                 <a:latin typeface="Segoe UI" panose="020B0502040204020203" pitchFamily="34" charset="0"/>
                 <a:cs typeface="Segoe UI" panose="020B0502040204020203" pitchFamily="34" charset="0"/>
               </a:rPr>
               <a:t>:</a:t>
             </a:r>
-            <a:endParaRPr lang="en-US" dirty="0" smtClean="0">
-              <a:latin typeface="Segoe UI" panose="020B0502040204020203" pitchFamily="34" charset="0"/>
-              <a:cs typeface="Segoe UI" panose="020B0502040204020203" pitchFamily="34" charset="0"/>
-            </a:endParaRPr>
           </a:p>
           <a:p>
             <a:pPr marL="742950" lvl="1" indent="-285750">
@@ -7112,90 +7953,90 @@
               <a:buChar char="•"/>
             </a:pPr>
             <a:r>
-              <a:rPr lang="en-US" dirty="0" smtClean="0">
+              <a:rPr lang="en-US" dirty="0">
                 <a:latin typeface="Segoe UI" panose="020B0502040204020203" pitchFamily="34" charset="0"/>
                 <a:cs typeface="Segoe UI" panose="020B0502040204020203" pitchFamily="34" charset="0"/>
               </a:rPr>
               <a:t>RNS </a:t>
             </a:r>
             <a:r>
-              <a:rPr lang="en-US" dirty="0" err="1" smtClean="0">
+              <a:rPr lang="en-US" dirty="0" err="1">
                 <a:latin typeface="Segoe UI" panose="020B0502040204020203" pitchFamily="34" charset="0"/>
                 <a:cs typeface="Segoe UI" panose="020B0502040204020203" pitchFamily="34" charset="0"/>
               </a:rPr>
               <a:t>đã</a:t>
             </a:r>
             <a:r>
-              <a:rPr lang="en-US" dirty="0" smtClean="0">
+              <a:rPr lang="en-US" dirty="0">
                 <a:latin typeface="Segoe UI" panose="020B0502040204020203" pitchFamily="34" charset="0"/>
                 <a:cs typeface="Segoe UI" panose="020B0502040204020203" pitchFamily="34" charset="0"/>
               </a:rPr>
               <a:t> </a:t>
             </a:r>
             <a:r>
-              <a:rPr lang="en-US" dirty="0" err="1" smtClean="0">
+              <a:rPr lang="en-US" dirty="0" err="1">
                 <a:latin typeface="Segoe UI" panose="020B0502040204020203" pitchFamily="34" charset="0"/>
                 <a:cs typeface="Segoe UI" panose="020B0502040204020203" pitchFamily="34" charset="0"/>
               </a:rPr>
               <a:t>phải</a:t>
             </a:r>
             <a:r>
-              <a:rPr lang="en-US" dirty="0" smtClean="0">
+              <a:rPr lang="en-US" dirty="0">
                 <a:latin typeface="Segoe UI" panose="020B0502040204020203" pitchFamily="34" charset="0"/>
                 <a:cs typeface="Segoe UI" panose="020B0502040204020203" pitchFamily="34" charset="0"/>
               </a:rPr>
               <a:t> </a:t>
             </a:r>
             <a:r>
-              <a:rPr lang="en-US" dirty="0" err="1" smtClean="0">
+              <a:rPr lang="en-US" dirty="0" err="1">
                 <a:latin typeface="Segoe UI" panose="020B0502040204020203" pitchFamily="34" charset="0"/>
                 <a:cs typeface="Segoe UI" panose="020B0502040204020203" pitchFamily="34" charset="0"/>
               </a:rPr>
               <a:t>thiết</a:t>
             </a:r>
             <a:r>
-              <a:rPr lang="en-US" dirty="0" smtClean="0">
+              <a:rPr lang="en-US" dirty="0">
                 <a:latin typeface="Segoe UI" panose="020B0502040204020203" pitchFamily="34" charset="0"/>
                 <a:cs typeface="Segoe UI" panose="020B0502040204020203" pitchFamily="34" charset="0"/>
               </a:rPr>
               <a:t> </a:t>
             </a:r>
             <a:r>
-              <a:rPr lang="en-US" dirty="0" err="1" smtClean="0">
+              <a:rPr lang="en-US" dirty="0" err="1">
                 <a:latin typeface="Segoe UI" panose="020B0502040204020203" pitchFamily="34" charset="0"/>
                 <a:cs typeface="Segoe UI" panose="020B0502040204020203" pitchFamily="34" charset="0"/>
               </a:rPr>
               <a:t>kế</a:t>
             </a:r>
             <a:r>
-              <a:rPr lang="en-US" dirty="0" smtClean="0">
+              <a:rPr lang="en-US" dirty="0">
                 <a:latin typeface="Segoe UI" panose="020B0502040204020203" pitchFamily="34" charset="0"/>
                 <a:cs typeface="Segoe UI" panose="020B0502040204020203" pitchFamily="34" charset="0"/>
               </a:rPr>
               <a:t> </a:t>
             </a:r>
             <a:r>
-              <a:rPr lang="en-US" dirty="0" err="1" smtClean="0">
+              <a:rPr lang="en-US" dirty="0" err="1">
                 <a:latin typeface="Segoe UI" panose="020B0502040204020203" pitchFamily="34" charset="0"/>
                 <a:cs typeface="Segoe UI" panose="020B0502040204020203" pitchFamily="34" charset="0"/>
               </a:rPr>
               <a:t>lại</a:t>
             </a:r>
             <a:r>
-              <a:rPr lang="en-US" dirty="0" smtClean="0">
+              <a:rPr lang="en-US" dirty="0">
                 <a:latin typeface="Segoe UI" panose="020B0502040204020203" pitchFamily="34" charset="0"/>
                 <a:cs typeface="Segoe UI" panose="020B0502040204020203" pitchFamily="34" charset="0"/>
               </a:rPr>
               <a:t> 4 </a:t>
             </a:r>
             <a:r>
-              <a:rPr lang="en-US" dirty="0" err="1" smtClean="0">
+              <a:rPr lang="en-US" dirty="0" err="1">
                 <a:latin typeface="Segoe UI" panose="020B0502040204020203" pitchFamily="34" charset="0"/>
                 <a:cs typeface="Segoe UI" panose="020B0502040204020203" pitchFamily="34" charset="0"/>
               </a:rPr>
               <a:t>lần</a:t>
             </a:r>
-            <a:endParaRPr lang="en-US" dirty="0" smtClean="0">
+            <a:endParaRPr lang="en-US" dirty="0">
               <a:latin typeface="Segoe UI" panose="020B0502040204020203" pitchFamily="34" charset="0"/>
               <a:cs typeface="Segoe UI" panose="020B0502040204020203" pitchFamily="34" charset="0"/>
             </a:endParaRPr>
@@ -7209,60 +8050,53 @@
               <a:buChar char="•"/>
             </a:pPr>
             <a:r>
-              <a:rPr lang="en-US" dirty="0" smtClean="0">
+              <a:rPr lang="en-US" dirty="0">
                 <a:latin typeface="Segoe UI" panose="020B0502040204020203" pitchFamily="34" charset="0"/>
                 <a:cs typeface="Segoe UI" panose="020B0502040204020203" pitchFamily="34" charset="0"/>
               </a:rPr>
               <a:t>RNS </a:t>
             </a:r>
             <a:r>
-              <a:rPr lang="en-US" dirty="0" err="1" smtClean="0">
+              <a:rPr lang="en-US" dirty="0" err="1">
                 <a:latin typeface="Segoe UI" panose="020B0502040204020203" pitchFamily="34" charset="0"/>
                 <a:cs typeface="Segoe UI" panose="020B0502040204020203" pitchFamily="34" charset="0"/>
               </a:rPr>
               <a:t>bắt</a:t>
             </a:r>
             <a:r>
-              <a:rPr lang="en-US" dirty="0" smtClean="0">
+              <a:rPr lang="en-US" dirty="0">
                 <a:latin typeface="Segoe UI" panose="020B0502040204020203" pitchFamily="34" charset="0"/>
                 <a:cs typeface="Segoe UI" panose="020B0502040204020203" pitchFamily="34" charset="0"/>
               </a:rPr>
               <a:t> </a:t>
             </a:r>
             <a:r>
-              <a:rPr lang="en-US" dirty="0" err="1" smtClean="0">
+              <a:rPr lang="en-US" dirty="0" err="1">
                 <a:latin typeface="Segoe UI" panose="020B0502040204020203" pitchFamily="34" charset="0"/>
                 <a:cs typeface="Segoe UI" panose="020B0502040204020203" pitchFamily="34" charset="0"/>
               </a:rPr>
               <a:t>đầu</a:t>
             </a:r>
             <a:r>
-              <a:rPr lang="en-US" dirty="0" smtClean="0">
+              <a:rPr lang="en-US" dirty="0">
                 <a:latin typeface="Segoe UI" panose="020B0502040204020203" pitchFamily="34" charset="0"/>
                 <a:cs typeface="Segoe UI" panose="020B0502040204020203" pitchFamily="34" charset="0"/>
               </a:rPr>
               <a:t> </a:t>
             </a:r>
             <a:r>
-              <a:rPr lang="en-US" dirty="0" err="1" smtClean="0">
+              <a:rPr lang="en-US" dirty="0" err="1">
                 <a:latin typeface="Segoe UI" panose="020B0502040204020203" pitchFamily="34" charset="0"/>
                 <a:cs typeface="Segoe UI" panose="020B0502040204020203" pitchFamily="34" charset="0"/>
               </a:rPr>
               <a:t>với</a:t>
             </a:r>
             <a:r>
-              <a:rPr lang="en-US" dirty="0" smtClean="0">
+              <a:rPr lang="en-US" dirty="0">
                 <a:latin typeface="Segoe UI" panose="020B0502040204020203" pitchFamily="34" charset="0"/>
                 <a:cs typeface="Segoe UI" panose="020B0502040204020203" pitchFamily="34" charset="0"/>
               </a:rPr>
-              <a:t> 2 layer=&gt; </a:t>
-            </a:r>
-            <a:r>
-              <a:rPr lang="en-US" dirty="0" smtClean="0">
-                <a:latin typeface="Segoe UI" panose="020B0502040204020203" pitchFamily="34" charset="0"/>
-                <a:cs typeface="Segoe UI" panose="020B0502040204020203" pitchFamily="34" charset="0"/>
-              </a:rPr>
-              <a:t>n layers (22 projects)</a:t>
+              <a:t> 2 layer=&gt; n layers (22 projects)</a:t>
             </a:r>
           </a:p>
           <a:p>
@@ -7274,86 +8108,82 @@
               <a:buChar char="•"/>
             </a:pPr>
             <a:r>
-              <a:rPr lang="en-US" dirty="0" smtClean="0">
+              <a:rPr lang="en-US" dirty="0">
                 <a:latin typeface="Segoe UI" panose="020B0502040204020203" pitchFamily="34" charset="0"/>
                 <a:cs typeface="Segoe UI" panose="020B0502040204020203" pitchFamily="34" charset="0"/>
               </a:rPr>
               <a:t>Sai </a:t>
             </a:r>
             <a:r>
-              <a:rPr lang="en-US" dirty="0" err="1" smtClean="0">
+              <a:rPr lang="en-US" dirty="0" err="1">
                 <a:latin typeface="Segoe UI" panose="020B0502040204020203" pitchFamily="34" charset="0"/>
                 <a:cs typeface="Segoe UI" panose="020B0502040204020203" pitchFamily="34" charset="0"/>
               </a:rPr>
               <a:t>lầm</a:t>
             </a:r>
             <a:r>
-              <a:rPr lang="en-US" dirty="0" smtClean="0">
+              <a:rPr lang="en-US" dirty="0">
                 <a:latin typeface="Segoe UI" panose="020B0502040204020203" pitchFamily="34" charset="0"/>
                 <a:cs typeface="Segoe UI" panose="020B0502040204020203" pitchFamily="34" charset="0"/>
               </a:rPr>
               <a:t> </a:t>
             </a:r>
             <a:r>
-              <a:rPr lang="en-US" dirty="0" err="1" smtClean="0">
+              <a:rPr lang="en-US" dirty="0" err="1">
                 <a:latin typeface="Segoe UI" panose="020B0502040204020203" pitchFamily="34" charset="0"/>
                 <a:cs typeface="Segoe UI" panose="020B0502040204020203" pitchFamily="34" charset="0"/>
               </a:rPr>
               <a:t>lựa</a:t>
             </a:r>
             <a:r>
-              <a:rPr lang="en-US" dirty="0" smtClean="0">
+              <a:rPr lang="en-US" dirty="0">
                 <a:latin typeface="Segoe UI" panose="020B0502040204020203" pitchFamily="34" charset="0"/>
                 <a:cs typeface="Segoe UI" panose="020B0502040204020203" pitchFamily="34" charset="0"/>
               </a:rPr>
               <a:t> </a:t>
             </a:r>
             <a:r>
-              <a:rPr lang="en-US" dirty="0" err="1" smtClean="0">
+              <a:rPr lang="en-US" dirty="0" err="1">
                 <a:latin typeface="Segoe UI" panose="020B0502040204020203" pitchFamily="34" charset="0"/>
                 <a:cs typeface="Segoe UI" panose="020B0502040204020203" pitchFamily="34" charset="0"/>
               </a:rPr>
               <a:t>chọn</a:t>
             </a:r>
             <a:r>
-              <a:rPr lang="en-US" dirty="0" smtClean="0">
+              <a:rPr lang="en-US" dirty="0">
                 <a:latin typeface="Segoe UI" panose="020B0502040204020203" pitchFamily="34" charset="0"/>
                 <a:cs typeface="Segoe UI" panose="020B0502040204020203" pitchFamily="34" charset="0"/>
               </a:rPr>
               <a:t> </a:t>
             </a:r>
             <a:r>
-              <a:rPr lang="en-US" dirty="0" err="1" smtClean="0">
+              <a:rPr lang="en-US" dirty="0" err="1">
                 <a:latin typeface="Segoe UI" panose="020B0502040204020203" pitchFamily="34" charset="0"/>
                 <a:cs typeface="Segoe UI" panose="020B0502040204020203" pitchFamily="34" charset="0"/>
               </a:rPr>
               <a:t>công</a:t>
             </a:r>
             <a:r>
-              <a:rPr lang="en-US" dirty="0" smtClean="0">
+              <a:rPr lang="en-US" dirty="0">
                 <a:latin typeface="Segoe UI" panose="020B0502040204020203" pitchFamily="34" charset="0"/>
                 <a:cs typeface="Segoe UI" panose="020B0502040204020203" pitchFamily="34" charset="0"/>
               </a:rPr>
               <a:t> </a:t>
             </a:r>
             <a:r>
-              <a:rPr lang="en-US" dirty="0" err="1" smtClean="0">
+              <a:rPr lang="en-US" dirty="0" err="1">
                 <a:latin typeface="Segoe UI" panose="020B0502040204020203" pitchFamily="34" charset="0"/>
                 <a:cs typeface="Segoe UI" panose="020B0502040204020203" pitchFamily="34" charset="0"/>
               </a:rPr>
               <a:t>nghệ</a:t>
             </a:r>
             <a:r>
-              <a:rPr lang="en-US" dirty="0" smtClean="0">
+              <a:rPr lang="en-US" dirty="0">
                 <a:latin typeface="Segoe UI" panose="020B0502040204020203" pitchFamily="34" charset="0"/>
                 <a:cs typeface="Segoe UI" panose="020B0502040204020203" pitchFamily="34" charset="0"/>
               </a:rPr>
               <a:t>:</a:t>
             </a:r>
-            <a:endParaRPr lang="en-US" dirty="0" smtClean="0">
-              <a:latin typeface="Segoe UI" panose="020B0502040204020203" pitchFamily="34" charset="0"/>
-              <a:cs typeface="Segoe UI" panose="020B0502040204020203" pitchFamily="34" charset="0"/>
-            </a:endParaRPr>
           </a:p>
           <a:p>
             <a:pPr marL="742950" lvl="1" indent="-285750">
@@ -7364,7 +8194,7 @@
               <a:buChar char="•"/>
             </a:pPr>
             <a:r>
-              <a:rPr lang="en-US" dirty="0" smtClean="0">
+              <a:rPr lang="en-US" dirty="0">
                 <a:latin typeface="Segoe UI" panose="020B0502040204020203" pitchFamily="34" charset="0"/>
                 <a:cs typeface="Segoe UI" panose="020B0502040204020203" pitchFamily="34" charset="0"/>
               </a:rPr>
@@ -7394,7 +8224,7 @@
               <a:t>Linq2SQL =&gt; </a:t>
             </a:r>
             <a:r>
-              <a:rPr lang="en-US" dirty="0" smtClean="0">
+              <a:rPr lang="en-US" dirty="0">
                 <a:latin typeface="Segoe UI" panose="020B0502040204020203" pitchFamily="34" charset="0"/>
                 <a:cs typeface="Segoe UI" panose="020B0502040204020203" pitchFamily="34" charset="0"/>
               </a:rPr>
@@ -8083,7 +8913,7 @@
 </p:sld>
 </file>
 
-<file path=ppt/slides/slide14.xml><?xml version="1.0" encoding="utf-8"?>
+<file path=ppt/slides/slide16.xml><?xml version="1.0" encoding="utf-8"?>
 <p:sld xmlns:a="http://schemas.openxmlformats.org/drawingml/2006/main" xmlns:r="http://schemas.openxmlformats.org/officeDocument/2006/relationships" xmlns:p="http://schemas.openxmlformats.org/presentationml/2006/main">
   <p:cSld>
     <p:spTree>
@@ -8108,7 +8938,7 @@
         </p:nvSpPr>
         <p:spPr>
           <a:xfrm>
-            <a:off x="821467" y="2923308"/>
+            <a:off x="2345468" y="2923308"/>
             <a:ext cx="7675419" cy="1938992"/>
           </a:xfrm>
           <a:prstGeom prst="rect">
@@ -8124,112 +8954,112 @@
           <a:p>
             <a:pPr algn="ctr"/>
             <a:r>
-              <a:rPr lang="en-US" sz="6000" dirty="0" smtClean="0">
+              <a:rPr lang="en-US" sz="6000" dirty="0">
                 <a:latin typeface="Segoe UI Light" panose="020B0502040204020203" pitchFamily="34" charset="0"/>
                 <a:cs typeface="Segoe UI Light" panose="020B0502040204020203" pitchFamily="34" charset="0"/>
               </a:rPr>
               <a:t>Xin </a:t>
             </a:r>
             <a:r>
-              <a:rPr lang="en-US" sz="6000" dirty="0" err="1" smtClean="0">
+              <a:rPr lang="en-US" sz="6000" dirty="0" err="1">
                 <a:latin typeface="Segoe UI Light" panose="020B0502040204020203" pitchFamily="34" charset="0"/>
                 <a:cs typeface="Segoe UI Light" panose="020B0502040204020203" pitchFamily="34" charset="0"/>
               </a:rPr>
               <a:t>cảm</a:t>
             </a:r>
             <a:r>
-              <a:rPr lang="en-US" sz="6000" dirty="0" smtClean="0">
+              <a:rPr lang="en-US" sz="6000" dirty="0">
                 <a:latin typeface="Segoe UI Light" panose="020B0502040204020203" pitchFamily="34" charset="0"/>
                 <a:cs typeface="Segoe UI Light" panose="020B0502040204020203" pitchFamily="34" charset="0"/>
               </a:rPr>
               <a:t> </a:t>
             </a:r>
             <a:r>
-              <a:rPr lang="en-US" sz="6000" dirty="0" err="1" smtClean="0">
+              <a:rPr lang="en-US" sz="6000" dirty="0" err="1">
                 <a:latin typeface="Segoe UI Light" panose="020B0502040204020203" pitchFamily="34" charset="0"/>
                 <a:cs typeface="Segoe UI Light" panose="020B0502040204020203" pitchFamily="34" charset="0"/>
               </a:rPr>
               <a:t>ơn</a:t>
             </a:r>
             <a:r>
-              <a:rPr lang="en-US" sz="6000" dirty="0" smtClean="0">
+              <a:rPr lang="en-US" sz="6000" dirty="0">
                 <a:latin typeface="Segoe UI Light" panose="020B0502040204020203" pitchFamily="34" charset="0"/>
                 <a:cs typeface="Segoe UI Light" panose="020B0502040204020203" pitchFamily="34" charset="0"/>
               </a:rPr>
               <a:t> </a:t>
             </a:r>
             <a:r>
-              <a:rPr lang="en-US" sz="6000" dirty="0" err="1" smtClean="0">
+              <a:rPr lang="en-US" sz="6000" dirty="0" err="1">
                 <a:latin typeface="Segoe UI Light" panose="020B0502040204020203" pitchFamily="34" charset="0"/>
                 <a:cs typeface="Segoe UI Light" panose="020B0502040204020203" pitchFamily="34" charset="0"/>
               </a:rPr>
               <a:t>mọi</a:t>
             </a:r>
             <a:r>
-              <a:rPr lang="en-US" sz="6000" dirty="0" smtClean="0">
+              <a:rPr lang="en-US" sz="6000" dirty="0">
                 <a:latin typeface="Segoe UI Light" panose="020B0502040204020203" pitchFamily="34" charset="0"/>
                 <a:cs typeface="Segoe UI Light" panose="020B0502040204020203" pitchFamily="34" charset="0"/>
               </a:rPr>
               <a:t> </a:t>
             </a:r>
             <a:r>
-              <a:rPr lang="en-US" sz="6000" dirty="0" err="1" smtClean="0">
+              <a:rPr lang="en-US" sz="6000" dirty="0" err="1">
                 <a:latin typeface="Segoe UI Light" panose="020B0502040204020203" pitchFamily="34" charset="0"/>
                 <a:cs typeface="Segoe UI Light" panose="020B0502040204020203" pitchFamily="34" charset="0"/>
               </a:rPr>
               <a:t>người</a:t>
             </a:r>
             <a:r>
-              <a:rPr lang="en-US" sz="6000" dirty="0" smtClean="0">
+              <a:rPr lang="en-US" sz="6000" dirty="0">
                 <a:latin typeface="Segoe UI Light" panose="020B0502040204020203" pitchFamily="34" charset="0"/>
                 <a:cs typeface="Segoe UI Light" panose="020B0502040204020203" pitchFamily="34" charset="0"/>
               </a:rPr>
               <a:t> </a:t>
             </a:r>
             <a:r>
-              <a:rPr lang="en-US" sz="6000" dirty="0" err="1" smtClean="0">
+              <a:rPr lang="en-US" sz="6000" dirty="0" err="1">
                 <a:latin typeface="Segoe UI Light" panose="020B0502040204020203" pitchFamily="34" charset="0"/>
                 <a:cs typeface="Segoe UI Light" panose="020B0502040204020203" pitchFamily="34" charset="0"/>
               </a:rPr>
               <a:t>đã</a:t>
             </a:r>
             <a:r>
-              <a:rPr lang="en-US" sz="6000" dirty="0" smtClean="0">
+              <a:rPr lang="en-US" sz="6000" dirty="0">
                 <a:latin typeface="Segoe UI Light" panose="020B0502040204020203" pitchFamily="34" charset="0"/>
                 <a:cs typeface="Segoe UI Light" panose="020B0502040204020203" pitchFamily="34" charset="0"/>
               </a:rPr>
               <a:t> </a:t>
             </a:r>
             <a:r>
-              <a:rPr lang="en-US" sz="6000" dirty="0" err="1" smtClean="0">
+              <a:rPr lang="en-US" sz="6000" dirty="0" err="1">
                 <a:latin typeface="Segoe UI Light" panose="020B0502040204020203" pitchFamily="34" charset="0"/>
                 <a:cs typeface="Segoe UI Light" panose="020B0502040204020203" pitchFamily="34" charset="0"/>
               </a:rPr>
               <a:t>chú</a:t>
             </a:r>
             <a:r>
-              <a:rPr lang="en-US" sz="6000" smtClean="0">
+              <a:rPr lang="en-US" sz="6000">
                 <a:latin typeface="Segoe UI Light" panose="020B0502040204020203" pitchFamily="34" charset="0"/>
                 <a:cs typeface="Segoe UI Light" panose="020B0502040204020203" pitchFamily="34" charset="0"/>
               </a:rPr>
               <a:t> ý </a:t>
             </a:r>
             <a:r>
-              <a:rPr lang="en-US" sz="6000" dirty="0" err="1" smtClean="0">
+              <a:rPr lang="en-US" sz="6000" dirty="0" err="1">
                 <a:latin typeface="Segoe UI Light" panose="020B0502040204020203" pitchFamily="34" charset="0"/>
                 <a:cs typeface="Segoe UI Light" panose="020B0502040204020203" pitchFamily="34" charset="0"/>
               </a:rPr>
               <a:t>theo</a:t>
             </a:r>
             <a:r>
-              <a:rPr lang="en-US" sz="6000" dirty="0" smtClean="0">
+              <a:rPr lang="en-US" sz="6000" dirty="0">
                 <a:latin typeface="Segoe UI Light" panose="020B0502040204020203" pitchFamily="34" charset="0"/>
                 <a:cs typeface="Segoe UI Light" panose="020B0502040204020203" pitchFamily="34" charset="0"/>
               </a:rPr>
               <a:t> </a:t>
             </a:r>
             <a:r>
-              <a:rPr lang="en-US" sz="6000" dirty="0" err="1" smtClean="0">
+              <a:rPr lang="en-US" sz="6000" dirty="0" err="1">
                 <a:latin typeface="Segoe UI Light" panose="020B0502040204020203" pitchFamily="34" charset="0"/>
                 <a:cs typeface="Segoe UI Light" panose="020B0502040204020203" pitchFamily="34" charset="0"/>
               </a:rPr>
@@ -8264,7 +9094,7 @@
         </p:blipFill>
         <p:spPr>
           <a:xfrm>
-            <a:off x="6757108" y="6151050"/>
+            <a:off x="8281108" y="6151050"/>
             <a:ext cx="436230" cy="436230"/>
           </a:xfrm>
           <a:prstGeom prst="rect">
@@ -8280,7 +9110,7 @@
         </p:nvSpPr>
         <p:spPr>
           <a:xfrm>
-            <a:off x="7193338" y="6319732"/>
+            <a:off x="8717339" y="6319732"/>
             <a:ext cx="2101515" cy="300082"/>
           </a:xfrm>
           <a:prstGeom prst="rect">
@@ -8316,7 +9146,7 @@
         </p:nvSpPr>
         <p:spPr>
           <a:xfrm>
-            <a:off x="248652" y="5855657"/>
+            <a:off x="1772652" y="5855658"/>
             <a:ext cx="5542548" cy="715581"/>
           </a:xfrm>
           <a:prstGeom prst="rect">
@@ -8340,23 +9170,23 @@
           </a:p>
           <a:p>
             <a:r>
-              <a:rPr lang="en-US" sz="1350" dirty="0" smtClean="0">
-                <a:latin typeface="Segoe UI" panose="020B0502040204020203" pitchFamily="34" charset="0"/>
-                <a:cs typeface="Segoe UI" panose="020B0502040204020203" pitchFamily="34" charset="0"/>
-              </a:rPr>
-              <a:t>.NET </a:t>
-            </a:r>
-            <a:r>
               <a:rPr lang="en-US" sz="1350" dirty="0">
                 <a:latin typeface="Segoe UI" panose="020B0502040204020203" pitchFamily="34" charset="0"/>
                 <a:cs typeface="Segoe UI" panose="020B0502040204020203" pitchFamily="34" charset="0"/>
               </a:rPr>
+              <a:t>.NET </a:t>
+            </a:r>
+            <a:r>
+              <a:rPr lang="en-US" sz="1350" dirty="0">
+                <a:latin typeface="Segoe UI" panose="020B0502040204020203" pitchFamily="34" charset="0"/>
+                <a:cs typeface="Segoe UI" panose="020B0502040204020203" pitchFamily="34" charset="0"/>
+              </a:rPr>
               <a:t>Developer</a:t>
             </a:r>
           </a:p>
           <a:p>
             <a:r>
-              <a:rPr lang="en-US" sz="1350" dirty="0" smtClean="0">
+              <a:rPr lang="en-US" sz="1350" dirty="0">
                 <a:latin typeface="Segoe UI" panose="020B0502040204020203" pitchFamily="34" charset="0"/>
                 <a:cs typeface="Segoe UI" panose="020B0502040204020203" pitchFamily="34" charset="0"/>
               </a:rPr>
@@ -8536,7 +9366,9 @@
         </p:nvSpPr>
         <p:spPr/>
         <p:txBody>
-          <a:bodyPr/>
+          <a:bodyPr>
+            <a:normAutofit lnSpcReduction="10000"/>
+          </a:bodyPr>
           <a:lstStyle/>
           <a:p>
             <a:pPr marL="514350" indent="-514350">
@@ -8544,25 +9376,18 @@
               <a:buAutoNum type="arabicPeriod"/>
             </a:pPr>
             <a:r>
+              <a:rPr lang="en-US" dirty="0" smtClean="0">
+                <a:latin typeface="Segoe UI" panose="020B0502040204020203" pitchFamily="34" charset="0"/>
+                <a:cs typeface="Segoe UI" panose="020B0502040204020203" pitchFamily="34" charset="0"/>
+              </a:rPr>
+              <a:t>Lý do </a:t>
+            </a:r>
+            <a:r>
               <a:rPr lang="en-US" dirty="0" err="1" smtClean="0">
                 <a:latin typeface="Segoe UI" panose="020B0502040204020203" pitchFamily="34" charset="0"/>
                 <a:cs typeface="Segoe UI" panose="020B0502040204020203" pitchFamily="34" charset="0"/>
               </a:rPr>
-              <a:t>Mục</a:t>
-            </a:r>
-            <a:r>
-              <a:rPr lang="en-US" dirty="0" smtClean="0">
-                <a:latin typeface="Segoe UI" panose="020B0502040204020203" pitchFamily="34" charset="0"/>
-                <a:cs typeface="Segoe UI" panose="020B0502040204020203" pitchFamily="34" charset="0"/>
-              </a:rPr>
-              <a:t> </a:t>
-            </a:r>
-            <a:r>
-              <a:rPr lang="en-US" dirty="0" err="1" smtClean="0">
-                <a:latin typeface="Segoe UI" panose="020B0502040204020203" pitchFamily="34" charset="0"/>
-                <a:cs typeface="Segoe UI" panose="020B0502040204020203" pitchFamily="34" charset="0"/>
-              </a:rPr>
-              <a:t>tiêu</a:t>
+              <a:t>chọn</a:t>
             </a:r>
             <a:r>
               <a:rPr lang="en-US" dirty="0" smtClean="0">
@@ -8606,35 +9431,59 @@
               <a:buAutoNum type="arabicPeriod"/>
             </a:pPr>
             <a:r>
-              <a:rPr lang="en-US" dirty="0" err="1" smtClean="0"/>
-              <a:t>Kết</a:t>
-            </a:r>
-            <a:r>
-              <a:rPr lang="en-US" dirty="0" smtClean="0"/>
-              <a:t> </a:t>
-            </a:r>
-            <a:r>
-              <a:rPr lang="en-US" dirty="0" err="1" smtClean="0"/>
-              <a:t>quả</a:t>
-            </a:r>
-            <a:r>
-              <a:rPr lang="en-US" dirty="0" smtClean="0"/>
-              <a:t> </a:t>
-            </a:r>
-            <a:r>
-              <a:rPr lang="en-US" dirty="0" err="1" smtClean="0"/>
-              <a:t>đạt</a:t>
-            </a:r>
-            <a:r>
-              <a:rPr lang="en-US" dirty="0" smtClean="0"/>
-              <a:t> </a:t>
-            </a:r>
-            <a:r>
-              <a:rPr lang="en-US" dirty="0" err="1" smtClean="0"/>
-              <a:t>được</a:t>
-            </a:r>
-            <a:r>
-              <a:rPr lang="en-US" dirty="0" smtClean="0"/>
+              <a:rPr lang="en-US" dirty="0" err="1" smtClean="0">
+                <a:latin typeface="Segoe UI" panose="020B0502040204020203" pitchFamily="34" charset="0"/>
+                <a:cs typeface="Segoe UI" panose="020B0502040204020203" pitchFamily="34" charset="0"/>
+              </a:rPr>
+              <a:t>Mục</a:t>
+            </a:r>
+            <a:r>
+              <a:rPr lang="en-US" dirty="0" smtClean="0">
+                <a:latin typeface="Segoe UI" panose="020B0502040204020203" pitchFamily="34" charset="0"/>
+                <a:cs typeface="Segoe UI" panose="020B0502040204020203" pitchFamily="34" charset="0"/>
+              </a:rPr>
+              <a:t> </a:t>
+            </a:r>
+            <a:r>
+              <a:rPr lang="en-US" dirty="0" err="1" smtClean="0">
+                <a:latin typeface="Segoe UI" panose="020B0502040204020203" pitchFamily="34" charset="0"/>
+                <a:cs typeface="Segoe UI" panose="020B0502040204020203" pitchFamily="34" charset="0"/>
+              </a:rPr>
+              <a:t>tiêu</a:t>
+            </a:r>
+            <a:r>
+              <a:rPr lang="en-US" dirty="0" smtClean="0">
+                <a:latin typeface="Segoe UI" panose="020B0502040204020203" pitchFamily="34" charset="0"/>
+                <a:cs typeface="Segoe UI" panose="020B0502040204020203" pitchFamily="34" charset="0"/>
+              </a:rPr>
+              <a:t> </a:t>
+            </a:r>
+            <a:r>
+              <a:rPr lang="en-US" dirty="0" err="1" smtClean="0">
+                <a:latin typeface="Segoe UI" panose="020B0502040204020203" pitchFamily="34" charset="0"/>
+                <a:cs typeface="Segoe UI" panose="020B0502040204020203" pitchFamily="34" charset="0"/>
+              </a:rPr>
+              <a:t>đề</a:t>
+            </a:r>
+            <a:r>
+              <a:rPr lang="en-US" dirty="0" smtClean="0">
+                <a:latin typeface="Segoe UI" panose="020B0502040204020203" pitchFamily="34" charset="0"/>
+                <a:cs typeface="Segoe UI" panose="020B0502040204020203" pitchFamily="34" charset="0"/>
+              </a:rPr>
+              <a:t> </a:t>
+            </a:r>
+            <a:r>
+              <a:rPr lang="en-US" dirty="0" err="1" smtClean="0">
+                <a:latin typeface="Segoe UI" panose="020B0502040204020203" pitchFamily="34" charset="0"/>
+                <a:cs typeface="Segoe UI" panose="020B0502040204020203" pitchFamily="34" charset="0"/>
+              </a:rPr>
+              <a:t>tài</a:t>
+            </a:r>
+            <a:r>
+              <a:rPr lang="en-US" dirty="0" smtClean="0">
+                <a:latin typeface="Segoe UI" panose="020B0502040204020203" pitchFamily="34" charset="0"/>
+                <a:cs typeface="Segoe UI" panose="020B0502040204020203" pitchFamily="34" charset="0"/>
+              </a:rPr>
               <a:t>.</a:t>
             </a:r>
           </a:p>
@@ -8644,65 +9493,45 @@
               <a:buAutoNum type="arabicPeriod"/>
             </a:pPr>
             <a:r>
-              <a:rPr lang="en-US" spc="-112" dirty="0" err="1" smtClean="0"/>
-              <a:t>Hỗ</a:t>
-            </a:r>
-            <a:r>
-              <a:rPr lang="en-US" spc="-112" dirty="0" smtClean="0"/>
-              <a:t> </a:t>
-            </a:r>
-            <a:r>
-              <a:rPr lang="en-US" spc="-112" dirty="0" err="1"/>
-              <a:t>trợ</a:t>
-            </a:r>
-            <a:r>
-              <a:rPr lang="en-US" spc="-112" dirty="0"/>
-              <a:t> </a:t>
-            </a:r>
-            <a:r>
-              <a:rPr lang="en-US" spc="-112" dirty="0" err="1"/>
-              <a:t>việc</a:t>
-            </a:r>
-            <a:r>
-              <a:rPr lang="en-US" spc="-112" dirty="0"/>
-              <a:t> </a:t>
-            </a:r>
-            <a:r>
-              <a:rPr lang="en-US" spc="-112" dirty="0" err="1"/>
-              <a:t>phát</a:t>
-            </a:r>
-            <a:r>
-              <a:rPr lang="en-US" spc="-112" dirty="0"/>
-              <a:t> </a:t>
-            </a:r>
-            <a:r>
-              <a:rPr lang="en-US" spc="-112" dirty="0" err="1"/>
-              <a:t>triển</a:t>
-            </a:r>
-            <a:r>
-              <a:rPr lang="en-US" spc="-112" dirty="0"/>
-              <a:t> </a:t>
-            </a:r>
-            <a:r>
-              <a:rPr lang="en-US" spc="-112" dirty="0" err="1"/>
-              <a:t>bên</a:t>
-            </a:r>
-            <a:r>
-              <a:rPr lang="en-US" spc="-112" dirty="0"/>
-              <a:t> </a:t>
-            </a:r>
-            <a:r>
-              <a:rPr lang="en-US" spc="-112" dirty="0" err="1"/>
-              <a:t>phía</a:t>
-            </a:r>
-            <a:r>
-              <a:rPr lang="en-US" spc="-112" dirty="0"/>
-              <a:t> </a:t>
-            </a:r>
-            <a:r>
-              <a:rPr lang="en-US" spc="-112" dirty="0" smtClean="0"/>
-              <a:t>client.</a:t>
-            </a:r>
+              <a:rPr lang="en-US" dirty="0" smtClean="0"/>
+              <a:t>Ý </a:t>
+            </a:r>
+            <a:r>
+              <a:rPr lang="en-US" dirty="0" err="1" smtClean="0"/>
+              <a:t>nghĩa</a:t>
+            </a:r>
+            <a:r>
+              <a:rPr lang="en-US" dirty="0" smtClean="0"/>
+              <a:t> </a:t>
+            </a:r>
+            <a:r>
+              <a:rPr lang="en-US" dirty="0" err="1" smtClean="0"/>
+              <a:t>của</a:t>
+            </a:r>
+            <a:r>
+              <a:rPr lang="en-US" dirty="0" smtClean="0"/>
+              <a:t> </a:t>
+            </a:r>
+            <a:r>
+              <a:rPr lang="en-US" dirty="0" err="1" smtClean="0"/>
+              <a:t>đề</a:t>
+            </a:r>
+            <a:r>
+              <a:rPr lang="en-US" dirty="0" smtClean="0"/>
+              <a:t> </a:t>
+            </a:r>
+            <a:r>
+              <a:rPr lang="en-US" dirty="0" err="1" smtClean="0"/>
+              <a:t>tài</a:t>
+            </a:r>
+            <a:r>
+              <a:rPr lang="en-US" dirty="0" smtClean="0"/>
+              <a:t>.</a:t>
+            </a:r>
+            <a:endParaRPr lang="en-US" dirty="0" smtClean="0">
+              <a:latin typeface="Segoe UI" panose="020B0502040204020203" pitchFamily="34" charset="0"/>
+              <a:cs typeface="Segoe UI" panose="020B0502040204020203" pitchFamily="34" charset="0"/>
+            </a:endParaRPr>
           </a:p>
           <a:p>
             <a:pPr marL="514350" indent="-514350">
@@ -8710,30 +9539,37 @@
               <a:buAutoNum type="arabicPeriod"/>
             </a:pPr>
             <a:r>
-              <a:rPr lang="en-US" spc="-112" dirty="0" err="1" smtClean="0"/>
-              <a:t>Độ</a:t>
-            </a:r>
-            <a:r>
-              <a:rPr lang="en-US" spc="-112" dirty="0" smtClean="0"/>
-              <a:t> tin </a:t>
-            </a:r>
-            <a:r>
-              <a:rPr lang="en-US" spc="-112" dirty="0" err="1" smtClean="0"/>
-              <a:t>cậy</a:t>
-            </a:r>
-            <a:r>
-              <a:rPr lang="en-US" spc="-112" dirty="0" smtClean="0"/>
-              <a:t> </a:t>
-            </a:r>
-            <a:r>
-              <a:rPr lang="en-US" spc="-112" dirty="0" err="1" smtClean="0"/>
-              <a:t>của</a:t>
-            </a:r>
-            <a:r>
-              <a:rPr lang="en-US" spc="-112" dirty="0" smtClean="0"/>
-              <a:t> RNS.</a:t>
-            </a:r>
-            <a:endParaRPr lang="en-US" dirty="0" smtClean="0"/>
+              <a:rPr lang="en-US" dirty="0" err="1" smtClean="0"/>
+              <a:t>Kết</a:t>
+            </a:r>
+            <a:r>
+              <a:rPr lang="en-US" dirty="0" smtClean="0"/>
+              <a:t> </a:t>
+            </a:r>
+            <a:r>
+              <a:rPr lang="en-US" dirty="0" err="1" smtClean="0"/>
+              <a:t>quả</a:t>
+            </a:r>
+            <a:r>
+              <a:rPr lang="en-US" dirty="0" smtClean="0"/>
+              <a:t> </a:t>
+            </a:r>
+            <a:r>
+              <a:rPr lang="en-US" dirty="0" err="1" smtClean="0"/>
+              <a:t>đạt</a:t>
+            </a:r>
+            <a:r>
+              <a:rPr lang="en-US" dirty="0" smtClean="0"/>
+              <a:t> </a:t>
+            </a:r>
+            <a:r>
+              <a:rPr lang="en-US" dirty="0" err="1" smtClean="0"/>
+              <a:t>được</a:t>
+            </a:r>
+            <a:r>
+              <a:rPr lang="en-US" dirty="0" smtClean="0"/>
+              <a:t>.</a:t>
+            </a:r>
           </a:p>
           <a:p>
             <a:pPr marL="514350" indent="-514350">
@@ -8741,18 +9577,124 @@
               <a:buAutoNum type="arabicPeriod"/>
             </a:pPr>
             <a:r>
+              <a:rPr lang="en-US" spc="-112" dirty="0" err="1"/>
+              <a:t>Hỗ</a:t>
+            </a:r>
+            <a:r>
+              <a:rPr lang="en-US" spc="-112" dirty="0"/>
+              <a:t> </a:t>
+            </a:r>
+            <a:r>
+              <a:rPr lang="en-US" spc="-112" dirty="0" err="1"/>
+              <a:t>trợ</a:t>
+            </a:r>
+            <a:r>
+              <a:rPr lang="en-US" spc="-112" dirty="0"/>
+              <a:t> </a:t>
+            </a:r>
+            <a:r>
+              <a:rPr lang="en-US" spc="-112" dirty="0" err="1"/>
+              <a:t>việc</a:t>
+            </a:r>
+            <a:r>
+              <a:rPr lang="en-US" spc="-112" dirty="0"/>
+              <a:t> </a:t>
+            </a:r>
+            <a:r>
+              <a:rPr lang="en-US" spc="-112" dirty="0" err="1"/>
+              <a:t>phát</a:t>
+            </a:r>
+            <a:r>
+              <a:rPr lang="en-US" spc="-112" dirty="0"/>
+              <a:t> </a:t>
+            </a:r>
+            <a:r>
+              <a:rPr lang="en-US" spc="-112" dirty="0" err="1"/>
+              <a:t>triển</a:t>
+            </a:r>
+            <a:r>
+              <a:rPr lang="en-US" spc="-112" dirty="0"/>
+              <a:t> </a:t>
+            </a:r>
+            <a:r>
+              <a:rPr lang="en-US" spc="-112" dirty="0" err="1"/>
+              <a:t>bên</a:t>
+            </a:r>
+            <a:r>
+              <a:rPr lang="en-US" spc="-112" dirty="0"/>
+              <a:t> </a:t>
+            </a:r>
+            <a:r>
+              <a:rPr lang="en-US" spc="-112" dirty="0" err="1"/>
+              <a:t>phía</a:t>
+            </a:r>
+            <a:r>
+              <a:rPr lang="en-US" spc="-112" dirty="0"/>
+              <a:t> </a:t>
+            </a:r>
+            <a:r>
+              <a:rPr lang="en-US" spc="-112" dirty="0"/>
+              <a:t>client.</a:t>
+            </a:r>
+          </a:p>
+          <a:p>
+            <a:pPr marL="514350" indent="-514350">
+              <a:buFont typeface="+mj-lt"/>
+              <a:buAutoNum type="arabicPeriod"/>
+            </a:pPr>
+            <a:r>
+              <a:rPr lang="en-US" spc="-112" dirty="0" err="1"/>
+              <a:t>Hạn</a:t>
+            </a:r>
+            <a:r>
+              <a:rPr lang="en-US" spc="-112" dirty="0"/>
+              <a:t> </a:t>
+            </a:r>
+            <a:r>
+              <a:rPr lang="en-US" spc="-112" dirty="0" err="1"/>
+              <a:t>chế</a:t>
+            </a:r>
+            <a:r>
+              <a:rPr lang="en-US" spc="-112" dirty="0"/>
+              <a:t> </a:t>
+            </a:r>
+            <a:r>
+              <a:rPr lang="en-US" spc="-112" dirty="0" err="1"/>
+              <a:t>của</a:t>
+            </a:r>
+            <a:r>
+              <a:rPr lang="en-US" spc="-112" dirty="0"/>
+              <a:t> </a:t>
+            </a:r>
+            <a:r>
+              <a:rPr lang="en-US" spc="-112" dirty="0" err="1"/>
+              <a:t>đồ</a:t>
+            </a:r>
+            <a:r>
+              <a:rPr lang="en-US" spc="-112" dirty="0"/>
+              <a:t> </a:t>
+            </a:r>
+            <a:r>
+              <a:rPr lang="en-US" spc="-112" dirty="0" err="1"/>
+              <a:t>án</a:t>
+            </a:r>
+            <a:r>
+              <a:rPr lang="en-US" spc="-112" dirty="0"/>
+              <a:t>.</a:t>
+            </a:r>
+            <a:endParaRPr lang="en-US" dirty="0" smtClean="0"/>
+          </a:p>
+          <a:p>
+            <a:pPr marL="514350" indent="-514350">
+              <a:buFont typeface="+mj-lt"/>
+              <a:buAutoNum type="arabicPeriod"/>
+            </a:pPr>
+            <a:r>
               <a:rPr lang="en-US" dirty="0" smtClean="0">
                 <a:latin typeface="Segoe UI" panose="020B0502040204020203" pitchFamily="34" charset="0"/>
                 <a:cs typeface="Segoe UI" panose="020B0502040204020203" pitchFamily="34" charset="0"/>
               </a:rPr>
-              <a:t>Demo</a:t>
-            </a:r>
-            <a:r>
-              <a:rPr lang="en-US" dirty="0" smtClean="0">
-                <a:latin typeface="Segoe UI" panose="020B0502040204020203" pitchFamily="34" charset="0"/>
-                <a:cs typeface="Segoe UI" panose="020B0502040204020203" pitchFamily="34" charset="0"/>
-              </a:rPr>
-              <a:t>.</a:t>
+              <a:t>Demo.</a:t>
             </a:r>
           </a:p>
           <a:p>
@@ -8892,7 +9834,7 @@
         </p:nvCxnSpPr>
         <p:spPr>
           <a:xfrm flipV="1">
-            <a:off x="-287016" y="1397905"/>
+            <a:off x="1236985" y="1397906"/>
             <a:ext cx="9718031" cy="57165"/>
           </a:xfrm>
           <a:prstGeom prst="line">
@@ -8984,7 +9926,7 @@
         </p:nvCxnSpPr>
         <p:spPr>
           <a:xfrm flipV="1">
-            <a:off x="-287016" y="1397905"/>
+            <a:off x="1236985" y="1397906"/>
             <a:ext cx="9718031" cy="57165"/>
           </a:xfrm>
           <a:prstGeom prst="line">
@@ -9031,7 +9973,7 @@
         </p:nvSpPr>
         <p:spPr>
           <a:xfrm>
-            <a:off x="628650" y="1825625"/>
+            <a:off x="2152650" y="1825625"/>
             <a:ext cx="7886700" cy="4351338"/>
           </a:xfrm>
         </p:spPr>
@@ -9041,72 +9983,16 @@
           </a:bodyPr>
           <a:lstStyle/>
           <a:p>
-            <a:pPr marL="0" indent="0">
-              <a:buNone/>
-            </a:pPr>
-            <a:r>
-              <a:rPr lang="vi-VN" dirty="0"/>
-              <a:t>T</a:t>
-            </a:r>
             <a:r>
               <a:rPr lang="vi-VN" dirty="0" smtClean="0"/>
-              <a:t>hiết </a:t>
-            </a:r>
-            <a:r>
-              <a:rPr lang="vi-VN" dirty="0"/>
-              <a:t>kế và hiện thực một hệ thống gửi thông báo tự động dưới dạng Notification trong đó có hỗ trợ 1 số tính năng:</a:t>
+              <a:t>Các cá nhân nhận thông báo từ tổ chức của họ khó khăn và không kịp thời, làm ảnh hưởng đến công việc.</a:t>
             </a:r>
           </a:p>
           <a:p>
             <a:r>
               <a:rPr lang="vi-VN" dirty="0" smtClean="0"/>
-              <a:t>Gửi </a:t>
-            </a:r>
-            <a:r>
-              <a:rPr lang="vi-VN" dirty="0"/>
-              <a:t>thông báo tới các thiết bị của một hoặc nhiều người </a:t>
-            </a:r>
-            <a:r>
-              <a:rPr lang="vi-VN" dirty="0" smtClean="0"/>
-              <a:t>dùng.</a:t>
-            </a:r>
-          </a:p>
-          <a:p>
-            <a:r>
-              <a:rPr lang="vi-VN" dirty="0" smtClean="0"/>
-              <a:t>Lưu </a:t>
-            </a:r>
-            <a:r>
-              <a:rPr lang="vi-VN" dirty="0"/>
-              <a:t>trữ thông </a:t>
-            </a:r>
-            <a:r>
-              <a:rPr lang="vi-VN" dirty="0" smtClean="0"/>
-              <a:t>báo.</a:t>
-            </a:r>
-          </a:p>
-          <a:p>
-            <a:r>
-              <a:rPr lang="vi-VN" dirty="0" smtClean="0"/>
-              <a:t>Giao </a:t>
-            </a:r>
-            <a:r>
-              <a:rPr lang="vi-VN" dirty="0"/>
-              <a:t>tiếp được với </a:t>
-            </a:r>
-            <a:r>
-              <a:rPr lang="vi-VN" dirty="0" smtClean="0"/>
-              <a:t>client </a:t>
-            </a:r>
-            <a:r>
-              <a:rPr lang="vi-VN" dirty="0"/>
-              <a:t>được viết bằng </a:t>
-            </a:r>
-            <a:r>
-              <a:rPr lang="vi-VN" dirty="0" smtClean="0"/>
-              <a:t>bất kỳ ngôn ngữ nào.</a:t>
-            </a:r>
-            <a:endParaRPr lang="vi-VN" dirty="0"/>
+              <a:t>Nhiều nhà phát triển viết các ứng dụng thông báo trên đa nền tảng mất quá nhiều công sức và thời gian.</a:t>
+            </a:r>
           </a:p>
         </p:txBody>
       </p:sp>
@@ -9118,7 +10004,7 @@
         </p:nvSpPr>
         <p:spPr>
           <a:xfrm>
-            <a:off x="0" y="525367"/>
+            <a:off x="1524001" y="525368"/>
             <a:ext cx="3371085" cy="636919"/>
           </a:xfrm>
           <a:prstGeom prst="rect">
@@ -9145,28 +10031,52 @@
               </a:spcAft>
             </a:pPr>
             <a:r>
-              <a:rPr lang="en-US" sz="2999" b="1" spc="-112" dirty="0" err="1" smtClean="0">
+              <a:rPr lang="en-US" sz="2999" b="1" spc="-112" dirty="0">
                 <a:solidFill>
                   <a:srgbClr val="FFFFFF"/>
                 </a:solidFill>
               </a:rPr>
-              <a:t>Mục</a:t>
-            </a:r>
-            <a:r>
-              <a:rPr lang="en-US" sz="2999" b="1" spc="-112" dirty="0" smtClean="0">
+              <a:t>Lý do </a:t>
+            </a:r>
+            <a:r>
+              <a:rPr lang="en-US" sz="2999" b="1" spc="-112" dirty="0" err="1">
                 <a:solidFill>
                   <a:srgbClr val="FFFFFF"/>
                 </a:solidFill>
               </a:rPr>
-              <a:t> </a:t>
-            </a:r>
-            <a:r>
-              <a:rPr lang="en-US" sz="2999" b="1" spc="-112" dirty="0" err="1" smtClean="0">
+              <a:t>chọn</a:t>
+            </a:r>
+            <a:r>
+              <a:rPr lang="en-US" sz="2999" b="1" spc="-112" dirty="0">
                 <a:solidFill>
                   <a:srgbClr val="FFFFFF"/>
                 </a:solidFill>
               </a:rPr>
-              <a:t>tiêu</a:t>
+              <a:t> </a:t>
+            </a:r>
+            <a:r>
+              <a:rPr lang="en-US" sz="2999" b="1" spc="-112" dirty="0" err="1">
+                <a:solidFill>
+                  <a:srgbClr val="FFFFFF"/>
+                </a:solidFill>
+              </a:rPr>
+              <a:t>đề</a:t>
+            </a:r>
+            <a:r>
+              <a:rPr lang="en-US" sz="2999" b="1" spc="-112" dirty="0">
+                <a:solidFill>
+                  <a:srgbClr val="FFFFFF"/>
+                </a:solidFill>
+              </a:rPr>
+              <a:t> </a:t>
+            </a:r>
+            <a:r>
+              <a:rPr lang="en-US" sz="2999" b="1" spc="-112" dirty="0" err="1">
+                <a:solidFill>
+                  <a:srgbClr val="FFFFFF"/>
+                </a:solidFill>
+              </a:rPr>
+              <a:t>tài</a:t>
             </a:r>
             <a:endParaRPr lang="en-US" sz="2999" b="1" spc="-112" dirty="0">
               <a:solidFill>
@@ -9225,269 +10135,6 @@
           <a:chExt cx="0" cy="0"/>
         </a:xfrm>
       </p:grpSpPr>
-      <p:cxnSp>
-        <p:nvCxnSpPr>
-          <p:cNvPr id="4" name="Straight Connector 3"/>
-          <p:cNvCxnSpPr/>
-          <p:nvPr/>
-        </p:nvCxnSpPr>
-        <p:spPr>
-          <a:xfrm flipV="1">
-            <a:off x="-287016" y="1397905"/>
-            <a:ext cx="9718031" cy="57165"/>
-          </a:xfrm>
-          <a:prstGeom prst="line">
-            <a:avLst/>
-          </a:prstGeom>
-          <a:ln w="47625">
-            <a:solidFill>
-              <a:schemeClr val="accent1">
-                <a:lumMod val="75000"/>
-              </a:schemeClr>
-            </a:solidFill>
-          </a:ln>
-          <a:effectLst>
-            <a:innerShdw blurRad="114300">
-              <a:prstClr val="black"/>
-            </a:innerShdw>
-            <a:softEdge rad="0"/>
-          </a:effectLst>
-        </p:spPr>
-        <p:style>
-          <a:lnRef idx="1">
-            <a:schemeClr val="accent1"/>
-          </a:lnRef>
-          <a:fillRef idx="0">
-            <a:schemeClr val="accent1"/>
-          </a:fillRef>
-          <a:effectRef idx="0">
-            <a:schemeClr val="accent1"/>
-          </a:effectRef>
-          <a:fontRef idx="minor">
-            <a:schemeClr val="tx1"/>
-          </a:fontRef>
-        </p:style>
-      </p:cxnSp>
-      <p:sp>
-        <p:nvSpPr>
-          <p:cNvPr id="25" name="Content Placeholder 2"/>
-          <p:cNvSpPr>
-            <a:spLocks noGrp="1"/>
-          </p:cNvSpPr>
-          <p:nvPr>
-            <p:ph idx="1"/>
-          </p:nvPr>
-        </p:nvSpPr>
-        <p:spPr>
-          <a:xfrm>
-            <a:off x="628650" y="1825625"/>
-            <a:ext cx="7886700" cy="4351338"/>
-          </a:xfrm>
-        </p:spPr>
-        <p:txBody>
-          <a:bodyPr>
-            <a:normAutofit/>
-          </a:bodyPr>
-          <a:lstStyle/>
-          <a:p>
-            <a:pPr lvl="0"/>
-            <a:r>
-              <a:rPr lang="vi-VN" dirty="0"/>
-              <a:t>Hỗ trợ các AES được viết trên mọi nền tảng</a:t>
-            </a:r>
-          </a:p>
-          <a:p>
-            <a:pPr lvl="0"/>
-            <a:r>
-              <a:rPr lang="vi-VN" dirty="0"/>
-              <a:t>Hỗ trợ các</a:t>
-            </a:r>
-            <a:r>
-              <a:rPr lang="en-US" dirty="0"/>
-              <a:t> Mobile</a:t>
-            </a:r>
-            <a:r>
-              <a:rPr lang="vi-VN" dirty="0"/>
-              <a:t> App</a:t>
-            </a:r>
-            <a:r>
-              <a:rPr lang="en-US" dirty="0" err="1"/>
-              <a:t>lication</a:t>
-            </a:r>
-            <a:r>
-              <a:rPr lang="vi-VN" dirty="0"/>
-              <a:t> được viết trên nền tảng .Net Core</a:t>
-            </a:r>
-          </a:p>
-          <a:p>
-            <a:pPr lvl="0"/>
-            <a:r>
-              <a:rPr lang="vi-VN" dirty="0"/>
-              <a:t>Đã cài đặt và gửi thông báo tới</a:t>
-            </a:r>
-            <a:r>
-              <a:rPr lang="en-US" dirty="0"/>
-              <a:t> Mobile</a:t>
-            </a:r>
-            <a:r>
-              <a:rPr lang="vi-VN" dirty="0"/>
-              <a:t> Application thành công</a:t>
-            </a:r>
-            <a:r>
-              <a:rPr lang="vi-VN" dirty="0" smtClean="0"/>
-              <a:t>.</a:t>
-            </a:r>
-            <a:endParaRPr lang="vi-VN" dirty="0"/>
-          </a:p>
-        </p:txBody>
-      </p:sp>
-      <p:sp>
-        <p:nvSpPr>
-          <p:cNvPr id="26" name="TextBox 25"/>
-          <p:cNvSpPr txBox="1"/>
-          <p:nvPr/>
-        </p:nvSpPr>
-        <p:spPr>
-          <a:xfrm>
-            <a:off x="0" y="525367"/>
-            <a:ext cx="3371085" cy="636919"/>
-          </a:xfrm>
-          <a:prstGeom prst="rect">
-            <a:avLst/>
-          </a:prstGeom>
-          <a:solidFill>
-            <a:schemeClr val="accent6">
-              <a:alpha val="70000"/>
-            </a:schemeClr>
-          </a:solidFill>
-        </p:spPr>
-        <p:txBody>
-          <a:bodyPr wrap="square" lIns="411386" tIns="109703" rIns="137129" bIns="109703" rtlCol="0">
-            <a:spAutoFit/>
-          </a:bodyPr>
-          <a:lstStyle/>
-          <a:p>
-            <a:pPr>
-              <a:lnSpc>
-                <a:spcPct val="90000"/>
-              </a:lnSpc>
-              <a:spcAft>
-                <a:spcPts val="450"/>
-              </a:spcAft>
-            </a:pPr>
-            <a:r>
-              <a:rPr lang="en-US" sz="2999" b="1" spc="-112" dirty="0" err="1" smtClean="0">
-                <a:solidFill>
-                  <a:srgbClr val="FFFFFF"/>
-                </a:solidFill>
-              </a:rPr>
-              <a:t>Kết</a:t>
-            </a:r>
-            <a:r>
-              <a:rPr lang="en-US" sz="2999" b="1" spc="-112" dirty="0" smtClean="0">
-                <a:solidFill>
-                  <a:srgbClr val="FFFFFF"/>
-                </a:solidFill>
-              </a:rPr>
-              <a:t> </a:t>
-            </a:r>
-            <a:r>
-              <a:rPr lang="en-US" sz="2999" b="1" spc="-112" dirty="0" err="1" smtClean="0">
-                <a:solidFill>
-                  <a:srgbClr val="FFFFFF"/>
-                </a:solidFill>
-              </a:rPr>
-              <a:t>quả</a:t>
-            </a:r>
-            <a:r>
-              <a:rPr lang="en-US" sz="2999" b="1" spc="-112" dirty="0" smtClean="0">
-                <a:solidFill>
-                  <a:srgbClr val="FFFFFF"/>
-                </a:solidFill>
-              </a:rPr>
-              <a:t> </a:t>
-            </a:r>
-            <a:r>
-              <a:rPr lang="en-US" sz="2999" b="1" spc="-112" dirty="0" err="1" smtClean="0">
-                <a:solidFill>
-                  <a:srgbClr val="FFFFFF"/>
-                </a:solidFill>
-              </a:rPr>
-              <a:t>đạt</a:t>
-            </a:r>
-            <a:r>
-              <a:rPr lang="en-US" sz="2999" b="1" spc="-112" dirty="0" smtClean="0">
-                <a:solidFill>
-                  <a:srgbClr val="FFFFFF"/>
-                </a:solidFill>
-              </a:rPr>
-              <a:t> </a:t>
-            </a:r>
-            <a:r>
-              <a:rPr lang="en-US" sz="2999" b="1" spc="-112" dirty="0" err="1" smtClean="0">
-                <a:solidFill>
-                  <a:srgbClr val="FFFFFF"/>
-                </a:solidFill>
-              </a:rPr>
-              <a:t>được</a:t>
-            </a:r>
-            <a:endParaRPr lang="en-US" sz="2999" b="1" spc="-112" dirty="0">
-              <a:solidFill>
-                <a:srgbClr val="FFFFFF"/>
-              </a:solidFill>
-            </a:endParaRPr>
-          </a:p>
-        </p:txBody>
-      </p:sp>
-    </p:spTree>
-    <p:extLst>
-      <p:ext uri="{BB962C8B-B14F-4D97-AF65-F5344CB8AC3E}">
-        <p14:creationId xmlns:p14="http://schemas.microsoft.com/office/powerpoint/2010/main" val="2456230267"/>
-      </p:ext>
-    </p:extLst>
-  </p:cSld>
-  <p:clrMapOvr>
-    <a:masterClrMapping/>
-  </p:clrMapOvr>
-  <mc:AlternateContent xmlns:mc="http://schemas.openxmlformats.org/markup-compatibility/2006" xmlns:p14="http://schemas.microsoft.com/office/powerpoint/2010/main">
-    <mc:Choice Requires="p14">
-      <p:transition spd="med" p14:dur="700">
-        <p:fade/>
-      </p:transition>
-    </mc:Choice>
-    <mc:Fallback xmlns="">
-      <p:transition spd="med">
-        <p:fade/>
-      </p:transition>
-    </mc:Fallback>
-  </mc:AlternateContent>
-  <p:timing>
-    <p:tnLst>
-      <p:par>
-        <p:cTn id="1" dur="indefinite" restart="never" nodeType="tmRoot"/>
-      </p:par>
-    </p:tnLst>
-  </p:timing>
-</p:sld>
-</file>
-
-<file path=ppt/slides/slide5.xml><?xml version="1.0" encoding="utf-8"?>
-<p:sld xmlns:a="http://schemas.openxmlformats.org/drawingml/2006/main" xmlns:r="http://schemas.openxmlformats.org/officeDocument/2006/relationships" xmlns:p="http://schemas.openxmlformats.org/presentationml/2006/main">
-  <p:cSld>
-    <p:spTree>
-      <p:nvGrpSpPr>
-        <p:cNvPr id="1" name=""/>
-        <p:cNvGrpSpPr/>
-        <p:nvPr/>
-      </p:nvGrpSpPr>
-      <p:grpSpPr>
-        <a:xfrm>
-          <a:off x="0" y="0"/>
-          <a:ext cx="0" cy="0"/>
-          <a:chOff x="0" y="0"/>
-          <a:chExt cx="0" cy="0"/>
-        </a:xfrm>
-      </p:grpSpPr>
       <p:pic>
         <p:nvPicPr>
           <p:cNvPr id="22" name="Picture 21"/>
@@ -9510,7 +10157,7 @@
         </p:blipFill>
         <p:spPr>
           <a:xfrm>
-            <a:off x="2538" y="874965"/>
+            <a:off x="1526538" y="874965"/>
             <a:ext cx="9321488" cy="5244650"/>
           </a:xfrm>
           <a:prstGeom prst="rect">
@@ -9526,7 +10173,7 @@
         </p:nvSpPr>
         <p:spPr>
           <a:xfrm>
-            <a:off x="2538" y="2106490"/>
+            <a:off x="1526538" y="2106491"/>
             <a:ext cx="9321488" cy="3096551"/>
           </a:xfrm>
           <a:prstGeom prst="rect">
@@ -9604,7 +10251,7 @@
         </p:nvSpPr>
         <p:spPr>
           <a:xfrm>
-            <a:off x="663" y="1172253"/>
+            <a:off x="1524664" y="1172254"/>
             <a:ext cx="3371085" cy="636919"/>
           </a:xfrm>
           <a:prstGeom prst="rect">
@@ -9649,7 +10296,7 @@
         </p:nvSpPr>
         <p:spPr>
           <a:xfrm>
-            <a:off x="393880" y="2580669"/>
+            <a:off x="1917881" y="2580670"/>
             <a:ext cx="509729" cy="166071"/>
           </a:xfrm>
           <a:prstGeom prst="rect">
@@ -9691,7 +10338,7 @@
         </p:nvSpPr>
         <p:spPr>
           <a:xfrm>
-            <a:off x="4414279" y="2469703"/>
+            <a:off x="5938279" y="2469703"/>
             <a:ext cx="1468500" cy="332142"/>
           </a:xfrm>
           <a:prstGeom prst="rect">
@@ -9750,7 +10397,7 @@
         </p:nvSpPr>
         <p:spPr>
           <a:xfrm>
-            <a:off x="2755377" y="2495983"/>
+            <a:off x="4279378" y="2495983"/>
             <a:ext cx="730127" cy="332142"/>
           </a:xfrm>
           <a:prstGeom prst="rect">
@@ -9809,7 +10456,7 @@
         </p:nvSpPr>
         <p:spPr>
           <a:xfrm>
-            <a:off x="2538" y="4561832"/>
+            <a:off x="1526538" y="4561833"/>
             <a:ext cx="9321488" cy="641211"/>
           </a:xfrm>
           <a:prstGeom prst="rect">
@@ -9913,7 +10560,7 @@
         </p:blipFill>
         <p:spPr>
           <a:xfrm>
-            <a:off x="4258074" y="3222893"/>
+            <a:off x="5782075" y="3222893"/>
             <a:ext cx="2143047" cy="1576586"/>
           </a:xfrm>
           <a:prstGeom prst="rect">
@@ -9943,7 +10590,7 @@
         </p:blipFill>
         <p:spPr>
           <a:xfrm>
-            <a:off x="1104139" y="3975969"/>
+            <a:off x="2628139" y="3975969"/>
             <a:ext cx="1208188" cy="772448"/>
           </a:xfrm>
           <a:prstGeom prst="rect">
@@ -9973,7 +10620,7 @@
         </p:blipFill>
         <p:spPr>
           <a:xfrm>
-            <a:off x="360392" y="4205294"/>
+            <a:off x="1884392" y="4205295"/>
             <a:ext cx="455546" cy="443663"/>
           </a:xfrm>
           <a:prstGeom prst="rect">
@@ -10002,7 +10649,7 @@
         </p:blipFill>
         <p:spPr>
           <a:xfrm>
-            <a:off x="2501240" y="3838419"/>
+            <a:off x="4025241" y="3838419"/>
             <a:ext cx="1401431" cy="902842"/>
           </a:xfrm>
           <a:prstGeom prst="rect">
@@ -10018,7 +10665,7 @@
         </p:nvSpPr>
         <p:spPr>
           <a:xfrm>
-            <a:off x="663" y="874913"/>
+            <a:off x="1524664" y="874914"/>
             <a:ext cx="9324763" cy="5245179"/>
           </a:xfrm>
           <a:custGeom>
@@ -10146,7 +10793,7 @@
         </p:nvSpPr>
         <p:spPr>
           <a:xfrm>
-            <a:off x="7511760" y="2490038"/>
+            <a:off x="9035761" y="2490039"/>
             <a:ext cx="643855" cy="166071"/>
           </a:xfrm>
           <a:prstGeom prst="rect">
@@ -10188,7 +10835,7 @@
         </p:nvGrpSpPr>
         <p:grpSpPr bwMode="ltGray">
           <a:xfrm>
-            <a:off x="6782577" y="3068959"/>
+            <a:off x="8306578" y="3068959"/>
             <a:ext cx="2198299" cy="1581554"/>
             <a:chOff x="8610991" y="1992417"/>
             <a:chExt cx="3186889" cy="2292792"/>
@@ -10315,7 +10962,7 @@
         </p:nvSpPr>
         <p:spPr>
           <a:xfrm>
-            <a:off x="1461538" y="2542952"/>
+            <a:off x="2985539" y="2542953"/>
             <a:ext cx="730127" cy="166071"/>
           </a:xfrm>
           <a:prstGeom prst="rect">
@@ -10383,9 +11030,6 @@
                     <p:cTn id="3" fill="hold">
                       <p:stCondLst>
                         <p:cond delay="indefinite"/>
-                        <p:cond evt="onBegin" delay="0">
-                          <p:tn val="2"/>
-                        </p:cond>
                       </p:stCondLst>
                       <p:childTnLst>
                         <p:par>
@@ -10395,7 +11039,7 @@
                             </p:stCondLst>
                             <p:childTnLst>
                               <p:par>
-                                <p:cTn id="5" presetID="10" presetClass="entr" presetSubtype="0" fill="hold" nodeType="withEffect">
+                                <p:cTn id="5" presetID="10" presetClass="entr" presetSubtype="0" fill="hold" nodeType="clickEffect">
                                   <p:stCondLst>
                                     <p:cond delay="0"/>
                                   </p:stCondLst>
@@ -10879,7 +11523,7 @@
 </p:sld>
 </file>
 
-<file path=ppt/slides/slide6.xml><?xml version="1.0" encoding="utf-8"?>
+<file path=ppt/slides/slide5.xml><?xml version="1.0" encoding="utf-8"?>
 <p:sld xmlns:a="http://schemas.openxmlformats.org/drawingml/2006/main" xmlns:r="http://schemas.openxmlformats.org/officeDocument/2006/relationships" xmlns:p="http://schemas.openxmlformats.org/presentationml/2006/main">
   <p:cSld>
     <p:spTree>
@@ -10904,7 +11548,7 @@
         </p:nvCxnSpPr>
         <p:spPr>
           <a:xfrm flipV="1">
-            <a:off x="-287016" y="1397905"/>
+            <a:off x="1236985" y="1397906"/>
             <a:ext cx="9718031" cy="57165"/>
           </a:xfrm>
           <a:prstGeom prst="line">
@@ -10941,14 +11585,119 @@
       </p:cxnSp>
       <p:sp>
         <p:nvSpPr>
+          <p:cNvPr id="25" name="Content Placeholder 2"/>
+          <p:cNvSpPr>
+            <a:spLocks noGrp="1"/>
+          </p:cNvSpPr>
+          <p:nvPr>
+            <p:ph idx="1"/>
+          </p:nvPr>
+        </p:nvSpPr>
+        <p:spPr>
+          <a:xfrm>
+            <a:off x="2152650" y="1825625"/>
+            <a:ext cx="7886700" cy="4351338"/>
+          </a:xfrm>
+        </p:spPr>
+        <p:txBody>
+          <a:bodyPr>
+            <a:normAutofit/>
+          </a:bodyPr>
+          <a:lstStyle/>
+          <a:p>
+            <a:pPr marL="0" indent="0">
+              <a:buNone/>
+            </a:pPr>
+            <a:r>
+              <a:rPr lang="vi-VN" dirty="0"/>
+              <a:t>T</a:t>
+            </a:r>
+            <a:r>
+              <a:rPr lang="vi-VN" dirty="0" smtClean="0"/>
+              <a:t>hiết </a:t>
+            </a:r>
+            <a:r>
+              <a:rPr lang="vi-VN" dirty="0"/>
+              <a:t>kế và hiện thực một hệ thống gửi thông báo tự động dưới dạng Notification trong đó có hỗ trợ </a:t>
+            </a:r>
+            <a:r>
+              <a:rPr lang="vi-VN" dirty="0" smtClean="0"/>
+              <a:t>một </a:t>
+            </a:r>
+            <a:r>
+              <a:rPr lang="vi-VN" dirty="0"/>
+              <a:t>số tính năng:</a:t>
+            </a:r>
+          </a:p>
+          <a:p>
+            <a:r>
+              <a:rPr lang="vi-VN" dirty="0" smtClean="0"/>
+              <a:t>Gửi </a:t>
+            </a:r>
+            <a:r>
+              <a:rPr lang="vi-VN" dirty="0"/>
+              <a:t>thông báo tới các thiết bị của một hoặc nhiều người </a:t>
+            </a:r>
+            <a:r>
+              <a:rPr lang="vi-VN" dirty="0" smtClean="0"/>
+              <a:t>dùng.</a:t>
+            </a:r>
+          </a:p>
+          <a:p>
+            <a:r>
+              <a:rPr lang="vi-VN" dirty="0" smtClean="0"/>
+              <a:t>Lưu </a:t>
+            </a:r>
+            <a:r>
+              <a:rPr lang="vi-VN" dirty="0"/>
+              <a:t>trữ thông </a:t>
+            </a:r>
+            <a:r>
+              <a:rPr lang="vi-VN" dirty="0" smtClean="0"/>
+              <a:t>báo.</a:t>
+            </a:r>
+          </a:p>
+          <a:p>
+            <a:r>
+              <a:rPr lang="vi-VN" dirty="0" smtClean="0"/>
+              <a:t>Giao </a:t>
+            </a:r>
+            <a:r>
+              <a:rPr lang="vi-VN" dirty="0"/>
+              <a:t>tiếp được với </a:t>
+            </a:r>
+            <a:r>
+              <a:rPr lang="vi-VN" dirty="0" smtClean="0"/>
+              <a:t>client </a:t>
+            </a:r>
+            <a:r>
+              <a:rPr lang="vi-VN" dirty="0"/>
+              <a:t>được viết bằng </a:t>
+            </a:r>
+            <a:r>
+              <a:rPr lang="vi-VN" dirty="0" smtClean="0"/>
+              <a:t>bất kỳ ngôn ngữ nào.</a:t>
+            </a:r>
+          </a:p>
+          <a:p>
+            <a:r>
+              <a:rPr lang="vi-VN" dirty="0" smtClean="0"/>
+              <a:t>Có thể được tích hợp sâu vào hệ thống khác.</a:t>
+            </a:r>
+            <a:endParaRPr lang="vi-VN" dirty="0"/>
+          </a:p>
+        </p:txBody>
+      </p:sp>
+      <p:sp>
+        <p:nvSpPr>
           <p:cNvPr id="26" name="TextBox 25"/>
           <p:cNvSpPr txBox="1"/>
           <p:nvPr/>
         </p:nvSpPr>
         <p:spPr>
           <a:xfrm>
-            <a:off x="0" y="525367"/>
-            <a:ext cx="7146388" cy="636919"/>
+            <a:off x="1524001" y="525368"/>
+            <a:ext cx="3371085" cy="636919"/>
           </a:xfrm>
           <a:prstGeom prst="rect">
             <a:avLst/>
@@ -10974,124 +11723,28 @@
               </a:spcAft>
             </a:pPr>
             <a:r>
-              <a:rPr lang="en-US" sz="2999" b="1" spc="-112" dirty="0" smtClean="0">
+              <a:rPr lang="en-US" sz="2999" b="1" spc="-112" dirty="0" err="1">
                 <a:solidFill>
                   <a:srgbClr val="FFFFFF"/>
                 </a:solidFill>
               </a:rPr>
-              <a:t>RNS </a:t>
-            </a:r>
-            <a:r>
-              <a:rPr lang="en-US" sz="2999" b="1" spc="-112" dirty="0" err="1" smtClean="0">
+              <a:t>Mục</a:t>
+            </a:r>
+            <a:r>
+              <a:rPr lang="en-US" sz="2999" b="1" spc="-112" dirty="0">
                 <a:solidFill>
                   <a:srgbClr val="FFFFFF"/>
                 </a:solidFill>
               </a:rPr>
-              <a:t>hỗ</a:t>
-            </a:r>
-            <a:r>
-              <a:rPr lang="en-US" sz="2999" b="1" spc="-112" dirty="0" smtClean="0">
+              <a:t> </a:t>
+            </a:r>
+            <a:r>
+              <a:rPr lang="en-US" sz="2999" b="1" spc="-112" dirty="0" err="1">
                 <a:solidFill>
                   <a:srgbClr val="FFFFFF"/>
                 </a:solidFill>
               </a:rPr>
-              <a:t> </a:t>
-            </a:r>
-            <a:r>
-              <a:rPr lang="en-US" sz="2999" b="1" spc="-112" dirty="0" err="1" smtClean="0">
-                <a:solidFill>
-                  <a:srgbClr val="FFFFFF"/>
-                </a:solidFill>
-              </a:rPr>
-              <a:t>trợ</a:t>
-            </a:r>
-            <a:r>
-              <a:rPr lang="en-US" sz="2999" b="1" spc="-112" dirty="0" smtClean="0">
-                <a:solidFill>
-                  <a:srgbClr val="FFFFFF"/>
-                </a:solidFill>
-              </a:rPr>
-              <a:t> </a:t>
-            </a:r>
-            <a:r>
-              <a:rPr lang="en-US" sz="2999" b="1" spc="-112" dirty="0" err="1" smtClean="0">
-                <a:solidFill>
-                  <a:srgbClr val="FFFFFF"/>
-                </a:solidFill>
-              </a:rPr>
-              <a:t>việc</a:t>
-            </a:r>
-            <a:r>
-              <a:rPr lang="en-US" sz="2999" b="1" spc="-112" dirty="0" smtClean="0">
-                <a:solidFill>
-                  <a:srgbClr val="FFFFFF"/>
-                </a:solidFill>
-              </a:rPr>
-              <a:t> </a:t>
-            </a:r>
-            <a:r>
-              <a:rPr lang="en-US" sz="2999" b="1" spc="-112" dirty="0" err="1" smtClean="0">
-                <a:solidFill>
-                  <a:srgbClr val="FFFFFF"/>
-                </a:solidFill>
-              </a:rPr>
-              <a:t>phát</a:t>
-            </a:r>
-            <a:r>
-              <a:rPr lang="en-US" sz="2999" b="1" spc="-112" dirty="0" smtClean="0">
-                <a:solidFill>
-                  <a:srgbClr val="FFFFFF"/>
-                </a:solidFill>
-              </a:rPr>
-              <a:t> </a:t>
-            </a:r>
-            <a:r>
-              <a:rPr lang="en-US" sz="2999" b="1" spc="-112" dirty="0" err="1" smtClean="0">
-                <a:solidFill>
-                  <a:srgbClr val="FFFFFF"/>
-                </a:solidFill>
-              </a:rPr>
-              <a:t>triển</a:t>
-            </a:r>
-            <a:r>
-              <a:rPr lang="en-US" sz="2999" b="1" spc="-112" dirty="0">
-                <a:solidFill>
-                  <a:srgbClr val="FFFFFF"/>
-                </a:solidFill>
-              </a:rPr>
-              <a:t> </a:t>
-            </a:r>
-            <a:r>
-              <a:rPr lang="en-US" sz="2999" b="1" spc="-112" dirty="0" err="1" smtClean="0">
-                <a:solidFill>
-                  <a:srgbClr val="FFFFFF"/>
-                </a:solidFill>
-              </a:rPr>
-              <a:t>bên</a:t>
-            </a:r>
-            <a:r>
-              <a:rPr lang="en-US" sz="2999" b="1" spc="-112" dirty="0" smtClean="0">
-                <a:solidFill>
-                  <a:srgbClr val="FFFFFF"/>
-                </a:solidFill>
-              </a:rPr>
-              <a:t> </a:t>
-            </a:r>
-            <a:r>
-              <a:rPr lang="en-US" sz="2999" b="1" spc="-112" dirty="0" err="1" smtClean="0">
-                <a:solidFill>
-                  <a:srgbClr val="FFFFFF"/>
-                </a:solidFill>
-              </a:rPr>
-              <a:t>phía</a:t>
-            </a:r>
-            <a:r>
-              <a:rPr lang="en-US" sz="2999" b="1" spc="-112" dirty="0" smtClean="0">
-                <a:solidFill>
-                  <a:srgbClr val="FFFFFF"/>
-                </a:solidFill>
-              </a:rPr>
-              <a:t> client</a:t>
+              <a:t>tiêu</a:t>
             </a:r>
             <a:endParaRPr lang="en-US" sz="2999" b="1" spc="-112" dirty="0">
               <a:solidFill>
@@ -11101,433 +11754,354 @@
           </a:p>
         </p:txBody>
       </p:sp>
-      <p:sp>
-        <p:nvSpPr>
-          <p:cNvPr id="3" name="Rectangle 2"/>
-          <p:cNvSpPr/>
+    </p:spTree>
+    <p:extLst>
+      <p:ext uri="{BB962C8B-B14F-4D97-AF65-F5344CB8AC3E}">
+        <p14:creationId xmlns:p14="http://schemas.microsoft.com/office/powerpoint/2010/main" val="938194561"/>
+      </p:ext>
+    </p:extLst>
+  </p:cSld>
+  <p:clrMapOvr>
+    <a:masterClrMapping/>
+  </p:clrMapOvr>
+  <mc:AlternateContent xmlns:mc="http://schemas.openxmlformats.org/markup-compatibility/2006" xmlns:p14="http://schemas.microsoft.com/office/powerpoint/2010/main">
+    <mc:Choice Requires="p14">
+      <p:transition spd="med" p14:dur="700">
+        <p:fade/>
+      </p:transition>
+    </mc:Choice>
+    <mc:Fallback xmlns="">
+      <p:transition spd="med">
+        <p:fade/>
+      </p:transition>
+    </mc:Fallback>
+  </mc:AlternateContent>
+  <p:timing>
+    <p:tnLst>
+      <p:par>
+        <p:cTn id="1" dur="indefinite" restart="never" nodeType="tmRoot"/>
+      </p:par>
+    </p:tnLst>
+  </p:timing>
+</p:sld>
+</file>
+
+<file path=ppt/slides/slide6.xml><?xml version="1.0" encoding="utf-8"?>
+<p:sld xmlns:a="http://schemas.openxmlformats.org/drawingml/2006/main" xmlns:r="http://schemas.openxmlformats.org/officeDocument/2006/relationships" xmlns:p="http://schemas.openxmlformats.org/presentationml/2006/main">
+  <p:cSld>
+    <p:spTree>
+      <p:nvGrpSpPr>
+        <p:cNvPr id="1" name=""/>
+        <p:cNvGrpSpPr/>
+        <p:nvPr/>
+      </p:nvGrpSpPr>
+      <p:grpSpPr>
+        <a:xfrm>
+          <a:off x="0" y="0"/>
+          <a:ext cx="0" cy="0"/>
+          <a:chOff x="0" y="0"/>
+          <a:chExt cx="0" cy="0"/>
+        </a:xfrm>
+      </p:grpSpPr>
+      <p:cxnSp>
+        <p:nvCxnSpPr>
+          <p:cNvPr id="4" name="Straight Connector 3"/>
+          <p:cNvCxnSpPr/>
           <p:nvPr/>
-        </p:nvSpPr>
+        </p:nvCxnSpPr>
         <p:spPr>
-          <a:xfrm>
-            <a:off x="253218" y="2441450"/>
-            <a:ext cx="1730326" cy="745588"/>
+          <a:xfrm flipV="1">
+            <a:off x="1236985" y="1397906"/>
+            <a:ext cx="9718031" cy="57165"/>
           </a:xfrm>
-          <a:prstGeom prst="rect">
+          <a:prstGeom prst="line">
             <a:avLst/>
           </a:prstGeom>
+          <a:ln w="47625">
+            <a:solidFill>
+              <a:schemeClr val="accent1">
+                <a:lumMod val="75000"/>
+              </a:schemeClr>
+            </a:solidFill>
+          </a:ln>
+          <a:effectLst>
+            <a:innerShdw blurRad="114300">
+              <a:prstClr val="black"/>
+            </a:innerShdw>
+            <a:softEdge rad="0"/>
+          </a:effectLst>
         </p:spPr>
         <p:style>
-          <a:lnRef idx="2">
-            <a:schemeClr val="accent1">
-              <a:shade val="50000"/>
-            </a:schemeClr>
+          <a:lnRef idx="1">
+            <a:schemeClr val="accent1"/>
           </a:lnRef>
-          <a:fillRef idx="1">
+          <a:fillRef idx="0">
             <a:schemeClr val="accent1"/>
           </a:fillRef>
           <a:effectRef idx="0">
             <a:schemeClr val="accent1"/>
           </a:effectRef>
           <a:fontRef idx="minor">
-            <a:schemeClr val="lt1"/>
+            <a:schemeClr val="tx1"/>
           </a:fontRef>
         </p:style>
+      </p:cxnSp>
+      <p:sp>
+        <p:nvSpPr>
+          <p:cNvPr id="25" name="Content Placeholder 2"/>
+          <p:cNvSpPr>
+            <a:spLocks noGrp="1"/>
+          </p:cNvSpPr>
+          <p:nvPr>
+            <p:ph idx="1"/>
+          </p:nvPr>
+        </p:nvSpPr>
+        <p:spPr>
+          <a:xfrm>
+            <a:off x="2152650" y="1825625"/>
+            <a:ext cx="7886700" cy="4351338"/>
+          </a:xfrm>
+        </p:spPr>
         <p:txBody>
-          <a:bodyPr rtlCol="0" anchor="ctr"/>
+          <a:bodyPr>
+            <a:normAutofit/>
+          </a:bodyPr>
           <a:lstStyle/>
           <a:p>
-            <a:pPr algn="ctr"/>
             <a:r>
               <a:rPr lang="vi-VN" dirty="0" smtClean="0"/>
-              <a:t>AES</a:t>
-            </a:r>
+              <a:t>Thay đổi cách người dùng tiếp cận thông tin từ tổ chức của họ.</a:t>
+            </a:r>
+          </a:p>
+          <a:p>
+            <a:r>
+              <a:rPr lang="vi-VN" dirty="0" smtClean="0"/>
+              <a:t>Giảm trên </a:t>
+            </a:r>
+            <a:r>
+              <a:rPr lang="en-US" dirty="0" smtClean="0"/>
+              <a:t>90% </a:t>
+            </a:r>
+            <a:r>
+              <a:rPr lang="en-US" dirty="0" err="1" smtClean="0"/>
+              <a:t>công</a:t>
+            </a:r>
+            <a:r>
+              <a:rPr lang="en-US" dirty="0" smtClean="0"/>
+              <a:t> </a:t>
+            </a:r>
+            <a:r>
+              <a:rPr lang="en-US" dirty="0" err="1" smtClean="0"/>
+              <a:t>sức</a:t>
+            </a:r>
+            <a:r>
+              <a:rPr lang="en-US" dirty="0" smtClean="0"/>
+              <a:t> </a:t>
+            </a:r>
+            <a:r>
+              <a:rPr lang="en-US" dirty="0" err="1" smtClean="0"/>
+              <a:t>và</a:t>
+            </a:r>
+            <a:r>
+              <a:rPr lang="en-US" dirty="0" smtClean="0"/>
+              <a:t> </a:t>
+            </a:r>
+            <a:r>
+              <a:rPr lang="en-US" dirty="0" err="1" smtClean="0"/>
+              <a:t>thời</a:t>
+            </a:r>
+            <a:r>
+              <a:rPr lang="en-US" dirty="0" smtClean="0"/>
+              <a:t> </a:t>
+            </a:r>
+            <a:r>
+              <a:rPr lang="en-US" dirty="0" err="1" smtClean="0"/>
+              <a:t>gian</a:t>
+            </a:r>
+            <a:r>
+              <a:rPr lang="en-US" dirty="0" smtClean="0"/>
+              <a:t> </a:t>
+            </a:r>
+            <a:r>
+              <a:rPr lang="en-US" dirty="0" err="1" smtClean="0"/>
+              <a:t>phát</a:t>
+            </a:r>
+            <a:r>
+              <a:rPr lang="en-US" dirty="0" smtClean="0"/>
+              <a:t> </a:t>
+            </a:r>
+            <a:r>
+              <a:rPr lang="en-US" dirty="0" err="1" smtClean="0"/>
+              <a:t>triển</a:t>
+            </a:r>
+            <a:r>
+              <a:rPr lang="en-US" dirty="0" smtClean="0"/>
+              <a:t> </a:t>
+            </a:r>
+            <a:r>
+              <a:rPr lang="en-US" dirty="0" err="1" smtClean="0"/>
+              <a:t>chức</a:t>
+            </a:r>
+            <a:r>
+              <a:rPr lang="en-US" dirty="0" smtClean="0"/>
+              <a:t> </a:t>
+            </a:r>
+            <a:r>
+              <a:rPr lang="en-US" dirty="0" err="1" smtClean="0"/>
+              <a:t>năng</a:t>
+            </a:r>
+            <a:r>
+              <a:rPr lang="en-US" dirty="0" smtClean="0"/>
+              <a:t> </a:t>
+            </a:r>
+            <a:r>
+              <a:rPr lang="en-US" dirty="0" err="1" smtClean="0"/>
+              <a:t>gửi</a:t>
+            </a:r>
+            <a:r>
+              <a:rPr lang="en-US" dirty="0" smtClean="0"/>
+              <a:t> </a:t>
+            </a:r>
+            <a:r>
+              <a:rPr lang="en-US" dirty="0" err="1" smtClean="0"/>
+              <a:t>thông</a:t>
+            </a:r>
+            <a:r>
+              <a:rPr lang="en-US" dirty="0" smtClean="0"/>
+              <a:t> </a:t>
+            </a:r>
+            <a:r>
+              <a:rPr lang="en-US" dirty="0" err="1" smtClean="0"/>
+              <a:t>báo</a:t>
+            </a:r>
+            <a:r>
+              <a:rPr lang="en-US" dirty="0" smtClean="0"/>
+              <a:t> </a:t>
+            </a:r>
+            <a:r>
+              <a:rPr lang="en-US" dirty="0" err="1" smtClean="0"/>
+              <a:t>cho</a:t>
+            </a:r>
+            <a:r>
+              <a:rPr lang="en-US" dirty="0" smtClean="0"/>
+              <a:t> </a:t>
+            </a:r>
+            <a:r>
+              <a:rPr lang="en-US" dirty="0" err="1" smtClean="0"/>
+              <a:t>phần</a:t>
+            </a:r>
+            <a:r>
+              <a:rPr lang="en-US" dirty="0" smtClean="0"/>
+              <a:t> </a:t>
+            </a:r>
+            <a:r>
+              <a:rPr lang="en-US" dirty="0" err="1" smtClean="0"/>
+              <a:t>mềm</a:t>
+            </a:r>
+            <a:r>
+              <a:rPr lang="en-US" dirty="0" smtClean="0"/>
+              <a:t>.</a:t>
+            </a:r>
+          </a:p>
+          <a:p>
             <a:endParaRPr lang="vi-VN" dirty="0"/>
           </a:p>
         </p:txBody>
       </p:sp>
       <p:sp>
         <p:nvSpPr>
-          <p:cNvPr id="14" name="Rectangle 13"/>
-          <p:cNvSpPr/>
+          <p:cNvPr id="26" name="TextBox 25"/>
+          <p:cNvSpPr txBox="1"/>
           <p:nvPr/>
         </p:nvSpPr>
         <p:spPr>
           <a:xfrm>
-            <a:off x="6133514" y="3060427"/>
-            <a:ext cx="2250831" cy="1809877"/>
+            <a:off x="1524001" y="525368"/>
+            <a:ext cx="3371085" cy="636919"/>
           </a:xfrm>
           <a:prstGeom prst="rect">
             <a:avLst/>
           </a:prstGeom>
           <a:solidFill>
-            <a:schemeClr val="bg1"/>
+            <a:schemeClr val="accent6">
+              <a:alpha val="70000"/>
+            </a:schemeClr>
           </a:solidFill>
         </p:spPr>
-        <p:style>
-          <a:lnRef idx="2">
-            <a:schemeClr val="accent1">
-              <a:shade val="50000"/>
-            </a:schemeClr>
-          </a:lnRef>
-          <a:fillRef idx="1">
-            <a:schemeClr val="accent1"/>
-          </a:fillRef>
-          <a:effectRef idx="0">
-            <a:schemeClr val="accent1"/>
-          </a:effectRef>
-          <a:fontRef idx="minor">
-            <a:schemeClr val="lt1"/>
-          </a:fontRef>
-        </p:style>
         <p:txBody>
-          <a:bodyPr rtlCol="0" anchor="t"/>
-          <a:lstStyle/>
-          <a:p>
-            <a:pPr algn="ctr"/>
-            <a:r>
-              <a:rPr lang="vi-VN" dirty="0" smtClean="0">
-                <a:solidFill>
-                  <a:schemeClr val="tx1"/>
-                </a:solidFill>
-              </a:rPr>
-              <a:t>Windows 10 App</a:t>
-            </a:r>
-            <a:endParaRPr lang="vi-VN" dirty="0">
-              <a:solidFill>
-                <a:schemeClr val="tx1"/>
-              </a:solidFill>
-            </a:endParaRPr>
-          </a:p>
-        </p:txBody>
-      </p:sp>
-      <p:sp>
-        <p:nvSpPr>
-          <p:cNvPr id="15" name="Rectangle 14"/>
-          <p:cNvSpPr/>
-          <p:nvPr/>
-        </p:nvSpPr>
-        <p:spPr>
-          <a:xfrm>
-            <a:off x="253218" y="3886551"/>
-            <a:ext cx="1730326" cy="745588"/>
-          </a:xfrm>
-          <a:prstGeom prst="rect">
-            <a:avLst/>
-          </a:prstGeom>
-          <a:solidFill>
-            <a:schemeClr val="accent2"/>
-          </a:solidFill>
-        </p:spPr>
-        <p:style>
-          <a:lnRef idx="2">
-            <a:schemeClr val="accent1">
-              <a:shade val="50000"/>
-            </a:schemeClr>
-          </a:lnRef>
-          <a:fillRef idx="1">
-            <a:schemeClr val="accent1"/>
-          </a:fillRef>
-          <a:effectRef idx="0">
-            <a:schemeClr val="accent1"/>
-          </a:effectRef>
-          <a:fontRef idx="minor">
-            <a:schemeClr val="lt1"/>
-          </a:fontRef>
-        </p:style>
-        <p:txBody>
-          <a:bodyPr rtlCol="0" anchor="ctr"/>
-          <a:lstStyle/>
-          <a:p>
-            <a:pPr algn="ctr"/>
-            <a:r>
-              <a:rPr lang="vi-VN" dirty="0" smtClean="0"/>
-              <a:t>RNS Server</a:t>
-            </a:r>
-            <a:endParaRPr lang="vi-VN" dirty="0"/>
-          </a:p>
-        </p:txBody>
-      </p:sp>
-      <p:sp>
-        <p:nvSpPr>
-          <p:cNvPr id="16" name="Rectangle 15"/>
-          <p:cNvSpPr/>
-          <p:nvPr/>
-        </p:nvSpPr>
-        <p:spPr>
-          <a:xfrm>
-            <a:off x="6393766" y="3886551"/>
-            <a:ext cx="1730326" cy="745588"/>
-          </a:xfrm>
-          <a:prstGeom prst="rect">
-            <a:avLst/>
-          </a:prstGeom>
-          <a:solidFill>
-            <a:schemeClr val="accent2"/>
-          </a:solidFill>
-        </p:spPr>
-        <p:style>
-          <a:lnRef idx="2">
-            <a:schemeClr val="accent1">
-              <a:shade val="50000"/>
-            </a:schemeClr>
-          </a:lnRef>
-          <a:fillRef idx="1">
-            <a:schemeClr val="accent1"/>
-          </a:fillRef>
-          <a:effectRef idx="0">
-            <a:schemeClr val="accent1"/>
-          </a:effectRef>
-          <a:fontRef idx="minor">
-            <a:schemeClr val="lt1"/>
-          </a:fontRef>
-        </p:style>
-        <p:txBody>
-          <a:bodyPr rtlCol="0" anchor="ctr"/>
-          <a:lstStyle/>
-          <a:p>
-            <a:pPr algn="ctr"/>
-            <a:r>
-              <a:rPr lang="vi-VN" dirty="0" smtClean="0"/>
-              <a:t>RNS Client</a:t>
-            </a:r>
-            <a:endParaRPr lang="vi-VN" dirty="0"/>
-          </a:p>
-        </p:txBody>
-      </p:sp>
-      <p:sp>
-        <p:nvSpPr>
-          <p:cNvPr id="8" name="Cloud 7"/>
-          <p:cNvSpPr/>
-          <p:nvPr/>
-        </p:nvSpPr>
-        <p:spPr>
-          <a:xfrm>
-            <a:off x="3108960" y="5205046"/>
-            <a:ext cx="2250831" cy="1223889"/>
-          </a:xfrm>
-          <a:prstGeom prst="cloud">
-            <a:avLst/>
-          </a:prstGeom>
-        </p:spPr>
-        <p:style>
-          <a:lnRef idx="2">
-            <a:schemeClr val="accent1">
-              <a:shade val="50000"/>
-            </a:schemeClr>
-          </a:lnRef>
-          <a:fillRef idx="1">
-            <a:schemeClr val="accent1"/>
-          </a:fillRef>
-          <a:effectRef idx="0">
-            <a:schemeClr val="accent1"/>
-          </a:effectRef>
-          <a:fontRef idx="minor">
-            <a:schemeClr val="lt1"/>
-          </a:fontRef>
-        </p:style>
-        <p:txBody>
-          <a:bodyPr rtlCol="0" anchor="ctr"/>
-          <a:lstStyle/>
-          <a:p>
-            <a:pPr algn="ctr"/>
-            <a:r>
-              <a:rPr lang="vi-VN" dirty="0" smtClean="0"/>
-              <a:t>Micorsoft WNS</a:t>
-            </a:r>
-            <a:endParaRPr lang="vi-VN" dirty="0"/>
-          </a:p>
-        </p:txBody>
-      </p:sp>
-      <p:sp>
-        <p:nvSpPr>
-          <p:cNvPr id="12" name="Down Arrow 11"/>
-          <p:cNvSpPr/>
-          <p:nvPr/>
-        </p:nvSpPr>
-        <p:spPr>
-          <a:xfrm>
-            <a:off x="872197" y="3291840"/>
-            <a:ext cx="246184" cy="496389"/>
-          </a:xfrm>
-          <a:prstGeom prst="downArrow">
-            <a:avLst/>
-          </a:prstGeom>
-        </p:spPr>
-        <p:style>
-          <a:lnRef idx="2">
-            <a:schemeClr val="accent1">
-              <a:shade val="50000"/>
-            </a:schemeClr>
-          </a:lnRef>
-          <a:fillRef idx="1">
-            <a:schemeClr val="accent1"/>
-          </a:fillRef>
-          <a:effectRef idx="0">
-            <a:schemeClr val="accent1"/>
-          </a:effectRef>
-          <a:fontRef idx="minor">
-            <a:schemeClr val="lt1"/>
-          </a:fontRef>
-        </p:style>
-        <p:txBody>
-          <a:bodyPr rtlCol="0" anchor="ctr"/>
-          <a:lstStyle/>
-          <a:p>
-            <a:pPr algn="ctr"/>
-            <a:endParaRPr lang="vi-VN"/>
-          </a:p>
-        </p:txBody>
-      </p:sp>
-      <p:sp>
-        <p:nvSpPr>
-          <p:cNvPr id="19" name="Down Arrow 18"/>
-          <p:cNvSpPr/>
-          <p:nvPr/>
-        </p:nvSpPr>
-        <p:spPr>
-          <a:xfrm rot="14412809">
-            <a:off x="5608144" y="4762832"/>
-            <a:ext cx="246184" cy="788272"/>
-          </a:xfrm>
-          <a:prstGeom prst="downArrow">
-            <a:avLst/>
-          </a:prstGeom>
-        </p:spPr>
-        <p:style>
-          <a:lnRef idx="2">
-            <a:schemeClr val="accent1">
-              <a:shade val="50000"/>
-            </a:schemeClr>
-          </a:lnRef>
-          <a:fillRef idx="1">
-            <a:schemeClr val="accent1"/>
-          </a:fillRef>
-          <a:effectRef idx="0">
-            <a:schemeClr val="accent1"/>
-          </a:effectRef>
-          <a:fontRef idx="minor">
-            <a:schemeClr val="lt1"/>
-          </a:fontRef>
-        </p:style>
-        <p:txBody>
-          <a:bodyPr rtlCol="0" anchor="ctr"/>
-          <a:lstStyle/>
-          <a:p>
-            <a:pPr algn="ctr"/>
-            <a:endParaRPr lang="vi-VN"/>
-          </a:p>
-        </p:txBody>
-      </p:sp>
-      <p:sp>
-        <p:nvSpPr>
-          <p:cNvPr id="20" name="Down Arrow 19"/>
-          <p:cNvSpPr/>
-          <p:nvPr/>
-        </p:nvSpPr>
-        <p:spPr>
-          <a:xfrm rot="18624693">
-            <a:off x="2490913" y="4442100"/>
-            <a:ext cx="246184" cy="1338746"/>
-          </a:xfrm>
-          <a:prstGeom prst="downArrow">
-            <a:avLst/>
-          </a:prstGeom>
-        </p:spPr>
-        <p:style>
-          <a:lnRef idx="2">
-            <a:schemeClr val="accent1">
-              <a:shade val="50000"/>
-            </a:schemeClr>
-          </a:lnRef>
-          <a:fillRef idx="1">
-            <a:schemeClr val="accent1"/>
-          </a:fillRef>
-          <a:effectRef idx="0">
-            <a:schemeClr val="accent1"/>
-          </a:effectRef>
-          <a:fontRef idx="minor">
-            <a:schemeClr val="lt1"/>
-          </a:fontRef>
-        </p:style>
-        <p:txBody>
-          <a:bodyPr rtlCol="0" anchor="ctr"/>
-          <a:lstStyle/>
-          <a:p>
-            <a:pPr algn="ctr"/>
-            <a:endParaRPr lang="vi-VN"/>
-          </a:p>
-        </p:txBody>
-      </p:sp>
-      <p:sp>
-        <p:nvSpPr>
-          <p:cNvPr id="17" name="Left-Right Arrow 16"/>
-          <p:cNvSpPr/>
-          <p:nvPr/>
-        </p:nvSpPr>
-        <p:spPr>
-          <a:xfrm>
-            <a:off x="2263140" y="4251960"/>
-            <a:ext cx="3703320" cy="240030"/>
-          </a:xfrm>
-          <a:prstGeom prst="leftRightArrow">
-            <a:avLst/>
-          </a:prstGeom>
-        </p:spPr>
-        <p:style>
-          <a:lnRef idx="2">
-            <a:schemeClr val="accent1">
-              <a:shade val="50000"/>
-            </a:schemeClr>
-          </a:lnRef>
-          <a:fillRef idx="1">
-            <a:schemeClr val="accent1"/>
-          </a:fillRef>
-          <a:effectRef idx="0">
-            <a:schemeClr val="accent1"/>
-          </a:effectRef>
-          <a:fontRef idx="minor">
-            <a:schemeClr val="lt1"/>
-          </a:fontRef>
-        </p:style>
-        <p:txBody>
-          <a:bodyPr rtlCol="0" anchor="ctr"/>
-          <a:lstStyle/>
-          <a:p>
-            <a:pPr algn="ctr"/>
-            <a:endParaRPr lang="vi-VN"/>
-          </a:p>
-        </p:txBody>
-      </p:sp>
-      <p:sp>
-        <p:nvSpPr>
-          <p:cNvPr id="2" name="TextBox 1"/>
-          <p:cNvSpPr txBox="1"/>
-          <p:nvPr/>
-        </p:nvSpPr>
-        <p:spPr>
-          <a:xfrm>
-            <a:off x="1704109" y="1759527"/>
-            <a:ext cx="5306291" cy="554182"/>
-          </a:xfrm>
-          <a:prstGeom prst="rect">
-            <a:avLst/>
-          </a:prstGeom>
-          <a:noFill/>
-        </p:spPr>
-        <p:txBody>
-          <a:bodyPr wrap="square" rtlCol="0">
+          <a:bodyPr wrap="square" lIns="411386" tIns="109703" rIns="137129" bIns="109703" rtlCol="0">
             <a:spAutoFit/>
           </a:bodyPr>
           <a:lstStyle/>
           <a:p>
-            <a:endParaRPr lang="vi-VN"/>
+            <a:pPr>
+              <a:lnSpc>
+                <a:spcPct val="90000"/>
+              </a:lnSpc>
+              <a:spcAft>
+                <a:spcPts val="450"/>
+              </a:spcAft>
+            </a:pPr>
+            <a:r>
+              <a:rPr lang="en-US" sz="2999" b="1" spc="-112" dirty="0">
+                <a:solidFill>
+                  <a:srgbClr val="FFFFFF"/>
+                </a:solidFill>
+              </a:rPr>
+              <a:t>Ý </a:t>
+            </a:r>
+            <a:r>
+              <a:rPr lang="en-US" sz="2999" b="1" spc="-112" dirty="0" err="1">
+                <a:solidFill>
+                  <a:srgbClr val="FFFFFF"/>
+                </a:solidFill>
+              </a:rPr>
+              <a:t>nghĩa</a:t>
+            </a:r>
+            <a:r>
+              <a:rPr lang="en-US" sz="2999" b="1" spc="-112" dirty="0">
+                <a:solidFill>
+                  <a:srgbClr val="FFFFFF"/>
+                </a:solidFill>
+              </a:rPr>
+              <a:t> </a:t>
+            </a:r>
+            <a:r>
+              <a:rPr lang="en-US" sz="2999" b="1" spc="-112" dirty="0" err="1">
+                <a:solidFill>
+                  <a:srgbClr val="FFFFFF"/>
+                </a:solidFill>
+              </a:rPr>
+              <a:t>đề</a:t>
+            </a:r>
+            <a:r>
+              <a:rPr lang="en-US" sz="2999" b="1" spc="-112" dirty="0">
+                <a:solidFill>
+                  <a:srgbClr val="FFFFFF"/>
+                </a:solidFill>
+              </a:rPr>
+              <a:t> </a:t>
+            </a:r>
+            <a:r>
+              <a:rPr lang="en-US" sz="2999" b="1" spc="-112" dirty="0" err="1">
+                <a:solidFill>
+                  <a:srgbClr val="FFFFFF"/>
+                </a:solidFill>
+              </a:rPr>
+              <a:t>tài</a:t>
+            </a:r>
+            <a:endParaRPr lang="en-US" sz="2999" b="1" spc="-112" dirty="0">
+              <a:solidFill>
+                <a:srgbClr val="FFFFFF"/>
+              </a:solidFill>
+            </a:endParaRPr>
           </a:p>
         </p:txBody>
       </p:sp>
     </p:spTree>
     <p:extLst>
       <p:ext uri="{BB962C8B-B14F-4D97-AF65-F5344CB8AC3E}">
-        <p14:creationId xmlns:p14="http://schemas.microsoft.com/office/powerpoint/2010/main" val="2418629306"/>
+        <p14:creationId xmlns:p14="http://schemas.microsoft.com/office/powerpoint/2010/main" val="3877601014"/>
       </p:ext>
     </p:extLst>
   </p:cSld>
@@ -11581,7 +12155,275 @@
         </p:nvCxnSpPr>
         <p:spPr>
           <a:xfrm flipV="1">
-            <a:off x="-287016" y="1397905"/>
+            <a:off x="1236985" y="1397906"/>
+            <a:ext cx="9718031" cy="57165"/>
+          </a:xfrm>
+          <a:prstGeom prst="line">
+            <a:avLst/>
+          </a:prstGeom>
+          <a:ln w="47625">
+            <a:solidFill>
+              <a:schemeClr val="accent1">
+                <a:lumMod val="75000"/>
+              </a:schemeClr>
+            </a:solidFill>
+          </a:ln>
+          <a:effectLst>
+            <a:innerShdw blurRad="114300">
+              <a:prstClr val="black"/>
+            </a:innerShdw>
+            <a:softEdge rad="0"/>
+          </a:effectLst>
+        </p:spPr>
+        <p:style>
+          <a:lnRef idx="1">
+            <a:schemeClr val="accent1"/>
+          </a:lnRef>
+          <a:fillRef idx="0">
+            <a:schemeClr val="accent1"/>
+          </a:fillRef>
+          <a:effectRef idx="0">
+            <a:schemeClr val="accent1"/>
+          </a:effectRef>
+          <a:fontRef idx="minor">
+            <a:schemeClr val="tx1"/>
+          </a:fontRef>
+        </p:style>
+      </p:cxnSp>
+      <p:sp>
+        <p:nvSpPr>
+          <p:cNvPr id="25" name="Content Placeholder 2"/>
+          <p:cNvSpPr>
+            <a:spLocks noGrp="1"/>
+          </p:cNvSpPr>
+          <p:nvPr>
+            <p:ph idx="1"/>
+          </p:nvPr>
+        </p:nvSpPr>
+        <p:spPr>
+          <a:xfrm>
+            <a:off x="2152650" y="1825625"/>
+            <a:ext cx="7886700" cy="4351338"/>
+          </a:xfrm>
+        </p:spPr>
+        <p:txBody>
+          <a:bodyPr>
+            <a:normAutofit/>
+          </a:bodyPr>
+          <a:lstStyle/>
+          <a:p>
+            <a:pPr lvl="0"/>
+            <a:r>
+              <a:rPr lang="vi-VN" dirty="0"/>
+              <a:t>Hỗ trợ các AES được viết trên mọi nền </a:t>
+            </a:r>
+            <a:r>
+              <a:rPr lang="vi-VN" dirty="0" smtClean="0"/>
+              <a:t>tảng</a:t>
+            </a:r>
+            <a:endParaRPr lang="vi-VN" dirty="0"/>
+          </a:p>
+          <a:p>
+            <a:pPr lvl="0"/>
+            <a:r>
+              <a:rPr lang="vi-VN" dirty="0"/>
+              <a:t>Hỗ trợ các</a:t>
+            </a:r>
+            <a:r>
+              <a:rPr lang="en-US" dirty="0"/>
+              <a:t> Mobile</a:t>
+            </a:r>
+            <a:r>
+              <a:rPr lang="vi-VN" dirty="0"/>
+              <a:t> App</a:t>
+            </a:r>
+            <a:r>
+              <a:rPr lang="en-US" dirty="0" err="1"/>
+              <a:t>lication</a:t>
+            </a:r>
+            <a:r>
+              <a:rPr lang="vi-VN" dirty="0"/>
+              <a:t> được viết trên nền tảng .Net Core</a:t>
+            </a:r>
+          </a:p>
+          <a:p>
+            <a:pPr lvl="0"/>
+            <a:r>
+              <a:rPr lang="vi-VN" dirty="0"/>
+              <a:t>Đã cài đặt và gửi thông báo tới</a:t>
+            </a:r>
+            <a:r>
+              <a:rPr lang="en-US" dirty="0"/>
+              <a:t> Mobile</a:t>
+            </a:r>
+            <a:r>
+              <a:rPr lang="vi-VN" dirty="0"/>
+              <a:t> Application thành công</a:t>
+            </a:r>
+            <a:r>
+              <a:rPr lang="vi-VN" dirty="0" smtClean="0"/>
+              <a:t>.</a:t>
+            </a:r>
+            <a:endParaRPr lang="vi-VN" dirty="0"/>
+          </a:p>
+        </p:txBody>
+      </p:sp>
+      <p:sp>
+        <p:nvSpPr>
+          <p:cNvPr id="26" name="TextBox 25"/>
+          <p:cNvSpPr txBox="1"/>
+          <p:nvPr/>
+        </p:nvSpPr>
+        <p:spPr>
+          <a:xfrm>
+            <a:off x="1524001" y="525368"/>
+            <a:ext cx="3371085" cy="636919"/>
+          </a:xfrm>
+          <a:prstGeom prst="rect">
+            <a:avLst/>
+          </a:prstGeom>
+          <a:solidFill>
+            <a:schemeClr val="accent6">
+              <a:alpha val="70000"/>
+            </a:schemeClr>
+          </a:solidFill>
+        </p:spPr>
+        <p:txBody>
+          <a:bodyPr wrap="square" lIns="411386" tIns="109703" rIns="137129" bIns="109703" rtlCol="0">
+            <a:spAutoFit/>
+          </a:bodyPr>
+          <a:lstStyle/>
+          <a:p>
+            <a:pPr>
+              <a:lnSpc>
+                <a:spcPct val="90000"/>
+              </a:lnSpc>
+              <a:spcAft>
+                <a:spcPts val="450"/>
+              </a:spcAft>
+            </a:pPr>
+            <a:r>
+              <a:rPr lang="en-US" sz="2999" b="1" spc="-112" dirty="0" err="1">
+                <a:solidFill>
+                  <a:srgbClr val="FFFFFF"/>
+                </a:solidFill>
+              </a:rPr>
+              <a:t>Kết</a:t>
+            </a:r>
+            <a:r>
+              <a:rPr lang="en-US" sz="2999" b="1" spc="-112" dirty="0">
+                <a:solidFill>
+                  <a:srgbClr val="FFFFFF"/>
+                </a:solidFill>
+              </a:rPr>
+              <a:t> </a:t>
+            </a:r>
+            <a:r>
+              <a:rPr lang="en-US" sz="2999" b="1" spc="-112" dirty="0" err="1">
+                <a:solidFill>
+                  <a:srgbClr val="FFFFFF"/>
+                </a:solidFill>
+              </a:rPr>
+              <a:t>quả</a:t>
+            </a:r>
+            <a:r>
+              <a:rPr lang="en-US" sz="2999" b="1" spc="-112" dirty="0">
+                <a:solidFill>
+                  <a:srgbClr val="FFFFFF"/>
+                </a:solidFill>
+              </a:rPr>
+              <a:t> </a:t>
+            </a:r>
+            <a:r>
+              <a:rPr lang="en-US" sz="2999" b="1" spc="-112" dirty="0" err="1">
+                <a:solidFill>
+                  <a:srgbClr val="FFFFFF"/>
+                </a:solidFill>
+              </a:rPr>
+              <a:t>đạt</a:t>
+            </a:r>
+            <a:r>
+              <a:rPr lang="en-US" sz="2999" b="1" spc="-112" dirty="0">
+                <a:solidFill>
+                  <a:srgbClr val="FFFFFF"/>
+                </a:solidFill>
+              </a:rPr>
+              <a:t> </a:t>
+            </a:r>
+            <a:r>
+              <a:rPr lang="en-US" sz="2999" b="1" spc="-112" dirty="0" err="1">
+                <a:solidFill>
+                  <a:srgbClr val="FFFFFF"/>
+                </a:solidFill>
+              </a:rPr>
+              <a:t>được</a:t>
+            </a:r>
+            <a:endParaRPr lang="en-US" sz="2999" b="1" spc="-112" dirty="0">
+              <a:solidFill>
+                <a:srgbClr val="FFFFFF"/>
+              </a:solidFill>
+            </a:endParaRPr>
+          </a:p>
+        </p:txBody>
+      </p:sp>
+    </p:spTree>
+    <p:extLst>
+      <p:ext uri="{BB962C8B-B14F-4D97-AF65-F5344CB8AC3E}">
+        <p14:creationId xmlns:p14="http://schemas.microsoft.com/office/powerpoint/2010/main" val="2456230267"/>
+      </p:ext>
+    </p:extLst>
+  </p:cSld>
+  <p:clrMapOvr>
+    <a:masterClrMapping/>
+  </p:clrMapOvr>
+  <mc:AlternateContent xmlns:mc="http://schemas.openxmlformats.org/markup-compatibility/2006" xmlns:p14="http://schemas.microsoft.com/office/powerpoint/2010/main">
+    <mc:Choice Requires="p14">
+      <p:transition spd="med" p14:dur="700">
+        <p:fade/>
+      </p:transition>
+    </mc:Choice>
+    <mc:Fallback xmlns="">
+      <p:transition spd="med">
+        <p:fade/>
+      </p:transition>
+    </mc:Fallback>
+  </mc:AlternateContent>
+  <p:timing>
+    <p:tnLst>
+      <p:par>
+        <p:cTn id="1" dur="indefinite" restart="never" nodeType="tmRoot"/>
+      </p:par>
+    </p:tnLst>
+  </p:timing>
+</p:sld>
+</file>
+
+<file path=ppt/slides/slide8.xml><?xml version="1.0" encoding="utf-8"?>
+<p:sld xmlns:a="http://schemas.openxmlformats.org/drawingml/2006/main" xmlns:r="http://schemas.openxmlformats.org/officeDocument/2006/relationships" xmlns:p="http://schemas.openxmlformats.org/presentationml/2006/main">
+  <p:cSld>
+    <p:spTree>
+      <p:nvGrpSpPr>
+        <p:cNvPr id="1" name=""/>
+        <p:cNvGrpSpPr/>
+        <p:nvPr/>
+      </p:nvGrpSpPr>
+      <p:grpSpPr>
+        <a:xfrm>
+          <a:off x="0" y="0"/>
+          <a:ext cx="0" cy="0"/>
+          <a:chOff x="0" y="0"/>
+          <a:chExt cx="0" cy="0"/>
+        </a:xfrm>
+      </p:grpSpPr>
+      <p:cxnSp>
+        <p:nvCxnSpPr>
+          <p:cNvPr id="4" name="Straight Connector 3"/>
+          <p:cNvCxnSpPr/>
+          <p:nvPr/>
+        </p:nvCxnSpPr>
+        <p:spPr>
+          <a:xfrm flipV="1">
+            <a:off x="1236985" y="1397906"/>
             <a:ext cx="9718031" cy="57165"/>
           </a:xfrm>
           <a:prstGeom prst="line">
@@ -11624,7 +12466,684 @@
         </p:nvSpPr>
         <p:spPr>
           <a:xfrm>
-            <a:off x="0" y="525367"/>
+            <a:off x="1524000" y="525368"/>
+            <a:ext cx="7146388" cy="636919"/>
+          </a:xfrm>
+          <a:prstGeom prst="rect">
+            <a:avLst/>
+          </a:prstGeom>
+          <a:solidFill>
+            <a:schemeClr val="accent6">
+              <a:alpha val="70000"/>
+            </a:schemeClr>
+          </a:solidFill>
+        </p:spPr>
+        <p:txBody>
+          <a:bodyPr wrap="square" lIns="411386" tIns="109703" rIns="137129" bIns="109703" rtlCol="0">
+            <a:spAutoFit/>
+          </a:bodyPr>
+          <a:lstStyle/>
+          <a:p>
+            <a:pPr>
+              <a:lnSpc>
+                <a:spcPct val="90000"/>
+              </a:lnSpc>
+              <a:spcAft>
+                <a:spcPts val="450"/>
+              </a:spcAft>
+            </a:pPr>
+            <a:r>
+              <a:rPr lang="en-US" sz="2999" b="1" spc="-112" dirty="0">
+                <a:solidFill>
+                  <a:srgbClr val="FFFFFF"/>
+                </a:solidFill>
+              </a:rPr>
+              <a:t>RNS </a:t>
+            </a:r>
+            <a:r>
+              <a:rPr lang="en-US" sz="2999" b="1" spc="-112" dirty="0" err="1">
+                <a:solidFill>
+                  <a:srgbClr val="FFFFFF"/>
+                </a:solidFill>
+              </a:rPr>
+              <a:t>hỗ</a:t>
+            </a:r>
+            <a:r>
+              <a:rPr lang="en-US" sz="2999" b="1" spc="-112" dirty="0">
+                <a:solidFill>
+                  <a:srgbClr val="FFFFFF"/>
+                </a:solidFill>
+              </a:rPr>
+              <a:t> </a:t>
+            </a:r>
+            <a:r>
+              <a:rPr lang="en-US" sz="2999" b="1" spc="-112" dirty="0" err="1">
+                <a:solidFill>
+                  <a:srgbClr val="FFFFFF"/>
+                </a:solidFill>
+              </a:rPr>
+              <a:t>trợ</a:t>
+            </a:r>
+            <a:r>
+              <a:rPr lang="en-US" sz="2999" b="1" spc="-112" dirty="0">
+                <a:solidFill>
+                  <a:srgbClr val="FFFFFF"/>
+                </a:solidFill>
+              </a:rPr>
+              <a:t> </a:t>
+            </a:r>
+            <a:r>
+              <a:rPr lang="en-US" sz="2999" b="1" spc="-112" dirty="0" err="1">
+                <a:solidFill>
+                  <a:srgbClr val="FFFFFF"/>
+                </a:solidFill>
+              </a:rPr>
+              <a:t>việc</a:t>
+            </a:r>
+            <a:r>
+              <a:rPr lang="en-US" sz="2999" b="1" spc="-112" dirty="0">
+                <a:solidFill>
+                  <a:srgbClr val="FFFFFF"/>
+                </a:solidFill>
+              </a:rPr>
+              <a:t> </a:t>
+            </a:r>
+            <a:r>
+              <a:rPr lang="en-US" sz="2999" b="1" spc="-112" dirty="0" err="1">
+                <a:solidFill>
+                  <a:srgbClr val="FFFFFF"/>
+                </a:solidFill>
+              </a:rPr>
+              <a:t>phát</a:t>
+            </a:r>
+            <a:r>
+              <a:rPr lang="en-US" sz="2999" b="1" spc="-112" dirty="0">
+                <a:solidFill>
+                  <a:srgbClr val="FFFFFF"/>
+                </a:solidFill>
+              </a:rPr>
+              <a:t> </a:t>
+            </a:r>
+            <a:r>
+              <a:rPr lang="en-US" sz="2999" b="1" spc="-112" dirty="0" err="1">
+                <a:solidFill>
+                  <a:srgbClr val="FFFFFF"/>
+                </a:solidFill>
+              </a:rPr>
+              <a:t>triển</a:t>
+            </a:r>
+            <a:r>
+              <a:rPr lang="en-US" sz="2999" b="1" spc="-112" dirty="0">
+                <a:solidFill>
+                  <a:srgbClr val="FFFFFF"/>
+                </a:solidFill>
+              </a:rPr>
+              <a:t> </a:t>
+            </a:r>
+            <a:r>
+              <a:rPr lang="en-US" sz="2999" b="1" spc="-112" dirty="0" err="1">
+                <a:solidFill>
+                  <a:srgbClr val="FFFFFF"/>
+                </a:solidFill>
+              </a:rPr>
+              <a:t>bên</a:t>
+            </a:r>
+            <a:r>
+              <a:rPr lang="en-US" sz="2999" b="1" spc="-112" dirty="0">
+                <a:solidFill>
+                  <a:srgbClr val="FFFFFF"/>
+                </a:solidFill>
+              </a:rPr>
+              <a:t> </a:t>
+            </a:r>
+            <a:r>
+              <a:rPr lang="en-US" sz="2999" b="1" spc="-112" dirty="0" err="1">
+                <a:solidFill>
+                  <a:srgbClr val="FFFFFF"/>
+                </a:solidFill>
+              </a:rPr>
+              <a:t>phía</a:t>
+            </a:r>
+            <a:r>
+              <a:rPr lang="en-US" sz="2999" b="1" spc="-112" dirty="0">
+                <a:solidFill>
+                  <a:srgbClr val="FFFFFF"/>
+                </a:solidFill>
+              </a:rPr>
+              <a:t> client</a:t>
+            </a:r>
+            <a:endParaRPr lang="en-US" sz="2999" b="1" spc="-112" dirty="0">
+              <a:solidFill>
+                <a:srgbClr val="FFFFFF"/>
+              </a:solidFill>
+            </a:endParaRPr>
+          </a:p>
+        </p:txBody>
+      </p:sp>
+      <p:sp>
+        <p:nvSpPr>
+          <p:cNvPr id="3" name="Rectangle 2"/>
+          <p:cNvSpPr/>
+          <p:nvPr/>
+        </p:nvSpPr>
+        <p:spPr>
+          <a:xfrm>
+            <a:off x="1777218" y="2441450"/>
+            <a:ext cx="1730326" cy="745588"/>
+          </a:xfrm>
+          <a:prstGeom prst="rect">
+            <a:avLst/>
+          </a:prstGeom>
+        </p:spPr>
+        <p:style>
+          <a:lnRef idx="2">
+            <a:schemeClr val="accent1">
+              <a:shade val="50000"/>
+            </a:schemeClr>
+          </a:lnRef>
+          <a:fillRef idx="1">
+            <a:schemeClr val="accent1"/>
+          </a:fillRef>
+          <a:effectRef idx="0">
+            <a:schemeClr val="accent1"/>
+          </a:effectRef>
+          <a:fontRef idx="minor">
+            <a:schemeClr val="lt1"/>
+          </a:fontRef>
+        </p:style>
+        <p:txBody>
+          <a:bodyPr rtlCol="0" anchor="ctr"/>
+          <a:lstStyle/>
+          <a:p>
+            <a:pPr algn="ctr"/>
+            <a:r>
+              <a:rPr lang="vi-VN" dirty="0"/>
+              <a:t>AES</a:t>
+            </a:r>
+            <a:endParaRPr lang="vi-VN" dirty="0"/>
+          </a:p>
+        </p:txBody>
+      </p:sp>
+      <p:sp>
+        <p:nvSpPr>
+          <p:cNvPr id="14" name="Rectangle 13"/>
+          <p:cNvSpPr/>
+          <p:nvPr/>
+        </p:nvSpPr>
+        <p:spPr>
+          <a:xfrm>
+            <a:off x="7657515" y="3060428"/>
+            <a:ext cx="2250831" cy="1809877"/>
+          </a:xfrm>
+          <a:prstGeom prst="rect">
+            <a:avLst/>
+          </a:prstGeom>
+          <a:solidFill>
+            <a:schemeClr val="bg1"/>
+          </a:solidFill>
+        </p:spPr>
+        <p:style>
+          <a:lnRef idx="2">
+            <a:schemeClr val="accent1">
+              <a:shade val="50000"/>
+            </a:schemeClr>
+          </a:lnRef>
+          <a:fillRef idx="1">
+            <a:schemeClr val="accent1"/>
+          </a:fillRef>
+          <a:effectRef idx="0">
+            <a:schemeClr val="accent1"/>
+          </a:effectRef>
+          <a:fontRef idx="minor">
+            <a:schemeClr val="lt1"/>
+          </a:fontRef>
+        </p:style>
+        <p:txBody>
+          <a:bodyPr rtlCol="0" anchor="t"/>
+          <a:lstStyle/>
+          <a:p>
+            <a:pPr algn="ctr"/>
+            <a:r>
+              <a:rPr lang="vi-VN" dirty="0">
+                <a:solidFill>
+                  <a:schemeClr val="tx1"/>
+                </a:solidFill>
+              </a:rPr>
+              <a:t>Windows 10 App</a:t>
+            </a:r>
+            <a:endParaRPr lang="vi-VN" dirty="0">
+              <a:solidFill>
+                <a:schemeClr val="tx1"/>
+              </a:solidFill>
+            </a:endParaRPr>
+          </a:p>
+        </p:txBody>
+      </p:sp>
+      <p:sp>
+        <p:nvSpPr>
+          <p:cNvPr id="15" name="Rectangle 14"/>
+          <p:cNvSpPr/>
+          <p:nvPr/>
+        </p:nvSpPr>
+        <p:spPr>
+          <a:xfrm>
+            <a:off x="1777218" y="3886551"/>
+            <a:ext cx="1730326" cy="745588"/>
+          </a:xfrm>
+          <a:prstGeom prst="rect">
+            <a:avLst/>
+          </a:prstGeom>
+          <a:solidFill>
+            <a:schemeClr val="accent2"/>
+          </a:solidFill>
+        </p:spPr>
+        <p:style>
+          <a:lnRef idx="2">
+            <a:schemeClr val="accent1">
+              <a:shade val="50000"/>
+            </a:schemeClr>
+          </a:lnRef>
+          <a:fillRef idx="1">
+            <a:schemeClr val="accent1"/>
+          </a:fillRef>
+          <a:effectRef idx="0">
+            <a:schemeClr val="accent1"/>
+          </a:effectRef>
+          <a:fontRef idx="minor">
+            <a:schemeClr val="lt1"/>
+          </a:fontRef>
+        </p:style>
+        <p:txBody>
+          <a:bodyPr rtlCol="0" anchor="ctr"/>
+          <a:lstStyle/>
+          <a:p>
+            <a:pPr algn="ctr"/>
+            <a:r>
+              <a:rPr lang="vi-VN" dirty="0"/>
+              <a:t>RNS Server</a:t>
+            </a:r>
+            <a:endParaRPr lang="vi-VN" dirty="0"/>
+          </a:p>
+        </p:txBody>
+      </p:sp>
+      <p:sp>
+        <p:nvSpPr>
+          <p:cNvPr id="16" name="Rectangle 15"/>
+          <p:cNvSpPr/>
+          <p:nvPr/>
+        </p:nvSpPr>
+        <p:spPr>
+          <a:xfrm>
+            <a:off x="7917766" y="3886551"/>
+            <a:ext cx="1730326" cy="745588"/>
+          </a:xfrm>
+          <a:prstGeom prst="rect">
+            <a:avLst/>
+          </a:prstGeom>
+          <a:solidFill>
+            <a:schemeClr val="accent2"/>
+          </a:solidFill>
+        </p:spPr>
+        <p:style>
+          <a:lnRef idx="2">
+            <a:schemeClr val="accent1">
+              <a:shade val="50000"/>
+            </a:schemeClr>
+          </a:lnRef>
+          <a:fillRef idx="1">
+            <a:schemeClr val="accent1"/>
+          </a:fillRef>
+          <a:effectRef idx="0">
+            <a:schemeClr val="accent1"/>
+          </a:effectRef>
+          <a:fontRef idx="minor">
+            <a:schemeClr val="lt1"/>
+          </a:fontRef>
+        </p:style>
+        <p:txBody>
+          <a:bodyPr rtlCol="0" anchor="ctr"/>
+          <a:lstStyle/>
+          <a:p>
+            <a:pPr algn="ctr"/>
+            <a:r>
+              <a:rPr lang="vi-VN" dirty="0"/>
+              <a:t>RNS Client</a:t>
+            </a:r>
+            <a:endParaRPr lang="vi-VN" dirty="0"/>
+          </a:p>
+        </p:txBody>
+      </p:sp>
+      <p:sp>
+        <p:nvSpPr>
+          <p:cNvPr id="8" name="Cloud 7"/>
+          <p:cNvSpPr/>
+          <p:nvPr/>
+        </p:nvSpPr>
+        <p:spPr>
+          <a:xfrm>
+            <a:off x="4632961" y="5205047"/>
+            <a:ext cx="2250831" cy="1223889"/>
+          </a:xfrm>
+          <a:prstGeom prst="cloud">
+            <a:avLst/>
+          </a:prstGeom>
+        </p:spPr>
+        <p:style>
+          <a:lnRef idx="2">
+            <a:schemeClr val="accent1">
+              <a:shade val="50000"/>
+            </a:schemeClr>
+          </a:lnRef>
+          <a:fillRef idx="1">
+            <a:schemeClr val="accent1"/>
+          </a:fillRef>
+          <a:effectRef idx="0">
+            <a:schemeClr val="accent1"/>
+          </a:effectRef>
+          <a:fontRef idx="minor">
+            <a:schemeClr val="lt1"/>
+          </a:fontRef>
+        </p:style>
+        <p:txBody>
+          <a:bodyPr rtlCol="0" anchor="ctr"/>
+          <a:lstStyle/>
+          <a:p>
+            <a:pPr algn="ctr"/>
+            <a:r>
+              <a:rPr lang="vi-VN" dirty="0"/>
+              <a:t>Micorsoft WNS</a:t>
+            </a:r>
+            <a:endParaRPr lang="vi-VN" dirty="0"/>
+          </a:p>
+        </p:txBody>
+      </p:sp>
+      <p:sp>
+        <p:nvSpPr>
+          <p:cNvPr id="12" name="Down Arrow 11"/>
+          <p:cNvSpPr/>
+          <p:nvPr/>
+        </p:nvSpPr>
+        <p:spPr>
+          <a:xfrm>
+            <a:off x="2396197" y="3291841"/>
+            <a:ext cx="246184" cy="496389"/>
+          </a:xfrm>
+          <a:prstGeom prst="downArrow">
+            <a:avLst/>
+          </a:prstGeom>
+        </p:spPr>
+        <p:style>
+          <a:lnRef idx="2">
+            <a:schemeClr val="accent1">
+              <a:shade val="50000"/>
+            </a:schemeClr>
+          </a:lnRef>
+          <a:fillRef idx="1">
+            <a:schemeClr val="accent1"/>
+          </a:fillRef>
+          <a:effectRef idx="0">
+            <a:schemeClr val="accent1"/>
+          </a:effectRef>
+          <a:fontRef idx="minor">
+            <a:schemeClr val="lt1"/>
+          </a:fontRef>
+        </p:style>
+        <p:txBody>
+          <a:bodyPr rtlCol="0" anchor="ctr"/>
+          <a:lstStyle/>
+          <a:p>
+            <a:pPr algn="ctr"/>
+            <a:endParaRPr lang="vi-VN"/>
+          </a:p>
+        </p:txBody>
+      </p:sp>
+      <p:sp>
+        <p:nvSpPr>
+          <p:cNvPr id="19" name="Down Arrow 18"/>
+          <p:cNvSpPr/>
+          <p:nvPr/>
+        </p:nvSpPr>
+        <p:spPr>
+          <a:xfrm rot="14412809">
+            <a:off x="7132144" y="4762832"/>
+            <a:ext cx="246184" cy="788272"/>
+          </a:xfrm>
+          <a:prstGeom prst="downArrow">
+            <a:avLst/>
+          </a:prstGeom>
+        </p:spPr>
+        <p:style>
+          <a:lnRef idx="2">
+            <a:schemeClr val="accent1">
+              <a:shade val="50000"/>
+            </a:schemeClr>
+          </a:lnRef>
+          <a:fillRef idx="1">
+            <a:schemeClr val="accent1"/>
+          </a:fillRef>
+          <a:effectRef idx="0">
+            <a:schemeClr val="accent1"/>
+          </a:effectRef>
+          <a:fontRef idx="minor">
+            <a:schemeClr val="lt1"/>
+          </a:fontRef>
+        </p:style>
+        <p:txBody>
+          <a:bodyPr rtlCol="0" anchor="ctr"/>
+          <a:lstStyle/>
+          <a:p>
+            <a:pPr algn="ctr"/>
+            <a:endParaRPr lang="vi-VN"/>
+          </a:p>
+        </p:txBody>
+      </p:sp>
+      <p:sp>
+        <p:nvSpPr>
+          <p:cNvPr id="20" name="Down Arrow 19"/>
+          <p:cNvSpPr/>
+          <p:nvPr/>
+        </p:nvSpPr>
+        <p:spPr>
+          <a:xfrm rot="18624693">
+            <a:off x="4014913" y="4442100"/>
+            <a:ext cx="246184" cy="1338746"/>
+          </a:xfrm>
+          <a:prstGeom prst="downArrow">
+            <a:avLst/>
+          </a:prstGeom>
+        </p:spPr>
+        <p:style>
+          <a:lnRef idx="2">
+            <a:schemeClr val="accent1">
+              <a:shade val="50000"/>
+            </a:schemeClr>
+          </a:lnRef>
+          <a:fillRef idx="1">
+            <a:schemeClr val="accent1"/>
+          </a:fillRef>
+          <a:effectRef idx="0">
+            <a:schemeClr val="accent1"/>
+          </a:effectRef>
+          <a:fontRef idx="minor">
+            <a:schemeClr val="lt1"/>
+          </a:fontRef>
+        </p:style>
+        <p:txBody>
+          <a:bodyPr rtlCol="0" anchor="ctr"/>
+          <a:lstStyle/>
+          <a:p>
+            <a:pPr algn="ctr"/>
+            <a:endParaRPr lang="vi-VN"/>
+          </a:p>
+        </p:txBody>
+      </p:sp>
+      <p:sp>
+        <p:nvSpPr>
+          <p:cNvPr id="17" name="Left-Right Arrow 16"/>
+          <p:cNvSpPr/>
+          <p:nvPr/>
+        </p:nvSpPr>
+        <p:spPr>
+          <a:xfrm>
+            <a:off x="3787140" y="4251960"/>
+            <a:ext cx="3703320" cy="240030"/>
+          </a:xfrm>
+          <a:prstGeom prst="leftRightArrow">
+            <a:avLst/>
+          </a:prstGeom>
+        </p:spPr>
+        <p:style>
+          <a:lnRef idx="2">
+            <a:schemeClr val="accent1">
+              <a:shade val="50000"/>
+            </a:schemeClr>
+          </a:lnRef>
+          <a:fillRef idx="1">
+            <a:schemeClr val="accent1"/>
+          </a:fillRef>
+          <a:effectRef idx="0">
+            <a:schemeClr val="accent1"/>
+          </a:effectRef>
+          <a:fontRef idx="minor">
+            <a:schemeClr val="lt1"/>
+          </a:fontRef>
+        </p:style>
+        <p:txBody>
+          <a:bodyPr rtlCol="0" anchor="ctr"/>
+          <a:lstStyle/>
+          <a:p>
+            <a:pPr algn="ctr"/>
+            <a:endParaRPr lang="vi-VN"/>
+          </a:p>
+        </p:txBody>
+      </p:sp>
+      <p:sp>
+        <p:nvSpPr>
+          <p:cNvPr id="2" name="TextBox 1"/>
+          <p:cNvSpPr txBox="1"/>
+          <p:nvPr/>
+        </p:nvSpPr>
+        <p:spPr>
+          <a:xfrm>
+            <a:off x="3228110" y="1759527"/>
+            <a:ext cx="5306291" cy="369332"/>
+          </a:xfrm>
+          <a:prstGeom prst="rect">
+            <a:avLst/>
+          </a:prstGeom>
+          <a:noFill/>
+        </p:spPr>
+        <p:txBody>
+          <a:bodyPr wrap="square" rtlCol="0">
+            <a:spAutoFit/>
+          </a:bodyPr>
+          <a:lstStyle/>
+          <a:p>
+            <a:endParaRPr lang="vi-VN"/>
+          </a:p>
+        </p:txBody>
+      </p:sp>
+    </p:spTree>
+    <p:extLst>
+      <p:ext uri="{BB962C8B-B14F-4D97-AF65-F5344CB8AC3E}">
+        <p14:creationId xmlns:p14="http://schemas.microsoft.com/office/powerpoint/2010/main" val="2418629306"/>
+      </p:ext>
+    </p:extLst>
+  </p:cSld>
+  <p:clrMapOvr>
+    <a:masterClrMapping/>
+  </p:clrMapOvr>
+  <mc:AlternateContent xmlns:mc="http://schemas.openxmlformats.org/markup-compatibility/2006" xmlns:p14="http://schemas.microsoft.com/office/powerpoint/2010/main">
+    <mc:Choice Requires="p14">
+      <p:transition spd="med" p14:dur="700">
+        <p:fade/>
+      </p:transition>
+    </mc:Choice>
+    <mc:Fallback xmlns="">
+      <p:transition spd="med">
+        <p:fade/>
+      </p:transition>
+    </mc:Fallback>
+  </mc:AlternateContent>
+  <p:timing>
+    <p:tnLst>
+      <p:par>
+        <p:cTn id="1" dur="indefinite" restart="never" nodeType="tmRoot"/>
+      </p:par>
+    </p:tnLst>
+  </p:timing>
+</p:sld>
+</file>
+
+<file path=ppt/slides/slide9.xml><?xml version="1.0" encoding="utf-8"?>
+<p:sld xmlns:a="http://schemas.openxmlformats.org/drawingml/2006/main" xmlns:r="http://schemas.openxmlformats.org/officeDocument/2006/relationships" xmlns:p="http://schemas.openxmlformats.org/presentationml/2006/main">
+  <p:cSld>
+    <p:spTree>
+      <p:nvGrpSpPr>
+        <p:cNvPr id="1" name=""/>
+        <p:cNvGrpSpPr/>
+        <p:nvPr/>
+      </p:nvGrpSpPr>
+      <p:grpSpPr>
+        <a:xfrm>
+          <a:off x="0" y="0"/>
+          <a:ext cx="0" cy="0"/>
+          <a:chOff x="0" y="0"/>
+          <a:chExt cx="0" cy="0"/>
+        </a:xfrm>
+      </p:grpSpPr>
+      <p:cxnSp>
+        <p:nvCxnSpPr>
+          <p:cNvPr id="4" name="Straight Connector 3"/>
+          <p:cNvCxnSpPr/>
+          <p:nvPr/>
+        </p:nvCxnSpPr>
+        <p:spPr>
+          <a:xfrm flipV="1">
+            <a:off x="1236985" y="1397906"/>
+            <a:ext cx="9718031" cy="57165"/>
+          </a:xfrm>
+          <a:prstGeom prst="line">
+            <a:avLst/>
+          </a:prstGeom>
+          <a:ln w="47625">
+            <a:solidFill>
+              <a:schemeClr val="accent1">
+                <a:lumMod val="75000"/>
+              </a:schemeClr>
+            </a:solidFill>
+          </a:ln>
+          <a:effectLst>
+            <a:innerShdw blurRad="114300">
+              <a:prstClr val="black"/>
+            </a:innerShdw>
+            <a:softEdge rad="0"/>
+          </a:effectLst>
+        </p:spPr>
+        <p:style>
+          <a:lnRef idx="1">
+            <a:schemeClr val="accent1"/>
+          </a:lnRef>
+          <a:fillRef idx="0">
+            <a:schemeClr val="accent1"/>
+          </a:fillRef>
+          <a:effectRef idx="0">
+            <a:schemeClr val="accent1"/>
+          </a:effectRef>
+          <a:fontRef idx="minor">
+            <a:schemeClr val="tx1"/>
+          </a:fontRef>
+        </p:style>
+      </p:cxnSp>
+      <p:sp>
+        <p:nvSpPr>
+          <p:cNvPr id="26" name="TextBox 25"/>
+          <p:cNvSpPr txBox="1"/>
+          <p:nvPr/>
+        </p:nvSpPr>
+        <p:spPr>
+          <a:xfrm>
+            <a:off x="1524000" y="525368"/>
             <a:ext cx="5120640" cy="636919"/>
           </a:xfrm>
           <a:prstGeom prst="rect">
@@ -11651,31 +13170,31 @@
               </a:spcAft>
             </a:pPr>
             <a:r>
-              <a:rPr lang="en-US" sz="2999" b="1" spc="-112" dirty="0" err="1" smtClean="0">
+              <a:rPr lang="en-US" sz="2999" b="1" spc="-112" dirty="0" err="1">
                 <a:solidFill>
                   <a:srgbClr val="FFFFFF"/>
                 </a:solidFill>
               </a:rPr>
-              <a:t>Độ</a:t>
-            </a:r>
-            <a:r>
-              <a:rPr lang="en-US" sz="2999" b="1" spc="-112" dirty="0" smtClean="0">
+              <a:t>Hạn</a:t>
+            </a:r>
+            <a:r>
+              <a:rPr lang="en-US" sz="2999" b="1" spc="-112" dirty="0">
                 <a:solidFill>
                   <a:srgbClr val="FFFFFF"/>
                 </a:solidFill>
               </a:rPr>
-              <a:t> tin </a:t>
-            </a:r>
-            <a:r>
-              <a:rPr lang="en-US" sz="2999" b="1" spc="-112" dirty="0" err="1" smtClean="0">
+              <a:t> </a:t>
+            </a:r>
+            <a:r>
+              <a:rPr lang="en-US" sz="2999" b="1" spc="-112" dirty="0" err="1">
                 <a:solidFill>
                   <a:srgbClr val="FFFFFF"/>
                 </a:solidFill>
               </a:rPr>
-              <a:t>cậy</a:t>
-            </a:r>
-            <a:r>
-              <a:rPr lang="en-US" sz="2999" b="1" spc="-112" dirty="0" smtClean="0">
+              <a:t>chế</a:t>
+            </a:r>
+            <a:r>
+              <a:rPr lang="en-US" sz="2999" b="1" spc="-112" dirty="0">
                 <a:solidFill>
                   <a:srgbClr val="FFFFFF"/>
                 </a:solidFill>
@@ -11683,7 +13202,7 @@
               <a:t> </a:t>
             </a:r>
             <a:r>
-              <a:rPr lang="en-US" sz="2999" b="1" spc="-112" dirty="0" err="1" smtClean="0">
+              <a:rPr lang="en-US" sz="2999" b="1" spc="-112" dirty="0" err="1">
                 <a:solidFill>
                   <a:srgbClr val="FFFFFF"/>
                 </a:solidFill>
@@ -11691,12 +13210,36 @@
               <a:t>của</a:t>
             </a:r>
             <a:r>
-              <a:rPr lang="en-US" sz="2999" b="1" spc="-112" dirty="0" smtClean="0">
+              <a:rPr lang="en-US" sz="2999" b="1" spc="-112" dirty="0">
                 <a:solidFill>
                   <a:srgbClr val="FFFFFF"/>
                 </a:solidFill>
               </a:rPr>
-              <a:t> RNS</a:t>
+              <a:t> </a:t>
+            </a:r>
+            <a:r>
+              <a:rPr lang="en-US" sz="2999" b="1" spc="-112" dirty="0" err="1">
+                <a:solidFill>
+                  <a:srgbClr val="FFFFFF"/>
+                </a:solidFill>
+              </a:rPr>
+              <a:t>đồ</a:t>
+            </a:r>
+            <a:r>
+              <a:rPr lang="en-US" sz="2999" b="1" spc="-112" dirty="0">
+                <a:solidFill>
+                  <a:srgbClr val="FFFFFF"/>
+                </a:solidFill>
+              </a:rPr>
+              <a:t> </a:t>
+            </a:r>
+            <a:r>
+              <a:rPr lang="en-US" sz="2999" b="1" spc="-112" dirty="0" err="1">
+                <a:solidFill>
+                  <a:srgbClr val="FFFFFF"/>
+                </a:solidFill>
+              </a:rPr>
+              <a:t>án</a:t>
             </a:r>
             <a:endParaRPr lang="en-US" sz="2999" b="1" spc="-112" dirty="0">
               <a:solidFill>
@@ -11714,7 +13257,7 @@
         </p:nvSpPr>
         <p:spPr>
           <a:xfrm>
-            <a:off x="2204257" y="2547388"/>
+            <a:off x="3728258" y="2547389"/>
             <a:ext cx="5110943" cy="646331"/>
           </a:xfrm>
           <a:prstGeom prst="rect">
@@ -11729,91 +13272,87 @@
           <a:lstStyle/>
           <a:p>
             <a:r>
-              <a:rPr lang="en-US" dirty="0" err="1" smtClean="0"/>
+              <a:rPr lang="en-US" dirty="0" err="1"/>
               <a:t>Chúng</a:t>
             </a:r>
             <a:r>
-              <a:rPr lang="en-US" dirty="0" smtClean="0"/>
-              <a:t> </a:t>
-            </a:r>
-            <a:r>
-              <a:rPr lang="en-US" dirty="0" err="1" smtClean="0"/>
+              <a:rPr lang="en-US" dirty="0"/>
+              <a:t> </a:t>
+            </a:r>
+            <a:r>
+              <a:rPr lang="en-US" dirty="0" err="1"/>
               <a:t>tôi</a:t>
             </a:r>
             <a:r>
-              <a:rPr lang="en-US" dirty="0" smtClean="0"/>
-              <a:t> </a:t>
-            </a:r>
-            <a:r>
-              <a:rPr lang="en-US" dirty="0" err="1" smtClean="0"/>
+              <a:rPr lang="en-US" dirty="0"/>
+              <a:t> </a:t>
+            </a:r>
+            <a:r>
+              <a:rPr lang="en-US" dirty="0" err="1"/>
               <a:t>không</a:t>
             </a:r>
             <a:r>
-              <a:rPr lang="en-US" dirty="0" smtClean="0"/>
-              <a:t> </a:t>
-            </a:r>
-            <a:r>
-              <a:rPr lang="en-US" dirty="0" err="1" smtClean="0"/>
+              <a:rPr lang="en-US" dirty="0"/>
+              <a:t> </a:t>
+            </a:r>
+            <a:r>
+              <a:rPr lang="en-US" dirty="0" err="1"/>
               <a:t>đảm</a:t>
             </a:r>
             <a:r>
-              <a:rPr lang="en-US" dirty="0" smtClean="0"/>
-              <a:t> </a:t>
-            </a:r>
-            <a:r>
-              <a:rPr lang="en-US" dirty="0" err="1" smtClean="0"/>
-              <a:t>bả</a:t>
-            </a:r>
-            <a:r>
-              <a:rPr lang="en-US" dirty="0" err="1" smtClean="0"/>
-              <a:t>o</a:t>
-            </a:r>
-            <a:r>
-              <a:rPr lang="en-US" dirty="0" smtClean="0"/>
-              <a:t> </a:t>
-            </a:r>
-            <a:r>
-              <a:rPr lang="en-US" dirty="0" err="1" smtClean="0"/>
+              <a:rPr lang="en-US" dirty="0"/>
+              <a:t> </a:t>
+            </a:r>
+            <a:r>
+              <a:rPr lang="en-US" dirty="0" err="1"/>
+              <a:t>bảo</a:t>
+            </a:r>
+            <a:r>
+              <a:rPr lang="en-US" dirty="0"/>
+              <a:t> </a:t>
+            </a:r>
+            <a:r>
+              <a:rPr lang="en-US" dirty="0" err="1"/>
               <a:t>bất</a:t>
             </a:r>
             <a:r>
-              <a:rPr lang="en-US" dirty="0" smtClean="0"/>
-              <a:t> </a:t>
-            </a:r>
-            <a:r>
-              <a:rPr lang="en-US" dirty="0" err="1" smtClean="0"/>
+              <a:rPr lang="en-US" dirty="0"/>
+              <a:t> </a:t>
+            </a:r>
+            <a:r>
+              <a:rPr lang="en-US" dirty="0" err="1"/>
               <a:t>kỳ</a:t>
             </a:r>
             <a:r>
-              <a:rPr lang="en-US" dirty="0" smtClean="0"/>
-              <a:t> </a:t>
-            </a:r>
-            <a:r>
-              <a:rPr lang="en-US" dirty="0" err="1" smtClean="0"/>
+              <a:rPr lang="en-US" dirty="0"/>
+              <a:t> </a:t>
+            </a:r>
+            <a:r>
+              <a:rPr lang="en-US" dirty="0" err="1"/>
               <a:t>điều</a:t>
             </a:r>
             <a:r>
-              <a:rPr lang="en-US" dirty="0" smtClean="0"/>
-              <a:t> </a:t>
-            </a:r>
-            <a:r>
-              <a:rPr lang="en-US" dirty="0" err="1" smtClean="0"/>
+              <a:rPr lang="en-US" dirty="0"/>
+              <a:t> </a:t>
+            </a:r>
+            <a:r>
+              <a:rPr lang="en-US" dirty="0" err="1"/>
               <a:t>gì</a:t>
             </a:r>
             <a:r>
-              <a:rPr lang="en-US" dirty="0" smtClean="0"/>
-              <a:t> </a:t>
-            </a:r>
-            <a:r>
-              <a:rPr lang="en-US" dirty="0" err="1" smtClean="0"/>
+              <a:rPr lang="en-US" dirty="0"/>
+              <a:t> </a:t>
+            </a:r>
+            <a:r>
+              <a:rPr lang="en-US" dirty="0" err="1"/>
               <a:t>trong</a:t>
             </a:r>
             <a:r>
-              <a:rPr lang="en-US" dirty="0" smtClean="0"/>
-              <a:t> </a:t>
-            </a:r>
-            <a:r>
-              <a:rPr lang="en-US" dirty="0" err="1" smtClean="0"/>
+              <a:rPr lang="en-US" dirty="0"/>
+              <a:t> </a:t>
+            </a:r>
+            <a:r>
+              <a:rPr lang="en-US" dirty="0" err="1"/>
               <a:t>việc</a:t>
             </a:r>
             <a:r>
@@ -11821,43 +13360,43 @@
               <a:t> </a:t>
             </a:r>
             <a:r>
-              <a:rPr lang="en-US" dirty="0" err="1" smtClean="0"/>
+              <a:rPr lang="en-US" dirty="0" err="1"/>
               <a:t>nhận</a:t>
             </a:r>
             <a:r>
-              <a:rPr lang="en-US" dirty="0" smtClean="0"/>
-              <a:t> </a:t>
-            </a:r>
-            <a:r>
-              <a:rPr lang="en-US" dirty="0" err="1" smtClean="0"/>
+              <a:rPr lang="en-US" dirty="0"/>
+              <a:t> </a:t>
+            </a:r>
+            <a:r>
+              <a:rPr lang="en-US" dirty="0" err="1"/>
               <a:t>thông</a:t>
             </a:r>
             <a:r>
-              <a:rPr lang="en-US" dirty="0" smtClean="0"/>
-              <a:t> </a:t>
-            </a:r>
-            <a:r>
-              <a:rPr lang="en-US" dirty="0" err="1" smtClean="0"/>
+              <a:rPr lang="en-US" dirty="0"/>
+              <a:t> </a:t>
+            </a:r>
+            <a:r>
+              <a:rPr lang="en-US" dirty="0" err="1"/>
               <a:t>báo</a:t>
             </a:r>
             <a:r>
-              <a:rPr lang="en-US" dirty="0" smtClean="0"/>
+              <a:rPr lang="en-US" dirty="0"/>
               <a:t> ở </a:t>
             </a:r>
             <a:r>
-              <a:rPr lang="en-US" dirty="0" err="1" smtClean="0"/>
+              <a:rPr lang="en-US" dirty="0" err="1"/>
               <a:t>thiết</a:t>
             </a:r>
             <a:r>
-              <a:rPr lang="en-US" dirty="0" smtClean="0"/>
-              <a:t> </a:t>
-            </a:r>
-            <a:r>
-              <a:rPr lang="en-US" dirty="0" err="1" smtClean="0"/>
+              <a:rPr lang="en-US" dirty="0"/>
+              <a:t> </a:t>
+            </a:r>
+            <a:r>
+              <a:rPr lang="en-US" dirty="0" err="1"/>
               <a:t>bị</a:t>
             </a:r>
             <a:r>
-              <a:rPr lang="en-US" dirty="0" smtClean="0"/>
+              <a:rPr lang="en-US" dirty="0"/>
               <a:t>.</a:t>
             </a:r>
             <a:endParaRPr lang="vi-VN" dirty="0"/>
@@ -11872,7 +13411,7 @@
         </p:nvSpPr>
         <p:spPr>
           <a:xfrm>
-            <a:off x="304800" y="3901897"/>
+            <a:off x="1828800" y="3901898"/>
             <a:ext cx="8839200" cy="538609"/>
           </a:xfrm>
           <a:prstGeom prst="rect">
@@ -11887,119 +13426,119 @@
           <a:lstStyle/>
           <a:p>
             <a:r>
-              <a:rPr lang="en-US" sz="2900" dirty="0" err="1" smtClean="0">
+              <a:rPr lang="en-US" sz="2900" dirty="0" err="1">
                 <a:latin typeface="Segoe UI" panose="020B0502040204020203" pitchFamily="34" charset="0"/>
                 <a:cs typeface="Segoe UI" panose="020B0502040204020203" pitchFamily="34" charset="0"/>
               </a:rPr>
               <a:t>Gửi</a:t>
             </a:r>
             <a:r>
-              <a:rPr lang="en-US" sz="2900" dirty="0" smtClean="0">
+              <a:rPr lang="en-US" sz="2900" dirty="0">
                 <a:latin typeface="Segoe UI" panose="020B0502040204020203" pitchFamily="34" charset="0"/>
                 <a:cs typeface="Segoe UI" panose="020B0502040204020203" pitchFamily="34" charset="0"/>
               </a:rPr>
               <a:t> </a:t>
             </a:r>
             <a:r>
-              <a:rPr lang="en-US" sz="2900" dirty="0" err="1" smtClean="0">
+              <a:rPr lang="en-US" sz="2900" dirty="0" err="1">
                 <a:latin typeface="Segoe UI" panose="020B0502040204020203" pitchFamily="34" charset="0"/>
                 <a:cs typeface="Segoe UI" panose="020B0502040204020203" pitchFamily="34" charset="0"/>
               </a:rPr>
               <a:t>thông</a:t>
             </a:r>
             <a:r>
-              <a:rPr lang="en-US" sz="2900" dirty="0" smtClean="0">
+              <a:rPr lang="en-US" sz="2900" dirty="0">
                 <a:latin typeface="Segoe UI" panose="020B0502040204020203" pitchFamily="34" charset="0"/>
                 <a:cs typeface="Segoe UI" panose="020B0502040204020203" pitchFamily="34" charset="0"/>
               </a:rPr>
               <a:t> tin </a:t>
             </a:r>
             <a:r>
-              <a:rPr lang="en-US" sz="2900" dirty="0" err="1" smtClean="0">
+              <a:rPr lang="en-US" sz="2900" dirty="0" err="1">
                 <a:latin typeface="Segoe UI" panose="020B0502040204020203" pitchFamily="34" charset="0"/>
                 <a:cs typeface="Segoe UI" panose="020B0502040204020203" pitchFamily="34" charset="0"/>
               </a:rPr>
               <a:t>nhạy</a:t>
             </a:r>
             <a:r>
-              <a:rPr lang="en-US" sz="2900" dirty="0" smtClean="0">
+              <a:rPr lang="en-US" sz="2900" dirty="0">
                 <a:latin typeface="Segoe UI" panose="020B0502040204020203" pitchFamily="34" charset="0"/>
                 <a:cs typeface="Segoe UI" panose="020B0502040204020203" pitchFamily="34" charset="0"/>
               </a:rPr>
               <a:t> </a:t>
             </a:r>
             <a:r>
-              <a:rPr lang="en-US" sz="2900" dirty="0" err="1" smtClean="0">
+              <a:rPr lang="en-US" sz="2900" dirty="0" err="1">
                 <a:latin typeface="Segoe UI" panose="020B0502040204020203" pitchFamily="34" charset="0"/>
                 <a:cs typeface="Segoe UI" panose="020B0502040204020203" pitchFamily="34" charset="0"/>
               </a:rPr>
               <a:t>cảm</a:t>
             </a:r>
             <a:r>
-              <a:rPr lang="en-US" sz="2900" dirty="0" smtClean="0">
+              <a:rPr lang="en-US" sz="2900" dirty="0">
                 <a:latin typeface="Segoe UI" panose="020B0502040204020203" pitchFamily="34" charset="0"/>
                 <a:cs typeface="Segoe UI" panose="020B0502040204020203" pitchFamily="34" charset="0"/>
               </a:rPr>
               <a:t> </a:t>
             </a:r>
             <a:r>
-              <a:rPr lang="en-US" sz="2900" dirty="0" err="1" smtClean="0">
+              <a:rPr lang="en-US" sz="2900" dirty="0" err="1">
                 <a:latin typeface="Segoe UI" panose="020B0502040204020203" pitchFamily="34" charset="0"/>
                 <a:cs typeface="Segoe UI" panose="020B0502040204020203" pitchFamily="34" charset="0"/>
               </a:rPr>
               <a:t>bằng</a:t>
             </a:r>
             <a:r>
-              <a:rPr lang="en-US" sz="2900" dirty="0" smtClean="0">
+              <a:rPr lang="en-US" sz="2900" dirty="0">
                 <a:latin typeface="Segoe UI" panose="020B0502040204020203" pitchFamily="34" charset="0"/>
                 <a:cs typeface="Segoe UI" panose="020B0502040204020203" pitchFamily="34" charset="0"/>
               </a:rPr>
               <a:t> RNS </a:t>
             </a:r>
             <a:r>
-              <a:rPr lang="en-US" sz="2900" dirty="0" err="1" smtClean="0">
+              <a:rPr lang="en-US" sz="2900" dirty="0" err="1">
                 <a:latin typeface="Segoe UI" panose="020B0502040204020203" pitchFamily="34" charset="0"/>
                 <a:cs typeface="Segoe UI" panose="020B0502040204020203" pitchFamily="34" charset="0"/>
               </a:rPr>
               <a:t>là</a:t>
             </a:r>
             <a:r>
-              <a:rPr lang="en-US" sz="2900" dirty="0" smtClean="0">
+              <a:rPr lang="en-US" sz="2900" dirty="0">
                 <a:latin typeface="Segoe UI" panose="020B0502040204020203" pitchFamily="34" charset="0"/>
                 <a:cs typeface="Segoe UI" panose="020B0502040204020203" pitchFamily="34" charset="0"/>
               </a:rPr>
               <a:t> </a:t>
             </a:r>
             <a:r>
-              <a:rPr lang="en-US" sz="2900" dirty="0" err="1" smtClean="0">
+              <a:rPr lang="en-US" sz="2900" dirty="0" err="1">
                 <a:latin typeface="Segoe UI" panose="020B0502040204020203" pitchFamily="34" charset="0"/>
                 <a:cs typeface="Segoe UI" panose="020B0502040204020203" pitchFamily="34" charset="0"/>
               </a:rPr>
               <a:t>một</a:t>
             </a:r>
             <a:r>
-              <a:rPr lang="en-US" sz="2900" dirty="0" smtClean="0">
+              <a:rPr lang="en-US" sz="2900" dirty="0">
                 <a:latin typeface="Segoe UI" panose="020B0502040204020203" pitchFamily="34" charset="0"/>
                 <a:cs typeface="Segoe UI" panose="020B0502040204020203" pitchFamily="34" charset="0"/>
               </a:rPr>
               <a:t> ý </a:t>
             </a:r>
             <a:r>
-              <a:rPr lang="en-US" sz="2900" dirty="0" err="1" smtClean="0">
+              <a:rPr lang="en-US" sz="2900" dirty="0" err="1">
                 <a:latin typeface="Segoe UI" panose="020B0502040204020203" pitchFamily="34" charset="0"/>
                 <a:cs typeface="Segoe UI" panose="020B0502040204020203" pitchFamily="34" charset="0"/>
               </a:rPr>
               <a:t>tưởng</a:t>
             </a:r>
             <a:r>
-              <a:rPr lang="en-US" sz="2900" dirty="0" smtClean="0">
+              <a:rPr lang="en-US" sz="2900" dirty="0">
                 <a:latin typeface="Segoe UI" panose="020B0502040204020203" pitchFamily="34" charset="0"/>
                 <a:cs typeface="Segoe UI" panose="020B0502040204020203" pitchFamily="34" charset="0"/>
               </a:rPr>
               <a:t> </a:t>
             </a:r>
             <a:r>
-              <a:rPr lang="en-US" sz="2900" dirty="0" err="1" smtClean="0">
+              <a:rPr lang="en-US" sz="2900" dirty="0" err="1">
                 <a:latin typeface="Segoe UI" panose="020B0502040204020203" pitchFamily="34" charset="0"/>
                 <a:cs typeface="Segoe UI" panose="020B0502040204020203" pitchFamily="34" charset="0"/>
               </a:rPr>
@@ -12034,7 +13573,7 @@
         </p:blipFill>
         <p:spPr>
           <a:xfrm>
-            <a:off x="1123603" y="2191726"/>
+            <a:off x="2647604" y="2191727"/>
             <a:ext cx="1080655" cy="1080655"/>
           </a:xfrm>
           <a:prstGeom prst="rect">
@@ -12285,860 +13824,6 @@
       <p:bldP spid="5" grpId="0"/>
       <p:bldP spid="21" grpId="0"/>
     </p:bldLst>
-  </p:timing>
-</p:sld>
-</file>
-
-<file path=ppt/slides/slide8.xml><?xml version="1.0" encoding="utf-8"?>
-<p:sld xmlns:a="http://schemas.openxmlformats.org/drawingml/2006/main" xmlns:r="http://schemas.openxmlformats.org/officeDocument/2006/relationships" xmlns:p="http://schemas.openxmlformats.org/presentationml/2006/main">
-  <p:cSld>
-    <p:spTree>
-      <p:nvGrpSpPr>
-        <p:cNvPr id="1" name=""/>
-        <p:cNvGrpSpPr/>
-        <p:nvPr/>
-      </p:nvGrpSpPr>
-      <p:grpSpPr>
-        <a:xfrm>
-          <a:off x="0" y="0"/>
-          <a:ext cx="0" cy="0"/>
-          <a:chOff x="0" y="0"/>
-          <a:chExt cx="0" cy="0"/>
-        </a:xfrm>
-      </p:grpSpPr>
-      <p:sp>
-        <p:nvSpPr>
-          <p:cNvPr id="4" name="Title 3"/>
-          <p:cNvSpPr>
-            <a:spLocks noGrp="1"/>
-          </p:cNvSpPr>
-          <p:nvPr>
-            <p:ph type="title"/>
-          </p:nvPr>
-        </p:nvSpPr>
-        <p:spPr/>
-        <p:txBody>
-          <a:bodyPr/>
-          <a:lstStyle/>
-          <a:p>
-            <a:r>
-              <a:rPr lang="en-US" dirty="0" smtClean="0"/>
-              <a:t>Demo</a:t>
-            </a:r>
-            <a:endParaRPr lang="vi-VN" dirty="0"/>
-          </a:p>
-        </p:txBody>
-      </p:sp>
-      <p:cxnSp>
-        <p:nvCxnSpPr>
-          <p:cNvPr id="6" name="Straight Connector 5"/>
-          <p:cNvCxnSpPr/>
-          <p:nvPr/>
-        </p:nvCxnSpPr>
-        <p:spPr>
-          <a:xfrm flipV="1">
-            <a:off x="-291778" y="4505311"/>
-            <a:ext cx="9718031" cy="57165"/>
-          </a:xfrm>
-          <a:prstGeom prst="line">
-            <a:avLst/>
-          </a:prstGeom>
-          <a:ln w="47625">
-            <a:solidFill>
-              <a:schemeClr val="accent1">
-                <a:lumMod val="75000"/>
-              </a:schemeClr>
-            </a:solidFill>
-          </a:ln>
-          <a:effectLst>
-            <a:innerShdw blurRad="114300">
-              <a:prstClr val="black"/>
-            </a:innerShdw>
-            <a:softEdge rad="0"/>
-          </a:effectLst>
-        </p:spPr>
-        <p:style>
-          <a:lnRef idx="1">
-            <a:schemeClr val="accent1"/>
-          </a:lnRef>
-          <a:fillRef idx="0">
-            <a:schemeClr val="accent1"/>
-          </a:fillRef>
-          <a:effectRef idx="0">
-            <a:schemeClr val="accent1"/>
-          </a:effectRef>
-          <a:fontRef idx="minor">
-            <a:schemeClr val="tx1"/>
-          </a:fontRef>
-        </p:style>
-      </p:cxnSp>
-      <p:sp>
-        <p:nvSpPr>
-          <p:cNvPr id="9" name="Text Placeholder 5"/>
-          <p:cNvSpPr txBox="1">
-            <a:spLocks/>
-          </p:cNvSpPr>
-          <p:nvPr/>
-        </p:nvSpPr>
-        <p:spPr>
-          <a:xfrm>
-            <a:off x="831632" y="4589466"/>
-            <a:ext cx="10512862" cy="1500187"/>
-          </a:xfrm>
-          <a:prstGeom prst="rect">
-            <a:avLst/>
-          </a:prstGeom>
-        </p:spPr>
-        <p:txBody>
-          <a:bodyPr vert="horz" lIns="91440" tIns="45720" rIns="91440" bIns="45720" rtlCol="0">
-            <a:normAutofit/>
-          </a:bodyPr>
-          <a:lstStyle>
-            <a:lvl1pPr marL="0" indent="0" algn="l" defTabSz="914141" rtl="0" eaLnBrk="1" latinLnBrk="0" hangingPunct="1">
-              <a:lnSpc>
-                <a:spcPct val="90000"/>
-              </a:lnSpc>
-              <a:spcBef>
-                <a:spcPts val="1000"/>
-              </a:spcBef>
-              <a:buFont typeface="Arial" panose="020B0604020202020204" pitchFamily="34" charset="0"/>
-              <a:buNone/>
-              <a:defRPr sz="2399" kern="1200">
-                <a:solidFill>
-                  <a:schemeClr val="tx1">
-                    <a:tint val="75000"/>
-                  </a:schemeClr>
-                </a:solidFill>
-                <a:latin typeface="+mn-lt"/>
-                <a:ea typeface="+mn-ea"/>
-                <a:cs typeface="+mn-cs"/>
-              </a:defRPr>
-            </a:lvl1pPr>
-            <a:lvl2pPr marL="457071" indent="0" algn="l" defTabSz="914141" rtl="0" eaLnBrk="1" latinLnBrk="0" hangingPunct="1">
-              <a:lnSpc>
-                <a:spcPct val="90000"/>
-              </a:lnSpc>
-              <a:spcBef>
-                <a:spcPts val="500"/>
-              </a:spcBef>
-              <a:buFont typeface="Arial" panose="020B0604020202020204" pitchFamily="34" charset="0"/>
-              <a:buNone/>
-              <a:defRPr sz="2000" kern="1200">
-                <a:solidFill>
-                  <a:schemeClr val="tx1">
-                    <a:tint val="75000"/>
-                  </a:schemeClr>
-                </a:solidFill>
-                <a:latin typeface="+mn-lt"/>
-                <a:ea typeface="+mn-ea"/>
-                <a:cs typeface="+mn-cs"/>
-              </a:defRPr>
-            </a:lvl2pPr>
-            <a:lvl3pPr marL="914141" indent="0" algn="l" defTabSz="914141" rtl="0" eaLnBrk="1" latinLnBrk="0" hangingPunct="1">
-              <a:lnSpc>
-                <a:spcPct val="90000"/>
-              </a:lnSpc>
-              <a:spcBef>
-                <a:spcPts val="500"/>
-              </a:spcBef>
-              <a:buFont typeface="Arial" panose="020B0604020202020204" pitchFamily="34" charset="0"/>
-              <a:buNone/>
-              <a:defRPr sz="1800" kern="1200">
-                <a:solidFill>
-                  <a:schemeClr val="tx1">
-                    <a:tint val="75000"/>
-                  </a:schemeClr>
-                </a:solidFill>
-                <a:latin typeface="+mn-lt"/>
-                <a:ea typeface="+mn-ea"/>
-                <a:cs typeface="+mn-cs"/>
-              </a:defRPr>
-            </a:lvl3pPr>
-            <a:lvl4pPr marL="1371212" indent="0" algn="l" defTabSz="914141" rtl="0" eaLnBrk="1" latinLnBrk="0" hangingPunct="1">
-              <a:lnSpc>
-                <a:spcPct val="90000"/>
-              </a:lnSpc>
-              <a:spcBef>
-                <a:spcPts val="500"/>
-              </a:spcBef>
-              <a:buFont typeface="Arial" panose="020B0604020202020204" pitchFamily="34" charset="0"/>
-              <a:buNone/>
-              <a:defRPr sz="1600" kern="1200">
-                <a:solidFill>
-                  <a:schemeClr val="tx1">
-                    <a:tint val="75000"/>
-                  </a:schemeClr>
-                </a:solidFill>
-                <a:latin typeface="+mn-lt"/>
-                <a:ea typeface="+mn-ea"/>
-                <a:cs typeface="+mn-cs"/>
-              </a:defRPr>
-            </a:lvl4pPr>
-            <a:lvl5pPr marL="1828281" indent="0" algn="l" defTabSz="914141" rtl="0" eaLnBrk="1" latinLnBrk="0" hangingPunct="1">
-              <a:lnSpc>
-                <a:spcPct val="90000"/>
-              </a:lnSpc>
-              <a:spcBef>
-                <a:spcPts val="500"/>
-              </a:spcBef>
-              <a:buFont typeface="Arial" panose="020B0604020202020204" pitchFamily="34" charset="0"/>
-              <a:buNone/>
-              <a:defRPr sz="1600" kern="1200">
-                <a:solidFill>
-                  <a:schemeClr val="tx1">
-                    <a:tint val="75000"/>
-                  </a:schemeClr>
-                </a:solidFill>
-                <a:latin typeface="+mn-lt"/>
-                <a:ea typeface="+mn-ea"/>
-                <a:cs typeface="+mn-cs"/>
-              </a:defRPr>
-            </a:lvl5pPr>
-            <a:lvl6pPr marL="2285353" indent="0" algn="l" defTabSz="914141" rtl="0" eaLnBrk="1" latinLnBrk="0" hangingPunct="1">
-              <a:lnSpc>
-                <a:spcPct val="90000"/>
-              </a:lnSpc>
-              <a:spcBef>
-                <a:spcPts val="500"/>
-              </a:spcBef>
-              <a:buFont typeface="Arial" panose="020B0604020202020204" pitchFamily="34" charset="0"/>
-              <a:buNone/>
-              <a:defRPr sz="1600" kern="1200">
-                <a:solidFill>
-                  <a:schemeClr val="tx1">
-                    <a:tint val="75000"/>
-                  </a:schemeClr>
-                </a:solidFill>
-                <a:latin typeface="+mn-lt"/>
-                <a:ea typeface="+mn-ea"/>
-                <a:cs typeface="+mn-cs"/>
-              </a:defRPr>
-            </a:lvl6pPr>
-            <a:lvl7pPr marL="2742422" indent="0" algn="l" defTabSz="914141" rtl="0" eaLnBrk="1" latinLnBrk="0" hangingPunct="1">
-              <a:lnSpc>
-                <a:spcPct val="90000"/>
-              </a:lnSpc>
-              <a:spcBef>
-                <a:spcPts val="500"/>
-              </a:spcBef>
-              <a:buFont typeface="Arial" panose="020B0604020202020204" pitchFamily="34" charset="0"/>
-              <a:buNone/>
-              <a:defRPr sz="1600" kern="1200">
-                <a:solidFill>
-                  <a:schemeClr val="tx1">
-                    <a:tint val="75000"/>
-                  </a:schemeClr>
-                </a:solidFill>
-                <a:latin typeface="+mn-lt"/>
-                <a:ea typeface="+mn-ea"/>
-                <a:cs typeface="+mn-cs"/>
-              </a:defRPr>
-            </a:lvl7pPr>
-            <a:lvl8pPr marL="3199493" indent="0" algn="l" defTabSz="914141" rtl="0" eaLnBrk="1" latinLnBrk="0" hangingPunct="1">
-              <a:lnSpc>
-                <a:spcPct val="90000"/>
-              </a:lnSpc>
-              <a:spcBef>
-                <a:spcPts val="500"/>
-              </a:spcBef>
-              <a:buFont typeface="Arial" panose="020B0604020202020204" pitchFamily="34" charset="0"/>
-              <a:buNone/>
-              <a:defRPr sz="1600" kern="1200">
-                <a:solidFill>
-                  <a:schemeClr val="tx1">
-                    <a:tint val="75000"/>
-                  </a:schemeClr>
-                </a:solidFill>
-                <a:latin typeface="+mn-lt"/>
-                <a:ea typeface="+mn-ea"/>
-                <a:cs typeface="+mn-cs"/>
-              </a:defRPr>
-            </a:lvl8pPr>
-            <a:lvl9pPr marL="3656564" indent="0" algn="l" defTabSz="914141" rtl="0" eaLnBrk="1" latinLnBrk="0" hangingPunct="1">
-              <a:lnSpc>
-                <a:spcPct val="90000"/>
-              </a:lnSpc>
-              <a:spcBef>
-                <a:spcPts val="500"/>
-              </a:spcBef>
-              <a:buFont typeface="Arial" panose="020B0604020202020204" pitchFamily="34" charset="0"/>
-              <a:buNone/>
-              <a:defRPr sz="1600" kern="1200">
-                <a:solidFill>
-                  <a:schemeClr val="tx1">
-                    <a:tint val="75000"/>
-                  </a:schemeClr>
-                </a:solidFill>
-                <a:latin typeface="+mn-lt"/>
-                <a:ea typeface="+mn-ea"/>
-                <a:cs typeface="+mn-cs"/>
-              </a:defRPr>
-            </a:lvl9pPr>
-          </a:lstStyle>
-          <a:p>
-            <a:pPr marL="0" marR="0" lvl="0" indent="0" algn="l" defTabSz="914141" rtl="0" eaLnBrk="1" fontAlgn="auto" latinLnBrk="0" hangingPunct="1">
-              <a:lnSpc>
-                <a:spcPct val="90000"/>
-              </a:lnSpc>
-              <a:spcBef>
-                <a:spcPts val="1000"/>
-              </a:spcBef>
-              <a:spcAft>
-                <a:spcPts val="0"/>
-              </a:spcAft>
-              <a:buClrTx/>
-              <a:buSzTx/>
-              <a:buFont typeface="Arial" panose="020B0604020202020204" pitchFamily="34" charset="0"/>
-              <a:buNone/>
-              <a:tabLst/>
-              <a:defRPr/>
-            </a:pPr>
-            <a:r>
-              <a:rPr kumimoji="0" lang="en-US" sz="2399" b="0" i="0" u="none" strike="noStrike" kern="1200" cap="none" spc="0" normalizeH="0" baseline="0" noProof="0" dirty="0" smtClean="0">
-                <a:ln>
-                  <a:noFill/>
-                </a:ln>
-                <a:solidFill>
-                  <a:sysClr val="windowText" lastClr="000000">
-                    <a:tint val="75000"/>
-                  </a:sysClr>
-                </a:solidFill>
-                <a:effectLst/>
-                <a:uLnTx/>
-                <a:uFillTx/>
-                <a:latin typeface="Calibri" panose="020F0502020204030204"/>
-                <a:ea typeface="+mn-ea"/>
-                <a:cs typeface="+mn-cs"/>
-              </a:rPr>
-              <a:t>Raw</a:t>
-            </a:r>
-            <a:r>
-              <a:rPr kumimoji="0" lang="en-US" sz="2399" b="0" i="0" u="none" strike="noStrike" kern="1200" cap="none" spc="0" normalizeH="0" noProof="0" dirty="0" smtClean="0">
-                <a:ln>
-                  <a:noFill/>
-                </a:ln>
-                <a:solidFill>
-                  <a:sysClr val="windowText" lastClr="000000">
-                    <a:tint val="75000"/>
-                  </a:sysClr>
-                </a:solidFill>
-                <a:effectLst/>
-                <a:uLnTx/>
-                <a:uFillTx/>
-                <a:latin typeface="Calibri" panose="020F0502020204030204"/>
-                <a:ea typeface="+mn-ea"/>
-                <a:cs typeface="+mn-cs"/>
-              </a:rPr>
-              <a:t> Notification Service</a:t>
-            </a:r>
-            <a:endParaRPr kumimoji="0" lang="en-US" sz="2399" b="0" i="0" u="none" strike="noStrike" kern="1200" cap="none" spc="0" normalizeH="0" baseline="0" noProof="0" dirty="0">
-              <a:ln>
-                <a:noFill/>
-              </a:ln>
-              <a:solidFill>
-                <a:sysClr val="windowText" lastClr="000000">
-                  <a:tint val="75000"/>
-                </a:sysClr>
-              </a:solidFill>
-              <a:effectLst/>
-              <a:uLnTx/>
-              <a:uFillTx/>
-              <a:latin typeface="Calibri" panose="020F0502020204030204"/>
-              <a:ea typeface="+mn-ea"/>
-              <a:cs typeface="+mn-cs"/>
-            </a:endParaRPr>
-          </a:p>
-        </p:txBody>
-      </p:sp>
-    </p:spTree>
-    <p:extLst>
-      <p:ext uri="{BB962C8B-B14F-4D97-AF65-F5344CB8AC3E}">
-        <p14:creationId xmlns:p14="http://schemas.microsoft.com/office/powerpoint/2010/main" val="805476308"/>
-      </p:ext>
-    </p:extLst>
-  </p:cSld>
-  <p:clrMapOvr>
-    <a:masterClrMapping/>
-  </p:clrMapOvr>
-  <mc:AlternateContent xmlns:mc="http://schemas.openxmlformats.org/markup-compatibility/2006" xmlns:p14="http://schemas.microsoft.com/office/powerpoint/2010/main">
-    <mc:Choice Requires="p14">
-      <p:transition spd="med" p14:dur="700">
-        <p:fade/>
-      </p:transition>
-    </mc:Choice>
-    <mc:Fallback xmlns="">
-      <p:transition spd="med">
-        <p:fade/>
-      </p:transition>
-    </mc:Fallback>
-  </mc:AlternateContent>
-  <p:timing>
-    <p:tnLst>
-      <p:par>
-        <p:cTn id="1" dur="indefinite" restart="never" nodeType="tmRoot"/>
-      </p:par>
-    </p:tnLst>
-  </p:timing>
-</p:sld>
-</file>
-
-<file path=ppt/slides/slide9.xml><?xml version="1.0" encoding="utf-8"?>
-<p:sld xmlns:a="http://schemas.openxmlformats.org/drawingml/2006/main" xmlns:r="http://schemas.openxmlformats.org/officeDocument/2006/relationships" xmlns:p="http://schemas.openxmlformats.org/presentationml/2006/main">
-  <p:cSld>
-    <p:spTree>
-      <p:nvGrpSpPr>
-        <p:cNvPr id="1" name=""/>
-        <p:cNvGrpSpPr/>
-        <p:nvPr/>
-      </p:nvGrpSpPr>
-      <p:grpSpPr>
-        <a:xfrm>
-          <a:off x="0" y="0"/>
-          <a:ext cx="0" cy="0"/>
-          <a:chOff x="0" y="0"/>
-          <a:chExt cx="0" cy="0"/>
-        </a:xfrm>
-      </p:grpSpPr>
-      <p:sp>
-        <p:nvSpPr>
-          <p:cNvPr id="4" name="Title 3"/>
-          <p:cNvSpPr>
-            <a:spLocks noGrp="1"/>
-          </p:cNvSpPr>
-          <p:nvPr>
-            <p:ph type="title"/>
-          </p:nvPr>
-        </p:nvSpPr>
-        <p:spPr/>
-        <p:txBody>
-          <a:bodyPr/>
-          <a:lstStyle/>
-          <a:p>
-            <a:r>
-              <a:rPr lang="en-US" dirty="0" err="1"/>
-              <a:t>Tại</a:t>
-            </a:r>
-            <a:r>
-              <a:rPr lang="en-US" dirty="0"/>
-              <a:t> </a:t>
-            </a:r>
-            <a:r>
-              <a:rPr lang="en-US" dirty="0" err="1"/>
-              <a:t>sao</a:t>
-            </a:r>
-            <a:r>
-              <a:rPr lang="en-US" dirty="0"/>
-              <a:t> </a:t>
-            </a:r>
-            <a:r>
-              <a:rPr lang="en-US" dirty="0" err="1"/>
-              <a:t>không</a:t>
-            </a:r>
-            <a:r>
-              <a:rPr lang="en-US" dirty="0"/>
-              <a:t> </a:t>
-            </a:r>
-            <a:r>
-              <a:rPr lang="en-US" dirty="0" err="1"/>
-              <a:t>sử</a:t>
-            </a:r>
-            <a:r>
-              <a:rPr lang="en-US" dirty="0"/>
-              <a:t> </a:t>
-            </a:r>
-            <a:r>
-              <a:rPr lang="en-US" dirty="0" err="1"/>
-              <a:t>dụng</a:t>
-            </a:r>
-            <a:r>
-              <a:rPr lang="en-US" dirty="0"/>
-              <a:t> </a:t>
-            </a:r>
-            <a:r>
-              <a:rPr lang="en-US" dirty="0" err="1"/>
-              <a:t>các</a:t>
-            </a:r>
-            <a:r>
-              <a:rPr lang="en-US" dirty="0"/>
-              <a:t> </a:t>
-            </a:r>
-            <a:r>
-              <a:rPr lang="en-US" dirty="0" err="1"/>
-              <a:t>mạng</a:t>
-            </a:r>
-            <a:r>
-              <a:rPr lang="en-US" dirty="0"/>
-              <a:t> </a:t>
-            </a:r>
-            <a:r>
-              <a:rPr lang="en-US" dirty="0" err="1"/>
-              <a:t>xã</a:t>
-            </a:r>
-            <a:r>
-              <a:rPr lang="en-US" dirty="0"/>
-              <a:t> </a:t>
-            </a:r>
-            <a:r>
-              <a:rPr lang="en-US" dirty="0" err="1"/>
-              <a:t>hội</a:t>
-            </a:r>
-            <a:r>
-              <a:rPr lang="en-US" dirty="0"/>
-              <a:t>?</a:t>
-            </a:r>
-            <a:endParaRPr lang="en-US" dirty="0"/>
-          </a:p>
-        </p:txBody>
-      </p:sp>
-      <p:cxnSp>
-        <p:nvCxnSpPr>
-          <p:cNvPr id="6" name="Straight Connector 5"/>
-          <p:cNvCxnSpPr/>
-          <p:nvPr/>
-        </p:nvCxnSpPr>
-        <p:spPr>
-          <a:xfrm flipV="1">
-            <a:off x="-291778" y="4505311"/>
-            <a:ext cx="9718031" cy="57165"/>
-          </a:xfrm>
-          <a:prstGeom prst="line">
-            <a:avLst/>
-          </a:prstGeom>
-          <a:ln w="47625">
-            <a:solidFill>
-              <a:schemeClr val="accent1">
-                <a:lumMod val="75000"/>
-              </a:schemeClr>
-            </a:solidFill>
-          </a:ln>
-          <a:effectLst>
-            <a:innerShdw blurRad="114300">
-              <a:prstClr val="black"/>
-            </a:innerShdw>
-            <a:softEdge rad="0"/>
-          </a:effectLst>
-        </p:spPr>
-        <p:style>
-          <a:lnRef idx="1">
-            <a:schemeClr val="accent1"/>
-          </a:lnRef>
-          <a:fillRef idx="0">
-            <a:schemeClr val="accent1"/>
-          </a:fillRef>
-          <a:effectRef idx="0">
-            <a:schemeClr val="accent1"/>
-          </a:effectRef>
-          <a:fontRef idx="minor">
-            <a:schemeClr val="tx1"/>
-          </a:fontRef>
-        </p:style>
-      </p:cxnSp>
-      <p:sp>
-        <p:nvSpPr>
-          <p:cNvPr id="9" name="Text Placeholder 5"/>
-          <p:cNvSpPr txBox="1">
-            <a:spLocks/>
-          </p:cNvSpPr>
-          <p:nvPr/>
-        </p:nvSpPr>
-        <p:spPr>
-          <a:xfrm>
-            <a:off x="831632" y="4589466"/>
-            <a:ext cx="10512862" cy="1500187"/>
-          </a:xfrm>
-          <a:prstGeom prst="rect">
-            <a:avLst/>
-          </a:prstGeom>
-        </p:spPr>
-        <p:txBody>
-          <a:bodyPr vert="horz" lIns="91440" tIns="45720" rIns="91440" bIns="45720" rtlCol="0">
-            <a:normAutofit/>
-          </a:bodyPr>
-          <a:lstStyle>
-            <a:lvl1pPr marL="0" indent="0" algn="l" defTabSz="914141" rtl="0" eaLnBrk="1" latinLnBrk="0" hangingPunct="1">
-              <a:lnSpc>
-                <a:spcPct val="90000"/>
-              </a:lnSpc>
-              <a:spcBef>
-                <a:spcPts val="1000"/>
-              </a:spcBef>
-              <a:buFont typeface="Arial" panose="020B0604020202020204" pitchFamily="34" charset="0"/>
-              <a:buNone/>
-              <a:defRPr sz="2399" kern="1200">
-                <a:solidFill>
-                  <a:schemeClr val="tx1">
-                    <a:tint val="75000"/>
-                  </a:schemeClr>
-                </a:solidFill>
-                <a:latin typeface="+mn-lt"/>
-                <a:ea typeface="+mn-ea"/>
-                <a:cs typeface="+mn-cs"/>
-              </a:defRPr>
-            </a:lvl1pPr>
-            <a:lvl2pPr marL="457071" indent="0" algn="l" defTabSz="914141" rtl="0" eaLnBrk="1" latinLnBrk="0" hangingPunct="1">
-              <a:lnSpc>
-                <a:spcPct val="90000"/>
-              </a:lnSpc>
-              <a:spcBef>
-                <a:spcPts val="500"/>
-              </a:spcBef>
-              <a:buFont typeface="Arial" panose="020B0604020202020204" pitchFamily="34" charset="0"/>
-              <a:buNone/>
-              <a:defRPr sz="2000" kern="1200">
-                <a:solidFill>
-                  <a:schemeClr val="tx1">
-                    <a:tint val="75000"/>
-                  </a:schemeClr>
-                </a:solidFill>
-                <a:latin typeface="+mn-lt"/>
-                <a:ea typeface="+mn-ea"/>
-                <a:cs typeface="+mn-cs"/>
-              </a:defRPr>
-            </a:lvl2pPr>
-            <a:lvl3pPr marL="914141" indent="0" algn="l" defTabSz="914141" rtl="0" eaLnBrk="1" latinLnBrk="0" hangingPunct="1">
-              <a:lnSpc>
-                <a:spcPct val="90000"/>
-              </a:lnSpc>
-              <a:spcBef>
-                <a:spcPts val="500"/>
-              </a:spcBef>
-              <a:buFont typeface="Arial" panose="020B0604020202020204" pitchFamily="34" charset="0"/>
-              <a:buNone/>
-              <a:defRPr sz="1800" kern="1200">
-                <a:solidFill>
-                  <a:schemeClr val="tx1">
-                    <a:tint val="75000"/>
-                  </a:schemeClr>
-                </a:solidFill>
-                <a:latin typeface="+mn-lt"/>
-                <a:ea typeface="+mn-ea"/>
-                <a:cs typeface="+mn-cs"/>
-              </a:defRPr>
-            </a:lvl3pPr>
-            <a:lvl4pPr marL="1371212" indent="0" algn="l" defTabSz="914141" rtl="0" eaLnBrk="1" latinLnBrk="0" hangingPunct="1">
-              <a:lnSpc>
-                <a:spcPct val="90000"/>
-              </a:lnSpc>
-              <a:spcBef>
-                <a:spcPts val="500"/>
-              </a:spcBef>
-              <a:buFont typeface="Arial" panose="020B0604020202020204" pitchFamily="34" charset="0"/>
-              <a:buNone/>
-              <a:defRPr sz="1600" kern="1200">
-                <a:solidFill>
-                  <a:schemeClr val="tx1">
-                    <a:tint val="75000"/>
-                  </a:schemeClr>
-                </a:solidFill>
-                <a:latin typeface="+mn-lt"/>
-                <a:ea typeface="+mn-ea"/>
-                <a:cs typeface="+mn-cs"/>
-              </a:defRPr>
-            </a:lvl4pPr>
-            <a:lvl5pPr marL="1828281" indent="0" algn="l" defTabSz="914141" rtl="0" eaLnBrk="1" latinLnBrk="0" hangingPunct="1">
-              <a:lnSpc>
-                <a:spcPct val="90000"/>
-              </a:lnSpc>
-              <a:spcBef>
-                <a:spcPts val="500"/>
-              </a:spcBef>
-              <a:buFont typeface="Arial" panose="020B0604020202020204" pitchFamily="34" charset="0"/>
-              <a:buNone/>
-              <a:defRPr sz="1600" kern="1200">
-                <a:solidFill>
-                  <a:schemeClr val="tx1">
-                    <a:tint val="75000"/>
-                  </a:schemeClr>
-                </a:solidFill>
-                <a:latin typeface="+mn-lt"/>
-                <a:ea typeface="+mn-ea"/>
-                <a:cs typeface="+mn-cs"/>
-              </a:defRPr>
-            </a:lvl5pPr>
-            <a:lvl6pPr marL="2285353" indent="0" algn="l" defTabSz="914141" rtl="0" eaLnBrk="1" latinLnBrk="0" hangingPunct="1">
-              <a:lnSpc>
-                <a:spcPct val="90000"/>
-              </a:lnSpc>
-              <a:spcBef>
-                <a:spcPts val="500"/>
-              </a:spcBef>
-              <a:buFont typeface="Arial" panose="020B0604020202020204" pitchFamily="34" charset="0"/>
-              <a:buNone/>
-              <a:defRPr sz="1600" kern="1200">
-                <a:solidFill>
-                  <a:schemeClr val="tx1">
-                    <a:tint val="75000"/>
-                  </a:schemeClr>
-                </a:solidFill>
-                <a:latin typeface="+mn-lt"/>
-                <a:ea typeface="+mn-ea"/>
-                <a:cs typeface="+mn-cs"/>
-              </a:defRPr>
-            </a:lvl6pPr>
-            <a:lvl7pPr marL="2742422" indent="0" algn="l" defTabSz="914141" rtl="0" eaLnBrk="1" latinLnBrk="0" hangingPunct="1">
-              <a:lnSpc>
-                <a:spcPct val="90000"/>
-              </a:lnSpc>
-              <a:spcBef>
-                <a:spcPts val="500"/>
-              </a:spcBef>
-              <a:buFont typeface="Arial" panose="020B0604020202020204" pitchFamily="34" charset="0"/>
-              <a:buNone/>
-              <a:defRPr sz="1600" kern="1200">
-                <a:solidFill>
-                  <a:schemeClr val="tx1">
-                    <a:tint val="75000"/>
-                  </a:schemeClr>
-                </a:solidFill>
-                <a:latin typeface="+mn-lt"/>
-                <a:ea typeface="+mn-ea"/>
-                <a:cs typeface="+mn-cs"/>
-              </a:defRPr>
-            </a:lvl7pPr>
-            <a:lvl8pPr marL="3199493" indent="0" algn="l" defTabSz="914141" rtl="0" eaLnBrk="1" latinLnBrk="0" hangingPunct="1">
-              <a:lnSpc>
-                <a:spcPct val="90000"/>
-              </a:lnSpc>
-              <a:spcBef>
-                <a:spcPts val="500"/>
-              </a:spcBef>
-              <a:buFont typeface="Arial" panose="020B0604020202020204" pitchFamily="34" charset="0"/>
-              <a:buNone/>
-              <a:defRPr sz="1600" kern="1200">
-                <a:solidFill>
-                  <a:schemeClr val="tx1">
-                    <a:tint val="75000"/>
-                  </a:schemeClr>
-                </a:solidFill>
-                <a:latin typeface="+mn-lt"/>
-                <a:ea typeface="+mn-ea"/>
-                <a:cs typeface="+mn-cs"/>
-              </a:defRPr>
-            </a:lvl8pPr>
-            <a:lvl9pPr marL="3656564" indent="0" algn="l" defTabSz="914141" rtl="0" eaLnBrk="1" latinLnBrk="0" hangingPunct="1">
-              <a:lnSpc>
-                <a:spcPct val="90000"/>
-              </a:lnSpc>
-              <a:spcBef>
-                <a:spcPts val="500"/>
-              </a:spcBef>
-              <a:buFont typeface="Arial" panose="020B0604020202020204" pitchFamily="34" charset="0"/>
-              <a:buNone/>
-              <a:defRPr sz="1600" kern="1200">
-                <a:solidFill>
-                  <a:schemeClr val="tx1">
-                    <a:tint val="75000"/>
-                  </a:schemeClr>
-                </a:solidFill>
-                <a:latin typeface="+mn-lt"/>
-                <a:ea typeface="+mn-ea"/>
-                <a:cs typeface="+mn-cs"/>
-              </a:defRPr>
-            </a:lvl9pPr>
-          </a:lstStyle>
-          <a:p>
-            <a:pPr marL="0" marR="0" lvl="0" indent="0" algn="l" defTabSz="914141" rtl="0" eaLnBrk="1" fontAlgn="auto" latinLnBrk="0" hangingPunct="1">
-              <a:lnSpc>
-                <a:spcPct val="90000"/>
-              </a:lnSpc>
-              <a:spcBef>
-                <a:spcPts val="1000"/>
-              </a:spcBef>
-              <a:spcAft>
-                <a:spcPts val="0"/>
-              </a:spcAft>
-              <a:buClrTx/>
-              <a:buSzTx/>
-              <a:buFont typeface="Arial" panose="020B0604020202020204" pitchFamily="34" charset="0"/>
-              <a:buNone/>
-              <a:tabLst/>
-              <a:defRPr/>
-            </a:pPr>
-            <a:r>
-              <a:rPr kumimoji="0" lang="en-US" sz="2399" b="0" i="0" u="none" strike="noStrike" kern="1200" cap="none" spc="0" normalizeH="0" baseline="0" noProof="0" dirty="0" smtClean="0">
-                <a:ln>
-                  <a:noFill/>
-                </a:ln>
-                <a:solidFill>
-                  <a:sysClr val="windowText" lastClr="000000">
-                    <a:tint val="75000"/>
-                  </a:sysClr>
-                </a:solidFill>
-                <a:effectLst/>
-                <a:uLnTx/>
-                <a:uFillTx/>
-                <a:latin typeface="Calibri" panose="020F0502020204030204"/>
-                <a:ea typeface="+mn-ea"/>
-                <a:cs typeface="+mn-cs"/>
-              </a:rPr>
-              <a:t>Raw</a:t>
-            </a:r>
-            <a:r>
-              <a:rPr kumimoji="0" lang="en-US" sz="2399" b="0" i="0" u="none" strike="noStrike" kern="1200" cap="none" spc="0" normalizeH="0" noProof="0" dirty="0" smtClean="0">
-                <a:ln>
-                  <a:noFill/>
-                </a:ln>
-                <a:solidFill>
-                  <a:sysClr val="windowText" lastClr="000000">
-                    <a:tint val="75000"/>
-                  </a:sysClr>
-                </a:solidFill>
-                <a:effectLst/>
-                <a:uLnTx/>
-                <a:uFillTx/>
-                <a:latin typeface="Calibri" panose="020F0502020204030204"/>
-                <a:ea typeface="+mn-ea"/>
-                <a:cs typeface="+mn-cs"/>
-              </a:rPr>
-              <a:t> Notification Service</a:t>
-            </a:r>
-            <a:endParaRPr kumimoji="0" lang="en-US" sz="2399" b="0" i="0" u="none" strike="noStrike" kern="1200" cap="none" spc="0" normalizeH="0" baseline="0" noProof="0" dirty="0">
-              <a:ln>
-                <a:noFill/>
-              </a:ln>
-              <a:solidFill>
-                <a:sysClr val="windowText" lastClr="000000">
-                  <a:tint val="75000"/>
-                </a:sysClr>
-              </a:solidFill>
-              <a:effectLst/>
-              <a:uLnTx/>
-              <a:uFillTx/>
-              <a:latin typeface="Calibri" panose="020F0502020204030204"/>
-              <a:ea typeface="+mn-ea"/>
-              <a:cs typeface="+mn-cs"/>
-            </a:endParaRPr>
-          </a:p>
-        </p:txBody>
-      </p:sp>
-    </p:spTree>
-    <p:extLst>
-      <p:ext uri="{BB962C8B-B14F-4D97-AF65-F5344CB8AC3E}">
-        <p14:creationId xmlns:p14="http://schemas.microsoft.com/office/powerpoint/2010/main" val="506560830"/>
-      </p:ext>
-    </p:extLst>
-  </p:cSld>
-  <p:clrMapOvr>
-    <a:masterClrMapping/>
-  </p:clrMapOvr>
-  <mc:AlternateContent xmlns:mc="http://schemas.openxmlformats.org/markup-compatibility/2006" xmlns:p14="http://schemas.microsoft.com/office/powerpoint/2010/main">
-    <mc:Choice Requires="p14">
-      <p:transition spd="med" p14:dur="700">
-        <p:fade/>
-      </p:transition>
-    </mc:Choice>
-    <mc:Fallback xmlns="">
-      <p:transition spd="med">
-        <p:fade/>
-      </p:transition>
-    </mc:Fallback>
-  </mc:AlternateContent>
-  <p:timing>
-    <p:tnLst>
-      <p:par>
-        <p:cTn id="1" dur="indefinite" restart="never" nodeType="tmRoot"/>
-      </p:par>
-    </p:tnLst>
   </p:timing>
 </p:sld>
 </file>
@@ -13394,27 +14079,7 @@
       </a:bgFillStyleLst>
     </a:fmtScheme>
   </a:themeElements>
-  <a:objectDefaults>
-    <a:lnDef>
-      <a:spPr/>
-      <a:bodyPr/>
-      <a:lstStyle/>
-      <a:style>
-        <a:lnRef idx="1">
-          <a:schemeClr val="accent1"/>
-        </a:lnRef>
-        <a:fillRef idx="0">
-          <a:schemeClr val="accent1"/>
-        </a:fillRef>
-        <a:effectRef idx="0">
-          <a:schemeClr val="accent1"/>
-        </a:effectRef>
-        <a:fontRef idx="minor">
-          <a:schemeClr val="tx1"/>
-        </a:fontRef>
-      </a:style>
-    </a:lnDef>
-  </a:objectDefaults>
+  <a:objectDefaults/>
   <a:extraClrSchemeLst/>
   <a:extLst>
     <a:ext uri="{05A4C25C-085E-4340-85A3-A5531E510DB2}">

--- a/Working Individual/SyLK/Presentation.pptx
+++ b/Working Individual/SyLK/Presentation.pptx
@@ -5,7 +5,7 @@
     <p:sldMasterId id="2147483672" r:id="rId1"/>
   </p:sldMasterIdLst>
   <p:notesMasterIdLst>
-    <p:notesMasterId r:id="rId18"/>
+    <p:notesMasterId r:id="rId19"/>
   </p:notesMasterIdLst>
   <p:sldIdLst>
     <p:sldId id="256" r:id="rId2"/>
@@ -14,16 +14,17 @@
     <p:sldId id="259" r:id="rId5"/>
     <p:sldId id="277" r:id="rId6"/>
     <p:sldId id="278" r:id="rId7"/>
-    <p:sldId id="274" r:id="rId8"/>
-    <p:sldId id="262" r:id="rId9"/>
-    <p:sldId id="269" r:id="rId10"/>
-    <p:sldId id="265" r:id="rId11"/>
-    <p:sldId id="266" r:id="rId12"/>
-    <p:sldId id="267" r:id="rId13"/>
-    <p:sldId id="264" r:id="rId14"/>
-    <p:sldId id="276" r:id="rId15"/>
-    <p:sldId id="275" r:id="rId16"/>
-    <p:sldId id="268" r:id="rId17"/>
+    <p:sldId id="279" r:id="rId8"/>
+    <p:sldId id="274" r:id="rId9"/>
+    <p:sldId id="262" r:id="rId10"/>
+    <p:sldId id="269" r:id="rId11"/>
+    <p:sldId id="265" r:id="rId12"/>
+    <p:sldId id="266" r:id="rId13"/>
+    <p:sldId id="267" r:id="rId14"/>
+    <p:sldId id="264" r:id="rId15"/>
+    <p:sldId id="276" r:id="rId16"/>
+    <p:sldId id="275" r:id="rId17"/>
+    <p:sldId id="268" r:id="rId18"/>
   </p:sldIdLst>
   <p:sldSz cx="12192000" cy="6858000"/>
   <p:notesSz cx="6858000" cy="9144000"/>
@@ -850,6 +851,103 @@
             <a:fld id="{38B150A1-AA66-4684-B8AD-AE91AB8F011A}" type="slidenum">
               <a:rPr lang="vi-VN" smtClean="0"/>
               <a:t>7</a:t>
+            </a:fld>
+            <a:endParaRPr lang="vi-VN"/>
+          </a:p>
+        </p:txBody>
+      </p:sp>
+    </p:spTree>
+    <p:extLst>
+      <p:ext uri="{BB962C8B-B14F-4D97-AF65-F5344CB8AC3E}">
+        <p14:creationId xmlns:p14="http://schemas.microsoft.com/office/powerpoint/2010/main" val="1364646854"/>
+      </p:ext>
+    </p:extLst>
+  </p:cSld>
+  <p:clrMapOvr>
+    <a:masterClrMapping/>
+  </p:clrMapOvr>
+</p:notes>
+</file>
+
+<file path=ppt/notesSlides/notesSlide5.xml><?xml version="1.0" encoding="utf-8"?>
+<p:notes xmlns:a="http://schemas.openxmlformats.org/drawingml/2006/main" xmlns:r="http://schemas.openxmlformats.org/officeDocument/2006/relationships" xmlns:p="http://schemas.openxmlformats.org/presentationml/2006/main">
+  <p:cSld>
+    <p:spTree>
+      <p:nvGrpSpPr>
+        <p:cNvPr id="1" name=""/>
+        <p:cNvGrpSpPr/>
+        <p:nvPr/>
+      </p:nvGrpSpPr>
+      <p:grpSpPr>
+        <a:xfrm>
+          <a:off x="0" y="0"/>
+          <a:ext cx="0" cy="0"/>
+          <a:chOff x="0" y="0"/>
+          <a:chExt cx="0" cy="0"/>
+        </a:xfrm>
+      </p:grpSpPr>
+      <p:sp>
+        <p:nvSpPr>
+          <p:cNvPr id="2" name="Slide Image Placeholder 1"/>
+          <p:cNvSpPr>
+            <a:spLocks noGrp="1" noRot="1" noChangeAspect="1"/>
+          </p:cNvSpPr>
+          <p:nvPr>
+            <p:ph type="sldImg"/>
+          </p:nvPr>
+        </p:nvSpPr>
+        <p:spPr>
+          <a:xfrm>
+            <a:off x="685800" y="1143000"/>
+            <a:ext cx="5486400" cy="3086100"/>
+          </a:xfrm>
+        </p:spPr>
+      </p:sp>
+      <p:sp>
+        <p:nvSpPr>
+          <p:cNvPr id="3" name="Notes Placeholder 2"/>
+          <p:cNvSpPr>
+            <a:spLocks noGrp="1"/>
+          </p:cNvSpPr>
+          <p:nvPr>
+            <p:ph type="body" idx="1"/>
+          </p:nvPr>
+        </p:nvSpPr>
+        <p:spPr/>
+        <p:txBody>
+          <a:bodyPr/>
+          <a:lstStyle/>
+          <a:p>
+            <a:r>
+              <a:rPr lang="en-US" dirty="0" smtClean="0"/>
+              <a:t>Microsoft</a:t>
+            </a:r>
+            <a:r>
+              <a:rPr lang="en-US" baseline="0" dirty="0" smtClean="0"/>
+              <a:t> notification hub</a:t>
+            </a:r>
+            <a:endParaRPr lang="vi-VN" dirty="0"/>
+          </a:p>
+        </p:txBody>
+      </p:sp>
+      <p:sp>
+        <p:nvSpPr>
+          <p:cNvPr id="4" name="Slide Number Placeholder 3"/>
+          <p:cNvSpPr>
+            <a:spLocks noGrp="1"/>
+          </p:cNvSpPr>
+          <p:nvPr>
+            <p:ph type="sldNum" sz="quarter" idx="10"/>
+          </p:nvPr>
+        </p:nvSpPr>
+        <p:spPr/>
+        <p:txBody>
+          <a:bodyPr/>
+          <a:lstStyle/>
+          <a:p>
+            <a:fld id="{38B150A1-AA66-4684-B8AD-AE91AB8F011A}" type="slidenum">
+              <a:rPr lang="vi-VN" smtClean="0"/>
+              <a:t>8</a:t>
             </a:fld>
             <a:endParaRPr lang="vi-VN"/>
           </a:p>
@@ -3800,7 +3898,7 @@
         </p:blipFill>
         <p:spPr>
           <a:xfrm>
-            <a:off x="8281108" y="6151050"/>
+            <a:off x="9768095" y="6080512"/>
             <a:ext cx="436230" cy="436230"/>
           </a:xfrm>
           <a:prstGeom prst="rect">
@@ -3816,7 +3914,7 @@
         </p:nvSpPr>
         <p:spPr>
           <a:xfrm>
-            <a:off x="8717339" y="6319732"/>
+            <a:off x="10204326" y="6249194"/>
             <a:ext cx="2101515" cy="300082"/>
           </a:xfrm>
           <a:prstGeom prst="rect">
@@ -3852,7 +3950,7 @@
         </p:nvSpPr>
         <p:spPr>
           <a:xfrm>
-            <a:off x="1772653" y="5855658"/>
+            <a:off x="285047" y="5904233"/>
             <a:ext cx="2683043" cy="715581"/>
           </a:xfrm>
           <a:prstGeom prst="rect">
@@ -4080,6 +4178,75 @@
           </a:p>
         </p:txBody>
       </p:sp>
+      <p:sp>
+        <p:nvSpPr>
+          <p:cNvPr id="3" name="TextBox 2"/>
+          <p:cNvSpPr txBox="1"/>
+          <p:nvPr/>
+        </p:nvSpPr>
+        <p:spPr>
+          <a:xfrm>
+            <a:off x="3720833" y="4449170"/>
+            <a:ext cx="5136564" cy="923330"/>
+          </a:xfrm>
+          <a:prstGeom prst="rect">
+            <a:avLst/>
+          </a:prstGeom>
+          <a:noFill/>
+        </p:spPr>
+        <p:txBody>
+          <a:bodyPr wrap="square" rtlCol="0">
+            <a:spAutoFit/>
+          </a:bodyPr>
+          <a:lstStyle/>
+          <a:p>
+            <a:pPr algn="ctr"/>
+            <a:r>
+              <a:rPr lang="en-US" dirty="0" err="1" smtClean="0"/>
+              <a:t>Sinh</a:t>
+            </a:r>
+            <a:r>
+              <a:rPr lang="en-US" dirty="0" smtClean="0"/>
+              <a:t> </a:t>
+            </a:r>
+            <a:r>
+              <a:rPr lang="en-US" dirty="0" err="1" smtClean="0"/>
+              <a:t>viên</a:t>
+            </a:r>
+            <a:r>
+              <a:rPr lang="en-US" dirty="0" smtClean="0"/>
+              <a:t>: Lê Khả Sỹ</a:t>
+            </a:r>
+            <a:br>
+              <a:rPr lang="en-US" dirty="0" smtClean="0"/>
+            </a:br>
+            <a:r>
+              <a:rPr lang="en-US" dirty="0" err="1" smtClean="0"/>
+              <a:t>Lớp</a:t>
+            </a:r>
+            <a:r>
+              <a:rPr lang="en-US" dirty="0" smtClean="0"/>
+              <a:t>: 15</a:t>
+            </a:r>
+            <a:r>
+              <a:rPr lang="en-US" baseline="30000" dirty="0" smtClean="0"/>
+              <a:t>TH</a:t>
+            </a:r>
+            <a:r>
+              <a:rPr lang="en-US" dirty="0" smtClean="0"/>
+              <a:t>0001</a:t>
+            </a:r>
+          </a:p>
+          <a:p>
+            <a:pPr algn="ctr"/>
+            <a:r>
+              <a:rPr lang="en-US" dirty="0" smtClean="0"/>
+              <a:t>MSSV: 12050003</a:t>
+            </a:r>
+            <a:endParaRPr lang="vi-VN" dirty="0"/>
+          </a:p>
+        </p:txBody>
+      </p:sp>
     </p:spTree>
     <p:extLst>
       <p:ext uri="{BB962C8B-B14F-4D97-AF65-F5344CB8AC3E}">
@@ -4131,6 +4298,943 @@
       </p:grpSpPr>
       <p:sp>
         <p:nvSpPr>
+          <p:cNvPr id="26" name="TextBox 25"/>
+          <p:cNvSpPr txBox="1"/>
+          <p:nvPr/>
+        </p:nvSpPr>
+        <p:spPr>
+          <a:xfrm>
+            <a:off x="0" y="406898"/>
+            <a:ext cx="5120640" cy="636919"/>
+          </a:xfrm>
+          <a:prstGeom prst="rect">
+            <a:avLst/>
+          </a:prstGeom>
+          <a:solidFill>
+            <a:schemeClr val="accent6">
+              <a:alpha val="70000"/>
+            </a:schemeClr>
+          </a:solidFill>
+        </p:spPr>
+        <p:txBody>
+          <a:bodyPr wrap="square" lIns="411386" tIns="109703" rIns="137129" bIns="109703" rtlCol="0">
+            <a:spAutoFit/>
+          </a:bodyPr>
+          <a:lstStyle/>
+          <a:p>
+            <a:pPr>
+              <a:lnSpc>
+                <a:spcPct val="90000"/>
+              </a:lnSpc>
+              <a:spcAft>
+                <a:spcPts val="450"/>
+              </a:spcAft>
+            </a:pPr>
+            <a:r>
+              <a:rPr lang="en-US" sz="2999" b="1" spc="-112" dirty="0" err="1">
+                <a:solidFill>
+                  <a:srgbClr val="FFFFFF"/>
+                </a:solidFill>
+              </a:rPr>
+              <a:t>Hạn</a:t>
+            </a:r>
+            <a:r>
+              <a:rPr lang="en-US" sz="2999" b="1" spc="-112" dirty="0">
+                <a:solidFill>
+                  <a:srgbClr val="FFFFFF"/>
+                </a:solidFill>
+              </a:rPr>
+              <a:t> </a:t>
+            </a:r>
+            <a:r>
+              <a:rPr lang="en-US" sz="2999" b="1" spc="-112" dirty="0" err="1">
+                <a:solidFill>
+                  <a:srgbClr val="FFFFFF"/>
+                </a:solidFill>
+              </a:rPr>
+              <a:t>chế</a:t>
+            </a:r>
+            <a:r>
+              <a:rPr lang="en-US" sz="2999" b="1" spc="-112" dirty="0">
+                <a:solidFill>
+                  <a:srgbClr val="FFFFFF"/>
+                </a:solidFill>
+              </a:rPr>
+              <a:t> </a:t>
+            </a:r>
+            <a:r>
+              <a:rPr lang="en-US" sz="2999" b="1" spc="-112" dirty="0" err="1">
+                <a:solidFill>
+                  <a:srgbClr val="FFFFFF"/>
+                </a:solidFill>
+              </a:rPr>
+              <a:t>của</a:t>
+            </a:r>
+            <a:r>
+              <a:rPr lang="en-US" sz="2999" b="1" spc="-112" dirty="0">
+                <a:solidFill>
+                  <a:srgbClr val="FFFFFF"/>
+                </a:solidFill>
+              </a:rPr>
+              <a:t> </a:t>
+            </a:r>
+            <a:r>
+              <a:rPr lang="en-US" sz="2999" b="1" spc="-112" dirty="0" err="1">
+                <a:solidFill>
+                  <a:srgbClr val="FFFFFF"/>
+                </a:solidFill>
+              </a:rPr>
+              <a:t>đồ</a:t>
+            </a:r>
+            <a:r>
+              <a:rPr lang="en-US" sz="2999" b="1" spc="-112" dirty="0">
+                <a:solidFill>
+                  <a:srgbClr val="FFFFFF"/>
+                </a:solidFill>
+              </a:rPr>
+              <a:t> </a:t>
+            </a:r>
+            <a:r>
+              <a:rPr lang="en-US" sz="2999" b="1" spc="-112" dirty="0" err="1">
+                <a:solidFill>
+                  <a:srgbClr val="FFFFFF"/>
+                </a:solidFill>
+              </a:rPr>
+              <a:t>án</a:t>
+            </a:r>
+            <a:endParaRPr lang="en-US" sz="2999" b="1" spc="-112" dirty="0">
+              <a:solidFill>
+                <a:srgbClr val="FFFFFF"/>
+              </a:solidFill>
+            </a:endParaRPr>
+          </a:p>
+        </p:txBody>
+      </p:sp>
+      <p:sp>
+        <p:nvSpPr>
+          <p:cNvPr id="5" name="TextBox 4"/>
+          <p:cNvSpPr txBox="1"/>
+          <p:nvPr/>
+        </p:nvSpPr>
+        <p:spPr>
+          <a:xfrm>
+            <a:off x="3728258" y="2547389"/>
+            <a:ext cx="5110943" cy="646331"/>
+          </a:xfrm>
+          <a:prstGeom prst="rect">
+            <a:avLst/>
+          </a:prstGeom>
+          <a:noFill/>
+        </p:spPr>
+        <p:txBody>
+          <a:bodyPr wrap="square" rtlCol="0">
+            <a:spAutoFit/>
+          </a:bodyPr>
+          <a:lstStyle/>
+          <a:p>
+            <a:r>
+              <a:rPr lang="en-US" dirty="0" err="1"/>
+              <a:t>Chúng</a:t>
+            </a:r>
+            <a:r>
+              <a:rPr lang="en-US" dirty="0"/>
+              <a:t> </a:t>
+            </a:r>
+            <a:r>
+              <a:rPr lang="en-US" dirty="0" err="1"/>
+              <a:t>tôi</a:t>
+            </a:r>
+            <a:r>
+              <a:rPr lang="en-US" dirty="0"/>
+              <a:t> </a:t>
+            </a:r>
+            <a:r>
+              <a:rPr lang="en-US" dirty="0" err="1"/>
+              <a:t>không</a:t>
+            </a:r>
+            <a:r>
+              <a:rPr lang="en-US" dirty="0"/>
+              <a:t> </a:t>
+            </a:r>
+            <a:r>
+              <a:rPr lang="en-US" dirty="0" err="1"/>
+              <a:t>đảm</a:t>
+            </a:r>
+            <a:r>
+              <a:rPr lang="en-US" dirty="0"/>
+              <a:t> </a:t>
+            </a:r>
+            <a:r>
+              <a:rPr lang="en-US" dirty="0" err="1"/>
+              <a:t>bảo</a:t>
+            </a:r>
+            <a:r>
+              <a:rPr lang="en-US" dirty="0"/>
+              <a:t> </a:t>
+            </a:r>
+            <a:r>
+              <a:rPr lang="en-US" dirty="0" err="1"/>
+              <a:t>bất</a:t>
+            </a:r>
+            <a:r>
+              <a:rPr lang="en-US" dirty="0"/>
+              <a:t> </a:t>
+            </a:r>
+            <a:r>
+              <a:rPr lang="en-US" dirty="0" err="1"/>
+              <a:t>kỳ</a:t>
+            </a:r>
+            <a:r>
+              <a:rPr lang="en-US" dirty="0"/>
+              <a:t> </a:t>
+            </a:r>
+            <a:r>
+              <a:rPr lang="en-US" dirty="0" err="1"/>
+              <a:t>điều</a:t>
+            </a:r>
+            <a:r>
+              <a:rPr lang="en-US" dirty="0"/>
+              <a:t> </a:t>
+            </a:r>
+            <a:r>
+              <a:rPr lang="en-US" dirty="0" err="1"/>
+              <a:t>gì</a:t>
+            </a:r>
+            <a:r>
+              <a:rPr lang="en-US" dirty="0"/>
+              <a:t> </a:t>
+            </a:r>
+            <a:r>
+              <a:rPr lang="en-US" dirty="0" err="1"/>
+              <a:t>trong</a:t>
+            </a:r>
+            <a:r>
+              <a:rPr lang="en-US" dirty="0"/>
+              <a:t> </a:t>
+            </a:r>
+            <a:r>
+              <a:rPr lang="en-US" dirty="0" err="1"/>
+              <a:t>việc</a:t>
+            </a:r>
+            <a:r>
+              <a:rPr lang="en-US" dirty="0"/>
+              <a:t> </a:t>
+            </a:r>
+            <a:r>
+              <a:rPr lang="en-US" dirty="0" err="1"/>
+              <a:t>nhận</a:t>
+            </a:r>
+            <a:r>
+              <a:rPr lang="en-US" dirty="0"/>
+              <a:t> </a:t>
+            </a:r>
+            <a:r>
+              <a:rPr lang="en-US" dirty="0" err="1"/>
+              <a:t>thông</a:t>
+            </a:r>
+            <a:r>
+              <a:rPr lang="en-US" dirty="0"/>
+              <a:t> </a:t>
+            </a:r>
+            <a:r>
+              <a:rPr lang="en-US" dirty="0" err="1"/>
+              <a:t>báo</a:t>
+            </a:r>
+            <a:r>
+              <a:rPr lang="en-US" dirty="0"/>
+              <a:t> ở </a:t>
+            </a:r>
+            <a:r>
+              <a:rPr lang="en-US" dirty="0" err="1"/>
+              <a:t>thiết</a:t>
+            </a:r>
+            <a:r>
+              <a:rPr lang="en-US" dirty="0"/>
+              <a:t> </a:t>
+            </a:r>
+            <a:r>
+              <a:rPr lang="en-US" dirty="0" err="1"/>
+              <a:t>bị</a:t>
+            </a:r>
+            <a:r>
+              <a:rPr lang="en-US" dirty="0"/>
+              <a:t>.</a:t>
+            </a:r>
+            <a:endParaRPr lang="vi-VN" dirty="0"/>
+          </a:p>
+        </p:txBody>
+      </p:sp>
+      <p:sp>
+        <p:nvSpPr>
+          <p:cNvPr id="21" name="TextBox 20"/>
+          <p:cNvSpPr txBox="1"/>
+          <p:nvPr/>
+        </p:nvSpPr>
+        <p:spPr>
+          <a:xfrm>
+            <a:off x="1828800" y="3901898"/>
+            <a:ext cx="8839200" cy="538609"/>
+          </a:xfrm>
+          <a:prstGeom prst="rect">
+            <a:avLst/>
+          </a:prstGeom>
+          <a:noFill/>
+        </p:spPr>
+        <p:txBody>
+          <a:bodyPr wrap="square" rtlCol="0">
+            <a:spAutoFit/>
+          </a:bodyPr>
+          <a:lstStyle/>
+          <a:p>
+            <a:r>
+              <a:rPr lang="en-US" sz="2900" dirty="0" err="1">
+                <a:latin typeface="Segoe UI" panose="020B0502040204020203" pitchFamily="34" charset="0"/>
+                <a:cs typeface="Segoe UI" panose="020B0502040204020203" pitchFamily="34" charset="0"/>
+              </a:rPr>
+              <a:t>Gửi</a:t>
+            </a:r>
+            <a:r>
+              <a:rPr lang="en-US" sz="2900" dirty="0">
+                <a:latin typeface="Segoe UI" panose="020B0502040204020203" pitchFamily="34" charset="0"/>
+                <a:cs typeface="Segoe UI" panose="020B0502040204020203" pitchFamily="34" charset="0"/>
+              </a:rPr>
+              <a:t> </a:t>
+            </a:r>
+            <a:r>
+              <a:rPr lang="en-US" sz="2900" dirty="0" err="1">
+                <a:latin typeface="Segoe UI" panose="020B0502040204020203" pitchFamily="34" charset="0"/>
+                <a:cs typeface="Segoe UI" panose="020B0502040204020203" pitchFamily="34" charset="0"/>
+              </a:rPr>
+              <a:t>thông</a:t>
+            </a:r>
+            <a:r>
+              <a:rPr lang="en-US" sz="2900" dirty="0">
+                <a:latin typeface="Segoe UI" panose="020B0502040204020203" pitchFamily="34" charset="0"/>
+                <a:cs typeface="Segoe UI" panose="020B0502040204020203" pitchFamily="34" charset="0"/>
+              </a:rPr>
+              <a:t> tin </a:t>
+            </a:r>
+            <a:r>
+              <a:rPr lang="en-US" sz="2900" dirty="0" err="1">
+                <a:latin typeface="Segoe UI" panose="020B0502040204020203" pitchFamily="34" charset="0"/>
+                <a:cs typeface="Segoe UI" panose="020B0502040204020203" pitchFamily="34" charset="0"/>
+              </a:rPr>
+              <a:t>nhạy</a:t>
+            </a:r>
+            <a:r>
+              <a:rPr lang="en-US" sz="2900" dirty="0">
+                <a:latin typeface="Segoe UI" panose="020B0502040204020203" pitchFamily="34" charset="0"/>
+                <a:cs typeface="Segoe UI" panose="020B0502040204020203" pitchFamily="34" charset="0"/>
+              </a:rPr>
+              <a:t> </a:t>
+            </a:r>
+            <a:r>
+              <a:rPr lang="en-US" sz="2900" dirty="0" err="1">
+                <a:latin typeface="Segoe UI" panose="020B0502040204020203" pitchFamily="34" charset="0"/>
+                <a:cs typeface="Segoe UI" panose="020B0502040204020203" pitchFamily="34" charset="0"/>
+              </a:rPr>
+              <a:t>cảm</a:t>
+            </a:r>
+            <a:r>
+              <a:rPr lang="en-US" sz="2900" dirty="0">
+                <a:latin typeface="Segoe UI" panose="020B0502040204020203" pitchFamily="34" charset="0"/>
+                <a:cs typeface="Segoe UI" panose="020B0502040204020203" pitchFamily="34" charset="0"/>
+              </a:rPr>
+              <a:t> </a:t>
+            </a:r>
+            <a:r>
+              <a:rPr lang="en-US" sz="2900" dirty="0" err="1">
+                <a:latin typeface="Segoe UI" panose="020B0502040204020203" pitchFamily="34" charset="0"/>
+                <a:cs typeface="Segoe UI" panose="020B0502040204020203" pitchFamily="34" charset="0"/>
+              </a:rPr>
+              <a:t>bằng</a:t>
+            </a:r>
+            <a:r>
+              <a:rPr lang="en-US" sz="2900" dirty="0">
+                <a:latin typeface="Segoe UI" panose="020B0502040204020203" pitchFamily="34" charset="0"/>
+                <a:cs typeface="Segoe UI" panose="020B0502040204020203" pitchFamily="34" charset="0"/>
+              </a:rPr>
+              <a:t> RNS </a:t>
+            </a:r>
+            <a:r>
+              <a:rPr lang="en-US" sz="2900" dirty="0" err="1">
+                <a:latin typeface="Segoe UI" panose="020B0502040204020203" pitchFamily="34" charset="0"/>
+                <a:cs typeface="Segoe UI" panose="020B0502040204020203" pitchFamily="34" charset="0"/>
+              </a:rPr>
+              <a:t>là</a:t>
+            </a:r>
+            <a:r>
+              <a:rPr lang="en-US" sz="2900" dirty="0">
+                <a:latin typeface="Segoe UI" panose="020B0502040204020203" pitchFamily="34" charset="0"/>
+                <a:cs typeface="Segoe UI" panose="020B0502040204020203" pitchFamily="34" charset="0"/>
+              </a:rPr>
+              <a:t> </a:t>
+            </a:r>
+            <a:r>
+              <a:rPr lang="en-US" sz="2900" dirty="0" err="1">
+                <a:latin typeface="Segoe UI" panose="020B0502040204020203" pitchFamily="34" charset="0"/>
+                <a:cs typeface="Segoe UI" panose="020B0502040204020203" pitchFamily="34" charset="0"/>
+              </a:rPr>
+              <a:t>một</a:t>
+            </a:r>
+            <a:r>
+              <a:rPr lang="en-US" sz="2900" dirty="0">
+                <a:latin typeface="Segoe UI" panose="020B0502040204020203" pitchFamily="34" charset="0"/>
+                <a:cs typeface="Segoe UI" panose="020B0502040204020203" pitchFamily="34" charset="0"/>
+              </a:rPr>
+              <a:t> ý </a:t>
+            </a:r>
+            <a:r>
+              <a:rPr lang="en-US" sz="2900" dirty="0" err="1">
+                <a:latin typeface="Segoe UI" panose="020B0502040204020203" pitchFamily="34" charset="0"/>
+                <a:cs typeface="Segoe UI" panose="020B0502040204020203" pitchFamily="34" charset="0"/>
+              </a:rPr>
+              <a:t>tưởng</a:t>
+            </a:r>
+            <a:r>
+              <a:rPr lang="en-US" sz="2900" dirty="0">
+                <a:latin typeface="Segoe UI" panose="020B0502040204020203" pitchFamily="34" charset="0"/>
+                <a:cs typeface="Segoe UI" panose="020B0502040204020203" pitchFamily="34" charset="0"/>
+              </a:rPr>
+              <a:t> </a:t>
+            </a:r>
+            <a:r>
+              <a:rPr lang="en-US" sz="2900" dirty="0" err="1">
+                <a:latin typeface="Segoe UI" panose="020B0502040204020203" pitchFamily="34" charset="0"/>
+                <a:cs typeface="Segoe UI" panose="020B0502040204020203" pitchFamily="34" charset="0"/>
+              </a:rPr>
+              <a:t>tồi</a:t>
+            </a:r>
+            <a:endParaRPr lang="vi-VN" sz="2900" dirty="0">
+              <a:latin typeface="Segoe UI" panose="020B0502040204020203" pitchFamily="34" charset="0"/>
+              <a:cs typeface="Segoe UI" panose="020B0502040204020203" pitchFamily="34" charset="0"/>
+            </a:endParaRPr>
+          </a:p>
+        </p:txBody>
+      </p:sp>
+      <p:pic>
+        <p:nvPicPr>
+          <p:cNvPr id="2" name="Picture 1"/>
+          <p:cNvPicPr>
+            <a:picLocks noChangeAspect="1"/>
+          </p:cNvPicPr>
+          <p:nvPr/>
+        </p:nvPicPr>
+        <p:blipFill>
+          <a:blip r:embed="rId2" cstate="print">
+            <a:extLst>
+              <a:ext uri="{28A0092B-C50C-407E-A947-70E740481C1C}">
+                <a14:useLocalDpi xmlns:a14="http://schemas.microsoft.com/office/drawing/2010/main" val="0"/>
+              </a:ext>
+            </a:extLst>
+          </a:blip>
+          <a:stretch>
+            <a:fillRect/>
+          </a:stretch>
+        </p:blipFill>
+        <p:spPr>
+          <a:xfrm>
+            <a:off x="2647604" y="2191727"/>
+            <a:ext cx="1080655" cy="1080655"/>
+          </a:xfrm>
+          <a:prstGeom prst="rect">
+            <a:avLst/>
+          </a:prstGeom>
+        </p:spPr>
+      </p:pic>
+      <p:cxnSp>
+        <p:nvCxnSpPr>
+          <p:cNvPr id="7" name="Straight Connector 6"/>
+          <p:cNvCxnSpPr/>
+          <p:nvPr/>
+        </p:nvCxnSpPr>
+        <p:spPr>
+          <a:xfrm flipV="1">
+            <a:off x="-109182" y="1388891"/>
+            <a:ext cx="12596883" cy="85067"/>
+          </a:xfrm>
+          <a:prstGeom prst="line">
+            <a:avLst/>
+          </a:prstGeom>
+          <a:ln w="47625">
+            <a:solidFill>
+              <a:schemeClr val="accent1">
+                <a:lumMod val="75000"/>
+              </a:schemeClr>
+            </a:solidFill>
+          </a:ln>
+          <a:effectLst>
+            <a:innerShdw blurRad="114300">
+              <a:prstClr val="black"/>
+            </a:innerShdw>
+            <a:softEdge rad="0"/>
+          </a:effectLst>
+        </p:spPr>
+        <p:style>
+          <a:lnRef idx="1">
+            <a:schemeClr val="accent1"/>
+          </a:lnRef>
+          <a:fillRef idx="0">
+            <a:schemeClr val="accent1"/>
+          </a:fillRef>
+          <a:effectRef idx="0">
+            <a:schemeClr val="accent1"/>
+          </a:effectRef>
+          <a:fontRef idx="minor">
+            <a:schemeClr val="tx1"/>
+          </a:fontRef>
+        </p:style>
+      </p:cxnSp>
+      <p:sp>
+        <p:nvSpPr>
+          <p:cNvPr id="9" name="TextBox 8"/>
+          <p:cNvSpPr txBox="1"/>
+          <p:nvPr/>
+        </p:nvSpPr>
+        <p:spPr>
+          <a:xfrm>
+            <a:off x="1828800" y="4800718"/>
+            <a:ext cx="8839200" cy="538609"/>
+          </a:xfrm>
+          <a:prstGeom prst="rect">
+            <a:avLst/>
+          </a:prstGeom>
+          <a:noFill/>
+        </p:spPr>
+        <p:txBody>
+          <a:bodyPr wrap="square" rtlCol="0">
+            <a:spAutoFit/>
+          </a:bodyPr>
+          <a:lstStyle/>
+          <a:p>
+            <a:r>
+              <a:rPr lang="en-US" sz="2900" dirty="0" err="1">
+                <a:latin typeface="Segoe UI" panose="020B0502040204020203" pitchFamily="34" charset="0"/>
+                <a:cs typeface="Segoe UI" panose="020B0502040204020203" pitchFamily="34" charset="0"/>
+              </a:rPr>
+              <a:t>Phụ</a:t>
+            </a:r>
+            <a:r>
+              <a:rPr lang="en-US" sz="2900" dirty="0">
+                <a:latin typeface="Segoe UI" panose="020B0502040204020203" pitchFamily="34" charset="0"/>
+                <a:cs typeface="Segoe UI" panose="020B0502040204020203" pitchFamily="34" charset="0"/>
+              </a:rPr>
+              <a:t> </a:t>
+            </a:r>
+            <a:r>
+              <a:rPr lang="en-US" sz="2900" dirty="0" err="1">
+                <a:latin typeface="Segoe UI" panose="020B0502040204020203" pitchFamily="34" charset="0"/>
+                <a:cs typeface="Segoe UI" panose="020B0502040204020203" pitchFamily="34" charset="0"/>
+              </a:rPr>
+              <a:t>thuộc</a:t>
+            </a:r>
+            <a:r>
+              <a:rPr lang="en-US" sz="2900" dirty="0">
+                <a:latin typeface="Segoe UI" panose="020B0502040204020203" pitchFamily="34" charset="0"/>
+                <a:cs typeface="Segoe UI" panose="020B0502040204020203" pitchFamily="34" charset="0"/>
+              </a:rPr>
+              <a:t> </a:t>
+            </a:r>
+            <a:r>
+              <a:rPr lang="en-US" sz="2900" dirty="0" err="1">
+                <a:latin typeface="Segoe UI" panose="020B0502040204020203" pitchFamily="34" charset="0"/>
+                <a:cs typeface="Segoe UI" panose="020B0502040204020203" pitchFamily="34" charset="0"/>
+              </a:rPr>
+              <a:t>vào</a:t>
+            </a:r>
+            <a:r>
+              <a:rPr lang="en-US" sz="2900" dirty="0">
+                <a:latin typeface="Segoe UI" panose="020B0502040204020203" pitchFamily="34" charset="0"/>
+                <a:cs typeface="Segoe UI" panose="020B0502040204020203" pitchFamily="34" charset="0"/>
+              </a:rPr>
+              <a:t> Internet </a:t>
+            </a:r>
+            <a:r>
+              <a:rPr lang="en-US" sz="2900" dirty="0" err="1">
+                <a:latin typeface="Segoe UI" panose="020B0502040204020203" pitchFamily="34" charset="0"/>
+                <a:cs typeface="Segoe UI" panose="020B0502040204020203" pitchFamily="34" charset="0"/>
+              </a:rPr>
+              <a:t>quốc</a:t>
+            </a:r>
+            <a:r>
+              <a:rPr lang="en-US" sz="2900" dirty="0">
+                <a:latin typeface="Segoe UI" panose="020B0502040204020203" pitchFamily="34" charset="0"/>
+                <a:cs typeface="Segoe UI" panose="020B0502040204020203" pitchFamily="34" charset="0"/>
+              </a:rPr>
+              <a:t> </a:t>
+            </a:r>
+            <a:r>
+              <a:rPr lang="en-US" sz="2900" dirty="0" err="1">
+                <a:latin typeface="Segoe UI" panose="020B0502040204020203" pitchFamily="34" charset="0"/>
+                <a:cs typeface="Segoe UI" panose="020B0502040204020203" pitchFamily="34" charset="0"/>
+              </a:rPr>
+              <a:t>tế</a:t>
+            </a:r>
+            <a:endParaRPr lang="vi-VN" sz="2900" dirty="0">
+              <a:latin typeface="Segoe UI" panose="020B0502040204020203" pitchFamily="34" charset="0"/>
+              <a:cs typeface="Segoe UI" panose="020B0502040204020203" pitchFamily="34" charset="0"/>
+            </a:endParaRPr>
+          </a:p>
+        </p:txBody>
+      </p:sp>
+    </p:spTree>
+    <p:extLst>
+      <p:ext uri="{BB962C8B-B14F-4D97-AF65-F5344CB8AC3E}">
+        <p14:creationId xmlns:p14="http://schemas.microsoft.com/office/powerpoint/2010/main" val="1392155971"/>
+      </p:ext>
+    </p:extLst>
+  </p:cSld>
+  <p:clrMapOvr>
+    <a:masterClrMapping/>
+  </p:clrMapOvr>
+  <mc:AlternateContent xmlns:mc="http://schemas.openxmlformats.org/markup-compatibility/2006" xmlns:p14="http://schemas.microsoft.com/office/powerpoint/2010/main">
+    <mc:Choice Requires="p14">
+      <p:transition spd="med" p14:dur="700">
+        <p:fade/>
+      </p:transition>
+    </mc:Choice>
+    <mc:Fallback xmlns="">
+      <p:transition spd="med">
+        <p:fade/>
+      </p:transition>
+    </mc:Fallback>
+  </mc:AlternateContent>
+  <p:timing>
+    <p:tnLst>
+      <p:par>
+        <p:cTn id="1" dur="indefinite" restart="never" nodeType="tmRoot">
+          <p:childTnLst>
+            <p:seq concurrent="1" nextAc="seek">
+              <p:cTn id="2" dur="indefinite" nodeType="mainSeq">
+                <p:childTnLst>
+                  <p:par>
+                    <p:cTn id="3" fill="hold">
+                      <p:stCondLst>
+                        <p:cond delay="indefinite"/>
+                      </p:stCondLst>
+                      <p:childTnLst>
+                        <p:par>
+                          <p:cTn id="4" fill="hold">
+                            <p:stCondLst>
+                              <p:cond delay="0"/>
+                            </p:stCondLst>
+                            <p:childTnLst>
+                              <p:par>
+                                <p:cTn id="5" presetID="21" presetClass="entr" presetSubtype="8" fill="hold" nodeType="clickEffect">
+                                  <p:stCondLst>
+                                    <p:cond delay="0"/>
+                                  </p:stCondLst>
+                                  <p:childTnLst>
+                                    <p:set>
+                                      <p:cBhvr>
+                                        <p:cTn id="6" dur="1" fill="hold">
+                                          <p:stCondLst>
+                                            <p:cond delay="0"/>
+                                          </p:stCondLst>
+                                        </p:cTn>
+                                        <p:tgtEl>
+                                          <p:spTgt spid="2"/>
+                                        </p:tgtEl>
+                                        <p:attrNameLst>
+                                          <p:attrName>style.visibility</p:attrName>
+                                        </p:attrNameLst>
+                                      </p:cBhvr>
+                                      <p:to>
+                                        <p:strVal val="visible"/>
+                                      </p:to>
+                                    </p:set>
+                                    <p:animEffect transition="in" filter="wheel(8)">
+                                      <p:cBhvr>
+                                        <p:cTn id="7" dur="2000"/>
+                                        <p:tgtEl>
+                                          <p:spTgt spid="2"/>
+                                        </p:tgtEl>
+                                      </p:cBhvr>
+                                    </p:animEffect>
+                                  </p:childTnLst>
+                                </p:cTn>
+                              </p:par>
+                            </p:childTnLst>
+                          </p:cTn>
+                        </p:par>
+                        <p:par>
+                          <p:cTn id="8" fill="hold">
+                            <p:stCondLst>
+                              <p:cond delay="2000"/>
+                            </p:stCondLst>
+                            <p:childTnLst>
+                              <p:par>
+                                <p:cTn id="9" presetID="22" presetClass="entr" presetSubtype="8" fill="hold" grpId="0" nodeType="afterEffect">
+                                  <p:stCondLst>
+                                    <p:cond delay="0"/>
+                                  </p:stCondLst>
+                                  <p:childTnLst>
+                                    <p:set>
+                                      <p:cBhvr>
+                                        <p:cTn id="10" dur="1" fill="hold">
+                                          <p:stCondLst>
+                                            <p:cond delay="0"/>
+                                          </p:stCondLst>
+                                        </p:cTn>
+                                        <p:tgtEl>
+                                          <p:spTgt spid="5"/>
+                                        </p:tgtEl>
+                                        <p:attrNameLst>
+                                          <p:attrName>style.visibility</p:attrName>
+                                        </p:attrNameLst>
+                                      </p:cBhvr>
+                                      <p:to>
+                                        <p:strVal val="visible"/>
+                                      </p:to>
+                                    </p:set>
+                                    <p:animEffect transition="in" filter="wipe(left)">
+                                      <p:cBhvr>
+                                        <p:cTn id="11" dur="500"/>
+                                        <p:tgtEl>
+                                          <p:spTgt spid="5"/>
+                                        </p:tgtEl>
+                                      </p:cBhvr>
+                                    </p:animEffect>
+                                  </p:childTnLst>
+                                </p:cTn>
+                              </p:par>
+                            </p:childTnLst>
+                          </p:cTn>
+                        </p:par>
+                      </p:childTnLst>
+                    </p:cTn>
+                  </p:par>
+                  <p:par>
+                    <p:cTn id="12" fill="hold">
+                      <p:stCondLst>
+                        <p:cond delay="indefinite"/>
+                      </p:stCondLst>
+                      <p:childTnLst>
+                        <p:par>
+                          <p:cTn id="13" fill="hold">
+                            <p:stCondLst>
+                              <p:cond delay="0"/>
+                            </p:stCondLst>
+                            <p:childTnLst>
+                              <p:par>
+                                <p:cTn id="14" presetID="2" presetClass="entr" presetSubtype="4" fill="hold" grpId="0" nodeType="clickEffect">
+                                  <p:stCondLst>
+                                    <p:cond delay="0"/>
+                                  </p:stCondLst>
+                                  <p:childTnLst>
+                                    <p:set>
+                                      <p:cBhvr>
+                                        <p:cTn id="15" dur="1" fill="hold">
+                                          <p:stCondLst>
+                                            <p:cond delay="0"/>
+                                          </p:stCondLst>
+                                        </p:cTn>
+                                        <p:tgtEl>
+                                          <p:spTgt spid="21"/>
+                                        </p:tgtEl>
+                                        <p:attrNameLst>
+                                          <p:attrName>style.visibility</p:attrName>
+                                        </p:attrNameLst>
+                                      </p:cBhvr>
+                                      <p:to>
+                                        <p:strVal val="visible"/>
+                                      </p:to>
+                                    </p:set>
+                                    <p:anim calcmode="lin" valueType="num">
+                                      <p:cBhvr additive="base">
+                                        <p:cTn id="16" dur="500" fill="hold"/>
+                                        <p:tgtEl>
+                                          <p:spTgt spid="21"/>
+                                        </p:tgtEl>
+                                        <p:attrNameLst>
+                                          <p:attrName>ppt_x</p:attrName>
+                                        </p:attrNameLst>
+                                      </p:cBhvr>
+                                      <p:tavLst>
+                                        <p:tav tm="0">
+                                          <p:val>
+                                            <p:strVal val="#ppt_x"/>
+                                          </p:val>
+                                        </p:tav>
+                                        <p:tav tm="100000">
+                                          <p:val>
+                                            <p:strVal val="#ppt_x"/>
+                                          </p:val>
+                                        </p:tav>
+                                      </p:tavLst>
+                                    </p:anim>
+                                    <p:anim calcmode="lin" valueType="num">
+                                      <p:cBhvr additive="base">
+                                        <p:cTn id="17" dur="500" fill="hold"/>
+                                        <p:tgtEl>
+                                          <p:spTgt spid="21"/>
+                                        </p:tgtEl>
+                                        <p:attrNameLst>
+                                          <p:attrName>ppt_y</p:attrName>
+                                        </p:attrNameLst>
+                                      </p:cBhvr>
+                                      <p:tavLst>
+                                        <p:tav tm="0">
+                                          <p:val>
+                                            <p:strVal val="1+#ppt_h/2"/>
+                                          </p:val>
+                                        </p:tav>
+                                        <p:tav tm="100000">
+                                          <p:val>
+                                            <p:strVal val="#ppt_y"/>
+                                          </p:val>
+                                        </p:tav>
+                                      </p:tavLst>
+                                    </p:anim>
+                                  </p:childTnLst>
+                                </p:cTn>
+                              </p:par>
+                            </p:childTnLst>
+                          </p:cTn>
+                        </p:par>
+                      </p:childTnLst>
+                    </p:cTn>
+                  </p:par>
+                  <p:par>
+                    <p:cTn id="18" fill="hold">
+                      <p:stCondLst>
+                        <p:cond delay="indefinite"/>
+                      </p:stCondLst>
+                      <p:childTnLst>
+                        <p:par>
+                          <p:cTn id="19" fill="hold">
+                            <p:stCondLst>
+                              <p:cond delay="0"/>
+                            </p:stCondLst>
+                            <p:childTnLst>
+                              <p:par>
+                                <p:cTn id="20" presetID="2" presetClass="entr" presetSubtype="4" fill="hold" grpId="0" nodeType="clickEffect">
+                                  <p:stCondLst>
+                                    <p:cond delay="0"/>
+                                  </p:stCondLst>
+                                  <p:childTnLst>
+                                    <p:set>
+                                      <p:cBhvr>
+                                        <p:cTn id="21" dur="1" fill="hold">
+                                          <p:stCondLst>
+                                            <p:cond delay="0"/>
+                                          </p:stCondLst>
+                                        </p:cTn>
+                                        <p:tgtEl>
+                                          <p:spTgt spid="9"/>
+                                        </p:tgtEl>
+                                        <p:attrNameLst>
+                                          <p:attrName>style.visibility</p:attrName>
+                                        </p:attrNameLst>
+                                      </p:cBhvr>
+                                      <p:to>
+                                        <p:strVal val="visible"/>
+                                      </p:to>
+                                    </p:set>
+                                    <p:anim calcmode="lin" valueType="num">
+                                      <p:cBhvr additive="base">
+                                        <p:cTn id="22" dur="500" fill="hold"/>
+                                        <p:tgtEl>
+                                          <p:spTgt spid="9"/>
+                                        </p:tgtEl>
+                                        <p:attrNameLst>
+                                          <p:attrName>ppt_x</p:attrName>
+                                        </p:attrNameLst>
+                                      </p:cBhvr>
+                                      <p:tavLst>
+                                        <p:tav tm="0">
+                                          <p:val>
+                                            <p:strVal val="#ppt_x"/>
+                                          </p:val>
+                                        </p:tav>
+                                        <p:tav tm="100000">
+                                          <p:val>
+                                            <p:strVal val="#ppt_x"/>
+                                          </p:val>
+                                        </p:tav>
+                                      </p:tavLst>
+                                    </p:anim>
+                                    <p:anim calcmode="lin" valueType="num">
+                                      <p:cBhvr additive="base">
+                                        <p:cTn id="23" dur="500" fill="hold"/>
+                                        <p:tgtEl>
+                                          <p:spTgt spid="9"/>
+                                        </p:tgtEl>
+                                        <p:attrNameLst>
+                                          <p:attrName>ppt_y</p:attrName>
+                                        </p:attrNameLst>
+                                      </p:cBhvr>
+                                      <p:tavLst>
+                                        <p:tav tm="0">
+                                          <p:val>
+                                            <p:strVal val="1+#ppt_h/2"/>
+                                          </p:val>
+                                        </p:tav>
+                                        <p:tav tm="100000">
+                                          <p:val>
+                                            <p:strVal val="#ppt_y"/>
+                                          </p:val>
+                                        </p:tav>
+                                      </p:tavLst>
+                                    </p:anim>
+                                  </p:childTnLst>
+                                </p:cTn>
+                              </p:par>
+                            </p:childTnLst>
+                          </p:cTn>
+                        </p:par>
+                      </p:childTnLst>
+                    </p:cTn>
+                  </p:par>
+                </p:childTnLst>
+              </p:cTn>
+              <p:prevCondLst>
+                <p:cond evt="onPrev" delay="0">
+                  <p:tgtEl>
+                    <p:sldTgt/>
+                  </p:tgtEl>
+                </p:cond>
+              </p:prevCondLst>
+              <p:nextCondLst>
+                <p:cond evt="onNext" delay="0">
+                  <p:tgtEl>
+                    <p:sldTgt/>
+                  </p:tgtEl>
+                </p:cond>
+              </p:nextCondLst>
+            </p:seq>
+          </p:childTnLst>
+        </p:cTn>
+      </p:par>
+    </p:tnLst>
+    <p:bldLst>
+      <p:bldP spid="5" grpId="0"/>
+      <p:bldP spid="21" grpId="0"/>
+      <p:bldP spid="9" grpId="0"/>
+    </p:bldLst>
+  </p:timing>
+</p:sld>
+</file>
+
+<file path=ppt/slides/slide11.xml><?xml version="1.0" encoding="utf-8"?>
+<p:sld xmlns:a="http://schemas.openxmlformats.org/drawingml/2006/main" xmlns:r="http://schemas.openxmlformats.org/officeDocument/2006/relationships" xmlns:p="http://schemas.openxmlformats.org/presentationml/2006/main">
+  <p:cSld>
+    <p:spTree>
+      <p:nvGrpSpPr>
+        <p:cNvPr id="1" name=""/>
+        <p:cNvGrpSpPr/>
+        <p:nvPr/>
+      </p:nvGrpSpPr>
+      <p:grpSpPr>
+        <a:xfrm>
+          <a:off x="0" y="0"/>
+          <a:ext cx="0" cy="0"/>
+          <a:chOff x="0" y="0"/>
+          <a:chExt cx="0" cy="0"/>
+        </a:xfrm>
+      </p:grpSpPr>
+      <p:sp>
+        <p:nvSpPr>
           <p:cNvPr id="4" name="Title 3"/>
           <p:cNvSpPr>
             <a:spLocks noGrp="1"/>
@@ -4159,9 +5263,9 @@
           <p:nvPr/>
         </p:nvCxnSpPr>
         <p:spPr>
-          <a:xfrm flipV="1">
-            <a:off x="1232223" y="4505312"/>
-            <a:ext cx="9718031" cy="57165"/>
+          <a:xfrm>
+            <a:off x="0" y="4562475"/>
+            <a:ext cx="12192000" cy="0"/>
           </a:xfrm>
           <a:prstGeom prst="line">
             <a:avLst/>
@@ -4456,7 +5560,7 @@
 </p:sld>
 </file>
 
-<file path=ppt/slides/slide11.xml><?xml version="1.0" encoding="utf-8"?>
+<file path=ppt/slides/slide12.xml><?xml version="1.0" encoding="utf-8"?>
 <p:sld xmlns:a="http://schemas.openxmlformats.org/drawingml/2006/main" xmlns:r="http://schemas.openxmlformats.org/officeDocument/2006/relationships" xmlns:p="http://schemas.openxmlformats.org/presentationml/2006/main">
   <p:cSld>
     <p:spTree>
@@ -4563,16 +5667,245 @@
           </a:p>
         </p:txBody>
       </p:sp>
+      <p:sp>
+        <p:nvSpPr>
+          <p:cNvPr id="9" name="Text Placeholder 5"/>
+          <p:cNvSpPr txBox="1">
+            <a:spLocks/>
+          </p:cNvSpPr>
+          <p:nvPr/>
+        </p:nvSpPr>
+        <p:spPr>
+          <a:xfrm>
+            <a:off x="2355632" y="4589467"/>
+            <a:ext cx="10512862" cy="1500187"/>
+          </a:xfrm>
+          <a:prstGeom prst="rect">
+            <a:avLst/>
+          </a:prstGeom>
+        </p:spPr>
+        <p:txBody>
+          <a:bodyPr vert="horz" lIns="91440" tIns="45720" rIns="91440" bIns="45720" rtlCol="0">
+            <a:normAutofit/>
+          </a:bodyPr>
+          <a:lstStyle>
+            <a:lvl1pPr marL="0" indent="0" algn="l" defTabSz="914141" rtl="0" eaLnBrk="1" latinLnBrk="0" hangingPunct="1">
+              <a:lnSpc>
+                <a:spcPct val="90000"/>
+              </a:lnSpc>
+              <a:spcBef>
+                <a:spcPts val="1000"/>
+              </a:spcBef>
+              <a:buFont typeface="Arial" panose="020B0604020202020204" pitchFamily="34" charset="0"/>
+              <a:buNone/>
+              <a:defRPr sz="2399" kern="1200">
+                <a:solidFill>
+                  <a:schemeClr val="tx1">
+                    <a:tint val="75000"/>
+                  </a:schemeClr>
+                </a:solidFill>
+                <a:latin typeface="+mn-lt"/>
+                <a:ea typeface="+mn-ea"/>
+                <a:cs typeface="+mn-cs"/>
+              </a:defRPr>
+            </a:lvl1pPr>
+            <a:lvl2pPr marL="457071" indent="0" algn="l" defTabSz="914141" rtl="0" eaLnBrk="1" latinLnBrk="0" hangingPunct="1">
+              <a:lnSpc>
+                <a:spcPct val="90000"/>
+              </a:lnSpc>
+              <a:spcBef>
+                <a:spcPts val="500"/>
+              </a:spcBef>
+              <a:buFont typeface="Arial" panose="020B0604020202020204" pitchFamily="34" charset="0"/>
+              <a:buNone/>
+              <a:defRPr sz="2000" kern="1200">
+                <a:solidFill>
+                  <a:schemeClr val="tx1">
+                    <a:tint val="75000"/>
+                  </a:schemeClr>
+                </a:solidFill>
+                <a:latin typeface="+mn-lt"/>
+                <a:ea typeface="+mn-ea"/>
+                <a:cs typeface="+mn-cs"/>
+              </a:defRPr>
+            </a:lvl2pPr>
+            <a:lvl3pPr marL="914141" indent="0" algn="l" defTabSz="914141" rtl="0" eaLnBrk="1" latinLnBrk="0" hangingPunct="1">
+              <a:lnSpc>
+                <a:spcPct val="90000"/>
+              </a:lnSpc>
+              <a:spcBef>
+                <a:spcPts val="500"/>
+              </a:spcBef>
+              <a:buFont typeface="Arial" panose="020B0604020202020204" pitchFamily="34" charset="0"/>
+              <a:buNone/>
+              <a:defRPr sz="1800" kern="1200">
+                <a:solidFill>
+                  <a:schemeClr val="tx1">
+                    <a:tint val="75000"/>
+                  </a:schemeClr>
+                </a:solidFill>
+                <a:latin typeface="+mn-lt"/>
+                <a:ea typeface="+mn-ea"/>
+                <a:cs typeface="+mn-cs"/>
+              </a:defRPr>
+            </a:lvl3pPr>
+            <a:lvl4pPr marL="1371212" indent="0" algn="l" defTabSz="914141" rtl="0" eaLnBrk="1" latinLnBrk="0" hangingPunct="1">
+              <a:lnSpc>
+                <a:spcPct val="90000"/>
+              </a:lnSpc>
+              <a:spcBef>
+                <a:spcPts val="500"/>
+              </a:spcBef>
+              <a:buFont typeface="Arial" panose="020B0604020202020204" pitchFamily="34" charset="0"/>
+              <a:buNone/>
+              <a:defRPr sz="1600" kern="1200">
+                <a:solidFill>
+                  <a:schemeClr val="tx1">
+                    <a:tint val="75000"/>
+                  </a:schemeClr>
+                </a:solidFill>
+                <a:latin typeface="+mn-lt"/>
+                <a:ea typeface="+mn-ea"/>
+                <a:cs typeface="+mn-cs"/>
+              </a:defRPr>
+            </a:lvl4pPr>
+            <a:lvl5pPr marL="1828281" indent="0" algn="l" defTabSz="914141" rtl="0" eaLnBrk="1" latinLnBrk="0" hangingPunct="1">
+              <a:lnSpc>
+                <a:spcPct val="90000"/>
+              </a:lnSpc>
+              <a:spcBef>
+                <a:spcPts val="500"/>
+              </a:spcBef>
+              <a:buFont typeface="Arial" panose="020B0604020202020204" pitchFamily="34" charset="0"/>
+              <a:buNone/>
+              <a:defRPr sz="1600" kern="1200">
+                <a:solidFill>
+                  <a:schemeClr val="tx1">
+                    <a:tint val="75000"/>
+                  </a:schemeClr>
+                </a:solidFill>
+                <a:latin typeface="+mn-lt"/>
+                <a:ea typeface="+mn-ea"/>
+                <a:cs typeface="+mn-cs"/>
+              </a:defRPr>
+            </a:lvl5pPr>
+            <a:lvl6pPr marL="2285353" indent="0" algn="l" defTabSz="914141" rtl="0" eaLnBrk="1" latinLnBrk="0" hangingPunct="1">
+              <a:lnSpc>
+                <a:spcPct val="90000"/>
+              </a:lnSpc>
+              <a:spcBef>
+                <a:spcPts val="500"/>
+              </a:spcBef>
+              <a:buFont typeface="Arial" panose="020B0604020202020204" pitchFamily="34" charset="0"/>
+              <a:buNone/>
+              <a:defRPr sz="1600" kern="1200">
+                <a:solidFill>
+                  <a:schemeClr val="tx1">
+                    <a:tint val="75000"/>
+                  </a:schemeClr>
+                </a:solidFill>
+                <a:latin typeface="+mn-lt"/>
+                <a:ea typeface="+mn-ea"/>
+                <a:cs typeface="+mn-cs"/>
+              </a:defRPr>
+            </a:lvl6pPr>
+            <a:lvl7pPr marL="2742422" indent="0" algn="l" defTabSz="914141" rtl="0" eaLnBrk="1" latinLnBrk="0" hangingPunct="1">
+              <a:lnSpc>
+                <a:spcPct val="90000"/>
+              </a:lnSpc>
+              <a:spcBef>
+                <a:spcPts val="500"/>
+              </a:spcBef>
+              <a:buFont typeface="Arial" panose="020B0604020202020204" pitchFamily="34" charset="0"/>
+              <a:buNone/>
+              <a:defRPr sz="1600" kern="1200">
+                <a:solidFill>
+                  <a:schemeClr val="tx1">
+                    <a:tint val="75000"/>
+                  </a:schemeClr>
+                </a:solidFill>
+                <a:latin typeface="+mn-lt"/>
+                <a:ea typeface="+mn-ea"/>
+                <a:cs typeface="+mn-cs"/>
+              </a:defRPr>
+            </a:lvl7pPr>
+            <a:lvl8pPr marL="3199493" indent="0" algn="l" defTabSz="914141" rtl="0" eaLnBrk="1" latinLnBrk="0" hangingPunct="1">
+              <a:lnSpc>
+                <a:spcPct val="90000"/>
+              </a:lnSpc>
+              <a:spcBef>
+                <a:spcPts val="500"/>
+              </a:spcBef>
+              <a:buFont typeface="Arial" panose="020B0604020202020204" pitchFamily="34" charset="0"/>
+              <a:buNone/>
+              <a:defRPr sz="1600" kern="1200">
+                <a:solidFill>
+                  <a:schemeClr val="tx1">
+                    <a:tint val="75000"/>
+                  </a:schemeClr>
+                </a:solidFill>
+                <a:latin typeface="+mn-lt"/>
+                <a:ea typeface="+mn-ea"/>
+                <a:cs typeface="+mn-cs"/>
+              </a:defRPr>
+            </a:lvl8pPr>
+            <a:lvl9pPr marL="3656564" indent="0" algn="l" defTabSz="914141" rtl="0" eaLnBrk="1" latinLnBrk="0" hangingPunct="1">
+              <a:lnSpc>
+                <a:spcPct val="90000"/>
+              </a:lnSpc>
+              <a:spcBef>
+                <a:spcPts val="500"/>
+              </a:spcBef>
+              <a:buFont typeface="Arial" panose="020B0604020202020204" pitchFamily="34" charset="0"/>
+              <a:buNone/>
+              <a:defRPr sz="1600" kern="1200">
+                <a:solidFill>
+                  <a:schemeClr val="tx1">
+                    <a:tint val="75000"/>
+                  </a:schemeClr>
+                </a:solidFill>
+                <a:latin typeface="+mn-lt"/>
+                <a:ea typeface="+mn-ea"/>
+                <a:cs typeface="+mn-cs"/>
+              </a:defRPr>
+            </a:lvl9pPr>
+          </a:lstStyle>
+          <a:p>
+            <a:pPr>
+              <a:defRPr/>
+            </a:pPr>
+            <a:r>
+              <a:rPr lang="en-US" dirty="0">
+                <a:solidFill>
+                  <a:sysClr val="windowText" lastClr="000000">
+                    <a:tint val="75000"/>
+                  </a:sysClr>
+                </a:solidFill>
+                <a:latin typeface="Calibri" panose="020F0502020204030204"/>
+              </a:rPr>
+              <a:t>Raw Notification Service</a:t>
+            </a:r>
+            <a:endParaRPr lang="en-US" dirty="0">
+              <a:solidFill>
+                <a:sysClr val="windowText" lastClr="000000">
+                  <a:tint val="75000"/>
+                </a:sysClr>
+              </a:solidFill>
+              <a:latin typeface="Calibri" panose="020F0502020204030204"/>
+            </a:endParaRPr>
+          </a:p>
+        </p:txBody>
+      </p:sp>
       <p:cxnSp>
         <p:nvCxnSpPr>
-          <p:cNvPr id="6" name="Straight Connector 5"/>
+          <p:cNvPr id="5" name="Straight Connector 4"/>
           <p:cNvCxnSpPr/>
           <p:nvPr/>
         </p:nvCxnSpPr>
         <p:spPr>
-          <a:xfrm flipV="1">
-            <a:off x="1232223" y="4505312"/>
-            <a:ext cx="9718031" cy="57165"/>
+          <a:xfrm>
+            <a:off x="0" y="4562475"/>
+            <a:ext cx="12192000" cy="0"/>
           </a:xfrm>
           <a:prstGeom prst="line">
             <a:avLst/>
@@ -4606,235 +5939,6 @@
           </a:fontRef>
         </p:style>
       </p:cxnSp>
-      <p:sp>
-        <p:nvSpPr>
-          <p:cNvPr id="9" name="Text Placeholder 5"/>
-          <p:cNvSpPr txBox="1">
-            <a:spLocks/>
-          </p:cNvSpPr>
-          <p:nvPr/>
-        </p:nvSpPr>
-        <p:spPr>
-          <a:xfrm>
-            <a:off x="2355632" y="4589467"/>
-            <a:ext cx="10512862" cy="1500187"/>
-          </a:xfrm>
-          <a:prstGeom prst="rect">
-            <a:avLst/>
-          </a:prstGeom>
-        </p:spPr>
-        <p:txBody>
-          <a:bodyPr vert="horz" lIns="91440" tIns="45720" rIns="91440" bIns="45720" rtlCol="0">
-            <a:normAutofit/>
-          </a:bodyPr>
-          <a:lstStyle>
-            <a:lvl1pPr marL="0" indent="0" algn="l" defTabSz="914141" rtl="0" eaLnBrk="1" latinLnBrk="0" hangingPunct="1">
-              <a:lnSpc>
-                <a:spcPct val="90000"/>
-              </a:lnSpc>
-              <a:spcBef>
-                <a:spcPts val="1000"/>
-              </a:spcBef>
-              <a:buFont typeface="Arial" panose="020B0604020202020204" pitchFamily="34" charset="0"/>
-              <a:buNone/>
-              <a:defRPr sz="2399" kern="1200">
-                <a:solidFill>
-                  <a:schemeClr val="tx1">
-                    <a:tint val="75000"/>
-                  </a:schemeClr>
-                </a:solidFill>
-                <a:latin typeface="+mn-lt"/>
-                <a:ea typeface="+mn-ea"/>
-                <a:cs typeface="+mn-cs"/>
-              </a:defRPr>
-            </a:lvl1pPr>
-            <a:lvl2pPr marL="457071" indent="0" algn="l" defTabSz="914141" rtl="0" eaLnBrk="1" latinLnBrk="0" hangingPunct="1">
-              <a:lnSpc>
-                <a:spcPct val="90000"/>
-              </a:lnSpc>
-              <a:spcBef>
-                <a:spcPts val="500"/>
-              </a:spcBef>
-              <a:buFont typeface="Arial" panose="020B0604020202020204" pitchFamily="34" charset="0"/>
-              <a:buNone/>
-              <a:defRPr sz="2000" kern="1200">
-                <a:solidFill>
-                  <a:schemeClr val="tx1">
-                    <a:tint val="75000"/>
-                  </a:schemeClr>
-                </a:solidFill>
-                <a:latin typeface="+mn-lt"/>
-                <a:ea typeface="+mn-ea"/>
-                <a:cs typeface="+mn-cs"/>
-              </a:defRPr>
-            </a:lvl2pPr>
-            <a:lvl3pPr marL="914141" indent="0" algn="l" defTabSz="914141" rtl="0" eaLnBrk="1" latinLnBrk="0" hangingPunct="1">
-              <a:lnSpc>
-                <a:spcPct val="90000"/>
-              </a:lnSpc>
-              <a:spcBef>
-                <a:spcPts val="500"/>
-              </a:spcBef>
-              <a:buFont typeface="Arial" panose="020B0604020202020204" pitchFamily="34" charset="0"/>
-              <a:buNone/>
-              <a:defRPr sz="1800" kern="1200">
-                <a:solidFill>
-                  <a:schemeClr val="tx1">
-                    <a:tint val="75000"/>
-                  </a:schemeClr>
-                </a:solidFill>
-                <a:latin typeface="+mn-lt"/>
-                <a:ea typeface="+mn-ea"/>
-                <a:cs typeface="+mn-cs"/>
-              </a:defRPr>
-            </a:lvl3pPr>
-            <a:lvl4pPr marL="1371212" indent="0" algn="l" defTabSz="914141" rtl="0" eaLnBrk="1" latinLnBrk="0" hangingPunct="1">
-              <a:lnSpc>
-                <a:spcPct val="90000"/>
-              </a:lnSpc>
-              <a:spcBef>
-                <a:spcPts val="500"/>
-              </a:spcBef>
-              <a:buFont typeface="Arial" panose="020B0604020202020204" pitchFamily="34" charset="0"/>
-              <a:buNone/>
-              <a:defRPr sz="1600" kern="1200">
-                <a:solidFill>
-                  <a:schemeClr val="tx1">
-                    <a:tint val="75000"/>
-                  </a:schemeClr>
-                </a:solidFill>
-                <a:latin typeface="+mn-lt"/>
-                <a:ea typeface="+mn-ea"/>
-                <a:cs typeface="+mn-cs"/>
-              </a:defRPr>
-            </a:lvl4pPr>
-            <a:lvl5pPr marL="1828281" indent="0" algn="l" defTabSz="914141" rtl="0" eaLnBrk="1" latinLnBrk="0" hangingPunct="1">
-              <a:lnSpc>
-                <a:spcPct val="90000"/>
-              </a:lnSpc>
-              <a:spcBef>
-                <a:spcPts val="500"/>
-              </a:spcBef>
-              <a:buFont typeface="Arial" panose="020B0604020202020204" pitchFamily="34" charset="0"/>
-              <a:buNone/>
-              <a:defRPr sz="1600" kern="1200">
-                <a:solidFill>
-                  <a:schemeClr val="tx1">
-                    <a:tint val="75000"/>
-                  </a:schemeClr>
-                </a:solidFill>
-                <a:latin typeface="+mn-lt"/>
-                <a:ea typeface="+mn-ea"/>
-                <a:cs typeface="+mn-cs"/>
-              </a:defRPr>
-            </a:lvl5pPr>
-            <a:lvl6pPr marL="2285353" indent="0" algn="l" defTabSz="914141" rtl="0" eaLnBrk="1" latinLnBrk="0" hangingPunct="1">
-              <a:lnSpc>
-                <a:spcPct val="90000"/>
-              </a:lnSpc>
-              <a:spcBef>
-                <a:spcPts val="500"/>
-              </a:spcBef>
-              <a:buFont typeface="Arial" panose="020B0604020202020204" pitchFamily="34" charset="0"/>
-              <a:buNone/>
-              <a:defRPr sz="1600" kern="1200">
-                <a:solidFill>
-                  <a:schemeClr val="tx1">
-                    <a:tint val="75000"/>
-                  </a:schemeClr>
-                </a:solidFill>
-                <a:latin typeface="+mn-lt"/>
-                <a:ea typeface="+mn-ea"/>
-                <a:cs typeface="+mn-cs"/>
-              </a:defRPr>
-            </a:lvl6pPr>
-            <a:lvl7pPr marL="2742422" indent="0" algn="l" defTabSz="914141" rtl="0" eaLnBrk="1" latinLnBrk="0" hangingPunct="1">
-              <a:lnSpc>
-                <a:spcPct val="90000"/>
-              </a:lnSpc>
-              <a:spcBef>
-                <a:spcPts val="500"/>
-              </a:spcBef>
-              <a:buFont typeface="Arial" panose="020B0604020202020204" pitchFamily="34" charset="0"/>
-              <a:buNone/>
-              <a:defRPr sz="1600" kern="1200">
-                <a:solidFill>
-                  <a:schemeClr val="tx1">
-                    <a:tint val="75000"/>
-                  </a:schemeClr>
-                </a:solidFill>
-                <a:latin typeface="+mn-lt"/>
-                <a:ea typeface="+mn-ea"/>
-                <a:cs typeface="+mn-cs"/>
-              </a:defRPr>
-            </a:lvl7pPr>
-            <a:lvl8pPr marL="3199493" indent="0" algn="l" defTabSz="914141" rtl="0" eaLnBrk="1" latinLnBrk="0" hangingPunct="1">
-              <a:lnSpc>
-                <a:spcPct val="90000"/>
-              </a:lnSpc>
-              <a:spcBef>
-                <a:spcPts val="500"/>
-              </a:spcBef>
-              <a:buFont typeface="Arial" panose="020B0604020202020204" pitchFamily="34" charset="0"/>
-              <a:buNone/>
-              <a:defRPr sz="1600" kern="1200">
-                <a:solidFill>
-                  <a:schemeClr val="tx1">
-                    <a:tint val="75000"/>
-                  </a:schemeClr>
-                </a:solidFill>
-                <a:latin typeface="+mn-lt"/>
-                <a:ea typeface="+mn-ea"/>
-                <a:cs typeface="+mn-cs"/>
-              </a:defRPr>
-            </a:lvl8pPr>
-            <a:lvl9pPr marL="3656564" indent="0" algn="l" defTabSz="914141" rtl="0" eaLnBrk="1" latinLnBrk="0" hangingPunct="1">
-              <a:lnSpc>
-                <a:spcPct val="90000"/>
-              </a:lnSpc>
-              <a:spcBef>
-                <a:spcPts val="500"/>
-              </a:spcBef>
-              <a:buFont typeface="Arial" panose="020B0604020202020204" pitchFamily="34" charset="0"/>
-              <a:buNone/>
-              <a:defRPr sz="1600" kern="1200">
-                <a:solidFill>
-                  <a:schemeClr val="tx1">
-                    <a:tint val="75000"/>
-                  </a:schemeClr>
-                </a:solidFill>
-                <a:latin typeface="+mn-lt"/>
-                <a:ea typeface="+mn-ea"/>
-                <a:cs typeface="+mn-cs"/>
-              </a:defRPr>
-            </a:lvl9pPr>
-          </a:lstStyle>
-          <a:p>
-            <a:pPr>
-              <a:defRPr/>
-            </a:pPr>
-            <a:r>
-              <a:rPr lang="en-US" dirty="0">
-                <a:solidFill>
-                  <a:sysClr val="windowText" lastClr="000000">
-                    <a:tint val="75000"/>
-                  </a:sysClr>
-                </a:solidFill>
-                <a:latin typeface="Calibri" panose="020F0502020204030204"/>
-              </a:rPr>
-              <a:t>Raw Notification Service</a:t>
-            </a:r>
-            <a:endParaRPr lang="en-US" dirty="0">
-              <a:solidFill>
-                <a:sysClr val="windowText" lastClr="000000">
-                  <a:tint val="75000"/>
-                </a:sysClr>
-              </a:solidFill>
-              <a:latin typeface="Calibri" panose="020F0502020204030204"/>
-            </a:endParaRPr>
-          </a:p>
-        </p:txBody>
-      </p:sp>
     </p:spTree>
     <p:extLst>
       <p:ext uri="{BB962C8B-B14F-4D97-AF65-F5344CB8AC3E}">
@@ -4867,7 +5971,7 @@
 </p:sld>
 </file>
 
-<file path=ppt/slides/slide12.xml><?xml version="1.0" encoding="utf-8"?>
+<file path=ppt/slides/slide13.xml><?xml version="1.0" encoding="utf-8"?>
 <p:sld xmlns:a="http://schemas.openxmlformats.org/drawingml/2006/main" xmlns:r="http://schemas.openxmlformats.org/officeDocument/2006/relationships" xmlns:p="http://schemas.openxmlformats.org/presentationml/2006/main">
   <p:cSld>
     <p:bg>
@@ -6608,7 +7712,7 @@
 </p:sld>
 </file>
 
-<file path=ppt/slides/slide13.xml><?xml version="1.0" encoding="utf-8"?>
+<file path=ppt/slides/slide14.xml><?xml version="1.0" encoding="utf-8"?>
 <p:sld xmlns:a="http://schemas.openxmlformats.org/drawingml/2006/main" xmlns:r="http://schemas.openxmlformats.org/officeDocument/2006/relationships" xmlns:p="http://schemas.openxmlformats.org/presentationml/2006/main">
   <p:cSld>
     <p:bg>
@@ -7223,7 +8327,7 @@
 </p:sld>
 </file>
 
-<file path=ppt/slides/slide14.xml><?xml version="1.0" encoding="utf-8"?>
+<file path=ppt/slides/slide15.xml><?xml version="1.0" encoding="utf-8"?>
 <p:sld xmlns:a="http://schemas.openxmlformats.org/drawingml/2006/main" xmlns:r="http://schemas.openxmlformats.org/officeDocument/2006/relationships" xmlns:p="http://schemas.openxmlformats.org/presentationml/2006/main">
   <p:cSld>
     <p:spTree>
@@ -7291,16 +8395,245 @@
           </a:p>
         </p:txBody>
       </p:sp>
+      <p:sp>
+        <p:nvSpPr>
+          <p:cNvPr id="9" name="Text Placeholder 5"/>
+          <p:cNvSpPr txBox="1">
+            <a:spLocks/>
+          </p:cNvSpPr>
+          <p:nvPr/>
+        </p:nvSpPr>
+        <p:spPr>
+          <a:xfrm>
+            <a:off x="2355632" y="4589467"/>
+            <a:ext cx="10512862" cy="1500187"/>
+          </a:xfrm>
+          <a:prstGeom prst="rect">
+            <a:avLst/>
+          </a:prstGeom>
+        </p:spPr>
+        <p:txBody>
+          <a:bodyPr vert="horz" lIns="91440" tIns="45720" rIns="91440" bIns="45720" rtlCol="0">
+            <a:normAutofit/>
+          </a:bodyPr>
+          <a:lstStyle>
+            <a:lvl1pPr marL="0" indent="0" algn="l" defTabSz="914141" rtl="0" eaLnBrk="1" latinLnBrk="0" hangingPunct="1">
+              <a:lnSpc>
+                <a:spcPct val="90000"/>
+              </a:lnSpc>
+              <a:spcBef>
+                <a:spcPts val="1000"/>
+              </a:spcBef>
+              <a:buFont typeface="Arial" panose="020B0604020202020204" pitchFamily="34" charset="0"/>
+              <a:buNone/>
+              <a:defRPr sz="2399" kern="1200">
+                <a:solidFill>
+                  <a:schemeClr val="tx1">
+                    <a:tint val="75000"/>
+                  </a:schemeClr>
+                </a:solidFill>
+                <a:latin typeface="+mn-lt"/>
+                <a:ea typeface="+mn-ea"/>
+                <a:cs typeface="+mn-cs"/>
+              </a:defRPr>
+            </a:lvl1pPr>
+            <a:lvl2pPr marL="457071" indent="0" algn="l" defTabSz="914141" rtl="0" eaLnBrk="1" latinLnBrk="0" hangingPunct="1">
+              <a:lnSpc>
+                <a:spcPct val="90000"/>
+              </a:lnSpc>
+              <a:spcBef>
+                <a:spcPts val="500"/>
+              </a:spcBef>
+              <a:buFont typeface="Arial" panose="020B0604020202020204" pitchFamily="34" charset="0"/>
+              <a:buNone/>
+              <a:defRPr sz="2000" kern="1200">
+                <a:solidFill>
+                  <a:schemeClr val="tx1">
+                    <a:tint val="75000"/>
+                  </a:schemeClr>
+                </a:solidFill>
+                <a:latin typeface="+mn-lt"/>
+                <a:ea typeface="+mn-ea"/>
+                <a:cs typeface="+mn-cs"/>
+              </a:defRPr>
+            </a:lvl2pPr>
+            <a:lvl3pPr marL="914141" indent="0" algn="l" defTabSz="914141" rtl="0" eaLnBrk="1" latinLnBrk="0" hangingPunct="1">
+              <a:lnSpc>
+                <a:spcPct val="90000"/>
+              </a:lnSpc>
+              <a:spcBef>
+                <a:spcPts val="500"/>
+              </a:spcBef>
+              <a:buFont typeface="Arial" panose="020B0604020202020204" pitchFamily="34" charset="0"/>
+              <a:buNone/>
+              <a:defRPr sz="1800" kern="1200">
+                <a:solidFill>
+                  <a:schemeClr val="tx1">
+                    <a:tint val="75000"/>
+                  </a:schemeClr>
+                </a:solidFill>
+                <a:latin typeface="+mn-lt"/>
+                <a:ea typeface="+mn-ea"/>
+                <a:cs typeface="+mn-cs"/>
+              </a:defRPr>
+            </a:lvl3pPr>
+            <a:lvl4pPr marL="1371212" indent="0" algn="l" defTabSz="914141" rtl="0" eaLnBrk="1" latinLnBrk="0" hangingPunct="1">
+              <a:lnSpc>
+                <a:spcPct val="90000"/>
+              </a:lnSpc>
+              <a:spcBef>
+                <a:spcPts val="500"/>
+              </a:spcBef>
+              <a:buFont typeface="Arial" panose="020B0604020202020204" pitchFamily="34" charset="0"/>
+              <a:buNone/>
+              <a:defRPr sz="1600" kern="1200">
+                <a:solidFill>
+                  <a:schemeClr val="tx1">
+                    <a:tint val="75000"/>
+                  </a:schemeClr>
+                </a:solidFill>
+                <a:latin typeface="+mn-lt"/>
+                <a:ea typeface="+mn-ea"/>
+                <a:cs typeface="+mn-cs"/>
+              </a:defRPr>
+            </a:lvl4pPr>
+            <a:lvl5pPr marL="1828281" indent="0" algn="l" defTabSz="914141" rtl="0" eaLnBrk="1" latinLnBrk="0" hangingPunct="1">
+              <a:lnSpc>
+                <a:spcPct val="90000"/>
+              </a:lnSpc>
+              <a:spcBef>
+                <a:spcPts val="500"/>
+              </a:spcBef>
+              <a:buFont typeface="Arial" panose="020B0604020202020204" pitchFamily="34" charset="0"/>
+              <a:buNone/>
+              <a:defRPr sz="1600" kern="1200">
+                <a:solidFill>
+                  <a:schemeClr val="tx1">
+                    <a:tint val="75000"/>
+                  </a:schemeClr>
+                </a:solidFill>
+                <a:latin typeface="+mn-lt"/>
+                <a:ea typeface="+mn-ea"/>
+                <a:cs typeface="+mn-cs"/>
+              </a:defRPr>
+            </a:lvl5pPr>
+            <a:lvl6pPr marL="2285353" indent="0" algn="l" defTabSz="914141" rtl="0" eaLnBrk="1" latinLnBrk="0" hangingPunct="1">
+              <a:lnSpc>
+                <a:spcPct val="90000"/>
+              </a:lnSpc>
+              <a:spcBef>
+                <a:spcPts val="500"/>
+              </a:spcBef>
+              <a:buFont typeface="Arial" panose="020B0604020202020204" pitchFamily="34" charset="0"/>
+              <a:buNone/>
+              <a:defRPr sz="1600" kern="1200">
+                <a:solidFill>
+                  <a:schemeClr val="tx1">
+                    <a:tint val="75000"/>
+                  </a:schemeClr>
+                </a:solidFill>
+                <a:latin typeface="+mn-lt"/>
+                <a:ea typeface="+mn-ea"/>
+                <a:cs typeface="+mn-cs"/>
+              </a:defRPr>
+            </a:lvl6pPr>
+            <a:lvl7pPr marL="2742422" indent="0" algn="l" defTabSz="914141" rtl="0" eaLnBrk="1" latinLnBrk="0" hangingPunct="1">
+              <a:lnSpc>
+                <a:spcPct val="90000"/>
+              </a:lnSpc>
+              <a:spcBef>
+                <a:spcPts val="500"/>
+              </a:spcBef>
+              <a:buFont typeface="Arial" panose="020B0604020202020204" pitchFamily="34" charset="0"/>
+              <a:buNone/>
+              <a:defRPr sz="1600" kern="1200">
+                <a:solidFill>
+                  <a:schemeClr val="tx1">
+                    <a:tint val="75000"/>
+                  </a:schemeClr>
+                </a:solidFill>
+                <a:latin typeface="+mn-lt"/>
+                <a:ea typeface="+mn-ea"/>
+                <a:cs typeface="+mn-cs"/>
+              </a:defRPr>
+            </a:lvl7pPr>
+            <a:lvl8pPr marL="3199493" indent="0" algn="l" defTabSz="914141" rtl="0" eaLnBrk="1" latinLnBrk="0" hangingPunct="1">
+              <a:lnSpc>
+                <a:spcPct val="90000"/>
+              </a:lnSpc>
+              <a:spcBef>
+                <a:spcPts val="500"/>
+              </a:spcBef>
+              <a:buFont typeface="Arial" panose="020B0604020202020204" pitchFamily="34" charset="0"/>
+              <a:buNone/>
+              <a:defRPr sz="1600" kern="1200">
+                <a:solidFill>
+                  <a:schemeClr val="tx1">
+                    <a:tint val="75000"/>
+                  </a:schemeClr>
+                </a:solidFill>
+                <a:latin typeface="+mn-lt"/>
+                <a:ea typeface="+mn-ea"/>
+                <a:cs typeface="+mn-cs"/>
+              </a:defRPr>
+            </a:lvl8pPr>
+            <a:lvl9pPr marL="3656564" indent="0" algn="l" defTabSz="914141" rtl="0" eaLnBrk="1" latinLnBrk="0" hangingPunct="1">
+              <a:lnSpc>
+                <a:spcPct val="90000"/>
+              </a:lnSpc>
+              <a:spcBef>
+                <a:spcPts val="500"/>
+              </a:spcBef>
+              <a:buFont typeface="Arial" panose="020B0604020202020204" pitchFamily="34" charset="0"/>
+              <a:buNone/>
+              <a:defRPr sz="1600" kern="1200">
+                <a:solidFill>
+                  <a:schemeClr val="tx1">
+                    <a:tint val="75000"/>
+                  </a:schemeClr>
+                </a:solidFill>
+                <a:latin typeface="+mn-lt"/>
+                <a:ea typeface="+mn-ea"/>
+                <a:cs typeface="+mn-cs"/>
+              </a:defRPr>
+            </a:lvl9pPr>
+          </a:lstStyle>
+          <a:p>
+            <a:pPr>
+              <a:defRPr/>
+            </a:pPr>
+            <a:r>
+              <a:rPr lang="en-US" dirty="0">
+                <a:solidFill>
+                  <a:sysClr val="windowText" lastClr="000000">
+                    <a:tint val="75000"/>
+                  </a:sysClr>
+                </a:solidFill>
+                <a:latin typeface="Calibri" panose="020F0502020204030204"/>
+              </a:rPr>
+              <a:t>Raw Notification Service</a:t>
+            </a:r>
+            <a:endParaRPr lang="en-US" dirty="0">
+              <a:solidFill>
+                <a:sysClr val="windowText" lastClr="000000">
+                  <a:tint val="75000"/>
+                </a:sysClr>
+              </a:solidFill>
+              <a:latin typeface="Calibri" panose="020F0502020204030204"/>
+            </a:endParaRPr>
+          </a:p>
+        </p:txBody>
+      </p:sp>
       <p:cxnSp>
         <p:nvCxnSpPr>
-          <p:cNvPr id="6" name="Straight Connector 5"/>
+          <p:cNvPr id="5" name="Straight Connector 4"/>
           <p:cNvCxnSpPr/>
           <p:nvPr/>
         </p:nvCxnSpPr>
         <p:spPr>
-          <a:xfrm flipV="1">
-            <a:off x="1232223" y="4505312"/>
-            <a:ext cx="9718031" cy="57165"/>
+          <a:xfrm>
+            <a:off x="0" y="4562475"/>
+            <a:ext cx="12192000" cy="0"/>
           </a:xfrm>
           <a:prstGeom prst="line">
             <a:avLst/>
@@ -7334,235 +8667,6 @@
           </a:fontRef>
         </p:style>
       </p:cxnSp>
-      <p:sp>
-        <p:nvSpPr>
-          <p:cNvPr id="9" name="Text Placeholder 5"/>
-          <p:cNvSpPr txBox="1">
-            <a:spLocks/>
-          </p:cNvSpPr>
-          <p:nvPr/>
-        </p:nvSpPr>
-        <p:spPr>
-          <a:xfrm>
-            <a:off x="2355632" y="4589467"/>
-            <a:ext cx="10512862" cy="1500187"/>
-          </a:xfrm>
-          <a:prstGeom prst="rect">
-            <a:avLst/>
-          </a:prstGeom>
-        </p:spPr>
-        <p:txBody>
-          <a:bodyPr vert="horz" lIns="91440" tIns="45720" rIns="91440" bIns="45720" rtlCol="0">
-            <a:normAutofit/>
-          </a:bodyPr>
-          <a:lstStyle>
-            <a:lvl1pPr marL="0" indent="0" algn="l" defTabSz="914141" rtl="0" eaLnBrk="1" latinLnBrk="0" hangingPunct="1">
-              <a:lnSpc>
-                <a:spcPct val="90000"/>
-              </a:lnSpc>
-              <a:spcBef>
-                <a:spcPts val="1000"/>
-              </a:spcBef>
-              <a:buFont typeface="Arial" panose="020B0604020202020204" pitchFamily="34" charset="0"/>
-              <a:buNone/>
-              <a:defRPr sz="2399" kern="1200">
-                <a:solidFill>
-                  <a:schemeClr val="tx1">
-                    <a:tint val="75000"/>
-                  </a:schemeClr>
-                </a:solidFill>
-                <a:latin typeface="+mn-lt"/>
-                <a:ea typeface="+mn-ea"/>
-                <a:cs typeface="+mn-cs"/>
-              </a:defRPr>
-            </a:lvl1pPr>
-            <a:lvl2pPr marL="457071" indent="0" algn="l" defTabSz="914141" rtl="0" eaLnBrk="1" latinLnBrk="0" hangingPunct="1">
-              <a:lnSpc>
-                <a:spcPct val="90000"/>
-              </a:lnSpc>
-              <a:spcBef>
-                <a:spcPts val="500"/>
-              </a:spcBef>
-              <a:buFont typeface="Arial" panose="020B0604020202020204" pitchFamily="34" charset="0"/>
-              <a:buNone/>
-              <a:defRPr sz="2000" kern="1200">
-                <a:solidFill>
-                  <a:schemeClr val="tx1">
-                    <a:tint val="75000"/>
-                  </a:schemeClr>
-                </a:solidFill>
-                <a:latin typeface="+mn-lt"/>
-                <a:ea typeface="+mn-ea"/>
-                <a:cs typeface="+mn-cs"/>
-              </a:defRPr>
-            </a:lvl2pPr>
-            <a:lvl3pPr marL="914141" indent="0" algn="l" defTabSz="914141" rtl="0" eaLnBrk="1" latinLnBrk="0" hangingPunct="1">
-              <a:lnSpc>
-                <a:spcPct val="90000"/>
-              </a:lnSpc>
-              <a:spcBef>
-                <a:spcPts val="500"/>
-              </a:spcBef>
-              <a:buFont typeface="Arial" panose="020B0604020202020204" pitchFamily="34" charset="0"/>
-              <a:buNone/>
-              <a:defRPr sz="1800" kern="1200">
-                <a:solidFill>
-                  <a:schemeClr val="tx1">
-                    <a:tint val="75000"/>
-                  </a:schemeClr>
-                </a:solidFill>
-                <a:latin typeface="+mn-lt"/>
-                <a:ea typeface="+mn-ea"/>
-                <a:cs typeface="+mn-cs"/>
-              </a:defRPr>
-            </a:lvl3pPr>
-            <a:lvl4pPr marL="1371212" indent="0" algn="l" defTabSz="914141" rtl="0" eaLnBrk="1" latinLnBrk="0" hangingPunct="1">
-              <a:lnSpc>
-                <a:spcPct val="90000"/>
-              </a:lnSpc>
-              <a:spcBef>
-                <a:spcPts val="500"/>
-              </a:spcBef>
-              <a:buFont typeface="Arial" panose="020B0604020202020204" pitchFamily="34" charset="0"/>
-              <a:buNone/>
-              <a:defRPr sz="1600" kern="1200">
-                <a:solidFill>
-                  <a:schemeClr val="tx1">
-                    <a:tint val="75000"/>
-                  </a:schemeClr>
-                </a:solidFill>
-                <a:latin typeface="+mn-lt"/>
-                <a:ea typeface="+mn-ea"/>
-                <a:cs typeface="+mn-cs"/>
-              </a:defRPr>
-            </a:lvl4pPr>
-            <a:lvl5pPr marL="1828281" indent="0" algn="l" defTabSz="914141" rtl="0" eaLnBrk="1" latinLnBrk="0" hangingPunct="1">
-              <a:lnSpc>
-                <a:spcPct val="90000"/>
-              </a:lnSpc>
-              <a:spcBef>
-                <a:spcPts val="500"/>
-              </a:spcBef>
-              <a:buFont typeface="Arial" panose="020B0604020202020204" pitchFamily="34" charset="0"/>
-              <a:buNone/>
-              <a:defRPr sz="1600" kern="1200">
-                <a:solidFill>
-                  <a:schemeClr val="tx1">
-                    <a:tint val="75000"/>
-                  </a:schemeClr>
-                </a:solidFill>
-                <a:latin typeface="+mn-lt"/>
-                <a:ea typeface="+mn-ea"/>
-                <a:cs typeface="+mn-cs"/>
-              </a:defRPr>
-            </a:lvl5pPr>
-            <a:lvl6pPr marL="2285353" indent="0" algn="l" defTabSz="914141" rtl="0" eaLnBrk="1" latinLnBrk="0" hangingPunct="1">
-              <a:lnSpc>
-                <a:spcPct val="90000"/>
-              </a:lnSpc>
-              <a:spcBef>
-                <a:spcPts val="500"/>
-              </a:spcBef>
-              <a:buFont typeface="Arial" panose="020B0604020202020204" pitchFamily="34" charset="0"/>
-              <a:buNone/>
-              <a:defRPr sz="1600" kern="1200">
-                <a:solidFill>
-                  <a:schemeClr val="tx1">
-                    <a:tint val="75000"/>
-                  </a:schemeClr>
-                </a:solidFill>
-                <a:latin typeface="+mn-lt"/>
-                <a:ea typeface="+mn-ea"/>
-                <a:cs typeface="+mn-cs"/>
-              </a:defRPr>
-            </a:lvl6pPr>
-            <a:lvl7pPr marL="2742422" indent="0" algn="l" defTabSz="914141" rtl="0" eaLnBrk="1" latinLnBrk="0" hangingPunct="1">
-              <a:lnSpc>
-                <a:spcPct val="90000"/>
-              </a:lnSpc>
-              <a:spcBef>
-                <a:spcPts val="500"/>
-              </a:spcBef>
-              <a:buFont typeface="Arial" panose="020B0604020202020204" pitchFamily="34" charset="0"/>
-              <a:buNone/>
-              <a:defRPr sz="1600" kern="1200">
-                <a:solidFill>
-                  <a:schemeClr val="tx1">
-                    <a:tint val="75000"/>
-                  </a:schemeClr>
-                </a:solidFill>
-                <a:latin typeface="+mn-lt"/>
-                <a:ea typeface="+mn-ea"/>
-                <a:cs typeface="+mn-cs"/>
-              </a:defRPr>
-            </a:lvl7pPr>
-            <a:lvl8pPr marL="3199493" indent="0" algn="l" defTabSz="914141" rtl="0" eaLnBrk="1" latinLnBrk="0" hangingPunct="1">
-              <a:lnSpc>
-                <a:spcPct val="90000"/>
-              </a:lnSpc>
-              <a:spcBef>
-                <a:spcPts val="500"/>
-              </a:spcBef>
-              <a:buFont typeface="Arial" panose="020B0604020202020204" pitchFamily="34" charset="0"/>
-              <a:buNone/>
-              <a:defRPr sz="1600" kern="1200">
-                <a:solidFill>
-                  <a:schemeClr val="tx1">
-                    <a:tint val="75000"/>
-                  </a:schemeClr>
-                </a:solidFill>
-                <a:latin typeface="+mn-lt"/>
-                <a:ea typeface="+mn-ea"/>
-                <a:cs typeface="+mn-cs"/>
-              </a:defRPr>
-            </a:lvl8pPr>
-            <a:lvl9pPr marL="3656564" indent="0" algn="l" defTabSz="914141" rtl="0" eaLnBrk="1" latinLnBrk="0" hangingPunct="1">
-              <a:lnSpc>
-                <a:spcPct val="90000"/>
-              </a:lnSpc>
-              <a:spcBef>
-                <a:spcPts val="500"/>
-              </a:spcBef>
-              <a:buFont typeface="Arial" panose="020B0604020202020204" pitchFamily="34" charset="0"/>
-              <a:buNone/>
-              <a:defRPr sz="1600" kern="1200">
-                <a:solidFill>
-                  <a:schemeClr val="tx1">
-                    <a:tint val="75000"/>
-                  </a:schemeClr>
-                </a:solidFill>
-                <a:latin typeface="+mn-lt"/>
-                <a:ea typeface="+mn-ea"/>
-                <a:cs typeface="+mn-cs"/>
-              </a:defRPr>
-            </a:lvl9pPr>
-          </a:lstStyle>
-          <a:p>
-            <a:pPr>
-              <a:defRPr/>
-            </a:pPr>
-            <a:r>
-              <a:rPr lang="en-US" dirty="0">
-                <a:solidFill>
-                  <a:sysClr val="windowText" lastClr="000000">
-                    <a:tint val="75000"/>
-                  </a:sysClr>
-                </a:solidFill>
-                <a:latin typeface="Calibri" panose="020F0502020204030204"/>
-              </a:rPr>
-              <a:t>Raw Notification Service</a:t>
-            </a:r>
-            <a:endParaRPr lang="en-US" dirty="0">
-              <a:solidFill>
-                <a:sysClr val="windowText" lastClr="000000">
-                  <a:tint val="75000"/>
-                </a:sysClr>
-              </a:solidFill>
-              <a:latin typeface="Calibri" panose="020F0502020204030204"/>
-            </a:endParaRPr>
-          </a:p>
-        </p:txBody>
-      </p:sp>
     </p:spTree>
     <p:extLst>
       <p:ext uri="{BB962C8B-B14F-4D97-AF65-F5344CB8AC3E}">
@@ -7595,7 +8699,7 @@
 </p:sld>
 </file>
 
-<file path=ppt/slides/slide15.xml><?xml version="1.0" encoding="utf-8"?>
+<file path=ppt/slides/slide16.xml><?xml version="1.0" encoding="utf-8"?>
 <p:sld xmlns:a="http://schemas.openxmlformats.org/drawingml/2006/main" xmlns:r="http://schemas.openxmlformats.org/officeDocument/2006/relationships" xmlns:p="http://schemas.openxmlformats.org/presentationml/2006/main">
   <p:cSld>
     <p:spTree>
@@ -7612,16 +8716,598 @@
           <a:chExt cx="0" cy="0"/>
         </a:xfrm>
       </p:grpSpPr>
+      <p:sp>
+        <p:nvSpPr>
+          <p:cNvPr id="26" name="TextBox 25"/>
+          <p:cNvSpPr txBox="1"/>
+          <p:nvPr/>
+        </p:nvSpPr>
+        <p:spPr>
+          <a:xfrm>
+            <a:off x="0" y="457129"/>
+            <a:ext cx="7821638" cy="636919"/>
+          </a:xfrm>
+          <a:prstGeom prst="rect">
+            <a:avLst/>
+          </a:prstGeom>
+          <a:solidFill>
+            <a:schemeClr val="accent6">
+              <a:alpha val="70000"/>
+            </a:schemeClr>
+          </a:solidFill>
+        </p:spPr>
+        <p:txBody>
+          <a:bodyPr wrap="square" lIns="411386" tIns="109703" rIns="137129" bIns="109703" rtlCol="0">
+            <a:spAutoFit/>
+          </a:bodyPr>
+          <a:lstStyle/>
+          <a:p>
+            <a:pPr>
+              <a:lnSpc>
+                <a:spcPct val="90000"/>
+              </a:lnSpc>
+              <a:spcAft>
+                <a:spcPts val="450"/>
+              </a:spcAft>
+            </a:pPr>
+            <a:r>
+              <a:rPr lang="en-US" sz="2999" b="1" spc="-112" dirty="0" err="1">
+                <a:solidFill>
+                  <a:srgbClr val="FFFFFF"/>
+                </a:solidFill>
+              </a:rPr>
+              <a:t>Các</a:t>
+            </a:r>
+            <a:r>
+              <a:rPr lang="en-US" sz="2999" b="1" spc="-112" dirty="0">
+                <a:solidFill>
+                  <a:srgbClr val="FFFFFF"/>
+                </a:solidFill>
+              </a:rPr>
+              <a:t> </a:t>
+            </a:r>
+            <a:r>
+              <a:rPr lang="en-US" sz="2999" b="1" spc="-112" dirty="0" err="1">
+                <a:solidFill>
+                  <a:srgbClr val="FFFFFF"/>
+                </a:solidFill>
+              </a:rPr>
+              <a:t>sai</a:t>
+            </a:r>
+            <a:r>
+              <a:rPr lang="en-US" sz="2999" b="1" spc="-112" dirty="0">
+                <a:solidFill>
+                  <a:srgbClr val="FFFFFF"/>
+                </a:solidFill>
+              </a:rPr>
+              <a:t> </a:t>
+            </a:r>
+            <a:r>
+              <a:rPr lang="en-US" sz="2999" b="1" spc="-112" dirty="0" err="1">
+                <a:solidFill>
+                  <a:srgbClr val="FFFFFF"/>
+                </a:solidFill>
+              </a:rPr>
+              <a:t>lầm</a:t>
+            </a:r>
+            <a:r>
+              <a:rPr lang="en-US" sz="2999" b="1" spc="-112" dirty="0">
+                <a:solidFill>
+                  <a:srgbClr val="FFFFFF"/>
+                </a:solidFill>
+              </a:rPr>
+              <a:t> </a:t>
+            </a:r>
+            <a:r>
+              <a:rPr lang="en-US" sz="2999" b="1" spc="-112" dirty="0" err="1">
+                <a:solidFill>
+                  <a:srgbClr val="FFFFFF"/>
+                </a:solidFill>
+              </a:rPr>
+              <a:t>trong</a:t>
+            </a:r>
+            <a:r>
+              <a:rPr lang="en-US" sz="2999" b="1" spc="-112" dirty="0">
+                <a:solidFill>
+                  <a:srgbClr val="FFFFFF"/>
+                </a:solidFill>
+              </a:rPr>
+              <a:t> </a:t>
+            </a:r>
+            <a:r>
+              <a:rPr lang="en-US" sz="2999" b="1" spc="-112" dirty="0" err="1">
+                <a:solidFill>
+                  <a:srgbClr val="FFFFFF"/>
+                </a:solidFill>
+              </a:rPr>
+              <a:t>thiết</a:t>
+            </a:r>
+            <a:r>
+              <a:rPr lang="en-US" sz="2999" b="1" spc="-112" dirty="0">
+                <a:solidFill>
+                  <a:srgbClr val="FFFFFF"/>
+                </a:solidFill>
+              </a:rPr>
+              <a:t> </a:t>
+            </a:r>
+            <a:r>
+              <a:rPr lang="en-US" sz="2999" b="1" spc="-112" dirty="0" err="1">
+                <a:solidFill>
+                  <a:srgbClr val="FFFFFF"/>
+                </a:solidFill>
+              </a:rPr>
+              <a:t>kế</a:t>
+            </a:r>
+            <a:r>
+              <a:rPr lang="en-US" sz="2999" b="1" spc="-112" dirty="0">
+                <a:solidFill>
+                  <a:srgbClr val="FFFFFF"/>
+                </a:solidFill>
+              </a:rPr>
+              <a:t> </a:t>
+            </a:r>
+            <a:r>
+              <a:rPr lang="en-US" sz="2999" b="1" spc="-112" dirty="0" err="1">
+                <a:solidFill>
+                  <a:srgbClr val="FFFFFF"/>
+                </a:solidFill>
+              </a:rPr>
+              <a:t>và</a:t>
+            </a:r>
+            <a:r>
+              <a:rPr lang="en-US" sz="2999" b="1" spc="-112" dirty="0">
+                <a:solidFill>
+                  <a:srgbClr val="FFFFFF"/>
+                </a:solidFill>
+              </a:rPr>
+              <a:t> </a:t>
+            </a:r>
+            <a:r>
+              <a:rPr lang="en-US" sz="2999" b="1" spc="-112" dirty="0" err="1">
+                <a:solidFill>
+                  <a:srgbClr val="FFFFFF"/>
+                </a:solidFill>
+              </a:rPr>
+              <a:t>lựa</a:t>
+            </a:r>
+            <a:r>
+              <a:rPr lang="en-US" sz="2999" b="1" spc="-112" dirty="0">
+                <a:solidFill>
+                  <a:srgbClr val="FFFFFF"/>
+                </a:solidFill>
+              </a:rPr>
+              <a:t> </a:t>
+            </a:r>
+            <a:r>
+              <a:rPr lang="en-US" sz="2999" b="1" spc="-112" dirty="0" err="1">
+                <a:solidFill>
+                  <a:srgbClr val="FFFFFF"/>
+                </a:solidFill>
+              </a:rPr>
+              <a:t>chọn</a:t>
+            </a:r>
+            <a:r>
+              <a:rPr lang="en-US" sz="2999" b="1" spc="-112" dirty="0">
+                <a:solidFill>
+                  <a:srgbClr val="FFFFFF"/>
+                </a:solidFill>
+              </a:rPr>
+              <a:t> </a:t>
+            </a:r>
+            <a:r>
+              <a:rPr lang="en-US" sz="2999" b="1" spc="-112" dirty="0" err="1">
+                <a:solidFill>
+                  <a:srgbClr val="FFFFFF"/>
+                </a:solidFill>
+              </a:rPr>
+              <a:t>công</a:t>
+            </a:r>
+            <a:r>
+              <a:rPr lang="en-US" sz="2999" b="1" spc="-112" dirty="0">
+                <a:solidFill>
+                  <a:srgbClr val="FFFFFF"/>
+                </a:solidFill>
+              </a:rPr>
+              <a:t> </a:t>
+            </a:r>
+            <a:r>
+              <a:rPr lang="en-US" sz="2999" b="1" spc="-112" dirty="0" err="1">
+                <a:solidFill>
+                  <a:srgbClr val="FFFFFF"/>
+                </a:solidFill>
+              </a:rPr>
+              <a:t>nghệ</a:t>
+            </a:r>
+            <a:endParaRPr lang="en-US" sz="2999" b="1" spc="-112" dirty="0">
+              <a:solidFill>
+                <a:srgbClr val="FFFFFF"/>
+              </a:solidFill>
+            </a:endParaRPr>
+          </a:p>
+        </p:txBody>
+      </p:sp>
+      <p:sp>
+        <p:nvSpPr>
+          <p:cNvPr id="5" name="TextBox 4"/>
+          <p:cNvSpPr txBox="1"/>
+          <p:nvPr/>
+        </p:nvSpPr>
+        <p:spPr>
+          <a:xfrm>
+            <a:off x="1690255" y="1634836"/>
+            <a:ext cx="8839200" cy="3416320"/>
+          </a:xfrm>
+          <a:prstGeom prst="rect">
+            <a:avLst/>
+          </a:prstGeom>
+          <a:noFill/>
+        </p:spPr>
+        <p:txBody>
+          <a:bodyPr wrap="square" rtlCol="0">
+            <a:spAutoFit/>
+          </a:bodyPr>
+          <a:lstStyle/>
+          <a:p>
+            <a:pPr marL="285750" indent="-285750">
+              <a:lnSpc>
+                <a:spcPct val="200000"/>
+              </a:lnSpc>
+              <a:buFont typeface="Arial" panose="020B0604020202020204" pitchFamily="34" charset="0"/>
+              <a:buChar char="•"/>
+            </a:pPr>
+            <a:r>
+              <a:rPr lang="en-US" dirty="0">
+                <a:latin typeface="Segoe UI" panose="020B0502040204020203" pitchFamily="34" charset="0"/>
+                <a:cs typeface="Segoe UI" panose="020B0502040204020203" pitchFamily="34" charset="0"/>
+              </a:rPr>
+              <a:t>Sai </a:t>
+            </a:r>
+            <a:r>
+              <a:rPr lang="en-US" dirty="0" err="1">
+                <a:latin typeface="Segoe UI" panose="020B0502040204020203" pitchFamily="34" charset="0"/>
+                <a:cs typeface="Segoe UI" panose="020B0502040204020203" pitchFamily="34" charset="0"/>
+              </a:rPr>
+              <a:t>lầm</a:t>
+            </a:r>
+            <a:r>
+              <a:rPr lang="en-US" dirty="0">
+                <a:latin typeface="Segoe UI" panose="020B0502040204020203" pitchFamily="34" charset="0"/>
+                <a:cs typeface="Segoe UI" panose="020B0502040204020203" pitchFamily="34" charset="0"/>
+              </a:rPr>
+              <a:t> </a:t>
+            </a:r>
+            <a:r>
+              <a:rPr lang="en-US" dirty="0" err="1">
+                <a:latin typeface="Segoe UI" panose="020B0502040204020203" pitchFamily="34" charset="0"/>
+                <a:cs typeface="Segoe UI" panose="020B0502040204020203" pitchFamily="34" charset="0"/>
+              </a:rPr>
+              <a:t>thiết</a:t>
+            </a:r>
+            <a:r>
+              <a:rPr lang="en-US" dirty="0">
+                <a:latin typeface="Segoe UI" panose="020B0502040204020203" pitchFamily="34" charset="0"/>
+                <a:cs typeface="Segoe UI" panose="020B0502040204020203" pitchFamily="34" charset="0"/>
+              </a:rPr>
+              <a:t> </a:t>
+            </a:r>
+            <a:r>
+              <a:rPr lang="en-US" dirty="0" err="1">
+                <a:latin typeface="Segoe UI" panose="020B0502040204020203" pitchFamily="34" charset="0"/>
+                <a:cs typeface="Segoe UI" panose="020B0502040204020203" pitchFamily="34" charset="0"/>
+              </a:rPr>
+              <a:t>kế</a:t>
+            </a:r>
+            <a:r>
+              <a:rPr lang="en-US" dirty="0">
+                <a:latin typeface="Segoe UI" panose="020B0502040204020203" pitchFamily="34" charset="0"/>
+                <a:cs typeface="Segoe UI" panose="020B0502040204020203" pitchFamily="34" charset="0"/>
+              </a:rPr>
+              <a:t>:</a:t>
+            </a:r>
+          </a:p>
+          <a:p>
+            <a:pPr marL="742950" lvl="1" indent="-285750">
+              <a:lnSpc>
+                <a:spcPct val="200000"/>
+              </a:lnSpc>
+              <a:buFont typeface="Arial" panose="020B0604020202020204" pitchFamily="34" charset="0"/>
+              <a:buChar char="•"/>
+            </a:pPr>
+            <a:r>
+              <a:rPr lang="en-US" dirty="0">
+                <a:latin typeface="Segoe UI" panose="020B0502040204020203" pitchFamily="34" charset="0"/>
+                <a:cs typeface="Segoe UI" panose="020B0502040204020203" pitchFamily="34" charset="0"/>
+              </a:rPr>
+              <a:t>RNS </a:t>
+            </a:r>
+            <a:r>
+              <a:rPr lang="en-US" dirty="0" err="1">
+                <a:latin typeface="Segoe UI" panose="020B0502040204020203" pitchFamily="34" charset="0"/>
+                <a:cs typeface="Segoe UI" panose="020B0502040204020203" pitchFamily="34" charset="0"/>
+              </a:rPr>
+              <a:t>đã</a:t>
+            </a:r>
+            <a:r>
+              <a:rPr lang="en-US" dirty="0">
+                <a:latin typeface="Segoe UI" panose="020B0502040204020203" pitchFamily="34" charset="0"/>
+                <a:cs typeface="Segoe UI" panose="020B0502040204020203" pitchFamily="34" charset="0"/>
+              </a:rPr>
+              <a:t> </a:t>
+            </a:r>
+            <a:r>
+              <a:rPr lang="en-US" dirty="0" err="1">
+                <a:latin typeface="Segoe UI" panose="020B0502040204020203" pitchFamily="34" charset="0"/>
+                <a:cs typeface="Segoe UI" panose="020B0502040204020203" pitchFamily="34" charset="0"/>
+              </a:rPr>
+              <a:t>phải</a:t>
+            </a:r>
+            <a:r>
+              <a:rPr lang="en-US" dirty="0">
+                <a:latin typeface="Segoe UI" panose="020B0502040204020203" pitchFamily="34" charset="0"/>
+                <a:cs typeface="Segoe UI" panose="020B0502040204020203" pitchFamily="34" charset="0"/>
+              </a:rPr>
+              <a:t> </a:t>
+            </a:r>
+            <a:r>
+              <a:rPr lang="en-US" dirty="0" err="1">
+                <a:latin typeface="Segoe UI" panose="020B0502040204020203" pitchFamily="34" charset="0"/>
+                <a:cs typeface="Segoe UI" panose="020B0502040204020203" pitchFamily="34" charset="0"/>
+              </a:rPr>
+              <a:t>thiết</a:t>
+            </a:r>
+            <a:r>
+              <a:rPr lang="en-US" dirty="0">
+                <a:latin typeface="Segoe UI" panose="020B0502040204020203" pitchFamily="34" charset="0"/>
+                <a:cs typeface="Segoe UI" panose="020B0502040204020203" pitchFamily="34" charset="0"/>
+              </a:rPr>
+              <a:t> </a:t>
+            </a:r>
+            <a:r>
+              <a:rPr lang="en-US" dirty="0" err="1">
+                <a:latin typeface="Segoe UI" panose="020B0502040204020203" pitchFamily="34" charset="0"/>
+                <a:cs typeface="Segoe UI" panose="020B0502040204020203" pitchFamily="34" charset="0"/>
+              </a:rPr>
+              <a:t>kế</a:t>
+            </a:r>
+            <a:r>
+              <a:rPr lang="en-US" dirty="0">
+                <a:latin typeface="Segoe UI" panose="020B0502040204020203" pitchFamily="34" charset="0"/>
+                <a:cs typeface="Segoe UI" panose="020B0502040204020203" pitchFamily="34" charset="0"/>
+              </a:rPr>
+              <a:t> </a:t>
+            </a:r>
+            <a:r>
+              <a:rPr lang="en-US" dirty="0" err="1">
+                <a:latin typeface="Segoe UI" panose="020B0502040204020203" pitchFamily="34" charset="0"/>
+                <a:cs typeface="Segoe UI" panose="020B0502040204020203" pitchFamily="34" charset="0"/>
+              </a:rPr>
+              <a:t>lại</a:t>
+            </a:r>
+            <a:r>
+              <a:rPr lang="en-US" dirty="0">
+                <a:latin typeface="Segoe UI" panose="020B0502040204020203" pitchFamily="34" charset="0"/>
+                <a:cs typeface="Segoe UI" panose="020B0502040204020203" pitchFamily="34" charset="0"/>
+              </a:rPr>
+              <a:t> 4 </a:t>
+            </a:r>
+            <a:r>
+              <a:rPr lang="en-US" dirty="0" err="1">
+                <a:latin typeface="Segoe UI" panose="020B0502040204020203" pitchFamily="34" charset="0"/>
+                <a:cs typeface="Segoe UI" panose="020B0502040204020203" pitchFamily="34" charset="0"/>
+              </a:rPr>
+              <a:t>lần</a:t>
+            </a:r>
+            <a:endParaRPr lang="en-US" dirty="0">
+              <a:latin typeface="Segoe UI" panose="020B0502040204020203" pitchFamily="34" charset="0"/>
+              <a:cs typeface="Segoe UI" panose="020B0502040204020203" pitchFamily="34" charset="0"/>
+            </a:endParaRPr>
+          </a:p>
+          <a:p>
+            <a:pPr marL="742950" lvl="1" indent="-285750">
+              <a:lnSpc>
+                <a:spcPct val="200000"/>
+              </a:lnSpc>
+              <a:buFont typeface="Arial" panose="020B0604020202020204" pitchFamily="34" charset="0"/>
+              <a:buChar char="•"/>
+            </a:pPr>
+            <a:r>
+              <a:rPr lang="en-US" dirty="0">
+                <a:latin typeface="Segoe UI" panose="020B0502040204020203" pitchFamily="34" charset="0"/>
+                <a:cs typeface="Segoe UI" panose="020B0502040204020203" pitchFamily="34" charset="0"/>
+              </a:rPr>
+              <a:t>RNS </a:t>
+            </a:r>
+            <a:r>
+              <a:rPr lang="en-US" dirty="0" err="1">
+                <a:latin typeface="Segoe UI" panose="020B0502040204020203" pitchFamily="34" charset="0"/>
+                <a:cs typeface="Segoe UI" panose="020B0502040204020203" pitchFamily="34" charset="0"/>
+              </a:rPr>
+              <a:t>bắt</a:t>
+            </a:r>
+            <a:r>
+              <a:rPr lang="en-US" dirty="0">
+                <a:latin typeface="Segoe UI" panose="020B0502040204020203" pitchFamily="34" charset="0"/>
+                <a:cs typeface="Segoe UI" panose="020B0502040204020203" pitchFamily="34" charset="0"/>
+              </a:rPr>
+              <a:t> </a:t>
+            </a:r>
+            <a:r>
+              <a:rPr lang="en-US" dirty="0" err="1">
+                <a:latin typeface="Segoe UI" panose="020B0502040204020203" pitchFamily="34" charset="0"/>
+                <a:cs typeface="Segoe UI" panose="020B0502040204020203" pitchFamily="34" charset="0"/>
+              </a:rPr>
+              <a:t>đầu</a:t>
+            </a:r>
+            <a:r>
+              <a:rPr lang="en-US" dirty="0">
+                <a:latin typeface="Segoe UI" panose="020B0502040204020203" pitchFamily="34" charset="0"/>
+                <a:cs typeface="Segoe UI" panose="020B0502040204020203" pitchFamily="34" charset="0"/>
+              </a:rPr>
+              <a:t> </a:t>
+            </a:r>
+            <a:r>
+              <a:rPr lang="en-US" dirty="0" err="1">
+                <a:latin typeface="Segoe UI" panose="020B0502040204020203" pitchFamily="34" charset="0"/>
+                <a:cs typeface="Segoe UI" panose="020B0502040204020203" pitchFamily="34" charset="0"/>
+              </a:rPr>
+              <a:t>với</a:t>
+            </a:r>
+            <a:r>
+              <a:rPr lang="en-US" dirty="0">
+                <a:latin typeface="Segoe UI" panose="020B0502040204020203" pitchFamily="34" charset="0"/>
+                <a:cs typeface="Segoe UI" panose="020B0502040204020203" pitchFamily="34" charset="0"/>
+              </a:rPr>
+              <a:t> 2 layer=&gt; n layers (22 projects)</a:t>
+            </a:r>
+          </a:p>
+          <a:p>
+            <a:pPr marL="285750" indent="-285750">
+              <a:lnSpc>
+                <a:spcPct val="200000"/>
+              </a:lnSpc>
+              <a:buFont typeface="Arial" panose="020B0604020202020204" pitchFamily="34" charset="0"/>
+              <a:buChar char="•"/>
+            </a:pPr>
+            <a:r>
+              <a:rPr lang="en-US" dirty="0">
+                <a:latin typeface="Segoe UI" panose="020B0502040204020203" pitchFamily="34" charset="0"/>
+                <a:cs typeface="Segoe UI" panose="020B0502040204020203" pitchFamily="34" charset="0"/>
+              </a:rPr>
+              <a:t>Sai </a:t>
+            </a:r>
+            <a:r>
+              <a:rPr lang="en-US" dirty="0" err="1">
+                <a:latin typeface="Segoe UI" panose="020B0502040204020203" pitchFamily="34" charset="0"/>
+                <a:cs typeface="Segoe UI" panose="020B0502040204020203" pitchFamily="34" charset="0"/>
+              </a:rPr>
+              <a:t>lầm</a:t>
+            </a:r>
+            <a:r>
+              <a:rPr lang="en-US" dirty="0">
+                <a:latin typeface="Segoe UI" panose="020B0502040204020203" pitchFamily="34" charset="0"/>
+                <a:cs typeface="Segoe UI" panose="020B0502040204020203" pitchFamily="34" charset="0"/>
+              </a:rPr>
+              <a:t> </a:t>
+            </a:r>
+            <a:r>
+              <a:rPr lang="en-US" dirty="0" err="1">
+                <a:latin typeface="Segoe UI" panose="020B0502040204020203" pitchFamily="34" charset="0"/>
+                <a:cs typeface="Segoe UI" panose="020B0502040204020203" pitchFamily="34" charset="0"/>
+              </a:rPr>
+              <a:t>lựa</a:t>
+            </a:r>
+            <a:r>
+              <a:rPr lang="en-US" dirty="0">
+                <a:latin typeface="Segoe UI" panose="020B0502040204020203" pitchFamily="34" charset="0"/>
+                <a:cs typeface="Segoe UI" panose="020B0502040204020203" pitchFamily="34" charset="0"/>
+              </a:rPr>
+              <a:t> </a:t>
+            </a:r>
+            <a:r>
+              <a:rPr lang="en-US" dirty="0" err="1">
+                <a:latin typeface="Segoe UI" panose="020B0502040204020203" pitchFamily="34" charset="0"/>
+                <a:cs typeface="Segoe UI" panose="020B0502040204020203" pitchFamily="34" charset="0"/>
+              </a:rPr>
+              <a:t>chọn</a:t>
+            </a:r>
+            <a:r>
+              <a:rPr lang="en-US" dirty="0">
+                <a:latin typeface="Segoe UI" panose="020B0502040204020203" pitchFamily="34" charset="0"/>
+                <a:cs typeface="Segoe UI" panose="020B0502040204020203" pitchFamily="34" charset="0"/>
+              </a:rPr>
+              <a:t> </a:t>
+            </a:r>
+            <a:r>
+              <a:rPr lang="en-US" dirty="0" err="1">
+                <a:latin typeface="Segoe UI" panose="020B0502040204020203" pitchFamily="34" charset="0"/>
+                <a:cs typeface="Segoe UI" panose="020B0502040204020203" pitchFamily="34" charset="0"/>
+              </a:rPr>
+              <a:t>công</a:t>
+            </a:r>
+            <a:r>
+              <a:rPr lang="en-US" dirty="0">
+                <a:latin typeface="Segoe UI" panose="020B0502040204020203" pitchFamily="34" charset="0"/>
+                <a:cs typeface="Segoe UI" panose="020B0502040204020203" pitchFamily="34" charset="0"/>
+              </a:rPr>
+              <a:t> </a:t>
+            </a:r>
+            <a:r>
+              <a:rPr lang="en-US" dirty="0" err="1">
+                <a:latin typeface="Segoe UI" panose="020B0502040204020203" pitchFamily="34" charset="0"/>
+                <a:cs typeface="Segoe UI" panose="020B0502040204020203" pitchFamily="34" charset="0"/>
+              </a:rPr>
+              <a:t>nghệ</a:t>
+            </a:r>
+            <a:r>
+              <a:rPr lang="en-US" dirty="0">
+                <a:latin typeface="Segoe UI" panose="020B0502040204020203" pitchFamily="34" charset="0"/>
+                <a:cs typeface="Segoe UI" panose="020B0502040204020203" pitchFamily="34" charset="0"/>
+              </a:rPr>
+              <a:t>:</a:t>
+            </a:r>
+          </a:p>
+          <a:p>
+            <a:pPr marL="742950" lvl="1" indent="-285750">
+              <a:lnSpc>
+                <a:spcPct val="200000"/>
+              </a:lnSpc>
+              <a:buFont typeface="Arial" panose="020B0604020202020204" pitchFamily="34" charset="0"/>
+              <a:buChar char="•"/>
+            </a:pPr>
+            <a:r>
+              <a:rPr lang="en-US" dirty="0">
+                <a:latin typeface="Segoe UI" panose="020B0502040204020203" pitchFamily="34" charset="0"/>
+                <a:cs typeface="Segoe UI" panose="020B0502040204020203" pitchFamily="34" charset="0"/>
+              </a:rPr>
+              <a:t>TCP-IP </a:t>
+            </a:r>
+            <a:r>
+              <a:rPr lang="en-US" dirty="0">
+                <a:latin typeface="Segoe UI" panose="020B0502040204020203" pitchFamily="34" charset="0"/>
+                <a:cs typeface="Segoe UI" panose="020B0502040204020203" pitchFamily="34" charset="0"/>
+              </a:rPr>
+              <a:t>socket =&gt;WCF service</a:t>
+            </a:r>
+          </a:p>
+          <a:p>
+            <a:pPr marL="742950" lvl="1" indent="-285750">
+              <a:lnSpc>
+                <a:spcPct val="200000"/>
+              </a:lnSpc>
+              <a:buFont typeface="Arial" panose="020B0604020202020204" pitchFamily="34" charset="0"/>
+              <a:buChar char="•"/>
+            </a:pPr>
+            <a:r>
+              <a:rPr lang="en-US" dirty="0">
+                <a:latin typeface="Segoe UI" panose="020B0502040204020203" pitchFamily="34" charset="0"/>
+                <a:cs typeface="Segoe UI" panose="020B0502040204020203" pitchFamily="34" charset="0"/>
+              </a:rPr>
+              <a:t>Linq2SQL =&gt; </a:t>
+            </a:r>
+            <a:r>
+              <a:rPr lang="en-US" dirty="0">
+                <a:latin typeface="Segoe UI" panose="020B0502040204020203" pitchFamily="34" charset="0"/>
+                <a:cs typeface="Segoe UI" panose="020B0502040204020203" pitchFamily="34" charset="0"/>
+              </a:rPr>
+              <a:t>Dapper Dot Net</a:t>
+            </a:r>
+            <a:endParaRPr lang="en-US" dirty="0">
+              <a:latin typeface="Segoe UI" panose="020B0502040204020203" pitchFamily="34" charset="0"/>
+              <a:cs typeface="Segoe UI" panose="020B0502040204020203" pitchFamily="34" charset="0"/>
+            </a:endParaRPr>
+          </a:p>
+        </p:txBody>
+      </p:sp>
       <p:cxnSp>
         <p:nvCxnSpPr>
-          <p:cNvPr id="4" name="Straight Connector 3"/>
+          <p:cNvPr id="7" name="Straight Connector 6"/>
           <p:cNvCxnSpPr/>
           <p:nvPr/>
         </p:nvCxnSpPr>
         <p:spPr>
           <a:xfrm flipV="1">
-            <a:off x="1236985" y="1397906"/>
-            <a:ext cx="9718031" cy="57165"/>
+            <a:off x="-109182" y="1388891"/>
+            <a:ext cx="12596883" cy="85067"/>
           </a:xfrm>
           <a:prstGeom prst="line">
             <a:avLst/>
@@ -7655,588 +9341,6 @@
           </a:fontRef>
         </p:style>
       </p:cxnSp>
-      <p:sp>
-        <p:nvSpPr>
-          <p:cNvPr id="26" name="TextBox 25"/>
-          <p:cNvSpPr txBox="1"/>
-          <p:nvPr/>
-        </p:nvSpPr>
-        <p:spPr>
-          <a:xfrm>
-            <a:off x="1523999" y="525368"/>
-            <a:ext cx="7821638" cy="636919"/>
-          </a:xfrm>
-          <a:prstGeom prst="rect">
-            <a:avLst/>
-          </a:prstGeom>
-          <a:solidFill>
-            <a:schemeClr val="accent6">
-              <a:alpha val="70000"/>
-            </a:schemeClr>
-          </a:solidFill>
-        </p:spPr>
-        <p:txBody>
-          <a:bodyPr wrap="square" lIns="411386" tIns="109703" rIns="137129" bIns="109703" rtlCol="0">
-            <a:spAutoFit/>
-          </a:bodyPr>
-          <a:lstStyle/>
-          <a:p>
-            <a:pPr>
-              <a:lnSpc>
-                <a:spcPct val="90000"/>
-              </a:lnSpc>
-              <a:spcAft>
-                <a:spcPts val="450"/>
-              </a:spcAft>
-            </a:pPr>
-            <a:r>
-              <a:rPr lang="en-US" sz="2999" b="1" spc="-112" dirty="0" err="1">
-                <a:solidFill>
-                  <a:srgbClr val="FFFFFF"/>
-                </a:solidFill>
-              </a:rPr>
-              <a:t>Các</a:t>
-            </a:r>
-            <a:r>
-              <a:rPr lang="en-US" sz="2999" b="1" spc="-112" dirty="0">
-                <a:solidFill>
-                  <a:srgbClr val="FFFFFF"/>
-                </a:solidFill>
-              </a:rPr>
-              <a:t> </a:t>
-            </a:r>
-            <a:r>
-              <a:rPr lang="en-US" sz="2999" b="1" spc="-112" dirty="0" err="1">
-                <a:solidFill>
-                  <a:srgbClr val="FFFFFF"/>
-                </a:solidFill>
-              </a:rPr>
-              <a:t>sai</a:t>
-            </a:r>
-            <a:r>
-              <a:rPr lang="en-US" sz="2999" b="1" spc="-112" dirty="0">
-                <a:solidFill>
-                  <a:srgbClr val="FFFFFF"/>
-                </a:solidFill>
-              </a:rPr>
-              <a:t> </a:t>
-            </a:r>
-            <a:r>
-              <a:rPr lang="en-US" sz="2999" b="1" spc="-112" dirty="0" err="1">
-                <a:solidFill>
-                  <a:srgbClr val="FFFFFF"/>
-                </a:solidFill>
-              </a:rPr>
-              <a:t>lầm</a:t>
-            </a:r>
-            <a:r>
-              <a:rPr lang="en-US" sz="2999" b="1" spc="-112" dirty="0">
-                <a:solidFill>
-                  <a:srgbClr val="FFFFFF"/>
-                </a:solidFill>
-              </a:rPr>
-              <a:t> </a:t>
-            </a:r>
-            <a:r>
-              <a:rPr lang="en-US" sz="2999" b="1" spc="-112" dirty="0" err="1">
-                <a:solidFill>
-                  <a:srgbClr val="FFFFFF"/>
-                </a:solidFill>
-              </a:rPr>
-              <a:t>trong</a:t>
-            </a:r>
-            <a:r>
-              <a:rPr lang="en-US" sz="2999" b="1" spc="-112" dirty="0">
-                <a:solidFill>
-                  <a:srgbClr val="FFFFFF"/>
-                </a:solidFill>
-              </a:rPr>
-              <a:t> </a:t>
-            </a:r>
-            <a:r>
-              <a:rPr lang="en-US" sz="2999" b="1" spc="-112" dirty="0" err="1">
-                <a:solidFill>
-                  <a:srgbClr val="FFFFFF"/>
-                </a:solidFill>
-              </a:rPr>
-              <a:t>thiết</a:t>
-            </a:r>
-            <a:r>
-              <a:rPr lang="en-US" sz="2999" b="1" spc="-112" dirty="0">
-                <a:solidFill>
-                  <a:srgbClr val="FFFFFF"/>
-                </a:solidFill>
-              </a:rPr>
-              <a:t> </a:t>
-            </a:r>
-            <a:r>
-              <a:rPr lang="en-US" sz="2999" b="1" spc="-112" dirty="0" err="1">
-                <a:solidFill>
-                  <a:srgbClr val="FFFFFF"/>
-                </a:solidFill>
-              </a:rPr>
-              <a:t>kế</a:t>
-            </a:r>
-            <a:r>
-              <a:rPr lang="en-US" sz="2999" b="1" spc="-112" dirty="0">
-                <a:solidFill>
-                  <a:srgbClr val="FFFFFF"/>
-                </a:solidFill>
-              </a:rPr>
-              <a:t> </a:t>
-            </a:r>
-            <a:r>
-              <a:rPr lang="en-US" sz="2999" b="1" spc="-112" dirty="0" err="1">
-                <a:solidFill>
-                  <a:srgbClr val="FFFFFF"/>
-                </a:solidFill>
-              </a:rPr>
-              <a:t>và</a:t>
-            </a:r>
-            <a:r>
-              <a:rPr lang="en-US" sz="2999" b="1" spc="-112" dirty="0">
-                <a:solidFill>
-                  <a:srgbClr val="FFFFFF"/>
-                </a:solidFill>
-              </a:rPr>
-              <a:t> </a:t>
-            </a:r>
-            <a:r>
-              <a:rPr lang="en-US" sz="2999" b="1" spc="-112" dirty="0" err="1">
-                <a:solidFill>
-                  <a:srgbClr val="FFFFFF"/>
-                </a:solidFill>
-              </a:rPr>
-              <a:t>lựa</a:t>
-            </a:r>
-            <a:r>
-              <a:rPr lang="en-US" sz="2999" b="1" spc="-112" dirty="0">
-                <a:solidFill>
-                  <a:srgbClr val="FFFFFF"/>
-                </a:solidFill>
-              </a:rPr>
-              <a:t> </a:t>
-            </a:r>
-            <a:r>
-              <a:rPr lang="en-US" sz="2999" b="1" spc="-112" dirty="0" err="1">
-                <a:solidFill>
-                  <a:srgbClr val="FFFFFF"/>
-                </a:solidFill>
-              </a:rPr>
-              <a:t>chọn</a:t>
-            </a:r>
-            <a:r>
-              <a:rPr lang="en-US" sz="2999" b="1" spc="-112" dirty="0">
-                <a:solidFill>
-                  <a:srgbClr val="FFFFFF"/>
-                </a:solidFill>
-              </a:rPr>
-              <a:t> </a:t>
-            </a:r>
-            <a:r>
-              <a:rPr lang="en-US" sz="2999" b="1" spc="-112" dirty="0" err="1">
-                <a:solidFill>
-                  <a:srgbClr val="FFFFFF"/>
-                </a:solidFill>
-              </a:rPr>
-              <a:t>công</a:t>
-            </a:r>
-            <a:r>
-              <a:rPr lang="en-US" sz="2999" b="1" spc="-112" dirty="0">
-                <a:solidFill>
-                  <a:srgbClr val="FFFFFF"/>
-                </a:solidFill>
-              </a:rPr>
-              <a:t> </a:t>
-            </a:r>
-            <a:r>
-              <a:rPr lang="en-US" sz="2999" b="1" spc="-112" dirty="0" err="1">
-                <a:solidFill>
-                  <a:srgbClr val="FFFFFF"/>
-                </a:solidFill>
-              </a:rPr>
-              <a:t>nghệ</a:t>
-            </a:r>
-            <a:endParaRPr lang="en-US" sz="2999" b="1" spc="-112" dirty="0">
-              <a:solidFill>
-                <a:srgbClr val="FFFFFF"/>
-              </a:solidFill>
-            </a:endParaRPr>
-          </a:p>
-        </p:txBody>
-      </p:sp>
-      <p:sp>
-        <p:nvSpPr>
-          <p:cNvPr id="5" name="TextBox 4"/>
-          <p:cNvSpPr txBox="1"/>
-          <p:nvPr/>
-        </p:nvSpPr>
-        <p:spPr>
-          <a:xfrm>
-            <a:off x="1690255" y="1634836"/>
-            <a:ext cx="8839200" cy="3416320"/>
-          </a:xfrm>
-          <a:prstGeom prst="rect">
-            <a:avLst/>
-          </a:prstGeom>
-          <a:noFill/>
-        </p:spPr>
-        <p:txBody>
-          <a:bodyPr wrap="square" rtlCol="0">
-            <a:spAutoFit/>
-          </a:bodyPr>
-          <a:lstStyle/>
-          <a:p>
-            <a:pPr marL="285750" indent="-285750">
-              <a:lnSpc>
-                <a:spcPct val="200000"/>
-              </a:lnSpc>
-              <a:buFont typeface="Arial" panose="020B0604020202020204" pitchFamily="34" charset="0"/>
-              <a:buChar char="•"/>
-            </a:pPr>
-            <a:r>
-              <a:rPr lang="en-US" dirty="0">
-                <a:latin typeface="Segoe UI" panose="020B0502040204020203" pitchFamily="34" charset="0"/>
-                <a:cs typeface="Segoe UI" panose="020B0502040204020203" pitchFamily="34" charset="0"/>
-              </a:rPr>
-              <a:t>Sai </a:t>
-            </a:r>
-            <a:r>
-              <a:rPr lang="en-US" dirty="0" err="1">
-                <a:latin typeface="Segoe UI" panose="020B0502040204020203" pitchFamily="34" charset="0"/>
-                <a:cs typeface="Segoe UI" panose="020B0502040204020203" pitchFamily="34" charset="0"/>
-              </a:rPr>
-              <a:t>lầm</a:t>
-            </a:r>
-            <a:r>
-              <a:rPr lang="en-US" dirty="0">
-                <a:latin typeface="Segoe UI" panose="020B0502040204020203" pitchFamily="34" charset="0"/>
-                <a:cs typeface="Segoe UI" panose="020B0502040204020203" pitchFamily="34" charset="0"/>
-              </a:rPr>
-              <a:t> </a:t>
-            </a:r>
-            <a:r>
-              <a:rPr lang="en-US" dirty="0" err="1">
-                <a:latin typeface="Segoe UI" panose="020B0502040204020203" pitchFamily="34" charset="0"/>
-                <a:cs typeface="Segoe UI" panose="020B0502040204020203" pitchFamily="34" charset="0"/>
-              </a:rPr>
-              <a:t>thiết</a:t>
-            </a:r>
-            <a:r>
-              <a:rPr lang="en-US" dirty="0">
-                <a:latin typeface="Segoe UI" panose="020B0502040204020203" pitchFamily="34" charset="0"/>
-                <a:cs typeface="Segoe UI" panose="020B0502040204020203" pitchFamily="34" charset="0"/>
-              </a:rPr>
-              <a:t> </a:t>
-            </a:r>
-            <a:r>
-              <a:rPr lang="en-US" dirty="0" err="1">
-                <a:latin typeface="Segoe UI" panose="020B0502040204020203" pitchFamily="34" charset="0"/>
-                <a:cs typeface="Segoe UI" panose="020B0502040204020203" pitchFamily="34" charset="0"/>
-              </a:rPr>
-              <a:t>kế</a:t>
-            </a:r>
-            <a:r>
-              <a:rPr lang="en-US" dirty="0">
-                <a:latin typeface="Segoe UI" panose="020B0502040204020203" pitchFamily="34" charset="0"/>
-                <a:cs typeface="Segoe UI" panose="020B0502040204020203" pitchFamily="34" charset="0"/>
-              </a:rPr>
-              <a:t>:</a:t>
-            </a:r>
-          </a:p>
-          <a:p>
-            <a:pPr marL="742950" lvl="1" indent="-285750">
-              <a:lnSpc>
-                <a:spcPct val="200000"/>
-              </a:lnSpc>
-              <a:buFont typeface="Arial" panose="020B0604020202020204" pitchFamily="34" charset="0"/>
-              <a:buChar char="•"/>
-            </a:pPr>
-            <a:r>
-              <a:rPr lang="en-US" dirty="0">
-                <a:latin typeface="Segoe UI" panose="020B0502040204020203" pitchFamily="34" charset="0"/>
-                <a:cs typeface="Segoe UI" panose="020B0502040204020203" pitchFamily="34" charset="0"/>
-              </a:rPr>
-              <a:t>RNS </a:t>
-            </a:r>
-            <a:r>
-              <a:rPr lang="en-US" dirty="0" err="1">
-                <a:latin typeface="Segoe UI" panose="020B0502040204020203" pitchFamily="34" charset="0"/>
-                <a:cs typeface="Segoe UI" panose="020B0502040204020203" pitchFamily="34" charset="0"/>
-              </a:rPr>
-              <a:t>đã</a:t>
-            </a:r>
-            <a:r>
-              <a:rPr lang="en-US" dirty="0">
-                <a:latin typeface="Segoe UI" panose="020B0502040204020203" pitchFamily="34" charset="0"/>
-                <a:cs typeface="Segoe UI" panose="020B0502040204020203" pitchFamily="34" charset="0"/>
-              </a:rPr>
-              <a:t> </a:t>
-            </a:r>
-            <a:r>
-              <a:rPr lang="en-US" dirty="0" err="1">
-                <a:latin typeface="Segoe UI" panose="020B0502040204020203" pitchFamily="34" charset="0"/>
-                <a:cs typeface="Segoe UI" panose="020B0502040204020203" pitchFamily="34" charset="0"/>
-              </a:rPr>
-              <a:t>phải</a:t>
-            </a:r>
-            <a:r>
-              <a:rPr lang="en-US" dirty="0">
-                <a:latin typeface="Segoe UI" panose="020B0502040204020203" pitchFamily="34" charset="0"/>
-                <a:cs typeface="Segoe UI" panose="020B0502040204020203" pitchFamily="34" charset="0"/>
-              </a:rPr>
-              <a:t> </a:t>
-            </a:r>
-            <a:r>
-              <a:rPr lang="en-US" dirty="0" err="1">
-                <a:latin typeface="Segoe UI" panose="020B0502040204020203" pitchFamily="34" charset="0"/>
-                <a:cs typeface="Segoe UI" panose="020B0502040204020203" pitchFamily="34" charset="0"/>
-              </a:rPr>
-              <a:t>thiết</a:t>
-            </a:r>
-            <a:r>
-              <a:rPr lang="en-US" dirty="0">
-                <a:latin typeface="Segoe UI" panose="020B0502040204020203" pitchFamily="34" charset="0"/>
-                <a:cs typeface="Segoe UI" panose="020B0502040204020203" pitchFamily="34" charset="0"/>
-              </a:rPr>
-              <a:t> </a:t>
-            </a:r>
-            <a:r>
-              <a:rPr lang="en-US" dirty="0" err="1">
-                <a:latin typeface="Segoe UI" panose="020B0502040204020203" pitchFamily="34" charset="0"/>
-                <a:cs typeface="Segoe UI" panose="020B0502040204020203" pitchFamily="34" charset="0"/>
-              </a:rPr>
-              <a:t>kế</a:t>
-            </a:r>
-            <a:r>
-              <a:rPr lang="en-US" dirty="0">
-                <a:latin typeface="Segoe UI" panose="020B0502040204020203" pitchFamily="34" charset="0"/>
-                <a:cs typeface="Segoe UI" panose="020B0502040204020203" pitchFamily="34" charset="0"/>
-              </a:rPr>
-              <a:t> </a:t>
-            </a:r>
-            <a:r>
-              <a:rPr lang="en-US" dirty="0" err="1">
-                <a:latin typeface="Segoe UI" panose="020B0502040204020203" pitchFamily="34" charset="0"/>
-                <a:cs typeface="Segoe UI" panose="020B0502040204020203" pitchFamily="34" charset="0"/>
-              </a:rPr>
-              <a:t>lại</a:t>
-            </a:r>
-            <a:r>
-              <a:rPr lang="en-US" dirty="0">
-                <a:latin typeface="Segoe UI" panose="020B0502040204020203" pitchFamily="34" charset="0"/>
-                <a:cs typeface="Segoe UI" panose="020B0502040204020203" pitchFamily="34" charset="0"/>
-              </a:rPr>
-              <a:t> 4 </a:t>
-            </a:r>
-            <a:r>
-              <a:rPr lang="en-US" dirty="0" err="1">
-                <a:latin typeface="Segoe UI" panose="020B0502040204020203" pitchFamily="34" charset="0"/>
-                <a:cs typeface="Segoe UI" panose="020B0502040204020203" pitchFamily="34" charset="0"/>
-              </a:rPr>
-              <a:t>lần</a:t>
-            </a:r>
-            <a:endParaRPr lang="en-US" dirty="0">
-              <a:latin typeface="Segoe UI" panose="020B0502040204020203" pitchFamily="34" charset="0"/>
-              <a:cs typeface="Segoe UI" panose="020B0502040204020203" pitchFamily="34" charset="0"/>
-            </a:endParaRPr>
-          </a:p>
-          <a:p>
-            <a:pPr marL="742950" lvl="1" indent="-285750">
-              <a:lnSpc>
-                <a:spcPct val="200000"/>
-              </a:lnSpc>
-              <a:buFont typeface="Arial" panose="020B0604020202020204" pitchFamily="34" charset="0"/>
-              <a:buChar char="•"/>
-            </a:pPr>
-            <a:r>
-              <a:rPr lang="en-US" dirty="0">
-                <a:latin typeface="Segoe UI" panose="020B0502040204020203" pitchFamily="34" charset="0"/>
-                <a:cs typeface="Segoe UI" panose="020B0502040204020203" pitchFamily="34" charset="0"/>
-              </a:rPr>
-              <a:t>RNS </a:t>
-            </a:r>
-            <a:r>
-              <a:rPr lang="en-US" dirty="0" err="1">
-                <a:latin typeface="Segoe UI" panose="020B0502040204020203" pitchFamily="34" charset="0"/>
-                <a:cs typeface="Segoe UI" panose="020B0502040204020203" pitchFamily="34" charset="0"/>
-              </a:rPr>
-              <a:t>bắt</a:t>
-            </a:r>
-            <a:r>
-              <a:rPr lang="en-US" dirty="0">
-                <a:latin typeface="Segoe UI" panose="020B0502040204020203" pitchFamily="34" charset="0"/>
-                <a:cs typeface="Segoe UI" panose="020B0502040204020203" pitchFamily="34" charset="0"/>
-              </a:rPr>
-              <a:t> </a:t>
-            </a:r>
-            <a:r>
-              <a:rPr lang="en-US" dirty="0" err="1">
-                <a:latin typeface="Segoe UI" panose="020B0502040204020203" pitchFamily="34" charset="0"/>
-                <a:cs typeface="Segoe UI" panose="020B0502040204020203" pitchFamily="34" charset="0"/>
-              </a:rPr>
-              <a:t>đầu</a:t>
-            </a:r>
-            <a:r>
-              <a:rPr lang="en-US" dirty="0">
-                <a:latin typeface="Segoe UI" panose="020B0502040204020203" pitchFamily="34" charset="0"/>
-                <a:cs typeface="Segoe UI" panose="020B0502040204020203" pitchFamily="34" charset="0"/>
-              </a:rPr>
-              <a:t> </a:t>
-            </a:r>
-            <a:r>
-              <a:rPr lang="en-US" dirty="0" err="1">
-                <a:latin typeface="Segoe UI" panose="020B0502040204020203" pitchFamily="34" charset="0"/>
-                <a:cs typeface="Segoe UI" panose="020B0502040204020203" pitchFamily="34" charset="0"/>
-              </a:rPr>
-              <a:t>với</a:t>
-            </a:r>
-            <a:r>
-              <a:rPr lang="en-US" dirty="0">
-                <a:latin typeface="Segoe UI" panose="020B0502040204020203" pitchFamily="34" charset="0"/>
-                <a:cs typeface="Segoe UI" panose="020B0502040204020203" pitchFamily="34" charset="0"/>
-              </a:rPr>
-              <a:t> 2 layer=&gt; n layers (22 projects)</a:t>
-            </a:r>
-          </a:p>
-          <a:p>
-            <a:pPr marL="285750" indent="-285750">
-              <a:lnSpc>
-                <a:spcPct val="200000"/>
-              </a:lnSpc>
-              <a:buFont typeface="Arial" panose="020B0604020202020204" pitchFamily="34" charset="0"/>
-              <a:buChar char="•"/>
-            </a:pPr>
-            <a:r>
-              <a:rPr lang="en-US" dirty="0">
-                <a:latin typeface="Segoe UI" panose="020B0502040204020203" pitchFamily="34" charset="0"/>
-                <a:cs typeface="Segoe UI" panose="020B0502040204020203" pitchFamily="34" charset="0"/>
-              </a:rPr>
-              <a:t>Sai </a:t>
-            </a:r>
-            <a:r>
-              <a:rPr lang="en-US" dirty="0" err="1">
-                <a:latin typeface="Segoe UI" panose="020B0502040204020203" pitchFamily="34" charset="0"/>
-                <a:cs typeface="Segoe UI" panose="020B0502040204020203" pitchFamily="34" charset="0"/>
-              </a:rPr>
-              <a:t>lầm</a:t>
-            </a:r>
-            <a:r>
-              <a:rPr lang="en-US" dirty="0">
-                <a:latin typeface="Segoe UI" panose="020B0502040204020203" pitchFamily="34" charset="0"/>
-                <a:cs typeface="Segoe UI" panose="020B0502040204020203" pitchFamily="34" charset="0"/>
-              </a:rPr>
-              <a:t> </a:t>
-            </a:r>
-            <a:r>
-              <a:rPr lang="en-US" dirty="0" err="1">
-                <a:latin typeface="Segoe UI" panose="020B0502040204020203" pitchFamily="34" charset="0"/>
-                <a:cs typeface="Segoe UI" panose="020B0502040204020203" pitchFamily="34" charset="0"/>
-              </a:rPr>
-              <a:t>lựa</a:t>
-            </a:r>
-            <a:r>
-              <a:rPr lang="en-US" dirty="0">
-                <a:latin typeface="Segoe UI" panose="020B0502040204020203" pitchFamily="34" charset="0"/>
-                <a:cs typeface="Segoe UI" panose="020B0502040204020203" pitchFamily="34" charset="0"/>
-              </a:rPr>
-              <a:t> </a:t>
-            </a:r>
-            <a:r>
-              <a:rPr lang="en-US" dirty="0" err="1">
-                <a:latin typeface="Segoe UI" panose="020B0502040204020203" pitchFamily="34" charset="0"/>
-                <a:cs typeface="Segoe UI" panose="020B0502040204020203" pitchFamily="34" charset="0"/>
-              </a:rPr>
-              <a:t>chọn</a:t>
-            </a:r>
-            <a:r>
-              <a:rPr lang="en-US" dirty="0">
-                <a:latin typeface="Segoe UI" panose="020B0502040204020203" pitchFamily="34" charset="0"/>
-                <a:cs typeface="Segoe UI" panose="020B0502040204020203" pitchFamily="34" charset="0"/>
-              </a:rPr>
-              <a:t> </a:t>
-            </a:r>
-            <a:r>
-              <a:rPr lang="en-US" dirty="0" err="1">
-                <a:latin typeface="Segoe UI" panose="020B0502040204020203" pitchFamily="34" charset="0"/>
-                <a:cs typeface="Segoe UI" panose="020B0502040204020203" pitchFamily="34" charset="0"/>
-              </a:rPr>
-              <a:t>công</a:t>
-            </a:r>
-            <a:r>
-              <a:rPr lang="en-US" dirty="0">
-                <a:latin typeface="Segoe UI" panose="020B0502040204020203" pitchFamily="34" charset="0"/>
-                <a:cs typeface="Segoe UI" panose="020B0502040204020203" pitchFamily="34" charset="0"/>
-              </a:rPr>
-              <a:t> </a:t>
-            </a:r>
-            <a:r>
-              <a:rPr lang="en-US" dirty="0" err="1">
-                <a:latin typeface="Segoe UI" panose="020B0502040204020203" pitchFamily="34" charset="0"/>
-                <a:cs typeface="Segoe UI" panose="020B0502040204020203" pitchFamily="34" charset="0"/>
-              </a:rPr>
-              <a:t>nghệ</a:t>
-            </a:r>
-            <a:r>
-              <a:rPr lang="en-US" dirty="0">
-                <a:latin typeface="Segoe UI" panose="020B0502040204020203" pitchFamily="34" charset="0"/>
-                <a:cs typeface="Segoe UI" panose="020B0502040204020203" pitchFamily="34" charset="0"/>
-              </a:rPr>
-              <a:t>:</a:t>
-            </a:r>
-          </a:p>
-          <a:p>
-            <a:pPr marL="742950" lvl="1" indent="-285750">
-              <a:lnSpc>
-                <a:spcPct val="200000"/>
-              </a:lnSpc>
-              <a:buFont typeface="Arial" panose="020B0604020202020204" pitchFamily="34" charset="0"/>
-              <a:buChar char="•"/>
-            </a:pPr>
-            <a:r>
-              <a:rPr lang="en-US" dirty="0">
-                <a:latin typeface="Segoe UI" panose="020B0502040204020203" pitchFamily="34" charset="0"/>
-                <a:cs typeface="Segoe UI" panose="020B0502040204020203" pitchFamily="34" charset="0"/>
-              </a:rPr>
-              <a:t>TCP-IP </a:t>
-            </a:r>
-            <a:r>
-              <a:rPr lang="en-US" dirty="0">
-                <a:latin typeface="Segoe UI" panose="020B0502040204020203" pitchFamily="34" charset="0"/>
-                <a:cs typeface="Segoe UI" panose="020B0502040204020203" pitchFamily="34" charset="0"/>
-              </a:rPr>
-              <a:t>socket =&gt;WCF service</a:t>
-            </a:r>
-          </a:p>
-          <a:p>
-            <a:pPr marL="742950" lvl="1" indent="-285750">
-              <a:lnSpc>
-                <a:spcPct val="200000"/>
-              </a:lnSpc>
-              <a:buFont typeface="Arial" panose="020B0604020202020204" pitchFamily="34" charset="0"/>
-              <a:buChar char="•"/>
-            </a:pPr>
-            <a:r>
-              <a:rPr lang="en-US" dirty="0">
-                <a:latin typeface="Segoe UI" panose="020B0502040204020203" pitchFamily="34" charset="0"/>
-                <a:cs typeface="Segoe UI" panose="020B0502040204020203" pitchFamily="34" charset="0"/>
-              </a:rPr>
-              <a:t>Linq2SQL =&gt; </a:t>
-            </a:r>
-            <a:r>
-              <a:rPr lang="en-US" dirty="0">
-                <a:latin typeface="Segoe UI" panose="020B0502040204020203" pitchFamily="34" charset="0"/>
-                <a:cs typeface="Segoe UI" panose="020B0502040204020203" pitchFamily="34" charset="0"/>
-              </a:rPr>
-              <a:t>Dapper Dot Net</a:t>
-            </a:r>
-            <a:endParaRPr lang="en-US" dirty="0">
-              <a:latin typeface="Segoe UI" panose="020B0502040204020203" pitchFamily="34" charset="0"/>
-              <a:cs typeface="Segoe UI" panose="020B0502040204020203" pitchFamily="34" charset="0"/>
-            </a:endParaRPr>
-          </a:p>
-        </p:txBody>
-      </p:sp>
     </p:spTree>
     <p:extLst>
       <p:ext uri="{BB962C8B-B14F-4D97-AF65-F5344CB8AC3E}">
@@ -8913,7 +10017,7 @@
 </p:sld>
 </file>
 
-<file path=ppt/slides/slide16.xml><?xml version="1.0" encoding="utf-8"?>
+<file path=ppt/slides/slide17.xml><?xml version="1.0" encoding="utf-8"?>
 <p:sld xmlns:a="http://schemas.openxmlformats.org/drawingml/2006/main" xmlns:r="http://schemas.openxmlformats.org/officeDocument/2006/relationships" xmlns:p="http://schemas.openxmlformats.org/presentationml/2006/main">
   <p:cSld>
     <p:spTree>
@@ -9367,7 +10471,7 @@
         <p:spPr/>
         <p:txBody>
           <a:bodyPr>
-            <a:normAutofit lnSpcReduction="10000"/>
+            <a:normAutofit fontScale="92500" lnSpcReduction="20000"/>
           </a:bodyPr>
           <a:lstStyle/>
           <a:p>
@@ -9526,6 +10630,96 @@
             </a:r>
             <a:r>
               <a:rPr lang="en-US" dirty="0" smtClean="0"/>
+              <a:t>.</a:t>
+            </a:r>
+          </a:p>
+          <a:p>
+            <a:pPr marL="514350" indent="-514350">
+              <a:buFont typeface="+mj-lt"/>
+              <a:buAutoNum type="arabicPeriod"/>
+            </a:pPr>
+            <a:r>
+              <a:rPr lang="en-US" dirty="0" err="1" smtClean="0">
+                <a:latin typeface="Segoe UI" panose="020B0502040204020203" pitchFamily="34" charset="0"/>
+                <a:cs typeface="Segoe UI" panose="020B0502040204020203" pitchFamily="34" charset="0"/>
+              </a:rPr>
+              <a:t>Thiết</a:t>
+            </a:r>
+            <a:r>
+              <a:rPr lang="en-US" dirty="0" smtClean="0">
+                <a:latin typeface="Segoe UI" panose="020B0502040204020203" pitchFamily="34" charset="0"/>
+                <a:cs typeface="Segoe UI" panose="020B0502040204020203" pitchFamily="34" charset="0"/>
+              </a:rPr>
+              <a:t> </a:t>
+            </a:r>
+            <a:r>
+              <a:rPr lang="en-US" dirty="0" err="1" smtClean="0">
+                <a:latin typeface="Segoe UI" panose="020B0502040204020203" pitchFamily="34" charset="0"/>
+                <a:cs typeface="Segoe UI" panose="020B0502040204020203" pitchFamily="34" charset="0"/>
+              </a:rPr>
+              <a:t>kế</a:t>
+            </a:r>
+            <a:r>
+              <a:rPr lang="en-US" dirty="0" smtClean="0">
+                <a:latin typeface="Segoe UI" panose="020B0502040204020203" pitchFamily="34" charset="0"/>
+                <a:cs typeface="Segoe UI" panose="020B0502040204020203" pitchFamily="34" charset="0"/>
+              </a:rPr>
+              <a:t> </a:t>
+            </a:r>
+            <a:r>
+              <a:rPr lang="en-US" dirty="0" err="1" smtClean="0">
+                <a:latin typeface="Segoe UI" panose="020B0502040204020203" pitchFamily="34" charset="0"/>
+                <a:cs typeface="Segoe UI" panose="020B0502040204020203" pitchFamily="34" charset="0"/>
+              </a:rPr>
+              <a:t>cơ</a:t>
+            </a:r>
+            <a:r>
+              <a:rPr lang="en-US" dirty="0" smtClean="0">
+                <a:latin typeface="Segoe UI" panose="020B0502040204020203" pitchFamily="34" charset="0"/>
+                <a:cs typeface="Segoe UI" panose="020B0502040204020203" pitchFamily="34" charset="0"/>
+              </a:rPr>
+              <a:t> </a:t>
+            </a:r>
+            <a:r>
+              <a:rPr lang="en-US" dirty="0" err="1" smtClean="0">
+                <a:latin typeface="Segoe UI" panose="020B0502040204020203" pitchFamily="34" charset="0"/>
+                <a:cs typeface="Segoe UI" panose="020B0502040204020203" pitchFamily="34" charset="0"/>
+              </a:rPr>
+              <a:t>sở</a:t>
+            </a:r>
+            <a:r>
+              <a:rPr lang="en-US" dirty="0" smtClean="0">
+                <a:latin typeface="Segoe UI" panose="020B0502040204020203" pitchFamily="34" charset="0"/>
+                <a:cs typeface="Segoe UI" panose="020B0502040204020203" pitchFamily="34" charset="0"/>
+              </a:rPr>
+              <a:t> </a:t>
+            </a:r>
+            <a:r>
+              <a:rPr lang="en-US" dirty="0" err="1" smtClean="0">
+                <a:latin typeface="Segoe UI" panose="020B0502040204020203" pitchFamily="34" charset="0"/>
+                <a:cs typeface="Segoe UI" panose="020B0502040204020203" pitchFamily="34" charset="0"/>
+              </a:rPr>
+              <a:t>dữ</a:t>
+            </a:r>
+            <a:r>
+              <a:rPr lang="en-US" dirty="0" smtClean="0">
+                <a:latin typeface="Segoe UI" panose="020B0502040204020203" pitchFamily="34" charset="0"/>
+                <a:cs typeface="Segoe UI" panose="020B0502040204020203" pitchFamily="34" charset="0"/>
+              </a:rPr>
+              <a:t> </a:t>
+            </a:r>
+            <a:r>
+              <a:rPr lang="en-US" dirty="0" err="1" smtClean="0">
+                <a:latin typeface="Segoe UI" panose="020B0502040204020203" pitchFamily="34" charset="0"/>
+                <a:cs typeface="Segoe UI" panose="020B0502040204020203" pitchFamily="34" charset="0"/>
+              </a:rPr>
+              <a:t>liệu</a:t>
+            </a:r>
+            <a:r>
+              <a:rPr lang="en-US" smtClean="0">
+                <a:latin typeface="Segoe UI" panose="020B0502040204020203" pitchFamily="34" charset="0"/>
+                <a:cs typeface="Segoe UI" panose="020B0502040204020203" pitchFamily="34" charset="0"/>
+              </a:rPr>
               <a:t>.</a:t>
             </a:r>
             <a:endParaRPr lang="en-US" dirty="0" smtClean="0">
@@ -9828,14 +11022,14 @@
       </p:sp>
       <p:cxnSp>
         <p:nvCxnSpPr>
-          <p:cNvPr id="6" name="Straight Connector 5"/>
+          <p:cNvPr id="5" name="Straight Connector 4"/>
           <p:cNvCxnSpPr/>
           <p:nvPr/>
         </p:nvCxnSpPr>
         <p:spPr>
           <a:xfrm flipV="1">
-            <a:off x="1236985" y="1397906"/>
-            <a:ext cx="9718031" cy="57165"/>
+            <a:off x="-109182" y="1388891"/>
+            <a:ext cx="12596883" cy="85067"/>
           </a:xfrm>
           <a:prstGeom prst="line">
             <a:avLst/>
@@ -9926,8 +11120,8 @@
         </p:nvCxnSpPr>
         <p:spPr>
           <a:xfrm flipV="1">
-            <a:off x="1236985" y="1397906"/>
-            <a:ext cx="9718031" cy="57165"/>
+            <a:off x="-109182" y="1388891"/>
+            <a:ext cx="12596883" cy="85067"/>
           </a:xfrm>
           <a:prstGeom prst="line">
             <a:avLst/>
@@ -9973,8 +11167,8 @@
         </p:nvSpPr>
         <p:spPr>
           <a:xfrm>
-            <a:off x="2152650" y="1825625"/>
-            <a:ext cx="7886700" cy="4351338"/>
+            <a:off x="1064525" y="1825625"/>
+            <a:ext cx="8974825" cy="4351338"/>
           </a:xfrm>
         </p:spPr>
         <p:txBody>
@@ -10004,7 +11198,7 @@
         </p:nvSpPr>
         <p:spPr>
           <a:xfrm>
-            <a:off x="1524001" y="525368"/>
+            <a:off x="0" y="400305"/>
             <a:ext cx="3371085" cy="636919"/>
           </a:xfrm>
           <a:prstGeom prst="rect">
@@ -10137,7 +11331,7 @@
       </p:grpSpPr>
       <p:pic>
         <p:nvPicPr>
-          <p:cNvPr id="22" name="Picture 21"/>
+          <p:cNvPr id="20" name="Picture 19"/>
           <p:cNvPicPr>
             <a:picLocks noChangeAspect="1"/>
           </p:cNvPicPr>
@@ -10157,8 +11351,8 @@
         </p:blipFill>
         <p:spPr>
           <a:xfrm>
-            <a:off x="1526538" y="874965"/>
-            <a:ext cx="9321488" cy="5244650"/>
+            <a:off x="3384" y="1015"/>
+            <a:ext cx="12428122" cy="6992569"/>
           </a:xfrm>
           <a:prstGeom prst="rect">
             <a:avLst/>
@@ -10167,14 +11361,14 @@
       </p:pic>
       <p:sp>
         <p:nvSpPr>
-          <p:cNvPr id="23" name="Rectangle 22"/>
+          <p:cNvPr id="21" name="Rectangle 20"/>
           <p:cNvSpPr/>
           <p:nvPr/>
         </p:nvSpPr>
         <p:spPr>
           <a:xfrm>
-            <a:off x="1526538" y="2106491"/>
-            <a:ext cx="9321488" cy="3096551"/>
+            <a:off x="3384" y="1642982"/>
+            <a:ext cx="12428122" cy="4128559"/>
           </a:xfrm>
           <a:prstGeom prst="rect">
             <a:avLst/>
@@ -10214,7 +11408,7 @@
           </a:bodyPr>
           <a:lstStyle/>
           <a:p>
-            <a:pPr algn="ctr" defTabSz="698952" fontAlgn="base">
+            <a:pPr algn="ctr" defTabSz="931913" fontAlgn="base">
               <a:lnSpc>
                 <a:spcPct val="90000"/>
               </a:lnSpc>
@@ -10225,7 +11419,7 @@
                 <a:spcPct val="0"/>
               </a:spcAft>
             </a:pPr>
-            <a:endParaRPr lang="en-US" sz="1377" dirty="0">
+            <a:endParaRPr lang="en-US" sz="1836" dirty="0" err="1">
               <a:gradFill>
                 <a:gsLst>
                   <a:gs pos="0">
@@ -10245,14 +11439,14 @@
       </p:sp>
       <p:sp>
         <p:nvSpPr>
-          <p:cNvPr id="24" name="TextBox 23"/>
+          <p:cNvPr id="40" name="TextBox 39"/>
           <p:cNvSpPr txBox="1"/>
           <p:nvPr/>
         </p:nvSpPr>
         <p:spPr>
           <a:xfrm>
-            <a:off x="1524664" y="1172254"/>
-            <a:ext cx="3371085" cy="636919"/>
+            <a:off x="888" y="397384"/>
+            <a:ext cx="4494589" cy="849254"/>
           </a:xfrm>
           <a:prstGeom prst="rect">
             <a:avLst/>
@@ -10264,7 +11458,7 @@
           </a:solidFill>
         </p:spPr>
         <p:txBody>
-          <a:bodyPr wrap="square" lIns="411386" tIns="109703" rIns="137129" bIns="109703" rtlCol="0">
+          <a:bodyPr wrap="square" lIns="548491" tIns="146264" rIns="182831" bIns="146264" rtlCol="0">
             <a:spAutoFit/>
           </a:bodyPr>
           <a:lstStyle/>
@@ -10274,11 +11468,11 @@
                 <a:spcPct val="90000"/>
               </a:lnSpc>
               <a:spcAft>
-                <a:spcPts val="450"/>
+                <a:spcPts val="600"/>
               </a:spcAft>
             </a:pPr>
             <a:r>
-              <a:rPr lang="en-US" sz="2999" b="1" spc="-112" dirty="0">
+              <a:rPr lang="en-US" sz="3999" b="1" spc="-149" dirty="0">
                 <a:solidFill>
                   <a:srgbClr val="FFFFFF"/>
                 </a:solidFill>
@@ -10290,14 +11484,14 @@
       </p:sp>
       <p:sp>
         <p:nvSpPr>
-          <p:cNvPr id="25" name="TextBox 24"/>
+          <p:cNvPr id="41" name="TextBox 40"/>
           <p:cNvSpPr txBox="1"/>
           <p:nvPr/>
         </p:nvSpPr>
         <p:spPr>
           <a:xfrm>
-            <a:off x="1917881" y="2580670"/>
-            <a:ext cx="509729" cy="166071"/>
+            <a:off x="525155" y="2275193"/>
+            <a:ext cx="679610" cy="221471"/>
           </a:xfrm>
           <a:prstGeom prst="rect">
             <a:avLst/>
@@ -10310,16 +11504,16 @@
           </a:bodyPr>
           <a:lstStyle/>
           <a:p>
-            <a:pPr algn="ctr" defTabSz="685310">
+            <a:pPr algn="ctr" defTabSz="913724">
               <a:lnSpc>
                 <a:spcPct val="90000"/>
               </a:lnSpc>
               <a:spcAft>
-                <a:spcPts val="450"/>
+                <a:spcPts val="600"/>
               </a:spcAft>
             </a:pPr>
             <a:r>
-              <a:rPr lang="en-US" sz="1199" dirty="0">
+              <a:rPr lang="en-US" sz="1599" dirty="0">
                 <a:solidFill>
                   <a:srgbClr val="4F4F4F"/>
                 </a:solidFill>
@@ -10332,14 +11526,14 @@
       </p:sp>
       <p:sp>
         <p:nvSpPr>
-          <p:cNvPr id="26" name="TextBox 25"/>
+          <p:cNvPr id="42" name="TextBox 41"/>
           <p:cNvSpPr txBox="1"/>
           <p:nvPr/>
         </p:nvSpPr>
         <p:spPr>
           <a:xfrm>
-            <a:off x="5938279" y="2469703"/>
-            <a:ext cx="1468500" cy="332142"/>
+            <a:off x="5885455" y="2127242"/>
+            <a:ext cx="1957917" cy="442942"/>
           </a:xfrm>
           <a:prstGeom prst="rect">
             <a:avLst/>
@@ -10352,16 +11546,16 @@
           </a:bodyPr>
           <a:lstStyle/>
           <a:p>
-            <a:pPr algn="ctr" defTabSz="685310">
+            <a:pPr algn="ctr" defTabSz="913724">
               <a:lnSpc>
                 <a:spcPct val="90000"/>
               </a:lnSpc>
               <a:spcAft>
-                <a:spcPts val="450"/>
+                <a:spcPts val="600"/>
               </a:spcAft>
             </a:pPr>
             <a:r>
-              <a:rPr lang="en-US" sz="1199" dirty="0">
+              <a:rPr lang="en-US" sz="1599" dirty="0">
                 <a:solidFill>
                   <a:srgbClr val="4F4F4F"/>
                 </a:solidFill>
@@ -10370,7 +11564,7 @@
               <a:t>Desktops </a:t>
             </a:r>
             <a:br>
-              <a:rPr lang="en-US" sz="1199" dirty="0">
+              <a:rPr lang="en-US" sz="1599" dirty="0">
                 <a:solidFill>
                   <a:srgbClr val="4F4F4F"/>
                 </a:solidFill>
@@ -10378,7 +11572,7 @@
               </a:rPr>
             </a:br>
             <a:r>
-              <a:rPr lang="en-US" sz="1199" dirty="0">
+              <a:rPr lang="en-US" sz="1599" dirty="0">
                 <a:solidFill>
                   <a:srgbClr val="4F4F4F"/>
                 </a:solidFill>
@@ -10391,14 +11585,14 @@
       </p:sp>
       <p:sp>
         <p:nvSpPr>
-          <p:cNvPr id="27" name="TextBox 26"/>
+          <p:cNvPr id="43" name="TextBox 42"/>
           <p:cNvSpPr txBox="1"/>
           <p:nvPr/>
         </p:nvSpPr>
         <p:spPr>
           <a:xfrm>
-            <a:off x="4279378" y="2495983"/>
-            <a:ext cx="730127" cy="332142"/>
+            <a:off x="3673684" y="2162280"/>
+            <a:ext cx="973461" cy="442942"/>
           </a:xfrm>
           <a:prstGeom prst="rect">
             <a:avLst/>
@@ -10411,16 +11605,16 @@
           </a:bodyPr>
           <a:lstStyle/>
           <a:p>
-            <a:pPr algn="ctr" defTabSz="685310">
+            <a:pPr algn="ctr" defTabSz="913724">
               <a:lnSpc>
                 <a:spcPct val="90000"/>
               </a:lnSpc>
               <a:spcAft>
-                <a:spcPts val="450"/>
+                <a:spcPts val="600"/>
               </a:spcAft>
             </a:pPr>
             <a:r>
-              <a:rPr lang="en-US" sz="1199" dirty="0">
+              <a:rPr lang="en-US" sz="1599" dirty="0">
                 <a:solidFill>
                   <a:srgbClr val="4F4F4F"/>
                 </a:solidFill>
@@ -10429,7 +11623,7 @@
               <a:t>Classic </a:t>
             </a:r>
             <a:br>
-              <a:rPr lang="en-US" sz="1199" dirty="0">
+              <a:rPr lang="en-US" sz="1599" dirty="0">
                 <a:solidFill>
                   <a:srgbClr val="4F4F4F"/>
                 </a:solidFill>
@@ -10437,7 +11631,7 @@
               </a:rPr>
             </a:br>
             <a:r>
-              <a:rPr lang="en-US" sz="1199" dirty="0">
+              <a:rPr lang="en-US" sz="1599" dirty="0">
                 <a:solidFill>
                   <a:srgbClr val="4F4F4F"/>
                 </a:solidFill>
@@ -10450,14 +11644,14 @@
       </p:sp>
       <p:sp>
         <p:nvSpPr>
-          <p:cNvPr id="28" name="Rectangle 27"/>
+          <p:cNvPr id="44" name="Rectangle 43"/>
           <p:cNvSpPr/>
           <p:nvPr/>
         </p:nvSpPr>
         <p:spPr>
           <a:xfrm>
-            <a:off x="1526538" y="4561833"/>
-            <a:ext cx="9321488" cy="641211"/>
+            <a:off x="3384" y="4916631"/>
+            <a:ext cx="12428122" cy="854912"/>
           </a:xfrm>
           <a:prstGeom prst="rect">
             <a:avLst/>
@@ -10509,7 +11703,7 @@
           </a:bodyPr>
           <a:lstStyle/>
           <a:p>
-            <a:pPr algn="ctr" defTabSz="698952" fontAlgn="base">
+            <a:pPr algn="ctr" defTabSz="931913" fontAlgn="base">
               <a:lnSpc>
                 <a:spcPct val="90000"/>
               </a:lnSpc>
@@ -10520,7 +11714,7 @@
                 <a:spcPct val="0"/>
               </a:spcAft>
             </a:pPr>
-            <a:endParaRPr lang="en-US" sz="1377" dirty="0">
+            <a:endParaRPr lang="en-US" sz="1836" dirty="0" err="1">
               <a:gradFill>
                 <a:gsLst>
                   <a:gs pos="0">
@@ -10540,14 +11734,14 @@
       </p:sp>
       <p:pic>
         <p:nvPicPr>
-          <p:cNvPr id="29" name="Picture 28"/>
+          <p:cNvPr id="45" name="Picture 44"/>
           <p:cNvPicPr>
             <a:picLocks noChangeAspect="1"/>
           </p:cNvPicPr>
           <p:nvPr/>
         </p:nvPicPr>
         <p:blipFill>
-          <a:blip r:embed="rId3" cstate="print">
+          <a:blip r:embed="rId3">
             <a:extLst>
               <a:ext uri="{28A0092B-C50C-407E-A947-70E740481C1C}">
                 <a14:useLocalDpi xmlns:a14="http://schemas.microsoft.com/office/drawing/2010/main" val="0"/>
@@ -10560,8 +11754,8 @@
         </p:blipFill>
         <p:spPr>
           <a:xfrm>
-            <a:off x="5782075" y="3222893"/>
-            <a:ext cx="2143047" cy="1576586"/>
+            <a:off x="5677195" y="3131452"/>
+            <a:ext cx="2857274" cy="2102025"/>
           </a:xfrm>
           <a:prstGeom prst="rect">
             <a:avLst/>
@@ -10570,14 +11764,14 @@
       </p:pic>
       <p:pic>
         <p:nvPicPr>
-          <p:cNvPr id="30" name="Picture 29"/>
+          <p:cNvPr id="46" name="Picture 45"/>
           <p:cNvPicPr>
             <a:picLocks noChangeAspect="1"/>
           </p:cNvPicPr>
           <p:nvPr/>
         </p:nvPicPr>
         <p:blipFill>
-          <a:blip r:embed="rId4" cstate="print">
+          <a:blip r:embed="rId4">
             <a:extLst>
               <a:ext uri="{28A0092B-C50C-407E-A947-70E740481C1C}">
                 <a14:useLocalDpi xmlns:a14="http://schemas.microsoft.com/office/drawing/2010/main" val="0"/>
@@ -10590,8 +11784,8 @@
         </p:blipFill>
         <p:spPr>
           <a:xfrm>
-            <a:off x="2628139" y="3975969"/>
-            <a:ext cx="1208188" cy="772448"/>
+            <a:off x="1472123" y="4135511"/>
+            <a:ext cx="1610849" cy="1029887"/>
           </a:xfrm>
           <a:prstGeom prst="rect">
             <a:avLst/>
@@ -10600,14 +11794,14 @@
       </p:pic>
       <p:pic>
         <p:nvPicPr>
-          <p:cNvPr id="31" name="Picture 30"/>
+          <p:cNvPr id="47" name="Picture 46"/>
           <p:cNvPicPr>
             <a:picLocks noChangeAspect="1"/>
           </p:cNvPicPr>
           <p:nvPr/>
         </p:nvPicPr>
         <p:blipFill>
-          <a:blip r:embed="rId5" cstate="print">
+          <a:blip r:embed="rId5">
             <a:extLst>
               <a:ext uri="{28A0092B-C50C-407E-A947-70E740481C1C}">
                 <a14:useLocalDpi xmlns:a14="http://schemas.microsoft.com/office/drawing/2010/main" val="0"/>
@@ -10620,8 +11814,8 @@
         </p:blipFill>
         <p:spPr>
           <a:xfrm>
-            <a:off x="1884392" y="4205295"/>
-            <a:ext cx="455546" cy="443663"/>
+            <a:off x="480503" y="4441268"/>
+            <a:ext cx="607369" cy="591525"/>
           </a:xfrm>
           <a:prstGeom prst="rect">
             <a:avLst/>
@@ -10630,7 +11824,7 @@
       </p:pic>
       <p:pic>
         <p:nvPicPr>
-          <p:cNvPr id="32" name="Picture 31"/>
+          <p:cNvPr id="48" name="Picture 47"/>
           <p:cNvPicPr>
             <a:picLocks noChangeAspect="1"/>
           </p:cNvPicPr>
@@ -10649,8 +11843,8 @@
         </p:blipFill>
         <p:spPr>
           <a:xfrm>
-            <a:off x="4025241" y="3838419"/>
-            <a:ext cx="1401431" cy="902842"/>
+            <a:off x="3334849" y="3952119"/>
+            <a:ext cx="1868495" cy="1203738"/>
           </a:xfrm>
           <a:prstGeom prst="rect">
             <a:avLst/>
@@ -10659,14 +11853,14 @@
       </p:pic>
       <p:sp>
         <p:nvSpPr>
-          <p:cNvPr id="33" name="White Frame"/>
+          <p:cNvPr id="49" name="White Frame"/>
           <p:cNvSpPr/>
           <p:nvPr/>
         </p:nvSpPr>
         <p:spPr>
           <a:xfrm>
-            <a:off x="1524664" y="874914"/>
-            <a:ext cx="9324763" cy="5245179"/>
+            <a:off x="888" y="949"/>
+            <a:ext cx="12432488" cy="6993274"/>
           </a:xfrm>
           <a:custGeom>
             <a:avLst/>
@@ -10777,7 +11971,7 @@
           <a:lstStyle/>
           <a:p>
             <a:pPr algn="ctr"/>
-            <a:endParaRPr lang="en-US" sz="1049" dirty="0">
+            <a:endParaRPr lang="en-US" sz="1399">
               <a:solidFill>
                 <a:srgbClr val="FFFFFF"/>
               </a:solidFill>
@@ -10787,14 +11981,14 @@
       </p:sp>
       <p:sp>
         <p:nvSpPr>
-          <p:cNvPr id="34" name="TextBox 33"/>
+          <p:cNvPr id="50" name="TextBox 49"/>
           <p:cNvSpPr txBox="1"/>
           <p:nvPr/>
         </p:nvSpPr>
         <p:spPr>
           <a:xfrm>
-            <a:off x="9035761" y="2490039"/>
-            <a:ext cx="643855" cy="166071"/>
+            <a:off x="10015258" y="2154357"/>
+            <a:ext cx="858437" cy="221471"/>
           </a:xfrm>
           <a:prstGeom prst="rect">
             <a:avLst/>
@@ -10807,16 +12001,16 @@
           </a:bodyPr>
           <a:lstStyle/>
           <a:p>
-            <a:pPr algn="ctr" defTabSz="685310">
+            <a:pPr algn="ctr" defTabSz="913724">
               <a:lnSpc>
                 <a:spcPct val="90000"/>
               </a:lnSpc>
               <a:spcAft>
-                <a:spcPts val="450"/>
+                <a:spcPts val="600"/>
               </a:spcAft>
             </a:pPr>
             <a:r>
-              <a:rPr lang="en-US" sz="1199" dirty="0">
+              <a:rPr lang="en-US" sz="1599" dirty="0">
                 <a:solidFill>
                   <a:srgbClr val="4F4F4F"/>
                 </a:solidFill>
@@ -10829,21 +12023,21 @@
       </p:sp>
       <p:grpSp>
         <p:nvGrpSpPr>
-          <p:cNvPr id="35" name="Xbox"/>
+          <p:cNvPr id="51" name="Xbox"/>
           <p:cNvGrpSpPr/>
           <p:nvPr/>
         </p:nvGrpSpPr>
         <p:grpSpPr bwMode="ltGray">
           <a:xfrm>
-            <a:off x="8306578" y="3068959"/>
-            <a:ext cx="2198299" cy="1581554"/>
+            <a:off x="9043055" y="2926216"/>
+            <a:ext cx="2930941" cy="2108649"/>
             <a:chOff x="8610991" y="1992417"/>
             <a:chExt cx="3186889" cy="2292792"/>
           </a:xfrm>
         </p:grpSpPr>
         <p:pic>
           <p:nvPicPr>
-            <p:cNvPr id="36" name="Picture 35"/>
+            <p:cNvPr id="52" name="Picture 51"/>
             <p:cNvPicPr>
               <a:picLocks noChangeAspect="1"/>
             </p:cNvPicPr>
@@ -10872,7 +12066,7 @@
         </p:pic>
         <p:pic>
           <p:nvPicPr>
-            <p:cNvPr id="37" name="Picture 36"/>
+            <p:cNvPr id="53" name="Picture 52"/>
             <p:cNvPicPr>
               <a:picLocks noChangeAspect="1"/>
             </p:cNvPicPr>
@@ -10902,7 +12096,7 @@
         </p:pic>
         <p:pic>
           <p:nvPicPr>
-            <p:cNvPr id="38" name="Picture 2"/>
+            <p:cNvPr id="54" name="Picture 2"/>
             <p:cNvPicPr>
               <a:picLocks noChangeAspect="1" noChangeArrowheads="1"/>
             </p:cNvPicPr>
@@ -10956,14 +12150,14 @@
       </p:grpSp>
       <p:sp>
         <p:nvSpPr>
-          <p:cNvPr id="39" name="TextBox 38"/>
+          <p:cNvPr id="55" name="TextBox 54"/>
           <p:cNvSpPr txBox="1"/>
           <p:nvPr/>
         </p:nvSpPr>
         <p:spPr>
           <a:xfrm>
-            <a:off x="2985539" y="2542953"/>
-            <a:ext cx="730127" cy="166071"/>
+            <a:off x="1948638" y="2224906"/>
+            <a:ext cx="973461" cy="221471"/>
           </a:xfrm>
           <a:prstGeom prst="rect">
             <a:avLst/>
@@ -10976,16 +12170,16 @@
           </a:bodyPr>
           <a:lstStyle/>
           <a:p>
-            <a:pPr algn="ctr" defTabSz="685310">
+            <a:pPr algn="ctr" defTabSz="913724">
               <a:lnSpc>
                 <a:spcPct val="90000"/>
               </a:lnSpc>
               <a:spcAft>
-                <a:spcPts val="450"/>
+                <a:spcPts val="600"/>
               </a:spcAft>
             </a:pPr>
             <a:r>
-              <a:rPr lang="en-US" sz="1199" dirty="0">
+              <a:rPr lang="en-US" sz="1599" dirty="0">
                 <a:solidFill>
                   <a:srgbClr val="4F4F4F"/>
                 </a:solidFill>
@@ -11030,6 +12224,9 @@
                     <p:cTn id="3" fill="hold">
                       <p:stCondLst>
                         <p:cond delay="indefinite"/>
+                        <p:cond evt="onBegin" delay="0">
+                          <p:tn val="2"/>
+                        </p:cond>
                       </p:stCondLst>
                       <p:childTnLst>
                         <p:par>
@@ -11039,7 +12236,7 @@
                             </p:stCondLst>
                             <p:childTnLst>
                               <p:par>
-                                <p:cTn id="5" presetID="10" presetClass="entr" presetSubtype="0" fill="hold" nodeType="clickEffect">
+                                <p:cTn id="5" presetID="10" presetClass="entr" presetSubtype="0" fill="hold" nodeType="withEffect">
                                   <p:stCondLst>
                                     <p:cond delay="0"/>
                                   </p:stCondLst>
@@ -11052,7 +12249,7 @@
                                           </p:stCondLst>
                                         </p:cTn>
                                         <p:tgtEl>
-                                          <p:spTgt spid="31"/>
+                                          <p:spTgt spid="47"/>
                                         </p:tgtEl>
                                         <p:attrNameLst>
                                           <p:attrName>style.visibility</p:attrName>
@@ -11066,7 +12263,7 @@
                                       <p:cBhvr>
                                         <p:cTn id="7" dur="500"/>
                                         <p:tgtEl>
-                                          <p:spTgt spid="31"/>
+                                          <p:spTgt spid="47"/>
                                         </p:tgtEl>
                                       </p:cBhvr>
                                     </p:animEffect>
@@ -11083,7 +12280,7 @@
                                       <p:cBhvr>
                                         <p:cTn id="9" dur="600" fill="hold"/>
                                         <p:tgtEl>
-                                          <p:spTgt spid="31"/>
+                                          <p:spTgt spid="47"/>
                                         </p:tgtEl>
                                         <p:attrNameLst>
                                           <p:attrName>ppt_x</p:attrName>
@@ -11109,7 +12306,7 @@
                                           </p:stCondLst>
                                         </p:cTn>
                                         <p:tgtEl>
-                                          <p:spTgt spid="25"/>
+                                          <p:spTgt spid="41"/>
                                         </p:tgtEl>
                                         <p:attrNameLst>
                                           <p:attrName>style.visibility</p:attrName>
@@ -11123,7 +12320,7 @@
                                       <p:cBhvr>
                                         <p:cTn id="12" dur="500"/>
                                         <p:tgtEl>
-                                          <p:spTgt spid="25"/>
+                                          <p:spTgt spid="41"/>
                                         </p:tgtEl>
                                       </p:cBhvr>
                                     </p:animEffect>
@@ -11144,7 +12341,7 @@
                                           </p:stCondLst>
                                         </p:cTn>
                                         <p:tgtEl>
-                                          <p:spTgt spid="30"/>
+                                          <p:spTgt spid="46"/>
                                         </p:tgtEl>
                                         <p:attrNameLst>
                                           <p:attrName>style.visibility</p:attrName>
@@ -11158,7 +12355,7 @@
                                       <p:cBhvr>
                                         <p:cTn id="15" dur="500"/>
                                         <p:tgtEl>
-                                          <p:spTgt spid="30"/>
+                                          <p:spTgt spid="46"/>
                                         </p:tgtEl>
                                       </p:cBhvr>
                                     </p:animEffect>
@@ -11175,7 +12372,7 @@
                                       <p:cBhvr>
                                         <p:cTn id="17" dur="600" fill="hold"/>
                                         <p:tgtEl>
-                                          <p:spTgt spid="30"/>
+                                          <p:spTgt spid="46"/>
                                         </p:tgtEl>
                                         <p:attrNameLst>
                                           <p:attrName>ppt_x</p:attrName>
@@ -11201,7 +12398,7 @@
                                           </p:stCondLst>
                                         </p:cTn>
                                         <p:tgtEl>
-                                          <p:spTgt spid="32"/>
+                                          <p:spTgt spid="48"/>
                                         </p:tgtEl>
                                         <p:attrNameLst>
                                           <p:attrName>style.visibility</p:attrName>
@@ -11215,7 +12412,7 @@
                                       <p:cBhvr>
                                         <p:cTn id="20" dur="500"/>
                                         <p:tgtEl>
-                                          <p:spTgt spid="32"/>
+                                          <p:spTgt spid="48"/>
                                         </p:tgtEl>
                                       </p:cBhvr>
                                     </p:animEffect>
@@ -11232,7 +12429,7 @@
                                       <p:cBhvr>
                                         <p:cTn id="22" dur="600" fill="hold"/>
                                         <p:tgtEl>
-                                          <p:spTgt spid="32"/>
+                                          <p:spTgt spid="48"/>
                                         </p:tgtEl>
                                         <p:attrNameLst>
                                           <p:attrName>ppt_x</p:attrName>
@@ -11258,7 +12455,7 @@
                                           </p:stCondLst>
                                         </p:cTn>
                                         <p:tgtEl>
-                                          <p:spTgt spid="27"/>
+                                          <p:spTgt spid="43"/>
                                         </p:tgtEl>
                                         <p:attrNameLst>
                                           <p:attrName>style.visibility</p:attrName>
@@ -11272,7 +12469,7 @@
                                       <p:cBhvr>
                                         <p:cTn id="25" dur="500"/>
                                         <p:tgtEl>
-                                          <p:spTgt spid="27"/>
+                                          <p:spTgt spid="43"/>
                                         </p:tgtEl>
                                       </p:cBhvr>
                                     </p:animEffect>
@@ -11293,7 +12490,7 @@
                                           </p:stCondLst>
                                         </p:cTn>
                                         <p:tgtEl>
-                                          <p:spTgt spid="29"/>
+                                          <p:spTgt spid="45"/>
                                         </p:tgtEl>
                                         <p:attrNameLst>
                                           <p:attrName>style.visibility</p:attrName>
@@ -11307,7 +12504,7 @@
                                       <p:cBhvr>
                                         <p:cTn id="28" dur="500"/>
                                         <p:tgtEl>
-                                          <p:spTgt spid="29"/>
+                                          <p:spTgt spid="45"/>
                                         </p:tgtEl>
                                       </p:cBhvr>
                                     </p:animEffect>
@@ -11324,7 +12521,7 @@
                                       <p:cBhvr>
                                         <p:cTn id="30" dur="600" fill="hold"/>
                                         <p:tgtEl>
-                                          <p:spTgt spid="29"/>
+                                          <p:spTgt spid="45"/>
                                         </p:tgtEl>
                                         <p:attrNameLst>
                                           <p:attrName>ppt_x</p:attrName>
@@ -11350,7 +12547,7 @@
                                           </p:stCondLst>
                                         </p:cTn>
                                         <p:tgtEl>
-                                          <p:spTgt spid="26"/>
+                                          <p:spTgt spid="42"/>
                                         </p:tgtEl>
                                         <p:attrNameLst>
                                           <p:attrName>style.visibility</p:attrName>
@@ -11364,7 +12561,7 @@
                                       <p:cBhvr>
                                         <p:cTn id="33" dur="500"/>
                                         <p:tgtEl>
-                                          <p:spTgt spid="26"/>
+                                          <p:spTgt spid="42"/>
                                         </p:tgtEl>
                                       </p:cBhvr>
                                     </p:animEffect>
@@ -11385,7 +12582,7 @@
                                           </p:stCondLst>
                                         </p:cTn>
                                         <p:tgtEl>
-                                          <p:spTgt spid="39"/>
+                                          <p:spTgt spid="55"/>
                                         </p:tgtEl>
                                         <p:attrNameLst>
                                           <p:attrName>style.visibility</p:attrName>
@@ -11399,7 +12596,7 @@
                                       <p:cBhvr>
                                         <p:cTn id="36" dur="500"/>
                                         <p:tgtEl>
-                                          <p:spTgt spid="39"/>
+                                          <p:spTgt spid="55"/>
                                         </p:tgtEl>
                                       </p:cBhvr>
                                     </p:animEffect>
@@ -11429,7 +12626,7 @@
                                           </p:stCondLst>
                                         </p:cTn>
                                         <p:tgtEl>
-                                          <p:spTgt spid="35"/>
+                                          <p:spTgt spid="51"/>
                                         </p:tgtEl>
                                         <p:attrNameLst>
                                           <p:attrName>style.visibility</p:attrName>
@@ -11443,7 +12640,7 @@
                                       <p:cBhvr>
                                         <p:cTn id="40" dur="500"/>
                                         <p:tgtEl>
-                                          <p:spTgt spid="35"/>
+                                          <p:spTgt spid="51"/>
                                         </p:tgtEl>
                                       </p:cBhvr>
                                     </p:animEffect>
@@ -11464,7 +12661,7 @@
                                           </p:stCondLst>
                                         </p:cTn>
                                         <p:tgtEl>
-                                          <p:spTgt spid="34"/>
+                                          <p:spTgt spid="50"/>
                                         </p:tgtEl>
                                         <p:attrNameLst>
                                           <p:attrName>style.visibility</p:attrName>
@@ -11478,7 +12675,7 @@
                                       <p:cBhvr>
                                         <p:cTn id="43" dur="500"/>
                                         <p:tgtEl>
-                                          <p:spTgt spid="34"/>
+                                          <p:spTgt spid="50"/>
                                         </p:tgtEl>
                                       </p:cBhvr>
                                     </p:animEffect>
@@ -11513,11 +12710,11 @@
       </p:par>
     </p:tnLst>
     <p:bldLst>
-      <p:bldP spid="25" grpId="0"/>
-      <p:bldP spid="26" grpId="0"/>
-      <p:bldP spid="27" grpId="0"/>
-      <p:bldP spid="34" grpId="0"/>
-      <p:bldP spid="39" grpId="0"/>
+      <p:bldP spid="41" grpId="0"/>
+      <p:bldP spid="42" grpId="0"/>
+      <p:bldP spid="43" grpId="0"/>
+      <p:bldP spid="50" grpId="0"/>
+      <p:bldP spid="55" grpId="0"/>
     </p:bldLst>
   </p:timing>
 </p:sld>
@@ -11540,16 +12737,187 @@
           <a:chExt cx="0" cy="0"/>
         </a:xfrm>
       </p:grpSpPr>
+      <p:sp>
+        <p:nvSpPr>
+          <p:cNvPr id="25" name="Content Placeholder 2"/>
+          <p:cNvSpPr>
+            <a:spLocks noGrp="1"/>
+          </p:cNvSpPr>
+          <p:nvPr>
+            <p:ph idx="1"/>
+          </p:nvPr>
+        </p:nvSpPr>
+        <p:spPr>
+          <a:xfrm>
+            <a:off x="1236985" y="1825625"/>
+            <a:ext cx="9718031" cy="4351338"/>
+          </a:xfrm>
+        </p:spPr>
+        <p:txBody>
+          <a:bodyPr>
+            <a:normAutofit/>
+          </a:bodyPr>
+          <a:lstStyle/>
+          <a:p>
+            <a:pPr marL="0" indent="0">
+              <a:buNone/>
+            </a:pPr>
+            <a:r>
+              <a:rPr lang="vi-VN" dirty="0"/>
+              <a:t>T</a:t>
+            </a:r>
+            <a:r>
+              <a:rPr lang="vi-VN" dirty="0" smtClean="0"/>
+              <a:t>hiết </a:t>
+            </a:r>
+            <a:r>
+              <a:rPr lang="vi-VN" dirty="0"/>
+              <a:t>kế và hiện thực một hệ thống gửi thông báo tự động dưới dạng Notification trong đó có hỗ trợ </a:t>
+            </a:r>
+            <a:r>
+              <a:rPr lang="vi-VN" dirty="0" smtClean="0"/>
+              <a:t>một </a:t>
+            </a:r>
+            <a:r>
+              <a:rPr lang="vi-VN" dirty="0"/>
+              <a:t>số tính năng:</a:t>
+            </a:r>
+          </a:p>
+          <a:p>
+            <a:r>
+              <a:rPr lang="vi-VN" dirty="0" smtClean="0"/>
+              <a:t>Gửi </a:t>
+            </a:r>
+            <a:r>
+              <a:rPr lang="vi-VN" dirty="0"/>
+              <a:t>thông báo tới các thiết bị của một hoặc nhiều người </a:t>
+            </a:r>
+            <a:r>
+              <a:rPr lang="vi-VN" dirty="0" smtClean="0"/>
+              <a:t>dùng.</a:t>
+            </a:r>
+          </a:p>
+          <a:p>
+            <a:r>
+              <a:rPr lang="vi-VN" dirty="0" smtClean="0"/>
+              <a:t>Lưu </a:t>
+            </a:r>
+            <a:r>
+              <a:rPr lang="vi-VN" dirty="0"/>
+              <a:t>trữ thông </a:t>
+            </a:r>
+            <a:r>
+              <a:rPr lang="vi-VN" dirty="0" smtClean="0"/>
+              <a:t>báo.</a:t>
+            </a:r>
+          </a:p>
+          <a:p>
+            <a:r>
+              <a:rPr lang="vi-VN" dirty="0" smtClean="0"/>
+              <a:t>Giao </a:t>
+            </a:r>
+            <a:r>
+              <a:rPr lang="vi-VN" dirty="0"/>
+              <a:t>tiếp được với </a:t>
+            </a:r>
+            <a:r>
+              <a:rPr lang="vi-VN" dirty="0" smtClean="0"/>
+              <a:t>client </a:t>
+            </a:r>
+            <a:r>
+              <a:rPr lang="vi-VN" dirty="0"/>
+              <a:t>được viết bằng </a:t>
+            </a:r>
+            <a:r>
+              <a:rPr lang="vi-VN" dirty="0" smtClean="0"/>
+              <a:t>bất kỳ ngôn ngữ nào.</a:t>
+            </a:r>
+          </a:p>
+          <a:p>
+            <a:r>
+              <a:rPr lang="vi-VN" dirty="0" smtClean="0"/>
+              <a:t>Có thể được tích hợp sâu vào hệ thống khác.</a:t>
+            </a:r>
+            <a:endParaRPr lang="vi-VN" dirty="0"/>
+          </a:p>
+        </p:txBody>
+      </p:sp>
+      <p:sp>
+        <p:nvSpPr>
+          <p:cNvPr id="26" name="TextBox 25"/>
+          <p:cNvSpPr txBox="1"/>
+          <p:nvPr/>
+        </p:nvSpPr>
+        <p:spPr>
+          <a:xfrm>
+            <a:off x="0" y="400305"/>
+            <a:ext cx="3371085" cy="636919"/>
+          </a:xfrm>
+          <a:prstGeom prst="rect">
+            <a:avLst/>
+          </a:prstGeom>
+          <a:solidFill>
+            <a:schemeClr val="accent6">
+              <a:alpha val="70000"/>
+            </a:schemeClr>
+          </a:solidFill>
+        </p:spPr>
+        <p:txBody>
+          <a:bodyPr wrap="square" lIns="411386" tIns="109703" rIns="137129" bIns="109703" rtlCol="0">
+            <a:spAutoFit/>
+          </a:bodyPr>
+          <a:lstStyle/>
+          <a:p>
+            <a:pPr>
+              <a:lnSpc>
+                <a:spcPct val="90000"/>
+              </a:lnSpc>
+              <a:spcAft>
+                <a:spcPts val="450"/>
+              </a:spcAft>
+            </a:pPr>
+            <a:r>
+              <a:rPr lang="en-US" sz="2999" b="1" spc="-112" dirty="0" err="1">
+                <a:solidFill>
+                  <a:srgbClr val="FFFFFF"/>
+                </a:solidFill>
+              </a:rPr>
+              <a:t>Mục</a:t>
+            </a:r>
+            <a:r>
+              <a:rPr lang="en-US" sz="2999" b="1" spc="-112" dirty="0">
+                <a:solidFill>
+                  <a:srgbClr val="FFFFFF"/>
+                </a:solidFill>
+              </a:rPr>
+              <a:t> </a:t>
+            </a:r>
+            <a:r>
+              <a:rPr lang="en-US" sz="2999" b="1" spc="-112" dirty="0" err="1">
+                <a:solidFill>
+                  <a:srgbClr val="FFFFFF"/>
+                </a:solidFill>
+              </a:rPr>
+              <a:t>tiêu</a:t>
+            </a:r>
+            <a:endParaRPr lang="en-US" sz="2999" b="1" spc="-112" dirty="0">
+              <a:solidFill>
+                <a:srgbClr val="FFFFFF"/>
+              </a:solidFill>
+            </a:endParaRPr>
+          </a:p>
+        </p:txBody>
+      </p:sp>
       <p:cxnSp>
         <p:nvCxnSpPr>
-          <p:cNvPr id="4" name="Straight Connector 3"/>
+          <p:cNvPr id="5" name="Straight Connector 4"/>
           <p:cNvCxnSpPr/>
           <p:nvPr/>
         </p:nvCxnSpPr>
         <p:spPr>
           <a:xfrm flipV="1">
-            <a:off x="1236985" y="1397906"/>
-            <a:ext cx="9718031" cy="57165"/>
+            <a:off x="-109182" y="1388891"/>
+            <a:ext cx="12596883" cy="85067"/>
           </a:xfrm>
           <a:prstGeom prst="line">
             <a:avLst/>
@@ -11583,177 +12951,6 @@
           </a:fontRef>
         </p:style>
       </p:cxnSp>
-      <p:sp>
-        <p:nvSpPr>
-          <p:cNvPr id="25" name="Content Placeholder 2"/>
-          <p:cNvSpPr>
-            <a:spLocks noGrp="1"/>
-          </p:cNvSpPr>
-          <p:nvPr>
-            <p:ph idx="1"/>
-          </p:nvPr>
-        </p:nvSpPr>
-        <p:spPr>
-          <a:xfrm>
-            <a:off x="2152650" y="1825625"/>
-            <a:ext cx="7886700" cy="4351338"/>
-          </a:xfrm>
-        </p:spPr>
-        <p:txBody>
-          <a:bodyPr>
-            <a:normAutofit/>
-          </a:bodyPr>
-          <a:lstStyle/>
-          <a:p>
-            <a:pPr marL="0" indent="0">
-              <a:buNone/>
-            </a:pPr>
-            <a:r>
-              <a:rPr lang="vi-VN" dirty="0"/>
-              <a:t>T</a:t>
-            </a:r>
-            <a:r>
-              <a:rPr lang="vi-VN" dirty="0" smtClean="0"/>
-              <a:t>hiết </a:t>
-            </a:r>
-            <a:r>
-              <a:rPr lang="vi-VN" dirty="0"/>
-              <a:t>kế và hiện thực một hệ thống gửi thông báo tự động dưới dạng Notification trong đó có hỗ trợ </a:t>
-            </a:r>
-            <a:r>
-              <a:rPr lang="vi-VN" dirty="0" smtClean="0"/>
-              <a:t>một </a:t>
-            </a:r>
-            <a:r>
-              <a:rPr lang="vi-VN" dirty="0"/>
-              <a:t>số tính năng:</a:t>
-            </a:r>
-          </a:p>
-          <a:p>
-            <a:r>
-              <a:rPr lang="vi-VN" dirty="0" smtClean="0"/>
-              <a:t>Gửi </a:t>
-            </a:r>
-            <a:r>
-              <a:rPr lang="vi-VN" dirty="0"/>
-              <a:t>thông báo tới các thiết bị của một hoặc nhiều người </a:t>
-            </a:r>
-            <a:r>
-              <a:rPr lang="vi-VN" dirty="0" smtClean="0"/>
-              <a:t>dùng.</a:t>
-            </a:r>
-          </a:p>
-          <a:p>
-            <a:r>
-              <a:rPr lang="vi-VN" dirty="0" smtClean="0"/>
-              <a:t>Lưu </a:t>
-            </a:r>
-            <a:r>
-              <a:rPr lang="vi-VN" dirty="0"/>
-              <a:t>trữ thông </a:t>
-            </a:r>
-            <a:r>
-              <a:rPr lang="vi-VN" dirty="0" smtClean="0"/>
-              <a:t>báo.</a:t>
-            </a:r>
-          </a:p>
-          <a:p>
-            <a:r>
-              <a:rPr lang="vi-VN" dirty="0" smtClean="0"/>
-              <a:t>Giao </a:t>
-            </a:r>
-            <a:r>
-              <a:rPr lang="vi-VN" dirty="0"/>
-              <a:t>tiếp được với </a:t>
-            </a:r>
-            <a:r>
-              <a:rPr lang="vi-VN" dirty="0" smtClean="0"/>
-              <a:t>client </a:t>
-            </a:r>
-            <a:r>
-              <a:rPr lang="vi-VN" dirty="0"/>
-              <a:t>được viết bằng </a:t>
-            </a:r>
-            <a:r>
-              <a:rPr lang="vi-VN" dirty="0" smtClean="0"/>
-              <a:t>bất kỳ ngôn ngữ nào.</a:t>
-            </a:r>
-          </a:p>
-          <a:p>
-            <a:r>
-              <a:rPr lang="vi-VN" dirty="0" smtClean="0"/>
-              <a:t>Có thể được tích hợp sâu vào hệ thống khác.</a:t>
-            </a:r>
-            <a:endParaRPr lang="vi-VN" dirty="0"/>
-          </a:p>
-        </p:txBody>
-      </p:sp>
-      <p:sp>
-        <p:nvSpPr>
-          <p:cNvPr id="26" name="TextBox 25"/>
-          <p:cNvSpPr txBox="1"/>
-          <p:nvPr/>
-        </p:nvSpPr>
-        <p:spPr>
-          <a:xfrm>
-            <a:off x="1524001" y="525368"/>
-            <a:ext cx="3371085" cy="636919"/>
-          </a:xfrm>
-          <a:prstGeom prst="rect">
-            <a:avLst/>
-          </a:prstGeom>
-          <a:solidFill>
-            <a:schemeClr val="accent6">
-              <a:alpha val="70000"/>
-            </a:schemeClr>
-          </a:solidFill>
-        </p:spPr>
-        <p:txBody>
-          <a:bodyPr wrap="square" lIns="411386" tIns="109703" rIns="137129" bIns="109703" rtlCol="0">
-            <a:spAutoFit/>
-          </a:bodyPr>
-          <a:lstStyle/>
-          <a:p>
-            <a:pPr>
-              <a:lnSpc>
-                <a:spcPct val="90000"/>
-              </a:lnSpc>
-              <a:spcAft>
-                <a:spcPts val="450"/>
-              </a:spcAft>
-            </a:pPr>
-            <a:r>
-              <a:rPr lang="en-US" sz="2999" b="1" spc="-112" dirty="0" err="1">
-                <a:solidFill>
-                  <a:srgbClr val="FFFFFF"/>
-                </a:solidFill>
-              </a:rPr>
-              <a:t>Mục</a:t>
-            </a:r>
-            <a:r>
-              <a:rPr lang="en-US" sz="2999" b="1" spc="-112" dirty="0">
-                <a:solidFill>
-                  <a:srgbClr val="FFFFFF"/>
-                </a:solidFill>
-              </a:rPr>
-              <a:t> </a:t>
-            </a:r>
-            <a:r>
-              <a:rPr lang="en-US" sz="2999" b="1" spc="-112" dirty="0" err="1">
-                <a:solidFill>
-                  <a:srgbClr val="FFFFFF"/>
-                </a:solidFill>
-              </a:rPr>
-              <a:t>tiêu</a:t>
-            </a:r>
-            <a:endParaRPr lang="en-US" sz="2999" b="1" spc="-112" dirty="0">
-              <a:solidFill>
-                <a:srgbClr val="FFFFFF"/>
-              </a:solidFill>
-            </a:endParaRPr>
-          </a:p>
-        </p:txBody>
-      </p:sp>
     </p:spTree>
     <p:extLst>
       <p:ext uri="{BB962C8B-B14F-4D97-AF65-F5344CB8AC3E}">
@@ -11803,16 +13000,268 @@
           <a:chExt cx="0" cy="0"/>
         </a:xfrm>
       </p:grpSpPr>
+      <p:sp>
+        <p:nvSpPr>
+          <p:cNvPr id="25" name="Content Placeholder 2"/>
+          <p:cNvSpPr>
+            <a:spLocks noGrp="1"/>
+          </p:cNvSpPr>
+          <p:nvPr>
+            <p:ph idx="1"/>
+          </p:nvPr>
+        </p:nvSpPr>
+        <p:spPr>
+          <a:xfrm>
+            <a:off x="1236985" y="1825625"/>
+            <a:ext cx="9718031" cy="4351338"/>
+          </a:xfrm>
+        </p:spPr>
+        <p:txBody>
+          <a:bodyPr>
+            <a:normAutofit/>
+          </a:bodyPr>
+          <a:lstStyle/>
+          <a:p>
+            <a:r>
+              <a:rPr lang="vi-VN" dirty="0" smtClean="0"/>
+              <a:t>Thay đổi cách người dùng tiếp cận thông tin từ tổ chức của họ.</a:t>
+            </a:r>
+          </a:p>
+          <a:p>
+            <a:r>
+              <a:rPr lang="vi-VN" dirty="0" smtClean="0"/>
+              <a:t>Giảm trên </a:t>
+            </a:r>
+            <a:r>
+              <a:rPr lang="en-US" dirty="0" smtClean="0"/>
+              <a:t>90% </a:t>
+            </a:r>
+            <a:r>
+              <a:rPr lang="en-US" dirty="0" err="1" smtClean="0"/>
+              <a:t>công</a:t>
+            </a:r>
+            <a:r>
+              <a:rPr lang="en-US" dirty="0" smtClean="0"/>
+              <a:t> </a:t>
+            </a:r>
+            <a:r>
+              <a:rPr lang="en-US" dirty="0" err="1" smtClean="0"/>
+              <a:t>sức</a:t>
+            </a:r>
+            <a:r>
+              <a:rPr lang="en-US" dirty="0" smtClean="0"/>
+              <a:t> </a:t>
+            </a:r>
+            <a:r>
+              <a:rPr lang="en-US" dirty="0" err="1" smtClean="0"/>
+              <a:t>và</a:t>
+            </a:r>
+            <a:r>
+              <a:rPr lang="en-US" dirty="0" smtClean="0"/>
+              <a:t> </a:t>
+            </a:r>
+            <a:r>
+              <a:rPr lang="en-US" dirty="0" err="1" smtClean="0"/>
+              <a:t>thời</a:t>
+            </a:r>
+            <a:r>
+              <a:rPr lang="en-US" dirty="0" smtClean="0"/>
+              <a:t> </a:t>
+            </a:r>
+            <a:r>
+              <a:rPr lang="en-US" dirty="0" err="1" smtClean="0"/>
+              <a:t>gian</a:t>
+            </a:r>
+            <a:r>
+              <a:rPr lang="en-US" dirty="0" smtClean="0"/>
+              <a:t> </a:t>
+            </a:r>
+            <a:r>
+              <a:rPr lang="en-US" dirty="0" err="1" smtClean="0"/>
+              <a:t>phát</a:t>
+            </a:r>
+            <a:r>
+              <a:rPr lang="en-US" dirty="0" smtClean="0"/>
+              <a:t> </a:t>
+            </a:r>
+            <a:r>
+              <a:rPr lang="en-US" dirty="0" err="1" smtClean="0"/>
+              <a:t>triển</a:t>
+            </a:r>
+            <a:r>
+              <a:rPr lang="en-US" dirty="0" smtClean="0"/>
+              <a:t> </a:t>
+            </a:r>
+            <a:r>
+              <a:rPr lang="en-US" dirty="0" err="1" smtClean="0"/>
+              <a:t>chức</a:t>
+            </a:r>
+            <a:r>
+              <a:rPr lang="en-US" dirty="0" smtClean="0"/>
+              <a:t> </a:t>
+            </a:r>
+            <a:r>
+              <a:rPr lang="en-US" dirty="0" err="1" smtClean="0"/>
+              <a:t>năng</a:t>
+            </a:r>
+            <a:r>
+              <a:rPr lang="en-US" dirty="0" smtClean="0"/>
+              <a:t> </a:t>
+            </a:r>
+            <a:r>
+              <a:rPr lang="en-US" dirty="0" err="1" smtClean="0"/>
+              <a:t>gửi</a:t>
+            </a:r>
+            <a:r>
+              <a:rPr lang="en-US" dirty="0" smtClean="0"/>
+              <a:t> </a:t>
+            </a:r>
+            <a:r>
+              <a:rPr lang="en-US" dirty="0" err="1" smtClean="0"/>
+              <a:t>thông</a:t>
+            </a:r>
+            <a:r>
+              <a:rPr lang="en-US" dirty="0" smtClean="0"/>
+              <a:t> </a:t>
+            </a:r>
+            <a:r>
+              <a:rPr lang="en-US" dirty="0" err="1" smtClean="0"/>
+              <a:t>báo</a:t>
+            </a:r>
+            <a:r>
+              <a:rPr lang="en-US" dirty="0" smtClean="0"/>
+              <a:t> </a:t>
+            </a:r>
+            <a:r>
+              <a:rPr lang="en-US" dirty="0" err="1" smtClean="0"/>
+              <a:t>cho</a:t>
+            </a:r>
+            <a:r>
+              <a:rPr lang="en-US" dirty="0" smtClean="0"/>
+              <a:t> </a:t>
+            </a:r>
+            <a:r>
+              <a:rPr lang="en-US" dirty="0" err="1" smtClean="0"/>
+              <a:t>phần</a:t>
+            </a:r>
+            <a:r>
+              <a:rPr lang="en-US" dirty="0" smtClean="0"/>
+              <a:t> </a:t>
+            </a:r>
+            <a:r>
+              <a:rPr lang="en-US" dirty="0" err="1" smtClean="0"/>
+              <a:t>mềm</a:t>
+            </a:r>
+            <a:r>
+              <a:rPr lang="en-US" dirty="0" smtClean="0"/>
+              <a:t>.</a:t>
+            </a:r>
+          </a:p>
+          <a:p>
+            <a:endParaRPr lang="vi-VN" dirty="0"/>
+          </a:p>
+        </p:txBody>
+      </p:sp>
+      <p:sp>
+        <p:nvSpPr>
+          <p:cNvPr id="26" name="TextBox 25"/>
+          <p:cNvSpPr txBox="1"/>
+          <p:nvPr/>
+        </p:nvSpPr>
+        <p:spPr>
+          <a:xfrm>
+            <a:off x="0" y="400305"/>
+            <a:ext cx="3371085" cy="636919"/>
+          </a:xfrm>
+          <a:prstGeom prst="rect">
+            <a:avLst/>
+          </a:prstGeom>
+          <a:solidFill>
+            <a:schemeClr val="accent6">
+              <a:alpha val="70000"/>
+            </a:schemeClr>
+          </a:solidFill>
+        </p:spPr>
+        <p:txBody>
+          <a:bodyPr wrap="square" lIns="411386" tIns="109703" rIns="137129" bIns="109703" rtlCol="0">
+            <a:spAutoFit/>
+          </a:bodyPr>
+          <a:lstStyle/>
+          <a:p>
+            <a:pPr>
+              <a:lnSpc>
+                <a:spcPct val="90000"/>
+              </a:lnSpc>
+              <a:spcAft>
+                <a:spcPts val="450"/>
+              </a:spcAft>
+            </a:pPr>
+            <a:r>
+              <a:rPr lang="en-US" sz="2999" b="1" spc="-112" dirty="0">
+                <a:solidFill>
+                  <a:srgbClr val="FFFFFF"/>
+                </a:solidFill>
+              </a:rPr>
+              <a:t>Ý </a:t>
+            </a:r>
+            <a:r>
+              <a:rPr lang="en-US" sz="2999" b="1" spc="-112" dirty="0" err="1">
+                <a:solidFill>
+                  <a:srgbClr val="FFFFFF"/>
+                </a:solidFill>
+              </a:rPr>
+              <a:t>nghĩa</a:t>
+            </a:r>
+            <a:r>
+              <a:rPr lang="en-US" sz="2999" b="1" spc="-112" dirty="0">
+                <a:solidFill>
+                  <a:srgbClr val="FFFFFF"/>
+                </a:solidFill>
+              </a:rPr>
+              <a:t> </a:t>
+            </a:r>
+            <a:r>
+              <a:rPr lang="en-US" sz="2999" b="1" spc="-112" dirty="0" err="1">
+                <a:solidFill>
+                  <a:srgbClr val="FFFFFF"/>
+                </a:solidFill>
+              </a:rPr>
+              <a:t>đề</a:t>
+            </a:r>
+            <a:r>
+              <a:rPr lang="en-US" sz="2999" b="1" spc="-112" dirty="0">
+                <a:solidFill>
+                  <a:srgbClr val="FFFFFF"/>
+                </a:solidFill>
+              </a:rPr>
+              <a:t> </a:t>
+            </a:r>
+            <a:r>
+              <a:rPr lang="en-US" sz="2999" b="1" spc="-112" dirty="0" err="1">
+                <a:solidFill>
+                  <a:srgbClr val="FFFFFF"/>
+                </a:solidFill>
+              </a:rPr>
+              <a:t>tài</a:t>
+            </a:r>
+            <a:endParaRPr lang="en-US" sz="2999" b="1" spc="-112" dirty="0">
+              <a:solidFill>
+                <a:srgbClr val="FFFFFF"/>
+              </a:solidFill>
+            </a:endParaRPr>
+          </a:p>
+        </p:txBody>
+      </p:sp>
       <p:cxnSp>
         <p:nvCxnSpPr>
-          <p:cNvPr id="4" name="Straight Connector 3"/>
+          <p:cNvPr id="5" name="Straight Connector 4"/>
           <p:cNvCxnSpPr/>
           <p:nvPr/>
         </p:nvCxnSpPr>
         <p:spPr>
           <a:xfrm flipV="1">
-            <a:off x="1236985" y="1397906"/>
-            <a:ext cx="9718031" cy="57165"/>
+            <a:off x="-109182" y="1388891"/>
+            <a:ext cx="12596883" cy="85067"/>
           </a:xfrm>
           <a:prstGeom prst="line">
             <a:avLst/>
@@ -11846,258 +13295,6 @@
           </a:fontRef>
         </p:style>
       </p:cxnSp>
-      <p:sp>
-        <p:nvSpPr>
-          <p:cNvPr id="25" name="Content Placeholder 2"/>
-          <p:cNvSpPr>
-            <a:spLocks noGrp="1"/>
-          </p:cNvSpPr>
-          <p:nvPr>
-            <p:ph idx="1"/>
-          </p:nvPr>
-        </p:nvSpPr>
-        <p:spPr>
-          <a:xfrm>
-            <a:off x="2152650" y="1825625"/>
-            <a:ext cx="7886700" cy="4351338"/>
-          </a:xfrm>
-        </p:spPr>
-        <p:txBody>
-          <a:bodyPr>
-            <a:normAutofit/>
-          </a:bodyPr>
-          <a:lstStyle/>
-          <a:p>
-            <a:r>
-              <a:rPr lang="vi-VN" dirty="0" smtClean="0"/>
-              <a:t>Thay đổi cách người dùng tiếp cận thông tin từ tổ chức của họ.</a:t>
-            </a:r>
-          </a:p>
-          <a:p>
-            <a:r>
-              <a:rPr lang="vi-VN" dirty="0" smtClean="0"/>
-              <a:t>Giảm trên </a:t>
-            </a:r>
-            <a:r>
-              <a:rPr lang="en-US" dirty="0" smtClean="0"/>
-              <a:t>90% </a:t>
-            </a:r>
-            <a:r>
-              <a:rPr lang="en-US" dirty="0" err="1" smtClean="0"/>
-              <a:t>công</a:t>
-            </a:r>
-            <a:r>
-              <a:rPr lang="en-US" dirty="0" smtClean="0"/>
-              <a:t> </a:t>
-            </a:r>
-            <a:r>
-              <a:rPr lang="en-US" dirty="0" err="1" smtClean="0"/>
-              <a:t>sức</a:t>
-            </a:r>
-            <a:r>
-              <a:rPr lang="en-US" dirty="0" smtClean="0"/>
-              <a:t> </a:t>
-            </a:r>
-            <a:r>
-              <a:rPr lang="en-US" dirty="0" err="1" smtClean="0"/>
-              <a:t>và</a:t>
-            </a:r>
-            <a:r>
-              <a:rPr lang="en-US" dirty="0" smtClean="0"/>
-              <a:t> </a:t>
-            </a:r>
-            <a:r>
-              <a:rPr lang="en-US" dirty="0" err="1" smtClean="0"/>
-              <a:t>thời</a:t>
-            </a:r>
-            <a:r>
-              <a:rPr lang="en-US" dirty="0" smtClean="0"/>
-              <a:t> </a:t>
-            </a:r>
-            <a:r>
-              <a:rPr lang="en-US" dirty="0" err="1" smtClean="0"/>
-              <a:t>gian</a:t>
-            </a:r>
-            <a:r>
-              <a:rPr lang="en-US" dirty="0" smtClean="0"/>
-              <a:t> </a:t>
-            </a:r>
-            <a:r>
-              <a:rPr lang="en-US" dirty="0" err="1" smtClean="0"/>
-              <a:t>phát</a:t>
-            </a:r>
-            <a:r>
-              <a:rPr lang="en-US" dirty="0" smtClean="0"/>
-              <a:t> </a:t>
-            </a:r>
-            <a:r>
-              <a:rPr lang="en-US" dirty="0" err="1" smtClean="0"/>
-              <a:t>triển</a:t>
-            </a:r>
-            <a:r>
-              <a:rPr lang="en-US" dirty="0" smtClean="0"/>
-              <a:t> </a:t>
-            </a:r>
-            <a:r>
-              <a:rPr lang="en-US" dirty="0" err="1" smtClean="0"/>
-              <a:t>chức</a:t>
-            </a:r>
-            <a:r>
-              <a:rPr lang="en-US" dirty="0" smtClean="0"/>
-              <a:t> </a:t>
-            </a:r>
-            <a:r>
-              <a:rPr lang="en-US" dirty="0" err="1" smtClean="0"/>
-              <a:t>năng</a:t>
-            </a:r>
-            <a:r>
-              <a:rPr lang="en-US" dirty="0" smtClean="0"/>
-              <a:t> </a:t>
-            </a:r>
-            <a:r>
-              <a:rPr lang="en-US" dirty="0" err="1" smtClean="0"/>
-              <a:t>gửi</a:t>
-            </a:r>
-            <a:r>
-              <a:rPr lang="en-US" dirty="0" smtClean="0"/>
-              <a:t> </a:t>
-            </a:r>
-            <a:r>
-              <a:rPr lang="en-US" dirty="0" err="1" smtClean="0"/>
-              <a:t>thông</a:t>
-            </a:r>
-            <a:r>
-              <a:rPr lang="en-US" dirty="0" smtClean="0"/>
-              <a:t> </a:t>
-            </a:r>
-            <a:r>
-              <a:rPr lang="en-US" dirty="0" err="1" smtClean="0"/>
-              <a:t>báo</a:t>
-            </a:r>
-            <a:r>
-              <a:rPr lang="en-US" dirty="0" smtClean="0"/>
-              <a:t> </a:t>
-            </a:r>
-            <a:r>
-              <a:rPr lang="en-US" dirty="0" err="1" smtClean="0"/>
-              <a:t>cho</a:t>
-            </a:r>
-            <a:r>
-              <a:rPr lang="en-US" dirty="0" smtClean="0"/>
-              <a:t> </a:t>
-            </a:r>
-            <a:r>
-              <a:rPr lang="en-US" dirty="0" err="1" smtClean="0"/>
-              <a:t>phần</a:t>
-            </a:r>
-            <a:r>
-              <a:rPr lang="en-US" dirty="0" smtClean="0"/>
-              <a:t> </a:t>
-            </a:r>
-            <a:r>
-              <a:rPr lang="en-US" dirty="0" err="1" smtClean="0"/>
-              <a:t>mềm</a:t>
-            </a:r>
-            <a:r>
-              <a:rPr lang="en-US" dirty="0" smtClean="0"/>
-              <a:t>.</a:t>
-            </a:r>
-          </a:p>
-          <a:p>
-            <a:endParaRPr lang="vi-VN" dirty="0"/>
-          </a:p>
-        </p:txBody>
-      </p:sp>
-      <p:sp>
-        <p:nvSpPr>
-          <p:cNvPr id="26" name="TextBox 25"/>
-          <p:cNvSpPr txBox="1"/>
-          <p:nvPr/>
-        </p:nvSpPr>
-        <p:spPr>
-          <a:xfrm>
-            <a:off x="1524001" y="525368"/>
-            <a:ext cx="3371085" cy="636919"/>
-          </a:xfrm>
-          <a:prstGeom prst="rect">
-            <a:avLst/>
-          </a:prstGeom>
-          <a:solidFill>
-            <a:schemeClr val="accent6">
-              <a:alpha val="70000"/>
-            </a:schemeClr>
-          </a:solidFill>
-        </p:spPr>
-        <p:txBody>
-          <a:bodyPr wrap="square" lIns="411386" tIns="109703" rIns="137129" bIns="109703" rtlCol="0">
-            <a:spAutoFit/>
-          </a:bodyPr>
-          <a:lstStyle/>
-          <a:p>
-            <a:pPr>
-              <a:lnSpc>
-                <a:spcPct val="90000"/>
-              </a:lnSpc>
-              <a:spcAft>
-                <a:spcPts val="450"/>
-              </a:spcAft>
-            </a:pPr>
-            <a:r>
-              <a:rPr lang="en-US" sz="2999" b="1" spc="-112" dirty="0">
-                <a:solidFill>
-                  <a:srgbClr val="FFFFFF"/>
-                </a:solidFill>
-              </a:rPr>
-              <a:t>Ý </a:t>
-            </a:r>
-            <a:r>
-              <a:rPr lang="en-US" sz="2999" b="1" spc="-112" dirty="0" err="1">
-                <a:solidFill>
-                  <a:srgbClr val="FFFFFF"/>
-                </a:solidFill>
-              </a:rPr>
-              <a:t>nghĩa</a:t>
-            </a:r>
-            <a:r>
-              <a:rPr lang="en-US" sz="2999" b="1" spc="-112" dirty="0">
-                <a:solidFill>
-                  <a:srgbClr val="FFFFFF"/>
-                </a:solidFill>
-              </a:rPr>
-              <a:t> </a:t>
-            </a:r>
-            <a:r>
-              <a:rPr lang="en-US" sz="2999" b="1" spc="-112" dirty="0" err="1">
-                <a:solidFill>
-                  <a:srgbClr val="FFFFFF"/>
-                </a:solidFill>
-              </a:rPr>
-              <a:t>đề</a:t>
-            </a:r>
-            <a:r>
-              <a:rPr lang="en-US" sz="2999" b="1" spc="-112" dirty="0">
-                <a:solidFill>
-                  <a:srgbClr val="FFFFFF"/>
-                </a:solidFill>
-              </a:rPr>
-              <a:t> </a:t>
-            </a:r>
-            <a:r>
-              <a:rPr lang="en-US" sz="2999" b="1" spc="-112" dirty="0" err="1">
-                <a:solidFill>
-                  <a:srgbClr val="FFFFFF"/>
-                </a:solidFill>
-              </a:rPr>
-              <a:t>tài</a:t>
-            </a:r>
-            <a:endParaRPr lang="en-US" sz="2999" b="1" spc="-112" dirty="0">
-              <a:solidFill>
-                <a:srgbClr val="FFFFFF"/>
-              </a:solidFill>
-            </a:endParaRPr>
-          </a:p>
-        </p:txBody>
-      </p:sp>
     </p:spTree>
     <p:extLst>
       <p:ext uri="{BB962C8B-B14F-4D97-AF65-F5344CB8AC3E}">
@@ -12147,16 +13344,146 @@
           <a:chExt cx="0" cy="0"/>
         </a:xfrm>
       </p:grpSpPr>
+      <p:sp>
+        <p:nvSpPr>
+          <p:cNvPr id="26" name="TextBox 25"/>
+          <p:cNvSpPr txBox="1"/>
+          <p:nvPr/>
+        </p:nvSpPr>
+        <p:spPr>
+          <a:xfrm>
+            <a:off x="1" y="400305"/>
+            <a:ext cx="4572000" cy="636919"/>
+          </a:xfrm>
+          <a:prstGeom prst="rect">
+            <a:avLst/>
+          </a:prstGeom>
+          <a:solidFill>
+            <a:schemeClr val="accent6">
+              <a:alpha val="70000"/>
+            </a:schemeClr>
+          </a:solidFill>
+        </p:spPr>
+        <p:txBody>
+          <a:bodyPr wrap="square" lIns="411386" tIns="109703" rIns="137129" bIns="109703" rtlCol="0">
+            <a:spAutoFit/>
+          </a:bodyPr>
+          <a:lstStyle/>
+          <a:p>
+            <a:pPr>
+              <a:lnSpc>
+                <a:spcPct val="90000"/>
+              </a:lnSpc>
+              <a:spcAft>
+                <a:spcPts val="450"/>
+              </a:spcAft>
+            </a:pPr>
+            <a:r>
+              <a:rPr lang="en-US" sz="2999" b="1" spc="-112" dirty="0" err="1" smtClean="0">
+                <a:solidFill>
+                  <a:srgbClr val="FFFFFF"/>
+                </a:solidFill>
+              </a:rPr>
+              <a:t>Thiết</a:t>
+            </a:r>
+            <a:r>
+              <a:rPr lang="en-US" sz="2999" b="1" spc="-112" dirty="0" smtClean="0">
+                <a:solidFill>
+                  <a:srgbClr val="FFFFFF"/>
+                </a:solidFill>
+              </a:rPr>
+              <a:t> </a:t>
+            </a:r>
+            <a:r>
+              <a:rPr lang="en-US" sz="2999" b="1" spc="-112" dirty="0" err="1" smtClean="0">
+                <a:solidFill>
+                  <a:srgbClr val="FFFFFF"/>
+                </a:solidFill>
+              </a:rPr>
+              <a:t>kế</a:t>
+            </a:r>
+            <a:r>
+              <a:rPr lang="en-US" sz="2999" b="1" spc="-112" dirty="0" smtClean="0">
+                <a:solidFill>
+                  <a:srgbClr val="FFFFFF"/>
+                </a:solidFill>
+              </a:rPr>
+              <a:t> </a:t>
+            </a:r>
+            <a:r>
+              <a:rPr lang="en-US" sz="2999" b="1" spc="-112" dirty="0" err="1" smtClean="0">
+                <a:solidFill>
+                  <a:srgbClr val="FFFFFF"/>
+                </a:solidFill>
+              </a:rPr>
+              <a:t>cơ</a:t>
+            </a:r>
+            <a:r>
+              <a:rPr lang="en-US" sz="2999" b="1" spc="-112" dirty="0" smtClean="0">
+                <a:solidFill>
+                  <a:srgbClr val="FFFFFF"/>
+                </a:solidFill>
+              </a:rPr>
+              <a:t> </a:t>
+            </a:r>
+            <a:r>
+              <a:rPr lang="en-US" sz="2999" b="1" spc="-112" dirty="0" err="1" smtClean="0">
+                <a:solidFill>
+                  <a:srgbClr val="FFFFFF"/>
+                </a:solidFill>
+              </a:rPr>
+              <a:t>sở</a:t>
+            </a:r>
+            <a:r>
+              <a:rPr lang="en-US" sz="2999" b="1" spc="-112" dirty="0" smtClean="0">
+                <a:solidFill>
+                  <a:srgbClr val="FFFFFF"/>
+                </a:solidFill>
+              </a:rPr>
+              <a:t> </a:t>
+            </a:r>
+            <a:r>
+              <a:rPr lang="en-US" sz="2999" b="1" spc="-112" dirty="0" err="1" smtClean="0">
+                <a:solidFill>
+                  <a:srgbClr val="FFFFFF"/>
+                </a:solidFill>
+              </a:rPr>
+              <a:t>dữ</a:t>
+            </a:r>
+            <a:r>
+              <a:rPr lang="en-US" sz="2999" b="1" spc="-112" dirty="0" smtClean="0">
+                <a:solidFill>
+                  <a:srgbClr val="FFFFFF"/>
+                </a:solidFill>
+              </a:rPr>
+              <a:t> </a:t>
+            </a:r>
+            <a:r>
+              <a:rPr lang="en-US" sz="2999" b="1" spc="-112" dirty="0" err="1" smtClean="0">
+                <a:solidFill>
+                  <a:srgbClr val="FFFFFF"/>
+                </a:solidFill>
+              </a:rPr>
+              <a:t>liệu</a:t>
+            </a:r>
+            <a:endParaRPr lang="en-US" sz="2999" b="1" spc="-112" dirty="0">
+              <a:solidFill>
+                <a:srgbClr val="FFFFFF"/>
+              </a:solidFill>
+            </a:endParaRPr>
+          </a:p>
+        </p:txBody>
+      </p:sp>
       <p:cxnSp>
         <p:nvCxnSpPr>
-          <p:cNvPr id="4" name="Straight Connector 3"/>
+          <p:cNvPr id="5" name="Straight Connector 4"/>
           <p:cNvCxnSpPr/>
           <p:nvPr/>
         </p:nvCxnSpPr>
         <p:spPr>
           <a:xfrm flipV="1">
-            <a:off x="1236985" y="1397906"/>
-            <a:ext cx="9718031" cy="57165"/>
+            <a:off x="-109182" y="1388891"/>
+            <a:ext cx="12596883" cy="85067"/>
           </a:xfrm>
           <a:prstGeom prst="line">
             <a:avLst/>
@@ -12190,186 +13517,34 @@
           </a:fontRef>
         </p:style>
       </p:cxnSp>
-      <p:sp>
-        <p:nvSpPr>
-          <p:cNvPr id="25" name="Content Placeholder 2"/>
-          <p:cNvSpPr>
-            <a:spLocks noGrp="1"/>
-          </p:cNvSpPr>
-          <p:nvPr>
-            <p:ph idx="1"/>
-          </p:nvPr>
-        </p:nvSpPr>
+      <p:pic>
+        <p:nvPicPr>
+          <p:cNvPr id="3" name="Picture 2"/>
+          <p:cNvPicPr>
+            <a:picLocks noChangeAspect="1"/>
+          </p:cNvPicPr>
+          <p:nvPr/>
+        </p:nvPicPr>
+        <p:blipFill>
+          <a:blip r:embed="rId3"/>
+          <a:stretch>
+            <a:fillRect/>
+          </a:stretch>
+        </p:blipFill>
         <p:spPr>
           <a:xfrm>
-            <a:off x="2152650" y="1825625"/>
-            <a:ext cx="7886700" cy="4351338"/>
-          </a:xfrm>
-        </p:spPr>
-        <p:txBody>
-          <a:bodyPr>
-            <a:normAutofit/>
-          </a:bodyPr>
-          <a:lstStyle/>
-          <a:p>
-            <a:pPr lvl="0"/>
-            <a:r>
-              <a:rPr lang="vi-VN" dirty="0"/>
-              <a:t>Hỗ trợ các AES được viết trên mọi nền </a:t>
-            </a:r>
-            <a:r>
-              <a:rPr lang="vi-VN" dirty="0" smtClean="0"/>
-              <a:t>tảng</a:t>
-            </a:r>
-            <a:endParaRPr lang="vi-VN" dirty="0"/>
-          </a:p>
-          <a:p>
-            <a:pPr lvl="0"/>
-            <a:r>
-              <a:rPr lang="vi-VN" dirty="0"/>
-              <a:t>Hỗ trợ các</a:t>
-            </a:r>
-            <a:r>
-              <a:rPr lang="en-US" dirty="0"/>
-              <a:t> Mobile</a:t>
-            </a:r>
-            <a:r>
-              <a:rPr lang="vi-VN" dirty="0"/>
-              <a:t> App</a:t>
-            </a:r>
-            <a:r>
-              <a:rPr lang="en-US" dirty="0" err="1"/>
-              <a:t>lication</a:t>
-            </a:r>
-            <a:r>
-              <a:rPr lang="vi-VN" dirty="0"/>
-              <a:t> được viết trên nền tảng .Net Core</a:t>
-            </a:r>
-          </a:p>
-          <a:p>
-            <a:pPr lvl="0"/>
-            <a:r>
-              <a:rPr lang="vi-VN" dirty="0"/>
-              <a:t>Đã cài đặt và gửi thông báo tới</a:t>
-            </a:r>
-            <a:r>
-              <a:rPr lang="en-US" dirty="0"/>
-              <a:t> Mobile</a:t>
-            </a:r>
-            <a:r>
-              <a:rPr lang="vi-VN" dirty="0"/>
-              <a:t> Application thành công</a:t>
-            </a:r>
-            <a:r>
-              <a:rPr lang="vi-VN" dirty="0" smtClean="0"/>
-              <a:t>.</a:t>
-            </a:r>
-            <a:endParaRPr lang="vi-VN" dirty="0"/>
-          </a:p>
-        </p:txBody>
-      </p:sp>
-      <p:sp>
-        <p:nvSpPr>
-          <p:cNvPr id="26" name="TextBox 25"/>
-          <p:cNvSpPr txBox="1"/>
-          <p:nvPr/>
-        </p:nvSpPr>
-        <p:spPr>
-          <a:xfrm>
-            <a:off x="1524001" y="525368"/>
-            <a:ext cx="3371085" cy="636919"/>
+            <a:off x="1795012" y="1578800"/>
+            <a:ext cx="8140557" cy="5147063"/>
           </a:xfrm>
           <a:prstGeom prst="rect">
             <a:avLst/>
           </a:prstGeom>
-          <a:solidFill>
-            <a:schemeClr val="accent6">
-              <a:alpha val="70000"/>
-            </a:schemeClr>
-          </a:solidFill>
         </p:spPr>
-        <p:txBody>
-          <a:bodyPr wrap="square" lIns="411386" tIns="109703" rIns="137129" bIns="109703" rtlCol="0">
-            <a:spAutoFit/>
-          </a:bodyPr>
-          <a:lstStyle/>
-          <a:p>
-            <a:pPr>
-              <a:lnSpc>
-                <a:spcPct val="90000"/>
-              </a:lnSpc>
-              <a:spcAft>
-                <a:spcPts val="450"/>
-              </a:spcAft>
-            </a:pPr>
-            <a:r>
-              <a:rPr lang="en-US" sz="2999" b="1" spc="-112" dirty="0" err="1">
-                <a:solidFill>
-                  <a:srgbClr val="FFFFFF"/>
-                </a:solidFill>
-              </a:rPr>
-              <a:t>Kết</a:t>
-            </a:r>
-            <a:r>
-              <a:rPr lang="en-US" sz="2999" b="1" spc="-112" dirty="0">
-                <a:solidFill>
-                  <a:srgbClr val="FFFFFF"/>
-                </a:solidFill>
-              </a:rPr>
-              <a:t> </a:t>
-            </a:r>
-            <a:r>
-              <a:rPr lang="en-US" sz="2999" b="1" spc="-112" dirty="0" err="1">
-                <a:solidFill>
-                  <a:srgbClr val="FFFFFF"/>
-                </a:solidFill>
-              </a:rPr>
-              <a:t>quả</a:t>
-            </a:r>
-            <a:r>
-              <a:rPr lang="en-US" sz="2999" b="1" spc="-112" dirty="0">
-                <a:solidFill>
-                  <a:srgbClr val="FFFFFF"/>
-                </a:solidFill>
-              </a:rPr>
-              <a:t> </a:t>
-            </a:r>
-            <a:r>
-              <a:rPr lang="en-US" sz="2999" b="1" spc="-112" dirty="0" err="1">
-                <a:solidFill>
-                  <a:srgbClr val="FFFFFF"/>
-                </a:solidFill>
-              </a:rPr>
-              <a:t>đạt</a:t>
-            </a:r>
-            <a:r>
-              <a:rPr lang="en-US" sz="2999" b="1" spc="-112" dirty="0">
-                <a:solidFill>
-                  <a:srgbClr val="FFFFFF"/>
-                </a:solidFill>
-              </a:rPr>
-              <a:t> </a:t>
-            </a:r>
-            <a:r>
-              <a:rPr lang="en-US" sz="2999" b="1" spc="-112" dirty="0" err="1">
-                <a:solidFill>
-                  <a:srgbClr val="FFFFFF"/>
-                </a:solidFill>
-              </a:rPr>
-              <a:t>được</a:t>
-            </a:r>
-            <a:endParaRPr lang="en-US" sz="2999" b="1" spc="-112" dirty="0">
-              <a:solidFill>
-                <a:srgbClr val="FFFFFF"/>
-              </a:solidFill>
-            </a:endParaRPr>
-          </a:p>
-        </p:txBody>
-      </p:sp>
+      </p:pic>
     </p:spTree>
     <p:extLst>
       <p:ext uri="{BB962C8B-B14F-4D97-AF65-F5344CB8AC3E}">
-        <p14:creationId xmlns:p14="http://schemas.microsoft.com/office/powerpoint/2010/main" val="2456230267"/>
+        <p14:creationId xmlns:p14="http://schemas.microsoft.com/office/powerpoint/2010/main" val="4110245569"/>
       </p:ext>
     </p:extLst>
   </p:cSld>
@@ -12415,16 +13590,192 @@
           <a:chExt cx="0" cy="0"/>
         </a:xfrm>
       </p:grpSpPr>
+      <p:sp>
+        <p:nvSpPr>
+          <p:cNvPr id="25" name="Content Placeholder 2"/>
+          <p:cNvSpPr>
+            <a:spLocks noGrp="1"/>
+          </p:cNvSpPr>
+          <p:nvPr>
+            <p:ph idx="1"/>
+          </p:nvPr>
+        </p:nvSpPr>
+        <p:spPr>
+          <a:xfrm>
+            <a:off x="1236985" y="1825625"/>
+            <a:ext cx="9718031" cy="4351338"/>
+          </a:xfrm>
+        </p:spPr>
+        <p:txBody>
+          <a:bodyPr>
+            <a:normAutofit/>
+          </a:bodyPr>
+          <a:lstStyle/>
+          <a:p>
+            <a:pPr lvl="0"/>
+            <a:r>
+              <a:rPr lang="vi-VN" dirty="0"/>
+              <a:t>Hỗ trợ các AES được viết trên mọi nền </a:t>
+            </a:r>
+            <a:r>
+              <a:rPr lang="vi-VN" dirty="0" smtClean="0"/>
+              <a:t>tảng</a:t>
+            </a:r>
+            <a:endParaRPr lang="vi-VN" dirty="0"/>
+          </a:p>
+          <a:p>
+            <a:pPr lvl="0"/>
+            <a:r>
+              <a:rPr lang="vi-VN" dirty="0"/>
+              <a:t>Hỗ trợ các</a:t>
+            </a:r>
+            <a:r>
+              <a:rPr lang="en-US" dirty="0"/>
+              <a:t> Mobile</a:t>
+            </a:r>
+            <a:r>
+              <a:rPr lang="vi-VN" dirty="0"/>
+              <a:t> App</a:t>
+            </a:r>
+            <a:r>
+              <a:rPr lang="en-US" dirty="0" err="1"/>
+              <a:t>lication</a:t>
+            </a:r>
+            <a:r>
+              <a:rPr lang="vi-VN" dirty="0"/>
+              <a:t> được viết trên nền tảng .Net Core</a:t>
+            </a:r>
+          </a:p>
+          <a:p>
+            <a:pPr lvl="0"/>
+            <a:r>
+              <a:rPr lang="vi-VN" dirty="0"/>
+              <a:t>Đã cài đặt và gửi thông báo tới</a:t>
+            </a:r>
+            <a:r>
+              <a:rPr lang="en-US" dirty="0"/>
+              <a:t> Mobile</a:t>
+            </a:r>
+            <a:r>
+              <a:rPr lang="vi-VN" dirty="0"/>
+              <a:t> Application thành công</a:t>
+            </a:r>
+            <a:r>
+              <a:rPr lang="vi-VN" dirty="0" smtClean="0"/>
+              <a:t>.</a:t>
+            </a:r>
+            <a:endParaRPr lang="vi-VN" dirty="0"/>
+          </a:p>
+        </p:txBody>
+      </p:sp>
+      <p:sp>
+        <p:nvSpPr>
+          <p:cNvPr id="26" name="TextBox 25"/>
+          <p:cNvSpPr txBox="1"/>
+          <p:nvPr/>
+        </p:nvSpPr>
+        <p:spPr>
+          <a:xfrm>
+            <a:off x="0" y="390433"/>
+            <a:ext cx="3371085" cy="636919"/>
+          </a:xfrm>
+          <a:prstGeom prst="rect">
+            <a:avLst/>
+          </a:prstGeom>
+          <a:solidFill>
+            <a:schemeClr val="accent6">
+              <a:alpha val="70000"/>
+            </a:schemeClr>
+          </a:solidFill>
+        </p:spPr>
+        <p:txBody>
+          <a:bodyPr wrap="square" lIns="411386" tIns="109703" rIns="137129" bIns="109703" rtlCol="0">
+            <a:spAutoFit/>
+          </a:bodyPr>
+          <a:lstStyle/>
+          <a:p>
+            <a:pPr>
+              <a:lnSpc>
+                <a:spcPct val="90000"/>
+              </a:lnSpc>
+              <a:spcAft>
+                <a:spcPts val="450"/>
+              </a:spcAft>
+            </a:pPr>
+            <a:r>
+              <a:rPr lang="en-US" sz="2999" b="1" spc="-112" dirty="0" err="1">
+                <a:solidFill>
+                  <a:srgbClr val="FFFFFF"/>
+                </a:solidFill>
+              </a:rPr>
+              <a:t>Kết</a:t>
+            </a:r>
+            <a:r>
+              <a:rPr lang="en-US" sz="2999" b="1" spc="-112" dirty="0">
+                <a:solidFill>
+                  <a:srgbClr val="FFFFFF"/>
+                </a:solidFill>
+              </a:rPr>
+              <a:t> </a:t>
+            </a:r>
+            <a:r>
+              <a:rPr lang="en-US" sz="2999" b="1" spc="-112" dirty="0" err="1">
+                <a:solidFill>
+                  <a:srgbClr val="FFFFFF"/>
+                </a:solidFill>
+              </a:rPr>
+              <a:t>quả</a:t>
+            </a:r>
+            <a:r>
+              <a:rPr lang="en-US" sz="2999" b="1" spc="-112" dirty="0">
+                <a:solidFill>
+                  <a:srgbClr val="FFFFFF"/>
+                </a:solidFill>
+              </a:rPr>
+              <a:t> </a:t>
+            </a:r>
+            <a:r>
+              <a:rPr lang="en-US" sz="2999" b="1" spc="-112" dirty="0" err="1">
+                <a:solidFill>
+                  <a:srgbClr val="FFFFFF"/>
+                </a:solidFill>
+              </a:rPr>
+              <a:t>đạt</a:t>
+            </a:r>
+            <a:r>
+              <a:rPr lang="en-US" sz="2999" b="1" spc="-112" dirty="0">
+                <a:solidFill>
+                  <a:srgbClr val="FFFFFF"/>
+                </a:solidFill>
+              </a:rPr>
+              <a:t> </a:t>
+            </a:r>
+            <a:r>
+              <a:rPr lang="en-US" sz="2999" b="1" spc="-112" dirty="0" err="1">
+                <a:solidFill>
+                  <a:srgbClr val="FFFFFF"/>
+                </a:solidFill>
+              </a:rPr>
+              <a:t>được</a:t>
+            </a:r>
+            <a:endParaRPr lang="en-US" sz="2999" b="1" spc="-112" dirty="0">
+              <a:solidFill>
+                <a:srgbClr val="FFFFFF"/>
+              </a:solidFill>
+            </a:endParaRPr>
+          </a:p>
+        </p:txBody>
+      </p:sp>
       <p:cxnSp>
         <p:nvCxnSpPr>
-          <p:cNvPr id="4" name="Straight Connector 3"/>
+          <p:cNvPr id="6" name="Straight Connector 5"/>
           <p:cNvCxnSpPr/>
           <p:nvPr/>
         </p:nvCxnSpPr>
         <p:spPr>
           <a:xfrm flipV="1">
-            <a:off x="1236985" y="1397906"/>
-            <a:ext cx="9718031" cy="57165"/>
+            <a:off x="-109182" y="1388891"/>
+            <a:ext cx="12596883" cy="85067"/>
           </a:xfrm>
           <a:prstGeom prst="line">
             <a:avLst/>
@@ -12458,595 +13809,10 @@
           </a:fontRef>
         </p:style>
       </p:cxnSp>
-      <p:sp>
-        <p:nvSpPr>
-          <p:cNvPr id="26" name="TextBox 25"/>
-          <p:cNvSpPr txBox="1"/>
-          <p:nvPr/>
-        </p:nvSpPr>
-        <p:spPr>
-          <a:xfrm>
-            <a:off x="1524000" y="525368"/>
-            <a:ext cx="7146388" cy="636919"/>
-          </a:xfrm>
-          <a:prstGeom prst="rect">
-            <a:avLst/>
-          </a:prstGeom>
-          <a:solidFill>
-            <a:schemeClr val="accent6">
-              <a:alpha val="70000"/>
-            </a:schemeClr>
-          </a:solidFill>
-        </p:spPr>
-        <p:txBody>
-          <a:bodyPr wrap="square" lIns="411386" tIns="109703" rIns="137129" bIns="109703" rtlCol="0">
-            <a:spAutoFit/>
-          </a:bodyPr>
-          <a:lstStyle/>
-          <a:p>
-            <a:pPr>
-              <a:lnSpc>
-                <a:spcPct val="90000"/>
-              </a:lnSpc>
-              <a:spcAft>
-                <a:spcPts val="450"/>
-              </a:spcAft>
-            </a:pPr>
-            <a:r>
-              <a:rPr lang="en-US" sz="2999" b="1" spc="-112" dirty="0">
-                <a:solidFill>
-                  <a:srgbClr val="FFFFFF"/>
-                </a:solidFill>
-              </a:rPr>
-              <a:t>RNS </a:t>
-            </a:r>
-            <a:r>
-              <a:rPr lang="en-US" sz="2999" b="1" spc="-112" dirty="0" err="1">
-                <a:solidFill>
-                  <a:srgbClr val="FFFFFF"/>
-                </a:solidFill>
-              </a:rPr>
-              <a:t>hỗ</a:t>
-            </a:r>
-            <a:r>
-              <a:rPr lang="en-US" sz="2999" b="1" spc="-112" dirty="0">
-                <a:solidFill>
-                  <a:srgbClr val="FFFFFF"/>
-                </a:solidFill>
-              </a:rPr>
-              <a:t> </a:t>
-            </a:r>
-            <a:r>
-              <a:rPr lang="en-US" sz="2999" b="1" spc="-112" dirty="0" err="1">
-                <a:solidFill>
-                  <a:srgbClr val="FFFFFF"/>
-                </a:solidFill>
-              </a:rPr>
-              <a:t>trợ</a:t>
-            </a:r>
-            <a:r>
-              <a:rPr lang="en-US" sz="2999" b="1" spc="-112" dirty="0">
-                <a:solidFill>
-                  <a:srgbClr val="FFFFFF"/>
-                </a:solidFill>
-              </a:rPr>
-              <a:t> </a:t>
-            </a:r>
-            <a:r>
-              <a:rPr lang="en-US" sz="2999" b="1" spc="-112" dirty="0" err="1">
-                <a:solidFill>
-                  <a:srgbClr val="FFFFFF"/>
-                </a:solidFill>
-              </a:rPr>
-              <a:t>việc</a:t>
-            </a:r>
-            <a:r>
-              <a:rPr lang="en-US" sz="2999" b="1" spc="-112" dirty="0">
-                <a:solidFill>
-                  <a:srgbClr val="FFFFFF"/>
-                </a:solidFill>
-              </a:rPr>
-              <a:t> </a:t>
-            </a:r>
-            <a:r>
-              <a:rPr lang="en-US" sz="2999" b="1" spc="-112" dirty="0" err="1">
-                <a:solidFill>
-                  <a:srgbClr val="FFFFFF"/>
-                </a:solidFill>
-              </a:rPr>
-              <a:t>phát</a:t>
-            </a:r>
-            <a:r>
-              <a:rPr lang="en-US" sz="2999" b="1" spc="-112" dirty="0">
-                <a:solidFill>
-                  <a:srgbClr val="FFFFFF"/>
-                </a:solidFill>
-              </a:rPr>
-              <a:t> </a:t>
-            </a:r>
-            <a:r>
-              <a:rPr lang="en-US" sz="2999" b="1" spc="-112" dirty="0" err="1">
-                <a:solidFill>
-                  <a:srgbClr val="FFFFFF"/>
-                </a:solidFill>
-              </a:rPr>
-              <a:t>triển</a:t>
-            </a:r>
-            <a:r>
-              <a:rPr lang="en-US" sz="2999" b="1" spc="-112" dirty="0">
-                <a:solidFill>
-                  <a:srgbClr val="FFFFFF"/>
-                </a:solidFill>
-              </a:rPr>
-              <a:t> </a:t>
-            </a:r>
-            <a:r>
-              <a:rPr lang="en-US" sz="2999" b="1" spc="-112" dirty="0" err="1">
-                <a:solidFill>
-                  <a:srgbClr val="FFFFFF"/>
-                </a:solidFill>
-              </a:rPr>
-              <a:t>bên</a:t>
-            </a:r>
-            <a:r>
-              <a:rPr lang="en-US" sz="2999" b="1" spc="-112" dirty="0">
-                <a:solidFill>
-                  <a:srgbClr val="FFFFFF"/>
-                </a:solidFill>
-              </a:rPr>
-              <a:t> </a:t>
-            </a:r>
-            <a:r>
-              <a:rPr lang="en-US" sz="2999" b="1" spc="-112" dirty="0" err="1">
-                <a:solidFill>
-                  <a:srgbClr val="FFFFFF"/>
-                </a:solidFill>
-              </a:rPr>
-              <a:t>phía</a:t>
-            </a:r>
-            <a:r>
-              <a:rPr lang="en-US" sz="2999" b="1" spc="-112" dirty="0">
-                <a:solidFill>
-                  <a:srgbClr val="FFFFFF"/>
-                </a:solidFill>
-              </a:rPr>
-              <a:t> client</a:t>
-            </a:r>
-            <a:endParaRPr lang="en-US" sz="2999" b="1" spc="-112" dirty="0">
-              <a:solidFill>
-                <a:srgbClr val="FFFFFF"/>
-              </a:solidFill>
-            </a:endParaRPr>
-          </a:p>
-        </p:txBody>
-      </p:sp>
-      <p:sp>
-        <p:nvSpPr>
-          <p:cNvPr id="3" name="Rectangle 2"/>
-          <p:cNvSpPr/>
-          <p:nvPr/>
-        </p:nvSpPr>
-        <p:spPr>
-          <a:xfrm>
-            <a:off x="1777218" y="2441450"/>
-            <a:ext cx="1730326" cy="745588"/>
-          </a:xfrm>
-          <a:prstGeom prst="rect">
-            <a:avLst/>
-          </a:prstGeom>
-        </p:spPr>
-        <p:style>
-          <a:lnRef idx="2">
-            <a:schemeClr val="accent1">
-              <a:shade val="50000"/>
-            </a:schemeClr>
-          </a:lnRef>
-          <a:fillRef idx="1">
-            <a:schemeClr val="accent1"/>
-          </a:fillRef>
-          <a:effectRef idx="0">
-            <a:schemeClr val="accent1"/>
-          </a:effectRef>
-          <a:fontRef idx="minor">
-            <a:schemeClr val="lt1"/>
-          </a:fontRef>
-        </p:style>
-        <p:txBody>
-          <a:bodyPr rtlCol="0" anchor="ctr"/>
-          <a:lstStyle/>
-          <a:p>
-            <a:pPr algn="ctr"/>
-            <a:r>
-              <a:rPr lang="vi-VN" dirty="0"/>
-              <a:t>AES</a:t>
-            </a:r>
-            <a:endParaRPr lang="vi-VN" dirty="0"/>
-          </a:p>
-        </p:txBody>
-      </p:sp>
-      <p:sp>
-        <p:nvSpPr>
-          <p:cNvPr id="14" name="Rectangle 13"/>
-          <p:cNvSpPr/>
-          <p:nvPr/>
-        </p:nvSpPr>
-        <p:spPr>
-          <a:xfrm>
-            <a:off x="7657515" y="3060428"/>
-            <a:ext cx="2250831" cy="1809877"/>
-          </a:xfrm>
-          <a:prstGeom prst="rect">
-            <a:avLst/>
-          </a:prstGeom>
-          <a:solidFill>
-            <a:schemeClr val="bg1"/>
-          </a:solidFill>
-        </p:spPr>
-        <p:style>
-          <a:lnRef idx="2">
-            <a:schemeClr val="accent1">
-              <a:shade val="50000"/>
-            </a:schemeClr>
-          </a:lnRef>
-          <a:fillRef idx="1">
-            <a:schemeClr val="accent1"/>
-          </a:fillRef>
-          <a:effectRef idx="0">
-            <a:schemeClr val="accent1"/>
-          </a:effectRef>
-          <a:fontRef idx="minor">
-            <a:schemeClr val="lt1"/>
-          </a:fontRef>
-        </p:style>
-        <p:txBody>
-          <a:bodyPr rtlCol="0" anchor="t"/>
-          <a:lstStyle/>
-          <a:p>
-            <a:pPr algn="ctr"/>
-            <a:r>
-              <a:rPr lang="vi-VN" dirty="0">
-                <a:solidFill>
-                  <a:schemeClr val="tx1"/>
-                </a:solidFill>
-              </a:rPr>
-              <a:t>Windows 10 App</a:t>
-            </a:r>
-            <a:endParaRPr lang="vi-VN" dirty="0">
-              <a:solidFill>
-                <a:schemeClr val="tx1"/>
-              </a:solidFill>
-            </a:endParaRPr>
-          </a:p>
-        </p:txBody>
-      </p:sp>
-      <p:sp>
-        <p:nvSpPr>
-          <p:cNvPr id="15" name="Rectangle 14"/>
-          <p:cNvSpPr/>
-          <p:nvPr/>
-        </p:nvSpPr>
-        <p:spPr>
-          <a:xfrm>
-            <a:off x="1777218" y="3886551"/>
-            <a:ext cx="1730326" cy="745588"/>
-          </a:xfrm>
-          <a:prstGeom prst="rect">
-            <a:avLst/>
-          </a:prstGeom>
-          <a:solidFill>
-            <a:schemeClr val="accent2"/>
-          </a:solidFill>
-        </p:spPr>
-        <p:style>
-          <a:lnRef idx="2">
-            <a:schemeClr val="accent1">
-              <a:shade val="50000"/>
-            </a:schemeClr>
-          </a:lnRef>
-          <a:fillRef idx="1">
-            <a:schemeClr val="accent1"/>
-          </a:fillRef>
-          <a:effectRef idx="0">
-            <a:schemeClr val="accent1"/>
-          </a:effectRef>
-          <a:fontRef idx="minor">
-            <a:schemeClr val="lt1"/>
-          </a:fontRef>
-        </p:style>
-        <p:txBody>
-          <a:bodyPr rtlCol="0" anchor="ctr"/>
-          <a:lstStyle/>
-          <a:p>
-            <a:pPr algn="ctr"/>
-            <a:r>
-              <a:rPr lang="vi-VN" dirty="0"/>
-              <a:t>RNS Server</a:t>
-            </a:r>
-            <a:endParaRPr lang="vi-VN" dirty="0"/>
-          </a:p>
-        </p:txBody>
-      </p:sp>
-      <p:sp>
-        <p:nvSpPr>
-          <p:cNvPr id="16" name="Rectangle 15"/>
-          <p:cNvSpPr/>
-          <p:nvPr/>
-        </p:nvSpPr>
-        <p:spPr>
-          <a:xfrm>
-            <a:off x="7917766" y="3886551"/>
-            <a:ext cx="1730326" cy="745588"/>
-          </a:xfrm>
-          <a:prstGeom prst="rect">
-            <a:avLst/>
-          </a:prstGeom>
-          <a:solidFill>
-            <a:schemeClr val="accent2"/>
-          </a:solidFill>
-        </p:spPr>
-        <p:style>
-          <a:lnRef idx="2">
-            <a:schemeClr val="accent1">
-              <a:shade val="50000"/>
-            </a:schemeClr>
-          </a:lnRef>
-          <a:fillRef idx="1">
-            <a:schemeClr val="accent1"/>
-          </a:fillRef>
-          <a:effectRef idx="0">
-            <a:schemeClr val="accent1"/>
-          </a:effectRef>
-          <a:fontRef idx="minor">
-            <a:schemeClr val="lt1"/>
-          </a:fontRef>
-        </p:style>
-        <p:txBody>
-          <a:bodyPr rtlCol="0" anchor="ctr"/>
-          <a:lstStyle/>
-          <a:p>
-            <a:pPr algn="ctr"/>
-            <a:r>
-              <a:rPr lang="vi-VN" dirty="0"/>
-              <a:t>RNS Client</a:t>
-            </a:r>
-            <a:endParaRPr lang="vi-VN" dirty="0"/>
-          </a:p>
-        </p:txBody>
-      </p:sp>
-      <p:sp>
-        <p:nvSpPr>
-          <p:cNvPr id="8" name="Cloud 7"/>
-          <p:cNvSpPr/>
-          <p:nvPr/>
-        </p:nvSpPr>
-        <p:spPr>
-          <a:xfrm>
-            <a:off x="4632961" y="5205047"/>
-            <a:ext cx="2250831" cy="1223889"/>
-          </a:xfrm>
-          <a:prstGeom prst="cloud">
-            <a:avLst/>
-          </a:prstGeom>
-        </p:spPr>
-        <p:style>
-          <a:lnRef idx="2">
-            <a:schemeClr val="accent1">
-              <a:shade val="50000"/>
-            </a:schemeClr>
-          </a:lnRef>
-          <a:fillRef idx="1">
-            <a:schemeClr val="accent1"/>
-          </a:fillRef>
-          <a:effectRef idx="0">
-            <a:schemeClr val="accent1"/>
-          </a:effectRef>
-          <a:fontRef idx="minor">
-            <a:schemeClr val="lt1"/>
-          </a:fontRef>
-        </p:style>
-        <p:txBody>
-          <a:bodyPr rtlCol="0" anchor="ctr"/>
-          <a:lstStyle/>
-          <a:p>
-            <a:pPr algn="ctr"/>
-            <a:r>
-              <a:rPr lang="vi-VN" dirty="0"/>
-              <a:t>Micorsoft WNS</a:t>
-            </a:r>
-            <a:endParaRPr lang="vi-VN" dirty="0"/>
-          </a:p>
-        </p:txBody>
-      </p:sp>
-      <p:sp>
-        <p:nvSpPr>
-          <p:cNvPr id="12" name="Down Arrow 11"/>
-          <p:cNvSpPr/>
-          <p:nvPr/>
-        </p:nvSpPr>
-        <p:spPr>
-          <a:xfrm>
-            <a:off x="2396197" y="3291841"/>
-            <a:ext cx="246184" cy="496389"/>
-          </a:xfrm>
-          <a:prstGeom prst="downArrow">
-            <a:avLst/>
-          </a:prstGeom>
-        </p:spPr>
-        <p:style>
-          <a:lnRef idx="2">
-            <a:schemeClr val="accent1">
-              <a:shade val="50000"/>
-            </a:schemeClr>
-          </a:lnRef>
-          <a:fillRef idx="1">
-            <a:schemeClr val="accent1"/>
-          </a:fillRef>
-          <a:effectRef idx="0">
-            <a:schemeClr val="accent1"/>
-          </a:effectRef>
-          <a:fontRef idx="minor">
-            <a:schemeClr val="lt1"/>
-          </a:fontRef>
-        </p:style>
-        <p:txBody>
-          <a:bodyPr rtlCol="0" anchor="ctr"/>
-          <a:lstStyle/>
-          <a:p>
-            <a:pPr algn="ctr"/>
-            <a:endParaRPr lang="vi-VN"/>
-          </a:p>
-        </p:txBody>
-      </p:sp>
-      <p:sp>
-        <p:nvSpPr>
-          <p:cNvPr id="19" name="Down Arrow 18"/>
-          <p:cNvSpPr/>
-          <p:nvPr/>
-        </p:nvSpPr>
-        <p:spPr>
-          <a:xfrm rot="14412809">
-            <a:off x="7132144" y="4762832"/>
-            <a:ext cx="246184" cy="788272"/>
-          </a:xfrm>
-          <a:prstGeom prst="downArrow">
-            <a:avLst/>
-          </a:prstGeom>
-        </p:spPr>
-        <p:style>
-          <a:lnRef idx="2">
-            <a:schemeClr val="accent1">
-              <a:shade val="50000"/>
-            </a:schemeClr>
-          </a:lnRef>
-          <a:fillRef idx="1">
-            <a:schemeClr val="accent1"/>
-          </a:fillRef>
-          <a:effectRef idx="0">
-            <a:schemeClr val="accent1"/>
-          </a:effectRef>
-          <a:fontRef idx="minor">
-            <a:schemeClr val="lt1"/>
-          </a:fontRef>
-        </p:style>
-        <p:txBody>
-          <a:bodyPr rtlCol="0" anchor="ctr"/>
-          <a:lstStyle/>
-          <a:p>
-            <a:pPr algn="ctr"/>
-            <a:endParaRPr lang="vi-VN"/>
-          </a:p>
-        </p:txBody>
-      </p:sp>
-      <p:sp>
-        <p:nvSpPr>
-          <p:cNvPr id="20" name="Down Arrow 19"/>
-          <p:cNvSpPr/>
-          <p:nvPr/>
-        </p:nvSpPr>
-        <p:spPr>
-          <a:xfrm rot="18624693">
-            <a:off x="4014913" y="4442100"/>
-            <a:ext cx="246184" cy="1338746"/>
-          </a:xfrm>
-          <a:prstGeom prst="downArrow">
-            <a:avLst/>
-          </a:prstGeom>
-        </p:spPr>
-        <p:style>
-          <a:lnRef idx="2">
-            <a:schemeClr val="accent1">
-              <a:shade val="50000"/>
-            </a:schemeClr>
-          </a:lnRef>
-          <a:fillRef idx="1">
-            <a:schemeClr val="accent1"/>
-          </a:fillRef>
-          <a:effectRef idx="0">
-            <a:schemeClr val="accent1"/>
-          </a:effectRef>
-          <a:fontRef idx="minor">
-            <a:schemeClr val="lt1"/>
-          </a:fontRef>
-        </p:style>
-        <p:txBody>
-          <a:bodyPr rtlCol="0" anchor="ctr"/>
-          <a:lstStyle/>
-          <a:p>
-            <a:pPr algn="ctr"/>
-            <a:endParaRPr lang="vi-VN"/>
-          </a:p>
-        </p:txBody>
-      </p:sp>
-      <p:sp>
-        <p:nvSpPr>
-          <p:cNvPr id="17" name="Left-Right Arrow 16"/>
-          <p:cNvSpPr/>
-          <p:nvPr/>
-        </p:nvSpPr>
-        <p:spPr>
-          <a:xfrm>
-            <a:off x="3787140" y="4251960"/>
-            <a:ext cx="3703320" cy="240030"/>
-          </a:xfrm>
-          <a:prstGeom prst="leftRightArrow">
-            <a:avLst/>
-          </a:prstGeom>
-        </p:spPr>
-        <p:style>
-          <a:lnRef idx="2">
-            <a:schemeClr val="accent1">
-              <a:shade val="50000"/>
-            </a:schemeClr>
-          </a:lnRef>
-          <a:fillRef idx="1">
-            <a:schemeClr val="accent1"/>
-          </a:fillRef>
-          <a:effectRef idx="0">
-            <a:schemeClr val="accent1"/>
-          </a:effectRef>
-          <a:fontRef idx="minor">
-            <a:schemeClr val="lt1"/>
-          </a:fontRef>
-        </p:style>
-        <p:txBody>
-          <a:bodyPr rtlCol="0" anchor="ctr"/>
-          <a:lstStyle/>
-          <a:p>
-            <a:pPr algn="ctr"/>
-            <a:endParaRPr lang="vi-VN"/>
-          </a:p>
-        </p:txBody>
-      </p:sp>
-      <p:sp>
-        <p:nvSpPr>
-          <p:cNvPr id="2" name="TextBox 1"/>
-          <p:cNvSpPr txBox="1"/>
-          <p:nvPr/>
-        </p:nvSpPr>
-        <p:spPr>
-          <a:xfrm>
-            <a:off x="3228110" y="1759527"/>
-            <a:ext cx="5306291" cy="369332"/>
-          </a:xfrm>
-          <a:prstGeom prst="rect">
-            <a:avLst/>
-          </a:prstGeom>
-          <a:noFill/>
-        </p:spPr>
-        <p:txBody>
-          <a:bodyPr wrap="square" rtlCol="0">
-            <a:spAutoFit/>
-          </a:bodyPr>
-          <a:lstStyle/>
-          <a:p>
-            <a:endParaRPr lang="vi-VN"/>
-          </a:p>
-        </p:txBody>
-      </p:sp>
     </p:spTree>
     <p:extLst>
       <p:ext uri="{BB962C8B-B14F-4D97-AF65-F5344CB8AC3E}">
-        <p14:creationId xmlns:p14="http://schemas.microsoft.com/office/powerpoint/2010/main" val="2418629306"/>
+        <p14:creationId xmlns:p14="http://schemas.microsoft.com/office/powerpoint/2010/main" val="2456230267"/>
       </p:ext>
     </p:extLst>
   </p:cSld>
@@ -13092,16 +13858,601 @@
           <a:chExt cx="0" cy="0"/>
         </a:xfrm>
       </p:grpSpPr>
+      <p:sp>
+        <p:nvSpPr>
+          <p:cNvPr id="26" name="TextBox 25"/>
+          <p:cNvSpPr txBox="1"/>
+          <p:nvPr/>
+        </p:nvSpPr>
+        <p:spPr>
+          <a:xfrm>
+            <a:off x="0" y="387601"/>
+            <a:ext cx="7146388" cy="636919"/>
+          </a:xfrm>
+          <a:prstGeom prst="rect">
+            <a:avLst/>
+          </a:prstGeom>
+          <a:solidFill>
+            <a:schemeClr val="accent6">
+              <a:alpha val="70000"/>
+            </a:schemeClr>
+          </a:solidFill>
+        </p:spPr>
+        <p:txBody>
+          <a:bodyPr wrap="square" lIns="411386" tIns="109703" rIns="137129" bIns="109703" rtlCol="0">
+            <a:spAutoFit/>
+          </a:bodyPr>
+          <a:lstStyle/>
+          <a:p>
+            <a:pPr>
+              <a:lnSpc>
+                <a:spcPct val="90000"/>
+              </a:lnSpc>
+              <a:spcAft>
+                <a:spcPts val="450"/>
+              </a:spcAft>
+            </a:pPr>
+            <a:r>
+              <a:rPr lang="en-US" sz="2999" b="1" spc="-112" dirty="0">
+                <a:solidFill>
+                  <a:srgbClr val="FFFFFF"/>
+                </a:solidFill>
+              </a:rPr>
+              <a:t>RNS </a:t>
+            </a:r>
+            <a:r>
+              <a:rPr lang="en-US" sz="2999" b="1" spc="-112" dirty="0" err="1">
+                <a:solidFill>
+                  <a:srgbClr val="FFFFFF"/>
+                </a:solidFill>
+              </a:rPr>
+              <a:t>hỗ</a:t>
+            </a:r>
+            <a:r>
+              <a:rPr lang="en-US" sz="2999" b="1" spc="-112" dirty="0">
+                <a:solidFill>
+                  <a:srgbClr val="FFFFFF"/>
+                </a:solidFill>
+              </a:rPr>
+              <a:t> </a:t>
+            </a:r>
+            <a:r>
+              <a:rPr lang="en-US" sz="2999" b="1" spc="-112" dirty="0" err="1">
+                <a:solidFill>
+                  <a:srgbClr val="FFFFFF"/>
+                </a:solidFill>
+              </a:rPr>
+              <a:t>trợ</a:t>
+            </a:r>
+            <a:r>
+              <a:rPr lang="en-US" sz="2999" b="1" spc="-112" dirty="0">
+                <a:solidFill>
+                  <a:srgbClr val="FFFFFF"/>
+                </a:solidFill>
+              </a:rPr>
+              <a:t> </a:t>
+            </a:r>
+            <a:r>
+              <a:rPr lang="en-US" sz="2999" b="1" spc="-112" dirty="0" err="1">
+                <a:solidFill>
+                  <a:srgbClr val="FFFFFF"/>
+                </a:solidFill>
+              </a:rPr>
+              <a:t>việc</a:t>
+            </a:r>
+            <a:r>
+              <a:rPr lang="en-US" sz="2999" b="1" spc="-112" dirty="0">
+                <a:solidFill>
+                  <a:srgbClr val="FFFFFF"/>
+                </a:solidFill>
+              </a:rPr>
+              <a:t> </a:t>
+            </a:r>
+            <a:r>
+              <a:rPr lang="en-US" sz="2999" b="1" spc="-112" dirty="0" err="1">
+                <a:solidFill>
+                  <a:srgbClr val="FFFFFF"/>
+                </a:solidFill>
+              </a:rPr>
+              <a:t>phát</a:t>
+            </a:r>
+            <a:r>
+              <a:rPr lang="en-US" sz="2999" b="1" spc="-112" dirty="0">
+                <a:solidFill>
+                  <a:srgbClr val="FFFFFF"/>
+                </a:solidFill>
+              </a:rPr>
+              <a:t> </a:t>
+            </a:r>
+            <a:r>
+              <a:rPr lang="en-US" sz="2999" b="1" spc="-112" dirty="0" err="1">
+                <a:solidFill>
+                  <a:srgbClr val="FFFFFF"/>
+                </a:solidFill>
+              </a:rPr>
+              <a:t>triển</a:t>
+            </a:r>
+            <a:r>
+              <a:rPr lang="en-US" sz="2999" b="1" spc="-112" dirty="0">
+                <a:solidFill>
+                  <a:srgbClr val="FFFFFF"/>
+                </a:solidFill>
+              </a:rPr>
+              <a:t> </a:t>
+            </a:r>
+            <a:r>
+              <a:rPr lang="en-US" sz="2999" b="1" spc="-112" dirty="0" err="1">
+                <a:solidFill>
+                  <a:srgbClr val="FFFFFF"/>
+                </a:solidFill>
+              </a:rPr>
+              <a:t>bên</a:t>
+            </a:r>
+            <a:r>
+              <a:rPr lang="en-US" sz="2999" b="1" spc="-112" dirty="0">
+                <a:solidFill>
+                  <a:srgbClr val="FFFFFF"/>
+                </a:solidFill>
+              </a:rPr>
+              <a:t> </a:t>
+            </a:r>
+            <a:r>
+              <a:rPr lang="en-US" sz="2999" b="1" spc="-112" dirty="0" err="1">
+                <a:solidFill>
+                  <a:srgbClr val="FFFFFF"/>
+                </a:solidFill>
+              </a:rPr>
+              <a:t>phía</a:t>
+            </a:r>
+            <a:r>
+              <a:rPr lang="en-US" sz="2999" b="1" spc="-112" dirty="0">
+                <a:solidFill>
+                  <a:srgbClr val="FFFFFF"/>
+                </a:solidFill>
+              </a:rPr>
+              <a:t> client</a:t>
+            </a:r>
+            <a:endParaRPr lang="en-US" sz="2999" b="1" spc="-112" dirty="0">
+              <a:solidFill>
+                <a:srgbClr val="FFFFFF"/>
+              </a:solidFill>
+            </a:endParaRPr>
+          </a:p>
+        </p:txBody>
+      </p:sp>
+      <p:sp>
+        <p:nvSpPr>
+          <p:cNvPr id="3" name="Rectangle 2"/>
+          <p:cNvSpPr/>
+          <p:nvPr/>
+        </p:nvSpPr>
+        <p:spPr>
+          <a:xfrm>
+            <a:off x="1777218" y="2441450"/>
+            <a:ext cx="1730326" cy="745588"/>
+          </a:xfrm>
+          <a:prstGeom prst="rect">
+            <a:avLst/>
+          </a:prstGeom>
+        </p:spPr>
+        <p:style>
+          <a:lnRef idx="2">
+            <a:schemeClr val="accent1">
+              <a:shade val="50000"/>
+            </a:schemeClr>
+          </a:lnRef>
+          <a:fillRef idx="1">
+            <a:schemeClr val="accent1"/>
+          </a:fillRef>
+          <a:effectRef idx="0">
+            <a:schemeClr val="accent1"/>
+          </a:effectRef>
+          <a:fontRef idx="minor">
+            <a:schemeClr val="lt1"/>
+          </a:fontRef>
+        </p:style>
+        <p:txBody>
+          <a:bodyPr rtlCol="0" anchor="ctr"/>
+          <a:lstStyle/>
+          <a:p>
+            <a:pPr algn="ctr"/>
+            <a:r>
+              <a:rPr lang="vi-VN" dirty="0"/>
+              <a:t>AES</a:t>
+            </a:r>
+            <a:endParaRPr lang="vi-VN" dirty="0"/>
+          </a:p>
+        </p:txBody>
+      </p:sp>
+      <p:sp>
+        <p:nvSpPr>
+          <p:cNvPr id="14" name="Rectangle 13"/>
+          <p:cNvSpPr/>
+          <p:nvPr/>
+        </p:nvSpPr>
+        <p:spPr>
+          <a:xfrm>
+            <a:off x="7657515" y="3060428"/>
+            <a:ext cx="2250831" cy="1809877"/>
+          </a:xfrm>
+          <a:prstGeom prst="rect">
+            <a:avLst/>
+          </a:prstGeom>
+          <a:solidFill>
+            <a:schemeClr val="bg1"/>
+          </a:solidFill>
+        </p:spPr>
+        <p:style>
+          <a:lnRef idx="2">
+            <a:schemeClr val="accent1">
+              <a:shade val="50000"/>
+            </a:schemeClr>
+          </a:lnRef>
+          <a:fillRef idx="1">
+            <a:schemeClr val="accent1"/>
+          </a:fillRef>
+          <a:effectRef idx="0">
+            <a:schemeClr val="accent1"/>
+          </a:effectRef>
+          <a:fontRef idx="minor">
+            <a:schemeClr val="lt1"/>
+          </a:fontRef>
+        </p:style>
+        <p:txBody>
+          <a:bodyPr rtlCol="0" anchor="t"/>
+          <a:lstStyle/>
+          <a:p>
+            <a:pPr algn="ctr"/>
+            <a:r>
+              <a:rPr lang="vi-VN" dirty="0">
+                <a:solidFill>
+                  <a:schemeClr val="tx1"/>
+                </a:solidFill>
+              </a:rPr>
+              <a:t>Windows 10 App</a:t>
+            </a:r>
+            <a:endParaRPr lang="vi-VN" dirty="0">
+              <a:solidFill>
+                <a:schemeClr val="tx1"/>
+              </a:solidFill>
+            </a:endParaRPr>
+          </a:p>
+        </p:txBody>
+      </p:sp>
+      <p:sp>
+        <p:nvSpPr>
+          <p:cNvPr id="15" name="Rectangle 14"/>
+          <p:cNvSpPr/>
+          <p:nvPr/>
+        </p:nvSpPr>
+        <p:spPr>
+          <a:xfrm>
+            <a:off x="1777218" y="3886551"/>
+            <a:ext cx="1730326" cy="745588"/>
+          </a:xfrm>
+          <a:prstGeom prst="rect">
+            <a:avLst/>
+          </a:prstGeom>
+          <a:solidFill>
+            <a:schemeClr val="accent2"/>
+          </a:solidFill>
+        </p:spPr>
+        <p:style>
+          <a:lnRef idx="2">
+            <a:schemeClr val="accent1">
+              <a:shade val="50000"/>
+            </a:schemeClr>
+          </a:lnRef>
+          <a:fillRef idx="1">
+            <a:schemeClr val="accent1"/>
+          </a:fillRef>
+          <a:effectRef idx="0">
+            <a:schemeClr val="accent1"/>
+          </a:effectRef>
+          <a:fontRef idx="minor">
+            <a:schemeClr val="lt1"/>
+          </a:fontRef>
+        </p:style>
+        <p:txBody>
+          <a:bodyPr rtlCol="0" anchor="ctr"/>
+          <a:lstStyle/>
+          <a:p>
+            <a:pPr algn="ctr"/>
+            <a:r>
+              <a:rPr lang="vi-VN" dirty="0"/>
+              <a:t>RNS Server</a:t>
+            </a:r>
+            <a:endParaRPr lang="vi-VN" dirty="0"/>
+          </a:p>
+        </p:txBody>
+      </p:sp>
+      <p:sp>
+        <p:nvSpPr>
+          <p:cNvPr id="16" name="Rectangle 15"/>
+          <p:cNvSpPr/>
+          <p:nvPr/>
+        </p:nvSpPr>
+        <p:spPr>
+          <a:xfrm>
+            <a:off x="7917766" y="3886551"/>
+            <a:ext cx="1730326" cy="745588"/>
+          </a:xfrm>
+          <a:prstGeom prst="rect">
+            <a:avLst/>
+          </a:prstGeom>
+          <a:solidFill>
+            <a:schemeClr val="accent2"/>
+          </a:solidFill>
+        </p:spPr>
+        <p:style>
+          <a:lnRef idx="2">
+            <a:schemeClr val="accent1">
+              <a:shade val="50000"/>
+            </a:schemeClr>
+          </a:lnRef>
+          <a:fillRef idx="1">
+            <a:schemeClr val="accent1"/>
+          </a:fillRef>
+          <a:effectRef idx="0">
+            <a:schemeClr val="accent1"/>
+          </a:effectRef>
+          <a:fontRef idx="minor">
+            <a:schemeClr val="lt1"/>
+          </a:fontRef>
+        </p:style>
+        <p:txBody>
+          <a:bodyPr rtlCol="0" anchor="ctr"/>
+          <a:lstStyle/>
+          <a:p>
+            <a:pPr algn="ctr"/>
+            <a:r>
+              <a:rPr lang="vi-VN" dirty="0"/>
+              <a:t>RNS Client</a:t>
+            </a:r>
+            <a:endParaRPr lang="vi-VN" dirty="0"/>
+          </a:p>
+        </p:txBody>
+      </p:sp>
+      <p:sp>
+        <p:nvSpPr>
+          <p:cNvPr id="8" name="Cloud 7"/>
+          <p:cNvSpPr/>
+          <p:nvPr/>
+        </p:nvSpPr>
+        <p:spPr>
+          <a:xfrm>
+            <a:off x="4632961" y="5205047"/>
+            <a:ext cx="2250831" cy="1223889"/>
+          </a:xfrm>
+          <a:prstGeom prst="cloud">
+            <a:avLst/>
+          </a:prstGeom>
+        </p:spPr>
+        <p:style>
+          <a:lnRef idx="2">
+            <a:schemeClr val="accent1">
+              <a:shade val="50000"/>
+            </a:schemeClr>
+          </a:lnRef>
+          <a:fillRef idx="1">
+            <a:schemeClr val="accent1"/>
+          </a:fillRef>
+          <a:effectRef idx="0">
+            <a:schemeClr val="accent1"/>
+          </a:effectRef>
+          <a:fontRef idx="minor">
+            <a:schemeClr val="lt1"/>
+          </a:fontRef>
+        </p:style>
+        <p:txBody>
+          <a:bodyPr rtlCol="0" anchor="ctr"/>
+          <a:lstStyle/>
+          <a:p>
+            <a:pPr algn="ctr"/>
+            <a:r>
+              <a:rPr lang="vi-VN" dirty="0"/>
+              <a:t>Micorsoft WNS</a:t>
+            </a:r>
+            <a:endParaRPr lang="vi-VN" dirty="0"/>
+          </a:p>
+        </p:txBody>
+      </p:sp>
+      <p:sp>
+        <p:nvSpPr>
+          <p:cNvPr id="12" name="Down Arrow 11"/>
+          <p:cNvSpPr/>
+          <p:nvPr/>
+        </p:nvSpPr>
+        <p:spPr>
+          <a:xfrm>
+            <a:off x="2396197" y="3291841"/>
+            <a:ext cx="246184" cy="496389"/>
+          </a:xfrm>
+          <a:prstGeom prst="downArrow">
+            <a:avLst/>
+          </a:prstGeom>
+        </p:spPr>
+        <p:style>
+          <a:lnRef idx="2">
+            <a:schemeClr val="accent1">
+              <a:shade val="50000"/>
+            </a:schemeClr>
+          </a:lnRef>
+          <a:fillRef idx="1">
+            <a:schemeClr val="accent1"/>
+          </a:fillRef>
+          <a:effectRef idx="0">
+            <a:schemeClr val="accent1"/>
+          </a:effectRef>
+          <a:fontRef idx="minor">
+            <a:schemeClr val="lt1"/>
+          </a:fontRef>
+        </p:style>
+        <p:txBody>
+          <a:bodyPr rtlCol="0" anchor="ctr"/>
+          <a:lstStyle/>
+          <a:p>
+            <a:pPr algn="ctr"/>
+            <a:endParaRPr lang="vi-VN"/>
+          </a:p>
+        </p:txBody>
+      </p:sp>
+      <p:sp>
+        <p:nvSpPr>
+          <p:cNvPr id="19" name="Down Arrow 18"/>
+          <p:cNvSpPr/>
+          <p:nvPr/>
+        </p:nvSpPr>
+        <p:spPr>
+          <a:xfrm rot="14412809">
+            <a:off x="7132144" y="4762832"/>
+            <a:ext cx="246184" cy="788272"/>
+          </a:xfrm>
+          <a:prstGeom prst="downArrow">
+            <a:avLst/>
+          </a:prstGeom>
+        </p:spPr>
+        <p:style>
+          <a:lnRef idx="2">
+            <a:schemeClr val="accent1">
+              <a:shade val="50000"/>
+            </a:schemeClr>
+          </a:lnRef>
+          <a:fillRef idx="1">
+            <a:schemeClr val="accent1"/>
+          </a:fillRef>
+          <a:effectRef idx="0">
+            <a:schemeClr val="accent1"/>
+          </a:effectRef>
+          <a:fontRef idx="minor">
+            <a:schemeClr val="lt1"/>
+          </a:fontRef>
+        </p:style>
+        <p:txBody>
+          <a:bodyPr rtlCol="0" anchor="ctr"/>
+          <a:lstStyle/>
+          <a:p>
+            <a:pPr algn="ctr"/>
+            <a:endParaRPr lang="vi-VN"/>
+          </a:p>
+        </p:txBody>
+      </p:sp>
+      <p:sp>
+        <p:nvSpPr>
+          <p:cNvPr id="20" name="Down Arrow 19"/>
+          <p:cNvSpPr/>
+          <p:nvPr/>
+        </p:nvSpPr>
+        <p:spPr>
+          <a:xfrm rot="18624693">
+            <a:off x="4014913" y="4442100"/>
+            <a:ext cx="246184" cy="1338746"/>
+          </a:xfrm>
+          <a:prstGeom prst="downArrow">
+            <a:avLst/>
+          </a:prstGeom>
+        </p:spPr>
+        <p:style>
+          <a:lnRef idx="2">
+            <a:schemeClr val="accent1">
+              <a:shade val="50000"/>
+            </a:schemeClr>
+          </a:lnRef>
+          <a:fillRef idx="1">
+            <a:schemeClr val="accent1"/>
+          </a:fillRef>
+          <a:effectRef idx="0">
+            <a:schemeClr val="accent1"/>
+          </a:effectRef>
+          <a:fontRef idx="minor">
+            <a:schemeClr val="lt1"/>
+          </a:fontRef>
+        </p:style>
+        <p:txBody>
+          <a:bodyPr rtlCol="0" anchor="ctr"/>
+          <a:lstStyle/>
+          <a:p>
+            <a:pPr algn="ctr"/>
+            <a:endParaRPr lang="vi-VN"/>
+          </a:p>
+        </p:txBody>
+      </p:sp>
+      <p:sp>
+        <p:nvSpPr>
+          <p:cNvPr id="17" name="Left-Right Arrow 16"/>
+          <p:cNvSpPr/>
+          <p:nvPr/>
+        </p:nvSpPr>
+        <p:spPr>
+          <a:xfrm>
+            <a:off x="3787140" y="4251960"/>
+            <a:ext cx="3703320" cy="240030"/>
+          </a:xfrm>
+          <a:prstGeom prst="leftRightArrow">
+            <a:avLst/>
+          </a:prstGeom>
+        </p:spPr>
+        <p:style>
+          <a:lnRef idx="2">
+            <a:schemeClr val="accent1">
+              <a:shade val="50000"/>
+            </a:schemeClr>
+          </a:lnRef>
+          <a:fillRef idx="1">
+            <a:schemeClr val="accent1"/>
+          </a:fillRef>
+          <a:effectRef idx="0">
+            <a:schemeClr val="accent1"/>
+          </a:effectRef>
+          <a:fontRef idx="minor">
+            <a:schemeClr val="lt1"/>
+          </a:fontRef>
+        </p:style>
+        <p:txBody>
+          <a:bodyPr rtlCol="0" anchor="ctr"/>
+          <a:lstStyle/>
+          <a:p>
+            <a:pPr algn="ctr"/>
+            <a:endParaRPr lang="vi-VN"/>
+          </a:p>
+        </p:txBody>
+      </p:sp>
+      <p:sp>
+        <p:nvSpPr>
+          <p:cNvPr id="2" name="TextBox 1"/>
+          <p:cNvSpPr txBox="1"/>
+          <p:nvPr/>
+        </p:nvSpPr>
+        <p:spPr>
+          <a:xfrm>
+            <a:off x="3228110" y="1759527"/>
+            <a:ext cx="5306291" cy="369332"/>
+          </a:xfrm>
+          <a:prstGeom prst="rect">
+            <a:avLst/>
+          </a:prstGeom>
+          <a:noFill/>
+        </p:spPr>
+        <p:txBody>
+          <a:bodyPr wrap="square" rtlCol="0">
+            <a:spAutoFit/>
+          </a:bodyPr>
+          <a:lstStyle/>
+          <a:p>
+            <a:endParaRPr lang="vi-VN"/>
+          </a:p>
+        </p:txBody>
+      </p:sp>
       <p:cxnSp>
         <p:nvCxnSpPr>
-          <p:cNvPr id="4" name="Straight Connector 3"/>
+          <p:cNvPr id="18" name="Straight Connector 17"/>
           <p:cNvCxnSpPr/>
           <p:nvPr/>
         </p:nvCxnSpPr>
         <p:spPr>
           <a:xfrm flipV="1">
-            <a:off x="1236985" y="1397906"/>
-            <a:ext cx="9718031" cy="57165"/>
+            <a:off x="-109182" y="1388891"/>
+            <a:ext cx="12596883" cy="85067"/>
           </a:xfrm>
           <a:prstGeom prst="line">
             <a:avLst/>
@@ -13135,456 +14486,10 @@
           </a:fontRef>
         </p:style>
       </p:cxnSp>
-      <p:sp>
-        <p:nvSpPr>
-          <p:cNvPr id="26" name="TextBox 25"/>
-          <p:cNvSpPr txBox="1"/>
-          <p:nvPr/>
-        </p:nvSpPr>
-        <p:spPr>
-          <a:xfrm>
-            <a:off x="1524000" y="525368"/>
-            <a:ext cx="5120640" cy="636919"/>
-          </a:xfrm>
-          <a:prstGeom prst="rect">
-            <a:avLst/>
-          </a:prstGeom>
-          <a:solidFill>
-            <a:schemeClr val="accent6">
-              <a:alpha val="70000"/>
-            </a:schemeClr>
-          </a:solidFill>
-        </p:spPr>
-        <p:txBody>
-          <a:bodyPr wrap="square" lIns="411386" tIns="109703" rIns="137129" bIns="109703" rtlCol="0">
-            <a:spAutoFit/>
-          </a:bodyPr>
-          <a:lstStyle/>
-          <a:p>
-            <a:pPr>
-              <a:lnSpc>
-                <a:spcPct val="90000"/>
-              </a:lnSpc>
-              <a:spcAft>
-                <a:spcPts val="450"/>
-              </a:spcAft>
-            </a:pPr>
-            <a:r>
-              <a:rPr lang="en-US" sz="2999" b="1" spc="-112" dirty="0" err="1">
-                <a:solidFill>
-                  <a:srgbClr val="FFFFFF"/>
-                </a:solidFill>
-              </a:rPr>
-              <a:t>Hạn</a:t>
-            </a:r>
-            <a:r>
-              <a:rPr lang="en-US" sz="2999" b="1" spc="-112" dirty="0">
-                <a:solidFill>
-                  <a:srgbClr val="FFFFFF"/>
-                </a:solidFill>
-              </a:rPr>
-              <a:t> </a:t>
-            </a:r>
-            <a:r>
-              <a:rPr lang="en-US" sz="2999" b="1" spc="-112" dirty="0" err="1">
-                <a:solidFill>
-                  <a:srgbClr val="FFFFFF"/>
-                </a:solidFill>
-              </a:rPr>
-              <a:t>chế</a:t>
-            </a:r>
-            <a:r>
-              <a:rPr lang="en-US" sz="2999" b="1" spc="-112" dirty="0">
-                <a:solidFill>
-                  <a:srgbClr val="FFFFFF"/>
-                </a:solidFill>
-              </a:rPr>
-              <a:t> </a:t>
-            </a:r>
-            <a:r>
-              <a:rPr lang="en-US" sz="2999" b="1" spc="-112" dirty="0" err="1">
-                <a:solidFill>
-                  <a:srgbClr val="FFFFFF"/>
-                </a:solidFill>
-              </a:rPr>
-              <a:t>của</a:t>
-            </a:r>
-            <a:r>
-              <a:rPr lang="en-US" sz="2999" b="1" spc="-112" dirty="0">
-                <a:solidFill>
-                  <a:srgbClr val="FFFFFF"/>
-                </a:solidFill>
-              </a:rPr>
-              <a:t> </a:t>
-            </a:r>
-            <a:r>
-              <a:rPr lang="en-US" sz="2999" b="1" spc="-112" dirty="0" err="1">
-                <a:solidFill>
-                  <a:srgbClr val="FFFFFF"/>
-                </a:solidFill>
-              </a:rPr>
-              <a:t>đồ</a:t>
-            </a:r>
-            <a:r>
-              <a:rPr lang="en-US" sz="2999" b="1" spc="-112" dirty="0">
-                <a:solidFill>
-                  <a:srgbClr val="FFFFFF"/>
-                </a:solidFill>
-              </a:rPr>
-              <a:t> </a:t>
-            </a:r>
-            <a:r>
-              <a:rPr lang="en-US" sz="2999" b="1" spc="-112" dirty="0" err="1">
-                <a:solidFill>
-                  <a:srgbClr val="FFFFFF"/>
-                </a:solidFill>
-              </a:rPr>
-              <a:t>án</a:t>
-            </a:r>
-            <a:endParaRPr lang="en-US" sz="2999" b="1" spc="-112" dirty="0">
-              <a:solidFill>
-                <a:srgbClr val="FFFFFF"/>
-              </a:solidFill>
-            </a:endParaRPr>
-          </a:p>
-        </p:txBody>
-      </p:sp>
-      <p:sp>
-        <p:nvSpPr>
-          <p:cNvPr id="5" name="TextBox 4"/>
-          <p:cNvSpPr txBox="1"/>
-          <p:nvPr/>
-        </p:nvSpPr>
-        <p:spPr>
-          <a:xfrm>
-            <a:off x="3728258" y="2547389"/>
-            <a:ext cx="5110943" cy="646331"/>
-          </a:xfrm>
-          <a:prstGeom prst="rect">
-            <a:avLst/>
-          </a:prstGeom>
-          <a:noFill/>
-        </p:spPr>
-        <p:txBody>
-          <a:bodyPr wrap="square" rtlCol="0">
-            <a:spAutoFit/>
-          </a:bodyPr>
-          <a:lstStyle/>
-          <a:p>
-            <a:r>
-              <a:rPr lang="en-US" dirty="0" err="1"/>
-              <a:t>Chúng</a:t>
-            </a:r>
-            <a:r>
-              <a:rPr lang="en-US" dirty="0"/>
-              <a:t> </a:t>
-            </a:r>
-            <a:r>
-              <a:rPr lang="en-US" dirty="0" err="1"/>
-              <a:t>tôi</a:t>
-            </a:r>
-            <a:r>
-              <a:rPr lang="en-US" dirty="0"/>
-              <a:t> </a:t>
-            </a:r>
-            <a:r>
-              <a:rPr lang="en-US" dirty="0" err="1"/>
-              <a:t>không</a:t>
-            </a:r>
-            <a:r>
-              <a:rPr lang="en-US" dirty="0"/>
-              <a:t> </a:t>
-            </a:r>
-            <a:r>
-              <a:rPr lang="en-US" dirty="0" err="1"/>
-              <a:t>đảm</a:t>
-            </a:r>
-            <a:r>
-              <a:rPr lang="en-US" dirty="0"/>
-              <a:t> </a:t>
-            </a:r>
-            <a:r>
-              <a:rPr lang="en-US" dirty="0" err="1"/>
-              <a:t>bảo</a:t>
-            </a:r>
-            <a:r>
-              <a:rPr lang="en-US" dirty="0"/>
-              <a:t> </a:t>
-            </a:r>
-            <a:r>
-              <a:rPr lang="en-US" dirty="0" err="1"/>
-              <a:t>bất</a:t>
-            </a:r>
-            <a:r>
-              <a:rPr lang="en-US" dirty="0"/>
-              <a:t> </a:t>
-            </a:r>
-            <a:r>
-              <a:rPr lang="en-US" dirty="0" err="1"/>
-              <a:t>kỳ</a:t>
-            </a:r>
-            <a:r>
-              <a:rPr lang="en-US" dirty="0"/>
-              <a:t> </a:t>
-            </a:r>
-            <a:r>
-              <a:rPr lang="en-US" dirty="0" err="1"/>
-              <a:t>điều</a:t>
-            </a:r>
-            <a:r>
-              <a:rPr lang="en-US" dirty="0"/>
-              <a:t> </a:t>
-            </a:r>
-            <a:r>
-              <a:rPr lang="en-US" dirty="0" err="1"/>
-              <a:t>gì</a:t>
-            </a:r>
-            <a:r>
-              <a:rPr lang="en-US" dirty="0"/>
-              <a:t> </a:t>
-            </a:r>
-            <a:r>
-              <a:rPr lang="en-US" dirty="0" err="1"/>
-              <a:t>trong</a:t>
-            </a:r>
-            <a:r>
-              <a:rPr lang="en-US" dirty="0"/>
-              <a:t> </a:t>
-            </a:r>
-            <a:r>
-              <a:rPr lang="en-US" dirty="0" err="1"/>
-              <a:t>việc</a:t>
-            </a:r>
-            <a:r>
-              <a:rPr lang="en-US" dirty="0"/>
-              <a:t> </a:t>
-            </a:r>
-            <a:r>
-              <a:rPr lang="en-US" dirty="0" err="1"/>
-              <a:t>nhận</a:t>
-            </a:r>
-            <a:r>
-              <a:rPr lang="en-US" dirty="0"/>
-              <a:t> </a:t>
-            </a:r>
-            <a:r>
-              <a:rPr lang="en-US" dirty="0" err="1"/>
-              <a:t>thông</a:t>
-            </a:r>
-            <a:r>
-              <a:rPr lang="en-US" dirty="0"/>
-              <a:t> </a:t>
-            </a:r>
-            <a:r>
-              <a:rPr lang="en-US" dirty="0" err="1"/>
-              <a:t>báo</a:t>
-            </a:r>
-            <a:r>
-              <a:rPr lang="en-US" dirty="0"/>
-              <a:t> ở </a:t>
-            </a:r>
-            <a:r>
-              <a:rPr lang="en-US" dirty="0" err="1"/>
-              <a:t>thiết</a:t>
-            </a:r>
-            <a:r>
-              <a:rPr lang="en-US" dirty="0"/>
-              <a:t> </a:t>
-            </a:r>
-            <a:r>
-              <a:rPr lang="en-US" dirty="0" err="1"/>
-              <a:t>bị</a:t>
-            </a:r>
-            <a:r>
-              <a:rPr lang="en-US" dirty="0"/>
-              <a:t>.</a:t>
-            </a:r>
-            <a:endParaRPr lang="vi-VN" dirty="0"/>
-          </a:p>
-        </p:txBody>
-      </p:sp>
-      <p:sp>
-        <p:nvSpPr>
-          <p:cNvPr id="21" name="TextBox 20"/>
-          <p:cNvSpPr txBox="1"/>
-          <p:nvPr/>
-        </p:nvSpPr>
-        <p:spPr>
-          <a:xfrm>
-            <a:off x="1828800" y="3901898"/>
-            <a:ext cx="8839200" cy="538609"/>
-          </a:xfrm>
-          <a:prstGeom prst="rect">
-            <a:avLst/>
-          </a:prstGeom>
-          <a:noFill/>
-        </p:spPr>
-        <p:txBody>
-          <a:bodyPr wrap="square" rtlCol="0">
-            <a:spAutoFit/>
-          </a:bodyPr>
-          <a:lstStyle/>
-          <a:p>
-            <a:r>
-              <a:rPr lang="en-US" sz="2900" dirty="0" err="1">
-                <a:latin typeface="Segoe UI" panose="020B0502040204020203" pitchFamily="34" charset="0"/>
-                <a:cs typeface="Segoe UI" panose="020B0502040204020203" pitchFamily="34" charset="0"/>
-              </a:rPr>
-              <a:t>Gửi</a:t>
-            </a:r>
-            <a:r>
-              <a:rPr lang="en-US" sz="2900" dirty="0">
-                <a:latin typeface="Segoe UI" panose="020B0502040204020203" pitchFamily="34" charset="0"/>
-                <a:cs typeface="Segoe UI" panose="020B0502040204020203" pitchFamily="34" charset="0"/>
-              </a:rPr>
-              <a:t> </a:t>
-            </a:r>
-            <a:r>
-              <a:rPr lang="en-US" sz="2900" dirty="0" err="1">
-                <a:latin typeface="Segoe UI" panose="020B0502040204020203" pitchFamily="34" charset="0"/>
-                <a:cs typeface="Segoe UI" panose="020B0502040204020203" pitchFamily="34" charset="0"/>
-              </a:rPr>
-              <a:t>thông</a:t>
-            </a:r>
-            <a:r>
-              <a:rPr lang="en-US" sz="2900" dirty="0">
-                <a:latin typeface="Segoe UI" panose="020B0502040204020203" pitchFamily="34" charset="0"/>
-                <a:cs typeface="Segoe UI" panose="020B0502040204020203" pitchFamily="34" charset="0"/>
-              </a:rPr>
-              <a:t> tin </a:t>
-            </a:r>
-            <a:r>
-              <a:rPr lang="en-US" sz="2900" dirty="0" err="1">
-                <a:latin typeface="Segoe UI" panose="020B0502040204020203" pitchFamily="34" charset="0"/>
-                <a:cs typeface="Segoe UI" panose="020B0502040204020203" pitchFamily="34" charset="0"/>
-              </a:rPr>
-              <a:t>nhạy</a:t>
-            </a:r>
-            <a:r>
-              <a:rPr lang="en-US" sz="2900" dirty="0">
-                <a:latin typeface="Segoe UI" panose="020B0502040204020203" pitchFamily="34" charset="0"/>
-                <a:cs typeface="Segoe UI" panose="020B0502040204020203" pitchFamily="34" charset="0"/>
-              </a:rPr>
-              <a:t> </a:t>
-            </a:r>
-            <a:r>
-              <a:rPr lang="en-US" sz="2900" dirty="0" err="1">
-                <a:latin typeface="Segoe UI" panose="020B0502040204020203" pitchFamily="34" charset="0"/>
-                <a:cs typeface="Segoe UI" panose="020B0502040204020203" pitchFamily="34" charset="0"/>
-              </a:rPr>
-              <a:t>cảm</a:t>
-            </a:r>
-            <a:r>
-              <a:rPr lang="en-US" sz="2900" dirty="0">
-                <a:latin typeface="Segoe UI" panose="020B0502040204020203" pitchFamily="34" charset="0"/>
-                <a:cs typeface="Segoe UI" panose="020B0502040204020203" pitchFamily="34" charset="0"/>
-              </a:rPr>
-              <a:t> </a:t>
-            </a:r>
-            <a:r>
-              <a:rPr lang="en-US" sz="2900" dirty="0" err="1">
-                <a:latin typeface="Segoe UI" panose="020B0502040204020203" pitchFamily="34" charset="0"/>
-                <a:cs typeface="Segoe UI" panose="020B0502040204020203" pitchFamily="34" charset="0"/>
-              </a:rPr>
-              <a:t>bằng</a:t>
-            </a:r>
-            <a:r>
-              <a:rPr lang="en-US" sz="2900" dirty="0">
-                <a:latin typeface="Segoe UI" panose="020B0502040204020203" pitchFamily="34" charset="0"/>
-                <a:cs typeface="Segoe UI" panose="020B0502040204020203" pitchFamily="34" charset="0"/>
-              </a:rPr>
-              <a:t> RNS </a:t>
-            </a:r>
-            <a:r>
-              <a:rPr lang="en-US" sz="2900" dirty="0" err="1">
-                <a:latin typeface="Segoe UI" panose="020B0502040204020203" pitchFamily="34" charset="0"/>
-                <a:cs typeface="Segoe UI" panose="020B0502040204020203" pitchFamily="34" charset="0"/>
-              </a:rPr>
-              <a:t>là</a:t>
-            </a:r>
-            <a:r>
-              <a:rPr lang="en-US" sz="2900" dirty="0">
-                <a:latin typeface="Segoe UI" panose="020B0502040204020203" pitchFamily="34" charset="0"/>
-                <a:cs typeface="Segoe UI" panose="020B0502040204020203" pitchFamily="34" charset="0"/>
-              </a:rPr>
-              <a:t> </a:t>
-            </a:r>
-            <a:r>
-              <a:rPr lang="en-US" sz="2900" dirty="0" err="1">
-                <a:latin typeface="Segoe UI" panose="020B0502040204020203" pitchFamily="34" charset="0"/>
-                <a:cs typeface="Segoe UI" panose="020B0502040204020203" pitchFamily="34" charset="0"/>
-              </a:rPr>
-              <a:t>một</a:t>
-            </a:r>
-            <a:r>
-              <a:rPr lang="en-US" sz="2900" dirty="0">
-                <a:latin typeface="Segoe UI" panose="020B0502040204020203" pitchFamily="34" charset="0"/>
-                <a:cs typeface="Segoe UI" panose="020B0502040204020203" pitchFamily="34" charset="0"/>
-              </a:rPr>
-              <a:t> ý </a:t>
-            </a:r>
-            <a:r>
-              <a:rPr lang="en-US" sz="2900" dirty="0" err="1">
-                <a:latin typeface="Segoe UI" panose="020B0502040204020203" pitchFamily="34" charset="0"/>
-                <a:cs typeface="Segoe UI" panose="020B0502040204020203" pitchFamily="34" charset="0"/>
-              </a:rPr>
-              <a:t>tưởng</a:t>
-            </a:r>
-            <a:r>
-              <a:rPr lang="en-US" sz="2900" dirty="0">
-                <a:latin typeface="Segoe UI" panose="020B0502040204020203" pitchFamily="34" charset="0"/>
-                <a:cs typeface="Segoe UI" panose="020B0502040204020203" pitchFamily="34" charset="0"/>
-              </a:rPr>
-              <a:t> </a:t>
-            </a:r>
-            <a:r>
-              <a:rPr lang="en-US" sz="2900" dirty="0" err="1">
-                <a:latin typeface="Segoe UI" panose="020B0502040204020203" pitchFamily="34" charset="0"/>
-                <a:cs typeface="Segoe UI" panose="020B0502040204020203" pitchFamily="34" charset="0"/>
-              </a:rPr>
-              <a:t>tồi</a:t>
-            </a:r>
-            <a:endParaRPr lang="vi-VN" sz="2900" dirty="0">
-              <a:latin typeface="Segoe UI" panose="020B0502040204020203" pitchFamily="34" charset="0"/>
-              <a:cs typeface="Segoe UI" panose="020B0502040204020203" pitchFamily="34" charset="0"/>
-            </a:endParaRPr>
-          </a:p>
-        </p:txBody>
-      </p:sp>
-      <p:pic>
-        <p:nvPicPr>
-          <p:cNvPr id="2" name="Picture 1"/>
-          <p:cNvPicPr>
-            <a:picLocks noChangeAspect="1"/>
-          </p:cNvPicPr>
-          <p:nvPr/>
-        </p:nvPicPr>
-        <p:blipFill>
-          <a:blip r:embed="rId2" cstate="print">
-            <a:extLst>
-              <a:ext uri="{28A0092B-C50C-407E-A947-70E740481C1C}">
-                <a14:useLocalDpi xmlns:a14="http://schemas.microsoft.com/office/drawing/2010/main" val="0"/>
-              </a:ext>
-            </a:extLst>
-          </a:blip>
-          <a:stretch>
-            <a:fillRect/>
-          </a:stretch>
-        </p:blipFill>
-        <p:spPr>
-          <a:xfrm>
-            <a:off x="2647604" y="2191727"/>
-            <a:ext cx="1080655" cy="1080655"/>
-          </a:xfrm>
-          <a:prstGeom prst="rect">
-            <a:avLst/>
-          </a:prstGeom>
-        </p:spPr>
-      </p:pic>
     </p:spTree>
     <p:extLst>
       <p:ext uri="{BB962C8B-B14F-4D97-AF65-F5344CB8AC3E}">
-        <p14:creationId xmlns:p14="http://schemas.microsoft.com/office/powerpoint/2010/main" val="1392155971"/>
+        <p14:creationId xmlns:p14="http://schemas.microsoft.com/office/powerpoint/2010/main" val="2418629306"/>
       </p:ext>
     </p:extLst>
   </p:cSld>
@@ -13606,224 +14511,9 @@
   <p:timing>
     <p:tnLst>
       <p:par>
-        <p:cTn id="1" dur="indefinite" restart="never" nodeType="tmRoot">
-          <p:childTnLst>
-            <p:seq concurrent="1" nextAc="seek">
-              <p:cTn id="2" dur="indefinite" nodeType="mainSeq">
-                <p:childTnLst>
-                  <p:par>
-                    <p:cTn id="3" fill="hold">
-                      <p:stCondLst>
-                        <p:cond delay="indefinite"/>
-                      </p:stCondLst>
-                      <p:childTnLst>
-                        <p:par>
-                          <p:cTn id="4" fill="hold">
-                            <p:stCondLst>
-                              <p:cond delay="0"/>
-                            </p:stCondLst>
-                            <p:childTnLst>
-                              <p:par>
-                                <p:cTn id="5" presetID="21" presetClass="entr" presetSubtype="8" fill="hold" nodeType="clickEffect">
-                                  <p:stCondLst>
-                                    <p:cond delay="0"/>
-                                  </p:stCondLst>
-                                  <p:childTnLst>
-                                    <p:set>
-                                      <p:cBhvr>
-                                        <p:cTn id="6" dur="1" fill="hold">
-                                          <p:stCondLst>
-                                            <p:cond delay="0"/>
-                                          </p:stCondLst>
-                                        </p:cTn>
-                                        <p:tgtEl>
-                                          <p:spTgt spid="2"/>
-                                        </p:tgtEl>
-                                        <p:attrNameLst>
-                                          <p:attrName>style.visibility</p:attrName>
-                                        </p:attrNameLst>
-                                      </p:cBhvr>
-                                      <p:to>
-                                        <p:strVal val="visible"/>
-                                      </p:to>
-                                    </p:set>
-                                    <p:animEffect transition="in" filter="wheel(8)">
-                                      <p:cBhvr>
-                                        <p:cTn id="7" dur="2000"/>
-                                        <p:tgtEl>
-                                          <p:spTgt spid="2"/>
-                                        </p:tgtEl>
-                                      </p:cBhvr>
-                                    </p:animEffect>
-                                  </p:childTnLst>
-                                </p:cTn>
-                              </p:par>
-                            </p:childTnLst>
-                          </p:cTn>
-                        </p:par>
-                        <p:par>
-                          <p:cTn id="8" fill="hold">
-                            <p:stCondLst>
-                              <p:cond delay="2000"/>
-                            </p:stCondLst>
-                            <p:childTnLst>
-                              <p:par>
-                                <p:cTn id="9" presetID="22" presetClass="entr" presetSubtype="8" fill="hold" grpId="0" nodeType="afterEffect">
-                                  <p:stCondLst>
-                                    <p:cond delay="0"/>
-                                  </p:stCondLst>
-                                  <p:childTnLst>
-                                    <p:set>
-                                      <p:cBhvr>
-                                        <p:cTn id="10" dur="1" fill="hold">
-                                          <p:stCondLst>
-                                            <p:cond delay="0"/>
-                                          </p:stCondLst>
-                                        </p:cTn>
-                                        <p:tgtEl>
-                                          <p:spTgt spid="5"/>
-                                        </p:tgtEl>
-                                        <p:attrNameLst>
-                                          <p:attrName>style.visibility</p:attrName>
-                                        </p:attrNameLst>
-                                      </p:cBhvr>
-                                      <p:to>
-                                        <p:strVal val="visible"/>
-                                      </p:to>
-                                    </p:set>
-                                    <p:animEffect transition="in" filter="wipe(left)">
-                                      <p:cBhvr>
-                                        <p:cTn id="11" dur="500"/>
-                                        <p:tgtEl>
-                                          <p:spTgt spid="5"/>
-                                        </p:tgtEl>
-                                      </p:cBhvr>
-                                    </p:animEffect>
-                                  </p:childTnLst>
-                                </p:cTn>
-                              </p:par>
-                            </p:childTnLst>
-                          </p:cTn>
-                        </p:par>
-                      </p:childTnLst>
-                    </p:cTn>
-                  </p:par>
-                  <p:par>
-                    <p:cTn id="12" fill="hold">
-                      <p:stCondLst>
-                        <p:cond delay="indefinite"/>
-                      </p:stCondLst>
-                      <p:childTnLst>
-                        <p:par>
-                          <p:cTn id="13" fill="hold">
-                            <p:stCondLst>
-                              <p:cond delay="0"/>
-                            </p:stCondLst>
-                            <p:childTnLst>
-                              <p:par>
-                                <p:cTn id="14" presetID="2" presetClass="entr" presetSubtype="4" fill="hold" grpId="0" nodeType="clickEffect">
-                                  <p:stCondLst>
-                                    <p:cond delay="0"/>
-                                  </p:stCondLst>
-                                  <p:childTnLst>
-                                    <p:set>
-                                      <p:cBhvr>
-                                        <p:cTn id="15" dur="1" fill="hold">
-                                          <p:stCondLst>
-                                            <p:cond delay="0"/>
-                                          </p:stCondLst>
-                                        </p:cTn>
-                                        <p:tgtEl>
-                                          <p:spTgt spid="21"/>
-                                        </p:tgtEl>
-                                        <p:attrNameLst>
-                                          <p:attrName>style.visibility</p:attrName>
-                                        </p:attrNameLst>
-                                      </p:cBhvr>
-                                      <p:to>
-                                        <p:strVal val="visible"/>
-                                      </p:to>
-                                    </p:set>
-                                    <p:anim calcmode="lin" valueType="num">
-                                      <p:cBhvr additive="base">
-                                        <p:cTn id="16" dur="500" fill="hold"/>
-                                        <p:tgtEl>
-                                          <p:spTgt spid="21"/>
-                                        </p:tgtEl>
-                                        <p:attrNameLst>
-                                          <p:attrName>ppt_x</p:attrName>
-                                        </p:attrNameLst>
-                                      </p:cBhvr>
-                                      <p:tavLst>
-                                        <p:tav tm="0">
-                                          <p:val>
-                                            <p:strVal val="#ppt_x"/>
-                                          </p:val>
-                                        </p:tav>
-                                        <p:tav tm="100000">
-                                          <p:val>
-                                            <p:strVal val="#ppt_x"/>
-                                          </p:val>
-                                        </p:tav>
-                                      </p:tavLst>
-                                    </p:anim>
-                                    <p:anim calcmode="lin" valueType="num">
-                                      <p:cBhvr additive="base">
-                                        <p:cTn id="17" dur="500" fill="hold"/>
-                                        <p:tgtEl>
-                                          <p:spTgt spid="21"/>
-                                        </p:tgtEl>
-                                        <p:attrNameLst>
-                                          <p:attrName>ppt_y</p:attrName>
-                                        </p:attrNameLst>
-                                      </p:cBhvr>
-                                      <p:tavLst>
-                                        <p:tav tm="0">
-                                          <p:val>
-                                            <p:strVal val="1+#ppt_h/2"/>
-                                          </p:val>
-                                        </p:tav>
-                                        <p:tav tm="100000">
-                                          <p:val>
-                                            <p:strVal val="#ppt_y"/>
-                                          </p:val>
-                                        </p:tav>
-                                      </p:tavLst>
-                                    </p:anim>
-                                  </p:childTnLst>
-                                </p:cTn>
-                              </p:par>
-                            </p:childTnLst>
-                          </p:cTn>
-                        </p:par>
-                      </p:childTnLst>
-                    </p:cTn>
-                  </p:par>
-                </p:childTnLst>
-              </p:cTn>
-              <p:prevCondLst>
-                <p:cond evt="onPrev" delay="0">
-                  <p:tgtEl>
-                    <p:sldTgt/>
-                  </p:tgtEl>
-                </p:cond>
-              </p:prevCondLst>
-              <p:nextCondLst>
-                <p:cond evt="onNext" delay="0">
-                  <p:tgtEl>
-                    <p:sldTgt/>
-                  </p:tgtEl>
-                </p:cond>
-              </p:nextCondLst>
-            </p:seq>
-          </p:childTnLst>
-        </p:cTn>
+        <p:cTn id="1" dur="indefinite" restart="never" nodeType="tmRoot"/>
       </p:par>
     </p:tnLst>
-    <p:bldLst>
-      <p:bldP spid="5" grpId="0"/>
-      <p:bldP spid="21" grpId="0"/>
-    </p:bldLst>
   </p:timing>
 </p:sld>
 </file>
